--- a/Random Walk based Proximity Measures in Directed Graphs.pptx
+++ b/Random Walk based Proximity Measures in Directed Graphs.pptx
@@ -5,7 +5,7 @@
     <p:sldMasterId id="2147483660" r:id="rId1"/>
   </p:sldMasterIdLst>
   <p:notesMasterIdLst>
-    <p:notesMasterId r:id="rId25"/>
+    <p:notesMasterId r:id="rId27"/>
   </p:notesMasterIdLst>
   <p:sldIdLst>
     <p:sldId id="257" r:id="rId2"/>
@@ -31,6 +31,8 @@
     <p:sldId id="279" r:id="rId22"/>
     <p:sldId id="280" r:id="rId23"/>
     <p:sldId id="281" r:id="rId24"/>
+    <p:sldId id="282" r:id="rId25"/>
+    <p:sldId id="283" r:id="rId26"/>
   </p:sldIdLst>
   <p:sldSz cx="9144000" cy="6858000" type="screen4x3"/>
   <p:notesSz cx="6858000" cy="9144000"/>
@@ -131,7 +133,7 @@
   </p:defaultTextStyle>
   <p:extLst>
     <p:ext uri="{EFAFB233-063F-42B5-8137-9DF3F51BA10A}">
-      <p15:sldGuideLst xmlns:p15="http://schemas.microsoft.com/office/powerpoint/2012/main">
+      <p15:sldGuideLst xmlns:p15="http://schemas.microsoft.com/office/powerpoint/2012/main" xmlns="">
         <p15:guide id="1" orient="horz" pos="2160">
           <p15:clr>
             <a:srgbClr val="A4A3A4"/>
@@ -230,7 +232,7 @@
           <a:p>
             <a:fld id="{68F1ED60-613F-4894-A100-A48BBD071A74}" type="datetimeFigureOut">
               <a:rPr lang="en-US" smtClean="0"/>
-              <a:t>3/20/17</a:t>
+              <a:t>20-Mar-17</a:t>
             </a:fld>
             <a:endParaRPr lang="en-US"/>
           </a:p>
@@ -645,7 +647,7 @@
         <p:nvSpPr>
           <p:cNvPr id="89090" name="Rectangle 2"/>
           <p:cNvSpPr>
-            <a:spLocks noRot="1" noChangeArrowheads="1" noTextEdit="1"/>
+            <a:spLocks noGrp="1" noRot="1" noChangeAspect="1" noChangeArrowheads="1" noTextEdit="1"/>
           </p:cNvSpPr>
           <p:nvPr>
             <p:ph type="sldImg"/>
@@ -1224,7 +1226,7 @@
         <p:nvSpPr>
           <p:cNvPr id="237570" name="Rectangle 2"/>
           <p:cNvSpPr>
-            <a:spLocks noRot="1" noChangeArrowheads="1" noTextEdit="1"/>
+            <a:spLocks noGrp="1" noRot="1" noChangeAspect="1" noChangeArrowheads="1" noTextEdit="1"/>
           </p:cNvSpPr>
           <p:nvPr>
             <p:ph type="sldImg"/>
@@ -1339,7 +1341,7 @@
         <p:nvSpPr>
           <p:cNvPr id="130050" name="Rectangle 2"/>
           <p:cNvSpPr>
-            <a:spLocks noRot="1" noChangeArrowheads="1" noTextEdit="1"/>
+            <a:spLocks noGrp="1" noRot="1" noChangeAspect="1" noChangeArrowheads="1" noTextEdit="1"/>
           </p:cNvSpPr>
           <p:nvPr>
             <p:ph type="sldImg"/>
@@ -1439,7 +1441,7 @@
         <p:nvSpPr>
           <p:cNvPr id="212994" name="Rectangle 2"/>
           <p:cNvSpPr>
-            <a:spLocks noRot="1" noChangeArrowheads="1" noTextEdit="1"/>
+            <a:spLocks noGrp="1" noRot="1" noChangeAspect="1" noChangeArrowheads="1" noTextEdit="1"/>
           </p:cNvSpPr>
           <p:nvPr>
             <p:ph type="sldImg"/>
@@ -1528,7 +1530,7 @@
         <p:nvSpPr>
           <p:cNvPr id="254978" name="Rectangle 2"/>
           <p:cNvSpPr>
-            <a:spLocks noRot="1" noChangeArrowheads="1" noTextEdit="1"/>
+            <a:spLocks noGrp="1" noRot="1" noChangeAspect="1" noChangeArrowheads="1" noTextEdit="1"/>
           </p:cNvSpPr>
           <p:nvPr>
             <p:ph type="sldImg"/>
@@ -1715,7 +1717,7 @@
         <p:nvSpPr>
           <p:cNvPr id="238594" name="Rectangle 2"/>
           <p:cNvSpPr>
-            <a:spLocks noRot="1" noChangeArrowheads="1" noTextEdit="1"/>
+            <a:spLocks noGrp="1" noRot="1" noChangeAspect="1" noChangeArrowheads="1" noTextEdit="1"/>
           </p:cNvSpPr>
           <p:nvPr>
             <p:ph type="sldImg"/>
@@ -1804,7 +1806,7 @@
         <p:nvSpPr>
           <p:cNvPr id="239618" name="Rectangle 2"/>
           <p:cNvSpPr>
-            <a:spLocks noRot="1" noChangeArrowheads="1" noTextEdit="1"/>
+            <a:spLocks noGrp="1" noRot="1" noChangeAspect="1" noChangeArrowheads="1" noTextEdit="1"/>
           </p:cNvSpPr>
           <p:nvPr>
             <p:ph type="sldImg"/>
@@ -1893,7 +1895,7 @@
         <p:nvSpPr>
           <p:cNvPr id="240642" name="Rectangle 2"/>
           <p:cNvSpPr>
-            <a:spLocks noRot="1" noChangeArrowheads="1" noTextEdit="1"/>
+            <a:spLocks noGrp="1" noRot="1" noChangeAspect="1" noChangeArrowheads="1" noTextEdit="1"/>
           </p:cNvSpPr>
           <p:nvPr>
             <p:ph type="sldImg"/>
@@ -2037,6 +2039,202 @@
 </p:notes>
 </file>
 
+<file path=ppt/notesSlides/notesSlide24.xml><?xml version="1.0" encoding="utf-8"?>
+<p:notes xmlns:a="http://schemas.openxmlformats.org/drawingml/2006/main" xmlns:r="http://schemas.openxmlformats.org/officeDocument/2006/relationships" xmlns:p="http://schemas.openxmlformats.org/presentationml/2006/main">
+  <p:cSld>
+    <p:spTree>
+      <p:nvGrpSpPr>
+        <p:cNvPr id="1" name=""/>
+        <p:cNvGrpSpPr/>
+        <p:nvPr/>
+      </p:nvGrpSpPr>
+      <p:grpSpPr>
+        <a:xfrm>
+          <a:off x="0" y="0"/>
+          <a:ext cx="0" cy="0"/>
+          <a:chOff x="0" y="0"/>
+          <a:chExt cx="0" cy="0"/>
+        </a:xfrm>
+      </p:grpSpPr>
+      <p:sp>
+        <p:nvSpPr>
+          <p:cNvPr id="7" name="Rectangle 7"/>
+          <p:cNvSpPr>
+            <a:spLocks noGrp="1" noChangeArrowheads="1"/>
+          </p:cNvSpPr>
+          <p:nvPr>
+            <p:ph type="sldNum" sz="quarter" idx="5"/>
+          </p:nvPr>
+        </p:nvSpPr>
+        <p:spPr>
+          <a:ln/>
+        </p:spPr>
+        <p:txBody>
+          <a:bodyPr/>
+          <a:lstStyle/>
+          <a:p>
+            <a:fld id="{D7588CFA-B87B-4BA5-AB21-272E6399FDC7}" type="slidenum">
+              <a:rPr lang="en-US" altLang="en-US"/>
+              <a:pPr/>
+              <a:t>24</a:t>
+            </a:fld>
+            <a:endParaRPr lang="en-US" altLang="en-US"/>
+          </a:p>
+        </p:txBody>
+      </p:sp>
+      <p:sp>
+        <p:nvSpPr>
+          <p:cNvPr id="431106" name="Rectangle 2"/>
+          <p:cNvSpPr>
+            <a:spLocks noGrp="1" noRot="1" noChangeAspect="1" noChangeArrowheads="1" noTextEdit="1"/>
+          </p:cNvSpPr>
+          <p:nvPr>
+            <p:ph type="sldImg"/>
+          </p:nvPr>
+        </p:nvSpPr>
+        <p:spPr>
+          <a:ln/>
+        </p:spPr>
+      </p:sp>
+      <p:sp>
+        <p:nvSpPr>
+          <p:cNvPr id="431107" name="Rectangle 3"/>
+          <p:cNvSpPr>
+            <a:spLocks noGrp="1" noChangeArrowheads="1"/>
+          </p:cNvSpPr>
+          <p:nvPr>
+            <p:ph type="body" idx="1"/>
+          </p:nvPr>
+        </p:nvSpPr>
+        <p:spPr/>
+        <p:txBody>
+          <a:bodyPr/>
+          <a:lstStyle/>
+          <a:p>
+            <a:r>
+              <a:rPr lang="en-US" altLang="en-US" dirty="0"/>
+              <a:t>Lets start with a few examples which require ranking on large graphs. Take for example recommender networks.</a:t>
+            </a:r>
+          </a:p>
+          <a:p>
+            <a:r>
+              <a:rPr lang="en-US" altLang="en-US" dirty="0"/>
+              <a:t>Here we have a bipartite graph of customers and movies. A customer has a link to a movie if he/she rated that movie. Now the question is…</a:t>
+            </a:r>
+          </a:p>
+        </p:txBody>
+      </p:sp>
+    </p:spTree>
+    <p:extLst>
+      <p:ext uri="{BB962C8B-B14F-4D97-AF65-F5344CB8AC3E}">
+        <p14:creationId xmlns:p14="http://schemas.microsoft.com/office/powerpoint/2010/main" val="2012918360"/>
+      </p:ext>
+    </p:extLst>
+  </p:cSld>
+  <p:clrMapOvr>
+    <a:masterClrMapping/>
+  </p:clrMapOvr>
+</p:notes>
+</file>
+
+<file path=ppt/notesSlides/notesSlide25.xml><?xml version="1.0" encoding="utf-8"?>
+<p:notes xmlns:a="http://schemas.openxmlformats.org/drawingml/2006/main" xmlns:r="http://schemas.openxmlformats.org/officeDocument/2006/relationships" xmlns:p="http://schemas.openxmlformats.org/presentationml/2006/main">
+  <p:cSld>
+    <p:spTree>
+      <p:nvGrpSpPr>
+        <p:cNvPr id="1" name=""/>
+        <p:cNvGrpSpPr/>
+        <p:nvPr/>
+      </p:nvGrpSpPr>
+      <p:grpSpPr>
+        <a:xfrm>
+          <a:off x="0" y="0"/>
+          <a:ext cx="0" cy="0"/>
+          <a:chOff x="0" y="0"/>
+          <a:chExt cx="0" cy="0"/>
+        </a:xfrm>
+      </p:grpSpPr>
+      <p:sp>
+        <p:nvSpPr>
+          <p:cNvPr id="7" name="Rectangle 7"/>
+          <p:cNvSpPr>
+            <a:spLocks noGrp="1" noChangeArrowheads="1"/>
+          </p:cNvSpPr>
+          <p:nvPr>
+            <p:ph type="sldNum" sz="quarter" idx="5"/>
+          </p:nvPr>
+        </p:nvSpPr>
+        <p:spPr>
+          <a:ln/>
+        </p:spPr>
+        <p:txBody>
+          <a:bodyPr/>
+          <a:lstStyle/>
+          <a:p>
+            <a:fld id="{D7588CFA-B87B-4BA5-AB21-272E6399FDC7}" type="slidenum">
+              <a:rPr lang="en-US" altLang="en-US"/>
+              <a:pPr/>
+              <a:t>25</a:t>
+            </a:fld>
+            <a:endParaRPr lang="en-US" altLang="en-US"/>
+          </a:p>
+        </p:txBody>
+      </p:sp>
+      <p:sp>
+        <p:nvSpPr>
+          <p:cNvPr id="431106" name="Rectangle 2"/>
+          <p:cNvSpPr>
+            <a:spLocks noGrp="1" noRot="1" noChangeAspect="1" noChangeArrowheads="1" noTextEdit="1"/>
+          </p:cNvSpPr>
+          <p:nvPr>
+            <p:ph type="sldImg"/>
+          </p:nvPr>
+        </p:nvSpPr>
+        <p:spPr>
+          <a:ln/>
+        </p:spPr>
+      </p:sp>
+      <p:sp>
+        <p:nvSpPr>
+          <p:cNvPr id="431107" name="Rectangle 3"/>
+          <p:cNvSpPr>
+            <a:spLocks noGrp="1" noChangeArrowheads="1"/>
+          </p:cNvSpPr>
+          <p:nvPr>
+            <p:ph type="body" idx="1"/>
+          </p:nvPr>
+        </p:nvSpPr>
+        <p:spPr/>
+        <p:txBody>
+          <a:bodyPr/>
+          <a:lstStyle/>
+          <a:p>
+            <a:r>
+              <a:rPr lang="en-US" altLang="en-US" dirty="0"/>
+              <a:t>Lets start with a few examples which require ranking on large graphs. Take for example recommender networks.</a:t>
+            </a:r>
+          </a:p>
+          <a:p>
+            <a:r>
+              <a:rPr lang="en-US" altLang="en-US" dirty="0"/>
+              <a:t>Here we have a bipartite graph of customers and movies. A customer has a link to a movie if he/she rated that movie. Now the question is…</a:t>
+            </a:r>
+          </a:p>
+        </p:txBody>
+      </p:sp>
+    </p:spTree>
+    <p:extLst>
+      <p:ext uri="{BB962C8B-B14F-4D97-AF65-F5344CB8AC3E}">
+        <p14:creationId xmlns:p14="http://schemas.microsoft.com/office/powerpoint/2010/main" val="2012918360"/>
+      </p:ext>
+    </p:extLst>
+  </p:cSld>
+  <p:clrMapOvr>
+    <a:masterClrMapping/>
+  </p:clrMapOvr>
+</p:notes>
+</file>
+
 <file path=ppt/notesSlides/notesSlide3.xml><?xml version="1.0" encoding="utf-8"?>
 <p:notes xmlns:a="http://schemas.openxmlformats.org/drawingml/2006/main" xmlns:r="http://schemas.openxmlformats.org/officeDocument/2006/relationships" xmlns:p="http://schemas.openxmlformats.org/presentationml/2006/main">
   <p:cSld>
@@ -2576,7 +2774,7 @@
         <p:nvSpPr>
           <p:cNvPr id="81922" name="Rectangle 2"/>
           <p:cNvSpPr>
-            <a:spLocks noRot="1" noChangeArrowheads="1" noTextEdit="1"/>
+            <a:spLocks noGrp="1" noRot="1" noChangeAspect="1" noChangeArrowheads="1" noTextEdit="1"/>
           </p:cNvSpPr>
           <p:nvPr>
             <p:ph type="sldImg"/>
@@ -6887,7 +7085,7 @@
       </p:grpSpPr>
       <p:sp>
         <p:nvSpPr>
-          <p:cNvPr id="84995" name="Rectangle 3"/>
+          <p:cNvPr id="84995" name="Rectangle 3 1"/>
           <p:cNvSpPr>
             <a:spLocks noGrp="1" noChangeArrowheads="1"/>
           </p:cNvSpPr>
@@ -6905,7 +7103,7 @@
           <a:bodyPr/>
           <a:lstStyle/>
           <a:p>
-            <a:endParaRPr lang="en-US" altLang="en-US" sz="2800"/>
+            <a:endParaRPr lang="en-US" altLang="en-US" sz="2800" dirty="0"/>
           </a:p>
           <a:p>
             <a:endParaRPr lang="en-US" altLang="en-US" sz="2800" dirty="0"/>
@@ -6916,7 +7114,7 @@
         <p:nvGraphicFramePr>
           <p:cNvPr id="84996" name="Object 4"/>
           <p:cNvGraphicFramePr>
-            <a:graphicFrameLocks noChangeAspect="1"/>
+            <a:graphicFrameLocks noGrp="1" noChangeAspect="1"/>
           </p:cNvGraphicFramePr>
           <p:nvPr>
             <p:ph sz="quarter" idx="2"/>
@@ -6935,12 +7133,12 @@
           <a:graphicData uri="http://schemas.openxmlformats.org/presentationml/2006/ole">
             <mc:AlternateContent xmlns:mc="http://schemas.openxmlformats.org/markup-compatibility/2006">
               <mc:Choice xmlns:v="urn:schemas-microsoft-com:vml" Requires="v">
-                <p:oleObj spid="_x0000_s26137" name="Visio" r:id="rId5" imgW="5289194" imgH="1988515" progId="Visio.Drawing.11">
+                <p:oleObj spid="_x0000_s26645" name="Visio" r:id="rId9" imgW="5289194" imgH="1988515" progId="Visio.Drawing.11">
                   <p:embed/>
                 </p:oleObj>
               </mc:Choice>
               <mc:Fallback>
-                <p:oleObj name="Visio" r:id="rId5" imgW="5289194" imgH="1988515" progId="Visio.Drawing.11">
+                <p:oleObj name="Visio" r:id="rId9" imgW="5289194" imgH="1988515" progId="Visio.Drawing.11">
                   <p:embed/>
                   <p:pic>
                     <p:nvPicPr>
@@ -6951,7 +7149,7 @@
                       <p:nvPr/>
                     </p:nvPicPr>
                     <p:blipFill>
-                      <a:blip r:embed="rId6">
+                      <a:blip r:embed="rId10">
                         <a:extLst>
                           <a:ext uri="{28A0092B-C50C-407E-A947-70E740481C1C}">
                             <a14:useLocalDpi xmlns:a14="http://schemas.microsoft.com/office/drawing/2010/main" val="0"/>
@@ -7018,7 +7216,7 @@
         <p:nvGraphicFramePr>
           <p:cNvPr id="84999" name="Object 7"/>
           <p:cNvGraphicFramePr>
-            <a:graphicFrameLocks noChangeAspect="1"/>
+            <a:graphicFrameLocks noGrp="1" noChangeAspect="1"/>
           </p:cNvGraphicFramePr>
           <p:nvPr>
             <p:ph sz="quarter" idx="3"/>
@@ -7037,12 +7235,12 @@
           <a:graphicData uri="http://schemas.openxmlformats.org/presentationml/2006/ole">
             <mc:AlternateContent xmlns:mc="http://schemas.openxmlformats.org/markup-compatibility/2006">
               <mc:Choice xmlns:v="urn:schemas-microsoft-com:vml" Requires="v">
-                <p:oleObj spid="_x0000_s26138" name="Visio" r:id="rId7" imgW="5289194" imgH="2888590" progId="Visio.Drawing.11">
+                <p:oleObj spid="_x0000_s26646" name="Visio" r:id="rId11" imgW="5289194" imgH="2888590" progId="Visio.Drawing.11">
                   <p:embed/>
                 </p:oleObj>
               </mc:Choice>
               <mc:Fallback>
-                <p:oleObj name="Visio" r:id="rId7" imgW="5289194" imgH="2888590" progId="Visio.Drawing.11">
+                <p:oleObj name="Visio" r:id="rId11" imgW="5289194" imgH="2888590" progId="Visio.Drawing.11">
                   <p:embed/>
                   <p:pic>
                     <p:nvPicPr>
@@ -7053,7 +7251,7 @@
                       <p:nvPr/>
                     </p:nvPicPr>
                     <p:blipFill>
-                      <a:blip r:embed="rId8">
+                      <a:blip r:embed="rId12">
                         <a:extLst>
                           <a:ext uri="{28A0092B-C50C-407E-A947-70E740481C1C}">
                             <a14:useLocalDpi xmlns:a14="http://schemas.microsoft.com/office/drawing/2010/main" val="0"/>
@@ -7116,406 +7314,6 @@
           </a:graphicData>
         </a:graphic>
       </p:graphicFrame>
-      <p:sp>
-        <p:nvSpPr>
-          <p:cNvPr id="85002" name="Rectangle 10"/>
-          <p:cNvSpPr>
-            <a:spLocks noChangeArrowheads="1"/>
-          </p:cNvSpPr>
-          <p:nvPr/>
-        </p:nvSpPr>
-        <p:spPr bwMode="auto">
-          <a:xfrm>
-            <a:off x="6027738" y="3124200"/>
-            <a:ext cx="2590800" cy="381000"/>
-          </a:xfrm>
-          <a:prstGeom prst="rect">
-            <a:avLst/>
-          </a:prstGeom>
-          <a:noFill/>
-          <a:ln>
-            <a:noFill/>
-          </a:ln>
-          <a:effectLst/>
-          <a:extLst>
-            <a:ext uri="{909E8E84-426E-40DD-AFC4-6F175D3DCCD1}">
-              <a14:hiddenFill xmlns:a14="http://schemas.microsoft.com/office/drawing/2010/main">
-                <a:solidFill>
-                  <a:schemeClr val="accent1"/>
-                </a:solidFill>
-              </a14:hiddenFill>
-            </a:ext>
-            <a:ext uri="{91240B29-F687-4F45-9708-019B960494DF}">
-              <a14:hiddenLine xmlns:a14="http://schemas.microsoft.com/office/drawing/2010/main" w="9525">
-                <a:solidFill>
-                  <a:schemeClr val="tx1"/>
-                </a:solidFill>
-                <a:miter lim="800000"/>
-                <a:headEnd/>
-                <a:tailEnd/>
-              </a14:hiddenLine>
-            </a:ext>
-            <a:ext uri="{AF507438-7753-43E0-B8FC-AC1667EBCBE1}">
-              <a14:hiddenEffects xmlns:a14="http://schemas.microsoft.com/office/drawing/2010/main">
-                <a:effectLst>
-                  <a:outerShdw blurRad="63500" dist="38099" dir="2700000" algn="ctr" rotWithShape="0">
-                    <a:schemeClr val="bg2">
-                      <a:alpha val="74998"/>
-                    </a:schemeClr>
-                  </a:outerShdw>
-                </a:effectLst>
-              </a14:hiddenEffects>
-            </a:ext>
-          </a:extLst>
-        </p:spPr>
-        <p:txBody>
-          <a:bodyPr/>
-          <a:lstStyle>
-            <a:lvl1pPr marL="342900" indent="-342900">
-              <a:spcBef>
-                <a:spcPct val="20000"/>
-              </a:spcBef>
-              <a:buChar char="•"/>
-              <a:defRPr sz="3200">
-                <a:solidFill>
-                  <a:schemeClr val="tx1"/>
-                </a:solidFill>
-                <a:latin typeface="Arial" charset="0"/>
-              </a:defRPr>
-            </a:lvl1pPr>
-            <a:lvl2pPr marL="742950" indent="-285750">
-              <a:spcBef>
-                <a:spcPct val="20000"/>
-              </a:spcBef>
-              <a:buChar char="–"/>
-              <a:defRPr sz="2800">
-                <a:solidFill>
-                  <a:schemeClr val="tx1"/>
-                </a:solidFill>
-                <a:latin typeface="Arial" charset="0"/>
-              </a:defRPr>
-            </a:lvl2pPr>
-            <a:lvl3pPr marL="1143000" indent="-228600">
-              <a:spcBef>
-                <a:spcPct val="20000"/>
-              </a:spcBef>
-              <a:buChar char="•"/>
-              <a:defRPr sz="2400">
-                <a:solidFill>
-                  <a:schemeClr val="tx1"/>
-                </a:solidFill>
-                <a:latin typeface="Arial" charset="0"/>
-              </a:defRPr>
-            </a:lvl3pPr>
-            <a:lvl4pPr marL="1600200" indent="-228600">
-              <a:spcBef>
-                <a:spcPct val="20000"/>
-              </a:spcBef>
-              <a:buChar char="–"/>
-              <a:defRPr sz="2000">
-                <a:solidFill>
-                  <a:schemeClr val="tx1"/>
-                </a:solidFill>
-                <a:latin typeface="Arial" charset="0"/>
-              </a:defRPr>
-            </a:lvl4pPr>
-            <a:lvl5pPr marL="2057400" indent="-228600">
-              <a:spcBef>
-                <a:spcPct val="20000"/>
-              </a:spcBef>
-              <a:buChar char="»"/>
-              <a:defRPr sz="2000">
-                <a:solidFill>
-                  <a:schemeClr val="tx1"/>
-                </a:solidFill>
-                <a:latin typeface="Arial" charset="0"/>
-              </a:defRPr>
-            </a:lvl5pPr>
-            <a:lvl6pPr marL="2514600" indent="-228600" fontAlgn="base">
-              <a:spcBef>
-                <a:spcPct val="20000"/>
-              </a:spcBef>
-              <a:spcAft>
-                <a:spcPct val="0"/>
-              </a:spcAft>
-              <a:buChar char="»"/>
-              <a:defRPr sz="2000">
-                <a:solidFill>
-                  <a:schemeClr val="tx1"/>
-                </a:solidFill>
-                <a:latin typeface="Arial" charset="0"/>
-              </a:defRPr>
-            </a:lvl6pPr>
-            <a:lvl7pPr marL="2971800" indent="-228600" fontAlgn="base">
-              <a:spcBef>
-                <a:spcPct val="20000"/>
-              </a:spcBef>
-              <a:spcAft>
-                <a:spcPct val="0"/>
-              </a:spcAft>
-              <a:buChar char="»"/>
-              <a:defRPr sz="2000">
-                <a:solidFill>
-                  <a:schemeClr val="tx1"/>
-                </a:solidFill>
-                <a:latin typeface="Arial" charset="0"/>
-              </a:defRPr>
-            </a:lvl7pPr>
-            <a:lvl8pPr marL="3429000" indent="-228600" fontAlgn="base">
-              <a:spcBef>
-                <a:spcPct val="20000"/>
-              </a:spcBef>
-              <a:spcAft>
-                <a:spcPct val="0"/>
-              </a:spcAft>
-              <a:buChar char="»"/>
-              <a:defRPr sz="2000">
-                <a:solidFill>
-                  <a:schemeClr val="tx1"/>
-                </a:solidFill>
-                <a:latin typeface="Arial" charset="0"/>
-              </a:defRPr>
-            </a:lvl8pPr>
-            <a:lvl9pPr marL="3886200" indent="-228600" fontAlgn="base">
-              <a:spcBef>
-                <a:spcPct val="20000"/>
-              </a:spcBef>
-              <a:spcAft>
-                <a:spcPct val="0"/>
-              </a:spcAft>
-              <a:buChar char="»"/>
-              <a:defRPr sz="2000">
-                <a:solidFill>
-                  <a:schemeClr val="tx1"/>
-                </a:solidFill>
-                <a:latin typeface="Arial" charset="0"/>
-              </a:defRPr>
-            </a:lvl9pPr>
-          </a:lstStyle>
-          <a:p>
-            <a:pPr>
-              <a:buFontTx/>
-              <a:buNone/>
-            </a:pPr>
-            <a:r>
-              <a:rPr lang="en-US" altLang="en-US" sz="1900" dirty="0" err="1">
-                <a:solidFill>
-                  <a:srgbClr val="FF0000"/>
-                </a:solidFill>
-              </a:rPr>
-              <a:t>Prox</a:t>
-            </a:r>
-            <a:r>
-              <a:rPr lang="en-US" altLang="en-US" sz="1900" dirty="0">
-                <a:solidFill>
-                  <a:srgbClr val="FF0000"/>
-                </a:solidFill>
-              </a:rPr>
-              <a:t>(a-&gt;b)=0.91</a:t>
-            </a:r>
-          </a:p>
-        </p:txBody>
-      </p:sp>
-      <p:sp>
-        <p:nvSpPr>
-          <p:cNvPr id="85003" name="Rectangle 11"/>
-          <p:cNvSpPr>
-            <a:spLocks noChangeArrowheads="1"/>
-          </p:cNvSpPr>
-          <p:nvPr/>
-        </p:nvSpPr>
-        <p:spPr bwMode="auto">
-          <a:xfrm>
-            <a:off x="5799138" y="5791200"/>
-            <a:ext cx="2590800" cy="381000"/>
-          </a:xfrm>
-          <a:prstGeom prst="rect">
-            <a:avLst/>
-          </a:prstGeom>
-          <a:noFill/>
-          <a:ln>
-            <a:noFill/>
-          </a:ln>
-          <a:effectLst/>
-          <a:extLst>
-            <a:ext uri="{909E8E84-426E-40DD-AFC4-6F175D3DCCD1}">
-              <a14:hiddenFill xmlns:a14="http://schemas.microsoft.com/office/drawing/2010/main">
-                <a:solidFill>
-                  <a:schemeClr val="accent1"/>
-                </a:solidFill>
-              </a14:hiddenFill>
-            </a:ext>
-            <a:ext uri="{91240B29-F687-4F45-9708-019B960494DF}">
-              <a14:hiddenLine xmlns:a14="http://schemas.microsoft.com/office/drawing/2010/main" w="9525">
-                <a:solidFill>
-                  <a:schemeClr val="tx1"/>
-                </a:solidFill>
-                <a:miter lim="800000"/>
-                <a:headEnd/>
-                <a:tailEnd/>
-              </a14:hiddenLine>
-            </a:ext>
-            <a:ext uri="{AF507438-7753-43E0-B8FC-AC1667EBCBE1}">
-              <a14:hiddenEffects xmlns:a14="http://schemas.microsoft.com/office/drawing/2010/main">
-                <a:effectLst>
-                  <a:outerShdw blurRad="63500" dist="38099" dir="2700000" algn="ctr" rotWithShape="0">
-                    <a:schemeClr val="bg2">
-                      <a:alpha val="74998"/>
-                    </a:schemeClr>
-                  </a:outerShdw>
-                </a:effectLst>
-              </a14:hiddenEffects>
-            </a:ext>
-          </a:extLst>
-        </p:spPr>
-        <p:txBody>
-          <a:bodyPr/>
-          <a:lstStyle>
-            <a:lvl1pPr marL="342900" indent="-342900">
-              <a:spcBef>
-                <a:spcPct val="20000"/>
-              </a:spcBef>
-              <a:buChar char="•"/>
-              <a:defRPr sz="3200">
-                <a:solidFill>
-                  <a:schemeClr val="tx1"/>
-                </a:solidFill>
-                <a:latin typeface="Arial" charset="0"/>
-              </a:defRPr>
-            </a:lvl1pPr>
-            <a:lvl2pPr marL="742950" indent="-285750">
-              <a:spcBef>
-                <a:spcPct val="20000"/>
-              </a:spcBef>
-              <a:buChar char="–"/>
-              <a:defRPr sz="2800">
-                <a:solidFill>
-                  <a:schemeClr val="tx1"/>
-                </a:solidFill>
-                <a:latin typeface="Arial" charset="0"/>
-              </a:defRPr>
-            </a:lvl2pPr>
-            <a:lvl3pPr marL="1143000" indent="-228600">
-              <a:spcBef>
-                <a:spcPct val="20000"/>
-              </a:spcBef>
-              <a:buChar char="•"/>
-              <a:defRPr sz="2400">
-                <a:solidFill>
-                  <a:schemeClr val="tx1"/>
-                </a:solidFill>
-                <a:latin typeface="Arial" charset="0"/>
-              </a:defRPr>
-            </a:lvl3pPr>
-            <a:lvl4pPr marL="1600200" indent="-228600">
-              <a:spcBef>
-                <a:spcPct val="20000"/>
-              </a:spcBef>
-              <a:buChar char="–"/>
-              <a:defRPr sz="2000">
-                <a:solidFill>
-                  <a:schemeClr val="tx1"/>
-                </a:solidFill>
-                <a:latin typeface="Arial" charset="0"/>
-              </a:defRPr>
-            </a:lvl4pPr>
-            <a:lvl5pPr marL="2057400" indent="-228600">
-              <a:spcBef>
-                <a:spcPct val="20000"/>
-              </a:spcBef>
-              <a:buChar char="»"/>
-              <a:defRPr sz="2000">
-                <a:solidFill>
-                  <a:schemeClr val="tx1"/>
-                </a:solidFill>
-                <a:latin typeface="Arial" charset="0"/>
-              </a:defRPr>
-            </a:lvl5pPr>
-            <a:lvl6pPr marL="2514600" indent="-228600" fontAlgn="base">
-              <a:spcBef>
-                <a:spcPct val="20000"/>
-              </a:spcBef>
-              <a:spcAft>
-                <a:spcPct val="0"/>
-              </a:spcAft>
-              <a:buChar char="»"/>
-              <a:defRPr sz="2000">
-                <a:solidFill>
-                  <a:schemeClr val="tx1"/>
-                </a:solidFill>
-                <a:latin typeface="Arial" charset="0"/>
-              </a:defRPr>
-            </a:lvl6pPr>
-            <a:lvl7pPr marL="2971800" indent="-228600" fontAlgn="base">
-              <a:spcBef>
-                <a:spcPct val="20000"/>
-              </a:spcBef>
-              <a:spcAft>
-                <a:spcPct val="0"/>
-              </a:spcAft>
-              <a:buChar char="»"/>
-              <a:defRPr sz="2000">
-                <a:solidFill>
-                  <a:schemeClr val="tx1"/>
-                </a:solidFill>
-                <a:latin typeface="Arial" charset="0"/>
-              </a:defRPr>
-            </a:lvl7pPr>
-            <a:lvl8pPr marL="3429000" indent="-228600" fontAlgn="base">
-              <a:spcBef>
-                <a:spcPct val="20000"/>
-              </a:spcBef>
-              <a:spcAft>
-                <a:spcPct val="0"/>
-              </a:spcAft>
-              <a:buChar char="»"/>
-              <a:defRPr sz="2000">
-                <a:solidFill>
-                  <a:schemeClr val="tx1"/>
-                </a:solidFill>
-                <a:latin typeface="Arial" charset="0"/>
-              </a:defRPr>
-            </a:lvl8pPr>
-            <a:lvl9pPr marL="3886200" indent="-228600" fontAlgn="base">
-              <a:spcBef>
-                <a:spcPct val="20000"/>
-              </a:spcBef>
-              <a:spcAft>
-                <a:spcPct val="0"/>
-              </a:spcAft>
-              <a:buChar char="»"/>
-              <a:defRPr sz="2000">
-                <a:solidFill>
-                  <a:schemeClr val="tx1"/>
-                </a:solidFill>
-                <a:latin typeface="Arial" charset="0"/>
-              </a:defRPr>
-            </a:lvl9pPr>
-          </a:lstStyle>
-          <a:p>
-            <a:pPr>
-              <a:buFontTx/>
-              <a:buNone/>
-            </a:pPr>
-            <a:r>
-              <a:rPr lang="en-US" altLang="en-US" sz="1900" dirty="0" err="1">
-                <a:solidFill>
-                  <a:srgbClr val="FF0000"/>
-                </a:solidFill>
-              </a:rPr>
-              <a:t>Prox</a:t>
-            </a:r>
-            <a:r>
-              <a:rPr lang="en-US" altLang="en-US" sz="1900" dirty="0">
-                <a:solidFill>
-                  <a:srgbClr val="FF0000"/>
-                </a:solidFill>
-              </a:rPr>
-              <a:t>(a-&gt;b)=0.74</a:t>
-            </a:r>
-          </a:p>
-        </p:txBody>
-      </p:sp>
       <p:graphicFrame>
         <p:nvGraphicFramePr>
           <p:cNvPr id="85004" name="Object 12"/>
@@ -7538,12 +7336,12 @@
           <a:graphicData uri="http://schemas.openxmlformats.org/presentationml/2006/ole">
             <mc:AlternateContent xmlns:mc="http://schemas.openxmlformats.org/markup-compatibility/2006">
               <mc:Choice xmlns:v="urn:schemas-microsoft-com:vml" Requires="v">
-                <p:oleObj spid="_x0000_s26139" name="Visio" r:id="rId9" imgW="5186172" imgH="754685" progId="Visio.Drawing.11">
+                <p:oleObj spid="_x0000_s26647" name="Visio" r:id="rId13" imgW="5186172" imgH="754685" progId="Visio.Drawing.11">
                   <p:embed/>
                 </p:oleObj>
               </mc:Choice>
               <mc:Fallback>
-                <p:oleObj name="Visio" r:id="rId9" imgW="5186172" imgH="754685" progId="Visio.Drawing.11">
+                <p:oleObj name="Visio" r:id="rId13" imgW="5186172" imgH="754685" progId="Visio.Drawing.11">
                   <p:embed/>
                   <p:pic>
                     <p:nvPicPr>
@@ -7554,7 +7352,7 @@
                       <p:nvPr/>
                     </p:nvPicPr>
                     <p:blipFill>
-                      <a:blip r:embed="rId10">
+                      <a:blip r:embed="rId14">
                         <a:extLst>
                           <a:ext uri="{28A0092B-C50C-407E-A947-70E740481C1C}">
                             <a14:useLocalDpi xmlns:a14="http://schemas.microsoft.com/office/drawing/2010/main" val="0"/>
@@ -7639,12 +7437,12 @@
           <a:graphicData uri="http://schemas.openxmlformats.org/presentationml/2006/ole">
             <mc:AlternateContent xmlns:mc="http://schemas.openxmlformats.org/markup-compatibility/2006">
               <mc:Choice xmlns:v="urn:schemas-microsoft-com:vml" Requires="v">
-                <p:oleObj spid="_x0000_s26140" name="Visio" r:id="rId11" imgW="5186172" imgH="1870558" progId="Visio.Drawing.11">
+                <p:oleObj spid="_x0000_s26648" name="Visio" r:id="rId15" imgW="5186172" imgH="1870558" progId="Visio.Drawing.11">
                   <p:embed/>
                 </p:oleObj>
               </mc:Choice>
               <mc:Fallback>
-                <p:oleObj name="Visio" r:id="rId11" imgW="5186172" imgH="1870558" progId="Visio.Drawing.11">
+                <p:oleObj name="Visio" r:id="rId15" imgW="5186172" imgH="1870558" progId="Visio.Drawing.11">
                   <p:embed/>
                   <p:pic>
                     <p:nvPicPr>
@@ -7655,7 +7453,7 @@
                       <p:nvPr/>
                     </p:nvPicPr>
                     <p:blipFill>
-                      <a:blip r:embed="rId12">
+                      <a:blip r:embed="rId16">
                         <a:extLst>
                           <a:ext uri="{28A0092B-C50C-407E-A947-70E740481C1C}">
                             <a14:useLocalDpi xmlns:a14="http://schemas.microsoft.com/office/drawing/2010/main" val="0"/>
@@ -7826,406 +7624,6 @@
       </p:sp>
       <p:sp>
         <p:nvSpPr>
-          <p:cNvPr id="85011" name="Rectangle 19"/>
-          <p:cNvSpPr>
-            <a:spLocks noChangeArrowheads="1"/>
-          </p:cNvSpPr>
-          <p:nvPr/>
-        </p:nvSpPr>
-        <p:spPr bwMode="auto">
-          <a:xfrm>
-            <a:off x="914400" y="2514600"/>
-            <a:ext cx="2590800" cy="381000"/>
-          </a:xfrm>
-          <a:prstGeom prst="rect">
-            <a:avLst/>
-          </a:prstGeom>
-          <a:noFill/>
-          <a:ln>
-            <a:noFill/>
-          </a:ln>
-          <a:effectLst/>
-          <a:extLst>
-            <a:ext uri="{909E8E84-426E-40DD-AFC4-6F175D3DCCD1}">
-              <a14:hiddenFill xmlns:a14="http://schemas.microsoft.com/office/drawing/2010/main">
-                <a:solidFill>
-                  <a:schemeClr val="accent1"/>
-                </a:solidFill>
-              </a14:hiddenFill>
-            </a:ext>
-            <a:ext uri="{91240B29-F687-4F45-9708-019B960494DF}">
-              <a14:hiddenLine xmlns:a14="http://schemas.microsoft.com/office/drawing/2010/main" w="9525">
-                <a:solidFill>
-                  <a:schemeClr val="tx1"/>
-                </a:solidFill>
-                <a:miter lim="800000"/>
-                <a:headEnd/>
-                <a:tailEnd/>
-              </a14:hiddenLine>
-            </a:ext>
-            <a:ext uri="{AF507438-7753-43E0-B8FC-AC1667EBCBE1}">
-              <a14:hiddenEffects xmlns:a14="http://schemas.microsoft.com/office/drawing/2010/main">
-                <a:effectLst>
-                  <a:outerShdw blurRad="63500" dist="38099" dir="2700000" algn="ctr" rotWithShape="0">
-                    <a:schemeClr val="bg2">
-                      <a:alpha val="74998"/>
-                    </a:schemeClr>
-                  </a:outerShdw>
-                </a:effectLst>
-              </a14:hiddenEffects>
-            </a:ext>
-          </a:extLst>
-        </p:spPr>
-        <p:txBody>
-          <a:bodyPr/>
-          <a:lstStyle>
-            <a:lvl1pPr marL="342900" indent="-342900">
-              <a:spcBef>
-                <a:spcPct val="20000"/>
-              </a:spcBef>
-              <a:buChar char="•"/>
-              <a:defRPr sz="3200">
-                <a:solidFill>
-                  <a:schemeClr val="tx1"/>
-                </a:solidFill>
-                <a:latin typeface="Arial" charset="0"/>
-              </a:defRPr>
-            </a:lvl1pPr>
-            <a:lvl2pPr marL="742950" indent="-285750">
-              <a:spcBef>
-                <a:spcPct val="20000"/>
-              </a:spcBef>
-              <a:buChar char="–"/>
-              <a:defRPr sz="2800">
-                <a:solidFill>
-                  <a:schemeClr val="tx1"/>
-                </a:solidFill>
-                <a:latin typeface="Arial" charset="0"/>
-              </a:defRPr>
-            </a:lvl2pPr>
-            <a:lvl3pPr marL="1143000" indent="-228600">
-              <a:spcBef>
-                <a:spcPct val="20000"/>
-              </a:spcBef>
-              <a:buChar char="•"/>
-              <a:defRPr sz="2400">
-                <a:solidFill>
-                  <a:schemeClr val="tx1"/>
-                </a:solidFill>
-                <a:latin typeface="Arial" charset="0"/>
-              </a:defRPr>
-            </a:lvl3pPr>
-            <a:lvl4pPr marL="1600200" indent="-228600">
-              <a:spcBef>
-                <a:spcPct val="20000"/>
-              </a:spcBef>
-              <a:buChar char="–"/>
-              <a:defRPr sz="2000">
-                <a:solidFill>
-                  <a:schemeClr val="tx1"/>
-                </a:solidFill>
-                <a:latin typeface="Arial" charset="0"/>
-              </a:defRPr>
-            </a:lvl4pPr>
-            <a:lvl5pPr marL="2057400" indent="-228600">
-              <a:spcBef>
-                <a:spcPct val="20000"/>
-              </a:spcBef>
-              <a:buChar char="»"/>
-              <a:defRPr sz="2000">
-                <a:solidFill>
-                  <a:schemeClr val="tx1"/>
-                </a:solidFill>
-                <a:latin typeface="Arial" charset="0"/>
-              </a:defRPr>
-            </a:lvl5pPr>
-            <a:lvl6pPr marL="2514600" indent="-228600" fontAlgn="base">
-              <a:spcBef>
-                <a:spcPct val="20000"/>
-              </a:spcBef>
-              <a:spcAft>
-                <a:spcPct val="0"/>
-              </a:spcAft>
-              <a:buChar char="»"/>
-              <a:defRPr sz="2000">
-                <a:solidFill>
-                  <a:schemeClr val="tx1"/>
-                </a:solidFill>
-                <a:latin typeface="Arial" charset="0"/>
-              </a:defRPr>
-            </a:lvl6pPr>
-            <a:lvl7pPr marL="2971800" indent="-228600" fontAlgn="base">
-              <a:spcBef>
-                <a:spcPct val="20000"/>
-              </a:spcBef>
-              <a:spcAft>
-                <a:spcPct val="0"/>
-              </a:spcAft>
-              <a:buChar char="»"/>
-              <a:defRPr sz="2000">
-                <a:solidFill>
-                  <a:schemeClr val="tx1"/>
-                </a:solidFill>
-                <a:latin typeface="Arial" charset="0"/>
-              </a:defRPr>
-            </a:lvl7pPr>
-            <a:lvl8pPr marL="3429000" indent="-228600" fontAlgn="base">
-              <a:spcBef>
-                <a:spcPct val="20000"/>
-              </a:spcBef>
-              <a:spcAft>
-                <a:spcPct val="0"/>
-              </a:spcAft>
-              <a:buChar char="»"/>
-              <a:defRPr sz="2000">
-                <a:solidFill>
-                  <a:schemeClr val="tx1"/>
-                </a:solidFill>
-                <a:latin typeface="Arial" charset="0"/>
-              </a:defRPr>
-            </a:lvl8pPr>
-            <a:lvl9pPr marL="3886200" indent="-228600" fontAlgn="base">
-              <a:spcBef>
-                <a:spcPct val="20000"/>
-              </a:spcBef>
-              <a:spcAft>
-                <a:spcPct val="0"/>
-              </a:spcAft>
-              <a:buChar char="»"/>
-              <a:defRPr sz="2000">
-                <a:solidFill>
-                  <a:schemeClr val="tx1"/>
-                </a:solidFill>
-                <a:latin typeface="Arial" charset="0"/>
-              </a:defRPr>
-            </a:lvl9pPr>
-          </a:lstStyle>
-          <a:p>
-            <a:pPr>
-              <a:buFontTx/>
-              <a:buNone/>
-            </a:pPr>
-            <a:r>
-              <a:rPr lang="en-US" altLang="en-US" sz="1900" dirty="0" err="1">
-                <a:solidFill>
-                  <a:srgbClr val="FF0000"/>
-                </a:solidFill>
-              </a:rPr>
-              <a:t>Esc_Prob</a:t>
-            </a:r>
-            <a:r>
-              <a:rPr lang="en-US" altLang="en-US" sz="1900" dirty="0">
-                <a:solidFill>
-                  <a:srgbClr val="FF0000"/>
-                </a:solidFill>
-              </a:rPr>
-              <a:t>(a-&gt;b)=1</a:t>
-            </a:r>
-          </a:p>
-        </p:txBody>
-      </p:sp>
-      <p:sp>
-        <p:nvSpPr>
-          <p:cNvPr id="85012" name="Rectangle 20"/>
-          <p:cNvSpPr>
-            <a:spLocks noChangeArrowheads="1"/>
-          </p:cNvSpPr>
-          <p:nvPr/>
-        </p:nvSpPr>
-        <p:spPr bwMode="auto">
-          <a:xfrm>
-            <a:off x="914400" y="5257800"/>
-            <a:ext cx="2590800" cy="381000"/>
-          </a:xfrm>
-          <a:prstGeom prst="rect">
-            <a:avLst/>
-          </a:prstGeom>
-          <a:noFill/>
-          <a:ln>
-            <a:noFill/>
-          </a:ln>
-          <a:effectLst/>
-          <a:extLst>
-            <a:ext uri="{909E8E84-426E-40DD-AFC4-6F175D3DCCD1}">
-              <a14:hiddenFill xmlns:a14="http://schemas.microsoft.com/office/drawing/2010/main">
-                <a:solidFill>
-                  <a:schemeClr val="accent1"/>
-                </a:solidFill>
-              </a14:hiddenFill>
-            </a:ext>
-            <a:ext uri="{91240B29-F687-4F45-9708-019B960494DF}">
-              <a14:hiddenLine xmlns:a14="http://schemas.microsoft.com/office/drawing/2010/main" w="9525">
-                <a:solidFill>
-                  <a:schemeClr val="tx1"/>
-                </a:solidFill>
-                <a:miter lim="800000"/>
-                <a:headEnd/>
-                <a:tailEnd/>
-              </a14:hiddenLine>
-            </a:ext>
-            <a:ext uri="{AF507438-7753-43E0-B8FC-AC1667EBCBE1}">
-              <a14:hiddenEffects xmlns:a14="http://schemas.microsoft.com/office/drawing/2010/main">
-                <a:effectLst>
-                  <a:outerShdw blurRad="63500" dist="38099" dir="2700000" algn="ctr" rotWithShape="0">
-                    <a:schemeClr val="bg2">
-                      <a:alpha val="74998"/>
-                    </a:schemeClr>
-                  </a:outerShdw>
-                </a:effectLst>
-              </a14:hiddenEffects>
-            </a:ext>
-          </a:extLst>
-        </p:spPr>
-        <p:txBody>
-          <a:bodyPr/>
-          <a:lstStyle>
-            <a:lvl1pPr marL="342900" indent="-342900">
-              <a:spcBef>
-                <a:spcPct val="20000"/>
-              </a:spcBef>
-              <a:buChar char="•"/>
-              <a:defRPr sz="3200">
-                <a:solidFill>
-                  <a:schemeClr val="tx1"/>
-                </a:solidFill>
-                <a:latin typeface="Arial" charset="0"/>
-              </a:defRPr>
-            </a:lvl1pPr>
-            <a:lvl2pPr marL="742950" indent="-285750">
-              <a:spcBef>
-                <a:spcPct val="20000"/>
-              </a:spcBef>
-              <a:buChar char="–"/>
-              <a:defRPr sz="2800">
-                <a:solidFill>
-                  <a:schemeClr val="tx1"/>
-                </a:solidFill>
-                <a:latin typeface="Arial" charset="0"/>
-              </a:defRPr>
-            </a:lvl2pPr>
-            <a:lvl3pPr marL="1143000" indent="-228600">
-              <a:spcBef>
-                <a:spcPct val="20000"/>
-              </a:spcBef>
-              <a:buChar char="•"/>
-              <a:defRPr sz="2400">
-                <a:solidFill>
-                  <a:schemeClr val="tx1"/>
-                </a:solidFill>
-                <a:latin typeface="Arial" charset="0"/>
-              </a:defRPr>
-            </a:lvl3pPr>
-            <a:lvl4pPr marL="1600200" indent="-228600">
-              <a:spcBef>
-                <a:spcPct val="20000"/>
-              </a:spcBef>
-              <a:buChar char="–"/>
-              <a:defRPr sz="2000">
-                <a:solidFill>
-                  <a:schemeClr val="tx1"/>
-                </a:solidFill>
-                <a:latin typeface="Arial" charset="0"/>
-              </a:defRPr>
-            </a:lvl4pPr>
-            <a:lvl5pPr marL="2057400" indent="-228600">
-              <a:spcBef>
-                <a:spcPct val="20000"/>
-              </a:spcBef>
-              <a:buChar char="»"/>
-              <a:defRPr sz="2000">
-                <a:solidFill>
-                  <a:schemeClr val="tx1"/>
-                </a:solidFill>
-                <a:latin typeface="Arial" charset="0"/>
-              </a:defRPr>
-            </a:lvl5pPr>
-            <a:lvl6pPr marL="2514600" indent="-228600" fontAlgn="base">
-              <a:spcBef>
-                <a:spcPct val="20000"/>
-              </a:spcBef>
-              <a:spcAft>
-                <a:spcPct val="0"/>
-              </a:spcAft>
-              <a:buChar char="»"/>
-              <a:defRPr sz="2000">
-                <a:solidFill>
-                  <a:schemeClr val="tx1"/>
-                </a:solidFill>
-                <a:latin typeface="Arial" charset="0"/>
-              </a:defRPr>
-            </a:lvl6pPr>
-            <a:lvl7pPr marL="2971800" indent="-228600" fontAlgn="base">
-              <a:spcBef>
-                <a:spcPct val="20000"/>
-              </a:spcBef>
-              <a:spcAft>
-                <a:spcPct val="0"/>
-              </a:spcAft>
-              <a:buChar char="»"/>
-              <a:defRPr sz="2000">
-                <a:solidFill>
-                  <a:schemeClr val="tx1"/>
-                </a:solidFill>
-                <a:latin typeface="Arial" charset="0"/>
-              </a:defRPr>
-            </a:lvl7pPr>
-            <a:lvl8pPr marL="3429000" indent="-228600" fontAlgn="base">
-              <a:spcBef>
-                <a:spcPct val="20000"/>
-              </a:spcBef>
-              <a:spcAft>
-                <a:spcPct val="0"/>
-              </a:spcAft>
-              <a:buChar char="»"/>
-              <a:defRPr sz="2000">
-                <a:solidFill>
-                  <a:schemeClr val="tx1"/>
-                </a:solidFill>
-                <a:latin typeface="Arial" charset="0"/>
-              </a:defRPr>
-            </a:lvl8pPr>
-            <a:lvl9pPr marL="3886200" indent="-228600" fontAlgn="base">
-              <a:spcBef>
-                <a:spcPct val="20000"/>
-              </a:spcBef>
-              <a:spcAft>
-                <a:spcPct val="0"/>
-              </a:spcAft>
-              <a:buChar char="»"/>
-              <a:defRPr sz="2000">
-                <a:solidFill>
-                  <a:schemeClr val="tx1"/>
-                </a:solidFill>
-                <a:latin typeface="Arial" charset="0"/>
-              </a:defRPr>
-            </a:lvl9pPr>
-          </a:lstStyle>
-          <a:p>
-            <a:pPr>
-              <a:buFontTx/>
-              <a:buNone/>
-            </a:pPr>
-            <a:r>
-              <a:rPr lang="en-US" altLang="en-US" sz="1900" dirty="0" err="1">
-                <a:solidFill>
-                  <a:srgbClr val="FF0000"/>
-                </a:solidFill>
-              </a:rPr>
-              <a:t>Esc_Prob</a:t>
-            </a:r>
-            <a:r>
-              <a:rPr lang="en-US" altLang="en-US" sz="1900" dirty="0">
-                <a:solidFill>
-                  <a:srgbClr val="FF0000"/>
-                </a:solidFill>
-              </a:rPr>
-              <a:t>(a-&gt;b)=1</a:t>
-            </a:r>
-          </a:p>
-        </p:txBody>
-      </p:sp>
-      <p:sp>
-        <p:nvSpPr>
           <p:cNvPr id="2" name="Title 1"/>
           <p:cNvSpPr>
             <a:spLocks noGrp="1"/>
@@ -8274,7 +7672,7 @@
       </p:sp>
       <p:sp>
         <p:nvSpPr>
-          <p:cNvPr id="18" name="Rectangle 3"/>
+          <p:cNvPr id="18" name="Rectangle 3 2"/>
           <p:cNvSpPr txBox="1">
             <a:spLocks noChangeArrowheads="1"/>
           </p:cNvSpPr>
@@ -8282,8 +7680,8 @@
         </p:nvSpPr>
         <p:spPr bwMode="auto">
           <a:xfrm>
-            <a:off x="457200" y="990600"/>
-            <a:ext cx="8161338" cy="498475"/>
+            <a:off x="4259262" y="990600"/>
+            <a:ext cx="4732338" cy="498475"/>
           </a:xfrm>
           <a:prstGeom prst="rect">
             <a:avLst/>
@@ -8519,13 +7917,24 @@
                 <a:ea typeface="Open Sans" panose="020B0606030504020204" pitchFamily="34" charset="0"/>
                 <a:cs typeface="Open Sans" panose="020B0606030504020204" pitchFamily="34" charset="0"/>
               </a:rPr>
-              <a:t>Introduce a absorbing node</a:t>
-            </a:r>
-            <a:endParaRPr lang="en-US" altLang="en-US" sz="2400" dirty="0" smtClean="0">
-              <a:latin typeface="Open Sans" panose="020B0606030504020204" pitchFamily="34" charset="0"/>
-              <a:ea typeface="Open Sans" panose="020B0606030504020204" pitchFamily="34" charset="0"/>
-              <a:cs typeface="Open Sans" panose="020B0606030504020204" pitchFamily="34" charset="0"/>
-            </a:endParaRPr>
+              <a:t>Introduce </a:t>
+            </a:r>
+            <a:r>
+              <a:rPr lang="en-US" altLang="en-US" sz="2400" dirty="0" smtClean="0">
+                <a:latin typeface="Open Sans" panose="020B0606030504020204" pitchFamily="34" charset="0"/>
+                <a:ea typeface="Open Sans" panose="020B0606030504020204" pitchFamily="34" charset="0"/>
+                <a:cs typeface="Open Sans" panose="020B0606030504020204" pitchFamily="34" charset="0"/>
+              </a:rPr>
+              <a:t>an </a:t>
+            </a:r>
+            <a:r>
+              <a:rPr lang="en-US" altLang="en-US" sz="2400" dirty="0" smtClean="0">
+                <a:latin typeface="Open Sans" panose="020B0606030504020204" pitchFamily="34" charset="0"/>
+                <a:ea typeface="Open Sans" panose="020B0606030504020204" pitchFamily="34" charset="0"/>
+                <a:cs typeface="Open Sans" panose="020B0606030504020204" pitchFamily="34" charset="0"/>
+              </a:rPr>
+              <a:t>absorbing node</a:t>
+            </a:r>
           </a:p>
           <a:p>
             <a:endParaRPr lang="en-US" altLang="en-US" sz="2400" kern="0" dirty="0">
@@ -8543,6 +7952,142 @@
           </a:p>
         </p:txBody>
       </p:sp>
+      <p:pic>
+        <p:nvPicPr>
+          <p:cNvPr id="3" name="Picture 2"/>
+          <p:cNvPicPr>
+            <a:picLocks noChangeAspect="1"/>
+          </p:cNvPicPr>
+          <p:nvPr>
+            <p:custDataLst>
+              <p:tags r:id="rId3"/>
+            </p:custDataLst>
+          </p:nvPr>
+        </p:nvPicPr>
+        <p:blipFill>
+          <a:blip r:embed="rId17" cstate="print">
+            <a:extLst>
+              <a:ext uri="{28A0092B-C50C-407E-A947-70E740481C1C}">
+                <a14:useLocalDpi xmlns:a14="http://schemas.microsoft.com/office/drawing/2010/main" val="0"/>
+              </a:ext>
+            </a:extLst>
+          </a:blip>
+          <a:stretch>
+            <a:fillRect/>
+          </a:stretch>
+        </p:blipFill>
+        <p:spPr>
+          <a:xfrm>
+            <a:off x="1371810" y="2667000"/>
+            <a:ext cx="1676190" cy="251429"/>
+          </a:xfrm>
+          <a:prstGeom prst="rect">
+            <a:avLst/>
+          </a:prstGeom>
+        </p:spPr>
+      </p:pic>
+      <p:pic>
+        <p:nvPicPr>
+          <p:cNvPr id="16" name="Picture 15"/>
+          <p:cNvPicPr>
+            <a:picLocks noChangeAspect="1"/>
+          </p:cNvPicPr>
+          <p:nvPr>
+            <p:custDataLst>
+              <p:tags r:id="rId4"/>
+            </p:custDataLst>
+          </p:nvPr>
+        </p:nvPicPr>
+        <p:blipFill>
+          <a:blip r:embed="rId17" cstate="print">
+            <a:extLst>
+              <a:ext uri="{28A0092B-C50C-407E-A947-70E740481C1C}">
+                <a14:useLocalDpi xmlns:a14="http://schemas.microsoft.com/office/drawing/2010/main" val="0"/>
+              </a:ext>
+            </a:extLst>
+          </a:blip>
+          <a:stretch>
+            <a:fillRect/>
+          </a:stretch>
+        </p:blipFill>
+        <p:spPr>
+          <a:xfrm>
+            <a:off x="1371600" y="5463571"/>
+            <a:ext cx="1676190" cy="251429"/>
+          </a:xfrm>
+          <a:prstGeom prst="rect">
+            <a:avLst/>
+          </a:prstGeom>
+        </p:spPr>
+      </p:pic>
+      <p:pic>
+        <p:nvPicPr>
+          <p:cNvPr id="4" name="Picture 3"/>
+          <p:cNvPicPr>
+            <a:picLocks noChangeAspect="1"/>
+          </p:cNvPicPr>
+          <p:nvPr>
+            <p:custDataLst>
+              <p:tags r:id="rId5"/>
+            </p:custDataLst>
+          </p:nvPr>
+        </p:nvPicPr>
+        <p:blipFill>
+          <a:blip r:embed="rId18" cstate="print">
+            <a:extLst>
+              <a:ext uri="{28A0092B-C50C-407E-A947-70E740481C1C}">
+                <a14:useLocalDpi xmlns:a14="http://schemas.microsoft.com/office/drawing/2010/main" val="0"/>
+              </a:ext>
+            </a:extLst>
+          </a:blip>
+          <a:stretch>
+            <a:fillRect/>
+          </a:stretch>
+        </p:blipFill>
+        <p:spPr>
+          <a:xfrm>
+            <a:off x="6077963" y="3209195"/>
+            <a:ext cx="1999237" cy="251429"/>
+          </a:xfrm>
+          <a:prstGeom prst="rect">
+            <a:avLst/>
+          </a:prstGeom>
+        </p:spPr>
+      </p:pic>
+      <p:pic>
+        <p:nvPicPr>
+          <p:cNvPr id="5" name="Picture 4"/>
+          <p:cNvPicPr>
+            <a:picLocks noChangeAspect="1"/>
+          </p:cNvPicPr>
+          <p:nvPr>
+            <p:custDataLst>
+              <p:tags r:id="rId6"/>
+            </p:custDataLst>
+          </p:nvPr>
+        </p:nvPicPr>
+        <p:blipFill>
+          <a:blip r:embed="rId19" cstate="print">
+            <a:extLst>
+              <a:ext uri="{28A0092B-C50C-407E-A947-70E740481C1C}">
+                <a14:useLocalDpi xmlns:a14="http://schemas.microsoft.com/office/drawing/2010/main" val="0"/>
+              </a:ext>
+            </a:extLst>
+          </a:blip>
+          <a:stretch>
+            <a:fillRect/>
+          </a:stretch>
+        </p:blipFill>
+        <p:spPr>
+          <a:xfrm>
+            <a:off x="6096000" y="5791200"/>
+            <a:ext cx="2012952" cy="251429"/>
+          </a:xfrm>
+          <a:prstGeom prst="rect">
+            <a:avLst/>
+          </a:prstGeom>
+        </p:spPr>
+      </p:pic>
     </p:spTree>
     <p:custDataLst>
       <p:tags r:id="rId2"/>
@@ -8578,7 +8123,7 @@
                             </p:stCondLst>
                             <p:childTnLst>
                               <p:par>
-                                <p:cTn id="5" presetID="1" presetClass="entr" presetSubtype="0" fill="hold" nodeType="clickEffect">
+                                <p:cTn id="5" presetID="1" presetClass="entr" presetSubtype="0" fill="hold" grpId="0" nodeType="clickEffect">
                                   <p:stCondLst>
                                     <p:cond delay="0"/>
                                   </p:stCondLst>
@@ -8586,6 +8131,33 @@
                                     <p:set>
                                       <p:cBhvr>
                                         <p:cTn id="6" dur="1" fill="hold">
+                                          <p:stCondLst>
+                                            <p:cond delay="0"/>
+                                          </p:stCondLst>
+                                        </p:cTn>
+                                        <p:tgtEl>
+                                          <p:spTgt spid="18"/>
+                                        </p:tgtEl>
+                                        <p:attrNameLst>
+                                          <p:attrName>style.visibility</p:attrName>
+                                        </p:attrNameLst>
+                                      </p:cBhvr>
+                                      <p:to>
+                                        <p:strVal val="visible"/>
+                                      </p:to>
+                                    </p:set>
+                                  </p:childTnLst>
+                                </p:cTn>
+                              </p:par>
+                              <p:par>
+                                <p:cTn id="7" presetID="1" presetClass="entr" presetSubtype="0" fill="hold" nodeType="withEffect">
+                                  <p:stCondLst>
+                                    <p:cond delay="0"/>
+                                  </p:stCondLst>
+                                  <p:childTnLst>
+                                    <p:set>
+                                      <p:cBhvr>
+                                        <p:cTn id="8" dur="1" fill="hold">
                                           <p:stCondLst>
                                             <p:cond delay="0"/>
                                           </p:stCondLst>
@@ -8605,20 +8177,20 @@
                                 </p:cTn>
                               </p:par>
                               <p:par>
-                                <p:cTn id="7" presetID="1" presetClass="entr" presetSubtype="0" fill="hold" grpId="0" nodeType="withEffect">
+                                <p:cTn id="9" presetID="1" presetClass="entr" presetSubtype="0" fill="hold" nodeType="withEffect">
                                   <p:stCondLst>
                                     <p:cond delay="0"/>
                                   </p:stCondLst>
                                   <p:childTnLst>
                                     <p:set>
                                       <p:cBhvr>
-                                        <p:cTn id="8" dur="1" fill="hold">
+                                        <p:cTn id="10" dur="1" fill="hold">
                                           <p:stCondLst>
                                             <p:cond delay="0"/>
                                           </p:stCondLst>
                                         </p:cTn>
                                         <p:tgtEl>
-                                          <p:spTgt spid="18"/>
+                                          <p:spTgt spid="4"/>
                                         </p:tgtEl>
                                         <p:attrNameLst>
                                           <p:attrName>style.visibility</p:attrName>
@@ -8632,34 +8204,7 @@
                                 </p:cTn>
                               </p:par>
                               <p:par>
-                                <p:cTn id="9" presetID="1" presetClass="entr" presetSubtype="0" fill="hold" grpId="0" nodeType="withEffect">
-                                  <p:stCondLst>
-                                    <p:cond delay="0"/>
-                                  </p:stCondLst>
-                                  <p:childTnLst>
-                                    <p:set>
-                                      <p:cBhvr>
-                                        <p:cTn id="10" dur="1" fill="hold">
-                                          <p:stCondLst>
-                                            <p:cond delay="0"/>
-                                          </p:stCondLst>
-                                        </p:cTn>
-                                        <p:tgtEl>
-                                          <p:spTgt spid="85008"/>
-                                        </p:tgtEl>
-                                        <p:attrNameLst>
-                                          <p:attrName>style.visibility</p:attrName>
-                                        </p:attrNameLst>
-                                      </p:cBhvr>
-                                      <p:to>
-                                        <p:strVal val="visible"/>
-                                      </p:to>
-                                    </p:set>
-                                  </p:childTnLst>
-                                </p:cTn>
-                              </p:par>
-                              <p:par>
-                                <p:cTn id="11" presetID="1" presetClass="entr" presetSubtype="0" fill="hold" grpId="0" nodeType="withEffect">
+                                <p:cTn id="11" presetID="1" presetClass="entr" presetSubtype="0" fill="hold" nodeType="withEffect">
                                   <p:stCondLst>
                                     <p:cond delay="0"/>
                                   </p:stCondLst>
@@ -8672,7 +8217,7 @@
                                           </p:stCondLst>
                                         </p:cTn>
                                         <p:tgtEl>
-                                          <p:spTgt spid="85009"/>
+                                          <p:spTgt spid="84999"/>
                                         </p:tgtEl>
                                         <p:attrNameLst>
                                           <p:attrName>style.visibility</p:attrName>
@@ -8699,7 +8244,7 @@
                                           </p:stCondLst>
                                         </p:cTn>
                                         <p:tgtEl>
-                                          <p:spTgt spid="84999"/>
+                                          <p:spTgt spid="5"/>
                                         </p:tgtEl>
                                         <p:attrNameLst>
                                           <p:attrName>style.visibility</p:attrName>
@@ -8726,7 +8271,7 @@
                                           </p:stCondLst>
                                         </p:cTn>
                                         <p:tgtEl>
-                                          <p:spTgt spid="85003"/>
+                                          <p:spTgt spid="85009"/>
                                         </p:tgtEl>
                                         <p:attrNameLst>
                                           <p:attrName>style.visibility</p:attrName>
@@ -8753,7 +8298,7 @@
                                           </p:stCondLst>
                                         </p:cTn>
                                         <p:tgtEl>
-                                          <p:spTgt spid="85002"/>
+                                          <p:spTgt spid="85008"/>
                                         </p:tgtEl>
                                         <p:attrNameLst>
                                           <p:attrName>style.visibility</p:attrName>
@@ -8794,8 +8339,6 @@
       </p:par>
     </p:tnLst>
     <p:bldLst>
-      <p:bldP spid="85002" grpId="0"/>
-      <p:bldP spid="85003" grpId="0"/>
       <p:bldP spid="85008" grpId="0" animBg="1"/>
       <p:bldP spid="85009" grpId="0" animBg="1"/>
       <p:bldP spid="18" grpId="0"/>
@@ -9238,7 +8781,7 @@
             <a:fld id="{B61943B8-E0A1-294D-BF85-000CF68A12BC}" type="slidenum">
               <a:rPr lang="en-US" altLang="en-US" smtClean="0"/>
               <a:pPr/>
-              <a:t>13</a:t>
+              <a:t>11</a:t>
             </a:fld>
             <a:endParaRPr lang="en-US" altLang="en-US"/>
           </a:p>
@@ -9266,12 +8809,12 @@
           <a:graphicData uri="http://schemas.openxmlformats.org/presentationml/2006/ole">
             <mc:AlternateContent xmlns:mc="http://schemas.openxmlformats.org/markup-compatibility/2006">
               <mc:Choice xmlns:v="urn:schemas-microsoft-com:vml" Requires="v">
-                <p:oleObj spid="_x0000_s11925" name="Visio" r:id="rId5" imgW="5038954" imgH="751637" progId="Visio.Drawing.11">
+                <p:oleObj spid="_x0000_s12179" name="Visio" r:id="rId7" imgW="5038954" imgH="751637" progId="Visio.Drawing.11">
                   <p:embed/>
                 </p:oleObj>
               </mc:Choice>
               <mc:Fallback>
-                <p:oleObj name="Visio" r:id="rId5" imgW="5038954" imgH="751637" progId="Visio.Drawing.11">
+                <p:oleObj name="Visio" r:id="rId7" imgW="5038954" imgH="751637" progId="Visio.Drawing.11">
                   <p:embed/>
                   <p:pic>
                     <p:nvPicPr>
@@ -9282,7 +8825,7 @@
                       <p:nvPr/>
                     </p:nvPicPr>
                     <p:blipFill>
-                      <a:blip r:embed="rId6">
+                      <a:blip r:embed="rId8">
                         <a:extLst>
                           <a:ext uri="{28A0092B-C50C-407E-A947-70E740481C1C}">
                             <a14:useLocalDpi xmlns:a14="http://schemas.microsoft.com/office/drawing/2010/main" val="0"/>
@@ -9347,137 +8890,6 @@
       </p:graphicFrame>
       <p:sp>
         <p:nvSpPr>
-          <p:cNvPr id="6" name="Text Box 5"/>
-          <p:cNvSpPr txBox="1">
-            <a:spLocks noChangeArrowheads="1"/>
-          </p:cNvSpPr>
-          <p:nvPr/>
-        </p:nvSpPr>
-        <p:spPr bwMode="auto">
-          <a:xfrm>
-            <a:off x="2597150" y="2732088"/>
-            <a:ext cx="4032250" cy="457200"/>
-          </a:xfrm>
-          <a:prstGeom prst="rect">
-            <a:avLst/>
-          </a:prstGeom>
-          <a:noFill/>
-          <a:ln>
-            <a:noFill/>
-          </a:ln>
-          <a:effectLst/>
-          <a:extLst>
-            <a:ext uri="{909E8E84-426E-40DD-AFC4-6F175D3DCCD1}">
-              <a14:hiddenFill xmlns:a14="http://schemas.microsoft.com/office/drawing/2010/main">
-                <a:solidFill>
-                  <a:schemeClr val="accent1"/>
-                </a:solidFill>
-              </a14:hiddenFill>
-            </a:ext>
-            <a:ext uri="{91240B29-F687-4F45-9708-019B960494DF}">
-              <a14:hiddenLine xmlns:a14="http://schemas.microsoft.com/office/drawing/2010/main" w="9525">
-                <a:solidFill>
-                  <a:schemeClr val="tx1"/>
-                </a:solidFill>
-                <a:miter lim="800000"/>
-                <a:headEnd/>
-                <a:tailEnd/>
-              </a14:hiddenLine>
-            </a:ext>
-            <a:ext uri="{AF507438-7753-43E0-B8FC-AC1667EBCBE1}">
-              <a14:hiddenEffects xmlns:a14="http://schemas.microsoft.com/office/drawing/2010/main">
-                <a:effectLst>
-                  <a:outerShdw blurRad="63500" dist="38099" dir="2700000" algn="ctr" rotWithShape="0">
-                    <a:schemeClr val="bg2">
-                      <a:alpha val="74998"/>
-                    </a:schemeClr>
-                  </a:outerShdw>
-                </a:effectLst>
-              </a14:hiddenEffects>
-            </a:ext>
-          </a:extLst>
-        </p:spPr>
-        <p:txBody>
-          <a:bodyPr wrap="none">
-            <a:spAutoFit/>
-          </a:bodyPr>
-          <a:lstStyle/>
-          <a:p>
-            <a:r>
-              <a:rPr lang="en-US" altLang="zh-CN" sz="2400" dirty="0" err="1">
-                <a:solidFill>
-                  <a:srgbClr val="FF0000"/>
-                </a:solidFill>
-                <a:ea typeface="宋体" charset="0"/>
-              </a:rPr>
-              <a:t>Prox</a:t>
-            </a:r>
-            <a:r>
-              <a:rPr lang="en-US" altLang="zh-CN" sz="2400" dirty="0">
-                <a:solidFill>
-                  <a:srgbClr val="FF0000"/>
-                </a:solidFill>
-                <a:ea typeface="宋体" charset="0"/>
-              </a:rPr>
-              <a:t>(A</a:t>
-            </a:r>
-            <a:r>
-              <a:rPr lang="en-US" altLang="zh-CN" sz="2400" dirty="0">
-                <a:solidFill>
-                  <a:srgbClr val="FF0000"/>
-                </a:solidFill>
-                <a:ea typeface="宋体" charset="0"/>
-                <a:sym typeface="Wingdings" charset="2"/>
-              </a:rPr>
-              <a:t></a:t>
-            </a:r>
-            <a:r>
-              <a:rPr lang="en-US" altLang="zh-CN" sz="2400" dirty="0">
-                <a:solidFill>
-                  <a:srgbClr val="FF0000"/>
-                </a:solidFill>
-                <a:ea typeface="宋体" charset="0"/>
-              </a:rPr>
-              <a:t>B) = </a:t>
-            </a:r>
-            <a:r>
-              <a:rPr lang="en-US" altLang="zh-CN" sz="2400" dirty="0" err="1">
-                <a:solidFill>
-                  <a:srgbClr val="FF0000"/>
-                </a:solidFill>
-                <a:ea typeface="宋体" charset="0"/>
-              </a:rPr>
-              <a:t>Prox</a:t>
-            </a:r>
-            <a:r>
-              <a:rPr lang="en-US" altLang="zh-CN" sz="2400" dirty="0">
-                <a:solidFill>
-                  <a:srgbClr val="FF0000"/>
-                </a:solidFill>
-                <a:ea typeface="宋体" charset="0"/>
-              </a:rPr>
-              <a:t> (B</a:t>
-            </a:r>
-            <a:r>
-              <a:rPr lang="en-US" altLang="zh-CN" sz="2400" dirty="0">
-                <a:solidFill>
-                  <a:srgbClr val="FF0000"/>
-                </a:solidFill>
-                <a:ea typeface="宋体" charset="0"/>
-                <a:sym typeface="Wingdings" charset="2"/>
-              </a:rPr>
-              <a:t>A)=0</a:t>
-            </a:r>
-            <a:endParaRPr lang="en-US" altLang="en-US" sz="2400" dirty="0">
-              <a:solidFill>
-                <a:srgbClr val="FF0000"/>
-              </a:solidFill>
-            </a:endParaRPr>
-          </a:p>
-        </p:txBody>
-      </p:sp>
-      <p:sp>
-        <p:nvSpPr>
           <p:cNvPr id="7" name="AutoShape 6"/>
           <p:cNvSpPr>
             <a:spLocks noChangeArrowheads="1"/>
@@ -9531,9 +8943,9 @@
       </p:sp>
       <p:graphicFrame>
         <p:nvGraphicFramePr>
-          <p:cNvPr id="8" name="Object 7"/>
+          <p:cNvPr id="8" name="Content Placeholder 7"/>
           <p:cNvGraphicFramePr>
-            <a:graphicFrameLocks noChangeAspect="1"/>
+            <a:graphicFrameLocks noGrp="1" noChangeAspect="1"/>
           </p:cNvGraphicFramePr>
           <p:nvPr>
             <p:ph idx="1"/>
@@ -9552,12 +8964,12 @@
           <a:graphicData uri="http://schemas.openxmlformats.org/presentationml/2006/ole">
             <mc:AlternateContent xmlns:mc="http://schemas.openxmlformats.org/markup-compatibility/2006">
               <mc:Choice xmlns:v="urn:schemas-microsoft-com:vml" Requires="v">
-                <p:oleObj spid="_x0000_s11926" name="Visio" r:id="rId7" imgW="5038954" imgH="1130503" progId="Visio.Drawing.11">
+                <p:oleObj spid="_x0000_s12180" name="Visio" r:id="rId9" imgW="5038954" imgH="1130503" progId="Visio.Drawing.11">
                   <p:embed/>
                 </p:oleObj>
               </mc:Choice>
               <mc:Fallback>
-                <p:oleObj name="Visio" r:id="rId7" imgW="5038954" imgH="1130503" progId="Visio.Drawing.11">
+                <p:oleObj name="Visio" r:id="rId9" imgW="5038954" imgH="1130503" progId="Visio.Drawing.11">
                   <p:embed/>
                   <p:pic>
                     <p:nvPicPr>
@@ -9568,7 +8980,7 @@
                       <p:nvPr/>
                     </p:nvPicPr>
                     <p:blipFill>
-                      <a:blip r:embed="rId8">
+                      <a:blip r:embed="rId10">
                         <a:extLst>
                           <a:ext uri="{28A0092B-C50C-407E-A947-70E740481C1C}">
                             <a14:useLocalDpi xmlns:a14="http://schemas.microsoft.com/office/drawing/2010/main" val="0"/>
@@ -9633,7 +9045,7 @@
       </p:graphicFrame>
       <p:sp>
         <p:nvSpPr>
-          <p:cNvPr id="9" name="Text Box 9"/>
+          <p:cNvPr id="10" name="Rectangle 3 2"/>
           <p:cNvSpPr txBox="1">
             <a:spLocks noChangeArrowheads="1"/>
           </p:cNvSpPr>
@@ -9641,8 +9053,8 @@
         </p:nvSpPr>
         <p:spPr bwMode="auto">
           <a:xfrm>
-            <a:off x="1828800" y="5562600"/>
-            <a:ext cx="5651500" cy="457200"/>
+            <a:off x="609600" y="3311525"/>
+            <a:ext cx="3581400" cy="498475"/>
           </a:xfrm>
           <a:prstGeom prst="rect">
             <a:avLst/>
@@ -9673,10 +9085,8 @@
             <a:ext uri="{AF507438-7753-43E0-B8FC-AC1667EBCBE1}">
               <a14:hiddenEffects xmlns:a14="http://schemas.microsoft.com/office/drawing/2010/main">
                 <a:effectLst>
-                  <a:outerShdw blurRad="63500" dist="38099" dir="2700000" algn="ctr" rotWithShape="0">
-                    <a:schemeClr val="bg2">
-                      <a:alpha val="74998"/>
-                    </a:schemeClr>
+                  <a:outerShdw dist="35921" dir="2700000" algn="ctr" rotWithShape="0">
+                    <a:schemeClr val="bg2"/>
                   </a:outerShdw>
                 </a:effectLst>
               </a14:hiddenEffects>
@@ -9684,84 +9094,287 @@
           </a:extLst>
         </p:spPr>
         <p:txBody>
-          <a:bodyPr wrap="none">
-            <a:spAutoFit/>
+          <a:bodyPr vert="horz" wrap="square" lIns="91440" tIns="45720" rIns="91440" bIns="45720" numCol="1" anchor="t" anchorCtr="0" compatLnSpc="1">
+            <a:prstTxWarp prst="textNoShape">
+              <a:avLst/>
+            </a:prstTxWarp>
           </a:bodyPr>
-          <a:lstStyle/>
-          <a:p>
-            <a:r>
-              <a:rPr lang="en-US" altLang="zh-CN" sz="2400" dirty="0" err="1">
-                <a:solidFill>
-                  <a:srgbClr val="FF0000"/>
-                </a:solidFill>
-                <a:ea typeface="宋体" charset="0"/>
+          <a:lstStyle>
+            <a:lvl1pPr marL="342900" indent="-342900" algn="l" rtl="0" fontAlgn="base">
+              <a:spcBef>
+                <a:spcPct val="20000"/>
+              </a:spcBef>
+              <a:spcAft>
+                <a:spcPct val="0"/>
+              </a:spcAft>
+              <a:buClr>
+                <a:schemeClr val="accent1"/>
+              </a:buClr>
+              <a:buSzPct val="65000"/>
+              <a:buFont typeface="Wingdings" pitchFamily="2" charset="2"/>
+              <a:buChar char="n"/>
+              <a:defRPr sz="3000">
+                <a:solidFill>
+                  <a:schemeClr val="tx1"/>
+                </a:solidFill>
+                <a:latin typeface="+mn-lt"/>
+                <a:ea typeface="+mn-ea"/>
+                <a:cs typeface="+mn-cs"/>
+              </a:defRPr>
+            </a:lvl1pPr>
+            <a:lvl2pPr marL="669925" indent="-325438" algn="l" rtl="0" fontAlgn="base">
+              <a:spcBef>
+                <a:spcPct val="20000"/>
+              </a:spcBef>
+              <a:spcAft>
+                <a:spcPct val="0"/>
+              </a:spcAft>
+              <a:buClr>
+                <a:schemeClr val="accent2"/>
+              </a:buClr>
+              <a:buSzPct val="60000"/>
+              <a:buFont typeface="Wingdings" pitchFamily="2" charset="2"/>
+              <a:buChar char="q"/>
+              <a:defRPr sz="2600">
+                <a:solidFill>
+                  <a:schemeClr val="tx1"/>
+                </a:solidFill>
+                <a:latin typeface="+mn-lt"/>
+              </a:defRPr>
+            </a:lvl2pPr>
+            <a:lvl3pPr marL="1022350" indent="-350838" algn="l" rtl="0" fontAlgn="base">
+              <a:spcBef>
+                <a:spcPct val="20000"/>
+              </a:spcBef>
+              <a:spcAft>
+                <a:spcPct val="0"/>
+              </a:spcAft>
+              <a:buClr>
+                <a:schemeClr val="accent1"/>
+              </a:buClr>
+              <a:buSzPct val="65000"/>
+              <a:buFont typeface="Wingdings" pitchFamily="2" charset="2"/>
+              <a:buChar char="n"/>
+              <a:defRPr sz="2200">
+                <a:solidFill>
+                  <a:schemeClr val="tx1"/>
+                </a:solidFill>
+                <a:latin typeface="+mn-lt"/>
+              </a:defRPr>
+            </a:lvl3pPr>
+            <a:lvl4pPr marL="1339850" indent="-315913" algn="l" rtl="0" fontAlgn="base">
+              <a:spcBef>
+                <a:spcPct val="20000"/>
+              </a:spcBef>
+              <a:spcAft>
+                <a:spcPct val="0"/>
+              </a:spcAft>
+              <a:buClr>
+                <a:schemeClr val="accent2"/>
+              </a:buClr>
+              <a:buSzPct val="70000"/>
+              <a:buFont typeface="Wingdings" pitchFamily="2" charset="2"/>
+              <a:buChar char="q"/>
+              <a:defRPr sz="2000">
+                <a:solidFill>
+                  <a:schemeClr val="tx1"/>
+                </a:solidFill>
+                <a:latin typeface="+mn-lt"/>
+              </a:defRPr>
+            </a:lvl4pPr>
+            <a:lvl5pPr marL="1681163" indent="-339725" algn="l" rtl="0" fontAlgn="base">
+              <a:spcBef>
+                <a:spcPct val="20000"/>
+              </a:spcBef>
+              <a:spcAft>
+                <a:spcPct val="0"/>
+              </a:spcAft>
+              <a:buClr>
+                <a:schemeClr val="accent1"/>
+              </a:buClr>
+              <a:buSzPct val="75000"/>
+              <a:buFont typeface="Wingdings" pitchFamily="2" charset="2"/>
+              <a:buChar char="§"/>
+              <a:defRPr sz="2000">
+                <a:solidFill>
+                  <a:schemeClr val="tx1"/>
+                </a:solidFill>
+                <a:latin typeface="+mn-lt"/>
+              </a:defRPr>
+            </a:lvl5pPr>
+            <a:lvl6pPr marL="2138363" indent="-339725" algn="l" rtl="0" fontAlgn="base">
+              <a:spcBef>
+                <a:spcPct val="20000"/>
+              </a:spcBef>
+              <a:spcAft>
+                <a:spcPct val="0"/>
+              </a:spcAft>
+              <a:buClr>
+                <a:schemeClr val="accent1"/>
+              </a:buClr>
+              <a:buSzPct val="75000"/>
+              <a:buFont typeface="Wingdings" pitchFamily="2" charset="2"/>
+              <a:buChar char="§"/>
+              <a:defRPr sz="2000">
+                <a:solidFill>
+                  <a:schemeClr val="tx1"/>
+                </a:solidFill>
+                <a:latin typeface="+mn-lt"/>
+              </a:defRPr>
+            </a:lvl6pPr>
+            <a:lvl7pPr marL="2595563" indent="-339725" algn="l" rtl="0" fontAlgn="base">
+              <a:spcBef>
+                <a:spcPct val="20000"/>
+              </a:spcBef>
+              <a:spcAft>
+                <a:spcPct val="0"/>
+              </a:spcAft>
+              <a:buClr>
+                <a:schemeClr val="accent1"/>
+              </a:buClr>
+              <a:buSzPct val="75000"/>
+              <a:buFont typeface="Wingdings" pitchFamily="2" charset="2"/>
+              <a:buChar char="§"/>
+              <a:defRPr sz="2000">
+                <a:solidFill>
+                  <a:schemeClr val="tx1"/>
+                </a:solidFill>
+                <a:latin typeface="+mn-lt"/>
+              </a:defRPr>
+            </a:lvl7pPr>
+            <a:lvl8pPr marL="3052763" indent="-339725" algn="l" rtl="0" fontAlgn="base">
+              <a:spcBef>
+                <a:spcPct val="20000"/>
+              </a:spcBef>
+              <a:spcAft>
+                <a:spcPct val="0"/>
+              </a:spcAft>
+              <a:buClr>
+                <a:schemeClr val="accent1"/>
+              </a:buClr>
+              <a:buSzPct val="75000"/>
+              <a:buFont typeface="Wingdings" pitchFamily="2" charset="2"/>
+              <a:buChar char="§"/>
+              <a:defRPr sz="2000">
+                <a:solidFill>
+                  <a:schemeClr val="tx1"/>
+                </a:solidFill>
+                <a:latin typeface="+mn-lt"/>
+              </a:defRPr>
+            </a:lvl8pPr>
+            <a:lvl9pPr marL="3509963" indent="-339725" algn="l" rtl="0" fontAlgn="base">
+              <a:spcBef>
+                <a:spcPct val="20000"/>
+              </a:spcBef>
+              <a:spcAft>
+                <a:spcPct val="0"/>
+              </a:spcAft>
+              <a:buClr>
+                <a:schemeClr val="accent1"/>
+              </a:buClr>
+              <a:buSzPct val="75000"/>
+              <a:buFont typeface="Wingdings" pitchFamily="2" charset="2"/>
+              <a:buChar char="§"/>
+              <a:defRPr sz="2000">
+                <a:solidFill>
+                  <a:schemeClr val="tx1"/>
+                </a:solidFill>
+                <a:latin typeface="+mn-lt"/>
+              </a:defRPr>
+            </a:lvl9pPr>
+          </a:lstStyle>
+          <a:p>
+            <a:r>
+              <a:rPr lang="en-US" altLang="zh-CN" sz="2400" kern="0" dirty="0" smtClean="0">
+                <a:latin typeface="Open Sans" panose="020B0606030504020204" pitchFamily="34" charset="0"/>
+                <a:ea typeface="Open Sans" panose="020B0606030504020204" pitchFamily="34" charset="0"/>
+                <a:cs typeface="Open Sans" panose="020B0606030504020204" pitchFamily="34" charset="0"/>
               </a:rPr>
-              <a:t>Prox</a:t>
-            </a:r>
-            <a:r>
-              <a:rPr lang="en-US" altLang="zh-CN" sz="2400" dirty="0">
-                <a:solidFill>
-                  <a:srgbClr val="FF0000"/>
-                </a:solidFill>
-                <a:ea typeface="宋体" charset="0"/>
-              </a:rPr>
-              <a:t>(A</a:t>
-            </a:r>
-            <a:r>
-              <a:rPr lang="en-US" altLang="zh-CN" sz="2400" dirty="0">
-                <a:solidFill>
-                  <a:srgbClr val="FF0000"/>
-                </a:solidFill>
-                <a:ea typeface="宋体" charset="0"/>
-                <a:sym typeface="Wingdings" charset="2"/>
-              </a:rPr>
-              <a:t></a:t>
-            </a:r>
-            <a:r>
-              <a:rPr lang="en-US" altLang="zh-CN" sz="2400" dirty="0">
-                <a:solidFill>
-                  <a:srgbClr val="FF0000"/>
-                </a:solidFill>
-                <a:ea typeface="宋体" charset="0"/>
-              </a:rPr>
-              <a:t>B) =0.081 &gt; </a:t>
-            </a:r>
-            <a:r>
-              <a:rPr lang="en-US" altLang="zh-CN" sz="2400" dirty="0" err="1">
-                <a:solidFill>
-                  <a:srgbClr val="FF0000"/>
-                </a:solidFill>
-                <a:ea typeface="宋体" charset="0"/>
-              </a:rPr>
-              <a:t>Prox</a:t>
-            </a:r>
-            <a:r>
-              <a:rPr lang="en-US" altLang="zh-CN" sz="2400" dirty="0">
-                <a:solidFill>
-                  <a:srgbClr val="FF0000"/>
-                </a:solidFill>
-                <a:ea typeface="宋体" charset="0"/>
-              </a:rPr>
-              <a:t> (B</a:t>
-            </a:r>
-            <a:r>
-              <a:rPr lang="en-US" altLang="zh-CN" sz="2400" dirty="0">
-                <a:solidFill>
-                  <a:srgbClr val="FF0000"/>
-                </a:solidFill>
-                <a:ea typeface="宋体" charset="0"/>
-                <a:sym typeface="Wingdings" charset="2"/>
-              </a:rPr>
-              <a:t>A)=0.009</a:t>
-            </a:r>
-            <a:endParaRPr lang="en-US" altLang="en-US" sz="2400" dirty="0">
-              <a:solidFill>
-                <a:srgbClr val="FF0000"/>
-              </a:solidFill>
+              <a:t>Partial symmetry</a:t>
+            </a:r>
+            <a:endParaRPr lang="en-US" altLang="en-US" sz="2400" kern="0" dirty="0">
+              <a:latin typeface="Open Sans" panose="020B0606030504020204" pitchFamily="34" charset="0"/>
+              <a:ea typeface="Open Sans" panose="020B0606030504020204" pitchFamily="34" charset="0"/>
+              <a:cs typeface="Open Sans" panose="020B0606030504020204" pitchFamily="34" charset="0"/>
+            </a:endParaRPr>
+          </a:p>
+          <a:p>
+            <a:endParaRPr lang="en-US" altLang="en-US" sz="2400" kern="0" dirty="0" smtClean="0">
+              <a:latin typeface="Open Sans" panose="020B0606030504020204" pitchFamily="34" charset="0"/>
+              <a:ea typeface="Open Sans" panose="020B0606030504020204" pitchFamily="34" charset="0"/>
+              <a:cs typeface="Open Sans" panose="020B0606030504020204" pitchFamily="34" charset="0"/>
             </a:endParaRPr>
           </a:p>
         </p:txBody>
       </p:sp>
+      <p:pic>
+        <p:nvPicPr>
+          <p:cNvPr id="2" name="Picture 1"/>
+          <p:cNvPicPr>
+            <a:picLocks noChangeAspect="1"/>
+          </p:cNvPicPr>
+          <p:nvPr>
+            <p:custDataLst>
+              <p:tags r:id="rId3"/>
+            </p:custDataLst>
+          </p:nvPr>
+        </p:nvPicPr>
+        <p:blipFill>
+          <a:blip r:embed="rId11" cstate="print">
+            <a:extLst>
+              <a:ext uri="{28A0092B-C50C-407E-A947-70E740481C1C}">
+                <a14:useLocalDpi xmlns:a14="http://schemas.microsoft.com/office/drawing/2010/main" val="0"/>
+              </a:ext>
+            </a:extLst>
+          </a:blip>
+          <a:stretch>
+            <a:fillRect/>
+          </a:stretch>
+        </p:blipFill>
+        <p:spPr>
+          <a:xfrm>
+            <a:off x="2640057" y="2667000"/>
+            <a:ext cx="3913143" cy="301714"/>
+          </a:xfrm>
+          <a:prstGeom prst="rect">
+            <a:avLst/>
+          </a:prstGeom>
+        </p:spPr>
+      </p:pic>
+      <p:pic>
+        <p:nvPicPr>
+          <p:cNvPr id="3" name="Picture 2"/>
+          <p:cNvPicPr>
+            <a:picLocks noChangeAspect="1"/>
+          </p:cNvPicPr>
+          <p:nvPr>
+            <p:custDataLst>
+              <p:tags r:id="rId4"/>
+            </p:custDataLst>
+          </p:nvPr>
+        </p:nvPicPr>
+        <p:blipFill>
+          <a:blip r:embed="rId12" cstate="print">
+            <a:extLst>
+              <a:ext uri="{28A0092B-C50C-407E-A947-70E740481C1C}">
+                <a14:useLocalDpi xmlns:a14="http://schemas.microsoft.com/office/drawing/2010/main" val="0"/>
+              </a:ext>
+            </a:extLst>
+          </a:blip>
+          <a:stretch>
+            <a:fillRect/>
+          </a:stretch>
+        </p:blipFill>
+        <p:spPr>
+          <a:xfrm>
+            <a:off x="1752600" y="5638800"/>
+            <a:ext cx="6153143" cy="301714"/>
+          </a:xfrm>
+          <a:prstGeom prst="rect">
+            <a:avLst/>
+          </a:prstGeom>
+        </p:spPr>
+      </p:pic>
     </p:spTree>
     <p:custDataLst>
       <p:tags r:id="rId2"/>
@@ -9810,6 +9423,33 @@
                                           </p:stCondLst>
                                         </p:cTn>
                                         <p:tgtEl>
+                                          <p:spTgt spid="10"/>
+                                        </p:tgtEl>
+                                        <p:attrNameLst>
+                                          <p:attrName>style.visibility</p:attrName>
+                                        </p:attrNameLst>
+                                      </p:cBhvr>
+                                      <p:to>
+                                        <p:strVal val="visible"/>
+                                      </p:to>
+                                    </p:set>
+                                  </p:childTnLst>
+                                </p:cTn>
+                              </p:par>
+                              <p:par>
+                                <p:cTn id="7" presetID="1" presetClass="entr" presetSubtype="0" fill="hold" grpId="0" nodeType="withEffect">
+                                  <p:stCondLst>
+                                    <p:cond delay="0"/>
+                                  </p:stCondLst>
+                                  <p:childTnLst>
+                                    <p:set>
+                                      <p:cBhvr>
+                                        <p:cTn id="8" dur="1" fill="hold">
+                                          <p:stCondLst>
+                                            <p:cond delay="0"/>
+                                          </p:stCondLst>
+                                        </p:cTn>
+                                        <p:tgtEl>
                                           <p:spTgt spid="7"/>
                                         </p:tgtEl>
                                         <p:attrNameLst>
@@ -9824,14 +9464,14 @@
                                 </p:cTn>
                               </p:par>
                               <p:par>
-                                <p:cTn id="7" presetID="1" presetClass="entr" presetSubtype="0" fill="hold" nodeType="withEffect">
+                                <p:cTn id="9" presetID="1" presetClass="entr" presetSubtype="0" fill="hold" nodeType="withEffect">
                                   <p:stCondLst>
                                     <p:cond delay="0"/>
                                   </p:stCondLst>
                                   <p:childTnLst>
                                     <p:set>
                                       <p:cBhvr>
-                                        <p:cTn id="8" dur="1" fill="hold">
+                                        <p:cTn id="10" dur="1" fill="hold">
                                           <p:stCondLst>
                                             <p:cond delay="0"/>
                                           </p:stCondLst>
@@ -9851,20 +9491,20 @@
                                 </p:cTn>
                               </p:par>
                               <p:par>
-                                <p:cTn id="9" presetID="1" presetClass="entr" presetSubtype="0" fill="hold" grpId="0" nodeType="withEffect">
+                                <p:cTn id="11" presetID="1" presetClass="entr" presetSubtype="0" fill="hold" nodeType="withEffect">
                                   <p:stCondLst>
                                     <p:cond delay="0"/>
                                   </p:stCondLst>
                                   <p:childTnLst>
                                     <p:set>
                                       <p:cBhvr>
-                                        <p:cTn id="10" dur="1" fill="hold">
+                                        <p:cTn id="12" dur="1" fill="hold">
                                           <p:stCondLst>
                                             <p:cond delay="0"/>
                                           </p:stCondLst>
                                         </p:cTn>
                                         <p:tgtEl>
-                                          <p:spTgt spid="9"/>
+                                          <p:spTgt spid="3"/>
                                         </p:tgtEl>
                                         <p:attrNameLst>
                                           <p:attrName>style.visibility</p:attrName>
@@ -9906,7 +9546,7 @@
     </p:tnLst>
     <p:bldLst>
       <p:bldP spid="7" grpId="0" animBg="1"/>
-      <p:bldP spid="9" grpId="0"/>
+      <p:bldP spid="10" grpId="0"/>
     </p:bldLst>
   </p:timing>
 </p:sld>
@@ -11615,7 +11255,13 @@
           <p:cNvGraphicFramePr>
             <a:graphicFrameLocks noGrp="1"/>
           </p:cNvGraphicFramePr>
-          <p:nvPr/>
+          <p:nvPr>
+            <p:extLst>
+              <p:ext uri="{D42A27DB-BD31-4B8C-83A1-F6EECF244321}">
+                <p14:modId xmlns:p14="http://schemas.microsoft.com/office/powerpoint/2010/main" val="99416360"/>
+              </p:ext>
+            </p:extLst>
+          </p:nvPr>
         </p:nvGraphicFramePr>
         <p:xfrm>
           <a:off x="457200" y="1676400"/>
@@ -11766,7 +11412,7 @@
                         <a:tabLst/>
                       </a:pPr>
                       <a:r>
-                        <a:rPr kumimoji="0" lang="en-US" altLang="en-US" sz="3200" b="0" i="0" u="none" strike="noStrike" cap="none" normalizeH="0" baseline="0">
+                        <a:rPr kumimoji="0" lang="en-US" altLang="en-US" sz="3000" b="0" i="0" u="none" strike="noStrike" cap="none" normalizeH="0" baseline="0" dirty="0">
                           <a:ln>
                             <a:noFill/>
                           </a:ln>
@@ -11774,7 +11420,9 @@
                             <a:schemeClr val="tx1"/>
                           </a:solidFill>
                           <a:effectLst/>
-                          <a:latin typeface="Arial" charset="0"/>
+                          <a:latin typeface="Open Sans" panose="020B0606030504020204" pitchFamily="34" charset="0"/>
+                          <a:ea typeface="Open Sans" panose="020B0606030504020204" pitchFamily="34" charset="0"/>
+                          <a:cs typeface="Open Sans" panose="020B0606030504020204" pitchFamily="34" charset="0"/>
                         </a:rPr>
                         <a:t>Name</a:t>
                       </a:r>
@@ -11960,7 +11608,7 @@
                         <a:tabLst/>
                       </a:pPr>
                       <a:r>
-                        <a:rPr kumimoji="0" lang="en-US" altLang="en-US" sz="3200" b="0" i="0" u="none" strike="noStrike" cap="none" normalizeH="0" baseline="0">
+                        <a:rPr kumimoji="0" lang="en-US" altLang="en-US" sz="3000" b="0" i="0" u="none" strike="noStrike" cap="none" normalizeH="0" baseline="0">
                           <a:ln>
                             <a:noFill/>
                           </a:ln>
@@ -11968,7 +11616,9 @@
                             <a:schemeClr val="tx1"/>
                           </a:solidFill>
                           <a:effectLst/>
-                          <a:latin typeface="Arial" charset="0"/>
+                          <a:latin typeface="Open Sans" panose="020B0606030504020204" pitchFamily="34" charset="0"/>
+                          <a:ea typeface="Open Sans" panose="020B0606030504020204" pitchFamily="34" charset="0"/>
+                          <a:cs typeface="Open Sans" panose="020B0606030504020204" pitchFamily="34" charset="0"/>
                         </a:rPr>
                         <a:t>Node #</a:t>
                       </a:r>
@@ -12154,7 +11804,7 @@
                         <a:tabLst/>
                       </a:pPr>
                       <a:r>
-                        <a:rPr kumimoji="0" lang="en-US" altLang="en-US" sz="3200" b="0" i="0" u="none" strike="noStrike" cap="none" normalizeH="0" baseline="0">
+                        <a:rPr kumimoji="0" lang="en-US" altLang="en-US" sz="3000" b="0" i="0" u="none" strike="noStrike" cap="none" normalizeH="0" baseline="0">
                           <a:ln>
                             <a:noFill/>
                           </a:ln>
@@ -12162,7 +11812,9 @@
                             <a:schemeClr val="tx1"/>
                           </a:solidFill>
                           <a:effectLst/>
-                          <a:latin typeface="Arial" charset="0"/>
+                          <a:latin typeface="Open Sans" panose="020B0606030504020204" pitchFamily="34" charset="0"/>
+                          <a:ea typeface="Open Sans" panose="020B0606030504020204" pitchFamily="34" charset="0"/>
+                          <a:cs typeface="Open Sans" panose="020B0606030504020204" pitchFamily="34" charset="0"/>
                         </a:rPr>
                         <a:t>Edge #</a:t>
                       </a:r>
@@ -12348,7 +12000,7 @@
                         <a:tabLst/>
                       </a:pPr>
                       <a:r>
-                        <a:rPr kumimoji="0" lang="en-US" altLang="en-US" sz="3200" b="0" i="0" u="none" strike="noStrike" cap="none" normalizeH="0" baseline="0">
+                        <a:rPr kumimoji="0" lang="en-US" altLang="en-US" sz="3000" b="0" i="0" u="none" strike="noStrike" cap="none" normalizeH="0" baseline="0">
                           <a:ln>
                             <a:noFill/>
                           </a:ln>
@@ -12356,7 +12008,9 @@
                             <a:schemeClr val="tx1"/>
                           </a:solidFill>
                           <a:effectLst/>
-                          <a:latin typeface="Arial" charset="0"/>
+                          <a:latin typeface="Open Sans" panose="020B0606030504020204" pitchFamily="34" charset="0"/>
+                          <a:ea typeface="Open Sans" panose="020B0606030504020204" pitchFamily="34" charset="0"/>
+                          <a:cs typeface="Open Sans" panose="020B0606030504020204" pitchFamily="34" charset="0"/>
                         </a:rPr>
                         <a:t>Directionality</a:t>
                       </a:r>
@@ -12544,7 +12198,7 @@
                         <a:tabLst/>
                       </a:pPr>
                       <a:r>
-                        <a:rPr kumimoji="0" lang="en-US" altLang="en-US" sz="3200" b="0" i="0" u="none" strike="noStrike" cap="none" normalizeH="0" baseline="0">
+                        <a:rPr kumimoji="0" lang="en-US" altLang="en-US" sz="3000" b="0" i="0" u="none" strike="noStrike" cap="none" normalizeH="0" baseline="0" dirty="0">
                           <a:ln>
                             <a:noFill/>
                           </a:ln>
@@ -12552,7 +12206,9 @@
                             <a:schemeClr val="tx1"/>
                           </a:solidFill>
                           <a:effectLst/>
-                          <a:latin typeface="Arial" charset="0"/>
+                          <a:latin typeface="Open Sans" panose="020B0606030504020204" pitchFamily="34" charset="0"/>
+                          <a:ea typeface="Open Sans" panose="020B0606030504020204" pitchFamily="34" charset="0"/>
+                          <a:cs typeface="Open Sans" panose="020B0606030504020204" pitchFamily="34" charset="0"/>
                         </a:rPr>
                         <a:t>WL</a:t>
                       </a:r>
@@ -12738,7 +12394,7 @@
                         <a:tabLst/>
                       </a:pPr>
                       <a:r>
-                        <a:rPr kumimoji="0" lang="en-US" altLang="en-US" sz="3200" b="0" i="0" u="none" strike="noStrike" cap="none" normalizeH="0" baseline="0">
+                        <a:rPr kumimoji="0" lang="en-US" altLang="en-US" sz="3000" b="0" i="0" u="none" strike="noStrike" cap="none" normalizeH="0" baseline="0">
                           <a:ln>
                             <a:noFill/>
                           </a:ln>
@@ -12746,7 +12402,9 @@
                             <a:schemeClr val="tx1"/>
                           </a:solidFill>
                           <a:effectLst/>
-                          <a:latin typeface="Arial" charset="0"/>
+                          <a:latin typeface="Open Sans" panose="020B0606030504020204" pitchFamily="34" charset="0"/>
+                          <a:ea typeface="Open Sans" panose="020B0606030504020204" pitchFamily="34" charset="0"/>
+                          <a:cs typeface="Open Sans" panose="020B0606030504020204" pitchFamily="34" charset="0"/>
                         </a:rPr>
                         <a:t>4k</a:t>
                       </a:r>
@@ -12932,7 +12590,7 @@
                         <a:tabLst/>
                       </a:pPr>
                       <a:r>
-                        <a:rPr kumimoji="0" lang="en-US" altLang="en-US" sz="3200" b="0" i="0" u="none" strike="noStrike" cap="none" normalizeH="0" baseline="0">
+                        <a:rPr kumimoji="0" lang="en-US" altLang="en-US" sz="3000" b="0" i="0" u="none" strike="noStrike" cap="none" normalizeH="0" baseline="0">
                           <a:ln>
                             <a:noFill/>
                           </a:ln>
@@ -12940,7 +12598,9 @@
                             <a:schemeClr val="tx1"/>
                           </a:solidFill>
                           <a:effectLst/>
-                          <a:latin typeface="Arial" charset="0"/>
+                          <a:latin typeface="Open Sans" panose="020B0606030504020204" pitchFamily="34" charset="0"/>
+                          <a:ea typeface="Open Sans" panose="020B0606030504020204" pitchFamily="34" charset="0"/>
+                          <a:cs typeface="Open Sans" panose="020B0606030504020204" pitchFamily="34" charset="0"/>
                         </a:rPr>
                         <a:t>10k</a:t>
                       </a:r>
@@ -13126,7 +12786,7 @@
                         <a:tabLst/>
                       </a:pPr>
                       <a:r>
-                        <a:rPr kumimoji="0" lang="en-US" altLang="en-US" sz="3200" b="0" i="0" u="none" strike="noStrike" cap="none" normalizeH="0" baseline="0">
+                        <a:rPr kumimoji="0" lang="en-US" altLang="en-US" sz="3000" b="0" i="0" u="none" strike="noStrike" cap="none" normalizeH="0" baseline="0">
                           <a:ln>
                             <a:noFill/>
                           </a:ln>
@@ -13134,7 +12794,9 @@
                             <a:schemeClr val="tx1"/>
                           </a:solidFill>
                           <a:effectLst/>
-                          <a:latin typeface="Arial" charset="0"/>
+                          <a:latin typeface="Open Sans" panose="020B0606030504020204" pitchFamily="34" charset="0"/>
+                          <a:ea typeface="Open Sans" panose="020B0606030504020204" pitchFamily="34" charset="0"/>
+                          <a:cs typeface="Open Sans" panose="020B0606030504020204" pitchFamily="34" charset="0"/>
                         </a:rPr>
                         <a:t>A-links to-B</a:t>
                       </a:r>
@@ -13322,7 +12984,7 @@
                         <a:tabLst/>
                       </a:pPr>
                       <a:r>
-                        <a:rPr kumimoji="0" lang="en-US" altLang="en-US" sz="3200" b="0" i="0" u="none" strike="noStrike" cap="none" normalizeH="0" baseline="0">
+                        <a:rPr kumimoji="0" lang="en-US" altLang="en-US" sz="3000" b="0" i="0" u="none" strike="noStrike" cap="none" normalizeH="0" baseline="0" dirty="0">
                           <a:ln>
                             <a:noFill/>
                           </a:ln>
@@ -13330,7 +12992,9 @@
                             <a:schemeClr val="tx1"/>
                           </a:solidFill>
                           <a:effectLst/>
-                          <a:latin typeface="Arial" charset="0"/>
+                          <a:latin typeface="Open Sans" panose="020B0606030504020204" pitchFamily="34" charset="0"/>
+                          <a:ea typeface="Open Sans" panose="020B0606030504020204" pitchFamily="34" charset="0"/>
+                          <a:cs typeface="Open Sans" panose="020B0606030504020204" pitchFamily="34" charset="0"/>
                         </a:rPr>
                         <a:t>PC</a:t>
                       </a:r>
@@ -13516,7 +13180,7 @@
                         <a:tabLst/>
                       </a:pPr>
                       <a:r>
-                        <a:rPr kumimoji="0" lang="en-US" altLang="en-US" sz="3200" b="0" i="0" u="none" strike="noStrike" cap="none" normalizeH="0" baseline="0">
+                        <a:rPr kumimoji="0" lang="en-US" altLang="en-US" sz="3000" b="0" i="0" u="none" strike="noStrike" cap="none" normalizeH="0" baseline="0">
                           <a:ln>
                             <a:noFill/>
                           </a:ln>
@@ -13524,7 +13188,9 @@
                             <a:schemeClr val="tx1"/>
                           </a:solidFill>
                           <a:effectLst/>
-                          <a:latin typeface="Arial" charset="0"/>
+                          <a:latin typeface="Open Sans" panose="020B0606030504020204" pitchFamily="34" charset="0"/>
+                          <a:ea typeface="Open Sans" panose="020B0606030504020204" pitchFamily="34" charset="0"/>
+                          <a:cs typeface="Open Sans" panose="020B0606030504020204" pitchFamily="34" charset="0"/>
                         </a:rPr>
                         <a:t>36k</a:t>
                       </a:r>
@@ -13710,7 +13376,7 @@
                         <a:tabLst/>
                       </a:pPr>
                       <a:r>
-                        <a:rPr kumimoji="0" lang="en-US" altLang="en-US" sz="3200" b="0" i="0" u="none" strike="noStrike" cap="none" normalizeH="0" baseline="0">
+                        <a:rPr kumimoji="0" lang="en-US" altLang="en-US" sz="3000" b="0" i="0" u="none" strike="noStrike" cap="none" normalizeH="0" baseline="0">
                           <a:ln>
                             <a:noFill/>
                           </a:ln>
@@ -13718,7 +13384,9 @@
                             <a:schemeClr val="tx1"/>
                           </a:solidFill>
                           <a:effectLst/>
-                          <a:latin typeface="Arial" charset="0"/>
+                          <a:latin typeface="Open Sans" panose="020B0606030504020204" pitchFamily="34" charset="0"/>
+                          <a:ea typeface="Open Sans" panose="020B0606030504020204" pitchFamily="34" charset="0"/>
+                          <a:cs typeface="Open Sans" panose="020B0606030504020204" pitchFamily="34" charset="0"/>
                         </a:rPr>
                         <a:t>64k</a:t>
                       </a:r>
@@ -13904,7 +13572,7 @@
                         <a:tabLst/>
                       </a:pPr>
                       <a:r>
-                        <a:rPr kumimoji="0" lang="en-US" altLang="en-US" sz="3200" b="0" i="0" u="none" strike="noStrike" cap="none" normalizeH="0" baseline="0">
+                        <a:rPr kumimoji="0" lang="en-US" altLang="en-US" sz="3000" b="0" i="0" u="none" strike="noStrike" cap="none" normalizeH="0" baseline="0">
                           <a:ln>
                             <a:noFill/>
                           </a:ln>
@@ -13912,7 +13580,9 @@
                             <a:schemeClr val="tx1"/>
                           </a:solidFill>
                           <a:effectLst/>
-                          <a:latin typeface="Arial" charset="0"/>
+                          <a:latin typeface="Open Sans" panose="020B0606030504020204" pitchFamily="34" charset="0"/>
+                          <a:ea typeface="Open Sans" panose="020B0606030504020204" pitchFamily="34" charset="0"/>
+                          <a:cs typeface="Open Sans" panose="020B0606030504020204" pitchFamily="34" charset="0"/>
                         </a:rPr>
                         <a:t>Who-contact-whom</a:t>
                       </a:r>
@@ -14100,7 +13770,7 @@
                         <a:tabLst/>
                       </a:pPr>
                       <a:r>
-                        <a:rPr kumimoji="0" lang="en-US" altLang="en-US" sz="3200" b="0" i="0" u="none" strike="noStrike" cap="none" normalizeH="0" baseline="0">
+                        <a:rPr kumimoji="0" lang="en-US" altLang="en-US" sz="3000" b="0" i="0" u="none" strike="noStrike" cap="none" normalizeH="0" baseline="0">
                           <a:ln>
                             <a:noFill/>
                           </a:ln>
@@ -14108,7 +13778,9 @@
                             <a:schemeClr val="tx1"/>
                           </a:solidFill>
                           <a:effectLst/>
-                          <a:latin typeface="Arial" charset="0"/>
+                          <a:latin typeface="Open Sans" panose="020B0606030504020204" pitchFamily="34" charset="0"/>
+                          <a:ea typeface="Open Sans" panose="020B0606030504020204" pitchFamily="34" charset="0"/>
+                          <a:cs typeface="Open Sans" panose="020B0606030504020204" pitchFamily="34" charset="0"/>
                         </a:rPr>
                         <a:t>EP</a:t>
                       </a:r>
@@ -14294,7 +13966,7 @@
                         <a:tabLst/>
                       </a:pPr>
                       <a:r>
-                        <a:rPr kumimoji="0" lang="en-US" altLang="en-US" sz="3200" b="0" i="0" u="none" strike="noStrike" cap="none" normalizeH="0" baseline="0">
+                        <a:rPr kumimoji="0" lang="en-US" altLang="en-US" sz="3000" b="0" i="0" u="none" strike="noStrike" cap="none" normalizeH="0" baseline="0">
                           <a:ln>
                             <a:noFill/>
                           </a:ln>
@@ -14302,7 +13974,9 @@
                             <a:schemeClr val="tx1"/>
                           </a:solidFill>
                           <a:effectLst/>
-                          <a:latin typeface="Arial" charset="0"/>
+                          <a:latin typeface="Open Sans" panose="020B0606030504020204" pitchFamily="34" charset="0"/>
+                          <a:ea typeface="Open Sans" panose="020B0606030504020204" pitchFamily="34" charset="0"/>
+                          <a:cs typeface="Open Sans" panose="020B0606030504020204" pitchFamily="34" charset="0"/>
                         </a:rPr>
                         <a:t>76k</a:t>
                       </a:r>
@@ -14488,7 +14162,7 @@
                         <a:tabLst/>
                       </a:pPr>
                       <a:r>
-                        <a:rPr kumimoji="0" lang="en-US" altLang="en-US" sz="3200" b="0" i="0" u="none" strike="noStrike" cap="none" normalizeH="0" baseline="0">
+                        <a:rPr kumimoji="0" lang="en-US" altLang="en-US" sz="3000" b="0" i="0" u="none" strike="noStrike" cap="none" normalizeH="0" baseline="0">
                           <a:ln>
                             <a:noFill/>
                           </a:ln>
@@ -14496,7 +14170,9 @@
                             <a:schemeClr val="tx1"/>
                           </a:solidFill>
                           <a:effectLst/>
-                          <a:latin typeface="Arial" charset="0"/>
+                          <a:latin typeface="Open Sans" panose="020B0606030504020204" pitchFamily="34" charset="0"/>
+                          <a:ea typeface="Open Sans" panose="020B0606030504020204" pitchFamily="34" charset="0"/>
+                          <a:cs typeface="Open Sans" panose="020B0606030504020204" pitchFamily="34" charset="0"/>
                         </a:rPr>
                         <a:t>509k</a:t>
                       </a:r>
@@ -14682,7 +14358,7 @@
                         <a:tabLst/>
                       </a:pPr>
                       <a:r>
-                        <a:rPr kumimoji="0" lang="en-US" altLang="en-US" sz="3200" b="0" i="0" u="none" strike="noStrike" cap="none" normalizeH="0" baseline="0">
+                        <a:rPr kumimoji="0" lang="en-US" altLang="en-US" sz="3000" b="0" i="0" u="none" strike="noStrike" cap="none" normalizeH="0" baseline="0">
                           <a:ln>
                             <a:noFill/>
                           </a:ln>
@@ -14690,7 +14366,9 @@
                             <a:schemeClr val="tx1"/>
                           </a:solidFill>
                           <a:effectLst/>
-                          <a:latin typeface="Arial" charset="0"/>
+                          <a:latin typeface="Open Sans" panose="020B0606030504020204" pitchFamily="34" charset="0"/>
+                          <a:ea typeface="Open Sans" panose="020B0606030504020204" pitchFamily="34" charset="0"/>
+                          <a:cs typeface="Open Sans" panose="020B0606030504020204" pitchFamily="34" charset="0"/>
                         </a:rPr>
                         <a:t>Who-trust-whom</a:t>
                       </a:r>
@@ -14878,7 +14556,7 @@
                         <a:tabLst/>
                       </a:pPr>
                       <a:r>
-                        <a:rPr kumimoji="0" lang="en-US" altLang="en-US" sz="3200" b="0" i="0" u="none" strike="noStrike" cap="none" normalizeH="0" baseline="0">
+                        <a:rPr kumimoji="0" lang="en-US" altLang="en-US" sz="3000" b="0" i="0" u="none" strike="noStrike" cap="none" normalizeH="0" baseline="0">
                           <a:ln>
                             <a:noFill/>
                           </a:ln>
@@ -14886,7 +14564,9 @@
                             <a:schemeClr val="tx1"/>
                           </a:solidFill>
                           <a:effectLst/>
-                          <a:latin typeface="Arial" charset="0"/>
+                          <a:latin typeface="Open Sans" panose="020B0606030504020204" pitchFamily="34" charset="0"/>
+                          <a:ea typeface="Open Sans" panose="020B0606030504020204" pitchFamily="34" charset="0"/>
+                          <a:cs typeface="Open Sans" panose="020B0606030504020204" pitchFamily="34" charset="0"/>
                         </a:rPr>
                         <a:t>CN</a:t>
                       </a:r>
@@ -15072,7 +14752,7 @@
                         <a:tabLst/>
                       </a:pPr>
                       <a:r>
-                        <a:rPr kumimoji="0" lang="en-US" altLang="en-US" sz="3200" b="0" i="0" u="none" strike="noStrike" cap="none" normalizeH="0" baseline="0">
+                        <a:rPr kumimoji="0" lang="en-US" altLang="en-US" sz="3000" b="0" i="0" u="none" strike="noStrike" cap="none" normalizeH="0" baseline="0">
                           <a:ln>
                             <a:noFill/>
                           </a:ln>
@@ -15080,7 +14760,9 @@
                             <a:schemeClr val="tx1"/>
                           </a:solidFill>
                           <a:effectLst/>
-                          <a:latin typeface="Arial" charset="0"/>
+                          <a:latin typeface="Open Sans" panose="020B0606030504020204" pitchFamily="34" charset="0"/>
+                          <a:ea typeface="Open Sans" panose="020B0606030504020204" pitchFamily="34" charset="0"/>
+                          <a:cs typeface="Open Sans" panose="020B0606030504020204" pitchFamily="34" charset="0"/>
                         </a:rPr>
                         <a:t>28k</a:t>
                       </a:r>
@@ -15266,7 +14948,7 @@
                         <a:tabLst/>
                       </a:pPr>
                       <a:r>
-                        <a:rPr kumimoji="0" lang="en-US" altLang="en-US" sz="3200" b="0" i="0" u="none" strike="noStrike" cap="none" normalizeH="0" baseline="0">
+                        <a:rPr kumimoji="0" lang="en-US" altLang="en-US" sz="3000" b="0" i="0" u="none" strike="noStrike" cap="none" normalizeH="0" baseline="0">
                           <a:ln>
                             <a:noFill/>
                           </a:ln>
@@ -15274,7 +14956,9 @@
                             <a:schemeClr val="tx1"/>
                           </a:solidFill>
                           <a:effectLst/>
-                          <a:latin typeface="Arial" charset="0"/>
+                          <a:latin typeface="Open Sans" panose="020B0606030504020204" pitchFamily="34" charset="0"/>
+                          <a:ea typeface="Open Sans" panose="020B0606030504020204" pitchFamily="34" charset="0"/>
+                          <a:cs typeface="Open Sans" panose="020B0606030504020204" pitchFamily="34" charset="0"/>
                         </a:rPr>
                         <a:t>353k</a:t>
                       </a:r>
@@ -15460,7 +15144,7 @@
                         <a:tabLst/>
                       </a:pPr>
                       <a:r>
-                        <a:rPr kumimoji="0" lang="en-US" altLang="en-US" sz="3200" b="0" i="0" u="none" strike="noStrike" cap="none" normalizeH="0" baseline="0">
+                        <a:rPr kumimoji="0" lang="en-US" altLang="en-US" sz="3000" b="0" i="0" u="none" strike="noStrike" cap="none" normalizeH="0" baseline="0">
                           <a:ln>
                             <a:noFill/>
                           </a:ln>
@@ -15468,7 +15152,9 @@
                             <a:schemeClr val="tx1"/>
                           </a:solidFill>
                           <a:effectLst/>
-                          <a:latin typeface="Arial" charset="0"/>
+                          <a:latin typeface="Open Sans" panose="020B0606030504020204" pitchFamily="34" charset="0"/>
+                          <a:ea typeface="Open Sans" panose="020B0606030504020204" pitchFamily="34" charset="0"/>
+                          <a:cs typeface="Open Sans" panose="020B0606030504020204" pitchFamily="34" charset="0"/>
                         </a:rPr>
                         <a:t>A-cites-B</a:t>
                       </a:r>
@@ -15656,7 +15342,7 @@
                         <a:tabLst/>
                       </a:pPr>
                       <a:r>
-                        <a:rPr kumimoji="0" lang="en-US" altLang="en-US" sz="3200" b="0" i="0" u="none" strike="noStrike" cap="none" normalizeH="0" baseline="0">
+                        <a:rPr kumimoji="0" lang="en-US" altLang="en-US" sz="3000" b="0" i="0" u="none" strike="noStrike" cap="none" normalizeH="0" baseline="0" dirty="0">
                           <a:ln>
                             <a:noFill/>
                           </a:ln>
@@ -15664,7 +15350,9 @@
                             <a:schemeClr val="tx1"/>
                           </a:solidFill>
                           <a:effectLst/>
-                          <a:latin typeface="Arial" charset="0"/>
+                          <a:latin typeface="Open Sans" panose="020B0606030504020204" pitchFamily="34" charset="0"/>
+                          <a:ea typeface="Open Sans" panose="020B0606030504020204" pitchFamily="34" charset="0"/>
+                          <a:cs typeface="Open Sans" panose="020B0606030504020204" pitchFamily="34" charset="0"/>
                         </a:rPr>
                         <a:t>AE</a:t>
                       </a:r>
@@ -15850,7 +15538,7 @@
                         <a:tabLst/>
                       </a:pPr>
                       <a:r>
-                        <a:rPr kumimoji="0" lang="en-US" altLang="en-US" sz="3200" b="0" i="0" u="none" strike="noStrike" cap="none" normalizeH="0" baseline="0">
+                        <a:rPr kumimoji="0" lang="en-US" altLang="en-US" sz="3000" b="0" i="0" u="none" strike="noStrike" cap="none" normalizeH="0" baseline="0">
                           <a:ln>
                             <a:noFill/>
                           </a:ln>
@@ -15858,7 +15546,9 @@
                             <a:schemeClr val="tx1"/>
                           </a:solidFill>
                           <a:effectLst/>
-                          <a:latin typeface="Arial" charset="0"/>
+                          <a:latin typeface="Open Sans" panose="020B0606030504020204" pitchFamily="34" charset="0"/>
+                          <a:ea typeface="Open Sans" panose="020B0606030504020204" pitchFamily="34" charset="0"/>
+                          <a:cs typeface="Open Sans" panose="020B0606030504020204" pitchFamily="34" charset="0"/>
                         </a:rPr>
                         <a:t>38k</a:t>
                       </a:r>
@@ -16044,7 +15734,7 @@
                         <a:tabLst/>
                       </a:pPr>
                       <a:r>
-                        <a:rPr kumimoji="0" lang="en-US" altLang="en-US" sz="3200" b="0" i="0" u="none" strike="noStrike" cap="none" normalizeH="0" baseline="0">
+                        <a:rPr kumimoji="0" lang="en-US" altLang="en-US" sz="3000" b="0" i="0" u="none" strike="noStrike" cap="none" normalizeH="0" baseline="0">
                           <a:ln>
                             <a:noFill/>
                           </a:ln>
@@ -16052,7 +15742,9 @@
                             <a:schemeClr val="tx1"/>
                           </a:solidFill>
                           <a:effectLst/>
-                          <a:latin typeface="Arial" charset="0"/>
+                          <a:latin typeface="Open Sans" panose="020B0606030504020204" pitchFamily="34" charset="0"/>
+                          <a:ea typeface="Open Sans" panose="020B0606030504020204" pitchFamily="34" charset="0"/>
+                          <a:cs typeface="Open Sans" panose="020B0606030504020204" pitchFamily="34" charset="0"/>
                         </a:rPr>
                         <a:t>115k</a:t>
                       </a:r>
@@ -16238,7 +15930,7 @@
                         <a:tabLst/>
                       </a:pPr>
                       <a:r>
-                        <a:rPr kumimoji="0" lang="en-US" altLang="en-US" sz="3200" b="0" i="0" u="none" strike="noStrike" cap="none" normalizeH="0" baseline="0">
+                        <a:rPr kumimoji="0" lang="en-US" altLang="en-US" sz="3000" b="0" i="0" u="none" strike="noStrike" cap="none" normalizeH="0" baseline="0" dirty="0">
                           <a:ln>
                             <a:noFill/>
                           </a:ln>
@@ -16246,7 +15938,9 @@
                             <a:schemeClr val="tx1"/>
                           </a:solidFill>
                           <a:effectLst/>
-                          <a:latin typeface="Arial" charset="0"/>
+                          <a:latin typeface="Open Sans" panose="020B0606030504020204" pitchFamily="34" charset="0"/>
+                          <a:ea typeface="Open Sans" panose="020B0606030504020204" pitchFamily="34" charset="0"/>
+                          <a:cs typeface="Open Sans" panose="020B0606030504020204" pitchFamily="34" charset="0"/>
                         </a:rPr>
                         <a:t>Who-email to-whom</a:t>
                       </a:r>
@@ -16358,7 +16052,7 @@
           <p:nvPr/>
         </p:nvPicPr>
         <p:blipFill>
-          <a:blip r:embed="rId4">
+          <a:blip r:embed="rId6">
             <a:extLst>
               <a:ext uri="{28A0092B-C50C-407E-A947-70E740481C1C}">
                 <a14:useLocalDpi xmlns:a14="http://schemas.microsoft.com/office/drawing/2010/main" val="0"/>
@@ -16399,7 +16093,7 @@
           <p:nvPr/>
         </p:nvPicPr>
         <p:blipFill>
-          <a:blip r:embed="rId5">
+          <a:blip r:embed="rId7">
             <a:extLst>
               <a:ext uri="{28A0092B-C50C-407E-A947-70E740481C1C}">
                 <a14:useLocalDpi xmlns:a14="http://schemas.microsoft.com/office/drawing/2010/main" val="0"/>
@@ -16443,7 +16137,7 @@
         </p:nvSpPr>
         <p:spPr>
           <a:xfrm>
-            <a:off x="3733800" y="427037"/>
+            <a:off x="3581400" y="427037"/>
             <a:ext cx="5410200" cy="1096963"/>
           </a:xfrm>
         </p:spPr>
@@ -16652,7 +16346,7 @@
           <a:lstStyle/>
           <a:p>
             <a:r>
-              <a:rPr lang="en-US" altLang="en-US" sz="2400"/>
+              <a:rPr lang="en-US" altLang="en-US" sz="2400" dirty="0"/>
               <a:t>density</a:t>
             </a:r>
           </a:p>
@@ -16725,177 +16419,7 @@
       </p:sp>
       <p:sp>
         <p:nvSpPr>
-          <p:cNvPr id="206859" name="Text Box 11"/>
-          <p:cNvSpPr txBox="1">
-            <a:spLocks noChangeArrowheads="1"/>
-          </p:cNvSpPr>
-          <p:nvPr/>
-        </p:nvSpPr>
-        <p:spPr bwMode="auto">
-          <a:xfrm>
-            <a:off x="3200400" y="2590800"/>
-            <a:ext cx="2986088" cy="457200"/>
-          </a:xfrm>
-          <a:prstGeom prst="rect">
-            <a:avLst/>
-          </a:prstGeom>
-          <a:noFill/>
-          <a:ln>
-            <a:noFill/>
-          </a:ln>
-          <a:effectLst/>
-          <a:extLst>
-            <a:ext uri="{909E8E84-426E-40DD-AFC4-6F175D3DCCD1}">
-              <a14:hiddenFill xmlns:a14="http://schemas.microsoft.com/office/drawing/2010/main">
-                <a:solidFill>
-                  <a:schemeClr val="accent1"/>
-                </a:solidFill>
-              </a14:hiddenFill>
-            </a:ext>
-            <a:ext uri="{91240B29-F687-4F45-9708-019B960494DF}">
-              <a14:hiddenLine xmlns:a14="http://schemas.microsoft.com/office/drawing/2010/main" w="9525">
-                <a:solidFill>
-                  <a:schemeClr val="tx1"/>
-                </a:solidFill>
-                <a:miter lim="800000"/>
-                <a:headEnd/>
-                <a:tailEnd/>
-              </a14:hiddenLine>
-            </a:ext>
-            <a:ext uri="{AF507438-7753-43E0-B8FC-AC1667EBCBE1}">
-              <a14:hiddenEffects xmlns:a14="http://schemas.microsoft.com/office/drawing/2010/main">
-                <a:effectLst>
-                  <a:outerShdw blurRad="63500" dist="38099" dir="2700000" algn="ctr" rotWithShape="0">
-                    <a:schemeClr val="bg2">
-                      <a:alpha val="74998"/>
-                    </a:schemeClr>
-                  </a:outerShdw>
-                </a:effectLst>
-              </a14:hiddenEffects>
-            </a:ext>
-          </a:extLst>
-        </p:spPr>
-        <p:txBody>
-          <a:bodyPr wrap="none">
-            <a:spAutoFit/>
-          </a:bodyPr>
-          <a:lstStyle/>
-          <a:p>
-            <a:r>
-              <a:rPr lang="en-US" altLang="en-US" sz="2400"/>
-              <a:t>Prox (i</a:t>
-            </a:r>
-            <a:r>
-              <a:rPr lang="en-US" altLang="en-US" sz="2400">
-                <a:sym typeface="Wingdings" charset="2"/>
-              </a:rPr>
-              <a:t></a:t>
-            </a:r>
-            <a:r>
-              <a:rPr lang="en-US" altLang="en-US" sz="2400"/>
-              <a:t>j)+Prox (j</a:t>
-            </a:r>
-            <a:r>
-              <a:rPr lang="en-US" altLang="en-US">
-                <a:sym typeface="Wingdings" charset="2"/>
-              </a:rPr>
-              <a:t></a:t>
-            </a:r>
-            <a:r>
-              <a:rPr lang="en-US" altLang="en-US" sz="2400"/>
-              <a:t>i)</a:t>
-            </a:r>
-          </a:p>
-        </p:txBody>
-      </p:sp>
-      <p:sp>
-        <p:nvSpPr>
-          <p:cNvPr id="206860" name="Text Box 12"/>
-          <p:cNvSpPr txBox="1">
-            <a:spLocks noChangeArrowheads="1"/>
-          </p:cNvSpPr>
-          <p:nvPr/>
-        </p:nvSpPr>
-        <p:spPr bwMode="auto">
-          <a:xfrm>
-            <a:off x="3262313" y="6019800"/>
-            <a:ext cx="2986087" cy="457200"/>
-          </a:xfrm>
-          <a:prstGeom prst="rect">
-            <a:avLst/>
-          </a:prstGeom>
-          <a:noFill/>
-          <a:ln>
-            <a:noFill/>
-          </a:ln>
-          <a:effectLst/>
-          <a:extLst>
-            <a:ext uri="{909E8E84-426E-40DD-AFC4-6F175D3DCCD1}">
-              <a14:hiddenFill xmlns:a14="http://schemas.microsoft.com/office/drawing/2010/main">
-                <a:solidFill>
-                  <a:schemeClr val="accent1"/>
-                </a:solidFill>
-              </a14:hiddenFill>
-            </a:ext>
-            <a:ext uri="{91240B29-F687-4F45-9708-019B960494DF}">
-              <a14:hiddenLine xmlns:a14="http://schemas.microsoft.com/office/drawing/2010/main" w="9525">
-                <a:solidFill>
-                  <a:schemeClr val="tx1"/>
-                </a:solidFill>
-                <a:miter lim="800000"/>
-                <a:headEnd/>
-                <a:tailEnd/>
-              </a14:hiddenLine>
-            </a:ext>
-            <a:ext uri="{AF507438-7753-43E0-B8FC-AC1667EBCBE1}">
-              <a14:hiddenEffects xmlns:a14="http://schemas.microsoft.com/office/drawing/2010/main">
-                <a:effectLst>
-                  <a:outerShdw blurRad="63500" dist="38099" dir="2700000" algn="ctr" rotWithShape="0">
-                    <a:schemeClr val="bg2">
-                      <a:alpha val="74998"/>
-                    </a:schemeClr>
-                  </a:outerShdw>
-                </a:effectLst>
-              </a14:hiddenEffects>
-            </a:ext>
-          </a:extLst>
-        </p:spPr>
-        <p:txBody>
-          <a:bodyPr wrap="none">
-            <a:spAutoFit/>
-          </a:bodyPr>
-          <a:lstStyle/>
-          <a:p>
-            <a:r>
-              <a:rPr lang="en-US" altLang="en-US" sz="2400"/>
-              <a:t>Prox (i</a:t>
-            </a:r>
-            <a:r>
-              <a:rPr lang="en-US" altLang="en-US" sz="2400">
-                <a:sym typeface="Wingdings" charset="2"/>
-              </a:rPr>
-              <a:t></a:t>
-            </a:r>
-            <a:r>
-              <a:rPr lang="en-US" altLang="en-US" sz="2400"/>
-              <a:t>j)+Prox (j</a:t>
-            </a:r>
-            <a:r>
-              <a:rPr lang="en-US" altLang="en-US">
-                <a:sym typeface="Wingdings" charset="2"/>
-              </a:rPr>
-              <a:t></a:t>
-            </a:r>
-            <a:r>
-              <a:rPr lang="en-US" altLang="en-US" sz="2400"/>
-              <a:t>i)</a:t>
-            </a:r>
-          </a:p>
-        </p:txBody>
-      </p:sp>
-      <p:sp>
-        <p:nvSpPr>
-          <p:cNvPr id="206861" name="Rectangle 13"/>
+          <p:cNvPr id="206861" name="Rectangle 13 1"/>
           <p:cNvSpPr>
             <a:spLocks noChangeArrowheads="1"/>
           </p:cNvSpPr>
@@ -17013,7 +16537,7 @@
       </p:sp>
       <p:sp>
         <p:nvSpPr>
-          <p:cNvPr id="14" name="Rectangle 13"/>
+          <p:cNvPr id="14" name="Rectangle 13 2"/>
           <p:cNvSpPr/>
           <p:nvPr/>
         </p:nvSpPr>
@@ -17049,6 +16573,74 @@
           </a:p>
         </p:txBody>
       </p:sp>
+      <p:pic>
+        <p:nvPicPr>
+          <p:cNvPr id="4" name="Picture 3"/>
+          <p:cNvPicPr>
+            <a:picLocks noChangeAspect="1"/>
+          </p:cNvPicPr>
+          <p:nvPr>
+            <p:custDataLst>
+              <p:tags r:id="rId2"/>
+            </p:custDataLst>
+          </p:nvPr>
+        </p:nvPicPr>
+        <p:blipFill>
+          <a:blip r:embed="rId8" cstate="print">
+            <a:extLst>
+              <a:ext uri="{28A0092B-C50C-407E-A947-70E740481C1C}">
+                <a14:useLocalDpi xmlns:a14="http://schemas.microsoft.com/office/drawing/2010/main" val="0"/>
+              </a:ext>
+            </a:extLst>
+          </a:blip>
+          <a:stretch>
+            <a:fillRect/>
+          </a:stretch>
+        </p:blipFill>
+        <p:spPr>
+          <a:xfrm>
+            <a:off x="3200400" y="2667000"/>
+            <a:ext cx="2850742" cy="301714"/>
+          </a:xfrm>
+          <a:prstGeom prst="rect">
+            <a:avLst/>
+          </a:prstGeom>
+        </p:spPr>
+      </p:pic>
+      <p:pic>
+        <p:nvPicPr>
+          <p:cNvPr id="17" name="Picture 16"/>
+          <p:cNvPicPr>
+            <a:picLocks noChangeAspect="1"/>
+          </p:cNvPicPr>
+          <p:nvPr>
+            <p:custDataLst>
+              <p:tags r:id="rId3"/>
+            </p:custDataLst>
+          </p:nvPr>
+        </p:nvPicPr>
+        <p:blipFill>
+          <a:blip r:embed="rId8" cstate="print">
+            <a:extLst>
+              <a:ext uri="{28A0092B-C50C-407E-A947-70E740481C1C}">
+                <a14:useLocalDpi xmlns:a14="http://schemas.microsoft.com/office/drawing/2010/main" val="0"/>
+              </a:ext>
+            </a:extLst>
+          </a:blip>
+          <a:stretch>
+            <a:fillRect/>
+          </a:stretch>
+        </p:blipFill>
+        <p:spPr>
+          <a:xfrm>
+            <a:off x="3200400" y="6096000"/>
+            <a:ext cx="2850742" cy="301714"/>
+          </a:xfrm>
+          <a:prstGeom prst="rect">
+            <a:avLst/>
+          </a:prstGeom>
+        </p:spPr>
+      </p:pic>
     </p:spTree>
     <p:custDataLst>
       <p:tags r:id="rId1"/>
@@ -17229,13 +16821,13 @@
             <p:ph idx="1"/>
             <p:extLst>
               <p:ext uri="{D42A27DB-BD31-4B8C-83A1-F6EECF244321}">
-                <p14:modId xmlns:p14="http://schemas.microsoft.com/office/powerpoint/2010/main" val="1909034103"/>
+                <p14:modId xmlns:p14="http://schemas.microsoft.com/office/powerpoint/2010/main" val="2850512109"/>
               </p:ext>
             </p:extLst>
           </p:nvPr>
         </p:nvGraphicFramePr>
         <p:xfrm>
-          <a:off x="457200" y="2057400"/>
+          <a:off x="457200" y="2438400"/>
           <a:ext cx="8229600" cy="3667126"/>
         </p:xfrm>
         <a:graphic>
@@ -19351,7 +18943,7 @@
                         <a:tabLst/>
                       </a:pPr>
                       <a:r>
-                        <a:rPr kumimoji="0" lang="en-US" altLang="en-US" sz="2800" b="0" i="0" u="none" strike="noStrike" cap="none" normalizeH="0" baseline="0">
+                        <a:rPr kumimoji="0" lang="en-US" altLang="en-US" sz="2800" b="0" i="0" u="none" strike="noStrike" cap="none" normalizeH="0" baseline="0" dirty="0">
                           <a:ln>
                             <a:noFill/>
                           </a:ln>
@@ -19614,6 +19206,349 @@
           </a:graphicData>
         </a:graphic>
       </p:graphicFrame>
+      <p:sp>
+        <p:nvSpPr>
+          <p:cNvPr id="6" name="Rectangle 3"/>
+          <p:cNvSpPr txBox="1">
+            <a:spLocks noChangeArrowheads="1"/>
+          </p:cNvSpPr>
+          <p:nvPr/>
+        </p:nvSpPr>
+        <p:spPr bwMode="auto">
+          <a:xfrm>
+            <a:off x="457200" y="1143000"/>
+            <a:ext cx="8610600" cy="4530725"/>
+          </a:xfrm>
+          <a:prstGeom prst="rect">
+            <a:avLst/>
+          </a:prstGeom>
+          <a:noFill/>
+          <a:ln>
+            <a:noFill/>
+          </a:ln>
+          <a:effectLst/>
+          <a:extLst>
+            <a:ext uri="{909E8E84-426E-40DD-AFC4-6F175D3DCCD1}">
+              <a14:hiddenFill xmlns:a14="http://schemas.microsoft.com/office/drawing/2010/main">
+                <a:solidFill>
+                  <a:schemeClr val="accent1"/>
+                </a:solidFill>
+              </a14:hiddenFill>
+            </a:ext>
+            <a:ext uri="{91240B29-F687-4F45-9708-019B960494DF}">
+              <a14:hiddenLine xmlns:a14="http://schemas.microsoft.com/office/drawing/2010/main" w="9525">
+                <a:solidFill>
+                  <a:schemeClr val="tx1"/>
+                </a:solidFill>
+                <a:miter lim="800000"/>
+                <a:headEnd/>
+                <a:tailEnd/>
+              </a14:hiddenLine>
+            </a:ext>
+            <a:ext uri="{AF507438-7753-43E0-B8FC-AC1667EBCBE1}">
+              <a14:hiddenEffects xmlns:a14="http://schemas.microsoft.com/office/drawing/2010/main">
+                <a:effectLst>
+                  <a:outerShdw dist="35921" dir="2700000" algn="ctr" rotWithShape="0">
+                    <a:schemeClr val="bg2"/>
+                  </a:outerShdw>
+                </a:effectLst>
+              </a14:hiddenEffects>
+            </a:ext>
+          </a:extLst>
+        </p:spPr>
+        <p:txBody>
+          <a:bodyPr vert="horz" wrap="square" lIns="91440" tIns="45720" rIns="91440" bIns="45720" numCol="1" anchor="t" anchorCtr="0" compatLnSpc="1">
+            <a:prstTxWarp prst="textNoShape">
+              <a:avLst/>
+            </a:prstTxWarp>
+          </a:bodyPr>
+          <a:lstStyle>
+            <a:lvl1pPr marL="342900" indent="-342900" algn="l" rtl="0" fontAlgn="base">
+              <a:spcBef>
+                <a:spcPct val="20000"/>
+              </a:spcBef>
+              <a:spcAft>
+                <a:spcPct val="0"/>
+              </a:spcAft>
+              <a:buClr>
+                <a:schemeClr val="accent1"/>
+              </a:buClr>
+              <a:buSzPct val="65000"/>
+              <a:buFont typeface="Wingdings" pitchFamily="2" charset="2"/>
+              <a:buChar char="n"/>
+              <a:defRPr sz="3000">
+                <a:solidFill>
+                  <a:schemeClr val="tx1"/>
+                </a:solidFill>
+                <a:latin typeface="+mn-lt"/>
+                <a:ea typeface="+mn-ea"/>
+                <a:cs typeface="+mn-cs"/>
+              </a:defRPr>
+            </a:lvl1pPr>
+            <a:lvl2pPr marL="669925" indent="-325438" algn="l" rtl="0" fontAlgn="base">
+              <a:spcBef>
+                <a:spcPct val="20000"/>
+              </a:spcBef>
+              <a:spcAft>
+                <a:spcPct val="0"/>
+              </a:spcAft>
+              <a:buClr>
+                <a:schemeClr val="accent2"/>
+              </a:buClr>
+              <a:buSzPct val="60000"/>
+              <a:buFont typeface="Wingdings" pitchFamily="2" charset="2"/>
+              <a:buChar char="q"/>
+              <a:defRPr sz="2600">
+                <a:solidFill>
+                  <a:schemeClr val="tx1"/>
+                </a:solidFill>
+                <a:latin typeface="+mn-lt"/>
+              </a:defRPr>
+            </a:lvl2pPr>
+            <a:lvl3pPr marL="1022350" indent="-350838" algn="l" rtl="0" fontAlgn="base">
+              <a:spcBef>
+                <a:spcPct val="20000"/>
+              </a:spcBef>
+              <a:spcAft>
+                <a:spcPct val="0"/>
+              </a:spcAft>
+              <a:buClr>
+                <a:schemeClr val="accent1"/>
+              </a:buClr>
+              <a:buSzPct val="65000"/>
+              <a:buFont typeface="Wingdings" pitchFamily="2" charset="2"/>
+              <a:buChar char="n"/>
+              <a:defRPr sz="2200">
+                <a:solidFill>
+                  <a:schemeClr val="tx1"/>
+                </a:solidFill>
+                <a:latin typeface="+mn-lt"/>
+              </a:defRPr>
+            </a:lvl3pPr>
+            <a:lvl4pPr marL="1339850" indent="-315913" algn="l" rtl="0" fontAlgn="base">
+              <a:spcBef>
+                <a:spcPct val="20000"/>
+              </a:spcBef>
+              <a:spcAft>
+                <a:spcPct val="0"/>
+              </a:spcAft>
+              <a:buClr>
+                <a:schemeClr val="accent2"/>
+              </a:buClr>
+              <a:buSzPct val="70000"/>
+              <a:buFont typeface="Wingdings" pitchFamily="2" charset="2"/>
+              <a:buChar char="q"/>
+              <a:defRPr sz="2000">
+                <a:solidFill>
+                  <a:schemeClr val="tx1"/>
+                </a:solidFill>
+                <a:latin typeface="+mn-lt"/>
+              </a:defRPr>
+            </a:lvl4pPr>
+            <a:lvl5pPr marL="1681163" indent="-339725" algn="l" rtl="0" fontAlgn="base">
+              <a:spcBef>
+                <a:spcPct val="20000"/>
+              </a:spcBef>
+              <a:spcAft>
+                <a:spcPct val="0"/>
+              </a:spcAft>
+              <a:buClr>
+                <a:schemeClr val="accent1"/>
+              </a:buClr>
+              <a:buSzPct val="75000"/>
+              <a:buFont typeface="Wingdings" pitchFamily="2" charset="2"/>
+              <a:buChar char="§"/>
+              <a:defRPr sz="2000">
+                <a:solidFill>
+                  <a:schemeClr val="tx1"/>
+                </a:solidFill>
+                <a:latin typeface="+mn-lt"/>
+              </a:defRPr>
+            </a:lvl5pPr>
+            <a:lvl6pPr marL="2138363" indent="-339725" algn="l" rtl="0" fontAlgn="base">
+              <a:spcBef>
+                <a:spcPct val="20000"/>
+              </a:spcBef>
+              <a:spcAft>
+                <a:spcPct val="0"/>
+              </a:spcAft>
+              <a:buClr>
+                <a:schemeClr val="accent1"/>
+              </a:buClr>
+              <a:buSzPct val="75000"/>
+              <a:buFont typeface="Wingdings" pitchFamily="2" charset="2"/>
+              <a:buChar char="§"/>
+              <a:defRPr sz="2000">
+                <a:solidFill>
+                  <a:schemeClr val="tx1"/>
+                </a:solidFill>
+                <a:latin typeface="+mn-lt"/>
+              </a:defRPr>
+            </a:lvl6pPr>
+            <a:lvl7pPr marL="2595563" indent="-339725" algn="l" rtl="0" fontAlgn="base">
+              <a:spcBef>
+                <a:spcPct val="20000"/>
+              </a:spcBef>
+              <a:spcAft>
+                <a:spcPct val="0"/>
+              </a:spcAft>
+              <a:buClr>
+                <a:schemeClr val="accent1"/>
+              </a:buClr>
+              <a:buSzPct val="75000"/>
+              <a:buFont typeface="Wingdings" pitchFamily="2" charset="2"/>
+              <a:buChar char="§"/>
+              <a:defRPr sz="2000">
+                <a:solidFill>
+                  <a:schemeClr val="tx1"/>
+                </a:solidFill>
+                <a:latin typeface="+mn-lt"/>
+              </a:defRPr>
+            </a:lvl7pPr>
+            <a:lvl8pPr marL="3052763" indent="-339725" algn="l" rtl="0" fontAlgn="base">
+              <a:spcBef>
+                <a:spcPct val="20000"/>
+              </a:spcBef>
+              <a:spcAft>
+                <a:spcPct val="0"/>
+              </a:spcAft>
+              <a:buClr>
+                <a:schemeClr val="accent1"/>
+              </a:buClr>
+              <a:buSzPct val="75000"/>
+              <a:buFont typeface="Wingdings" pitchFamily="2" charset="2"/>
+              <a:buChar char="§"/>
+              <a:defRPr sz="2000">
+                <a:solidFill>
+                  <a:schemeClr val="tx1"/>
+                </a:solidFill>
+                <a:latin typeface="+mn-lt"/>
+              </a:defRPr>
+            </a:lvl8pPr>
+            <a:lvl9pPr marL="3509963" indent="-339725" algn="l" rtl="0" fontAlgn="base">
+              <a:spcBef>
+                <a:spcPct val="20000"/>
+              </a:spcBef>
+              <a:spcAft>
+                <a:spcPct val="0"/>
+              </a:spcAft>
+              <a:buClr>
+                <a:schemeClr val="accent1"/>
+              </a:buClr>
+              <a:buSzPct val="75000"/>
+              <a:buFont typeface="Wingdings" pitchFamily="2" charset="2"/>
+              <a:buChar char="§"/>
+              <a:defRPr sz="2000">
+                <a:solidFill>
+                  <a:schemeClr val="tx1"/>
+                </a:solidFill>
+                <a:latin typeface="+mn-lt"/>
+              </a:defRPr>
+            </a:lvl9pPr>
+          </a:lstStyle>
+          <a:p>
+            <a:r>
+              <a:rPr lang="en-US" altLang="en-US" sz="2400" kern="0" dirty="0" smtClean="0">
+                <a:latin typeface="Open Sans" charset="0"/>
+                <a:ea typeface="Open Sans" charset="0"/>
+                <a:cs typeface="Open Sans" charset="0"/>
+              </a:rPr>
+              <a:t>Q: Given a pair of nodes </a:t>
+            </a:r>
+            <a:r>
+              <a:rPr lang="en-US" altLang="en-US" sz="2400" kern="0" dirty="0" err="1" smtClean="0">
+                <a:latin typeface="Open Sans" charset="0"/>
+                <a:ea typeface="Open Sans" charset="0"/>
+                <a:cs typeface="Open Sans" charset="0"/>
+              </a:rPr>
+              <a:t>i</a:t>
+            </a:r>
+            <a:r>
+              <a:rPr lang="en-US" altLang="en-US" sz="2400" kern="0" dirty="0">
+                <a:latin typeface="Open Sans" charset="0"/>
+                <a:ea typeface="Open Sans" charset="0"/>
+                <a:cs typeface="Open Sans" charset="0"/>
+              </a:rPr>
+              <a:t> </a:t>
+            </a:r>
+            <a:r>
+              <a:rPr lang="en-US" altLang="en-US" sz="2400" kern="0" dirty="0" smtClean="0">
+                <a:latin typeface="Open Sans" charset="0"/>
+                <a:ea typeface="Open Sans" charset="0"/>
+                <a:cs typeface="Open Sans" charset="0"/>
+              </a:rPr>
+              <a:t>and j, is there a link between j and j?</a:t>
+            </a:r>
+          </a:p>
+          <a:p>
+            <a:r>
+              <a:rPr lang="en-US" altLang="en-US" sz="2400" kern="0" dirty="0" smtClean="0">
+                <a:latin typeface="Open Sans" charset="0"/>
+                <a:ea typeface="Open Sans" charset="0"/>
+                <a:cs typeface="Open Sans" charset="0"/>
+              </a:rPr>
+              <a:t>A: Yes </a:t>
+            </a:r>
+            <a:r>
+              <a:rPr lang="en-US" altLang="en-US" sz="2400" kern="0" dirty="0" err="1" smtClean="0">
+                <a:latin typeface="Open Sans" charset="0"/>
+                <a:ea typeface="Open Sans" charset="0"/>
+                <a:cs typeface="Open Sans" charset="0"/>
+              </a:rPr>
+              <a:t>iff</a:t>
+            </a:r>
+            <a:r>
+              <a:rPr lang="en-US" altLang="en-US" sz="2400" kern="0" dirty="0" smtClean="0">
+                <a:latin typeface="Open Sans" charset="0"/>
+                <a:ea typeface="Open Sans" charset="0"/>
+                <a:cs typeface="Open Sans" charset="0"/>
+              </a:rPr>
+              <a:t>                                        reaches a given threshold</a:t>
+            </a:r>
+          </a:p>
+          <a:p>
+            <a:endParaRPr lang="en-US" altLang="en-US" sz="2400" kern="0" dirty="0">
+              <a:latin typeface="Open Sans" charset="0"/>
+              <a:ea typeface="Open Sans" charset="0"/>
+              <a:cs typeface="Open Sans" charset="0"/>
+            </a:endParaRPr>
+          </a:p>
+        </p:txBody>
+      </p:sp>
+      <p:pic>
+        <p:nvPicPr>
+          <p:cNvPr id="7" name="Picture 6"/>
+          <p:cNvPicPr>
+            <a:picLocks noChangeAspect="1"/>
+          </p:cNvPicPr>
+          <p:nvPr>
+            <p:custDataLst>
+              <p:tags r:id="rId1"/>
+            </p:custDataLst>
+          </p:nvPr>
+        </p:nvPicPr>
+        <p:blipFill>
+          <a:blip r:embed="rId4" cstate="print">
+            <a:extLst>
+              <a:ext uri="{28A0092B-C50C-407E-A947-70E740481C1C}">
+                <a14:useLocalDpi xmlns:a14="http://schemas.microsoft.com/office/drawing/2010/main" val="0"/>
+              </a:ext>
+            </a:extLst>
+          </a:blip>
+          <a:stretch>
+            <a:fillRect/>
+          </a:stretch>
+        </p:blipFill>
+        <p:spPr>
+          <a:xfrm>
+            <a:off x="2254658" y="2060486"/>
+            <a:ext cx="2850742" cy="301714"/>
+          </a:xfrm>
+          <a:prstGeom prst="rect">
+            <a:avLst/>
+          </a:prstGeom>
+        </p:spPr>
+      </p:pic>
     </p:spTree>
     <p:extLst>
       <p:ext uri="{BB962C8B-B14F-4D97-AF65-F5344CB8AC3E}">
@@ -19628,7 +19563,75 @@
   <p:timing>
     <p:tnLst>
       <p:par>
-        <p:cTn id="1" dur="indefinite" restart="never" nodeType="tmRoot"/>
+        <p:cTn id="1" dur="indefinite" restart="never" nodeType="tmRoot">
+          <p:childTnLst>
+            <p:seq concurrent="1" nextAc="seek">
+              <p:cTn id="2" dur="indefinite" nodeType="mainSeq">
+                <p:childTnLst>
+                  <p:par>
+                    <p:cTn id="3" fill="hold">
+                      <p:stCondLst>
+                        <p:cond delay="indefinite"/>
+                      </p:stCondLst>
+                      <p:childTnLst>
+                        <p:par>
+                          <p:cTn id="4" fill="hold">
+                            <p:stCondLst>
+                              <p:cond delay="0"/>
+                            </p:stCondLst>
+                            <p:childTnLst>
+                              <p:par>
+                                <p:cTn id="5" presetID="1" presetClass="entr" presetSubtype="0" fill="hold" nodeType="clickEffect">
+                                  <p:stCondLst>
+                                    <p:cond delay="0"/>
+                                  </p:stCondLst>
+                                  <p:childTnLst>
+                                    <p:set>
+                                      <p:cBhvr>
+                                        <p:cTn id="6" dur="1" fill="hold">
+                                          <p:stCondLst>
+                                            <p:cond delay="0"/>
+                                          </p:stCondLst>
+                                        </p:cTn>
+                                        <p:tgtEl>
+                                          <p:spTgt spid="254000"/>
+                                        </p:tgtEl>
+                                        <p:attrNameLst>
+                                          <p:attrName>style.visibility</p:attrName>
+                                        </p:attrNameLst>
+                                      </p:cBhvr>
+                                      <p:to>
+                                        <p:strVal val="visible"/>
+                                      </p:to>
+                                    </p:set>
+                                  </p:childTnLst>
+                                </p:cTn>
+                              </p:par>
+                            </p:childTnLst>
+                          </p:cTn>
+                        </p:par>
+                      </p:childTnLst>
+                    </p:cTn>
+                  </p:par>
+                </p:childTnLst>
+              </p:cTn>
+              <p:prevCondLst>
+                <p:cond evt="onPrev" delay="0">
+                  <p:tgtEl>
+                    <p:sldTgt/>
+                  </p:tgtEl>
+                </p:cond>
+              </p:prevCondLst>
+              <p:nextCondLst>
+                <p:cond evt="onNext" delay="0">
+                  <p:tgtEl>
+                    <p:sldTgt/>
+                  </p:tgtEl>
+                </p:cond>
+              </p:nextCondLst>
+            </p:seq>
+          </p:childTnLst>
+        </p:cTn>
       </p:par>
     </p:tnLst>
   </p:timing>
@@ -20881,7 +20884,39 @@
                 <a:ea typeface="Open Sans" charset="0"/>
                 <a:cs typeface="Open Sans" charset="0"/>
               </a:rPr>
-              <a:t>Q: Given the existence of the link, what is the direction of the link?</a:t>
+              <a:t>Q: Given the existence of the </a:t>
+            </a:r>
+            <a:r>
+              <a:rPr lang="en-US" altLang="en-US" sz="2400" dirty="0" smtClean="0">
+                <a:latin typeface="Open Sans" charset="0"/>
+                <a:ea typeface="Open Sans" charset="0"/>
+                <a:cs typeface="Open Sans" charset="0"/>
+              </a:rPr>
+              <a:t>link between </a:t>
+            </a:r>
+            <a:r>
+              <a:rPr lang="en-US" altLang="en-US" sz="2400" dirty="0" err="1" smtClean="0">
+                <a:latin typeface="Open Sans" charset="0"/>
+                <a:ea typeface="Open Sans" charset="0"/>
+                <a:cs typeface="Open Sans" charset="0"/>
+              </a:rPr>
+              <a:t>i</a:t>
+            </a:r>
+            <a:r>
+              <a:rPr lang="en-US" altLang="en-US" sz="2400" dirty="0" smtClean="0">
+                <a:latin typeface="Open Sans" charset="0"/>
+                <a:ea typeface="Open Sans" charset="0"/>
+                <a:cs typeface="Open Sans" charset="0"/>
+              </a:rPr>
+              <a:t> and j, </a:t>
+            </a:r>
+            <a:r>
+              <a:rPr lang="en-US" altLang="en-US" sz="2400" dirty="0">
+                <a:latin typeface="Open Sans" charset="0"/>
+                <a:ea typeface="Open Sans" charset="0"/>
+                <a:cs typeface="Open Sans" charset="0"/>
+              </a:rPr>
+              <a:t>what is the direction of the link?</a:t>
             </a:r>
           </a:p>
           <a:p>
@@ -20894,105 +20929,13 @@
               <a:t>A: Compare </a:t>
             </a:r>
             <a:r>
-              <a:rPr lang="en-US" altLang="en-US" sz="2400" dirty="0" err="1">
+              <a:rPr lang="en-US" altLang="en-US" sz="2400" dirty="0" smtClean="0">
                 <a:latin typeface="Open Sans" charset="0"/>
                 <a:ea typeface="Open Sans" charset="0"/>
                 <a:cs typeface="Open Sans" charset="0"/>
               </a:rPr>
-              <a:t>prox</a:t>
-            </a:r>
-            <a:r>
-              <a:rPr lang="en-US" altLang="en-US" sz="2400" dirty="0">
-                <a:latin typeface="Open Sans" charset="0"/>
-                <a:ea typeface="Open Sans" charset="0"/>
-                <a:cs typeface="Open Sans" charset="0"/>
-              </a:rPr>
-              <a:t>(</a:t>
-            </a:r>
-            <a:r>
-              <a:rPr lang="en-US" altLang="en-US" sz="2400" dirty="0" err="1">
-                <a:latin typeface="Open Sans" charset="0"/>
-                <a:ea typeface="Open Sans" charset="0"/>
-                <a:cs typeface="Open Sans" charset="0"/>
-              </a:rPr>
-              <a:t>i</a:t>
-            </a:r>
-            <a:r>
-              <a:rPr lang="en-US" altLang="en-US" sz="2400" dirty="0" err="1">
-                <a:latin typeface="Open Sans" charset="0"/>
-                <a:ea typeface="Open Sans" charset="0"/>
-                <a:cs typeface="Open Sans" charset="0"/>
-                <a:sym typeface="Wingdings" charset="2"/>
-              </a:rPr>
-              <a:t></a:t>
-            </a:r>
-            <a:r>
-              <a:rPr lang="en-US" altLang="en-US" sz="2400" dirty="0" err="1">
-                <a:latin typeface="Open Sans" charset="0"/>
-                <a:ea typeface="Open Sans" charset="0"/>
-                <a:cs typeface="Open Sans" charset="0"/>
-              </a:rPr>
-              <a:t>j</a:t>
-            </a:r>
-            <a:r>
-              <a:rPr lang="en-US" altLang="en-US" sz="2400" dirty="0">
-                <a:latin typeface="Open Sans" charset="0"/>
-                <a:ea typeface="Open Sans" charset="0"/>
-                <a:cs typeface="Open Sans" charset="0"/>
-              </a:rPr>
-              <a:t>) and </a:t>
-            </a:r>
-            <a:r>
-              <a:rPr lang="en-US" altLang="en-US" sz="2400" dirty="0" err="1">
-                <a:latin typeface="Open Sans" charset="0"/>
-                <a:ea typeface="Open Sans" charset="0"/>
-                <a:cs typeface="Open Sans" charset="0"/>
-              </a:rPr>
-              <a:t>prox</a:t>
-            </a:r>
-            <a:r>
-              <a:rPr lang="en-US" altLang="en-US" sz="2400" dirty="0">
-                <a:latin typeface="Open Sans" charset="0"/>
-                <a:ea typeface="Open Sans" charset="0"/>
-                <a:cs typeface="Open Sans" charset="0"/>
-              </a:rPr>
-              <a:t>(</a:t>
-            </a:r>
-            <a:r>
-              <a:rPr lang="en-US" altLang="en-US" sz="2400" dirty="0" err="1">
-                <a:latin typeface="Open Sans" charset="0"/>
-                <a:ea typeface="Open Sans" charset="0"/>
-                <a:cs typeface="Open Sans" charset="0"/>
-              </a:rPr>
-              <a:t>j</a:t>
-            </a:r>
-            <a:r>
-              <a:rPr lang="en-US" altLang="en-US" sz="2400" dirty="0" err="1">
-                <a:latin typeface="Open Sans" charset="0"/>
-                <a:ea typeface="Open Sans" charset="0"/>
-                <a:cs typeface="Open Sans" charset="0"/>
-                <a:sym typeface="Wingdings" charset="2"/>
-              </a:rPr>
-              <a:t></a:t>
-            </a:r>
-            <a:r>
-              <a:rPr lang="en-US" altLang="en-US" sz="2400" dirty="0" err="1">
-                <a:latin typeface="Open Sans" charset="0"/>
-                <a:ea typeface="Open Sans" charset="0"/>
-                <a:cs typeface="Open Sans" charset="0"/>
-              </a:rPr>
-              <a:t>i</a:t>
-            </a:r>
-            <a:r>
-              <a:rPr lang="en-US" altLang="en-US" sz="2400" dirty="0">
-                <a:latin typeface="Open Sans" charset="0"/>
-                <a:ea typeface="Open Sans" charset="0"/>
-                <a:cs typeface="Open Sans" charset="0"/>
-              </a:rPr>
-              <a:t>)</a:t>
-            </a:r>
-          </a:p>
-          <a:p>
+              <a:t>                 and                  , pick the greater one</a:t>
+            </a:r>
             <a:endParaRPr lang="en-US" altLang="en-US" sz="2400" dirty="0">
               <a:latin typeface="Open Sans" charset="0"/>
               <a:ea typeface="Open Sans" charset="0"/>
@@ -21003,14 +20946,14 @@
       </p:sp>
       <p:pic>
         <p:nvPicPr>
-          <p:cNvPr id="208900" name="Picture 4" descr="hist_dirlink"/>
+          <p:cNvPr id="208900" name="Picture 4 1" descr="hist_dirlink"/>
           <p:cNvPicPr>
             <a:picLocks noChangeAspect="1" noChangeArrowheads="1"/>
           </p:cNvPicPr>
           <p:nvPr/>
         </p:nvPicPr>
         <p:blipFill>
-          <a:blip r:embed="rId4">
+          <a:blip r:embed="rId6">
             <a:extLst>
               <a:ext uri="{28A0092B-C50C-407E-A947-70E740481C1C}">
                 <a14:useLocalDpi xmlns:a14="http://schemas.microsoft.com/office/drawing/2010/main" val="0"/>
@@ -21338,6 +21281,74 @@
           </a:p>
         </p:txBody>
       </p:sp>
+      <p:pic>
+        <p:nvPicPr>
+          <p:cNvPr id="3" name="Picture 2"/>
+          <p:cNvPicPr>
+            <a:picLocks noChangeAspect="1"/>
+          </p:cNvPicPr>
+          <p:nvPr>
+            <p:custDataLst>
+              <p:tags r:id="rId2"/>
+            </p:custDataLst>
+          </p:nvPr>
+        </p:nvPicPr>
+        <p:blipFill>
+          <a:blip r:embed="rId7" cstate="print">
+            <a:extLst>
+              <a:ext uri="{28A0092B-C50C-407E-A947-70E740481C1C}">
+                <a14:useLocalDpi xmlns:a14="http://schemas.microsoft.com/office/drawing/2010/main" val="0"/>
+              </a:ext>
+            </a:extLst>
+          </a:blip>
+          <a:stretch>
+            <a:fillRect/>
+          </a:stretch>
+        </p:blipFill>
+        <p:spPr>
+          <a:xfrm>
+            <a:off x="2664714" y="2060486"/>
+            <a:ext cx="1221486" cy="301714"/>
+          </a:xfrm>
+          <a:prstGeom prst="rect">
+            <a:avLst/>
+          </a:prstGeom>
+        </p:spPr>
+      </p:pic>
+      <p:pic>
+        <p:nvPicPr>
+          <p:cNvPr id="4" name="Picture 3"/>
+          <p:cNvPicPr>
+            <a:picLocks noChangeAspect="1"/>
+          </p:cNvPicPr>
+          <p:nvPr>
+            <p:custDataLst>
+              <p:tags r:id="rId3"/>
+            </p:custDataLst>
+          </p:nvPr>
+        </p:nvPicPr>
+        <p:blipFill>
+          <a:blip r:embed="rId8" cstate="print">
+            <a:extLst>
+              <a:ext uri="{28A0092B-C50C-407E-A947-70E740481C1C}">
+                <a14:useLocalDpi xmlns:a14="http://schemas.microsoft.com/office/drawing/2010/main" val="0"/>
+              </a:ext>
+            </a:extLst>
+          </a:blip>
+          <a:stretch>
+            <a:fillRect/>
+          </a:stretch>
+        </p:blipFill>
+        <p:spPr>
+          <a:xfrm>
+            <a:off x="4645914" y="2060486"/>
+            <a:ext cx="1221486" cy="301714"/>
+          </a:xfrm>
+          <a:prstGeom prst="rect">
+            <a:avLst/>
+          </a:prstGeom>
+        </p:spPr>
+      </p:pic>
     </p:spTree>
     <p:custDataLst>
       <p:tags r:id="rId1"/>
@@ -22918,15 +22929,15 @@
                 <a:ea typeface="Open Sans" panose="020B0606030504020204" pitchFamily="34" charset="0"/>
                 <a:cs typeface="Open Sans" panose="020B0606030504020204" pitchFamily="34" charset="0"/>
               </a:rPr>
-              <a:t>Relation to commute times and </a:t>
-            </a:r>
-            <a:r>
-              <a:rPr lang="en-US" altLang="en-US" sz="3200" b="1" dirty="0" err="1" smtClean="0">
+              <a:t>Relation to commute </a:t>
+            </a:r>
+            <a:r>
+              <a:rPr lang="en-US" altLang="en-US" sz="3200" b="1" dirty="0" smtClean="0">
                 <a:latin typeface="Open Sans" panose="020B0606030504020204" pitchFamily="34" charset="0"/>
                 <a:ea typeface="Open Sans" panose="020B0606030504020204" pitchFamily="34" charset="0"/>
                 <a:cs typeface="Open Sans" panose="020B0606030504020204" pitchFamily="34" charset="0"/>
               </a:rPr>
-              <a:t>pagerank</a:t>
+              <a:t>times</a:t>
             </a:r>
             <a:endParaRPr lang="en-US" altLang="en-US" sz="3200" b="1" dirty="0">
               <a:latin typeface="Open Sans" panose="020B0606030504020204" pitchFamily="34" charset="0"/>
@@ -23225,6 +23236,740 @@
     <p:extLst>
       <p:ext uri="{BB962C8B-B14F-4D97-AF65-F5344CB8AC3E}">
         <p14:creationId xmlns:p14="http://schemas.microsoft.com/office/powerpoint/2010/main" val="637196786"/>
+      </p:ext>
+    </p:extLst>
+  </p:cSld>
+  <p:clrMapOvr>
+    <a:masterClrMapping/>
+  </p:clrMapOvr>
+  <p:transition/>
+  <p:timing>
+    <p:tnLst>
+      <p:par>
+        <p:cTn id="1" dur="indefinite" restart="never" nodeType="tmRoot"/>
+      </p:par>
+    </p:tnLst>
+  </p:timing>
+</p:sld>
+</file>
+
+<file path=ppt/slides/slide24.xml><?xml version="1.0" encoding="utf-8"?>
+<p:sld xmlns:a="http://schemas.openxmlformats.org/drawingml/2006/main" xmlns:r="http://schemas.openxmlformats.org/officeDocument/2006/relationships" xmlns:p="http://schemas.openxmlformats.org/presentationml/2006/main">
+  <p:cSld>
+    <p:spTree>
+      <p:nvGrpSpPr>
+        <p:cNvPr id="1" name=""/>
+        <p:cNvGrpSpPr/>
+        <p:nvPr/>
+      </p:nvGrpSpPr>
+      <p:grpSpPr>
+        <a:xfrm>
+          <a:off x="0" y="0"/>
+          <a:ext cx="0" cy="0"/>
+          <a:chOff x="0" y="0"/>
+          <a:chExt cx="0" cy="0"/>
+        </a:xfrm>
+      </p:grpSpPr>
+      <p:sp>
+        <p:nvSpPr>
+          <p:cNvPr id="17410" name="Rectangle 2"/>
+          <p:cNvSpPr>
+            <a:spLocks noGrp="1" noChangeArrowheads="1"/>
+          </p:cNvSpPr>
+          <p:nvPr>
+            <p:ph type="title"/>
+          </p:nvPr>
+        </p:nvSpPr>
+        <p:spPr>
+          <a:xfrm>
+            <a:off x="457200" y="304800"/>
+            <a:ext cx="9144000" cy="623888"/>
+          </a:xfrm>
+        </p:spPr>
+        <p:txBody>
+          <a:bodyPr/>
+          <a:lstStyle/>
+          <a:p>
+            <a:r>
+              <a:rPr lang="en-US" altLang="en-US" sz="3200" b="1" dirty="0" smtClean="0">
+                <a:latin typeface="Open Sans" panose="020B0606030504020204" pitchFamily="34" charset="0"/>
+                <a:ea typeface="Open Sans" panose="020B0606030504020204" pitchFamily="34" charset="0"/>
+                <a:cs typeface="Open Sans" panose="020B0606030504020204" pitchFamily="34" charset="0"/>
+              </a:rPr>
+              <a:t>Relation to commute </a:t>
+            </a:r>
+            <a:r>
+              <a:rPr lang="en-US" altLang="en-US" sz="3200" b="1" dirty="0" smtClean="0">
+                <a:latin typeface="Open Sans" panose="020B0606030504020204" pitchFamily="34" charset="0"/>
+                <a:ea typeface="Open Sans" panose="020B0606030504020204" pitchFamily="34" charset="0"/>
+                <a:cs typeface="Open Sans" panose="020B0606030504020204" pitchFamily="34" charset="0"/>
+              </a:rPr>
+              <a:t>times</a:t>
+            </a:r>
+            <a:endParaRPr lang="en-US" altLang="en-US" sz="3200" b="1" dirty="0">
+              <a:latin typeface="Open Sans" panose="020B0606030504020204" pitchFamily="34" charset="0"/>
+              <a:ea typeface="Open Sans" panose="020B0606030504020204" pitchFamily="34" charset="0"/>
+              <a:cs typeface="Open Sans" panose="020B0606030504020204" pitchFamily="34" charset="0"/>
+            </a:endParaRPr>
+          </a:p>
+        </p:txBody>
+      </p:sp>
+      <p:sp>
+        <p:nvSpPr>
+          <p:cNvPr id="22" name="Rectangle 3"/>
+          <p:cNvSpPr txBox="1">
+            <a:spLocks noChangeArrowheads="1"/>
+          </p:cNvSpPr>
+          <p:nvPr/>
+        </p:nvSpPr>
+        <p:spPr bwMode="auto">
+          <a:xfrm>
+            <a:off x="457200" y="1600200"/>
+            <a:ext cx="8229600" cy="4960938"/>
+          </a:xfrm>
+          <a:prstGeom prst="rect">
+            <a:avLst/>
+          </a:prstGeom>
+          <a:noFill/>
+          <a:ln>
+            <a:noFill/>
+          </a:ln>
+          <a:effectLst/>
+          <a:extLst>
+            <a:ext uri="{909E8E84-426E-40DD-AFC4-6F175D3DCCD1}">
+              <a14:hiddenFill xmlns:a14="http://schemas.microsoft.com/office/drawing/2010/main">
+                <a:solidFill>
+                  <a:schemeClr val="accent1"/>
+                </a:solidFill>
+              </a14:hiddenFill>
+            </a:ext>
+            <a:ext uri="{91240B29-F687-4F45-9708-019B960494DF}">
+              <a14:hiddenLine xmlns:a14="http://schemas.microsoft.com/office/drawing/2010/main" w="9525">
+                <a:solidFill>
+                  <a:schemeClr val="tx1"/>
+                </a:solidFill>
+                <a:miter lim="800000"/>
+                <a:headEnd/>
+                <a:tailEnd/>
+              </a14:hiddenLine>
+            </a:ext>
+            <a:ext uri="{AF507438-7753-43E0-B8FC-AC1667EBCBE1}">
+              <a14:hiddenEffects xmlns:a14="http://schemas.microsoft.com/office/drawing/2010/main">
+                <a:effectLst>
+                  <a:outerShdw dist="35921" dir="2700000" algn="ctr" rotWithShape="0">
+                    <a:schemeClr val="bg2"/>
+                  </a:outerShdw>
+                </a:effectLst>
+              </a14:hiddenEffects>
+            </a:ext>
+          </a:extLst>
+        </p:spPr>
+        <p:txBody>
+          <a:bodyPr vert="horz" wrap="square" lIns="91440" tIns="45720" rIns="91440" bIns="45720" numCol="1" anchor="t" anchorCtr="0" compatLnSpc="1">
+            <a:prstTxWarp prst="textNoShape">
+              <a:avLst/>
+            </a:prstTxWarp>
+          </a:bodyPr>
+          <a:lstStyle>
+            <a:lvl1pPr marL="342900" indent="-342900" algn="l" rtl="0" fontAlgn="base">
+              <a:spcBef>
+                <a:spcPct val="20000"/>
+              </a:spcBef>
+              <a:spcAft>
+                <a:spcPct val="0"/>
+              </a:spcAft>
+              <a:buClr>
+                <a:schemeClr val="accent1"/>
+              </a:buClr>
+              <a:buSzPct val="65000"/>
+              <a:buFont typeface="Wingdings" pitchFamily="2" charset="2"/>
+              <a:buChar char="n"/>
+              <a:defRPr sz="3000">
+                <a:solidFill>
+                  <a:schemeClr val="tx1"/>
+                </a:solidFill>
+                <a:latin typeface="+mn-lt"/>
+                <a:ea typeface="+mn-ea"/>
+                <a:cs typeface="+mn-cs"/>
+              </a:defRPr>
+            </a:lvl1pPr>
+            <a:lvl2pPr marL="669925" indent="-325438" algn="l" rtl="0" fontAlgn="base">
+              <a:spcBef>
+                <a:spcPct val="20000"/>
+              </a:spcBef>
+              <a:spcAft>
+                <a:spcPct val="0"/>
+              </a:spcAft>
+              <a:buClr>
+                <a:schemeClr val="accent2"/>
+              </a:buClr>
+              <a:buSzPct val="60000"/>
+              <a:buFont typeface="Wingdings" pitchFamily="2" charset="2"/>
+              <a:buChar char="q"/>
+              <a:defRPr sz="2600">
+                <a:solidFill>
+                  <a:schemeClr val="tx1"/>
+                </a:solidFill>
+                <a:latin typeface="+mn-lt"/>
+              </a:defRPr>
+            </a:lvl2pPr>
+            <a:lvl3pPr marL="1022350" indent="-350838" algn="l" rtl="0" fontAlgn="base">
+              <a:spcBef>
+                <a:spcPct val="20000"/>
+              </a:spcBef>
+              <a:spcAft>
+                <a:spcPct val="0"/>
+              </a:spcAft>
+              <a:buClr>
+                <a:schemeClr val="accent1"/>
+              </a:buClr>
+              <a:buSzPct val="65000"/>
+              <a:buFont typeface="Wingdings" pitchFamily="2" charset="2"/>
+              <a:buChar char="n"/>
+              <a:defRPr sz="2200">
+                <a:solidFill>
+                  <a:schemeClr val="tx1"/>
+                </a:solidFill>
+                <a:latin typeface="+mn-lt"/>
+              </a:defRPr>
+            </a:lvl3pPr>
+            <a:lvl4pPr marL="1339850" indent="-315913" algn="l" rtl="0" fontAlgn="base">
+              <a:spcBef>
+                <a:spcPct val="20000"/>
+              </a:spcBef>
+              <a:spcAft>
+                <a:spcPct val="0"/>
+              </a:spcAft>
+              <a:buClr>
+                <a:schemeClr val="accent2"/>
+              </a:buClr>
+              <a:buSzPct val="70000"/>
+              <a:buFont typeface="Wingdings" pitchFamily="2" charset="2"/>
+              <a:buChar char="q"/>
+              <a:defRPr sz="2000">
+                <a:solidFill>
+                  <a:schemeClr val="tx1"/>
+                </a:solidFill>
+                <a:latin typeface="+mn-lt"/>
+              </a:defRPr>
+            </a:lvl4pPr>
+            <a:lvl5pPr marL="1681163" indent="-339725" algn="l" rtl="0" fontAlgn="base">
+              <a:spcBef>
+                <a:spcPct val="20000"/>
+              </a:spcBef>
+              <a:spcAft>
+                <a:spcPct val="0"/>
+              </a:spcAft>
+              <a:buClr>
+                <a:schemeClr val="accent1"/>
+              </a:buClr>
+              <a:buSzPct val="75000"/>
+              <a:buFont typeface="Wingdings" pitchFamily="2" charset="2"/>
+              <a:buChar char="§"/>
+              <a:defRPr sz="2000">
+                <a:solidFill>
+                  <a:schemeClr val="tx1"/>
+                </a:solidFill>
+                <a:latin typeface="+mn-lt"/>
+              </a:defRPr>
+            </a:lvl5pPr>
+            <a:lvl6pPr marL="2138363" indent="-339725" algn="l" rtl="0" fontAlgn="base">
+              <a:spcBef>
+                <a:spcPct val="20000"/>
+              </a:spcBef>
+              <a:spcAft>
+                <a:spcPct val="0"/>
+              </a:spcAft>
+              <a:buClr>
+                <a:schemeClr val="accent1"/>
+              </a:buClr>
+              <a:buSzPct val="75000"/>
+              <a:buFont typeface="Wingdings" pitchFamily="2" charset="2"/>
+              <a:buChar char="§"/>
+              <a:defRPr sz="2000">
+                <a:solidFill>
+                  <a:schemeClr val="tx1"/>
+                </a:solidFill>
+                <a:latin typeface="+mn-lt"/>
+              </a:defRPr>
+            </a:lvl6pPr>
+            <a:lvl7pPr marL="2595563" indent="-339725" algn="l" rtl="0" fontAlgn="base">
+              <a:spcBef>
+                <a:spcPct val="20000"/>
+              </a:spcBef>
+              <a:spcAft>
+                <a:spcPct val="0"/>
+              </a:spcAft>
+              <a:buClr>
+                <a:schemeClr val="accent1"/>
+              </a:buClr>
+              <a:buSzPct val="75000"/>
+              <a:buFont typeface="Wingdings" pitchFamily="2" charset="2"/>
+              <a:buChar char="§"/>
+              <a:defRPr sz="2000">
+                <a:solidFill>
+                  <a:schemeClr val="tx1"/>
+                </a:solidFill>
+                <a:latin typeface="+mn-lt"/>
+              </a:defRPr>
+            </a:lvl7pPr>
+            <a:lvl8pPr marL="3052763" indent="-339725" algn="l" rtl="0" fontAlgn="base">
+              <a:spcBef>
+                <a:spcPct val="20000"/>
+              </a:spcBef>
+              <a:spcAft>
+                <a:spcPct val="0"/>
+              </a:spcAft>
+              <a:buClr>
+                <a:schemeClr val="accent1"/>
+              </a:buClr>
+              <a:buSzPct val="75000"/>
+              <a:buFont typeface="Wingdings" pitchFamily="2" charset="2"/>
+              <a:buChar char="§"/>
+              <a:defRPr sz="2000">
+                <a:solidFill>
+                  <a:schemeClr val="tx1"/>
+                </a:solidFill>
+                <a:latin typeface="+mn-lt"/>
+              </a:defRPr>
+            </a:lvl8pPr>
+            <a:lvl9pPr marL="3509963" indent="-339725" algn="l" rtl="0" fontAlgn="base">
+              <a:spcBef>
+                <a:spcPct val="20000"/>
+              </a:spcBef>
+              <a:spcAft>
+                <a:spcPct val="0"/>
+              </a:spcAft>
+              <a:buClr>
+                <a:schemeClr val="accent1"/>
+              </a:buClr>
+              <a:buSzPct val="75000"/>
+              <a:buFont typeface="Wingdings" pitchFamily="2" charset="2"/>
+              <a:buChar char="§"/>
+              <a:defRPr sz="2000">
+                <a:solidFill>
+                  <a:schemeClr val="tx1"/>
+                </a:solidFill>
+                <a:latin typeface="+mn-lt"/>
+              </a:defRPr>
+            </a:lvl9pPr>
+          </a:lstStyle>
+          <a:p>
+            <a:endParaRPr lang="en-US" altLang="en-US" sz="2400" dirty="0" smtClean="0">
+              <a:latin typeface="Open Sans" panose="020B0606030504020204" pitchFamily="34" charset="0"/>
+              <a:ea typeface="Open Sans" panose="020B0606030504020204" pitchFamily="34" charset="0"/>
+              <a:cs typeface="Open Sans" panose="020B0606030504020204" pitchFamily="34" charset="0"/>
+            </a:endParaRPr>
+          </a:p>
+          <a:p>
+            <a:endParaRPr lang="en-US" altLang="en-US" sz="2400" kern="0" dirty="0">
+              <a:latin typeface="Open Sans" panose="020B0606030504020204" pitchFamily="34" charset="0"/>
+              <a:ea typeface="Open Sans" panose="020B0606030504020204" pitchFamily="34" charset="0"/>
+              <a:cs typeface="Open Sans" panose="020B0606030504020204" pitchFamily="34" charset="0"/>
+            </a:endParaRPr>
+          </a:p>
+          <a:p>
+            <a:endParaRPr lang="en-US" altLang="en-US" sz="2400" kern="0" dirty="0" smtClean="0">
+              <a:latin typeface="Open Sans" panose="020B0606030504020204" pitchFamily="34" charset="0"/>
+              <a:ea typeface="Open Sans" panose="020B0606030504020204" pitchFamily="34" charset="0"/>
+              <a:cs typeface="Open Sans" panose="020B0606030504020204" pitchFamily="34" charset="0"/>
+            </a:endParaRPr>
+          </a:p>
+        </p:txBody>
+      </p:sp>
+      <p:sp>
+        <p:nvSpPr>
+          <p:cNvPr id="2" name="Content Placeholder 1"/>
+          <p:cNvSpPr>
+            <a:spLocks noGrp="1"/>
+          </p:cNvSpPr>
+          <p:nvPr>
+            <p:ph idx="1"/>
+          </p:nvPr>
+        </p:nvSpPr>
+        <p:spPr/>
+        <p:txBody>
+          <a:bodyPr/>
+          <a:lstStyle/>
+          <a:p>
+            <a:endParaRPr lang="en-US" dirty="0"/>
+          </a:p>
+        </p:txBody>
+      </p:sp>
+    </p:spTree>
+    <p:custDataLst>
+      <p:tags r:id="rId1"/>
+    </p:custDataLst>
+    <p:extLst>
+      <p:ext uri="{BB962C8B-B14F-4D97-AF65-F5344CB8AC3E}">
+        <p14:creationId xmlns:p14="http://schemas.microsoft.com/office/powerpoint/2010/main" val="3267843498"/>
+      </p:ext>
+    </p:extLst>
+  </p:cSld>
+  <p:clrMapOvr>
+    <a:masterClrMapping/>
+  </p:clrMapOvr>
+  <p:transition/>
+  <p:timing>
+    <p:tnLst>
+      <p:par>
+        <p:cTn id="1" dur="indefinite" restart="never" nodeType="tmRoot"/>
+      </p:par>
+    </p:tnLst>
+  </p:timing>
+</p:sld>
+</file>
+
+<file path=ppt/slides/slide25.xml><?xml version="1.0" encoding="utf-8"?>
+<p:sld xmlns:a="http://schemas.openxmlformats.org/drawingml/2006/main" xmlns:r="http://schemas.openxmlformats.org/officeDocument/2006/relationships" xmlns:p="http://schemas.openxmlformats.org/presentationml/2006/main">
+  <p:cSld>
+    <p:spTree>
+      <p:nvGrpSpPr>
+        <p:cNvPr id="1" name=""/>
+        <p:cNvGrpSpPr/>
+        <p:nvPr/>
+      </p:nvGrpSpPr>
+      <p:grpSpPr>
+        <a:xfrm>
+          <a:off x="0" y="0"/>
+          <a:ext cx="0" cy="0"/>
+          <a:chOff x="0" y="0"/>
+          <a:chExt cx="0" cy="0"/>
+        </a:xfrm>
+      </p:grpSpPr>
+      <p:sp>
+        <p:nvSpPr>
+          <p:cNvPr id="17410" name="Rectangle 2"/>
+          <p:cNvSpPr>
+            <a:spLocks noGrp="1" noChangeArrowheads="1"/>
+          </p:cNvSpPr>
+          <p:nvPr>
+            <p:ph type="title"/>
+          </p:nvPr>
+        </p:nvSpPr>
+        <p:spPr>
+          <a:xfrm>
+            <a:off x="457200" y="304800"/>
+            <a:ext cx="9144000" cy="623888"/>
+          </a:xfrm>
+        </p:spPr>
+        <p:txBody>
+          <a:bodyPr/>
+          <a:lstStyle/>
+          <a:p>
+            <a:r>
+              <a:rPr lang="en-US" altLang="en-US" sz="3200" b="1" dirty="0" smtClean="0">
+                <a:latin typeface="Open Sans" panose="020B0606030504020204" pitchFamily="34" charset="0"/>
+                <a:ea typeface="Open Sans" panose="020B0606030504020204" pitchFamily="34" charset="0"/>
+                <a:cs typeface="Open Sans" panose="020B0606030504020204" pitchFamily="34" charset="0"/>
+              </a:rPr>
+              <a:t>Relation to commute </a:t>
+            </a:r>
+            <a:r>
+              <a:rPr lang="en-US" altLang="en-US" sz="3200" b="1" dirty="0" smtClean="0">
+                <a:latin typeface="Open Sans" panose="020B0606030504020204" pitchFamily="34" charset="0"/>
+                <a:ea typeface="Open Sans" panose="020B0606030504020204" pitchFamily="34" charset="0"/>
+                <a:cs typeface="Open Sans" panose="020B0606030504020204" pitchFamily="34" charset="0"/>
+              </a:rPr>
+              <a:t>times</a:t>
+            </a:r>
+            <a:endParaRPr lang="en-US" altLang="en-US" sz="3200" b="1" dirty="0">
+              <a:latin typeface="Open Sans" panose="020B0606030504020204" pitchFamily="34" charset="0"/>
+              <a:ea typeface="Open Sans" panose="020B0606030504020204" pitchFamily="34" charset="0"/>
+              <a:cs typeface="Open Sans" panose="020B0606030504020204" pitchFamily="34" charset="0"/>
+            </a:endParaRPr>
+          </a:p>
+        </p:txBody>
+      </p:sp>
+      <p:sp>
+        <p:nvSpPr>
+          <p:cNvPr id="22" name="Rectangle 3"/>
+          <p:cNvSpPr txBox="1">
+            <a:spLocks noChangeArrowheads="1"/>
+          </p:cNvSpPr>
+          <p:nvPr/>
+        </p:nvSpPr>
+        <p:spPr bwMode="auto">
+          <a:xfrm>
+            <a:off x="457200" y="1600200"/>
+            <a:ext cx="8229600" cy="4960938"/>
+          </a:xfrm>
+          <a:prstGeom prst="rect">
+            <a:avLst/>
+          </a:prstGeom>
+          <a:noFill/>
+          <a:ln>
+            <a:noFill/>
+          </a:ln>
+          <a:effectLst/>
+          <a:extLst>
+            <a:ext uri="{909E8E84-426E-40DD-AFC4-6F175D3DCCD1}">
+              <a14:hiddenFill xmlns:a14="http://schemas.microsoft.com/office/drawing/2010/main">
+                <a:solidFill>
+                  <a:schemeClr val="accent1"/>
+                </a:solidFill>
+              </a14:hiddenFill>
+            </a:ext>
+            <a:ext uri="{91240B29-F687-4F45-9708-019B960494DF}">
+              <a14:hiddenLine xmlns:a14="http://schemas.microsoft.com/office/drawing/2010/main" w="9525">
+                <a:solidFill>
+                  <a:schemeClr val="tx1"/>
+                </a:solidFill>
+                <a:miter lim="800000"/>
+                <a:headEnd/>
+                <a:tailEnd/>
+              </a14:hiddenLine>
+            </a:ext>
+            <a:ext uri="{AF507438-7753-43E0-B8FC-AC1667EBCBE1}">
+              <a14:hiddenEffects xmlns:a14="http://schemas.microsoft.com/office/drawing/2010/main">
+                <a:effectLst>
+                  <a:outerShdw dist="35921" dir="2700000" algn="ctr" rotWithShape="0">
+                    <a:schemeClr val="bg2"/>
+                  </a:outerShdw>
+                </a:effectLst>
+              </a14:hiddenEffects>
+            </a:ext>
+          </a:extLst>
+        </p:spPr>
+        <p:txBody>
+          <a:bodyPr vert="horz" wrap="square" lIns="91440" tIns="45720" rIns="91440" bIns="45720" numCol="1" anchor="t" anchorCtr="0" compatLnSpc="1">
+            <a:prstTxWarp prst="textNoShape">
+              <a:avLst/>
+            </a:prstTxWarp>
+          </a:bodyPr>
+          <a:lstStyle>
+            <a:lvl1pPr marL="342900" indent="-342900" algn="l" rtl="0" fontAlgn="base">
+              <a:spcBef>
+                <a:spcPct val="20000"/>
+              </a:spcBef>
+              <a:spcAft>
+                <a:spcPct val="0"/>
+              </a:spcAft>
+              <a:buClr>
+                <a:schemeClr val="accent1"/>
+              </a:buClr>
+              <a:buSzPct val="65000"/>
+              <a:buFont typeface="Wingdings" pitchFamily="2" charset="2"/>
+              <a:buChar char="n"/>
+              <a:defRPr sz="3000">
+                <a:solidFill>
+                  <a:schemeClr val="tx1"/>
+                </a:solidFill>
+                <a:latin typeface="+mn-lt"/>
+                <a:ea typeface="+mn-ea"/>
+                <a:cs typeface="+mn-cs"/>
+              </a:defRPr>
+            </a:lvl1pPr>
+            <a:lvl2pPr marL="669925" indent="-325438" algn="l" rtl="0" fontAlgn="base">
+              <a:spcBef>
+                <a:spcPct val="20000"/>
+              </a:spcBef>
+              <a:spcAft>
+                <a:spcPct val="0"/>
+              </a:spcAft>
+              <a:buClr>
+                <a:schemeClr val="accent2"/>
+              </a:buClr>
+              <a:buSzPct val="60000"/>
+              <a:buFont typeface="Wingdings" pitchFamily="2" charset="2"/>
+              <a:buChar char="q"/>
+              <a:defRPr sz="2600">
+                <a:solidFill>
+                  <a:schemeClr val="tx1"/>
+                </a:solidFill>
+                <a:latin typeface="+mn-lt"/>
+              </a:defRPr>
+            </a:lvl2pPr>
+            <a:lvl3pPr marL="1022350" indent="-350838" algn="l" rtl="0" fontAlgn="base">
+              <a:spcBef>
+                <a:spcPct val="20000"/>
+              </a:spcBef>
+              <a:spcAft>
+                <a:spcPct val="0"/>
+              </a:spcAft>
+              <a:buClr>
+                <a:schemeClr val="accent1"/>
+              </a:buClr>
+              <a:buSzPct val="65000"/>
+              <a:buFont typeface="Wingdings" pitchFamily="2" charset="2"/>
+              <a:buChar char="n"/>
+              <a:defRPr sz="2200">
+                <a:solidFill>
+                  <a:schemeClr val="tx1"/>
+                </a:solidFill>
+                <a:latin typeface="+mn-lt"/>
+              </a:defRPr>
+            </a:lvl3pPr>
+            <a:lvl4pPr marL="1339850" indent="-315913" algn="l" rtl="0" fontAlgn="base">
+              <a:spcBef>
+                <a:spcPct val="20000"/>
+              </a:spcBef>
+              <a:spcAft>
+                <a:spcPct val="0"/>
+              </a:spcAft>
+              <a:buClr>
+                <a:schemeClr val="accent2"/>
+              </a:buClr>
+              <a:buSzPct val="70000"/>
+              <a:buFont typeface="Wingdings" pitchFamily="2" charset="2"/>
+              <a:buChar char="q"/>
+              <a:defRPr sz="2000">
+                <a:solidFill>
+                  <a:schemeClr val="tx1"/>
+                </a:solidFill>
+                <a:latin typeface="+mn-lt"/>
+              </a:defRPr>
+            </a:lvl4pPr>
+            <a:lvl5pPr marL="1681163" indent="-339725" algn="l" rtl="0" fontAlgn="base">
+              <a:spcBef>
+                <a:spcPct val="20000"/>
+              </a:spcBef>
+              <a:spcAft>
+                <a:spcPct val="0"/>
+              </a:spcAft>
+              <a:buClr>
+                <a:schemeClr val="accent1"/>
+              </a:buClr>
+              <a:buSzPct val="75000"/>
+              <a:buFont typeface="Wingdings" pitchFamily="2" charset="2"/>
+              <a:buChar char="§"/>
+              <a:defRPr sz="2000">
+                <a:solidFill>
+                  <a:schemeClr val="tx1"/>
+                </a:solidFill>
+                <a:latin typeface="+mn-lt"/>
+              </a:defRPr>
+            </a:lvl5pPr>
+            <a:lvl6pPr marL="2138363" indent="-339725" algn="l" rtl="0" fontAlgn="base">
+              <a:spcBef>
+                <a:spcPct val="20000"/>
+              </a:spcBef>
+              <a:spcAft>
+                <a:spcPct val="0"/>
+              </a:spcAft>
+              <a:buClr>
+                <a:schemeClr val="accent1"/>
+              </a:buClr>
+              <a:buSzPct val="75000"/>
+              <a:buFont typeface="Wingdings" pitchFamily="2" charset="2"/>
+              <a:buChar char="§"/>
+              <a:defRPr sz="2000">
+                <a:solidFill>
+                  <a:schemeClr val="tx1"/>
+                </a:solidFill>
+                <a:latin typeface="+mn-lt"/>
+              </a:defRPr>
+            </a:lvl6pPr>
+            <a:lvl7pPr marL="2595563" indent="-339725" algn="l" rtl="0" fontAlgn="base">
+              <a:spcBef>
+                <a:spcPct val="20000"/>
+              </a:spcBef>
+              <a:spcAft>
+                <a:spcPct val="0"/>
+              </a:spcAft>
+              <a:buClr>
+                <a:schemeClr val="accent1"/>
+              </a:buClr>
+              <a:buSzPct val="75000"/>
+              <a:buFont typeface="Wingdings" pitchFamily="2" charset="2"/>
+              <a:buChar char="§"/>
+              <a:defRPr sz="2000">
+                <a:solidFill>
+                  <a:schemeClr val="tx1"/>
+                </a:solidFill>
+                <a:latin typeface="+mn-lt"/>
+              </a:defRPr>
+            </a:lvl7pPr>
+            <a:lvl8pPr marL="3052763" indent="-339725" algn="l" rtl="0" fontAlgn="base">
+              <a:spcBef>
+                <a:spcPct val="20000"/>
+              </a:spcBef>
+              <a:spcAft>
+                <a:spcPct val="0"/>
+              </a:spcAft>
+              <a:buClr>
+                <a:schemeClr val="accent1"/>
+              </a:buClr>
+              <a:buSzPct val="75000"/>
+              <a:buFont typeface="Wingdings" pitchFamily="2" charset="2"/>
+              <a:buChar char="§"/>
+              <a:defRPr sz="2000">
+                <a:solidFill>
+                  <a:schemeClr val="tx1"/>
+                </a:solidFill>
+                <a:latin typeface="+mn-lt"/>
+              </a:defRPr>
+            </a:lvl8pPr>
+            <a:lvl9pPr marL="3509963" indent="-339725" algn="l" rtl="0" fontAlgn="base">
+              <a:spcBef>
+                <a:spcPct val="20000"/>
+              </a:spcBef>
+              <a:spcAft>
+                <a:spcPct val="0"/>
+              </a:spcAft>
+              <a:buClr>
+                <a:schemeClr val="accent1"/>
+              </a:buClr>
+              <a:buSzPct val="75000"/>
+              <a:buFont typeface="Wingdings" pitchFamily="2" charset="2"/>
+              <a:buChar char="§"/>
+              <a:defRPr sz="2000">
+                <a:solidFill>
+                  <a:schemeClr val="tx1"/>
+                </a:solidFill>
+                <a:latin typeface="+mn-lt"/>
+              </a:defRPr>
+            </a:lvl9pPr>
+          </a:lstStyle>
+          <a:p>
+            <a:endParaRPr lang="en-US" altLang="en-US" sz="2400" dirty="0" smtClean="0">
+              <a:latin typeface="Open Sans" panose="020B0606030504020204" pitchFamily="34" charset="0"/>
+              <a:ea typeface="Open Sans" panose="020B0606030504020204" pitchFamily="34" charset="0"/>
+              <a:cs typeface="Open Sans" panose="020B0606030504020204" pitchFamily="34" charset="0"/>
+            </a:endParaRPr>
+          </a:p>
+          <a:p>
+            <a:endParaRPr lang="en-US" altLang="en-US" sz="2400" kern="0" dirty="0">
+              <a:latin typeface="Open Sans" panose="020B0606030504020204" pitchFamily="34" charset="0"/>
+              <a:ea typeface="Open Sans" panose="020B0606030504020204" pitchFamily="34" charset="0"/>
+              <a:cs typeface="Open Sans" panose="020B0606030504020204" pitchFamily="34" charset="0"/>
+            </a:endParaRPr>
+          </a:p>
+          <a:p>
+            <a:endParaRPr lang="en-US" altLang="en-US" sz="2400" kern="0" dirty="0" smtClean="0">
+              <a:latin typeface="Open Sans" panose="020B0606030504020204" pitchFamily="34" charset="0"/>
+              <a:ea typeface="Open Sans" panose="020B0606030504020204" pitchFamily="34" charset="0"/>
+              <a:cs typeface="Open Sans" panose="020B0606030504020204" pitchFamily="34" charset="0"/>
+            </a:endParaRPr>
+          </a:p>
+        </p:txBody>
+      </p:sp>
+      <p:sp>
+        <p:nvSpPr>
+          <p:cNvPr id="2" name="Content Placeholder 1"/>
+          <p:cNvSpPr>
+            <a:spLocks noGrp="1"/>
+          </p:cNvSpPr>
+          <p:nvPr>
+            <p:ph idx="1"/>
+          </p:nvPr>
+        </p:nvSpPr>
+        <p:spPr/>
+        <p:txBody>
+          <a:bodyPr/>
+          <a:lstStyle/>
+          <a:p>
+            <a:endParaRPr lang="en-US" dirty="0"/>
+          </a:p>
+        </p:txBody>
+      </p:sp>
+    </p:spTree>
+    <p:custDataLst>
+      <p:tags r:id="rId1"/>
+    </p:custDataLst>
+    <p:extLst>
+      <p:ext uri="{BB962C8B-B14F-4D97-AF65-F5344CB8AC3E}">
+        <p14:creationId xmlns:p14="http://schemas.microsoft.com/office/powerpoint/2010/main" val="891807500"/>
       </p:ext>
     </p:extLst>
   </p:cSld>
@@ -23637,7 +24382,7 @@
                 <a:ea typeface="Open Sans" panose="020B0606030504020204" pitchFamily="34" charset="0"/>
                 <a:cs typeface="Open Sans" panose="020B0606030504020204" pitchFamily="34" charset="0"/>
               </a:rPr>
-              <a:t>: Authority-based keyword </a:t>
+              <a:t>: Authority-based </a:t>
             </a:r>
             <a:r>
               <a:rPr lang="en-US" altLang="en-US" sz="1200" b="1" dirty="0" smtClean="0">
@@ -23648,7 +24393,7 @@
                 <a:ea typeface="Open Sans" panose="020B0606030504020204" pitchFamily="34" charset="0"/>
                 <a:cs typeface="Open Sans" panose="020B0606030504020204" pitchFamily="34" charset="0"/>
               </a:rPr>
-              <a:t/>
+              <a:t>keyword </a:t>
             </a:r>
             <a:br>
               <a:rPr lang="en-US" altLang="en-US" sz="1200" b="1" dirty="0" smtClean="0">
@@ -23669,7 +24414,18 @@
                 <a:ea typeface="Open Sans" panose="020B0606030504020204" pitchFamily="34" charset="0"/>
                 <a:cs typeface="Open Sans" panose="020B0606030504020204" pitchFamily="34" charset="0"/>
               </a:rPr>
-              <a:t>    search </a:t>
+              <a:t>    </a:t>
+            </a:r>
+            <a:r>
+              <a:rPr lang="en-US" altLang="en-US" sz="1200" b="1" dirty="0" smtClean="0">
+                <a:solidFill>
+                  <a:srgbClr val="3333CC"/>
+                </a:solidFill>
+                <a:latin typeface="Open Sans" panose="020B0606030504020204" pitchFamily="34" charset="0"/>
+                <a:ea typeface="Open Sans" panose="020B0606030504020204" pitchFamily="34" charset="0"/>
+                <a:cs typeface="Open Sans" panose="020B0606030504020204" pitchFamily="34" charset="0"/>
+              </a:rPr>
+              <a:t>search </a:t>
             </a:r>
             <a:r>
               <a:rPr lang="en-US" altLang="en-US" sz="1200" b="1" dirty="0">
@@ -25044,14 +25800,6 @@
               </a:rPr>
               <a:t>proximity measures</a:t>
             </a:r>
-            <a:r>
-              <a:rPr lang="en-US" altLang="en-US" sz="3200" b="1" dirty="0" smtClean="0">
-                <a:latin typeface="Open Sans" panose="020B0606030504020204" pitchFamily="34" charset="0"/>
-                <a:ea typeface="Open Sans" panose="020B0606030504020204" pitchFamily="34" charset="0"/>
-                <a:cs typeface="Open Sans" panose="020B0606030504020204" pitchFamily="34" charset="0"/>
-              </a:rPr>
-              <a:t/>
-            </a:r>
             <a:br>
               <a:rPr lang="en-US" altLang="en-US" sz="3200" b="1" dirty="0" smtClean="0">
                 <a:latin typeface="Open Sans" panose="020B0606030504020204" pitchFamily="34" charset="0"/>
@@ -25065,15 +25813,7 @@
                 <a:ea typeface="Open Sans" panose="020B0606030504020204" pitchFamily="34" charset="0"/>
                 <a:cs typeface="Open Sans" panose="020B0606030504020204" pitchFamily="34" charset="0"/>
               </a:rPr>
-              <a:t>in </a:t>
-            </a:r>
-            <a:r>
-              <a:rPr lang="en-US" altLang="en-US" sz="3200" b="1" dirty="0" smtClean="0">
-                <a:latin typeface="Open Sans" panose="020B0606030504020204" pitchFamily="34" charset="0"/>
-                <a:ea typeface="Open Sans" panose="020B0606030504020204" pitchFamily="34" charset="0"/>
-                <a:cs typeface="Open Sans" panose="020B0606030504020204" pitchFamily="34" charset="0"/>
-              </a:rPr>
-              <a:t>directed graphs</a:t>
+              <a:t>in directed graphs</a:t>
             </a:r>
             <a:endParaRPr lang="en-US" altLang="en-US" sz="3200" b="1" dirty="0">
               <a:latin typeface="Open Sans" panose="020B0606030504020204" pitchFamily="34" charset="0"/>
@@ -25503,15 +26243,7 @@
                 <a:ea typeface="Open Sans" panose="020B0606030504020204" pitchFamily="34" charset="0"/>
                 <a:cs typeface="Open Sans" panose="020B0606030504020204" pitchFamily="34" charset="0"/>
               </a:rPr>
-              <a:t>(KDD ’07</a:t>
-            </a:r>
-            <a:r>
-              <a:rPr lang="en-US" altLang="en-US" sz="2000" b="1" i="1" dirty="0" smtClean="0">
-                <a:latin typeface="Open Sans" panose="020B0606030504020204" pitchFamily="34" charset="0"/>
-                <a:ea typeface="Open Sans" panose="020B0606030504020204" pitchFamily="34" charset="0"/>
-                <a:cs typeface="Open Sans" panose="020B0606030504020204" pitchFamily="34" charset="0"/>
-              </a:rPr>
-              <a:t>)</a:t>
+              <a:t>(KDD ’07)</a:t>
             </a:r>
             <a:endParaRPr lang="en-US" altLang="en-US" sz="2400" dirty="0" smtClean="0">
               <a:latin typeface="Open Sans" panose="020B0606030504020204" pitchFamily="34" charset="0"/>
@@ -25882,8 +26614,21 @@
                 <a:ea typeface="Open Sans" panose="020B0606030504020204" pitchFamily="34" charset="0"/>
                 <a:cs typeface="Open Sans" panose="020B0606030504020204" pitchFamily="34" charset="0"/>
               </a:rPr>
-              <a:t>Stationary distribution</a:t>
-            </a:r>
+              <a:t>Stationary </a:t>
+            </a:r>
+            <a:r>
+              <a:rPr lang="en-US" altLang="en-US" sz="2400" dirty="0" smtClean="0">
+                <a:latin typeface="Open Sans" panose="020B0606030504020204" pitchFamily="34" charset="0"/>
+                <a:ea typeface="Open Sans" panose="020B0606030504020204" pitchFamily="34" charset="0"/>
+                <a:cs typeface="Open Sans" panose="020B0606030504020204" pitchFamily="34" charset="0"/>
+              </a:rPr>
+              <a:t>distribution      </a:t>
+            </a:r>
+            <a:endParaRPr lang="en-US" altLang="en-US" sz="2400" dirty="0" smtClean="0">
+              <a:latin typeface="Open Sans" panose="020B0606030504020204" pitchFamily="34" charset="0"/>
+              <a:ea typeface="Open Sans" panose="020B0606030504020204" pitchFamily="34" charset="0"/>
+              <a:cs typeface="Open Sans" panose="020B0606030504020204" pitchFamily="34" charset="0"/>
+            </a:endParaRPr>
           </a:p>
           <a:p>
             <a:pPr marL="0" indent="0">
@@ -26045,11 +26790,6 @@
               </a:rPr>
               <a:t> </a:t>
             </a:r>
-            <a:endParaRPr lang="en-US" altLang="en-US" sz="2000" dirty="0" smtClean="0">
-              <a:latin typeface="Open Sans" panose="020B0606030504020204" pitchFamily="34" charset="0"/>
-              <a:ea typeface="Open Sans" panose="020B0606030504020204" pitchFamily="34" charset="0"/>
-              <a:cs typeface="Open Sans" panose="020B0606030504020204" pitchFamily="34" charset="0"/>
-            </a:endParaRPr>
           </a:p>
           <a:p>
             <a:pPr lvl="1"/>
@@ -26360,7 +27100,7 @@
           </p:nvPr>
         </p:nvPicPr>
         <p:blipFill>
-          <a:blip r:embed="rId7" cstate="print">
+          <a:blip r:embed="rId8" cstate="print">
             <a:extLst>
               <a:ext uri="{28A0092B-C50C-407E-A947-70E740481C1C}">
                 <a14:useLocalDpi xmlns:a14="http://schemas.microsoft.com/office/drawing/2010/main" val="0"/>
@@ -26394,7 +27134,7 @@
           </p:nvPr>
         </p:nvPicPr>
         <p:blipFill>
-          <a:blip r:embed="rId8" cstate="print">
+          <a:blip r:embed="rId9" cstate="print">
             <a:extLst>
               <a:ext uri="{28A0092B-C50C-407E-A947-70E740481C1C}">
                 <a14:useLocalDpi xmlns:a14="http://schemas.microsoft.com/office/drawing/2010/main" val="0"/>
@@ -26428,7 +27168,7 @@
           </p:nvPr>
         </p:nvPicPr>
         <p:blipFill>
-          <a:blip r:embed="rId9" cstate="print">
+          <a:blip r:embed="rId10" cstate="print">
             <a:extLst>
               <a:ext uri="{28A0092B-C50C-407E-A947-70E740481C1C}">
                 <a14:useLocalDpi xmlns:a14="http://schemas.microsoft.com/office/drawing/2010/main" val="0"/>
@@ -26443,6 +27183,40 @@
           <a:xfrm>
             <a:off x="1755562" y="5835114"/>
             <a:ext cx="808229" cy="184686"/>
+          </a:xfrm>
+          <a:prstGeom prst="rect">
+            <a:avLst/>
+          </a:prstGeom>
+        </p:spPr>
+      </p:pic>
+      <p:pic>
+        <p:nvPicPr>
+          <p:cNvPr id="5" name="Picture 4"/>
+          <p:cNvPicPr>
+            <a:picLocks noChangeAspect="1"/>
+          </p:cNvPicPr>
+          <p:nvPr>
+            <p:custDataLst>
+              <p:tags r:id="rId5"/>
+            </p:custDataLst>
+          </p:nvPr>
+        </p:nvPicPr>
+        <p:blipFill>
+          <a:blip r:embed="rId11" cstate="print">
+            <a:extLst>
+              <a:ext uri="{28A0092B-C50C-407E-A947-70E740481C1C}">
+                <a14:useLocalDpi xmlns:a14="http://schemas.microsoft.com/office/drawing/2010/main" val="0"/>
+              </a:ext>
+            </a:extLst>
+          </a:blip>
+          <a:stretch>
+            <a:fillRect/>
+          </a:stretch>
+        </p:blipFill>
+        <p:spPr>
+          <a:xfrm>
+            <a:off x="4271629" y="1416743"/>
+            <a:ext cx="1290971" cy="259657"/>
           </a:xfrm>
           <a:prstGeom prst="rect">
             <a:avLst/>
@@ -26788,41 +27562,24 @@
                 <a:ea typeface="Open Sans" panose="020B0606030504020204" pitchFamily="34" charset="0"/>
                 <a:cs typeface="Open Sans" panose="020B0606030504020204" pitchFamily="34" charset="0"/>
               </a:rPr>
-              <a:t>Hitting time </a:t>
+              <a:t>Hitting </a:t>
             </a:r>
             <a:r>
               <a:rPr lang="en-US" altLang="en-US" sz="2400" kern="0" dirty="0" smtClean="0">
-                <a:solidFill>
-                  <a:srgbClr val="FF0000"/>
-                </a:solidFill>
                 <a:latin typeface="Open Sans" panose="020B0606030504020204" pitchFamily="34" charset="0"/>
                 <a:ea typeface="Open Sans" panose="020B0606030504020204" pitchFamily="34" charset="0"/>
                 <a:cs typeface="Open Sans" panose="020B0606030504020204" pitchFamily="34" charset="0"/>
               </a:rPr>
-              <a:t>h(</a:t>
-            </a:r>
-            <a:r>
-              <a:rPr lang="en-US" altLang="en-US" sz="2400" kern="0" dirty="0" err="1" smtClean="0">
-                <a:solidFill>
-                  <a:srgbClr val="FF0000"/>
-                </a:solidFill>
-                <a:latin typeface="Open Sans" panose="020B0606030504020204" pitchFamily="34" charset="0"/>
-                <a:ea typeface="Open Sans" panose="020B0606030504020204" pitchFamily="34" charset="0"/>
-                <a:cs typeface="Open Sans" panose="020B0606030504020204" pitchFamily="34" charset="0"/>
-              </a:rPr>
-              <a:t>i,j</a:t>
-            </a:r>
-            <a:r>
-              <a:rPr lang="en-US" altLang="en-US" sz="2400" kern="0" dirty="0" smtClean="0">
-                <a:solidFill>
-                  <a:srgbClr val="FF0000"/>
-                </a:solidFill>
-                <a:latin typeface="Open Sans" panose="020B0606030504020204" pitchFamily="34" charset="0"/>
-                <a:ea typeface="Open Sans" panose="020B0606030504020204" pitchFamily="34" charset="0"/>
-                <a:cs typeface="Open Sans" panose="020B0606030504020204" pitchFamily="34" charset="0"/>
-              </a:rPr>
-              <a:t>)</a:t>
-            </a:r>
+              <a:t>time</a:t>
+            </a:r>
+            <a:endParaRPr lang="en-US" altLang="en-US" sz="2400" kern="0" dirty="0" smtClean="0">
+              <a:solidFill>
+                <a:srgbClr val="FF0000"/>
+              </a:solidFill>
+              <a:latin typeface="Open Sans" panose="020B0606030504020204" pitchFamily="34" charset="0"/>
+              <a:ea typeface="Open Sans" panose="020B0606030504020204" pitchFamily="34" charset="0"/>
+              <a:cs typeface="Open Sans" panose="020B0606030504020204" pitchFamily="34" charset="0"/>
+            </a:endParaRPr>
           </a:p>
           <a:p>
             <a:pPr lvl="1"/>
@@ -26832,168 +27589,7 @@
                 <a:ea typeface="Open Sans" panose="020B0606030504020204" pitchFamily="34" charset="0"/>
                 <a:cs typeface="Open Sans" panose="020B0606030504020204" pitchFamily="34" charset="0"/>
               </a:rPr>
-              <a:t>Expected length of the path </a:t>
-            </a:r>
-            <a:r>
-              <a:rPr lang="en-US" altLang="en-US" sz="2000" kern="0" dirty="0" err="1" smtClean="0">
-                <a:solidFill>
-                  <a:srgbClr val="FF0000"/>
-                </a:solidFill>
-                <a:latin typeface="Open Sans" panose="020B0606030504020204" pitchFamily="34" charset="0"/>
-                <a:ea typeface="Open Sans" panose="020B0606030504020204" pitchFamily="34" charset="0"/>
-                <a:cs typeface="Open Sans" panose="020B0606030504020204" pitchFamily="34" charset="0"/>
-              </a:rPr>
-              <a:t>i</a:t>
-            </a:r>
-            <a:r>
-              <a:rPr lang="en-US" altLang="en-US" sz="2000" kern="0" dirty="0" smtClean="0">
-                <a:solidFill>
-                  <a:srgbClr val="FF0000"/>
-                </a:solidFill>
-                <a:latin typeface="Open Sans" panose="020B0606030504020204" pitchFamily="34" charset="0"/>
-                <a:ea typeface="Open Sans" panose="020B0606030504020204" pitchFamily="34" charset="0"/>
-                <a:cs typeface="Open Sans" panose="020B0606030504020204" pitchFamily="34" charset="0"/>
-              </a:rPr>
-              <a:t> -&gt; j</a:t>
-            </a:r>
-          </a:p>
-          <a:p>
-            <a:pPr lvl="1"/>
-            <a:endParaRPr lang="en-US" altLang="en-US" sz="2000" kern="0" dirty="0">
-              <a:latin typeface="Open Sans" panose="020B0606030504020204" pitchFamily="34" charset="0"/>
-              <a:ea typeface="Open Sans" panose="020B0606030504020204" pitchFamily="34" charset="0"/>
-              <a:cs typeface="Open Sans" panose="020B0606030504020204" pitchFamily="34" charset="0"/>
-            </a:endParaRPr>
-          </a:p>
-          <a:p>
-            <a:r>
-              <a:rPr lang="en-US" altLang="en-US" sz="2400" kern="0" dirty="0" smtClean="0">
-                <a:latin typeface="Open Sans" panose="020B0606030504020204" pitchFamily="34" charset="0"/>
-                <a:ea typeface="Open Sans" panose="020B0606030504020204" pitchFamily="34" charset="0"/>
-                <a:cs typeface="Open Sans" panose="020B0606030504020204" pitchFamily="34" charset="0"/>
-              </a:rPr>
-              <a:t>Commute time </a:t>
-            </a:r>
-            <a:r>
-              <a:rPr lang="en-US" altLang="en-US" sz="2400" kern="0" dirty="0" smtClean="0">
-                <a:solidFill>
-                  <a:srgbClr val="FF0000"/>
-                </a:solidFill>
-                <a:latin typeface="Open Sans" panose="020B0606030504020204" pitchFamily="34" charset="0"/>
-                <a:ea typeface="Open Sans" panose="020B0606030504020204" pitchFamily="34" charset="0"/>
-                <a:cs typeface="Open Sans" panose="020B0606030504020204" pitchFamily="34" charset="0"/>
-              </a:rPr>
-              <a:t>c(</a:t>
-            </a:r>
-            <a:r>
-              <a:rPr lang="en-US" altLang="en-US" sz="2400" kern="0" dirty="0" err="1" smtClean="0">
-                <a:solidFill>
-                  <a:srgbClr val="FF0000"/>
-                </a:solidFill>
-                <a:latin typeface="Open Sans" panose="020B0606030504020204" pitchFamily="34" charset="0"/>
-                <a:ea typeface="Open Sans" panose="020B0606030504020204" pitchFamily="34" charset="0"/>
-                <a:cs typeface="Open Sans" panose="020B0606030504020204" pitchFamily="34" charset="0"/>
-              </a:rPr>
-              <a:t>i,j</a:t>
-            </a:r>
-            <a:r>
-              <a:rPr lang="en-US" altLang="en-US" sz="2400" kern="0" dirty="0" smtClean="0">
-                <a:solidFill>
-                  <a:srgbClr val="FF0000"/>
-                </a:solidFill>
-                <a:latin typeface="Open Sans" panose="020B0606030504020204" pitchFamily="34" charset="0"/>
-                <a:ea typeface="Open Sans" panose="020B0606030504020204" pitchFamily="34" charset="0"/>
-                <a:cs typeface="Open Sans" panose="020B0606030504020204" pitchFamily="34" charset="0"/>
-              </a:rPr>
-              <a:t>) = h(</a:t>
-            </a:r>
-            <a:r>
-              <a:rPr lang="en-US" altLang="en-US" sz="2400" kern="0" dirty="0" err="1" smtClean="0">
-                <a:solidFill>
-                  <a:srgbClr val="FF0000"/>
-                </a:solidFill>
-                <a:latin typeface="Open Sans" panose="020B0606030504020204" pitchFamily="34" charset="0"/>
-                <a:ea typeface="Open Sans" panose="020B0606030504020204" pitchFamily="34" charset="0"/>
-                <a:cs typeface="Open Sans" panose="020B0606030504020204" pitchFamily="34" charset="0"/>
-              </a:rPr>
-              <a:t>i,j</a:t>
-            </a:r>
-            <a:r>
-              <a:rPr lang="en-US" altLang="en-US" sz="2400" kern="0" dirty="0" smtClean="0">
-                <a:solidFill>
-                  <a:srgbClr val="FF0000"/>
-                </a:solidFill>
-                <a:latin typeface="Open Sans" panose="020B0606030504020204" pitchFamily="34" charset="0"/>
-                <a:ea typeface="Open Sans" panose="020B0606030504020204" pitchFamily="34" charset="0"/>
-                <a:cs typeface="Open Sans" panose="020B0606030504020204" pitchFamily="34" charset="0"/>
-              </a:rPr>
-              <a:t>) + h(</a:t>
-            </a:r>
-            <a:r>
-              <a:rPr lang="en-US" altLang="en-US" sz="2400" kern="0" dirty="0" err="1" smtClean="0">
-                <a:solidFill>
-                  <a:srgbClr val="FF0000"/>
-                </a:solidFill>
-                <a:latin typeface="Open Sans" panose="020B0606030504020204" pitchFamily="34" charset="0"/>
-                <a:ea typeface="Open Sans" panose="020B0606030504020204" pitchFamily="34" charset="0"/>
-                <a:cs typeface="Open Sans" panose="020B0606030504020204" pitchFamily="34" charset="0"/>
-              </a:rPr>
-              <a:t>j,i</a:t>
-            </a:r>
-            <a:r>
-              <a:rPr lang="en-US" altLang="en-US" sz="2400" kern="0" dirty="0" smtClean="0">
-                <a:solidFill>
-                  <a:srgbClr val="FF0000"/>
-                </a:solidFill>
-                <a:latin typeface="Open Sans" panose="020B0606030504020204" pitchFamily="34" charset="0"/>
-                <a:ea typeface="Open Sans" panose="020B0606030504020204" pitchFamily="34" charset="0"/>
-                <a:cs typeface="Open Sans" panose="020B0606030504020204" pitchFamily="34" charset="0"/>
-              </a:rPr>
-              <a:t>)</a:t>
-            </a:r>
-          </a:p>
-          <a:p>
-            <a:pPr lvl="1"/>
-            <a:r>
-              <a:rPr lang="en-US" altLang="en-US" sz="2000" kern="0" dirty="0" smtClean="0">
-                <a:latin typeface="Open Sans" panose="020B0606030504020204" pitchFamily="34" charset="0"/>
-                <a:ea typeface="Open Sans" panose="020B0606030504020204" pitchFamily="34" charset="0"/>
-                <a:cs typeface="Open Sans" panose="020B0606030504020204" pitchFamily="34" charset="0"/>
-              </a:rPr>
-              <a:t>Expected length of the path </a:t>
-            </a:r>
-            <a:r>
-              <a:rPr lang="en-US" altLang="en-US" sz="2000" kern="0" dirty="0" err="1" smtClean="0">
-                <a:solidFill>
-                  <a:srgbClr val="FF0000"/>
-                </a:solidFill>
-                <a:latin typeface="Open Sans" panose="020B0606030504020204" pitchFamily="34" charset="0"/>
-                <a:ea typeface="Open Sans" panose="020B0606030504020204" pitchFamily="34" charset="0"/>
-                <a:cs typeface="Open Sans" panose="020B0606030504020204" pitchFamily="34" charset="0"/>
-              </a:rPr>
-              <a:t>i</a:t>
-            </a:r>
-            <a:r>
-              <a:rPr lang="en-US" altLang="en-US" sz="2000" kern="0" dirty="0" smtClean="0">
-                <a:solidFill>
-                  <a:srgbClr val="FF0000"/>
-                </a:solidFill>
-                <a:latin typeface="Open Sans" panose="020B0606030504020204" pitchFamily="34" charset="0"/>
-                <a:ea typeface="Open Sans" panose="020B0606030504020204" pitchFamily="34" charset="0"/>
-                <a:cs typeface="Open Sans" panose="020B0606030504020204" pitchFamily="34" charset="0"/>
-              </a:rPr>
-              <a:t> -&gt; j -&gt; </a:t>
-            </a:r>
-            <a:r>
-              <a:rPr lang="en-US" altLang="en-US" sz="2000" kern="0" dirty="0" err="1" smtClean="0">
-                <a:solidFill>
-                  <a:srgbClr val="FF0000"/>
-                </a:solidFill>
-                <a:latin typeface="Open Sans" panose="020B0606030504020204" pitchFamily="34" charset="0"/>
-                <a:ea typeface="Open Sans" panose="020B0606030504020204" pitchFamily="34" charset="0"/>
-                <a:cs typeface="Open Sans" panose="020B0606030504020204" pitchFamily="34" charset="0"/>
-              </a:rPr>
-              <a:t>i</a:t>
+              <a:t>Expected length of the path</a:t>
             </a:r>
             <a:endParaRPr lang="en-US" altLang="en-US" sz="2000" kern="0" dirty="0" smtClean="0">
               <a:solidFill>
@@ -27014,6 +27610,67 @@
           </a:p>
           <a:p>
             <a:r>
+              <a:rPr lang="en-US" altLang="en-US" sz="2400" kern="0" dirty="0" smtClean="0">
+                <a:latin typeface="Open Sans" panose="020B0606030504020204" pitchFamily="34" charset="0"/>
+                <a:ea typeface="Open Sans" panose="020B0606030504020204" pitchFamily="34" charset="0"/>
+                <a:cs typeface="Open Sans" panose="020B0606030504020204" pitchFamily="34" charset="0"/>
+              </a:rPr>
+              <a:t>Commute </a:t>
+            </a:r>
+            <a:r>
+              <a:rPr lang="en-US" altLang="en-US" sz="2400" kern="0" dirty="0" smtClean="0">
+                <a:latin typeface="Open Sans" panose="020B0606030504020204" pitchFamily="34" charset="0"/>
+                <a:ea typeface="Open Sans" panose="020B0606030504020204" pitchFamily="34" charset="0"/>
+                <a:cs typeface="Open Sans" panose="020B0606030504020204" pitchFamily="34" charset="0"/>
+              </a:rPr>
+              <a:t>time</a:t>
+            </a:r>
+            <a:endParaRPr lang="en-US" altLang="en-US" sz="2400" kern="0" dirty="0" smtClean="0">
+              <a:solidFill>
+                <a:srgbClr val="FF0000"/>
+              </a:solidFill>
+              <a:latin typeface="Open Sans" panose="020B0606030504020204" pitchFamily="34" charset="0"/>
+              <a:ea typeface="Open Sans" panose="020B0606030504020204" pitchFamily="34" charset="0"/>
+              <a:cs typeface="Open Sans" panose="020B0606030504020204" pitchFamily="34" charset="0"/>
+            </a:endParaRPr>
+          </a:p>
+          <a:p>
+            <a:pPr lvl="1"/>
+            <a:r>
+              <a:rPr lang="en-US" altLang="en-US" sz="2000" kern="0" dirty="0" smtClean="0">
+                <a:latin typeface="Open Sans" panose="020B0606030504020204" pitchFamily="34" charset="0"/>
+                <a:ea typeface="Open Sans" panose="020B0606030504020204" pitchFamily="34" charset="0"/>
+                <a:cs typeface="Open Sans" panose="020B0606030504020204" pitchFamily="34" charset="0"/>
+              </a:rPr>
+              <a:t>Expected length of the </a:t>
+            </a:r>
+            <a:r>
+              <a:rPr lang="en-US" altLang="en-US" sz="2000" kern="0" dirty="0" smtClean="0">
+                <a:latin typeface="Open Sans" panose="020B0606030504020204" pitchFamily="34" charset="0"/>
+                <a:ea typeface="Open Sans" panose="020B0606030504020204" pitchFamily="34" charset="0"/>
+                <a:cs typeface="Open Sans" panose="020B0606030504020204" pitchFamily="34" charset="0"/>
+              </a:rPr>
+              <a:t>path </a:t>
+            </a:r>
+            <a:endParaRPr lang="en-US" altLang="en-US" sz="2000" kern="0" dirty="0" smtClean="0">
+              <a:solidFill>
+                <a:srgbClr val="FF0000"/>
+              </a:solidFill>
+              <a:latin typeface="Open Sans" panose="020B0606030504020204" pitchFamily="34" charset="0"/>
+              <a:ea typeface="Open Sans" panose="020B0606030504020204" pitchFamily="34" charset="0"/>
+              <a:cs typeface="Open Sans" panose="020B0606030504020204" pitchFamily="34" charset="0"/>
+            </a:endParaRPr>
+          </a:p>
+          <a:p>
+            <a:pPr lvl="1"/>
+            <a:endParaRPr lang="en-US" altLang="en-US" sz="2000" kern="0" dirty="0" smtClean="0">
+              <a:latin typeface="Open Sans" panose="020B0606030504020204" pitchFamily="34" charset="0"/>
+              <a:ea typeface="Open Sans" panose="020B0606030504020204" pitchFamily="34" charset="0"/>
+              <a:cs typeface="Open Sans" panose="020B0606030504020204" pitchFamily="34" charset="0"/>
+            </a:endParaRPr>
+          </a:p>
+          <a:p>
+            <a:r>
               <a:rPr lang="en-US" altLang="en-US" sz="2400" dirty="0" smtClean="0">
                 <a:latin typeface="Open Sans" panose="020B0606030504020204" pitchFamily="34" charset="0"/>
                 <a:ea typeface="Open Sans" panose="020B0606030504020204" pitchFamily="34" charset="0"/>
@@ -27030,7 +27687,18 @@
                 <a:ea typeface="Open Sans" panose="020B0606030504020204" pitchFamily="34" charset="0"/>
                 <a:cs typeface="Open Sans" panose="020B0606030504020204" pitchFamily="34" charset="0"/>
               </a:rPr>
-              <a:t>1, 2</a:t>
+              <a:t>1</a:t>
+            </a:r>
+            <a:r>
+              <a:rPr lang="en-US" altLang="en-US" sz="2400" b="1" baseline="30000" dirty="0" smtClean="0">
+                <a:solidFill>
+                  <a:srgbClr val="3333FF"/>
+                </a:solidFill>
+                <a:latin typeface="Open Sans" panose="020B0606030504020204" pitchFamily="34" charset="0"/>
+                <a:ea typeface="Open Sans" panose="020B0606030504020204" pitchFamily="34" charset="0"/>
+                <a:cs typeface="Open Sans" panose="020B0606030504020204" pitchFamily="34" charset="0"/>
+              </a:rPr>
+              <a:t>, 2</a:t>
             </a:r>
             <a:endParaRPr lang="en-US" altLang="en-US" sz="2400" dirty="0" smtClean="0">
               <a:latin typeface="Open Sans" panose="020B0606030504020204" pitchFamily="34" charset="0"/>
@@ -27052,7 +27720,7 @@
           <a:p>
             <a:pPr lvl="1"/>
             <a:r>
-              <a:rPr lang="en-US" altLang="en-US" sz="2000" dirty="0" smtClean="0">
+              <a:rPr lang="en-US" altLang="en-US" sz="2000" dirty="0">
                 <a:solidFill>
                   <a:srgbClr val="FF0000"/>
                 </a:solidFill>
@@ -27060,10 +27728,10 @@
                 <a:ea typeface="Open Sans" panose="020B0606030504020204" pitchFamily="34" charset="0"/>
                 <a:cs typeface="Open Sans" panose="020B0606030504020204" pitchFamily="34" charset="0"/>
               </a:rPr>
-              <a:t>h(</a:t>
-            </a:r>
-            <a:r>
-              <a:rPr lang="en-US" altLang="en-US" sz="2000" dirty="0" err="1" smtClean="0">
+              <a:t> </a:t>
+            </a:r>
+            <a:r>
+              <a:rPr lang="en-US" altLang="en-US" sz="2000" dirty="0" smtClean="0">
                 <a:solidFill>
                   <a:srgbClr val="FF0000"/>
                 </a:solidFill>
@@ -27071,18 +27739,7 @@
                 <a:ea typeface="Open Sans" panose="020B0606030504020204" pitchFamily="34" charset="0"/>
                 <a:cs typeface="Open Sans" panose="020B0606030504020204" pitchFamily="34" charset="0"/>
               </a:rPr>
-              <a:t>i,j</a:t>
-            </a:r>
-            <a:r>
-              <a:rPr lang="en-US" altLang="en-US" sz="2000" dirty="0" smtClean="0">
-                <a:solidFill>
-                  <a:srgbClr val="FF0000"/>
-                </a:solidFill>
-                <a:latin typeface="Open Sans" panose="020B0606030504020204" pitchFamily="34" charset="0"/>
-                <a:ea typeface="Open Sans" panose="020B0606030504020204" pitchFamily="34" charset="0"/>
-                <a:cs typeface="Open Sans" panose="020B0606030504020204" pitchFamily="34" charset="0"/>
-              </a:rPr>
-              <a:t>)</a:t>
+              <a:t>   </a:t>
             </a:r>
             <a:r>
               <a:rPr lang="en-US" altLang="en-US" sz="2000" dirty="0" smtClean="0">
@@ -27090,18 +27747,15 @@
                 <a:ea typeface="Open Sans" panose="020B0606030504020204" pitchFamily="34" charset="0"/>
                 <a:cs typeface="Open Sans" panose="020B0606030504020204" pitchFamily="34" charset="0"/>
               </a:rPr>
-              <a:t> is small whenever </a:t>
-            </a:r>
-            <a:r>
-              <a:rPr lang="en-US" altLang="en-US" sz="2000" dirty="0" smtClean="0">
-                <a:solidFill>
-                  <a:srgbClr val="FF0000"/>
-                </a:solidFill>
+              <a:t>       </a:t>
+            </a:r>
+            <a:r>
+              <a:rPr lang="en-US" altLang="zh-CN" sz="2000" dirty="0" smtClean="0">
                 <a:latin typeface="Open Sans" panose="020B0606030504020204" pitchFamily="34" charset="0"/>
                 <a:ea typeface="Open Sans" panose="020B0606030504020204" pitchFamily="34" charset="0"/>
                 <a:cs typeface="Open Sans" panose="020B0606030504020204" pitchFamily="34" charset="0"/>
               </a:rPr>
-              <a:t>j</a:t>
+              <a:t>i</a:t>
             </a:r>
             <a:r>
               <a:rPr lang="en-US" altLang="en-US" sz="2000" dirty="0" smtClean="0">
@@ -27109,18 +27763,50 @@
                 <a:ea typeface="Open Sans" panose="020B0606030504020204" pitchFamily="34" charset="0"/>
                 <a:cs typeface="Open Sans" panose="020B0606030504020204" pitchFamily="34" charset="0"/>
               </a:rPr>
-              <a:t> has a large stationary probability </a:t>
-            </a:r>
-            <a:r>
-              <a:rPr lang="en-US" altLang="en-US" sz="2000" dirty="0" err="1" smtClean="0">
-                <a:solidFill>
-                  <a:srgbClr val="FF0000"/>
-                </a:solidFill>
+              <a:t>s </a:t>
+            </a:r>
+            <a:r>
+              <a:rPr lang="en-US" altLang="en-US" sz="2000" dirty="0" smtClean="0">
                 <a:latin typeface="Open Sans" panose="020B0606030504020204" pitchFamily="34" charset="0"/>
                 <a:ea typeface="Open Sans" panose="020B0606030504020204" pitchFamily="34" charset="0"/>
                 <a:cs typeface="Open Sans" panose="020B0606030504020204" pitchFamily="34" charset="0"/>
               </a:rPr>
-              <a:t>pi_j</a:t>
+              <a:t>small whenever </a:t>
+            </a:r>
+            <a:r>
+              <a:rPr lang="en-US" altLang="en-US" sz="2000" dirty="0" smtClean="0">
+                <a:latin typeface="Open Sans" panose="020B0606030504020204" pitchFamily="34" charset="0"/>
+                <a:ea typeface="Open Sans" panose="020B0606030504020204" pitchFamily="34" charset="0"/>
+                <a:cs typeface="Open Sans" panose="020B0606030504020204" pitchFamily="34" charset="0"/>
+              </a:rPr>
+              <a:t> </a:t>
+            </a:r>
+            <a:r>
+              <a:rPr lang="en-US" altLang="en-US" sz="2000" dirty="0" smtClean="0">
+                <a:solidFill>
+                  <a:srgbClr val="FF0000"/>
+                </a:solidFill>
+                <a:latin typeface="Open Sans" panose="020B0606030504020204" pitchFamily="34" charset="0"/>
+                <a:ea typeface="Open Sans" panose="020B0606030504020204" pitchFamily="34" charset="0"/>
+                <a:cs typeface="Open Sans" panose="020B0606030504020204" pitchFamily="34" charset="0"/>
+              </a:rPr>
+              <a:t> </a:t>
+            </a:r>
+            <a:r>
+              <a:rPr lang="en-US" altLang="en-US" sz="2000" dirty="0" smtClean="0">
+                <a:latin typeface="Open Sans" panose="020B0606030504020204" pitchFamily="34" charset="0"/>
+                <a:ea typeface="Open Sans" panose="020B0606030504020204" pitchFamily="34" charset="0"/>
+                <a:cs typeface="Open Sans" panose="020B0606030504020204" pitchFamily="34" charset="0"/>
+              </a:rPr>
+              <a:t>  has </a:t>
+            </a:r>
+            <a:r>
+              <a:rPr lang="en-US" altLang="en-US" sz="2000" dirty="0" smtClean="0">
+                <a:latin typeface="Open Sans" panose="020B0606030504020204" pitchFamily="34" charset="0"/>
+                <a:ea typeface="Open Sans" panose="020B0606030504020204" pitchFamily="34" charset="0"/>
+                <a:cs typeface="Open Sans" panose="020B0606030504020204" pitchFamily="34" charset="0"/>
+              </a:rPr>
+              <a:t>a large stationary probability </a:t>
             </a:r>
             <a:endParaRPr lang="en-US" altLang="en-US" sz="2000" dirty="0" smtClean="0">
               <a:solidFill>
@@ -27134,18 +27820,21 @@
           <a:p>
             <a:pPr lvl="1"/>
             <a:r>
-              <a:rPr lang="en-US" altLang="en-US" sz="2000" dirty="0"/>
+              <a:rPr lang="en-US" altLang="en-US" sz="2000" dirty="0">
+                <a:latin typeface="Open Sans" panose="020B0606030504020204" pitchFamily="34" charset="0"/>
+                <a:ea typeface="Open Sans" panose="020B0606030504020204" pitchFamily="34" charset="0"/>
+                <a:cs typeface="Open Sans" panose="020B0606030504020204" pitchFamily="34" charset="0"/>
+              </a:rPr>
               <a:t>Alice likes cartoons, so her top 10 recommendations should not be the 10 most popular </a:t>
             </a:r>
             <a:r>
-              <a:rPr lang="en-US" altLang="en-US" sz="2000" dirty="0" smtClean="0"/>
+              <a:rPr lang="en-US" altLang="en-US" sz="2000" dirty="0" smtClean="0">
+                <a:latin typeface="Open Sans" panose="020B0606030504020204" pitchFamily="34" charset="0"/>
+                <a:ea typeface="Open Sans" panose="020B0606030504020204" pitchFamily="34" charset="0"/>
+                <a:cs typeface="Open Sans" panose="020B0606030504020204" pitchFamily="34" charset="0"/>
+              </a:rPr>
               <a:t>movies</a:t>
             </a:r>
-            <a:endParaRPr lang="en-US" altLang="en-US" sz="2000" dirty="0" smtClean="0">
-              <a:latin typeface="Open Sans" panose="020B0606030504020204" pitchFamily="34" charset="0"/>
-              <a:ea typeface="Open Sans" panose="020B0606030504020204" pitchFamily="34" charset="0"/>
-              <a:cs typeface="Open Sans" panose="020B0606030504020204" pitchFamily="34" charset="0"/>
-            </a:endParaRPr>
           </a:p>
         </p:txBody>
       </p:sp>
@@ -27269,18 +27958,7 @@
                 <a:ea typeface="Open Sans" panose="020B0606030504020204" pitchFamily="34" charset="0"/>
                 <a:cs typeface="Open Sans" panose="020B0606030504020204" pitchFamily="34" charset="0"/>
               </a:rPr>
-              <a:t>&amp; J. Kleinberg</a:t>
-            </a:r>
-            <a:r>
-              <a:rPr lang="en-US" altLang="en-US" sz="1200" b="1" dirty="0" smtClean="0">
-                <a:solidFill>
-                  <a:srgbClr val="3333CC"/>
-                </a:solidFill>
-                <a:latin typeface="Open Sans" panose="020B0606030504020204" pitchFamily="34" charset="0"/>
-                <a:ea typeface="Open Sans" panose="020B0606030504020204" pitchFamily="34" charset="0"/>
-                <a:cs typeface="Open Sans" panose="020B0606030504020204" pitchFamily="34" charset="0"/>
-              </a:rPr>
-              <a:t>. The link predication problem for social networks. </a:t>
+              <a:t>&amp; J. Kleinberg. The link predication problem for social networks. </a:t>
             </a:r>
             <a:r>
               <a:rPr lang="en-US" altLang="en-US" sz="1200" b="1" i="1" dirty="0" smtClean="0">
@@ -27321,18 +27999,7 @@
                 <a:ea typeface="Open Sans" panose="020B0606030504020204" pitchFamily="34" charset="0"/>
                 <a:cs typeface="Open Sans" panose="020B0606030504020204" pitchFamily="34" charset="0"/>
               </a:rPr>
-              <a:t>2. </a:t>
-            </a:r>
-            <a:r>
-              <a:rPr lang="en-US" altLang="en-US" sz="1200" b="1" dirty="0">
-                <a:solidFill>
-                  <a:srgbClr val="3333CC"/>
-                </a:solidFill>
-                <a:latin typeface="Open Sans" panose="020B0606030504020204" pitchFamily="34" charset="0"/>
-                <a:ea typeface="Open Sans" panose="020B0606030504020204" pitchFamily="34" charset="0"/>
-                <a:cs typeface="Open Sans" panose="020B0606030504020204" pitchFamily="34" charset="0"/>
-              </a:rPr>
-              <a:t>M. Brand. A random walks perspective on maximizing satisfaction and profit. </a:t>
+              <a:t>2. M. Brand. A random walks perspective on maximizing satisfaction and profit. </a:t>
             </a:r>
             <a:r>
               <a:rPr lang="en-US" altLang="en-US" sz="1200" b="1" i="1" dirty="0">
@@ -27378,6 +28045,244 @@
           </a:p>
         </p:txBody>
       </p:sp>
+      <p:pic>
+        <p:nvPicPr>
+          <p:cNvPr id="3" name="Picture 2"/>
+          <p:cNvPicPr>
+            <a:picLocks noChangeAspect="1"/>
+          </p:cNvPicPr>
+          <p:nvPr>
+            <p:custDataLst>
+              <p:tags r:id="rId2"/>
+            </p:custDataLst>
+          </p:nvPr>
+        </p:nvPicPr>
+        <p:blipFill>
+          <a:blip r:embed="rId11" cstate="print">
+            <a:extLst>
+              <a:ext uri="{28A0092B-C50C-407E-A947-70E740481C1C}">
+                <a14:useLocalDpi xmlns:a14="http://schemas.microsoft.com/office/drawing/2010/main" val="0"/>
+              </a:ext>
+            </a:extLst>
+          </a:blip>
+          <a:stretch>
+            <a:fillRect/>
+          </a:stretch>
+        </p:blipFill>
+        <p:spPr>
+          <a:xfrm>
+            <a:off x="2682943" y="1676400"/>
+            <a:ext cx="746057" cy="301714"/>
+          </a:xfrm>
+          <a:prstGeom prst="rect">
+            <a:avLst/>
+          </a:prstGeom>
+        </p:spPr>
+      </p:pic>
+      <p:pic>
+        <p:nvPicPr>
+          <p:cNvPr id="7" name="Picture 6"/>
+          <p:cNvPicPr>
+            <a:picLocks noChangeAspect="1"/>
+          </p:cNvPicPr>
+          <p:nvPr>
+            <p:custDataLst>
+              <p:tags r:id="rId3"/>
+            </p:custDataLst>
+          </p:nvPr>
+        </p:nvPicPr>
+        <p:blipFill>
+          <a:blip r:embed="rId12" cstate="print">
+            <a:extLst>
+              <a:ext uri="{28A0092B-C50C-407E-A947-70E740481C1C}">
+                <a14:useLocalDpi xmlns:a14="http://schemas.microsoft.com/office/drawing/2010/main" val="0"/>
+              </a:ext>
+            </a:extLst>
+          </a:blip>
+          <a:stretch>
+            <a:fillRect/>
+          </a:stretch>
+        </p:blipFill>
+        <p:spPr>
+          <a:xfrm>
+            <a:off x="4680295" y="2133600"/>
+            <a:ext cx="729905" cy="217905"/>
+          </a:xfrm>
+          <a:prstGeom prst="rect">
+            <a:avLst/>
+          </a:prstGeom>
+        </p:spPr>
+      </p:pic>
+      <p:pic>
+        <p:nvPicPr>
+          <p:cNvPr id="8" name="Picture 7"/>
+          <p:cNvPicPr>
+            <a:picLocks noChangeAspect="1"/>
+          </p:cNvPicPr>
+          <p:nvPr>
+            <p:custDataLst>
+              <p:tags r:id="rId4"/>
+            </p:custDataLst>
+          </p:nvPr>
+        </p:nvPicPr>
+        <p:blipFill>
+          <a:blip r:embed="rId13" cstate="print">
+            <a:extLst>
+              <a:ext uri="{28A0092B-C50C-407E-A947-70E740481C1C}">
+                <a14:useLocalDpi xmlns:a14="http://schemas.microsoft.com/office/drawing/2010/main" val="0"/>
+              </a:ext>
+            </a:extLst>
+          </a:blip>
+          <a:stretch>
+            <a:fillRect/>
+          </a:stretch>
+        </p:blipFill>
+        <p:spPr>
+          <a:xfrm>
+            <a:off x="4680295" y="3287295"/>
+            <a:ext cx="1371428" cy="217905"/>
+          </a:xfrm>
+          <a:prstGeom prst="rect">
+            <a:avLst/>
+          </a:prstGeom>
+        </p:spPr>
+      </p:pic>
+      <p:pic>
+        <p:nvPicPr>
+          <p:cNvPr id="9" name="Picture 8"/>
+          <p:cNvPicPr>
+            <a:picLocks noChangeAspect="1"/>
+          </p:cNvPicPr>
+          <p:nvPr>
+            <p:custDataLst>
+              <p:tags r:id="rId5"/>
+            </p:custDataLst>
+          </p:nvPr>
+        </p:nvPicPr>
+        <p:blipFill>
+          <a:blip r:embed="rId14" cstate="print">
+            <a:extLst>
+              <a:ext uri="{28A0092B-C50C-407E-A947-70E740481C1C}">
+                <a14:useLocalDpi xmlns:a14="http://schemas.microsoft.com/office/drawing/2010/main" val="0"/>
+              </a:ext>
+            </a:extLst>
+          </a:blip>
+          <a:stretch>
+            <a:fillRect/>
+          </a:stretch>
+        </p:blipFill>
+        <p:spPr>
+          <a:xfrm>
+            <a:off x="3124200" y="2819400"/>
+            <a:ext cx="3051886" cy="301714"/>
+          </a:xfrm>
+          <a:prstGeom prst="rect">
+            <a:avLst/>
+          </a:prstGeom>
+        </p:spPr>
+      </p:pic>
+      <p:pic>
+        <p:nvPicPr>
+          <p:cNvPr id="10" name="Picture 9"/>
+          <p:cNvPicPr>
+            <a:picLocks noChangeAspect="1"/>
+          </p:cNvPicPr>
+          <p:nvPr>
+            <p:custDataLst>
+              <p:tags r:id="rId6"/>
+            </p:custDataLst>
+          </p:nvPr>
+        </p:nvPicPr>
+        <p:blipFill>
+          <a:blip r:embed="rId15" cstate="print">
+            <a:extLst>
+              <a:ext uri="{28A0092B-C50C-407E-A947-70E740481C1C}">
+                <a14:useLocalDpi xmlns:a14="http://schemas.microsoft.com/office/drawing/2010/main" val="0"/>
+              </a:ext>
+            </a:extLst>
+          </a:blip>
+          <a:stretch>
+            <a:fillRect/>
+          </a:stretch>
+        </p:blipFill>
+        <p:spPr>
+          <a:xfrm>
+            <a:off x="1219200" y="4800600"/>
+            <a:ext cx="621714" cy="251429"/>
+          </a:xfrm>
+          <a:prstGeom prst="rect">
+            <a:avLst/>
+          </a:prstGeom>
+        </p:spPr>
+      </p:pic>
+      <p:pic>
+        <p:nvPicPr>
+          <p:cNvPr id="11" name="Picture 10"/>
+          <p:cNvPicPr>
+            <a:picLocks noChangeAspect="1"/>
+          </p:cNvPicPr>
+          <p:nvPr>
+            <p:custDataLst>
+              <p:tags r:id="rId7"/>
+            </p:custDataLst>
+          </p:nvPr>
+        </p:nvPicPr>
+        <p:blipFill>
+          <a:blip r:embed="rId16" cstate="print">
+            <a:extLst>
+              <a:ext uri="{28A0092B-C50C-407E-A947-70E740481C1C}">
+                <a14:useLocalDpi xmlns:a14="http://schemas.microsoft.com/office/drawing/2010/main" val="0"/>
+              </a:ext>
+            </a:extLst>
+          </a:blip>
+          <a:stretch>
+            <a:fillRect/>
+          </a:stretch>
+        </p:blipFill>
+        <p:spPr>
+          <a:xfrm>
+            <a:off x="4162057" y="4834124"/>
+            <a:ext cx="105143" cy="217905"/>
+          </a:xfrm>
+          <a:prstGeom prst="rect">
+            <a:avLst/>
+          </a:prstGeom>
+        </p:spPr>
+      </p:pic>
+      <p:pic>
+        <p:nvPicPr>
+          <p:cNvPr id="14" name="Picture 13"/>
+          <p:cNvPicPr>
+            <a:picLocks noChangeAspect="1"/>
+          </p:cNvPicPr>
+          <p:nvPr>
+            <p:custDataLst>
+              <p:tags r:id="rId8"/>
+            </p:custDataLst>
+          </p:nvPr>
+        </p:nvPicPr>
+        <p:blipFill>
+          <a:blip r:embed="rId17" cstate="print">
+            <a:extLst>
+              <a:ext uri="{28A0092B-C50C-407E-A947-70E740481C1C}">
+                <a14:useLocalDpi xmlns:a14="http://schemas.microsoft.com/office/drawing/2010/main" val="0"/>
+              </a:ext>
+            </a:extLst>
+          </a:blip>
+          <a:stretch>
+            <a:fillRect/>
+          </a:stretch>
+        </p:blipFill>
+        <p:spPr>
+          <a:xfrm>
+            <a:off x="8382000" y="4869172"/>
+            <a:ext cx="242286" cy="187429"/>
+          </a:xfrm>
+          <a:prstGeom prst="rect">
+            <a:avLst/>
+          </a:prstGeom>
+        </p:spPr>
+      </p:pic>
     </p:spTree>
     <p:custDataLst>
       <p:tags r:id="rId1"/>
@@ -27755,18 +28660,15 @@
                 <a:ea typeface="Open Sans" panose="020B0606030504020204" pitchFamily="34" charset="0"/>
                 <a:cs typeface="Open Sans" panose="020B0606030504020204" pitchFamily="34" charset="0"/>
               </a:rPr>
-              <a:t>Only considers paths of length at most </a:t>
+              <a:t>Only considers paths of length at </a:t>
             </a:r>
             <a:r>
               <a:rPr lang="en-US" altLang="en-US" sz="2000" dirty="0" smtClean="0">
-                <a:solidFill>
-                  <a:srgbClr val="FF0000"/>
-                </a:solidFill>
                 <a:latin typeface="Open Sans" panose="020B0606030504020204" pitchFamily="34" charset="0"/>
                 <a:ea typeface="Open Sans" panose="020B0606030504020204" pitchFamily="34" charset="0"/>
                 <a:cs typeface="Open Sans" panose="020B0606030504020204" pitchFamily="34" charset="0"/>
               </a:rPr>
-              <a:t>T</a:t>
+              <a:t>most</a:t>
             </a:r>
             <a:endParaRPr lang="en-US" altLang="en-US" sz="2000" dirty="0" smtClean="0">
               <a:solidFill>
@@ -27802,7 +28704,7 @@
           <p:nvPr/>
         </p:nvPicPr>
         <p:blipFill>
-          <a:blip r:embed="rId4">
+          <a:blip r:embed="rId5">
             <a:extLst>
               <a:ext uri="{28A0092B-C50C-407E-A947-70E740481C1C}">
                 <a14:useLocalDpi xmlns:a14="http://schemas.microsoft.com/office/drawing/2010/main" val="0"/>
@@ -27867,7 +28769,7 @@
             <p:nvPr/>
           </p:nvPicPr>
           <p:blipFill>
-            <a:blip r:embed="rId5">
+            <a:blip r:embed="rId6">
               <a:extLst>
                 <a:ext uri="{28A0092B-C50C-407E-A947-70E740481C1C}">
                   <a14:useLocalDpi xmlns:a14="http://schemas.microsoft.com/office/drawing/2010/main" val="0"/>
@@ -28945,6 +29847,40 @@
           </a:p>
         </p:txBody>
       </p:sp>
+      <p:pic>
+        <p:nvPicPr>
+          <p:cNvPr id="2" name="Picture 1"/>
+          <p:cNvPicPr>
+            <a:picLocks noChangeAspect="1"/>
+          </p:cNvPicPr>
+          <p:nvPr>
+            <p:custDataLst>
+              <p:tags r:id="rId2"/>
+            </p:custDataLst>
+          </p:nvPr>
+        </p:nvPicPr>
+        <p:blipFill>
+          <a:blip r:embed="rId7" cstate="print">
+            <a:extLst>
+              <a:ext uri="{28A0092B-C50C-407E-A947-70E740481C1C}">
+                <a14:useLocalDpi xmlns:a14="http://schemas.microsoft.com/office/drawing/2010/main" val="0"/>
+              </a:ext>
+            </a:extLst>
+          </a:blip>
+          <a:stretch>
+            <a:fillRect/>
+          </a:stretch>
+        </p:blipFill>
+        <p:spPr>
+          <a:xfrm>
+            <a:off x="5867400" y="1752600"/>
+            <a:ext cx="173714" cy="170667"/>
+          </a:xfrm>
+          <a:prstGeom prst="rect">
+            <a:avLst/>
+          </a:prstGeom>
+        </p:spPr>
+      </p:pic>
     </p:spTree>
     <p:custDataLst>
       <p:tags r:id="rId1"/>
@@ -29049,253 +29985,133 @@
           <a:lstStyle/>
           <a:p>
             <a:r>
-              <a:rPr lang="en-US" altLang="en-US" sz="2400" dirty="0" err="1" smtClean="0">
-                <a:solidFill>
-                  <a:srgbClr val="FF0000"/>
-                </a:solidFill>
-                <a:latin typeface="Open Sans" charset="0"/>
-                <a:ea typeface="Open Sans" charset="0"/>
-                <a:cs typeface="Open Sans" charset="0"/>
+              <a:rPr lang="en-US" altLang="en-US" sz="2400" dirty="0" smtClean="0">
+                <a:latin typeface="Open Sans" panose="020B0606030504020204" pitchFamily="34" charset="0"/>
+                <a:ea typeface="Open Sans" panose="020B0606030504020204" pitchFamily="34" charset="0"/>
+                <a:cs typeface="Open Sans" panose="020B0606030504020204" pitchFamily="34" charset="0"/>
               </a:rPr>
-              <a:t>Esc_Prob</a:t>
-            </a:r>
-            <a:r>
-              <a:rPr lang="en-US" altLang="en-US" sz="2400" dirty="0" smtClean="0">
-                <a:solidFill>
-                  <a:srgbClr val="FF0000"/>
-                </a:solidFill>
-                <a:latin typeface="Open Sans" charset="0"/>
-                <a:ea typeface="Open Sans" charset="0"/>
-                <a:cs typeface="Open Sans" charset="0"/>
+              <a:t>The escape probability from node A </a:t>
+            </a:r>
+            <a:r>
+              <a:rPr lang="en-US" altLang="zh-CN" sz="2400" dirty="0" smtClean="0">
+                <a:latin typeface="Open Sans" panose="020B0606030504020204" pitchFamily="34" charset="0"/>
+                <a:ea typeface="Open Sans" panose="020B0606030504020204" pitchFamily="34" charset="0"/>
+                <a:cs typeface="Open Sans" panose="020B0606030504020204" pitchFamily="34" charset="0"/>
               </a:rPr>
-              <a:t>(A</a:t>
-            </a:r>
-            <a:r>
-              <a:rPr lang="en-US" altLang="en-US" sz="2400" dirty="0">
-                <a:solidFill>
-                  <a:srgbClr val="FF0000"/>
-                </a:solidFill>
-                <a:latin typeface="Open Sans" charset="0"/>
-                <a:ea typeface="Open Sans" charset="0"/>
-                <a:cs typeface="Open Sans" charset="0"/>
-                <a:sym typeface="Wingdings" charset="2"/>
+              <a:t>to node</a:t>
+            </a:r>
+            <a:r>
+              <a:rPr lang="en-US" altLang="zh-CN" sz="2400" b="1" dirty="0">
+                <a:latin typeface="Open Sans" panose="020B0606030504020204" pitchFamily="34" charset="0"/>
+                <a:ea typeface="Open Sans" panose="020B0606030504020204" pitchFamily="34" charset="0"/>
+                <a:cs typeface="Open Sans" panose="020B0606030504020204" pitchFamily="34" charset="0"/>
               </a:rPr>
-              <a:t></a:t>
-            </a:r>
-            <a:r>
-              <a:rPr lang="en-US" altLang="en-US" sz="2400" dirty="0">
-                <a:solidFill>
-                  <a:srgbClr val="FF0000"/>
-                </a:solidFill>
-                <a:latin typeface="Open Sans" charset="0"/>
-                <a:ea typeface="Open Sans" charset="0"/>
-                <a:cs typeface="Open Sans" charset="0"/>
+              <a:t> </a:t>
+            </a:r>
+            <a:r>
+              <a:rPr lang="en-US" altLang="zh-CN" sz="2400" dirty="0" smtClean="0">
+                <a:latin typeface="Open Sans" panose="020B0606030504020204" pitchFamily="34" charset="0"/>
+                <a:ea typeface="Open Sans" panose="020B0606030504020204" pitchFamily="34" charset="0"/>
+                <a:cs typeface="Open Sans" panose="020B0606030504020204" pitchFamily="34" charset="0"/>
               </a:rPr>
-              <a:t>B)</a:t>
-            </a:r>
+              <a:t>B</a:t>
+            </a:r>
+            <a:endParaRPr lang="en-US" altLang="en-US" sz="2400" dirty="0">
+              <a:latin typeface="Open Sans" panose="020B0606030504020204" pitchFamily="34" charset="0"/>
+              <a:ea typeface="Open Sans" panose="020B0606030504020204" pitchFamily="34" charset="0"/>
+              <a:cs typeface="Open Sans" panose="020B0606030504020204" pitchFamily="34" charset="0"/>
+            </a:endParaRPr>
           </a:p>
           <a:p>
             <a:pPr lvl="1"/>
             <a:r>
-              <a:rPr lang="en-US" altLang="en-US" sz="2000" dirty="0" err="1">
-                <a:solidFill>
-                  <a:srgbClr val="FF0000"/>
-                </a:solidFill>
-                <a:latin typeface="Open Sans" charset="0"/>
-                <a:ea typeface="Open Sans" charset="0"/>
-                <a:cs typeface="Open Sans" charset="0"/>
+              <a:rPr lang="en-US" altLang="en-US" sz="2000" dirty="0" smtClean="0">
+                <a:latin typeface="Open Sans" panose="020B0606030504020204" pitchFamily="34" charset="0"/>
+                <a:ea typeface="Open Sans" panose="020B0606030504020204" pitchFamily="34" charset="0"/>
+                <a:cs typeface="Open Sans" panose="020B0606030504020204" pitchFamily="34" charset="0"/>
+              </a:rPr>
+              <a:t>Denoted as </a:t>
+            </a:r>
+            <a:endParaRPr lang="en-US" altLang="en-US" sz="2000" dirty="0">
+              <a:latin typeface="Open Sans" panose="020B0606030504020204" pitchFamily="34" charset="0"/>
+              <a:ea typeface="Open Sans" panose="020B0606030504020204" pitchFamily="34" charset="0"/>
+              <a:cs typeface="Open Sans" panose="020B0606030504020204" pitchFamily="34" charset="0"/>
+            </a:endParaRPr>
+          </a:p>
+          <a:p>
+            <a:pPr lvl="1"/>
+            <a:r>
+              <a:rPr lang="en-US" altLang="en-US" sz="2000" dirty="0" err="1" smtClean="0">
+                <a:latin typeface="Open Sans" panose="020B0606030504020204" pitchFamily="34" charset="0"/>
+                <a:ea typeface="Open Sans" panose="020B0606030504020204" pitchFamily="34" charset="0"/>
+                <a:cs typeface="Open Sans" panose="020B0606030504020204" pitchFamily="34" charset="0"/>
               </a:rPr>
               <a:t>Prob</a:t>
             </a:r>
             <a:r>
-              <a:rPr lang="en-US" altLang="en-US" sz="2000" dirty="0">
-                <a:solidFill>
-                  <a:srgbClr val="FF0000"/>
-                </a:solidFill>
-                <a:latin typeface="Open Sans" charset="0"/>
-                <a:ea typeface="Open Sans" charset="0"/>
-                <a:cs typeface="Open Sans" charset="0"/>
+              <a:rPr lang="en-US" altLang="en-US" sz="2000" dirty="0" smtClean="0">
+                <a:latin typeface="Open Sans" panose="020B0606030504020204" pitchFamily="34" charset="0"/>
+                <a:ea typeface="Open Sans" panose="020B0606030504020204" pitchFamily="34" charset="0"/>
+                <a:cs typeface="Open Sans" panose="020B0606030504020204" pitchFamily="34" charset="0"/>
               </a:rPr>
               <a:t> (start</a:t>
             </a:r>
             <a:r>
-              <a:rPr lang="en-US" altLang="zh-CN" sz="2000" dirty="0">
-                <a:solidFill>
-                  <a:srgbClr val="FF0000"/>
-                </a:solidFill>
-                <a:latin typeface="Open Sans" charset="0"/>
-                <a:ea typeface="Open Sans" charset="0"/>
-                <a:cs typeface="Open Sans" charset="0"/>
+              <a:rPr lang="en-US" altLang="zh-CN" sz="2000" dirty="0" smtClean="0">
+                <a:latin typeface="Open Sans" panose="020B0606030504020204" pitchFamily="34" charset="0"/>
+                <a:ea typeface="Open Sans" panose="020B0606030504020204" pitchFamily="34" charset="0"/>
+                <a:cs typeface="Open Sans" panose="020B0606030504020204" pitchFamily="34" charset="0"/>
               </a:rPr>
               <a:t>ing</a:t>
             </a:r>
             <a:r>
-              <a:rPr lang="en-US" altLang="en-US" sz="2000" dirty="0">
-                <a:solidFill>
-                  <a:srgbClr val="FF0000"/>
-                </a:solidFill>
-                <a:latin typeface="Open Sans" charset="0"/>
-                <a:ea typeface="Open Sans" charset="0"/>
-                <a:cs typeface="Open Sans" charset="0"/>
+              <a:rPr lang="en-US" altLang="en-US" sz="2000" dirty="0" smtClean="0">
+                <a:latin typeface="Open Sans" panose="020B0606030504020204" pitchFamily="34" charset="0"/>
+                <a:ea typeface="Open Sans" panose="020B0606030504020204" pitchFamily="34" charset="0"/>
+                <a:cs typeface="Open Sans" panose="020B0606030504020204" pitchFamily="34" charset="0"/>
               </a:rPr>
-              <a:t> at A, </a:t>
-            </a:r>
-            <a:r>
-              <a:rPr lang="en-US" altLang="en-US" sz="2000" dirty="0" smtClean="0">
-                <a:solidFill>
-                  <a:srgbClr val="FF0000"/>
-                </a:solidFill>
-                <a:latin typeface="Open Sans" charset="0"/>
-                <a:ea typeface="Open Sans" charset="0"/>
-                <a:cs typeface="Open Sans" charset="0"/>
-              </a:rPr>
-              <a:t>reaches </a:t>
-            </a:r>
-            <a:r>
-              <a:rPr lang="en-US" altLang="en-US" sz="2000" dirty="0">
-                <a:solidFill>
-                  <a:srgbClr val="FF0000"/>
-                </a:solidFill>
-                <a:latin typeface="Open Sans" charset="0"/>
-                <a:ea typeface="Open Sans" charset="0"/>
-                <a:cs typeface="Open Sans" charset="0"/>
-              </a:rPr>
-              <a:t>B before return</a:t>
-            </a:r>
-            <a:r>
-              <a:rPr lang="en-US" altLang="zh-CN" sz="2000" dirty="0">
-                <a:solidFill>
-                  <a:srgbClr val="FF0000"/>
-                </a:solidFill>
-                <a:latin typeface="Open Sans" charset="0"/>
-                <a:ea typeface="Open Sans" charset="0"/>
-                <a:cs typeface="Open Sans" charset="0"/>
+              <a:t> at A, reaches B before return</a:t>
+            </a:r>
+            <a:r>
+              <a:rPr lang="en-US" altLang="zh-CN" sz="2000" dirty="0" smtClean="0">
+                <a:latin typeface="Open Sans" panose="020B0606030504020204" pitchFamily="34" charset="0"/>
+                <a:ea typeface="Open Sans" panose="020B0606030504020204" pitchFamily="34" charset="0"/>
+                <a:cs typeface="Open Sans" panose="020B0606030504020204" pitchFamily="34" charset="0"/>
               </a:rPr>
               <a:t>ing to</a:t>
             </a:r>
             <a:r>
-              <a:rPr lang="zh-CN" altLang="en-US" sz="2000" dirty="0">
-                <a:solidFill>
-                  <a:srgbClr val="FF0000"/>
-                </a:solidFill>
-                <a:latin typeface="Open Sans" charset="0"/>
+              <a:rPr lang="zh-CN" altLang="en-US" sz="2000" dirty="0" smtClean="0">
+                <a:latin typeface="Open Sans" panose="020B0606030504020204" pitchFamily="34" charset="0"/>
                 <a:ea typeface="Open Sans" charset="0"/>
-                <a:cs typeface="Open Sans" charset="0"/>
+                <a:cs typeface="Open Sans" panose="020B0606030504020204" pitchFamily="34" charset="0"/>
               </a:rPr>
               <a:t> </a:t>
             </a:r>
             <a:r>
-              <a:rPr lang="en-US" altLang="en-US" sz="2000" dirty="0">
-                <a:solidFill>
-                  <a:srgbClr val="FF0000"/>
-                </a:solidFill>
-                <a:latin typeface="Open Sans" charset="0"/>
-                <a:ea typeface="Open Sans" charset="0"/>
-                <a:cs typeface="Open Sans" charset="0"/>
+              <a:rPr lang="en-US" altLang="zh-CN" sz="2000" dirty="0" smtClean="0">
+                <a:latin typeface="Open Sans" panose="020B0606030504020204" pitchFamily="34" charset="0"/>
+                <a:ea typeface="Open Sans" panose="020B0606030504020204" pitchFamily="34" charset="0"/>
+                <a:cs typeface="Open Sans" panose="020B0606030504020204" pitchFamily="34" charset="0"/>
               </a:rPr>
-              <a:t>A)</a:t>
+              <a:t>A</a:t>
+            </a:r>
+            <a:r>
+              <a:rPr lang="en-US" altLang="en-US" sz="2000" dirty="0" smtClean="0">
+                <a:latin typeface="Open Sans" panose="020B0606030504020204" pitchFamily="34" charset="0"/>
+                <a:ea typeface="Open Sans" panose="020B0606030504020204" pitchFamily="34" charset="0"/>
+                <a:cs typeface="Open Sans" panose="020B0606030504020204" pitchFamily="34" charset="0"/>
+              </a:rPr>
+              <a:t>)</a:t>
             </a:r>
           </a:p>
           <a:p>
             <a:pPr lvl="1"/>
             <a:endParaRPr lang="en-US" altLang="en-US" sz="2400" dirty="0">
-              <a:latin typeface="Open Sans" charset="0"/>
-              <a:ea typeface="Open Sans" charset="0"/>
-              <a:cs typeface="Open Sans" charset="0"/>
+              <a:latin typeface="Open Sans" panose="020B0606030504020204" pitchFamily="34" charset="0"/>
+              <a:ea typeface="Open Sans" panose="020B0606030504020204" pitchFamily="34" charset="0"/>
+              <a:cs typeface="Open Sans" panose="020B0606030504020204" pitchFamily="34" charset="0"/>
             </a:endParaRPr>
-          </a:p>
-        </p:txBody>
-      </p:sp>
-      <p:sp>
-        <p:nvSpPr>
-          <p:cNvPr id="78858" name="Text Box 10"/>
-          <p:cNvSpPr txBox="1">
-            <a:spLocks noChangeArrowheads="1"/>
-          </p:cNvSpPr>
-          <p:nvPr/>
-        </p:nvSpPr>
-        <p:spPr bwMode="auto">
-          <a:xfrm>
-            <a:off x="2965588" y="5695890"/>
-            <a:ext cx="3892412" cy="400110"/>
-          </a:xfrm>
-          <a:prstGeom prst="rect">
-            <a:avLst/>
-          </a:prstGeom>
-          <a:noFill/>
-          <a:ln>
-            <a:noFill/>
-          </a:ln>
-          <a:effectLst/>
-          <a:extLst>
-            <a:ext uri="{909E8E84-426E-40DD-AFC4-6F175D3DCCD1}">
-              <a14:hiddenFill xmlns:a14="http://schemas.microsoft.com/office/drawing/2010/main">
-                <a:solidFill>
-                  <a:schemeClr val="accent1"/>
-                </a:solidFill>
-              </a14:hiddenFill>
-            </a:ext>
-            <a:ext uri="{91240B29-F687-4F45-9708-019B960494DF}">
-              <a14:hiddenLine xmlns:a14="http://schemas.microsoft.com/office/drawing/2010/main" w="9525">
-                <a:solidFill>
-                  <a:schemeClr val="tx1"/>
-                </a:solidFill>
-                <a:miter lim="800000"/>
-                <a:headEnd/>
-                <a:tailEnd/>
-              </a14:hiddenLine>
-            </a:ext>
-            <a:ext uri="{AF507438-7753-43E0-B8FC-AC1667EBCBE1}">
-              <a14:hiddenEffects xmlns:a14="http://schemas.microsoft.com/office/drawing/2010/main">
-                <a:effectLst>
-                  <a:outerShdw blurRad="63500" dist="38099" dir="2700000" algn="ctr" rotWithShape="0">
-                    <a:schemeClr val="bg2">
-                      <a:alpha val="74998"/>
-                    </a:schemeClr>
-                  </a:outerShdw>
-                </a:effectLst>
-              </a14:hiddenEffects>
-            </a:ext>
-          </a:extLst>
-        </p:spPr>
-        <p:txBody>
-          <a:bodyPr wrap="none">
-            <a:spAutoFit/>
-          </a:bodyPr>
-          <a:lstStyle/>
-          <a:p>
-            <a:r>
-              <a:rPr lang="en-US" altLang="en-US" sz="2000" dirty="0" err="1">
-                <a:solidFill>
-                  <a:srgbClr val="FF0000"/>
-                </a:solidFill>
-              </a:rPr>
-              <a:t>Esc_Prob</a:t>
-            </a:r>
-            <a:r>
-              <a:rPr lang="en-US" altLang="en-US" sz="2000" dirty="0">
-                <a:solidFill>
-                  <a:srgbClr val="FF0000"/>
-                </a:solidFill>
-              </a:rPr>
-              <a:t> = </a:t>
-            </a:r>
-            <a:r>
-              <a:rPr lang="en-US" altLang="en-US" sz="2000" dirty="0" err="1">
-                <a:solidFill>
-                  <a:srgbClr val="FF0000"/>
-                </a:solidFill>
-              </a:rPr>
-              <a:t>Pr</a:t>
-            </a:r>
-            <a:r>
-              <a:rPr lang="en-US" altLang="en-US" sz="2000" dirty="0">
-                <a:solidFill>
-                  <a:srgbClr val="FF0000"/>
-                </a:solidFill>
-              </a:rPr>
-              <a:t> (smile before cry)</a:t>
-            </a:r>
           </a:p>
         </p:txBody>
       </p:sp>
@@ -29309,7 +30125,7 @@
         </p:nvSpPr>
         <p:spPr bwMode="auto">
           <a:xfrm>
-            <a:off x="1447800" y="3657600"/>
+            <a:off x="1447800" y="3508375"/>
             <a:ext cx="609600" cy="609600"/>
           </a:xfrm>
           <a:prstGeom prst="ellipse">
@@ -29353,7 +30169,7 @@
         </p:nvSpPr>
         <p:spPr bwMode="auto">
           <a:xfrm>
-            <a:off x="3048000" y="2971800"/>
+            <a:off x="3048000" y="2822575"/>
             <a:ext cx="2971800" cy="1905000"/>
           </a:xfrm>
           <a:prstGeom prst="ellipse">
@@ -29404,7 +30220,7 @@
         </p:nvSpPr>
         <p:spPr bwMode="auto">
           <a:xfrm>
-            <a:off x="7010400" y="3657600"/>
+            <a:off x="7010400" y="3508375"/>
             <a:ext cx="533400" cy="533400"/>
           </a:xfrm>
           <a:prstGeom prst="ellipse">
@@ -29449,7 +30265,7 @@
         </p:nvCxnSpPr>
         <p:spPr bwMode="auto">
           <a:xfrm flipV="1">
-            <a:off x="2057400" y="3924300"/>
+            <a:off x="2057400" y="3775075"/>
             <a:ext cx="990600" cy="38100"/>
           </a:xfrm>
           <a:prstGeom prst="straightConnector1">
@@ -29495,7 +30311,7 @@
         </p:nvCxnSpPr>
         <p:spPr bwMode="auto">
           <a:xfrm flipV="1">
-            <a:off x="6019800" y="3886200"/>
+            <a:off x="6019800" y="3736975"/>
             <a:ext cx="990600" cy="38100"/>
           </a:xfrm>
           <a:prstGeom prst="straightConnector1">
@@ -29546,7 +30362,7 @@
         </p:nvCxnSpPr>
         <p:spPr bwMode="auto">
           <a:xfrm rot="5400000" flipH="1" flipV="1">
-            <a:off x="4476750" y="1466850"/>
+            <a:off x="4476750" y="1317625"/>
             <a:ext cx="76200" cy="5524500"/>
           </a:xfrm>
           <a:prstGeom prst="curvedConnector3">
@@ -29599,7 +30415,7 @@
         </p:nvCxnSpPr>
         <p:spPr bwMode="auto">
           <a:xfrm rot="16200000" flipH="1" flipV="1">
-            <a:off x="2800350" y="1924050"/>
+            <a:off x="2800350" y="1774825"/>
             <a:ext cx="685800" cy="2781300"/>
           </a:xfrm>
           <a:prstGeom prst="curvedConnector3">
@@ -29647,7 +30463,7 @@
         </p:nvSpPr>
         <p:spPr bwMode="auto">
           <a:xfrm>
-            <a:off x="685800" y="3810000"/>
+            <a:off x="685800" y="3660775"/>
             <a:ext cx="685800" cy="381000"/>
           </a:xfrm>
           <a:prstGeom prst="rightArrow">
@@ -29705,7 +30521,7 @@
         </p:nvSpPr>
         <p:spPr bwMode="auto">
           <a:xfrm>
-            <a:off x="3048000" y="3543300"/>
+            <a:off x="3048000" y="3394075"/>
             <a:ext cx="3048000" cy="838200"/>
           </a:xfrm>
           <a:custGeom>
@@ -29828,7 +30644,7 @@
         </p:nvSpPr>
         <p:spPr bwMode="auto">
           <a:xfrm>
-            <a:off x="3352800" y="3519487"/>
+            <a:off x="3352800" y="3370262"/>
             <a:ext cx="2443163" cy="946150"/>
           </a:xfrm>
           <a:prstGeom prst="rect">
@@ -29899,7 +30715,7 @@
         </p:nvSpPr>
         <p:spPr>
           <a:xfrm>
-            <a:off x="2514600" y="2511425"/>
+            <a:off x="2514600" y="2362200"/>
             <a:ext cx="685800" cy="533400"/>
           </a:xfrm>
           <a:prstGeom prst="mathMultiply">
@@ -29945,7 +30761,7 @@
         </p:nvSpPr>
         <p:spPr>
           <a:xfrm rot="19363044">
-            <a:off x="3962400" y="5257800"/>
+            <a:off x="6335446" y="4613275"/>
             <a:ext cx="571500" cy="228600"/>
           </a:xfrm>
           <a:prstGeom prst="corner">
@@ -29999,7 +30815,7 @@
         </p:nvSpPr>
         <p:spPr>
           <a:xfrm rot="19363044">
-            <a:off x="6259246" y="3731136"/>
+            <a:off x="6259246" y="3581911"/>
             <a:ext cx="571500" cy="228600"/>
           </a:xfrm>
           <a:prstGeom prst="corner">
@@ -30197,6 +31013,174 @@
               <a:ea typeface="Open Sans" panose="020B0606030504020204" pitchFamily="34" charset="0"/>
               <a:cs typeface="Open Sans" panose="020B0606030504020204" pitchFamily="34" charset="0"/>
             </a:endParaRPr>
+          </a:p>
+        </p:txBody>
+      </p:sp>
+      <p:pic>
+        <p:nvPicPr>
+          <p:cNvPr id="12" name="Picture 11"/>
+          <p:cNvPicPr>
+            <a:picLocks noChangeAspect="1"/>
+          </p:cNvPicPr>
+          <p:nvPr>
+            <p:custDataLst>
+              <p:tags r:id="rId2"/>
+            </p:custDataLst>
+          </p:nvPr>
+        </p:nvPicPr>
+        <p:blipFill>
+          <a:blip r:embed="rId6" cstate="print">
+            <a:extLst>
+              <a:ext uri="{28A0092B-C50C-407E-A947-70E740481C1C}">
+                <a14:useLocalDpi xmlns:a14="http://schemas.microsoft.com/office/drawing/2010/main" val="0"/>
+              </a:ext>
+            </a:extLst>
+          </a:blip>
+          <a:stretch>
+            <a:fillRect/>
+          </a:stretch>
+        </p:blipFill>
+        <p:spPr>
+          <a:xfrm>
+            <a:off x="2808848" y="1577371"/>
+            <a:ext cx="1206857" cy="251429"/>
+          </a:xfrm>
+          <a:prstGeom prst="rect">
+            <a:avLst/>
+          </a:prstGeom>
+        </p:spPr>
+      </p:pic>
+      <p:pic>
+        <p:nvPicPr>
+          <p:cNvPr id="18" name="Picture 17"/>
+          <p:cNvPicPr>
+            <a:picLocks noChangeAspect="1"/>
+          </p:cNvPicPr>
+          <p:nvPr>
+            <p:custDataLst>
+              <p:tags r:id="rId3"/>
+            </p:custDataLst>
+          </p:nvPr>
+        </p:nvPicPr>
+        <p:blipFill>
+          <a:blip r:embed="rId7" cstate="print">
+            <a:extLst>
+              <a:ext uri="{28A0092B-C50C-407E-A947-70E740481C1C}">
+                <a14:useLocalDpi xmlns:a14="http://schemas.microsoft.com/office/drawing/2010/main" val="0"/>
+              </a:ext>
+            </a:extLst>
+          </a:blip>
+          <a:stretch>
+            <a:fillRect/>
+          </a:stretch>
+        </p:blipFill>
+        <p:spPr>
+          <a:xfrm>
+            <a:off x="2102183" y="5692171"/>
+            <a:ext cx="4734475" cy="304762"/>
+          </a:xfrm>
+          <a:prstGeom prst="rect">
+            <a:avLst/>
+          </a:prstGeom>
+        </p:spPr>
+      </p:pic>
+      <p:sp>
+        <p:nvSpPr>
+          <p:cNvPr id="35" name="L-Shape 34"/>
+          <p:cNvSpPr/>
+          <p:nvPr/>
+        </p:nvSpPr>
+        <p:spPr>
+          <a:xfrm rot="19363044">
+            <a:off x="4347586" y="5679764"/>
+            <a:ext cx="448830" cy="165227"/>
+          </a:xfrm>
+          <a:prstGeom prst="corner">
+            <a:avLst/>
+          </a:prstGeom>
+          <a:solidFill>
+            <a:schemeClr val="tx2">
+              <a:lumMod val="60000"/>
+              <a:lumOff val="40000"/>
+            </a:schemeClr>
+          </a:solidFill>
+          <a:ln>
+            <a:solidFill>
+              <a:schemeClr val="tx2">
+                <a:lumMod val="60000"/>
+                <a:lumOff val="40000"/>
+              </a:schemeClr>
+            </a:solidFill>
+          </a:ln>
+        </p:spPr>
+        <p:style>
+          <a:lnRef idx="2">
+            <a:schemeClr val="accent1">
+              <a:shade val="50000"/>
+            </a:schemeClr>
+          </a:lnRef>
+          <a:fillRef idx="1">
+            <a:schemeClr val="accent1"/>
+          </a:fillRef>
+          <a:effectRef idx="0">
+            <a:schemeClr val="accent1"/>
+          </a:effectRef>
+          <a:fontRef idx="minor">
+            <a:schemeClr val="lt1"/>
+          </a:fontRef>
+        </p:style>
+        <p:txBody>
+          <a:bodyPr rtlCol="0" anchor="ctr"/>
+          <a:lstStyle/>
+          <a:p>
+            <a:pPr algn="ctr"/>
+            <a:endParaRPr lang="en-US"/>
+          </a:p>
+        </p:txBody>
+      </p:sp>
+      <p:sp>
+        <p:nvSpPr>
+          <p:cNvPr id="37" name="Multiply 36"/>
+          <p:cNvSpPr/>
+          <p:nvPr/>
+        </p:nvSpPr>
+        <p:spPr>
+          <a:xfrm>
+            <a:off x="6229351" y="5562600"/>
+            <a:ext cx="552449" cy="457200"/>
+          </a:xfrm>
+          <a:prstGeom prst="mathMultiply">
+            <a:avLst/>
+          </a:prstGeom>
+          <a:solidFill>
+            <a:srgbClr val="FF0000"/>
+          </a:solidFill>
+          <a:ln>
+            <a:solidFill>
+              <a:srgbClr val="FF0000"/>
+            </a:solidFill>
+          </a:ln>
+        </p:spPr>
+        <p:style>
+          <a:lnRef idx="2">
+            <a:schemeClr val="accent6"/>
+          </a:lnRef>
+          <a:fillRef idx="1">
+            <a:schemeClr val="lt1"/>
+          </a:fillRef>
+          <a:effectRef idx="0">
+            <a:schemeClr val="accent6"/>
+          </a:effectRef>
+          <a:fontRef idx="minor">
+            <a:schemeClr val="dk1"/>
+          </a:fontRef>
+        </p:style>
+        <p:txBody>
+          <a:bodyPr rtlCol="0" anchor="ctr"/>
+          <a:lstStyle/>
+          <a:p>
+            <a:pPr algn="ctr"/>
+            <a:endParaRPr lang="en-US"/>
           </a:p>
         </p:txBody>
       </p:sp>
@@ -30562,12 +31546,12 @@
           <a:graphicData uri="http://schemas.openxmlformats.org/presentationml/2006/ole">
             <mc:AlternateContent xmlns:mc="http://schemas.openxmlformats.org/markup-compatibility/2006">
               <mc:Choice xmlns:v="urn:schemas-microsoft-com:vml" Requires="v">
-                <p:oleObj spid="_x0000_s8596" name="Visio" r:id="rId5" imgW="5289194" imgH="2914802" progId="Visio.Drawing.11">
+                <p:oleObj spid="_x0000_s8723" name="Visio" r:id="rId6" imgW="5289194" imgH="2914802" progId="Visio.Drawing.11">
                   <p:embed/>
                 </p:oleObj>
               </mc:Choice>
               <mc:Fallback>
-                <p:oleObj name="Visio" r:id="rId5" imgW="5289194" imgH="2914802" progId="Visio.Drawing.11">
+                <p:oleObj name="Visio" r:id="rId6" imgW="5289194" imgH="2914802" progId="Visio.Drawing.11">
                   <p:embed/>
                   <p:pic>
                     <p:nvPicPr>
@@ -30578,7 +31562,7 @@
                       <p:nvPr/>
                     </p:nvPicPr>
                     <p:blipFill>
-                      <a:blip r:embed="rId6">
+                      <a:blip r:embed="rId7">
                         <a:extLst>
                           <a:ext uri="{28A0092B-C50C-407E-A947-70E740481C1C}">
                             <a14:useLocalDpi xmlns:a14="http://schemas.microsoft.com/office/drawing/2010/main" val="0"/>
@@ -30641,136 +31625,40 @@
           </a:graphicData>
         </a:graphic>
       </p:graphicFrame>
-      <p:sp>
-        <p:nvSpPr>
-          <p:cNvPr id="5" name="Rectangle 18"/>
-          <p:cNvSpPr>
-            <a:spLocks noChangeArrowheads="1"/>
-          </p:cNvSpPr>
-          <p:nvPr/>
-        </p:nvSpPr>
-        <p:spPr bwMode="auto">
+      <p:pic>
+        <p:nvPicPr>
+          <p:cNvPr id="7" name="Picture 6"/>
+          <p:cNvPicPr>
+            <a:picLocks noChangeAspect="1"/>
+          </p:cNvPicPr>
+          <p:nvPr>
+            <p:custDataLst>
+              <p:tags r:id="rId3"/>
+            </p:custDataLst>
+          </p:nvPr>
+        </p:nvPicPr>
+        <p:blipFill>
+          <a:blip r:embed="rId8" cstate="print">
+            <a:extLst>
+              <a:ext uri="{28A0092B-C50C-407E-A947-70E740481C1C}">
+                <a14:useLocalDpi xmlns:a14="http://schemas.microsoft.com/office/drawing/2010/main" val="0"/>
+              </a:ext>
+            </a:extLst>
+          </a:blip>
+          <a:stretch>
+            <a:fillRect/>
+          </a:stretch>
+        </p:blipFill>
+        <p:spPr>
           <a:xfrm>
-            <a:off x="457200" y="5454650"/>
-            <a:ext cx="8382000" cy="946150"/>
+            <a:off x="1655533" y="5591601"/>
+            <a:ext cx="6193067" cy="351999"/>
           </a:xfrm>
           <a:prstGeom prst="rect">
             <a:avLst/>
           </a:prstGeom>
-          <a:noFill/>
-          <a:ln>
-            <a:noFill/>
-          </a:ln>
-          <a:effectLst/>
-          <a:extLst>
-            <a:ext uri="{909E8E84-426E-40DD-AFC4-6F175D3DCCD1}">
-              <a14:hiddenFill xmlns:a14="http://schemas.microsoft.com/office/drawing/2010/main">
-                <a:solidFill>
-                  <a:schemeClr val="accent1"/>
-                </a:solidFill>
-              </a14:hiddenFill>
-            </a:ext>
-            <a:ext uri="{91240B29-F687-4F45-9708-019B960494DF}">
-              <a14:hiddenLine xmlns:a14="http://schemas.microsoft.com/office/drawing/2010/main" w="9525">
-                <a:solidFill>
-                  <a:schemeClr val="tx1"/>
-                </a:solidFill>
-                <a:miter lim="800000"/>
-                <a:headEnd/>
-                <a:tailEnd/>
-              </a14:hiddenLine>
-            </a:ext>
-            <a:ext uri="{AF507438-7753-43E0-B8FC-AC1667EBCBE1}">
-              <a14:hiddenEffects xmlns:a14="http://schemas.microsoft.com/office/drawing/2010/main">
-                <a:effectLst>
-                  <a:outerShdw blurRad="63500" dist="38099" dir="2700000" algn="ctr" rotWithShape="0">
-                    <a:schemeClr val="bg2">
-                      <a:alpha val="74998"/>
-                    </a:schemeClr>
-                  </a:outerShdw>
-                </a:effectLst>
-              </a14:hiddenEffects>
-            </a:ext>
-          </a:extLst>
         </p:spPr>
-        <p:txBody>
-          <a:bodyPr>
-            <a:spAutoFit/>
-          </a:bodyPr>
-          <a:lstStyle/>
-          <a:p>
-            <a:pPr algn="ctr" eaLnBrk="0" hangingPunct="0"/>
-            <a:r>
-              <a:rPr lang="en-US" altLang="en-US" sz="2800" dirty="0" err="1">
-                <a:solidFill>
-                  <a:srgbClr val="FF0000"/>
-                </a:solidFill>
-                <a:latin typeface="Verdana" charset="0"/>
-              </a:rPr>
-              <a:t>Esc_Prob</a:t>
-            </a:r>
-            <a:r>
-              <a:rPr lang="en-US" altLang="zh-CN" sz="2800" dirty="0">
-                <a:solidFill>
-                  <a:srgbClr val="FF0000"/>
-                </a:solidFill>
-                <a:latin typeface="Verdana" charset="0"/>
-                <a:ea typeface="宋体" charset="0"/>
-              </a:rPr>
-              <a:t>(a-&gt;b)=1 </a:t>
-            </a:r>
-            <a:r>
-              <a:rPr lang="en-US" altLang="zh-CN" sz="2800" b="1" dirty="0">
-                <a:solidFill>
-                  <a:schemeClr val="tx2">
-                    <a:lumMod val="60000"/>
-                    <a:lumOff val="40000"/>
-                  </a:schemeClr>
-                </a:solidFill>
-                <a:latin typeface="Verdana" charset="0"/>
-                <a:ea typeface="宋体" charset="0"/>
-              </a:rPr>
-              <a:t>&gt;</a:t>
-            </a:r>
-            <a:r>
-              <a:rPr lang="en-US" altLang="zh-CN" sz="2800" b="1" dirty="0">
-                <a:solidFill>
-                  <a:srgbClr val="FF0000"/>
-                </a:solidFill>
-                <a:latin typeface="Verdana" charset="0"/>
-                <a:ea typeface="宋体" charset="0"/>
-              </a:rPr>
-              <a:t> </a:t>
-            </a:r>
-            <a:r>
-              <a:rPr lang="en-US" altLang="en-US" sz="2800" dirty="0" err="1">
-                <a:solidFill>
-                  <a:srgbClr val="FF0000"/>
-                </a:solidFill>
-                <a:latin typeface="Verdana" charset="0"/>
-              </a:rPr>
-              <a:t>Esc_Prob</a:t>
-            </a:r>
-            <a:r>
-              <a:rPr lang="en-US" altLang="zh-CN" sz="2800" dirty="0">
-                <a:solidFill>
-                  <a:srgbClr val="FF0000"/>
-                </a:solidFill>
-                <a:latin typeface="Verdana" charset="0"/>
-                <a:ea typeface="宋体" charset="0"/>
-              </a:rPr>
-              <a:t>(b-&gt;a)=0.5</a:t>
-            </a:r>
-          </a:p>
-          <a:p>
-            <a:pPr eaLnBrk="0" hangingPunct="0"/>
-            <a:endParaRPr lang="en-US" altLang="zh-CN" sz="2800" dirty="0">
-              <a:latin typeface="Verdana" charset="0"/>
-              <a:ea typeface="宋体" charset="0"/>
-            </a:endParaRPr>
-          </a:p>
-        </p:txBody>
-      </p:sp>
+      </p:pic>
     </p:spTree>
     <p:custDataLst>
       <p:tags r:id="rId2"/>
@@ -30803,43 +31691,134 @@
 
 <file path=ppt/tags/tag10.xml><?xml version="1.0" encoding="utf-8"?>
 <p:tagLst xmlns:a="http://schemas.openxmlformats.org/drawingml/2006/main" xmlns:r="http://schemas.openxmlformats.org/officeDocument/2006/relationships" xmlns:p="http://schemas.openxmlformats.org/presentationml/2006/main">
-  <p:tag name="TIMING" val="|23.6"/>
+  <p:tag name="OUTPUTDPI" val="1200"/>
+  <p:tag name="ORIGINALHEIGHT" val="123.7346"/>
+  <p:tag name="ORIGINALWIDTH" val="305.9617"/>
+  <p:tag name="LATEXADDIN" val="\documentclass{article}&#10;\usepackage{amsmath}&#10;\pagestyle{empty}&#10;\begin{document}&#10;&#10;$h(i,j)$&#10;&#10;&#10;\end{document}"/>
+  <p:tag name="IGUANATEXSIZE" val="24"/>
+  <p:tag name="IGUANATEXCURSOR" val="89"/>
+  <p:tag name="TRANSPARENCY" val="True"/>
+  <p:tag name="FILENAME" val=""/>
+  <p:tag name="LATEXENGINEID" val="0"/>
+  <p:tag name="TEMPFOLDER" val="c:\temp\"/>
+  <p:tag name="LATEXFORMHEIGHT" val="312"/>
+  <p:tag name="LATEXFORMWIDTH" val="384"/>
+  <p:tag name="LATEXFORMWRAP" val="True"/>
+  <p:tag name="BITMAPVECTOR" val="0"/>
 </p:tagLst>
 </file>
 
 <file path=ppt/tags/tag11.xml><?xml version="1.0" encoding="utf-8"?>
 <p:tagLst xmlns:a="http://schemas.openxmlformats.org/drawingml/2006/main" xmlns:r="http://schemas.openxmlformats.org/officeDocument/2006/relationships" xmlns:p="http://schemas.openxmlformats.org/presentationml/2006/main">
-  <p:tag name="TIMING" val="|14.6"/>
+  <p:tag name="OUTPUTDPI" val="1200"/>
+  <p:tag name="ORIGINALHEIGHT" val="107.2366"/>
+  <p:tag name="ORIGINALWIDTH" val="359.2051"/>
+  <p:tag name="LATEXADDIN" val="\documentclass{article}&#10;\usepackage{amsmath}&#10;\pagestyle{empty}&#10;\begin{document}&#10;&#10;$i \longrightarrow j$&#10;&#10;&#10;\end{document}"/>
+  <p:tag name="IGUANATEXSIZE" val="20"/>
+  <p:tag name="IGUANATEXCURSOR" val="86"/>
+  <p:tag name="TRANSPARENCY" val="True"/>
+  <p:tag name="FILENAME" val=""/>
+  <p:tag name="LATEXENGINEID" val="0"/>
+  <p:tag name="TEMPFOLDER" val="c:\temp\"/>
+  <p:tag name="LATEXFORMHEIGHT" val="312"/>
+  <p:tag name="LATEXFORMWIDTH" val="384"/>
+  <p:tag name="LATEXFORMWRAP" val="True"/>
+  <p:tag name="BITMAPVECTOR" val="0"/>
 </p:tagLst>
 </file>
 
 <file path=ppt/tags/tag12.xml><?xml version="1.0" encoding="utf-8"?>
 <p:tagLst xmlns:a="http://schemas.openxmlformats.org/drawingml/2006/main" xmlns:r="http://schemas.openxmlformats.org/officeDocument/2006/relationships" xmlns:p="http://schemas.openxmlformats.org/presentationml/2006/main">
-  <p:tag name="TIMING" val="|3.2"/>
+  <p:tag name="OUTPUTDPI" val="1200"/>
+  <p:tag name="ORIGINALHEIGHT" val="107.2366"/>
+  <p:tag name="ORIGINALWIDTH" val="674.9156"/>
+  <p:tag name="LATEXADDIN" val="\documentclass{article}&#10;\usepackage{amsmath}&#10;\pagestyle{empty}&#10;\begin{document}&#10;&#10;$i \longrightarrow j \longrightarrow i$&#10;&#10;&#10;\end{document}"/>
+  <p:tag name="IGUANATEXSIZE" val="20"/>
+  <p:tag name="IGUANATEXCURSOR" val="120"/>
+  <p:tag name="TRANSPARENCY" val="True"/>
+  <p:tag name="FILENAME" val=""/>
+  <p:tag name="LATEXENGINEID" val="0"/>
+  <p:tag name="TEMPFOLDER" val="c:\temp\"/>
+  <p:tag name="LATEXFORMHEIGHT" val="312"/>
+  <p:tag name="LATEXFORMWIDTH" val="384"/>
+  <p:tag name="LATEXFORMWRAP" val="True"/>
+  <p:tag name="BITMAPVECTOR" val="0"/>
 </p:tagLst>
 </file>
 
 <file path=ppt/tags/tag13.xml><?xml version="1.0" encoding="utf-8"?>
 <p:tagLst xmlns:a="http://schemas.openxmlformats.org/drawingml/2006/main" xmlns:r="http://schemas.openxmlformats.org/officeDocument/2006/relationships" xmlns:p="http://schemas.openxmlformats.org/presentationml/2006/main">
-  <p:tag name="TIMING" val="|14.6"/>
+  <p:tag name="OUTPUTDPI" val="1200"/>
+  <p:tag name="ORIGINALHEIGHT" val="123.7346"/>
+  <p:tag name="ORIGINALWIDTH" val="1251.594"/>
+  <p:tag name="LATEXADDIN" val="\documentclass{article}&#10;\usepackage{amsmath}&#10;\pagestyle{empty}&#10;\begin{document}&#10;&#10;$c(i,j) = h(i,j) + h(j,i)$&#10;&#10;&#10;\end{document}"/>
+  <p:tag name="IGUANATEXSIZE" val="24"/>
+  <p:tag name="IGUANATEXCURSOR" val="106"/>
+  <p:tag name="TRANSPARENCY" val="True"/>
+  <p:tag name="FILENAME" val=""/>
+  <p:tag name="LATEXENGINEID" val="0"/>
+  <p:tag name="TEMPFOLDER" val="c:\temp\"/>
+  <p:tag name="LATEXFORMHEIGHT" val="312"/>
+  <p:tag name="LATEXFORMWIDTH" val="384"/>
+  <p:tag name="LATEXFORMWRAP" val="True"/>
+  <p:tag name="BITMAPVECTOR" val="0"/>
 </p:tagLst>
 </file>
 
 <file path=ppt/tags/tag14.xml><?xml version="1.0" encoding="utf-8"?>
 <p:tagLst xmlns:a="http://schemas.openxmlformats.org/drawingml/2006/main" xmlns:r="http://schemas.openxmlformats.org/officeDocument/2006/relationships" xmlns:p="http://schemas.openxmlformats.org/presentationml/2006/main">
-  <p:tag name="TIMING" val="|14.6"/>
+  <p:tag name="OUTPUTDPI" val="1200"/>
+  <p:tag name="ORIGINALHEIGHT" val="123.7346"/>
+  <p:tag name="ORIGINALWIDTH" val="305.9617"/>
+  <p:tag name="LATEXADDIN" val="\documentclass{article}&#10;\usepackage{amsmath}&#10;\pagestyle{empty}&#10;\begin{document}&#10;&#10;$h(i,j)$&#10;&#10;&#10;\end{document}"/>
+  <p:tag name="IGUANATEXSIZE" val="20"/>
+  <p:tag name="IGUANATEXCURSOR" val="89"/>
+  <p:tag name="TRANSPARENCY" val="True"/>
+  <p:tag name="FILENAME" val=""/>
+  <p:tag name="LATEXENGINEID" val="0"/>
+  <p:tag name="TEMPFOLDER" val="c:\temp\"/>
+  <p:tag name="LATEXFORMHEIGHT" val="312"/>
+  <p:tag name="LATEXFORMWIDTH" val="384"/>
+  <p:tag name="LATEXFORMWRAP" val="True"/>
+  <p:tag name="BITMAPVECTOR" val="0"/>
 </p:tagLst>
 </file>
 
 <file path=ppt/tags/tag15.xml><?xml version="1.0" encoding="utf-8"?>
 <p:tagLst xmlns:a="http://schemas.openxmlformats.org/drawingml/2006/main" xmlns:r="http://schemas.openxmlformats.org/officeDocument/2006/relationships" xmlns:p="http://schemas.openxmlformats.org/presentationml/2006/main">
-  <p:tag name="TIMING" val="|14.6"/>
+  <p:tag name="OUTPUTDPI" val="1200"/>
+  <p:tag name="ORIGINALHEIGHT" val="107.2366"/>
+  <p:tag name="ORIGINALWIDTH" val="51.74354"/>
+  <p:tag name="LATEXADDIN" val="\documentclass{article}&#10;\usepackage{amsmath}&#10;\pagestyle{empty}&#10;\begin{document}&#10;&#10;$j$&#10;&#10;&#10;\end{document}"/>
+  <p:tag name="IGUANATEXSIZE" val="20"/>
+  <p:tag name="IGUANATEXCURSOR" val="84"/>
+  <p:tag name="TRANSPARENCY" val="True"/>
+  <p:tag name="FILENAME" val=""/>
+  <p:tag name="LATEXENGINEID" val="0"/>
+  <p:tag name="TEMPFOLDER" val="c:\temp\"/>
+  <p:tag name="LATEXFORMHEIGHT" val="312"/>
+  <p:tag name="LATEXFORMWIDTH" val="384"/>
+  <p:tag name="LATEXFORMWRAP" val="True"/>
+  <p:tag name="BITMAPVECTOR" val="0"/>
 </p:tagLst>
 </file>
 
 <file path=ppt/tags/tag16.xml><?xml version="1.0" encoding="utf-8"?>
 <p:tagLst xmlns:a="http://schemas.openxmlformats.org/drawingml/2006/main" xmlns:r="http://schemas.openxmlformats.org/officeDocument/2006/relationships" xmlns:p="http://schemas.openxmlformats.org/presentationml/2006/main">
-  <p:tag name="TIMING" val="|14.6"/>
+  <p:tag name="OUTPUTDPI" val="1200"/>
+  <p:tag name="ORIGINALHEIGHT" val="92.2385"/>
+  <p:tag name="ORIGINALWIDTH" val="119.2351"/>
+  <p:tag name="LATEXADDIN" val="\documentclass{article}&#10;\usepackage{amsmath}&#10;\pagestyle{empty}&#10;\usepackage{bm}&#10;\begin{document}&#10;&#10;$\bm{\pi}_j$&#10;&#10;&#10;\end{document}"/>
+  <p:tag name="IGUANATEXSIZE" val="20"/>
+  <p:tag name="IGUANATEXCURSOR" val="78"/>
+  <p:tag name="TRANSPARENCY" val="True"/>
+  <p:tag name="FILENAME" val=""/>
+  <p:tag name="LATEXENGINEID" val="0"/>
+  <p:tag name="TEMPFOLDER" val="c:\temp\"/>
+  <p:tag name="LATEXFORMHEIGHT" val="312"/>
+  <p:tag name="LATEXFORMWIDTH" val="384"/>
+  <p:tag name="LATEXFORMWRAP" val="True"/>
+  <p:tag name="BITMAPVECTOR" val="0"/>
 </p:tagLst>
 </file>
 
@@ -30851,13 +31830,26 @@
 
 <file path=ppt/tags/tag18.xml><?xml version="1.0" encoding="utf-8"?>
 <p:tagLst xmlns:a="http://schemas.openxmlformats.org/drawingml/2006/main" xmlns:r="http://schemas.openxmlformats.org/officeDocument/2006/relationships" xmlns:p="http://schemas.openxmlformats.org/presentationml/2006/main">
-  <p:tag name="TIMING" val="|34.9"/>
+  <p:tag name="OUTPUTDPI" val="1200"/>
+  <p:tag name="ORIGINALHEIGHT" val="83.98952"/>
+  <p:tag name="ORIGINALWIDTH" val="85.48929"/>
+  <p:tag name="LATEXADDIN" val="\documentclass{article}&#10;\usepackage{amsmath}&#10;\pagestyle{empty}&#10;\begin{document}&#10;&#10;$T$&#10;&#10;&#10;\end{document}"/>
+  <p:tag name="IGUANATEXSIZE" val="20"/>
+  <p:tag name="IGUANATEXCURSOR" val="84"/>
+  <p:tag name="TRANSPARENCY" val="True"/>
+  <p:tag name="FILENAME" val=""/>
+  <p:tag name="LATEXENGINEID" val="0"/>
+  <p:tag name="TEMPFOLDER" val="c:\temp\"/>
+  <p:tag name="LATEXFORMHEIGHT" val="312"/>
+  <p:tag name="LATEXFORMWIDTH" val="384"/>
+  <p:tag name="LATEXFORMWRAP" val="True"/>
+  <p:tag name="BITMAPVECTOR" val="0"/>
 </p:tagLst>
 </file>
 
 <file path=ppt/tags/tag19.xml><?xml version="1.0" encoding="utf-8"?>
 <p:tagLst xmlns:a="http://schemas.openxmlformats.org/drawingml/2006/main" xmlns:r="http://schemas.openxmlformats.org/officeDocument/2006/relationships" xmlns:p="http://schemas.openxmlformats.org/presentationml/2006/main">
-  <p:tag name="TIMING" val="|36.8|20.5"/>
+  <p:tag name="TIMING" val="|23.6"/>
 </p:tagLst>
 </file>
 
@@ -30869,6 +31861,151 @@
 
 <file path=ppt/tags/tag20.xml><?xml version="1.0" encoding="utf-8"?>
 <p:tagLst xmlns:a="http://schemas.openxmlformats.org/drawingml/2006/main" xmlns:r="http://schemas.openxmlformats.org/officeDocument/2006/relationships" xmlns:p="http://schemas.openxmlformats.org/presentationml/2006/main">
+  <p:tag name="OUTPUTDPI" val="1200"/>
+  <p:tag name="ORIGINALHEIGHT" val="123.7346"/>
+  <p:tag name="ORIGINALWIDTH" val="593.9257"/>
+  <p:tag name="LATEXADDIN" val="\documentclass{article}&#10;\usepackage{amsmath}&#10;\pagestyle{empty}&#10;\begin{document}&#10;&#10;$\mathrm{ep}(A \rightarrow B)$&#10;&#10;&#10;\end{document}"/>
+  <p:tag name="IGUANATEXSIZE" val="20"/>
+  <p:tag name="IGUANATEXCURSOR" val="108"/>
+  <p:tag name="TRANSPARENCY" val="True"/>
+  <p:tag name="FILENAME" val=""/>
+  <p:tag name="LATEXENGINEID" val="0"/>
+  <p:tag name="TEMPFOLDER" val="c:\temp\"/>
+  <p:tag name="LATEXFORMHEIGHT" val="312"/>
+  <p:tag name="LATEXFORMWIDTH" val="384"/>
+  <p:tag name="LATEXFORMWRAP" val="True"/>
+  <p:tag name="BITMAPVECTOR" val="0"/>
+</p:tagLst>
+</file>
+
+<file path=ppt/tags/tag21.xml><?xml version="1.0" encoding="utf-8"?>
+<p:tagLst xmlns:a="http://schemas.openxmlformats.org/drawingml/2006/main" xmlns:r="http://schemas.openxmlformats.org/officeDocument/2006/relationships" xmlns:p="http://schemas.openxmlformats.org/presentationml/2006/main">
+  <p:tag name="OUTPUTDPI" val="1200"/>
+  <p:tag name="ORIGINALHEIGHT" val="149.9813"/>
+  <p:tag name="ORIGINALWIDTH" val="2329.959"/>
+  <p:tag name="LATEXADDIN" val="\documentclass{article}&#10;\usepackage{amsmath}&#10;\pagestyle{empty}&#10;\begin{document}&#10;&#10;$\mathrm{ep}(A \rightarrow B) = \mathrm{Prob} \big( \quad\quad \mathrm{comes\ before} \quad\quad \big)$&#10;&#10;&#10;\end{document}"/>
+  <p:tag name="IGUANATEXSIZE" val="20"/>
+  <p:tag name="IGUANATEXCURSOR" val="182"/>
+  <p:tag name="TRANSPARENCY" val="True"/>
+  <p:tag name="FILENAME" val=""/>
+  <p:tag name="LATEXENGINEID" val="0"/>
+  <p:tag name="TEMPFOLDER" val="c:\temp\"/>
+  <p:tag name="LATEXFORMHEIGHT" val="312"/>
+  <p:tag name="LATEXFORMWIDTH" val="384"/>
+  <p:tag name="LATEXFORMWRAP" val="True"/>
+  <p:tag name="BITMAPVECTOR" val="0"/>
+</p:tagLst>
+</file>
+
+<file path=ppt/tags/tag22.xml><?xml version="1.0" encoding="utf-8"?>
+<p:tagLst xmlns:a="http://schemas.openxmlformats.org/drawingml/2006/main" xmlns:r="http://schemas.openxmlformats.org/officeDocument/2006/relationships" xmlns:p="http://schemas.openxmlformats.org/presentationml/2006/main">
+  <p:tag name="TIMING" val="|14.6"/>
+</p:tagLst>
+</file>
+
+<file path=ppt/tags/tag23.xml><?xml version="1.0" encoding="utf-8"?>
+<p:tagLst xmlns:a="http://schemas.openxmlformats.org/drawingml/2006/main" xmlns:r="http://schemas.openxmlformats.org/officeDocument/2006/relationships" xmlns:p="http://schemas.openxmlformats.org/presentationml/2006/main">
+  <p:tag name="OUTPUTDPI" val="1200"/>
+  <p:tag name="ORIGINALHEIGHT" val="123.7346"/>
+  <p:tag name="ORIGINALWIDTH" val="2176.978"/>
+  <p:tag name="LATEXADDIN" val="\documentclass{article}&#10;\usepackage{amsmath}&#10;\pagestyle{empty}&#10;\begin{document}&#10;&#10;$\mathrm{ep}(A \rightarrow B) = 1 \quad &gt; \quad \mathrm{ep}(B \rightarrow A) = 0.5$&#10;&#10;&#10;\end{document}"/>
+  <p:tag name="IGUANATEXSIZE" val="28"/>
+  <p:tag name="IGUANATEXCURSOR" val="121"/>
+  <p:tag name="TRANSPARENCY" val="True"/>
+  <p:tag name="FILENAME" val=""/>
+  <p:tag name="LATEXENGINEID" val="0"/>
+  <p:tag name="TEMPFOLDER" val="c:\temp\"/>
+  <p:tag name="LATEXFORMHEIGHT" val="312"/>
+  <p:tag name="LATEXFORMWIDTH" val="384"/>
+  <p:tag name="LATEXFORMWRAP" val="True"/>
+  <p:tag name="BITMAPVECTOR" val="0"/>
+</p:tagLst>
+</file>
+
+<file path=ppt/tags/tag24.xml><?xml version="1.0" encoding="utf-8"?>
+<p:tagLst xmlns:a="http://schemas.openxmlformats.org/drawingml/2006/main" xmlns:r="http://schemas.openxmlformats.org/officeDocument/2006/relationships" xmlns:p="http://schemas.openxmlformats.org/presentationml/2006/main">
+  <p:tag name="TIMING" val="|3.2"/>
+</p:tagLst>
+</file>
+
+<file path=ppt/tags/tag25.xml><?xml version="1.0" encoding="utf-8"?>
+<p:tagLst xmlns:a="http://schemas.openxmlformats.org/drawingml/2006/main" xmlns:r="http://schemas.openxmlformats.org/officeDocument/2006/relationships" xmlns:p="http://schemas.openxmlformats.org/presentationml/2006/main">
+  <p:tag name="OUTPUTDPI" val="1200"/>
+  <p:tag name="ORIGINALHEIGHT" val="123.7346"/>
+  <p:tag name="ORIGINALWIDTH" val="824.8969"/>
+  <p:tag name="LATEXADDIN" val="\documentclass{article}&#10;\usepackage{amsmath}&#10;\pagestyle{empty}&#10;\begin{document}&#10;&#10;$\mathrm{ep}(A \rightarrow B) = 1$&#10;&#10;&#10;\end{document}"/>
+  <p:tag name="IGUANATEXSIZE" val="20"/>
+  <p:tag name="IGUANATEXCURSOR" val="115"/>
+  <p:tag name="TRANSPARENCY" val="True"/>
+  <p:tag name="FILENAME" val=""/>
+  <p:tag name="LATEXENGINEID" val="0"/>
+  <p:tag name="TEMPFOLDER" val="c:\temp\"/>
+  <p:tag name="LATEXFORMHEIGHT" val="312"/>
+  <p:tag name="LATEXFORMWIDTH" val="384"/>
+  <p:tag name="LATEXFORMWRAP" val="True"/>
+  <p:tag name="BITMAPVECTOR" val="0"/>
+</p:tagLst>
+</file>
+
+<file path=ppt/tags/tag26.xml><?xml version="1.0" encoding="utf-8"?>
+<p:tagLst xmlns:a="http://schemas.openxmlformats.org/drawingml/2006/main" xmlns:r="http://schemas.openxmlformats.org/officeDocument/2006/relationships" xmlns:p="http://schemas.openxmlformats.org/presentationml/2006/main">
+  <p:tag name="OUTPUTDPI" val="1200"/>
+  <p:tag name="ORIGINALHEIGHT" val="123.7346"/>
+  <p:tag name="ORIGINALWIDTH" val="824.8969"/>
+  <p:tag name="LATEXADDIN" val="\documentclass{article}&#10;\usepackage{amsmath}&#10;\pagestyle{empty}&#10;\begin{document}&#10;&#10;$\mathrm{ep}(A \rightarrow B) = 1$&#10;&#10;&#10;\end{document}"/>
+  <p:tag name="IGUANATEXSIZE" val="20"/>
+  <p:tag name="IGUANATEXCURSOR" val="115"/>
+  <p:tag name="TRANSPARENCY" val="True"/>
+  <p:tag name="FILENAME" val=""/>
+  <p:tag name="LATEXENGINEID" val="0"/>
+  <p:tag name="TEMPFOLDER" val="c:\temp\"/>
+  <p:tag name="LATEXFORMHEIGHT" val="312"/>
+  <p:tag name="LATEXFORMWIDTH" val="384"/>
+  <p:tag name="LATEXFORMWRAP" val="True"/>
+  <p:tag name="BITMAPVECTOR" val="0"/>
+</p:tagLst>
+</file>
+
+<file path=ppt/tags/tag27.xml><?xml version="1.0" encoding="utf-8"?>
+<p:tagLst xmlns:a="http://schemas.openxmlformats.org/drawingml/2006/main" xmlns:r="http://schemas.openxmlformats.org/officeDocument/2006/relationships" xmlns:p="http://schemas.openxmlformats.org/presentationml/2006/main">
+  <p:tag name="OUTPUTDPI" val="1200"/>
+  <p:tag name="ORIGINALHEIGHT" val="123.7346"/>
+  <p:tag name="ORIGINALWIDTH" val="983.877"/>
+  <p:tag name="LATEXADDIN" val="\documentclass{article}&#10;\usepackage{amsmath}&#10;\pagestyle{empty}&#10;\begin{document}&#10;&#10;$\mathrm{ep}(A \rightarrow B) = 0.91$&#10;&#10;&#10;\end{document}"/>
+  <p:tag name="IGUANATEXSIZE" val="20"/>
+  <p:tag name="IGUANATEXCURSOR" val="117"/>
+  <p:tag name="TRANSPARENCY" val="True"/>
+  <p:tag name="FILENAME" val=""/>
+  <p:tag name="LATEXENGINEID" val="0"/>
+  <p:tag name="TEMPFOLDER" val="c:\temp\"/>
+  <p:tag name="LATEXFORMHEIGHT" val="312"/>
+  <p:tag name="LATEXFORMWIDTH" val="384"/>
+  <p:tag name="LATEXFORMWRAP" val="True"/>
+  <p:tag name="BITMAPVECTOR" val="0"/>
+</p:tagLst>
+</file>
+
+<file path=ppt/tags/tag28.xml><?xml version="1.0" encoding="utf-8"?>
+<p:tagLst xmlns:a="http://schemas.openxmlformats.org/drawingml/2006/main" xmlns:r="http://schemas.openxmlformats.org/officeDocument/2006/relationships" xmlns:p="http://schemas.openxmlformats.org/presentationml/2006/main">
+  <p:tag name="OUTPUTDPI" val="1200"/>
+  <p:tag name="ORIGINALHEIGHT" val="123.7346"/>
+  <p:tag name="ORIGINALWIDTH" val="990.6262"/>
+  <p:tag name="LATEXADDIN" val="\documentclass{article}&#10;\usepackage{amsmath}&#10;\pagestyle{empty}&#10;\begin{document}&#10;&#10;$\mathrm{ep}(A \rightarrow B) = 0.74$&#10;&#10;&#10;\end{document}"/>
+  <p:tag name="IGUANATEXSIZE" val="20"/>
+  <p:tag name="IGUANATEXCURSOR" val="117"/>
+  <p:tag name="TRANSPARENCY" val="True"/>
+  <p:tag name="FILENAME" val=""/>
+  <p:tag name="LATEXENGINEID" val="0"/>
+  <p:tag name="TEMPFOLDER" val="c:\temp\"/>
+  <p:tag name="LATEXFORMHEIGHT" val="312"/>
+  <p:tag name="LATEXFORMWIDTH" val="384"/>
+  <p:tag name="LATEXFORMWRAP" val="True"/>
+  <p:tag name="BITMAPVECTOR" val="0"/>
+</p:tagLst>
+</file>
+
+<file path=ppt/tags/tag29.xml><?xml version="1.0" encoding="utf-8"?>
+<p:tagLst xmlns:a="http://schemas.openxmlformats.org/drawingml/2006/main" xmlns:r="http://schemas.openxmlformats.org/officeDocument/2006/relationships" xmlns:p="http://schemas.openxmlformats.org/presentationml/2006/main">
   <p:tag name="TIMING" val="|14.6"/>
 </p:tagLst>
 </file>
@@ -30879,7 +32016,194 @@
 </p:tagLst>
 </file>
 
+<file path=ppt/tags/tag30.xml><?xml version="1.0" encoding="utf-8"?>
+<p:tagLst xmlns:a="http://schemas.openxmlformats.org/drawingml/2006/main" xmlns:r="http://schemas.openxmlformats.org/officeDocument/2006/relationships" xmlns:p="http://schemas.openxmlformats.org/presentationml/2006/main">
+  <p:tag name="OUTPUTDPI" val="1200"/>
+  <p:tag name="ORIGINALHEIGHT" val="123.7346"/>
+  <p:tag name="ORIGINALWIDTH" val="1604.799"/>
+  <p:tag name="LATEXADDIN" val="\documentclass{article}&#10;\usepackage{amsmath}&#10;\pagestyle{empty}&#10;\begin{document}&#10;&#10;$\mathrm{ep}(A \rightarrow B) = \mathrm{ep}(B \rightarrow A) = 0$&#10;&#10;&#10;\end{document}"/>
+  <p:tag name="IGUANATEXSIZE" val="24"/>
+  <p:tag name="IGUANATEXCURSOR" val="145"/>
+  <p:tag name="TRANSPARENCY" val="True"/>
+  <p:tag name="FILENAME" val=""/>
+  <p:tag name="LATEXENGINEID" val="0"/>
+  <p:tag name="TEMPFOLDER" val="c:\temp\"/>
+  <p:tag name="LATEXFORMHEIGHT" val="312"/>
+  <p:tag name="LATEXFORMWIDTH" val="384"/>
+  <p:tag name="LATEXFORMWRAP" val="True"/>
+  <p:tag name="BITMAPVECTOR" val="0"/>
+</p:tagLst>
+</file>
+
+<file path=ppt/tags/tag31.xml><?xml version="1.0" encoding="utf-8"?>
+<p:tagLst xmlns:a="http://schemas.openxmlformats.org/drawingml/2006/main" xmlns:r="http://schemas.openxmlformats.org/officeDocument/2006/relationships" xmlns:p="http://schemas.openxmlformats.org/presentationml/2006/main">
+  <p:tag name="OUTPUTDPI" val="1200"/>
+  <p:tag name="ORIGINALHEIGHT" val="123.7346"/>
+  <p:tag name="ORIGINALWIDTH" val="2523.435"/>
+  <p:tag name="LATEXADDIN" val="\documentclass{article}&#10;\usepackage{amsmath}&#10;\pagestyle{empty}&#10;\begin{document}&#10;&#10;$\mathrm{ep}(A \rightarrow B) = 0.081 \quad &gt; \quad \mathrm{ep}(B \rightarrow A) = 0.009$&#10;&#10;&#10;\end{document}"/>
+  <p:tag name="IGUANATEXSIZE" val="24"/>
+  <p:tag name="IGUANATEXCURSOR" val="169"/>
+  <p:tag name="TRANSPARENCY" val="True"/>
+  <p:tag name="FILENAME" val=""/>
+  <p:tag name="LATEXENGINEID" val="0"/>
+  <p:tag name="TEMPFOLDER" val="c:\temp\"/>
+  <p:tag name="LATEXFORMHEIGHT" val="312"/>
+  <p:tag name="LATEXFORMWIDTH" val="384"/>
+  <p:tag name="LATEXFORMWRAP" val="True"/>
+  <p:tag name="BITMAPVECTOR" val="0"/>
+</p:tagLst>
+</file>
+
+<file path=ppt/tags/tag32.xml><?xml version="1.0" encoding="utf-8"?>
+<p:tagLst xmlns:a="http://schemas.openxmlformats.org/drawingml/2006/main" xmlns:r="http://schemas.openxmlformats.org/officeDocument/2006/relationships" xmlns:p="http://schemas.openxmlformats.org/presentationml/2006/main">
+  <p:tag name="TIMING" val="|14.6"/>
+</p:tagLst>
+</file>
+
+<file path=ppt/tags/tag33.xml><?xml version="1.0" encoding="utf-8"?>
+<p:tagLst xmlns:a="http://schemas.openxmlformats.org/drawingml/2006/main" xmlns:r="http://schemas.openxmlformats.org/officeDocument/2006/relationships" xmlns:p="http://schemas.openxmlformats.org/presentationml/2006/main">
+  <p:tag name="TIMING" val="|14.6"/>
+</p:tagLst>
+</file>
+
+<file path=ppt/tags/tag34.xml><?xml version="1.0" encoding="utf-8"?>
+<p:tagLst xmlns:a="http://schemas.openxmlformats.org/drawingml/2006/main" xmlns:r="http://schemas.openxmlformats.org/officeDocument/2006/relationships" xmlns:p="http://schemas.openxmlformats.org/presentationml/2006/main">
+  <p:tag name="TIMING" val="|14.6"/>
+</p:tagLst>
+</file>
+
+<file path=ppt/tags/tag35.xml><?xml version="1.0" encoding="utf-8"?>
+<p:tagLst xmlns:a="http://schemas.openxmlformats.org/drawingml/2006/main" xmlns:r="http://schemas.openxmlformats.org/officeDocument/2006/relationships" xmlns:p="http://schemas.openxmlformats.org/presentationml/2006/main">
+  <p:tag name="TIMING" val="|14.6"/>
+</p:tagLst>
+</file>
+
+<file path=ppt/tags/tag36.xml><?xml version="1.0" encoding="utf-8"?>
+<p:tagLst xmlns:a="http://schemas.openxmlformats.org/drawingml/2006/main" xmlns:r="http://schemas.openxmlformats.org/officeDocument/2006/relationships" xmlns:p="http://schemas.openxmlformats.org/presentationml/2006/main">
+  <p:tag name="TIMING" val="|34.9"/>
+</p:tagLst>
+</file>
+
+<file path=ppt/tags/tag37.xml><?xml version="1.0" encoding="utf-8"?>
+<p:tagLst xmlns:a="http://schemas.openxmlformats.org/drawingml/2006/main" xmlns:r="http://schemas.openxmlformats.org/officeDocument/2006/relationships" xmlns:p="http://schemas.openxmlformats.org/presentationml/2006/main">
+  <p:tag name="OUTPUTDPI" val="1200"/>
+  <p:tag name="ORIGINALHEIGHT" val="123.7346"/>
+  <p:tag name="ORIGINALWIDTH" val="1169.104"/>
+  <p:tag name="LATEXADDIN" val="\documentclass{article}&#10;\usepackage{amsmath}&#10;\pagestyle{empty}&#10;\begin{document}&#10;&#10;$\mathrm{ep}(i \rightarrow j) + \mathrm{ep}(j \rightarrow i)$&#10;&#10;&#10;\end{document}"/>
+  <p:tag name="IGUANATEXSIZE" val="24"/>
+  <p:tag name="IGUANATEXCURSOR" val="140"/>
+  <p:tag name="TRANSPARENCY" val="True"/>
+  <p:tag name="FILENAME" val=""/>
+  <p:tag name="LATEXENGINEID" val="0"/>
+  <p:tag name="TEMPFOLDER" val="c:\temp\"/>
+  <p:tag name="LATEXFORMHEIGHT" val="312"/>
+  <p:tag name="LATEXFORMWIDTH" val="384"/>
+  <p:tag name="LATEXFORMWRAP" val="True"/>
+  <p:tag name="BITMAPVECTOR" val="0"/>
+</p:tagLst>
+</file>
+
+<file path=ppt/tags/tag38.xml><?xml version="1.0" encoding="utf-8"?>
+<p:tagLst xmlns:a="http://schemas.openxmlformats.org/drawingml/2006/main" xmlns:r="http://schemas.openxmlformats.org/officeDocument/2006/relationships" xmlns:p="http://schemas.openxmlformats.org/presentationml/2006/main">
+  <p:tag name="OUTPUTDPI" val="1200"/>
+  <p:tag name="ORIGINALHEIGHT" val="123.7346"/>
+  <p:tag name="ORIGINALWIDTH" val="1169.104"/>
+  <p:tag name="LATEXADDIN" val="\documentclass{article}&#10;\usepackage{amsmath}&#10;\pagestyle{empty}&#10;\begin{document}&#10;&#10;$\mathrm{ep}(i \rightarrow j) + \mathrm{ep}(j \rightarrow i)$&#10;&#10;&#10;\end{document}"/>
+  <p:tag name="IGUANATEXSIZE" val="24"/>
+  <p:tag name="IGUANATEXCURSOR" val="140"/>
+  <p:tag name="TRANSPARENCY" val="True"/>
+  <p:tag name="FILENAME" val=""/>
+  <p:tag name="LATEXENGINEID" val="0"/>
+  <p:tag name="TEMPFOLDER" val="c:\temp\"/>
+  <p:tag name="LATEXFORMHEIGHT" val="312"/>
+  <p:tag name="LATEXFORMWIDTH" val="384"/>
+  <p:tag name="LATEXFORMWRAP" val="True"/>
+  <p:tag name="BITMAPVECTOR" val="0"/>
+</p:tagLst>
+</file>
+
+<file path=ppt/tags/tag39.xml><?xml version="1.0" encoding="utf-8"?>
+<p:tagLst xmlns:a="http://schemas.openxmlformats.org/drawingml/2006/main" xmlns:r="http://schemas.openxmlformats.org/officeDocument/2006/relationships" xmlns:p="http://schemas.openxmlformats.org/presentationml/2006/main">
+  <p:tag name="OUTPUTDPI" val="1200"/>
+  <p:tag name="ORIGINALHEIGHT" val="123.7346"/>
+  <p:tag name="ORIGINALWIDTH" val="1169.104"/>
+  <p:tag name="LATEXADDIN" val="\documentclass{article}&#10;\usepackage{amsmath}&#10;\pagestyle{empty}&#10;\begin{document}&#10;&#10;$\mathrm{ep}(i \rightarrow j) + \mathrm{ep}(j \rightarrow i)$&#10;&#10;&#10;\end{document}"/>
+  <p:tag name="IGUANATEXSIZE" val="24"/>
+  <p:tag name="IGUANATEXCURSOR" val="140"/>
+  <p:tag name="TRANSPARENCY" val="True"/>
+  <p:tag name="FILENAME" val=""/>
+  <p:tag name="LATEXENGINEID" val="0"/>
+  <p:tag name="TEMPFOLDER" val="c:\temp\"/>
+  <p:tag name="LATEXFORMHEIGHT" val="312"/>
+  <p:tag name="LATEXFORMWIDTH" val="384"/>
+  <p:tag name="LATEXFORMWRAP" val="True"/>
+  <p:tag name="BITMAPVECTOR" val="0"/>
+</p:tagLst>
+</file>
+
 <file path=ppt/tags/tag4.xml><?xml version="1.0" encoding="utf-8"?>
+<p:tagLst xmlns:a="http://schemas.openxmlformats.org/drawingml/2006/main" xmlns:r="http://schemas.openxmlformats.org/officeDocument/2006/relationships" xmlns:p="http://schemas.openxmlformats.org/presentationml/2006/main">
+  <p:tag name="TIMING" val="|14.6"/>
+</p:tagLst>
+</file>
+
+<file path=ppt/tags/tag40.xml><?xml version="1.0" encoding="utf-8"?>
+<p:tagLst xmlns:a="http://schemas.openxmlformats.org/drawingml/2006/main" xmlns:r="http://schemas.openxmlformats.org/officeDocument/2006/relationships" xmlns:p="http://schemas.openxmlformats.org/presentationml/2006/main">
+  <p:tag name="TIMING" val="|36.8|20.5"/>
+</p:tagLst>
+</file>
+
+<file path=ppt/tags/tag41.xml><?xml version="1.0" encoding="utf-8"?>
+<p:tagLst xmlns:a="http://schemas.openxmlformats.org/drawingml/2006/main" xmlns:r="http://schemas.openxmlformats.org/officeDocument/2006/relationships" xmlns:p="http://schemas.openxmlformats.org/presentationml/2006/main">
+  <p:tag name="OUTPUTDPI" val="1200"/>
+  <p:tag name="ORIGINALHEIGHT" val="123.7346"/>
+  <p:tag name="ORIGINALWIDTH" val="500.9374"/>
+  <p:tag name="LATEXADDIN" val="\documentclass{article}&#10;\usepackage{amsmath}&#10;\pagestyle{empty}&#10;\begin{document}&#10;&#10;$\mathrm{ep}(i \rightarrow j)$&#10;&#10;&#10;\end{document}"/>
+  <p:tag name="IGUANATEXSIZE" val="24"/>
+  <p:tag name="IGUANATEXCURSOR" val="111"/>
+  <p:tag name="TRANSPARENCY" val="True"/>
+  <p:tag name="FILENAME" val=""/>
+  <p:tag name="LATEXENGINEID" val="0"/>
+  <p:tag name="TEMPFOLDER" val="c:\temp\"/>
+  <p:tag name="LATEXFORMHEIGHT" val="312"/>
+  <p:tag name="LATEXFORMWIDTH" val="384"/>
+  <p:tag name="LATEXFORMWRAP" val="True"/>
+  <p:tag name="BITMAPVECTOR" val="0"/>
+</p:tagLst>
+</file>
+
+<file path=ppt/tags/tag42.xml><?xml version="1.0" encoding="utf-8"?>
+<p:tagLst xmlns:a="http://schemas.openxmlformats.org/drawingml/2006/main" xmlns:r="http://schemas.openxmlformats.org/officeDocument/2006/relationships" xmlns:p="http://schemas.openxmlformats.org/presentationml/2006/main">
+  <p:tag name="OUTPUTDPI" val="1200"/>
+  <p:tag name="ORIGINALHEIGHT" val="123.7346"/>
+  <p:tag name="ORIGINALWIDTH" val="500.9374"/>
+  <p:tag name="LATEXADDIN" val="\documentclass{article}&#10;\usepackage{amsmath}&#10;\pagestyle{empty}&#10;\begin{document}&#10;&#10;$\mathrm{ep}(j \rightarrow i)$&#10;&#10;&#10;\end{document}"/>
+  <p:tag name="IGUANATEXSIZE" val="24"/>
+  <p:tag name="IGUANATEXCURSOR" val="95"/>
+  <p:tag name="TRANSPARENCY" val="True"/>
+  <p:tag name="FILENAME" val=""/>
+  <p:tag name="LATEXENGINEID" val="0"/>
+  <p:tag name="TEMPFOLDER" val="c:\temp\"/>
+  <p:tag name="LATEXFORMHEIGHT" val="312"/>
+  <p:tag name="LATEXFORMWIDTH" val="384"/>
+  <p:tag name="LATEXFORMWRAP" val="True"/>
+  <p:tag name="BITMAPVECTOR" val="0"/>
+</p:tagLst>
+</file>
+
+<file path=ppt/tags/tag43.xml><?xml version="1.0" encoding="utf-8"?>
+<p:tagLst xmlns:a="http://schemas.openxmlformats.org/drawingml/2006/main" xmlns:r="http://schemas.openxmlformats.org/officeDocument/2006/relationships" xmlns:p="http://schemas.openxmlformats.org/presentationml/2006/main">
+  <p:tag name="TIMING" val="|14.6"/>
+</p:tagLst>
+</file>
+
+<file path=ppt/tags/tag44.xml><?xml version="1.0" encoding="utf-8"?>
+<p:tagLst xmlns:a="http://schemas.openxmlformats.org/drawingml/2006/main" xmlns:r="http://schemas.openxmlformats.org/officeDocument/2006/relationships" xmlns:p="http://schemas.openxmlformats.org/presentationml/2006/main">
+  <p:tag name="TIMING" val="|14.6"/>
+</p:tagLst>
+</file>
+
+<file path=ppt/tags/tag45.xml><?xml version="1.0" encoding="utf-8"?>
 <p:tagLst xmlns:a="http://schemas.openxmlformats.org/drawingml/2006/main" xmlns:r="http://schemas.openxmlformats.org/officeDocument/2006/relationships" xmlns:p="http://schemas.openxmlformats.org/presentationml/2006/main">
   <p:tag name="TIMING" val="|14.6"/>
 </p:tagLst>
@@ -30944,7 +32268,20 @@
 
 <file path=ppt/tags/tag8.xml><?xml version="1.0" encoding="utf-8"?>
 <p:tagLst xmlns:a="http://schemas.openxmlformats.org/drawingml/2006/main" xmlns:r="http://schemas.openxmlformats.org/officeDocument/2006/relationships" xmlns:p="http://schemas.openxmlformats.org/presentationml/2006/main">
-  <p:tag name="TIMING" val="|14.6"/>
+  <p:tag name="OUTPUTDPI" val="1200"/>
+  <p:tag name="ORIGINALHEIGHT" val="106.4867"/>
+  <p:tag name="ORIGINALWIDTH" val="529.4338"/>
+  <p:tag name="LATEXADDIN" val="\documentclass{article}&#10;\usepackage{amsmath}&#10;\usepackage{bm}&#10;\pagestyle{empty}&#10;\begin{document}&#10;&#10;$\bm{\pi} = \bm{P}^\top \bm{\pi}$&#10;&#10;&#10;\end{document}"/>
+  <p:tag name="IGUANATEXSIZE" val="24"/>
+  <p:tag name="IGUANATEXCURSOR" val="60"/>
+  <p:tag name="TRANSPARENCY" val="True"/>
+  <p:tag name="FILENAME" val=""/>
+  <p:tag name="LATEXENGINEID" val="0"/>
+  <p:tag name="TEMPFOLDER" val="c:\temp\"/>
+  <p:tag name="LATEXFORMHEIGHT" val="312"/>
+  <p:tag name="LATEXFORMWIDTH" val="384"/>
+  <p:tag name="LATEXFORMWRAP" val="True"/>
+  <p:tag name="BITMAPVECTOR" val="0"/>
 </p:tagLst>
 </file>
 

--- a/Random Walk based Proximity Measures in Directed Graphs.pptx
+++ b/Random Walk based Proximity Measures in Directed Graphs.pptx
@@ -5,7 +5,7 @@
     <p:sldMasterId id="2147483660" r:id="rId1"/>
   </p:sldMasterIdLst>
   <p:notesMasterIdLst>
-    <p:notesMasterId r:id="rId27"/>
+    <p:notesMasterId r:id="rId28"/>
   </p:notesMasterIdLst>
   <p:sldIdLst>
     <p:sldId id="257" r:id="rId2"/>
@@ -33,6 +33,7 @@
     <p:sldId id="281" r:id="rId24"/>
     <p:sldId id="282" r:id="rId25"/>
     <p:sldId id="283" r:id="rId26"/>
+    <p:sldId id="284" r:id="rId27"/>
   </p:sldIdLst>
   <p:sldSz cx="9144000" cy="6858000" type="screen4x3"/>
   <p:notesSz cx="6858000" cy="9144000"/>
@@ -133,7 +134,7 @@
   </p:defaultTextStyle>
   <p:extLst>
     <p:ext uri="{EFAFB233-063F-42B5-8137-9DF3F51BA10A}">
-      <p15:sldGuideLst xmlns:p15="http://schemas.microsoft.com/office/powerpoint/2012/main" xmlns="">
+      <p15:sldGuideLst xmlns="" xmlns:p15="http://schemas.microsoft.com/office/powerpoint/2012/main">
         <p15:guide id="1" orient="horz" pos="2160">
           <p15:clr>
             <a:srgbClr val="A4A3A4"/>
@@ -232,7 +233,7 @@
           <a:p>
             <a:fld id="{68F1ED60-613F-4894-A100-A48BBD071A74}" type="datetimeFigureOut">
               <a:rPr lang="en-US" smtClean="0"/>
-              <a:t>20-Mar-17</a:t>
+              <a:t>21-Mar-17</a:t>
             </a:fld>
             <a:endParaRPr lang="en-US"/>
           </a:p>
@@ -7133,7 +7134,7 @@
           <a:graphicData uri="http://schemas.openxmlformats.org/presentationml/2006/ole">
             <mc:AlternateContent xmlns:mc="http://schemas.openxmlformats.org/markup-compatibility/2006">
               <mc:Choice xmlns:v="urn:schemas-microsoft-com:vml" Requires="v">
-                <p:oleObj spid="_x0000_s26645" name="Visio" r:id="rId9" imgW="5289194" imgH="1988515" progId="Visio.Drawing.11">
+                <p:oleObj spid="_x0000_s26749" name="Visio" r:id="rId9" imgW="5289194" imgH="1988515" progId="Visio.Drawing.11">
                   <p:embed/>
                 </p:oleObj>
               </mc:Choice>
@@ -7235,7 +7236,7 @@
           <a:graphicData uri="http://schemas.openxmlformats.org/presentationml/2006/ole">
             <mc:AlternateContent xmlns:mc="http://schemas.openxmlformats.org/markup-compatibility/2006">
               <mc:Choice xmlns:v="urn:schemas-microsoft-com:vml" Requires="v">
-                <p:oleObj spid="_x0000_s26646" name="Visio" r:id="rId11" imgW="5289194" imgH="2888590" progId="Visio.Drawing.11">
+                <p:oleObj spid="_x0000_s26750" name="Visio" r:id="rId11" imgW="5289194" imgH="2888590" progId="Visio.Drawing.11">
                   <p:embed/>
                 </p:oleObj>
               </mc:Choice>
@@ -7336,7 +7337,7 @@
           <a:graphicData uri="http://schemas.openxmlformats.org/presentationml/2006/ole">
             <mc:AlternateContent xmlns:mc="http://schemas.openxmlformats.org/markup-compatibility/2006">
               <mc:Choice xmlns:v="urn:schemas-microsoft-com:vml" Requires="v">
-                <p:oleObj spid="_x0000_s26647" name="Visio" r:id="rId13" imgW="5186172" imgH="754685" progId="Visio.Drawing.11">
+                <p:oleObj spid="_x0000_s26751" name="Visio" r:id="rId13" imgW="5186172" imgH="754685" progId="Visio.Drawing.11">
                   <p:embed/>
                 </p:oleObj>
               </mc:Choice>
@@ -7437,7 +7438,7 @@
           <a:graphicData uri="http://schemas.openxmlformats.org/presentationml/2006/ole">
             <mc:AlternateContent xmlns:mc="http://schemas.openxmlformats.org/markup-compatibility/2006">
               <mc:Choice xmlns:v="urn:schemas-microsoft-com:vml" Requires="v">
-                <p:oleObj spid="_x0000_s26648" name="Visio" r:id="rId15" imgW="5186172" imgH="1870558" progId="Visio.Drawing.11">
+                <p:oleObj spid="_x0000_s26752" name="Visio" r:id="rId15" imgW="5186172" imgH="1870558" progId="Visio.Drawing.11">
                   <p:embed/>
                 </p:oleObj>
               </mc:Choice>
@@ -7917,23 +7918,7 @@
                 <a:ea typeface="Open Sans" panose="020B0606030504020204" pitchFamily="34" charset="0"/>
                 <a:cs typeface="Open Sans" panose="020B0606030504020204" pitchFamily="34" charset="0"/>
               </a:rPr>
-              <a:t>Introduce </a:t>
-            </a:r>
-            <a:r>
-              <a:rPr lang="en-US" altLang="en-US" sz="2400" dirty="0" smtClean="0">
-                <a:latin typeface="Open Sans" panose="020B0606030504020204" pitchFamily="34" charset="0"/>
-                <a:ea typeface="Open Sans" panose="020B0606030504020204" pitchFamily="34" charset="0"/>
-                <a:cs typeface="Open Sans" panose="020B0606030504020204" pitchFamily="34" charset="0"/>
-              </a:rPr>
-              <a:t>an </a:t>
-            </a:r>
-            <a:r>
-              <a:rPr lang="en-US" altLang="en-US" sz="2400" dirty="0" smtClean="0">
-                <a:latin typeface="Open Sans" panose="020B0606030504020204" pitchFamily="34" charset="0"/>
-                <a:ea typeface="Open Sans" panose="020B0606030504020204" pitchFamily="34" charset="0"/>
-                <a:cs typeface="Open Sans" panose="020B0606030504020204" pitchFamily="34" charset="0"/>
-              </a:rPr>
-              <a:t>absorbing node</a:t>
+              <a:t>Introduce an absorbing node</a:t>
             </a:r>
           </a:p>
           <a:p>
@@ -8663,130 +8648,6 @@
           </a:p>
         </p:txBody>
       </p:sp>
-      <p:sp>
-        <p:nvSpPr>
-          <p:cNvPr id="4" name="Slide Number Placeholder 5"/>
-          <p:cNvSpPr txBox="1">
-            <a:spLocks/>
-          </p:cNvSpPr>
-          <p:nvPr/>
-        </p:nvSpPr>
-        <p:spPr>
-          <a:xfrm>
-            <a:off x="6553200" y="6245225"/>
-            <a:ext cx="2133600" cy="476250"/>
-          </a:xfrm>
-          <a:prstGeom prst="rect">
-            <a:avLst/>
-          </a:prstGeom>
-        </p:spPr>
-        <p:txBody>
-          <a:bodyPr/>
-          <a:lstStyle>
-            <a:defPPr>
-              <a:defRPr lang="en-US"/>
-            </a:defPPr>
-            <a:lvl1pPr marL="0" algn="l" defTabSz="914400" rtl="0" eaLnBrk="1" latinLnBrk="0" hangingPunct="1">
-              <a:defRPr sz="1800" kern="1200">
-                <a:solidFill>
-                  <a:schemeClr val="tx1"/>
-                </a:solidFill>
-                <a:latin typeface="+mn-lt"/>
-                <a:ea typeface="+mn-ea"/>
-                <a:cs typeface="+mn-cs"/>
-              </a:defRPr>
-            </a:lvl1pPr>
-            <a:lvl2pPr marL="457200" algn="l" defTabSz="914400" rtl="0" eaLnBrk="1" latinLnBrk="0" hangingPunct="1">
-              <a:defRPr sz="1800" kern="1200">
-                <a:solidFill>
-                  <a:schemeClr val="tx1"/>
-                </a:solidFill>
-                <a:latin typeface="+mn-lt"/>
-                <a:ea typeface="+mn-ea"/>
-                <a:cs typeface="+mn-cs"/>
-              </a:defRPr>
-            </a:lvl2pPr>
-            <a:lvl3pPr marL="914400" algn="l" defTabSz="914400" rtl="0" eaLnBrk="1" latinLnBrk="0" hangingPunct="1">
-              <a:defRPr sz="1800" kern="1200">
-                <a:solidFill>
-                  <a:schemeClr val="tx1"/>
-                </a:solidFill>
-                <a:latin typeface="+mn-lt"/>
-                <a:ea typeface="+mn-ea"/>
-                <a:cs typeface="+mn-cs"/>
-              </a:defRPr>
-            </a:lvl3pPr>
-            <a:lvl4pPr marL="1371600" algn="l" defTabSz="914400" rtl="0" eaLnBrk="1" latinLnBrk="0" hangingPunct="1">
-              <a:defRPr sz="1800" kern="1200">
-                <a:solidFill>
-                  <a:schemeClr val="tx1"/>
-                </a:solidFill>
-                <a:latin typeface="+mn-lt"/>
-                <a:ea typeface="+mn-ea"/>
-                <a:cs typeface="+mn-cs"/>
-              </a:defRPr>
-            </a:lvl4pPr>
-            <a:lvl5pPr marL="1828800" algn="l" defTabSz="914400" rtl="0" eaLnBrk="1" latinLnBrk="0" hangingPunct="1">
-              <a:defRPr sz="1800" kern="1200">
-                <a:solidFill>
-                  <a:schemeClr val="tx1"/>
-                </a:solidFill>
-                <a:latin typeface="+mn-lt"/>
-                <a:ea typeface="+mn-ea"/>
-                <a:cs typeface="+mn-cs"/>
-              </a:defRPr>
-            </a:lvl5pPr>
-            <a:lvl6pPr marL="2286000" algn="l" defTabSz="914400" rtl="0" eaLnBrk="1" latinLnBrk="0" hangingPunct="1">
-              <a:defRPr sz="1800" kern="1200">
-                <a:solidFill>
-                  <a:schemeClr val="tx1"/>
-                </a:solidFill>
-                <a:latin typeface="+mn-lt"/>
-                <a:ea typeface="+mn-ea"/>
-                <a:cs typeface="+mn-cs"/>
-              </a:defRPr>
-            </a:lvl6pPr>
-            <a:lvl7pPr marL="2743200" algn="l" defTabSz="914400" rtl="0" eaLnBrk="1" latinLnBrk="0" hangingPunct="1">
-              <a:defRPr sz="1800" kern="1200">
-                <a:solidFill>
-                  <a:schemeClr val="tx1"/>
-                </a:solidFill>
-                <a:latin typeface="+mn-lt"/>
-                <a:ea typeface="+mn-ea"/>
-                <a:cs typeface="+mn-cs"/>
-              </a:defRPr>
-            </a:lvl7pPr>
-            <a:lvl8pPr marL="3200400" algn="l" defTabSz="914400" rtl="0" eaLnBrk="1" latinLnBrk="0" hangingPunct="1">
-              <a:defRPr sz="1800" kern="1200">
-                <a:solidFill>
-                  <a:schemeClr val="tx1"/>
-                </a:solidFill>
-                <a:latin typeface="+mn-lt"/>
-                <a:ea typeface="+mn-ea"/>
-                <a:cs typeface="+mn-cs"/>
-              </a:defRPr>
-            </a:lvl8pPr>
-            <a:lvl9pPr marL="3657600" algn="l" defTabSz="914400" rtl="0" eaLnBrk="1" latinLnBrk="0" hangingPunct="1">
-              <a:defRPr sz="1800" kern="1200">
-                <a:solidFill>
-                  <a:schemeClr val="tx1"/>
-                </a:solidFill>
-                <a:latin typeface="+mn-lt"/>
-                <a:ea typeface="+mn-ea"/>
-                <a:cs typeface="+mn-cs"/>
-              </a:defRPr>
-            </a:lvl9pPr>
-          </a:lstStyle>
-          <a:p>
-            <a:fld id="{B61943B8-E0A1-294D-BF85-000CF68A12BC}" type="slidenum">
-              <a:rPr lang="en-US" altLang="en-US" smtClean="0"/>
-              <a:pPr/>
-              <a:t>11</a:t>
-            </a:fld>
-            <a:endParaRPr lang="en-US" altLang="en-US"/>
-          </a:p>
-        </p:txBody>
-      </p:sp>
       <p:graphicFrame>
         <p:nvGraphicFramePr>
           <p:cNvPr id="5" name="Object 4"/>
@@ -8809,7 +8670,7 @@
           <a:graphicData uri="http://schemas.openxmlformats.org/presentationml/2006/ole">
             <mc:AlternateContent xmlns:mc="http://schemas.openxmlformats.org/markup-compatibility/2006">
               <mc:Choice xmlns:v="urn:schemas-microsoft-com:vml" Requires="v">
-                <p:oleObj spid="_x0000_s12179" name="Visio" r:id="rId7" imgW="5038954" imgH="751637" progId="Visio.Drawing.11">
+                <p:oleObj spid="_x0000_s12231" name="Visio" r:id="rId7" imgW="5038954" imgH="751637" progId="Visio.Drawing.11">
                   <p:embed/>
                 </p:oleObj>
               </mc:Choice>
@@ -8964,7 +8825,7 @@
           <a:graphicData uri="http://schemas.openxmlformats.org/presentationml/2006/ole">
             <mc:AlternateContent xmlns:mc="http://schemas.openxmlformats.org/markup-compatibility/2006">
               <mc:Choice xmlns:v="urn:schemas-microsoft-com:vml" Requires="v">
-                <p:oleObj spid="_x0000_s12180" name="Visio" r:id="rId9" imgW="5038954" imgH="1130503" progId="Visio.Drawing.11">
+                <p:oleObj spid="_x0000_s12232" name="Visio" r:id="rId9" imgW="5038954" imgH="1130503" progId="Visio.Drawing.11">
                   <p:embed/>
                 </p:oleObj>
               </mc:Choice>
@@ -10227,25 +10088,74 @@
           </a:p>
         </p:txBody>
       </p:sp>
-      <p:sp>
-        <p:nvSpPr>
-          <p:cNvPr id="2" name="Content Placeholder 1"/>
-          <p:cNvSpPr>
-            <a:spLocks noGrp="1"/>
-          </p:cNvSpPr>
+      <p:pic>
+        <p:nvPicPr>
+          <p:cNvPr id="12" name="Picture 11"/>
+          <p:cNvPicPr>
+            <a:picLocks noChangeAspect="1"/>
+          </p:cNvPicPr>
           <p:nvPr>
-            <p:ph idx="1"/>
+            <p:custDataLst>
+              <p:tags r:id="rId2"/>
+            </p:custDataLst>
           </p:nvPr>
-        </p:nvSpPr>
-        <p:spPr/>
-        <p:txBody>
-          <a:bodyPr/>
-          <a:lstStyle/>
-          <a:p>
-            <a:endParaRPr lang="en-US" dirty="0"/>
-          </a:p>
-        </p:txBody>
-      </p:sp>
+        </p:nvPicPr>
+        <p:blipFill>
+          <a:blip r:embed="rId6" cstate="print">
+            <a:extLst>
+              <a:ext uri="{28A0092B-C50C-407E-A947-70E740481C1C}">
+                <a14:useLocalDpi xmlns:a14="http://schemas.microsoft.com/office/drawing/2010/main" val="0"/>
+              </a:ext>
+            </a:extLst>
+          </a:blip>
+          <a:stretch>
+            <a:fillRect/>
+          </a:stretch>
+        </p:blipFill>
+        <p:spPr>
+          <a:xfrm>
+            <a:off x="848424" y="1828800"/>
+            <a:ext cx="7178049" cy="1371600"/>
+          </a:xfrm>
+          <a:prstGeom prst="rect">
+            <a:avLst/>
+          </a:prstGeom>
+        </p:spPr>
+      </p:pic>
+      <p:pic>
+        <p:nvPicPr>
+          <p:cNvPr id="28" name="Picture 27"/>
+          <p:cNvPicPr>
+            <a:picLocks noChangeAspect="1"/>
+          </p:cNvPicPr>
+          <p:nvPr>
+            <p:custDataLst>
+              <p:tags r:id="rId3"/>
+            </p:custDataLst>
+          </p:nvPr>
+        </p:nvPicPr>
+        <p:blipFill>
+          <a:blip r:embed="rId7" cstate="print">
+            <a:extLst>
+              <a:ext uri="{28A0092B-C50C-407E-A947-70E740481C1C}">
+                <a14:useLocalDpi xmlns:a14="http://schemas.microsoft.com/office/drawing/2010/main" val="0"/>
+              </a:ext>
+            </a:extLst>
+          </a:blip>
+          <a:stretch>
+            <a:fillRect/>
+          </a:stretch>
+        </p:blipFill>
+        <p:spPr>
+          <a:xfrm>
+            <a:off x="762000" y="3685976"/>
+            <a:ext cx="5105399" cy="2105224"/>
+          </a:xfrm>
+          <a:prstGeom prst="rect">
+            <a:avLst/>
+          </a:prstGeom>
+        </p:spPr>
+      </p:pic>
     </p:spTree>
     <p:custDataLst>
       <p:tags r:id="rId1"/>
@@ -11023,38 +10933,6 @@
       </p:grpSpPr>
       <p:sp>
         <p:nvSpPr>
-          <p:cNvPr id="4" name="Slide Number Placeholder 5"/>
-          <p:cNvSpPr>
-            <a:spLocks noGrp="1"/>
-          </p:cNvSpPr>
-          <p:nvPr>
-            <p:ph type="sldNum" sz="quarter" idx="4294967295"/>
-          </p:nvPr>
-        </p:nvSpPr>
-        <p:spPr>
-          <a:xfrm>
-            <a:off x="6553200" y="6245225"/>
-            <a:ext cx="2133600" cy="476250"/>
-          </a:xfrm>
-          <a:prstGeom prst="rect">
-            <a:avLst/>
-          </a:prstGeom>
-        </p:spPr>
-        <p:txBody>
-          <a:bodyPr/>
-          <a:lstStyle/>
-          <a:p>
-            <a:fld id="{6DE901D5-B337-AA44-BC09-E05702F6203F}" type="slidenum">
-              <a:rPr lang="en-US" altLang="en-US"/>
-              <a:pPr/>
-              <a:t>16</a:t>
-            </a:fld>
-            <a:endParaRPr lang="en-US" altLang="en-US"/>
-          </a:p>
-        </p:txBody>
-      </p:sp>
-      <p:sp>
-        <p:nvSpPr>
           <p:cNvPr id="205826" name="Rectangle 2"/>
           <p:cNvSpPr>
             <a:spLocks noGrp="1" noChangeArrowheads="1"/>
@@ -11191,38 +11069,6 @@
           <a:chExt cx="0" cy="0"/>
         </a:xfrm>
       </p:grpSpPr>
-      <p:sp>
-        <p:nvSpPr>
-          <p:cNvPr id="40" name="Slide Number Placeholder 6"/>
-          <p:cNvSpPr>
-            <a:spLocks noGrp="1"/>
-          </p:cNvSpPr>
-          <p:nvPr>
-            <p:ph type="sldNum" sz="quarter" idx="4294967295"/>
-          </p:nvPr>
-        </p:nvSpPr>
-        <p:spPr>
-          <a:xfrm>
-            <a:off x="6553200" y="6245225"/>
-            <a:ext cx="2133600" cy="476250"/>
-          </a:xfrm>
-          <a:prstGeom prst="rect">
-            <a:avLst/>
-          </a:prstGeom>
-        </p:spPr>
-        <p:txBody>
-          <a:bodyPr/>
-          <a:lstStyle/>
-          <a:p>
-            <a:fld id="{3378C597-0A7E-6F4A-9752-85914A1B2588}" type="slidenum">
-              <a:rPr lang="en-US" altLang="en-US"/>
-              <a:pPr/>
-              <a:t>17</a:t>
-            </a:fld>
-            <a:endParaRPr lang="en-US" altLang="en-US"/>
-          </a:p>
-        </p:txBody>
-      </p:sp>
       <p:sp>
         <p:nvSpPr>
           <p:cNvPr id="10242" name="Rectangle 2"/>
@@ -16753,38 +16599,6 @@
           <a:chExt cx="0" cy="0"/>
         </a:xfrm>
       </p:grpSpPr>
-      <p:sp>
-        <p:nvSpPr>
-          <p:cNvPr id="26" name="Slide Number Placeholder 5"/>
-          <p:cNvSpPr>
-            <a:spLocks noGrp="1"/>
-          </p:cNvSpPr>
-          <p:nvPr>
-            <p:ph type="sldNum" sz="quarter" idx="4294967295"/>
-          </p:nvPr>
-        </p:nvSpPr>
-        <p:spPr>
-          <a:xfrm>
-            <a:off x="6553200" y="6245225"/>
-            <a:ext cx="2133600" cy="476250"/>
-          </a:xfrm>
-          <a:prstGeom prst="rect">
-            <a:avLst/>
-          </a:prstGeom>
-        </p:spPr>
-        <p:txBody>
-          <a:bodyPr/>
-          <a:lstStyle/>
-          <a:p>
-            <a:fld id="{7D9F3750-8210-F047-91E3-E74C638419E2}" type="slidenum">
-              <a:rPr lang="en-US" altLang="en-US"/>
-              <a:pPr/>
-              <a:t>19</a:t>
-            </a:fld>
-            <a:endParaRPr lang="en-US" altLang="en-US"/>
-          </a:p>
-        </p:txBody>
-      </p:sp>
       <p:sp>
         <p:nvSpPr>
           <p:cNvPr id="253954" name="Rectangle 2"/>
@@ -22929,15 +22743,7 @@
                 <a:ea typeface="Open Sans" panose="020B0606030504020204" pitchFamily="34" charset="0"/>
                 <a:cs typeface="Open Sans" panose="020B0606030504020204" pitchFamily="34" charset="0"/>
               </a:rPr>
-              <a:t>Relation to commute </a:t>
-            </a:r>
-            <a:r>
-              <a:rPr lang="en-US" altLang="en-US" sz="3200" b="1" dirty="0" smtClean="0">
-                <a:latin typeface="Open Sans" panose="020B0606030504020204" pitchFamily="34" charset="0"/>
-                <a:ea typeface="Open Sans" panose="020B0606030504020204" pitchFamily="34" charset="0"/>
-                <a:cs typeface="Open Sans" panose="020B0606030504020204" pitchFamily="34" charset="0"/>
-              </a:rPr>
-              <a:t>times</a:t>
+              <a:t>Relation to commute times</a:t>
             </a:r>
             <a:endParaRPr lang="en-US" altLang="en-US" sz="3200" b="1" dirty="0">
               <a:latin typeface="Open Sans" panose="020B0606030504020204" pitchFamily="34" charset="0"/>
@@ -23296,15 +23102,7 @@
                 <a:ea typeface="Open Sans" panose="020B0606030504020204" pitchFamily="34" charset="0"/>
                 <a:cs typeface="Open Sans" panose="020B0606030504020204" pitchFamily="34" charset="0"/>
               </a:rPr>
-              <a:t>Relation to commute </a:t>
-            </a:r>
-            <a:r>
-              <a:rPr lang="en-US" altLang="en-US" sz="3200" b="1" dirty="0" smtClean="0">
-                <a:latin typeface="Open Sans" panose="020B0606030504020204" pitchFamily="34" charset="0"/>
-                <a:ea typeface="Open Sans" panose="020B0606030504020204" pitchFamily="34" charset="0"/>
-                <a:cs typeface="Open Sans" panose="020B0606030504020204" pitchFamily="34" charset="0"/>
-              </a:rPr>
-              <a:t>times</a:t>
+              <a:t>Relation to commute times</a:t>
             </a:r>
             <a:endParaRPr lang="en-US" altLang="en-US" sz="3200" b="1" dirty="0">
               <a:latin typeface="Open Sans" panose="020B0606030504020204" pitchFamily="34" charset="0"/>
@@ -23663,15 +23461,7 @@
                 <a:ea typeface="Open Sans" panose="020B0606030504020204" pitchFamily="34" charset="0"/>
                 <a:cs typeface="Open Sans" panose="020B0606030504020204" pitchFamily="34" charset="0"/>
               </a:rPr>
-              <a:t>Relation to commute </a:t>
-            </a:r>
-            <a:r>
-              <a:rPr lang="en-US" altLang="en-US" sz="3200" b="1" dirty="0" smtClean="0">
-                <a:latin typeface="Open Sans" panose="020B0606030504020204" pitchFamily="34" charset="0"/>
-                <a:ea typeface="Open Sans" panose="020B0606030504020204" pitchFamily="34" charset="0"/>
-                <a:cs typeface="Open Sans" panose="020B0606030504020204" pitchFamily="34" charset="0"/>
-              </a:rPr>
-              <a:t>times</a:t>
+              <a:t>Relation to commute times</a:t>
             </a:r>
             <a:endParaRPr lang="en-US" altLang="en-US" sz="3200" b="1" dirty="0">
               <a:latin typeface="Open Sans" panose="020B0606030504020204" pitchFamily="34" charset="0"/>
@@ -23970,6 +23760,83 @@
     <p:extLst>
       <p:ext uri="{BB962C8B-B14F-4D97-AF65-F5344CB8AC3E}">
         <p14:creationId xmlns:p14="http://schemas.microsoft.com/office/powerpoint/2010/main" val="891807500"/>
+      </p:ext>
+    </p:extLst>
+  </p:cSld>
+  <p:clrMapOvr>
+    <a:masterClrMapping/>
+  </p:clrMapOvr>
+  <p:transition/>
+  <p:timing>
+    <p:tnLst>
+      <p:par>
+        <p:cTn id="1" dur="indefinite" restart="never" nodeType="tmRoot"/>
+      </p:par>
+    </p:tnLst>
+  </p:timing>
+</p:sld>
+</file>
+
+<file path=ppt/slides/slide26.xml><?xml version="1.0" encoding="utf-8"?>
+<p:sld xmlns:a="http://schemas.openxmlformats.org/drawingml/2006/main" xmlns:r="http://schemas.openxmlformats.org/officeDocument/2006/relationships" xmlns:p="http://schemas.openxmlformats.org/presentationml/2006/main">
+  <p:cSld>
+    <p:spTree>
+      <p:nvGrpSpPr>
+        <p:cNvPr id="1" name=""/>
+        <p:cNvGrpSpPr/>
+        <p:nvPr/>
+      </p:nvGrpSpPr>
+      <p:grpSpPr>
+        <a:xfrm>
+          <a:off x="0" y="0"/>
+          <a:ext cx="0" cy="0"/>
+          <a:chOff x="0" y="0"/>
+          <a:chExt cx="0" cy="0"/>
+        </a:xfrm>
+      </p:grpSpPr>
+      <p:sp>
+        <p:nvSpPr>
+          <p:cNvPr id="4" name="TextBox 3"/>
+          <p:cNvSpPr txBox="1"/>
+          <p:nvPr/>
+        </p:nvSpPr>
+        <p:spPr>
+          <a:xfrm>
+            <a:off x="2438400" y="3044280"/>
+            <a:ext cx="4267200" cy="769441"/>
+          </a:xfrm>
+          <a:prstGeom prst="rect">
+            <a:avLst/>
+          </a:prstGeom>
+          <a:noFill/>
+        </p:spPr>
+        <p:txBody>
+          <a:bodyPr wrap="square" rtlCol="0" anchor="ctr">
+            <a:spAutoFit/>
+          </a:bodyPr>
+          <a:lstStyle/>
+          <a:p>
+            <a:pPr algn="ctr"/>
+            <a:r>
+              <a:rPr lang="en-US" sz="4400" dirty="0" smtClean="0">
+                <a:latin typeface="Open Sans" panose="020B0606030504020204" pitchFamily="34" charset="0"/>
+                <a:ea typeface="Open Sans" panose="020B0606030504020204" pitchFamily="34" charset="0"/>
+                <a:cs typeface="Open Sans" panose="020B0606030504020204" pitchFamily="34" charset="0"/>
+              </a:rPr>
+              <a:t>The End</a:t>
+            </a:r>
+            <a:endParaRPr lang="en-US" sz="4400" dirty="0">
+              <a:latin typeface="Open Sans" panose="020B0606030504020204" pitchFamily="34" charset="0"/>
+              <a:ea typeface="Open Sans" panose="020B0606030504020204" pitchFamily="34" charset="0"/>
+              <a:cs typeface="Open Sans" panose="020B0606030504020204" pitchFamily="34" charset="0"/>
+            </a:endParaRPr>
+          </a:p>
+        </p:txBody>
+      </p:sp>
+    </p:spTree>
+    <p:extLst>
+      <p:ext uri="{BB962C8B-B14F-4D97-AF65-F5344CB8AC3E}">
+        <p14:creationId xmlns:p14="http://schemas.microsoft.com/office/powerpoint/2010/main" val="3443081949"/>
       </p:ext>
     </p:extLst>
   </p:cSld>
@@ -24414,18 +24281,7 @@
                 <a:ea typeface="Open Sans" panose="020B0606030504020204" pitchFamily="34" charset="0"/>
                 <a:cs typeface="Open Sans" panose="020B0606030504020204" pitchFamily="34" charset="0"/>
               </a:rPr>
-              <a:t>    </a:t>
-            </a:r>
-            <a:r>
-              <a:rPr lang="en-US" altLang="en-US" sz="1200" b="1" dirty="0" smtClean="0">
-                <a:solidFill>
-                  <a:srgbClr val="3333CC"/>
-                </a:solidFill>
-                <a:latin typeface="Open Sans" panose="020B0606030504020204" pitchFamily="34" charset="0"/>
-                <a:ea typeface="Open Sans" panose="020B0606030504020204" pitchFamily="34" charset="0"/>
-                <a:cs typeface="Open Sans" panose="020B0606030504020204" pitchFamily="34" charset="0"/>
-              </a:rPr>
-              <a:t>search </a:t>
+              <a:t>    search </a:t>
             </a:r>
             <a:r>
               <a:rPr lang="en-US" altLang="en-US" sz="1200" b="1" dirty="0">
@@ -26614,21 +26470,8 @@
                 <a:ea typeface="Open Sans" panose="020B0606030504020204" pitchFamily="34" charset="0"/>
                 <a:cs typeface="Open Sans" panose="020B0606030504020204" pitchFamily="34" charset="0"/>
               </a:rPr>
-              <a:t>Stationary </a:t>
-            </a:r>
-            <a:r>
-              <a:rPr lang="en-US" altLang="en-US" sz="2400" dirty="0" smtClean="0">
-                <a:latin typeface="Open Sans" panose="020B0606030504020204" pitchFamily="34" charset="0"/>
-                <a:ea typeface="Open Sans" panose="020B0606030504020204" pitchFamily="34" charset="0"/>
-                <a:cs typeface="Open Sans" panose="020B0606030504020204" pitchFamily="34" charset="0"/>
-              </a:rPr>
-              <a:t>distribution      </a:t>
-            </a:r>
-            <a:endParaRPr lang="en-US" altLang="en-US" sz="2400" dirty="0" smtClean="0">
-              <a:latin typeface="Open Sans" panose="020B0606030504020204" pitchFamily="34" charset="0"/>
-              <a:ea typeface="Open Sans" panose="020B0606030504020204" pitchFamily="34" charset="0"/>
-              <a:cs typeface="Open Sans" panose="020B0606030504020204" pitchFamily="34" charset="0"/>
-            </a:endParaRPr>
+              <a:t>Stationary distribution      </a:t>
+            </a:r>
           </a:p>
           <a:p>
             <a:pPr marL="0" indent="0">
@@ -27562,15 +27405,7 @@
                 <a:ea typeface="Open Sans" panose="020B0606030504020204" pitchFamily="34" charset="0"/>
                 <a:cs typeface="Open Sans" panose="020B0606030504020204" pitchFamily="34" charset="0"/>
               </a:rPr>
-              <a:t>Hitting </a:t>
-            </a:r>
-            <a:r>
-              <a:rPr lang="en-US" altLang="en-US" sz="2400" kern="0" dirty="0" smtClean="0">
-                <a:latin typeface="Open Sans" panose="020B0606030504020204" pitchFamily="34" charset="0"/>
-                <a:ea typeface="Open Sans" panose="020B0606030504020204" pitchFamily="34" charset="0"/>
-                <a:cs typeface="Open Sans" panose="020B0606030504020204" pitchFamily="34" charset="0"/>
-              </a:rPr>
-              <a:t>time</a:t>
+              <a:t>Hitting time</a:t>
             </a:r>
             <a:endParaRPr lang="en-US" altLang="en-US" sz="2400" kern="0" dirty="0" smtClean="0">
               <a:solidFill>
@@ -27615,15 +27450,7 @@
                 <a:ea typeface="Open Sans" panose="020B0606030504020204" pitchFamily="34" charset="0"/>
                 <a:cs typeface="Open Sans" panose="020B0606030504020204" pitchFamily="34" charset="0"/>
               </a:rPr>
-              <a:t>Commute </a:t>
-            </a:r>
-            <a:r>
-              <a:rPr lang="en-US" altLang="en-US" sz="2400" kern="0" dirty="0" smtClean="0">
-                <a:latin typeface="Open Sans" panose="020B0606030504020204" pitchFamily="34" charset="0"/>
-                <a:ea typeface="Open Sans" panose="020B0606030504020204" pitchFamily="34" charset="0"/>
-                <a:cs typeface="Open Sans" panose="020B0606030504020204" pitchFamily="34" charset="0"/>
-              </a:rPr>
-              <a:t>time</a:t>
+              <a:t>Commute time</a:t>
             </a:r>
             <a:endParaRPr lang="en-US" altLang="en-US" sz="2400" kern="0" dirty="0" smtClean="0">
               <a:solidFill>
@@ -27642,15 +27469,7 @@
                 <a:ea typeface="Open Sans" panose="020B0606030504020204" pitchFamily="34" charset="0"/>
                 <a:cs typeface="Open Sans" panose="020B0606030504020204" pitchFamily="34" charset="0"/>
               </a:rPr>
-              <a:t>Expected length of the </a:t>
-            </a:r>
-            <a:r>
-              <a:rPr lang="en-US" altLang="en-US" sz="2000" kern="0" dirty="0" smtClean="0">
-                <a:latin typeface="Open Sans" panose="020B0606030504020204" pitchFamily="34" charset="0"/>
-                <a:ea typeface="Open Sans" panose="020B0606030504020204" pitchFamily="34" charset="0"/>
-                <a:cs typeface="Open Sans" panose="020B0606030504020204" pitchFamily="34" charset="0"/>
-              </a:rPr>
-              <a:t>path </a:t>
+              <a:t>Expected length of the path </a:t>
             </a:r>
             <a:endParaRPr lang="en-US" altLang="en-US" sz="2000" kern="0" dirty="0" smtClean="0">
               <a:solidFill>
@@ -27687,18 +27506,7 @@
                 <a:ea typeface="Open Sans" panose="020B0606030504020204" pitchFamily="34" charset="0"/>
                 <a:cs typeface="Open Sans" panose="020B0606030504020204" pitchFamily="34" charset="0"/>
               </a:rPr>
-              <a:t>1</a:t>
-            </a:r>
-            <a:r>
-              <a:rPr lang="en-US" altLang="en-US" sz="2400" b="1" baseline="30000" dirty="0" smtClean="0">
-                <a:solidFill>
-                  <a:srgbClr val="3333FF"/>
-                </a:solidFill>
-                <a:latin typeface="Open Sans" panose="020B0606030504020204" pitchFamily="34" charset="0"/>
-                <a:ea typeface="Open Sans" panose="020B0606030504020204" pitchFamily="34" charset="0"/>
-                <a:cs typeface="Open Sans" panose="020B0606030504020204" pitchFamily="34" charset="0"/>
-              </a:rPr>
-              <a:t>, 2</a:t>
+              <a:t>1, 2</a:t>
             </a:r>
             <a:endParaRPr lang="en-US" altLang="en-US" sz="2400" dirty="0" smtClean="0">
               <a:latin typeface="Open Sans" panose="020B0606030504020204" pitchFamily="34" charset="0"/>
@@ -27763,7 +27571,18 @@
                 <a:ea typeface="Open Sans" panose="020B0606030504020204" pitchFamily="34" charset="0"/>
                 <a:cs typeface="Open Sans" panose="020B0606030504020204" pitchFamily="34" charset="0"/>
               </a:rPr>
-              <a:t>s </a:t>
+              <a:t>s small whenever  </a:t>
+            </a:r>
+            <a:r>
+              <a:rPr lang="en-US" altLang="en-US" sz="2000" dirty="0" smtClean="0">
+                <a:solidFill>
+                  <a:srgbClr val="FF0000"/>
+                </a:solidFill>
+                <a:latin typeface="Open Sans" panose="020B0606030504020204" pitchFamily="34" charset="0"/>
+                <a:ea typeface="Open Sans" panose="020B0606030504020204" pitchFamily="34" charset="0"/>
+                <a:cs typeface="Open Sans" panose="020B0606030504020204" pitchFamily="34" charset="0"/>
+              </a:rPr>
+              <a:t> </a:t>
             </a:r>
             <a:r>
               <a:rPr lang="en-US" altLang="en-US" sz="2000" dirty="0" smtClean="0">
@@ -27771,42 +27590,7 @@
                 <a:ea typeface="Open Sans" panose="020B0606030504020204" pitchFamily="34" charset="0"/>
                 <a:cs typeface="Open Sans" panose="020B0606030504020204" pitchFamily="34" charset="0"/>
               </a:rPr>
-              <a:t>small whenever </a:t>
-            </a:r>
-            <a:r>
-              <a:rPr lang="en-US" altLang="en-US" sz="2000" dirty="0" smtClean="0">
-                <a:latin typeface="Open Sans" panose="020B0606030504020204" pitchFamily="34" charset="0"/>
-                <a:ea typeface="Open Sans" panose="020B0606030504020204" pitchFamily="34" charset="0"/>
-                <a:cs typeface="Open Sans" panose="020B0606030504020204" pitchFamily="34" charset="0"/>
-              </a:rPr>
-              <a:t> </a:t>
-            </a:r>
-            <a:r>
-              <a:rPr lang="en-US" altLang="en-US" sz="2000" dirty="0" smtClean="0">
-                <a:solidFill>
-                  <a:srgbClr val="FF0000"/>
-                </a:solidFill>
-                <a:latin typeface="Open Sans" panose="020B0606030504020204" pitchFamily="34" charset="0"/>
-                <a:ea typeface="Open Sans" panose="020B0606030504020204" pitchFamily="34" charset="0"/>
-                <a:cs typeface="Open Sans" panose="020B0606030504020204" pitchFamily="34" charset="0"/>
-              </a:rPr>
-              <a:t> </a:t>
-            </a:r>
-            <a:r>
-              <a:rPr lang="en-US" altLang="en-US" sz="2000" dirty="0" smtClean="0">
-                <a:latin typeface="Open Sans" panose="020B0606030504020204" pitchFamily="34" charset="0"/>
-                <a:ea typeface="Open Sans" panose="020B0606030504020204" pitchFamily="34" charset="0"/>
-                <a:cs typeface="Open Sans" panose="020B0606030504020204" pitchFamily="34" charset="0"/>
-              </a:rPr>
-              <a:t>  has </a:t>
-            </a:r>
-            <a:r>
-              <a:rPr lang="en-US" altLang="en-US" sz="2000" dirty="0" smtClean="0">
-                <a:latin typeface="Open Sans" panose="020B0606030504020204" pitchFamily="34" charset="0"/>
-                <a:ea typeface="Open Sans" panose="020B0606030504020204" pitchFamily="34" charset="0"/>
-                <a:cs typeface="Open Sans" panose="020B0606030504020204" pitchFamily="34" charset="0"/>
-              </a:rPr>
-              <a:t>a large stationary probability </a:t>
+              <a:t>  has a large stationary probability </a:t>
             </a:r>
             <a:endParaRPr lang="en-US" altLang="en-US" sz="2000" dirty="0" smtClean="0">
               <a:solidFill>
@@ -28660,15 +28444,7 @@
                 <a:ea typeface="Open Sans" panose="020B0606030504020204" pitchFamily="34" charset="0"/>
                 <a:cs typeface="Open Sans" panose="020B0606030504020204" pitchFamily="34" charset="0"/>
               </a:rPr>
-              <a:t>Only considers paths of length at </a:t>
-            </a:r>
-            <a:r>
-              <a:rPr lang="en-US" altLang="en-US" sz="2000" dirty="0" smtClean="0">
-                <a:latin typeface="Open Sans" panose="020B0606030504020204" pitchFamily="34" charset="0"/>
-                <a:ea typeface="Open Sans" panose="020B0606030504020204" pitchFamily="34" charset="0"/>
-                <a:cs typeface="Open Sans" panose="020B0606030504020204" pitchFamily="34" charset="0"/>
-              </a:rPr>
-              <a:t>most</a:t>
+              <a:t>Only considers paths of length at most</a:t>
             </a:r>
             <a:endParaRPr lang="en-US" altLang="en-US" sz="2000" dirty="0" smtClean="0">
               <a:solidFill>
@@ -31546,7 +31322,7 @@
           <a:graphicData uri="http://schemas.openxmlformats.org/presentationml/2006/ole">
             <mc:AlternateContent xmlns:mc="http://schemas.openxmlformats.org/markup-compatibility/2006">
               <mc:Choice xmlns:v="urn:schemas-microsoft-com:vml" Requires="v">
-                <p:oleObj spid="_x0000_s8723" name="Visio" r:id="rId6" imgW="5289194" imgH="2914802" progId="Visio.Drawing.11">
+                <p:oleObj spid="_x0000_s8749" name="Visio" r:id="rId6" imgW="5289194" imgH="2914802" progId="Visio.Drawing.11">
                   <p:embed/>
                 </p:oleObj>
               </mc:Choice>
@@ -32068,30 +31844,12 @@
 
 <file path=ppt/tags/tag34.xml><?xml version="1.0" encoding="utf-8"?>
 <p:tagLst xmlns:a="http://schemas.openxmlformats.org/drawingml/2006/main" xmlns:r="http://schemas.openxmlformats.org/officeDocument/2006/relationships" xmlns:p="http://schemas.openxmlformats.org/presentationml/2006/main">
-  <p:tag name="TIMING" val="|14.6"/>
-</p:tagLst>
-</file>
-
-<file path=ppt/tags/tag35.xml><?xml version="1.0" encoding="utf-8"?>
-<p:tagLst xmlns:a="http://schemas.openxmlformats.org/drawingml/2006/main" xmlns:r="http://schemas.openxmlformats.org/officeDocument/2006/relationships" xmlns:p="http://schemas.openxmlformats.org/presentationml/2006/main">
-  <p:tag name="TIMING" val="|14.6"/>
-</p:tagLst>
-</file>
-
-<file path=ppt/tags/tag36.xml><?xml version="1.0" encoding="utf-8"?>
-<p:tagLst xmlns:a="http://schemas.openxmlformats.org/drawingml/2006/main" xmlns:r="http://schemas.openxmlformats.org/officeDocument/2006/relationships" xmlns:p="http://schemas.openxmlformats.org/presentationml/2006/main">
-  <p:tag name="TIMING" val="|34.9"/>
-</p:tagLst>
-</file>
-
-<file path=ppt/tags/tag37.xml><?xml version="1.0" encoding="utf-8"?>
-<p:tagLst xmlns:a="http://schemas.openxmlformats.org/drawingml/2006/main" xmlns:r="http://schemas.openxmlformats.org/officeDocument/2006/relationships" xmlns:p="http://schemas.openxmlformats.org/presentationml/2006/main">
   <p:tag name="OUTPUTDPI" val="1200"/>
-  <p:tag name="ORIGINALHEIGHT" val="123.7346"/>
-  <p:tag name="ORIGINALWIDTH" val="1169.104"/>
-  <p:tag name="LATEXADDIN" val="\documentclass{article}&#10;\usepackage{amsmath}&#10;\pagestyle{empty}&#10;\begin{document}&#10;&#10;$\mathrm{ep}(i \rightarrow j) + \mathrm{ep}(j \rightarrow i)$&#10;&#10;&#10;\end{document}"/>
+  <p:tag name="ORIGINALHEIGHT" val="137.4612"/>
+  <p:tag name="ORIGINALWIDTH" val="719.3802"/>
+  <p:tag name="LATEXADDIN" val="\documentclass{article}&#10;\usepackage{amsmath}&#10;\usepackage{bm}&#10;\usepackage{amsthm}&#10;\theoremstyle{plain}&#10;\pagestyle{empty}&#10;\newtheorem*{mylem*}{Lemma}&#10;&#10;\begin{document}&#10;&#10;\begin{mylem*}[Block Matrix Inversion Lemma]&#10;\begin{align*}&#10;\bm{M} = \begin{pmatrix}&#10;\bm{A} &amp; \bm{B} \\&#10;\bm{C} &amp; \bm{D}&#10;\end{pmatrix}&#10;\quad \Longrightarrow \quad&#10;\bm{M}^{-1} = \begin{pmatrix}&#10;\bm{A}^{-1} + \bm{A}^{-1} \bm{B} \bm{S}^{-1} \bm{C} \bm{A}^{-1} &amp;&#10;-\bm{A}^{-1} \bm{B} \bm{S}^{-1} \\&#10;-\bm{S}^{-1} \bm{C} \bm{A}^{-1} &amp; \bm{S}^{-1}&#10;\end{pmatrix}&#10;\end{align*}&#10;where $\bm{S} = \bm{D} - \bm{C}\bm{A}^{-1}\bm{B}$.&#10;\end{mylem*}&#10;&#10;&#10;\end{document}"/>
   <p:tag name="IGUANATEXSIZE" val="24"/>
-  <p:tag name="IGUANATEXCURSOR" val="140"/>
+  <p:tag name="IGUANATEXCURSOR" val="313"/>
   <p:tag name="TRANSPARENCY" val="True"/>
   <p:tag name="FILENAME" val=""/>
   <p:tag name="LATEXENGINEID" val="0"/>
@@ -32103,14 +31861,14 @@
 </p:tagLst>
 </file>
 
-<file path=ppt/tags/tag38.xml><?xml version="1.0" encoding="utf-8"?>
+<file path=ppt/tags/tag35.xml><?xml version="1.0" encoding="utf-8"?>
 <p:tagLst xmlns:a="http://schemas.openxmlformats.org/drawingml/2006/main" xmlns:r="http://schemas.openxmlformats.org/officeDocument/2006/relationships" xmlns:p="http://schemas.openxmlformats.org/presentationml/2006/main">
   <p:tag name="OUTPUTDPI" val="1200"/>
-  <p:tag name="ORIGINALHEIGHT" val="123.7346"/>
-  <p:tag name="ORIGINALWIDTH" val="1169.104"/>
-  <p:tag name="LATEXADDIN" val="\documentclass{article}&#10;\usepackage{amsmath}&#10;\pagestyle{empty}&#10;\begin{document}&#10;&#10;$\mathrm{ep}(i \rightarrow j) + \mathrm{ep}(j \rightarrow i)$&#10;&#10;&#10;\end{document}"/>
+  <p:tag name="ORIGINALHEIGHT" val="297.1779"/>
+  <p:tag name="ORIGINALWIDTH" val="720.6893"/>
+  <p:tag name="LATEXADDIN" val="\documentclass{article}&#10;\usepackage{amsmath}&#10;\usepackage{bm}&#10;\usepackage{amsthm}&#10;\theoremstyle{plain}&#10;\pagestyle{empty}&#10;\newtheorem*{mylem*}{Corollary}&#10;&#10;\begin{document}&#10;&#10;\begin{mylem*}&#10;\begin{align*}&#10;\hspace{-122pt}&#10;\begin{cases}&#10;\bm{M} &amp;= \begin{pmatrix}&#10;\bm{A} &amp; \bm{B} \\&#10;\bm{C} &amp; \bm{D}&#10;\end{pmatrix}&#10;\\ \quad \\&#10;\bm{M}^{-1} &amp;= \begin{pmatrix}&#10;\bm{P} &amp; \bm{Q} \\&#10;\bm{R} &amp; \bm{S}&#10;\end{pmatrix}&#10;\end{cases}&#10;\quad\Longrightarrow\quad&#10;\bm{A}^{-1} = \bm{P} - \bm{Q} \bm{S}^{-1} \bm{R}&#10;\end{align*}&#10;\end{mylem*}&#10;&#10;&#10;\end{document}"/>
   <p:tag name="IGUANATEXSIZE" val="24"/>
-  <p:tag name="IGUANATEXCURSOR" val="140"/>
+  <p:tag name="IGUANATEXCURSOR" val="496"/>
   <p:tag name="TRANSPARENCY" val="True"/>
   <p:tag name="FILENAME" val=""/>
   <p:tag name="LATEXENGINEID" val="0"/>
@@ -32119,6 +31877,24 @@
   <p:tag name="LATEXFORMWIDTH" val="384"/>
   <p:tag name="LATEXFORMWRAP" val="True"/>
   <p:tag name="BITMAPVECTOR" val="0"/>
+</p:tagLst>
+</file>
+
+<file path=ppt/tags/tag36.xml><?xml version="1.0" encoding="utf-8"?>
+<p:tagLst xmlns:a="http://schemas.openxmlformats.org/drawingml/2006/main" xmlns:r="http://schemas.openxmlformats.org/officeDocument/2006/relationships" xmlns:p="http://schemas.openxmlformats.org/presentationml/2006/main">
+  <p:tag name="TIMING" val="|14.6"/>
+</p:tagLst>
+</file>
+
+<file path=ppt/tags/tag37.xml><?xml version="1.0" encoding="utf-8"?>
+<p:tagLst xmlns:a="http://schemas.openxmlformats.org/drawingml/2006/main" xmlns:r="http://schemas.openxmlformats.org/officeDocument/2006/relationships" xmlns:p="http://schemas.openxmlformats.org/presentationml/2006/main">
+  <p:tag name="TIMING" val="|14.6"/>
+</p:tagLst>
+</file>
+
+<file path=ppt/tags/tag38.xml><?xml version="1.0" encoding="utf-8"?>
+<p:tagLst xmlns:a="http://schemas.openxmlformats.org/drawingml/2006/main" xmlns:r="http://schemas.openxmlformats.org/officeDocument/2006/relationships" xmlns:p="http://schemas.openxmlformats.org/presentationml/2006/main">
+  <p:tag name="TIMING" val="|34.9"/>
 </p:tagLst>
 </file>
 
@@ -32149,11 +31925,49 @@
 
 <file path=ppt/tags/tag40.xml><?xml version="1.0" encoding="utf-8"?>
 <p:tagLst xmlns:a="http://schemas.openxmlformats.org/drawingml/2006/main" xmlns:r="http://schemas.openxmlformats.org/officeDocument/2006/relationships" xmlns:p="http://schemas.openxmlformats.org/presentationml/2006/main">
+  <p:tag name="OUTPUTDPI" val="1200"/>
+  <p:tag name="ORIGINALHEIGHT" val="123.7346"/>
+  <p:tag name="ORIGINALWIDTH" val="1169.104"/>
+  <p:tag name="LATEXADDIN" val="\documentclass{article}&#10;\usepackage{amsmath}&#10;\pagestyle{empty}&#10;\begin{document}&#10;&#10;$\mathrm{ep}(i \rightarrow j) + \mathrm{ep}(j \rightarrow i)$&#10;&#10;&#10;\end{document}"/>
+  <p:tag name="IGUANATEXSIZE" val="24"/>
+  <p:tag name="IGUANATEXCURSOR" val="140"/>
+  <p:tag name="TRANSPARENCY" val="True"/>
+  <p:tag name="FILENAME" val=""/>
+  <p:tag name="LATEXENGINEID" val="0"/>
+  <p:tag name="TEMPFOLDER" val="c:\temp\"/>
+  <p:tag name="LATEXFORMHEIGHT" val="312"/>
+  <p:tag name="LATEXFORMWIDTH" val="384"/>
+  <p:tag name="LATEXFORMWRAP" val="True"/>
+  <p:tag name="BITMAPVECTOR" val="0"/>
+</p:tagLst>
+</file>
+
+<file path=ppt/tags/tag41.xml><?xml version="1.0" encoding="utf-8"?>
+<p:tagLst xmlns:a="http://schemas.openxmlformats.org/drawingml/2006/main" xmlns:r="http://schemas.openxmlformats.org/officeDocument/2006/relationships" xmlns:p="http://schemas.openxmlformats.org/presentationml/2006/main">
+  <p:tag name="OUTPUTDPI" val="1200"/>
+  <p:tag name="ORIGINALHEIGHT" val="123.7346"/>
+  <p:tag name="ORIGINALWIDTH" val="1169.104"/>
+  <p:tag name="LATEXADDIN" val="\documentclass{article}&#10;\usepackage{amsmath}&#10;\pagestyle{empty}&#10;\begin{document}&#10;&#10;$\mathrm{ep}(i \rightarrow j) + \mathrm{ep}(j \rightarrow i)$&#10;&#10;&#10;\end{document}"/>
+  <p:tag name="IGUANATEXSIZE" val="24"/>
+  <p:tag name="IGUANATEXCURSOR" val="140"/>
+  <p:tag name="TRANSPARENCY" val="True"/>
+  <p:tag name="FILENAME" val=""/>
+  <p:tag name="LATEXENGINEID" val="0"/>
+  <p:tag name="TEMPFOLDER" val="c:\temp\"/>
+  <p:tag name="LATEXFORMHEIGHT" val="312"/>
+  <p:tag name="LATEXFORMWIDTH" val="384"/>
+  <p:tag name="LATEXFORMWRAP" val="True"/>
+  <p:tag name="BITMAPVECTOR" val="0"/>
+</p:tagLst>
+</file>
+
+<file path=ppt/tags/tag42.xml><?xml version="1.0" encoding="utf-8"?>
+<p:tagLst xmlns:a="http://schemas.openxmlformats.org/drawingml/2006/main" xmlns:r="http://schemas.openxmlformats.org/officeDocument/2006/relationships" xmlns:p="http://schemas.openxmlformats.org/presentationml/2006/main">
   <p:tag name="TIMING" val="|36.8|20.5"/>
 </p:tagLst>
 </file>
 
-<file path=ppt/tags/tag41.xml><?xml version="1.0" encoding="utf-8"?>
+<file path=ppt/tags/tag43.xml><?xml version="1.0" encoding="utf-8"?>
 <p:tagLst xmlns:a="http://schemas.openxmlformats.org/drawingml/2006/main" xmlns:r="http://schemas.openxmlformats.org/officeDocument/2006/relationships" xmlns:p="http://schemas.openxmlformats.org/presentationml/2006/main">
   <p:tag name="OUTPUTDPI" val="1200"/>
   <p:tag name="ORIGINALHEIGHT" val="123.7346"/>
@@ -32172,7 +31986,7 @@
 </p:tagLst>
 </file>
 
-<file path=ppt/tags/tag42.xml><?xml version="1.0" encoding="utf-8"?>
+<file path=ppt/tags/tag44.xml><?xml version="1.0" encoding="utf-8"?>
 <p:tagLst xmlns:a="http://schemas.openxmlformats.org/drawingml/2006/main" xmlns:r="http://schemas.openxmlformats.org/officeDocument/2006/relationships" xmlns:p="http://schemas.openxmlformats.org/presentationml/2006/main">
   <p:tag name="OUTPUTDPI" val="1200"/>
   <p:tag name="ORIGINALHEIGHT" val="123.7346"/>
@@ -32191,19 +32005,19 @@
 </p:tagLst>
 </file>
 
-<file path=ppt/tags/tag43.xml><?xml version="1.0" encoding="utf-8"?>
+<file path=ppt/tags/tag45.xml><?xml version="1.0" encoding="utf-8"?>
 <p:tagLst xmlns:a="http://schemas.openxmlformats.org/drawingml/2006/main" xmlns:r="http://schemas.openxmlformats.org/officeDocument/2006/relationships" xmlns:p="http://schemas.openxmlformats.org/presentationml/2006/main">
   <p:tag name="TIMING" val="|14.6"/>
 </p:tagLst>
 </file>
 
-<file path=ppt/tags/tag44.xml><?xml version="1.0" encoding="utf-8"?>
+<file path=ppt/tags/tag46.xml><?xml version="1.0" encoding="utf-8"?>
 <p:tagLst xmlns:a="http://schemas.openxmlformats.org/drawingml/2006/main" xmlns:r="http://schemas.openxmlformats.org/officeDocument/2006/relationships" xmlns:p="http://schemas.openxmlformats.org/presentationml/2006/main">
   <p:tag name="TIMING" val="|14.6"/>
 </p:tagLst>
 </file>
 
-<file path=ppt/tags/tag45.xml><?xml version="1.0" encoding="utf-8"?>
+<file path=ppt/tags/tag47.xml><?xml version="1.0" encoding="utf-8"?>
 <p:tagLst xmlns:a="http://schemas.openxmlformats.org/drawingml/2006/main" xmlns:r="http://schemas.openxmlformats.org/officeDocument/2006/relationships" xmlns:p="http://schemas.openxmlformats.org/presentationml/2006/main">
   <p:tag name="TIMING" val="|14.6"/>
 </p:tagLst>

--- a/Random Walk based Proximity Measures in Directed Graphs.pptx
+++ b/Random Walk based Proximity Measures in Directed Graphs.pptx
@@ -134,7 +134,7 @@
   </p:defaultTextStyle>
   <p:extLst>
     <p:ext uri="{EFAFB233-063F-42B5-8137-9DF3F51BA10A}">
-      <p15:sldGuideLst xmlns="" xmlns:p15="http://schemas.microsoft.com/office/powerpoint/2012/main">
+      <p15:sldGuideLst xmlns:p15="http://schemas.microsoft.com/office/powerpoint/2012/main">
         <p15:guide id="1" orient="horz" pos="2160">
           <p15:clr>
             <a:srgbClr val="A4A3A4"/>
@@ -233,7 +233,7 @@
           <a:p>
             <a:fld id="{68F1ED60-613F-4894-A100-A48BBD071A74}" type="datetimeFigureOut">
               <a:rPr lang="en-US" smtClean="0"/>
-              <a:t>21-Mar-17</a:t>
+              <a:t>3/21/17</a:t>
             </a:fld>
             <a:endParaRPr lang="en-US"/>
           </a:p>
@@ -7134,7 +7134,7 @@
           <a:graphicData uri="http://schemas.openxmlformats.org/presentationml/2006/ole">
             <mc:AlternateContent xmlns:mc="http://schemas.openxmlformats.org/markup-compatibility/2006">
               <mc:Choice xmlns:v="urn:schemas-microsoft-com:vml" Requires="v">
-                <p:oleObj spid="_x0000_s26749" name="Visio" r:id="rId9" imgW="5289194" imgH="1988515" progId="Visio.Drawing.11">
+                <p:oleObj spid="_x0000_s26946" name="Visio" r:id="rId9" imgW="5289194" imgH="1988515" progId="Visio.Drawing.11">
                   <p:embed/>
                 </p:oleObj>
               </mc:Choice>
@@ -7236,7 +7236,7 @@
           <a:graphicData uri="http://schemas.openxmlformats.org/presentationml/2006/ole">
             <mc:AlternateContent xmlns:mc="http://schemas.openxmlformats.org/markup-compatibility/2006">
               <mc:Choice xmlns:v="urn:schemas-microsoft-com:vml" Requires="v">
-                <p:oleObj spid="_x0000_s26750" name="Visio" r:id="rId11" imgW="5289194" imgH="2888590" progId="Visio.Drawing.11">
+                <p:oleObj spid="_x0000_s26947" name="Visio" r:id="rId11" imgW="5289194" imgH="2888590" progId="Visio.Drawing.11">
                   <p:embed/>
                 </p:oleObj>
               </mc:Choice>
@@ -7337,7 +7337,7 @@
           <a:graphicData uri="http://schemas.openxmlformats.org/presentationml/2006/ole">
             <mc:AlternateContent xmlns:mc="http://schemas.openxmlformats.org/markup-compatibility/2006">
               <mc:Choice xmlns:v="urn:schemas-microsoft-com:vml" Requires="v">
-                <p:oleObj spid="_x0000_s26751" name="Visio" r:id="rId13" imgW="5186172" imgH="754685" progId="Visio.Drawing.11">
+                <p:oleObj spid="_x0000_s26948" name="Visio" r:id="rId13" imgW="5186172" imgH="754685" progId="Visio.Drawing.11">
                   <p:embed/>
                 </p:oleObj>
               </mc:Choice>
@@ -7438,7 +7438,7 @@
           <a:graphicData uri="http://schemas.openxmlformats.org/presentationml/2006/ole">
             <mc:AlternateContent xmlns:mc="http://schemas.openxmlformats.org/markup-compatibility/2006">
               <mc:Choice xmlns:v="urn:schemas-microsoft-com:vml" Requires="v">
-                <p:oleObj spid="_x0000_s26752" name="Visio" r:id="rId15" imgW="5186172" imgH="1870558" progId="Visio.Drawing.11">
+                <p:oleObj spid="_x0000_s26949" name="Visio" r:id="rId15" imgW="5186172" imgH="1870558" progId="Visio.Drawing.11">
                   <p:embed/>
                 </p:oleObj>
               </mc:Choice>
@@ -8670,7 +8670,7 @@
           <a:graphicData uri="http://schemas.openxmlformats.org/presentationml/2006/ole">
             <mc:AlternateContent xmlns:mc="http://schemas.openxmlformats.org/markup-compatibility/2006">
               <mc:Choice xmlns:v="urn:schemas-microsoft-com:vml" Requires="v">
-                <p:oleObj spid="_x0000_s12231" name="Visio" r:id="rId7" imgW="5038954" imgH="751637" progId="Visio.Drawing.11">
+                <p:oleObj spid="_x0000_s1066" name="Visio" r:id="rId7" imgW="5038954" imgH="751637" progId="Visio.Drawing.11">
                   <p:embed/>
                 </p:oleObj>
               </mc:Choice>
@@ -8825,7 +8825,7 @@
           <a:graphicData uri="http://schemas.openxmlformats.org/presentationml/2006/ole">
             <mc:AlternateContent xmlns:mc="http://schemas.openxmlformats.org/markup-compatibility/2006">
               <mc:Choice xmlns:v="urn:schemas-microsoft-com:vml" Requires="v">
-                <p:oleObj spid="_x0000_s12232" name="Visio" r:id="rId9" imgW="5038954" imgH="1130503" progId="Visio.Drawing.11">
+                <p:oleObj spid="_x0000_s1067" name="Visio" r:id="rId9" imgW="5038954" imgH="1130503" progId="Visio.Drawing.11">
                   <p:embed/>
                 </p:oleObj>
               </mc:Choice>
@@ -23026,12 +23026,169 @@
             <p:ph idx="1"/>
           </p:nvPr>
         </p:nvSpPr>
-        <p:spPr/>
+        <p:spPr>
+          <a:xfrm>
+            <a:off x="457200" y="2971800"/>
+            <a:ext cx="8229600" cy="3159125"/>
+          </a:xfrm>
+        </p:spPr>
         <p:txBody>
           <a:bodyPr/>
           <a:lstStyle/>
           <a:p>
+            <a:r>
+              <a:rPr lang="en-US" dirty="0" smtClean="0"/>
+              <a:t>Intuitively</a:t>
+            </a:r>
+            <a:r>
+              <a:rPr lang="en-US" altLang="en-US" sz="3200" b="1" baseline="30000" dirty="0">
+                <a:solidFill>
+                  <a:srgbClr val="3333FF"/>
+                </a:solidFill>
+                <a:latin typeface="Open Sans" panose="020B0606030504020204" pitchFamily="34" charset="0"/>
+                <a:ea typeface="Open Sans" panose="020B0606030504020204" pitchFamily="34" charset="0"/>
+                <a:cs typeface="Open Sans" panose="020B0606030504020204" pitchFamily="34" charset="0"/>
+              </a:rPr>
+              <a:t>1</a:t>
+            </a:r>
+            <a:endParaRPr lang="en-US" dirty="0" smtClean="0"/>
+          </a:p>
+          <a:p>
+            <a:pPr lvl="1"/>
             <a:endParaRPr lang="en-US" dirty="0"/>
+          </a:p>
+        </p:txBody>
+      </p:sp>
+      <p:sp>
+        <p:nvSpPr>
+          <p:cNvPr id="5" name="Rectangle 6"/>
+          <p:cNvSpPr>
+            <a:spLocks noChangeArrowheads="1"/>
+          </p:cNvSpPr>
+          <p:nvPr/>
+        </p:nvSpPr>
+        <p:spPr bwMode="auto">
+          <a:xfrm>
+            <a:off x="0" y="6188075"/>
+            <a:ext cx="8829675" cy="276999"/>
+          </a:xfrm>
+          <a:prstGeom prst="rect">
+            <a:avLst/>
+          </a:prstGeom>
+          <a:noFill/>
+          <a:ln>
+            <a:noFill/>
+          </a:ln>
+          <a:effectLst/>
+          <a:extLst>
+            <a:ext uri="{909E8E84-426E-40DD-AFC4-6F175D3DCCD1}">
+              <a14:hiddenFill xmlns:a14="http://schemas.microsoft.com/office/drawing/2010/main">
+                <a:solidFill>
+                  <a:schemeClr val="accent1"/>
+                </a:solidFill>
+              </a14:hiddenFill>
+            </a:ext>
+            <a:ext uri="{91240B29-F687-4F45-9708-019B960494DF}">
+              <a14:hiddenLine xmlns:a14="http://schemas.microsoft.com/office/drawing/2010/main" w="9525">
+                <a:solidFill>
+                  <a:schemeClr val="tx1"/>
+                </a:solidFill>
+                <a:miter lim="800000"/>
+                <a:headEnd/>
+                <a:tailEnd/>
+              </a14:hiddenLine>
+            </a:ext>
+            <a:ext uri="{AF507438-7753-43E0-B8FC-AC1667EBCBE1}">
+              <a14:hiddenEffects xmlns:a14="http://schemas.microsoft.com/office/drawing/2010/main">
+                <a:effectLst>
+                  <a:outerShdw dist="35921" dir="2700000" algn="ctr" rotWithShape="0">
+                    <a:schemeClr val="bg2"/>
+                  </a:outerShdw>
+                </a:effectLst>
+              </a14:hiddenEffects>
+            </a:ext>
+          </a:extLst>
+        </p:spPr>
+        <p:txBody>
+          <a:bodyPr>
+            <a:spAutoFit/>
+          </a:bodyPr>
+          <a:lstStyle/>
+          <a:p>
+            <a:pPr>
+              <a:spcBef>
+                <a:spcPct val="20000"/>
+              </a:spcBef>
+              <a:buClr>
+                <a:schemeClr val="accent1"/>
+              </a:buClr>
+              <a:buSzPct val="65000"/>
+              <a:buFont typeface="Wingdings" pitchFamily="2" charset="2"/>
+              <a:buNone/>
+            </a:pPr>
+            <a:r>
+              <a:rPr lang="en-US" altLang="en-US" sz="1200" b="1" dirty="0">
+                <a:solidFill>
+                  <a:srgbClr val="3333CC"/>
+                </a:solidFill>
+                <a:latin typeface="Open Sans" panose="020B0606030504020204" pitchFamily="34" charset="0"/>
+                <a:ea typeface="Open Sans" panose="020B0606030504020204" pitchFamily="34" charset="0"/>
+                <a:cs typeface="Open Sans" panose="020B0606030504020204" pitchFamily="34" charset="0"/>
+              </a:rPr>
+              <a:t>1. </a:t>
+            </a:r>
+            <a:r>
+              <a:rPr lang="en-US" altLang="en-US" sz="1200" b="1" dirty="0" smtClean="0">
+                <a:solidFill>
+                  <a:srgbClr val="3333CC"/>
+                </a:solidFill>
+                <a:latin typeface="Open Sans" panose="020B0606030504020204" pitchFamily="34" charset="0"/>
+                <a:ea typeface="Open Sans" panose="020B0606030504020204" pitchFamily="34" charset="0"/>
+                <a:cs typeface="Open Sans" panose="020B0606030504020204" pitchFamily="34" charset="0"/>
+              </a:rPr>
+              <a:t>L. </a:t>
+            </a:r>
+            <a:r>
+              <a:rPr lang="en-US" altLang="en-US" sz="1200" b="1" dirty="0" err="1" smtClean="0">
+                <a:solidFill>
+                  <a:srgbClr val="3333CC"/>
+                </a:solidFill>
+                <a:latin typeface="Open Sans" panose="020B0606030504020204" pitchFamily="34" charset="0"/>
+                <a:ea typeface="Open Sans" panose="020B0606030504020204" pitchFamily="34" charset="0"/>
+                <a:cs typeface="Open Sans" panose="020B0606030504020204" pitchFamily="34" charset="0"/>
+              </a:rPr>
+              <a:t>Lovász</a:t>
+            </a:r>
+            <a:r>
+              <a:rPr lang="en-US" altLang="en-US" sz="1200" b="1" dirty="0" smtClean="0">
+                <a:solidFill>
+                  <a:srgbClr val="3333CC"/>
+                </a:solidFill>
+                <a:latin typeface="Open Sans" panose="020B0606030504020204" pitchFamily="34" charset="0"/>
+                <a:ea typeface="Open Sans" panose="020B0606030504020204" pitchFamily="34" charset="0"/>
+                <a:cs typeface="Open Sans" panose="020B0606030504020204" pitchFamily="34" charset="0"/>
+              </a:rPr>
+              <a:t>. Random walks on graphs: A survey. </a:t>
+            </a:r>
+            <a:r>
+              <a:rPr lang="en-US" altLang="en-US" sz="1200" b="1" i="1" dirty="0" smtClean="0">
+                <a:solidFill>
+                  <a:srgbClr val="3333CC"/>
+                </a:solidFill>
+                <a:latin typeface="Open Sans" panose="020B0606030504020204" pitchFamily="34" charset="0"/>
+                <a:ea typeface="Open Sans" panose="020B0606030504020204" pitchFamily="34" charset="0"/>
+                <a:cs typeface="Open Sans" panose="020B0606030504020204" pitchFamily="34" charset="0"/>
+              </a:rPr>
+              <a:t>1993.</a:t>
+            </a:r>
+            <a:endParaRPr lang="en-US" altLang="en-US" sz="1200" b="1" i="1" dirty="0">
+              <a:solidFill>
+                <a:srgbClr val="3333CC"/>
+              </a:solidFill>
+              <a:latin typeface="Open Sans" panose="020B0606030504020204" pitchFamily="34" charset="0"/>
+              <a:ea typeface="Open Sans" panose="020B0606030504020204" pitchFamily="34" charset="0"/>
+              <a:cs typeface="Open Sans" panose="020B0606030504020204" pitchFamily="34" charset="0"/>
+            </a:endParaRPr>
           </a:p>
         </p:txBody>
       </p:sp>
@@ -23385,12 +23542,165 @@
             <p:ph idx="1"/>
           </p:nvPr>
         </p:nvSpPr>
-        <p:spPr/>
+        <p:spPr>
+          <a:xfrm>
+            <a:off x="457200" y="2971800"/>
+            <a:ext cx="8229600" cy="3159125"/>
+          </a:xfrm>
+        </p:spPr>
         <p:txBody>
           <a:bodyPr/>
           <a:lstStyle/>
           <a:p>
+            <a:r>
+              <a:rPr lang="en-US" dirty="0" smtClean="0"/>
+              <a:t>Proof</a:t>
+            </a:r>
+            <a:r>
+              <a:rPr lang="en-US" altLang="en-US" sz="2800" b="1" baseline="30000" dirty="0">
+                <a:solidFill>
+                  <a:srgbClr val="3333FF"/>
+                </a:solidFill>
+                <a:latin typeface="Open Sans" panose="020B0606030504020204" pitchFamily="34" charset="0"/>
+                <a:ea typeface="Open Sans" panose="020B0606030504020204" pitchFamily="34" charset="0"/>
+                <a:cs typeface="Open Sans" panose="020B0606030504020204" pitchFamily="34" charset="0"/>
+              </a:rPr>
+              <a:t>1</a:t>
+            </a:r>
             <a:endParaRPr lang="en-US" dirty="0"/>
+          </a:p>
+        </p:txBody>
+      </p:sp>
+      <p:sp>
+        <p:nvSpPr>
+          <p:cNvPr id="5" name="Rectangle 6"/>
+          <p:cNvSpPr>
+            <a:spLocks noChangeArrowheads="1"/>
+          </p:cNvSpPr>
+          <p:nvPr/>
+        </p:nvSpPr>
+        <p:spPr bwMode="auto">
+          <a:xfrm>
+            <a:off x="0" y="6188075"/>
+            <a:ext cx="8829675" cy="276999"/>
+          </a:xfrm>
+          <a:prstGeom prst="rect">
+            <a:avLst/>
+          </a:prstGeom>
+          <a:noFill/>
+          <a:ln>
+            <a:noFill/>
+          </a:ln>
+          <a:effectLst/>
+          <a:extLst>
+            <a:ext uri="{909E8E84-426E-40DD-AFC4-6F175D3DCCD1}">
+              <a14:hiddenFill xmlns:a14="http://schemas.microsoft.com/office/drawing/2010/main">
+                <a:solidFill>
+                  <a:schemeClr val="accent1"/>
+                </a:solidFill>
+              </a14:hiddenFill>
+            </a:ext>
+            <a:ext uri="{91240B29-F687-4F45-9708-019B960494DF}">
+              <a14:hiddenLine xmlns:a14="http://schemas.microsoft.com/office/drawing/2010/main" w="9525">
+                <a:solidFill>
+                  <a:schemeClr val="tx1"/>
+                </a:solidFill>
+                <a:miter lim="800000"/>
+                <a:headEnd/>
+                <a:tailEnd/>
+              </a14:hiddenLine>
+            </a:ext>
+            <a:ext uri="{AF507438-7753-43E0-B8FC-AC1667EBCBE1}">
+              <a14:hiddenEffects xmlns:a14="http://schemas.microsoft.com/office/drawing/2010/main">
+                <a:effectLst>
+                  <a:outerShdw dist="35921" dir="2700000" algn="ctr" rotWithShape="0">
+                    <a:schemeClr val="bg2"/>
+                  </a:outerShdw>
+                </a:effectLst>
+              </a14:hiddenEffects>
+            </a:ext>
+          </a:extLst>
+        </p:spPr>
+        <p:txBody>
+          <a:bodyPr>
+            <a:spAutoFit/>
+          </a:bodyPr>
+          <a:lstStyle/>
+          <a:p>
+            <a:pPr>
+              <a:spcBef>
+                <a:spcPct val="20000"/>
+              </a:spcBef>
+              <a:buClr>
+                <a:schemeClr val="accent1"/>
+              </a:buClr>
+              <a:buSzPct val="65000"/>
+              <a:buFont typeface="Wingdings" pitchFamily="2" charset="2"/>
+              <a:buNone/>
+            </a:pPr>
+            <a:r>
+              <a:rPr lang="en-US" altLang="en-US" sz="1200" b="1" dirty="0">
+                <a:solidFill>
+                  <a:srgbClr val="3333CC"/>
+                </a:solidFill>
+                <a:latin typeface="Open Sans" panose="020B0606030504020204" pitchFamily="34" charset="0"/>
+                <a:ea typeface="Open Sans" panose="020B0606030504020204" pitchFamily="34" charset="0"/>
+                <a:cs typeface="Open Sans" panose="020B0606030504020204" pitchFamily="34" charset="0"/>
+              </a:rPr>
+              <a:t>1. </a:t>
+            </a:r>
+            <a:r>
+              <a:rPr lang="en-US" altLang="en-US" sz="1200" b="1" dirty="0" smtClean="0">
+                <a:solidFill>
+                  <a:srgbClr val="3333CC"/>
+                </a:solidFill>
+                <a:latin typeface="Open Sans" panose="020B0606030504020204" pitchFamily="34" charset="0"/>
+                <a:ea typeface="Open Sans" panose="020B0606030504020204" pitchFamily="34" charset="0"/>
+                <a:cs typeface="Open Sans" panose="020B0606030504020204" pitchFamily="34" charset="0"/>
+              </a:rPr>
+              <a:t>L. </a:t>
+            </a:r>
+            <a:r>
+              <a:rPr lang="en-US" altLang="en-US" sz="1200" b="1" dirty="0" err="1" smtClean="0">
+                <a:solidFill>
+                  <a:srgbClr val="3333CC"/>
+                </a:solidFill>
+                <a:latin typeface="Open Sans" panose="020B0606030504020204" pitchFamily="34" charset="0"/>
+                <a:ea typeface="Open Sans" panose="020B0606030504020204" pitchFamily="34" charset="0"/>
+                <a:cs typeface="Open Sans" panose="020B0606030504020204" pitchFamily="34" charset="0"/>
+              </a:rPr>
+              <a:t>Lovász</a:t>
+            </a:r>
+            <a:r>
+              <a:rPr lang="en-US" altLang="en-US" sz="1200" b="1" dirty="0" smtClean="0">
+                <a:solidFill>
+                  <a:srgbClr val="3333CC"/>
+                </a:solidFill>
+                <a:latin typeface="Open Sans" panose="020B0606030504020204" pitchFamily="34" charset="0"/>
+                <a:ea typeface="Open Sans" panose="020B0606030504020204" pitchFamily="34" charset="0"/>
+                <a:cs typeface="Open Sans" panose="020B0606030504020204" pitchFamily="34" charset="0"/>
+              </a:rPr>
+              <a:t>. Random walks on graphs: A survey. </a:t>
+            </a:r>
+            <a:r>
+              <a:rPr lang="en-US" altLang="en-US" sz="1200" b="1" i="1" dirty="0" smtClean="0">
+                <a:solidFill>
+                  <a:srgbClr val="3333CC"/>
+                </a:solidFill>
+                <a:latin typeface="Open Sans" panose="020B0606030504020204" pitchFamily="34" charset="0"/>
+                <a:ea typeface="Open Sans" panose="020B0606030504020204" pitchFamily="34" charset="0"/>
+                <a:cs typeface="Open Sans" panose="020B0606030504020204" pitchFamily="34" charset="0"/>
+              </a:rPr>
+              <a:t>1993.</a:t>
+            </a:r>
+            <a:endParaRPr lang="en-US" altLang="en-US" sz="1200" b="1" i="1" dirty="0">
+              <a:solidFill>
+                <a:srgbClr val="3333CC"/>
+              </a:solidFill>
+              <a:latin typeface="Open Sans" panose="020B0606030504020204" pitchFamily="34" charset="0"/>
+              <a:ea typeface="Open Sans" panose="020B0606030504020204" pitchFamily="34" charset="0"/>
+              <a:cs typeface="Open Sans" panose="020B0606030504020204" pitchFamily="34" charset="0"/>
+            </a:endParaRPr>
           </a:p>
         </p:txBody>
       </p:sp>
@@ -23796,36 +24106,34 @@
       </p:grpSpPr>
       <p:sp>
         <p:nvSpPr>
-          <p:cNvPr id="4" name="TextBox 3"/>
-          <p:cNvSpPr txBox="1"/>
-          <p:nvPr/>
+          <p:cNvPr id="3" name="Rectangle 2"/>
+          <p:cNvSpPr>
+            <a:spLocks noGrp="1" noChangeArrowheads="1"/>
+          </p:cNvSpPr>
+          <p:nvPr>
+            <p:ph type="title"/>
+          </p:nvPr>
         </p:nvSpPr>
         <p:spPr>
           <a:xfrm>
-            <a:off x="2438400" y="3044280"/>
-            <a:ext cx="4267200" cy="769441"/>
+            <a:off x="2705100" y="2971800"/>
+            <a:ext cx="3733800" cy="914400"/>
           </a:xfrm>
-          <a:prstGeom prst="rect">
-            <a:avLst/>
-          </a:prstGeom>
-          <a:noFill/>
         </p:spPr>
         <p:txBody>
-          <a:bodyPr wrap="square" rtlCol="0" anchor="ctr">
-            <a:spAutoFit/>
-          </a:bodyPr>
+          <a:bodyPr anchor="ctr"/>
           <a:lstStyle/>
           <a:p>
             <a:pPr algn="ctr"/>
             <a:r>
-              <a:rPr lang="en-US" sz="4400" dirty="0" smtClean="0">
+              <a:rPr lang="en-US" altLang="en-US" sz="4400" b="1" dirty="0" smtClean="0">
                 <a:latin typeface="Open Sans" panose="020B0606030504020204" pitchFamily="34" charset="0"/>
                 <a:ea typeface="Open Sans" panose="020B0606030504020204" pitchFamily="34" charset="0"/>
                 <a:cs typeface="Open Sans" panose="020B0606030504020204" pitchFamily="34" charset="0"/>
               </a:rPr>
               <a:t>The End</a:t>
             </a:r>
-            <a:endParaRPr lang="en-US" sz="4400" dirty="0">
+            <a:endParaRPr lang="en-US" altLang="en-US" sz="4400" b="1" dirty="0">
               <a:latin typeface="Open Sans" panose="020B0606030504020204" pitchFamily="34" charset="0"/>
               <a:ea typeface="Open Sans" panose="020B0606030504020204" pitchFamily="34" charset="0"/>
               <a:cs typeface="Open Sans" panose="020B0606030504020204" pitchFamily="34" charset="0"/>
@@ -31322,7 +31630,7 @@
           <a:graphicData uri="http://schemas.openxmlformats.org/presentationml/2006/ole">
             <mc:AlternateContent xmlns:mc="http://schemas.openxmlformats.org/markup-compatibility/2006">
               <mc:Choice xmlns:v="urn:schemas-microsoft-com:vml" Requires="v">
-                <p:oleObj spid="_x0000_s8749" name="Visio" r:id="rId6" imgW="5289194" imgH="2914802" progId="Visio.Drawing.11">
+                <p:oleObj spid="_x0000_s8799" name="Visio" r:id="rId6" imgW="5289194" imgH="2914802" progId="Visio.Drawing.11">
                   <p:embed/>
                 </p:oleObj>
               </mc:Choice>

--- a/Random Walk based Proximity Measures in Directed Graphs.pptx
+++ b/Random Walk based Proximity Measures in Directed Graphs.pptx
@@ -5,7 +5,7 @@
     <p:sldMasterId id="2147483660" r:id="rId1"/>
   </p:sldMasterIdLst>
   <p:notesMasterIdLst>
-    <p:notesMasterId r:id="rId28"/>
+    <p:notesMasterId r:id="rId27"/>
   </p:notesMasterIdLst>
   <p:sldIdLst>
     <p:sldId id="257" r:id="rId2"/>
@@ -20,20 +20,19 @@
     <p:sldId id="267" r:id="rId11"/>
     <p:sldId id="268" r:id="rId12"/>
     <p:sldId id="269" r:id="rId13"/>
-    <p:sldId id="271" r:id="rId14"/>
-    <p:sldId id="272" r:id="rId15"/>
-    <p:sldId id="273" r:id="rId16"/>
-    <p:sldId id="274" r:id="rId17"/>
-    <p:sldId id="275" r:id="rId18"/>
-    <p:sldId id="276" r:id="rId19"/>
-    <p:sldId id="277" r:id="rId20"/>
-    <p:sldId id="278" r:id="rId21"/>
-    <p:sldId id="279" r:id="rId22"/>
-    <p:sldId id="280" r:id="rId23"/>
-    <p:sldId id="281" r:id="rId24"/>
-    <p:sldId id="282" r:id="rId25"/>
-    <p:sldId id="283" r:id="rId26"/>
-    <p:sldId id="284" r:id="rId27"/>
+    <p:sldId id="272" r:id="rId14"/>
+    <p:sldId id="273" r:id="rId15"/>
+    <p:sldId id="274" r:id="rId16"/>
+    <p:sldId id="275" r:id="rId17"/>
+    <p:sldId id="276" r:id="rId18"/>
+    <p:sldId id="277" r:id="rId19"/>
+    <p:sldId id="278" r:id="rId20"/>
+    <p:sldId id="279" r:id="rId21"/>
+    <p:sldId id="280" r:id="rId22"/>
+    <p:sldId id="281" r:id="rId23"/>
+    <p:sldId id="282" r:id="rId24"/>
+    <p:sldId id="283" r:id="rId25"/>
+    <p:sldId id="284" r:id="rId26"/>
   </p:sldIdLst>
   <p:sldSz cx="9144000" cy="6858000" type="screen4x3"/>
   <p:notesSz cx="6858000" cy="9144000"/>
@@ -134,7 +133,7 @@
   </p:defaultTextStyle>
   <p:extLst>
     <p:ext uri="{EFAFB233-063F-42B5-8137-9DF3F51BA10A}">
-      <p15:sldGuideLst xmlns:p15="http://schemas.microsoft.com/office/powerpoint/2012/main">
+      <p15:sldGuideLst xmlns:p15="http://schemas.microsoft.com/office/powerpoint/2012/main" xmlns="">
         <p15:guide id="1" orient="horz" pos="2160">
           <p15:clr>
             <a:srgbClr val="A4A3A4"/>
@@ -233,7 +232,7 @@
           <a:p>
             <a:fld id="{68F1ED60-613F-4894-A100-A48BBD071A74}" type="datetimeFigureOut">
               <a:rPr lang="en-US" smtClean="0"/>
-              <a:t>3/21/17</a:t>
+              <a:t>22-Mar-17</a:t>
             </a:fld>
             <a:endParaRPr lang="en-US"/>
           </a:p>
@@ -974,7 +973,7 @@
     </p:spTree>
     <p:extLst>
       <p:ext uri="{BB962C8B-B14F-4D97-AF65-F5344CB8AC3E}">
-        <p14:creationId xmlns:p14="http://schemas.microsoft.com/office/powerpoint/2010/main" val="1807390712"/>
+        <p14:creationId xmlns:p14="http://schemas.microsoft.com/office/powerpoint/2010/main" val="494956097"/>
       </p:ext>
     </p:extLst>
   </p:cSld>
@@ -1072,7 +1071,7 @@
     </p:spTree>
     <p:extLst>
       <p:ext uri="{BB962C8B-B14F-4D97-AF65-F5344CB8AC3E}">
-        <p14:creationId xmlns:p14="http://schemas.microsoft.com/office/powerpoint/2010/main" val="494956097"/>
+        <p14:creationId xmlns:p14="http://schemas.microsoft.com/office/powerpoint/2010/main" val="1811685339"/>
       </p:ext>
     </p:extLst>
   </p:cSld>
@@ -1116,7 +1115,7 @@
           <a:bodyPr/>
           <a:lstStyle/>
           <a:p>
-            <a:fld id="{D7588CFA-B87B-4BA5-AB21-272E6399FDC7}" type="slidenum">
+            <a:fld id="{D7BC0A31-96DE-0D49-A201-547659488F07}" type="slidenum">
               <a:rPr lang="en-US" altLang="en-US"/>
               <a:pPr/>
               <a:t>15</a:t>
@@ -1127,7 +1126,7 @@
       </p:sp>
       <p:sp>
         <p:nvSpPr>
-          <p:cNvPr id="431106" name="Rectangle 2"/>
+          <p:cNvPr id="237570" name="Rectangle 2"/>
           <p:cNvSpPr>
             <a:spLocks noGrp="1" noRot="1" noChangeAspect="1" noChangeArrowheads="1" noTextEdit="1"/>
           </p:cNvSpPr>
@@ -1141,7 +1140,7 @@
       </p:sp>
       <p:sp>
         <p:nvSpPr>
-          <p:cNvPr id="431107" name="Rectangle 3"/>
+          <p:cNvPr id="237571" name="Rectangle 3"/>
           <p:cNvSpPr>
             <a:spLocks noGrp="1" noChangeArrowheads="1"/>
           </p:cNvSpPr>
@@ -1155,22 +1154,39 @@
           <a:lstStyle/>
           <a:p>
             <a:r>
-              <a:rPr lang="en-US" altLang="en-US" dirty="0"/>
-              <a:t>Lets start with a few examples which require ranking on large graphs. Take for example recommender networks.</a:t>
-            </a:r>
-          </a:p>
-          <a:p>
-            <a:r>
-              <a:rPr lang="en-US" altLang="en-US" dirty="0"/>
-              <a:t>Here we have a bipartite graph of customers and movies. A customer has a link to a movie if he/she rated that movie. Now the question is…</a:t>
-            </a:r>
+              <a:rPr lang="en-US" altLang="zh-CN"/>
+              <a:t>We want to </a:t>
+            </a:r>
+            <a:r>
+              <a:rPr lang="en-US" altLang="en-US"/>
+              <a:t>check </a:t>
+            </a:r>
+            <a:r>
+              <a:rPr lang="en-US" altLang="zh-CN"/>
+              <a:t>both </a:t>
+            </a:r>
+            <a:r>
+              <a:rPr lang="en-US" altLang="en-US"/>
+              <a:t>the effectiveness and efficiency of our </a:t>
+            </a:r>
+            <a:r>
+              <a:rPr lang="en-US" altLang="zh-CN"/>
+              <a:t>DAP</a:t>
+            </a:r>
+            <a:r>
+              <a:rPr lang="en-US" altLang="en-US"/>
+              <a:t>.</a:t>
+            </a:r>
+          </a:p>
+          <a:p>
+            <a:endParaRPr lang="en-US" altLang="en-US"/>
           </a:p>
         </p:txBody>
       </p:sp>
     </p:spTree>
     <p:extLst>
       <p:ext uri="{BB962C8B-B14F-4D97-AF65-F5344CB8AC3E}">
-        <p14:creationId xmlns:p14="http://schemas.microsoft.com/office/powerpoint/2010/main" val="1811685339"/>
+        <p14:creationId xmlns:p14="http://schemas.microsoft.com/office/powerpoint/2010/main" val="58431674"/>
       </p:ext>
     </p:extLst>
   </p:cSld>
@@ -1214,7 +1230,7 @@
           <a:bodyPr/>
           <a:lstStyle/>
           <a:p>
-            <a:fld id="{D7BC0A31-96DE-0D49-A201-547659488F07}" type="slidenum">
+            <a:fld id="{A131F06E-0603-6E44-BE68-642247D6C20F}" type="slidenum">
               <a:rPr lang="en-US" altLang="en-US"/>
               <a:pPr/>
               <a:t>16</a:t>
@@ -1225,7 +1241,7 @@
       </p:sp>
       <p:sp>
         <p:nvSpPr>
-          <p:cNvPr id="237570" name="Rectangle 2"/>
+          <p:cNvPr id="130050" name="Rectangle 2"/>
           <p:cNvSpPr>
             <a:spLocks noGrp="1" noRot="1" noChangeAspect="1" noChangeArrowheads="1" noTextEdit="1"/>
           </p:cNvSpPr>
@@ -1239,7 +1255,7 @@
       </p:sp>
       <p:sp>
         <p:nvSpPr>
-          <p:cNvPr id="237571" name="Rectangle 3"/>
+          <p:cNvPr id="130051" name="Rectangle 3"/>
           <p:cNvSpPr>
             <a:spLocks noGrp="1" noChangeArrowheads="1"/>
           </p:cNvSpPr>
@@ -1253,31 +1269,16 @@
           <a:lstStyle/>
           <a:p>
             <a:r>
+              <a:rPr lang="en-US" altLang="en-US"/>
+              <a:t>Now we will show some experimental results to</a:t>
+            </a:r>
+            <a:endParaRPr lang="en-US" altLang="zh-CN"/>
+          </a:p>
+          <a:p>
+            <a:r>
               <a:rPr lang="en-US" altLang="zh-CN"/>
-              <a:t>We want to </a:t>
-            </a:r>
-            <a:r>
-              <a:rPr lang="en-US" altLang="en-US"/>
-              <a:t>check </a:t>
-            </a:r>
-            <a:r>
-              <a:rPr lang="en-US" altLang="zh-CN"/>
-              <a:t>both </a:t>
-            </a:r>
-            <a:r>
-              <a:rPr lang="en-US" altLang="en-US"/>
-              <a:t>the effectiveness and efficiency of our </a:t>
-            </a:r>
-            <a:r>
-              <a:rPr lang="en-US" altLang="zh-CN"/>
-              <a:t>DAP</a:t>
-            </a:r>
-            <a:r>
-              <a:rPr lang="en-US" altLang="en-US"/>
-              <a:t>.</a:t>
-            </a:r>
-          </a:p>
-          <a:p>
+              <a:t>We use five datasets and all of them are directed, such as web-link graph, who-trust-whom, who-emails-to whom and so on.</a:t>
+            </a:r>
             <a:endParaRPr lang="en-US" altLang="en-US"/>
           </a:p>
         </p:txBody>
@@ -1285,7 +1286,7 @@
     </p:spTree>
     <p:extLst>
       <p:ext uri="{BB962C8B-B14F-4D97-AF65-F5344CB8AC3E}">
-        <p14:creationId xmlns:p14="http://schemas.microsoft.com/office/powerpoint/2010/main" val="58431674"/>
+        <p14:creationId xmlns:p14="http://schemas.microsoft.com/office/powerpoint/2010/main" val="395157926"/>
       </p:ext>
     </p:extLst>
   </p:cSld>
@@ -1329,7 +1330,7 @@
           <a:bodyPr/>
           <a:lstStyle/>
           <a:p>
-            <a:fld id="{A131F06E-0603-6E44-BE68-642247D6C20F}" type="slidenum">
+            <a:fld id="{77347F79-4649-3248-99BE-12A3823CB10D}" type="slidenum">
               <a:rPr lang="en-US" altLang="en-US"/>
               <a:pPr/>
               <a:t>17</a:t>
@@ -1340,7 +1341,7 @@
       </p:sp>
       <p:sp>
         <p:nvSpPr>
-          <p:cNvPr id="130050" name="Rectangle 2"/>
+          <p:cNvPr id="212994" name="Rectangle 2"/>
           <p:cNvSpPr>
             <a:spLocks noGrp="1" noRot="1" noChangeAspect="1" noChangeArrowheads="1" noTextEdit="1"/>
           </p:cNvSpPr>
@@ -1354,7 +1355,7 @@
       </p:sp>
       <p:sp>
         <p:nvSpPr>
-          <p:cNvPr id="130051" name="Rectangle 3"/>
+          <p:cNvPr id="212995" name="Rectangle 3"/>
           <p:cNvSpPr>
             <a:spLocks noGrp="1" noChangeArrowheads="1"/>
           </p:cNvSpPr>
@@ -1367,17 +1368,6 @@
           <a:bodyPr/>
           <a:lstStyle/>
           <a:p>
-            <a:r>
-              <a:rPr lang="en-US" altLang="en-US"/>
-              <a:t>Now we will show some experimental results to</a:t>
-            </a:r>
-            <a:endParaRPr lang="en-US" altLang="zh-CN"/>
-          </a:p>
-          <a:p>
-            <a:r>
-              <a:rPr lang="en-US" altLang="zh-CN"/>
-              <a:t>We use five datasets and all of them are directed, such as web-link graph, who-trust-whom, who-emails-to whom and so on.</a:t>
-            </a:r>
             <a:endParaRPr lang="en-US" altLang="en-US"/>
           </a:p>
         </p:txBody>
@@ -1385,7 +1375,7 @@
     </p:spTree>
     <p:extLst>
       <p:ext uri="{BB962C8B-B14F-4D97-AF65-F5344CB8AC3E}">
-        <p14:creationId xmlns:p14="http://schemas.microsoft.com/office/powerpoint/2010/main" val="395157926"/>
+        <p14:creationId xmlns:p14="http://schemas.microsoft.com/office/powerpoint/2010/main" val="1395366534"/>
       </p:ext>
     </p:extLst>
   </p:cSld>
@@ -1429,7 +1419,7 @@
           <a:bodyPr/>
           <a:lstStyle/>
           <a:p>
-            <a:fld id="{77347F79-4649-3248-99BE-12A3823CB10D}" type="slidenum">
+            <a:fld id="{9F279C09-63C1-814A-8E49-872868C68D00}" type="slidenum">
               <a:rPr lang="en-US" altLang="en-US"/>
               <a:pPr/>
               <a:t>18</a:t>
@@ -1440,7 +1430,7 @@
       </p:sp>
       <p:sp>
         <p:nvSpPr>
-          <p:cNvPr id="212994" name="Rectangle 2"/>
+          <p:cNvPr id="254978" name="Rectangle 2"/>
           <p:cNvSpPr>
             <a:spLocks noGrp="1" noRot="1" noChangeAspect="1" noChangeArrowheads="1" noTextEdit="1"/>
           </p:cNvSpPr>
@@ -1454,7 +1444,7 @@
       </p:sp>
       <p:sp>
         <p:nvSpPr>
-          <p:cNvPr id="212995" name="Rectangle 3"/>
+          <p:cNvPr id="254979" name="Rectangle 3"/>
           <p:cNvSpPr>
             <a:spLocks noGrp="1" noChangeArrowheads="1"/>
           </p:cNvSpPr>
@@ -1474,7 +1464,7 @@
     </p:spTree>
     <p:extLst>
       <p:ext uri="{BB962C8B-B14F-4D97-AF65-F5344CB8AC3E}">
-        <p14:creationId xmlns:p14="http://schemas.microsoft.com/office/powerpoint/2010/main" val="1395366534"/>
+        <p14:creationId xmlns:p14="http://schemas.microsoft.com/office/powerpoint/2010/main" val="64255960"/>
       </p:ext>
     </p:extLst>
   </p:cSld>
@@ -1518,7 +1508,7 @@
           <a:bodyPr/>
           <a:lstStyle/>
           <a:p>
-            <a:fld id="{9F279C09-63C1-814A-8E49-872868C68D00}" type="slidenum">
+            <a:fld id="{ECA597D7-A22C-9240-9E79-1FF857601E64}" type="slidenum">
               <a:rPr lang="en-US" altLang="en-US"/>
               <a:pPr/>
               <a:t>19</a:t>
@@ -1529,7 +1519,7 @@
       </p:sp>
       <p:sp>
         <p:nvSpPr>
-          <p:cNvPr id="254978" name="Rectangle 2"/>
+          <p:cNvPr id="238594" name="Rectangle 2"/>
           <p:cNvSpPr>
             <a:spLocks noGrp="1" noRot="1" noChangeAspect="1" noChangeArrowheads="1" noTextEdit="1"/>
           </p:cNvSpPr>
@@ -1543,7 +1533,7 @@
       </p:sp>
       <p:sp>
         <p:nvSpPr>
-          <p:cNvPr id="254979" name="Rectangle 3"/>
+          <p:cNvPr id="238595" name="Rectangle 3"/>
           <p:cNvSpPr>
             <a:spLocks noGrp="1" noChangeArrowheads="1"/>
           </p:cNvSpPr>
@@ -1563,7 +1553,7 @@
     </p:spTree>
     <p:extLst>
       <p:ext uri="{BB962C8B-B14F-4D97-AF65-F5344CB8AC3E}">
-        <p14:creationId xmlns:p14="http://schemas.microsoft.com/office/powerpoint/2010/main" val="64255960"/>
+        <p14:creationId xmlns:p14="http://schemas.microsoft.com/office/powerpoint/2010/main" val="1542602616"/>
       </p:ext>
     </p:extLst>
   </p:cSld>
@@ -1705,7 +1695,7 @@
           <a:bodyPr/>
           <a:lstStyle/>
           <a:p>
-            <a:fld id="{ECA597D7-A22C-9240-9E79-1FF857601E64}" type="slidenum">
+            <a:fld id="{B2460CB1-3707-6947-9355-7D1210D47362}" type="slidenum">
               <a:rPr lang="en-US" altLang="en-US"/>
               <a:pPr/>
               <a:t>20</a:t>
@@ -1716,7 +1706,7 @@
       </p:sp>
       <p:sp>
         <p:nvSpPr>
-          <p:cNvPr id="238594" name="Rectangle 2"/>
+          <p:cNvPr id="239618" name="Rectangle 2"/>
           <p:cNvSpPr>
             <a:spLocks noGrp="1" noRot="1" noChangeAspect="1" noChangeArrowheads="1" noTextEdit="1"/>
           </p:cNvSpPr>
@@ -1730,7 +1720,7 @@
       </p:sp>
       <p:sp>
         <p:nvSpPr>
-          <p:cNvPr id="238595" name="Rectangle 3"/>
+          <p:cNvPr id="239619" name="Rectangle 3"/>
           <p:cNvSpPr>
             <a:spLocks noGrp="1" noChangeArrowheads="1"/>
           </p:cNvSpPr>
@@ -1750,7 +1740,7 @@
     </p:spTree>
     <p:extLst>
       <p:ext uri="{BB962C8B-B14F-4D97-AF65-F5344CB8AC3E}">
-        <p14:creationId xmlns:p14="http://schemas.microsoft.com/office/powerpoint/2010/main" val="1542602616"/>
+        <p14:creationId xmlns:p14="http://schemas.microsoft.com/office/powerpoint/2010/main" val="1466636004"/>
       </p:ext>
     </p:extLst>
   </p:cSld>
@@ -1794,7 +1784,7 @@
           <a:bodyPr/>
           <a:lstStyle/>
           <a:p>
-            <a:fld id="{B2460CB1-3707-6947-9355-7D1210D47362}" type="slidenum">
+            <a:fld id="{EDA7DCA8-023E-DE4A-9C3A-9C0491C6A793}" type="slidenum">
               <a:rPr lang="en-US" altLang="en-US"/>
               <a:pPr/>
               <a:t>21</a:t>
@@ -1805,7 +1795,7 @@
       </p:sp>
       <p:sp>
         <p:nvSpPr>
-          <p:cNvPr id="239618" name="Rectangle 2"/>
+          <p:cNvPr id="240642" name="Rectangle 2"/>
           <p:cNvSpPr>
             <a:spLocks noGrp="1" noRot="1" noChangeAspect="1" noChangeArrowheads="1" noTextEdit="1"/>
           </p:cNvSpPr>
@@ -1819,7 +1809,7 @@
       </p:sp>
       <p:sp>
         <p:nvSpPr>
-          <p:cNvPr id="239619" name="Rectangle 3"/>
+          <p:cNvPr id="240643" name="Rectangle 3"/>
           <p:cNvSpPr>
             <a:spLocks noGrp="1" noChangeArrowheads="1"/>
           </p:cNvSpPr>
@@ -1832,6 +1822,10 @@
           <a:bodyPr/>
           <a:lstStyle/>
           <a:p>
+            <a:r>
+              <a:rPr lang="en-US" altLang="zh-CN"/>
+              <a:t>Similar observation for computing one single proximity</a:t>
+            </a:r>
             <a:endParaRPr lang="en-US" altLang="en-US"/>
           </a:p>
         </p:txBody>
@@ -1839,7 +1833,7 @@
     </p:spTree>
     <p:extLst>
       <p:ext uri="{BB962C8B-B14F-4D97-AF65-F5344CB8AC3E}">
-        <p14:creationId xmlns:p14="http://schemas.microsoft.com/office/powerpoint/2010/main" val="1466636004"/>
+        <p14:creationId xmlns:p14="http://schemas.microsoft.com/office/powerpoint/2010/main" val="2098718411"/>
       </p:ext>
     </p:extLst>
   </p:cSld>
@@ -1883,7 +1877,7 @@
           <a:bodyPr/>
           <a:lstStyle/>
           <a:p>
-            <a:fld id="{EDA7DCA8-023E-DE4A-9C3A-9C0491C6A793}" type="slidenum">
+            <a:fld id="{D7588CFA-B87B-4BA5-AB21-272E6399FDC7}" type="slidenum">
               <a:rPr lang="en-US" altLang="en-US"/>
               <a:pPr/>
               <a:t>22</a:t>
@@ -1894,7 +1888,7 @@
       </p:sp>
       <p:sp>
         <p:nvSpPr>
-          <p:cNvPr id="240642" name="Rectangle 2"/>
+          <p:cNvPr id="431106" name="Rectangle 2"/>
           <p:cNvSpPr>
             <a:spLocks noGrp="1" noRot="1" noChangeAspect="1" noChangeArrowheads="1" noTextEdit="1"/>
           </p:cNvSpPr>
@@ -1908,7 +1902,7 @@
       </p:sp>
       <p:sp>
         <p:nvSpPr>
-          <p:cNvPr id="240643" name="Rectangle 3"/>
+          <p:cNvPr id="431107" name="Rectangle 3"/>
           <p:cNvSpPr>
             <a:spLocks noGrp="1" noChangeArrowheads="1"/>
           </p:cNvSpPr>
@@ -1922,17 +1916,22 @@
           <a:lstStyle/>
           <a:p>
             <a:r>
-              <a:rPr lang="en-US" altLang="zh-CN"/>
-              <a:t>Similar observation for computing one single proximity</a:t>
-            </a:r>
-            <a:endParaRPr lang="en-US" altLang="en-US"/>
+              <a:rPr lang="en-US" altLang="en-US" dirty="0"/>
+              <a:t>Lets start with a few examples which require ranking on large graphs. Take for example recommender networks.</a:t>
+            </a:r>
+          </a:p>
+          <a:p>
+            <a:r>
+              <a:rPr lang="en-US" altLang="en-US" dirty="0"/>
+              <a:t>Here we have a bipartite graph of customers and movies. A customer has a link to a movie if he/she rated that movie. Now the question is…</a:t>
+            </a:r>
           </a:p>
         </p:txBody>
       </p:sp>
     </p:spTree>
     <p:extLst>
       <p:ext uri="{BB962C8B-B14F-4D97-AF65-F5344CB8AC3E}">
-        <p14:creationId xmlns:p14="http://schemas.microsoft.com/office/powerpoint/2010/main" val="2098718411"/>
+        <p14:creationId xmlns:p14="http://schemas.microsoft.com/office/powerpoint/2010/main" val="2012918360"/>
       </p:ext>
     </p:extLst>
   </p:cSld>
@@ -2078,104 +2077,6 @@
               <a:rPr lang="en-US" altLang="en-US"/>
               <a:pPr/>
               <a:t>24</a:t>
-            </a:fld>
-            <a:endParaRPr lang="en-US" altLang="en-US"/>
-          </a:p>
-        </p:txBody>
-      </p:sp>
-      <p:sp>
-        <p:nvSpPr>
-          <p:cNvPr id="431106" name="Rectangle 2"/>
-          <p:cNvSpPr>
-            <a:spLocks noGrp="1" noRot="1" noChangeAspect="1" noChangeArrowheads="1" noTextEdit="1"/>
-          </p:cNvSpPr>
-          <p:nvPr>
-            <p:ph type="sldImg"/>
-          </p:nvPr>
-        </p:nvSpPr>
-        <p:spPr>
-          <a:ln/>
-        </p:spPr>
-      </p:sp>
-      <p:sp>
-        <p:nvSpPr>
-          <p:cNvPr id="431107" name="Rectangle 3"/>
-          <p:cNvSpPr>
-            <a:spLocks noGrp="1" noChangeArrowheads="1"/>
-          </p:cNvSpPr>
-          <p:nvPr>
-            <p:ph type="body" idx="1"/>
-          </p:nvPr>
-        </p:nvSpPr>
-        <p:spPr/>
-        <p:txBody>
-          <a:bodyPr/>
-          <a:lstStyle/>
-          <a:p>
-            <a:r>
-              <a:rPr lang="en-US" altLang="en-US" dirty="0"/>
-              <a:t>Lets start with a few examples which require ranking on large graphs. Take for example recommender networks.</a:t>
-            </a:r>
-          </a:p>
-          <a:p>
-            <a:r>
-              <a:rPr lang="en-US" altLang="en-US" dirty="0"/>
-              <a:t>Here we have a bipartite graph of customers and movies. A customer has a link to a movie if he/she rated that movie. Now the question is…</a:t>
-            </a:r>
-          </a:p>
-        </p:txBody>
-      </p:sp>
-    </p:spTree>
-    <p:extLst>
-      <p:ext uri="{BB962C8B-B14F-4D97-AF65-F5344CB8AC3E}">
-        <p14:creationId xmlns:p14="http://schemas.microsoft.com/office/powerpoint/2010/main" val="2012918360"/>
-      </p:ext>
-    </p:extLst>
-  </p:cSld>
-  <p:clrMapOvr>
-    <a:masterClrMapping/>
-  </p:clrMapOvr>
-</p:notes>
-</file>
-
-<file path=ppt/notesSlides/notesSlide25.xml><?xml version="1.0" encoding="utf-8"?>
-<p:notes xmlns:a="http://schemas.openxmlformats.org/drawingml/2006/main" xmlns:r="http://schemas.openxmlformats.org/officeDocument/2006/relationships" xmlns:p="http://schemas.openxmlformats.org/presentationml/2006/main">
-  <p:cSld>
-    <p:spTree>
-      <p:nvGrpSpPr>
-        <p:cNvPr id="1" name=""/>
-        <p:cNvGrpSpPr/>
-        <p:nvPr/>
-      </p:nvGrpSpPr>
-      <p:grpSpPr>
-        <a:xfrm>
-          <a:off x="0" y="0"/>
-          <a:ext cx="0" cy="0"/>
-          <a:chOff x="0" y="0"/>
-          <a:chExt cx="0" cy="0"/>
-        </a:xfrm>
-      </p:grpSpPr>
-      <p:sp>
-        <p:nvSpPr>
-          <p:cNvPr id="7" name="Rectangle 7"/>
-          <p:cNvSpPr>
-            <a:spLocks noGrp="1" noChangeArrowheads="1"/>
-          </p:cNvSpPr>
-          <p:nvPr>
-            <p:ph type="sldNum" sz="quarter" idx="5"/>
-          </p:nvPr>
-        </p:nvSpPr>
-        <p:spPr>
-          <a:ln/>
-        </p:spPr>
-        <p:txBody>
-          <a:bodyPr/>
-          <a:lstStyle/>
-          <a:p>
-            <a:fld id="{D7588CFA-B87B-4BA5-AB21-272E6399FDC7}" type="slidenum">
-              <a:rPr lang="en-US" altLang="en-US"/>
-              <a:pPr/>
-              <a:t>25</a:t>
             </a:fld>
             <a:endParaRPr lang="en-US" altLang="en-US"/>
           </a:p>
@@ -7134,7 +7035,7 @@
           <a:graphicData uri="http://schemas.openxmlformats.org/presentationml/2006/ole">
             <mc:AlternateContent xmlns:mc="http://schemas.openxmlformats.org/markup-compatibility/2006">
               <mc:Choice xmlns:v="urn:schemas-microsoft-com:vml" Requires="v">
-                <p:oleObj spid="_x0000_s26946" name="Visio" r:id="rId9" imgW="5289194" imgH="1988515" progId="Visio.Drawing.11">
+                <p:oleObj spid="_x0000_s27342" name="Visio" r:id="rId9" imgW="5289194" imgH="1988515" progId="Visio.Drawing.11">
                   <p:embed/>
                 </p:oleObj>
               </mc:Choice>
@@ -7236,7 +7137,7 @@
           <a:graphicData uri="http://schemas.openxmlformats.org/presentationml/2006/ole">
             <mc:AlternateContent xmlns:mc="http://schemas.openxmlformats.org/markup-compatibility/2006">
               <mc:Choice xmlns:v="urn:schemas-microsoft-com:vml" Requires="v">
-                <p:oleObj spid="_x0000_s26947" name="Visio" r:id="rId11" imgW="5289194" imgH="2888590" progId="Visio.Drawing.11">
+                <p:oleObj spid="_x0000_s27343" name="Visio" r:id="rId11" imgW="5289194" imgH="2888590" progId="Visio.Drawing.11">
                   <p:embed/>
                 </p:oleObj>
               </mc:Choice>
@@ -7337,7 +7238,7 @@
           <a:graphicData uri="http://schemas.openxmlformats.org/presentationml/2006/ole">
             <mc:AlternateContent xmlns:mc="http://schemas.openxmlformats.org/markup-compatibility/2006">
               <mc:Choice xmlns:v="urn:schemas-microsoft-com:vml" Requires="v">
-                <p:oleObj spid="_x0000_s26948" name="Visio" r:id="rId13" imgW="5186172" imgH="754685" progId="Visio.Drawing.11">
+                <p:oleObj spid="_x0000_s27344" name="Visio" r:id="rId13" imgW="5186172" imgH="754685" progId="Visio.Drawing.11">
                   <p:embed/>
                 </p:oleObj>
               </mc:Choice>
@@ -7438,7 +7339,7 @@
           <a:graphicData uri="http://schemas.openxmlformats.org/presentationml/2006/ole">
             <mc:AlternateContent xmlns:mc="http://schemas.openxmlformats.org/markup-compatibility/2006">
               <mc:Choice xmlns:v="urn:schemas-microsoft-com:vml" Requires="v">
-                <p:oleObj spid="_x0000_s26949" name="Visio" r:id="rId15" imgW="5186172" imgH="1870558" progId="Visio.Drawing.11">
+                <p:oleObj spid="_x0000_s27345" name="Visio" r:id="rId15" imgW="5186172" imgH="1870558" progId="Visio.Drawing.11">
                   <p:embed/>
                 </p:oleObj>
               </mc:Choice>
@@ -8670,7 +8571,7 @@
           <a:graphicData uri="http://schemas.openxmlformats.org/presentationml/2006/ole">
             <mc:AlternateContent xmlns:mc="http://schemas.openxmlformats.org/markup-compatibility/2006">
               <mc:Choice xmlns:v="urn:schemas-microsoft-com:vml" Requires="v">
-                <p:oleObj spid="_x0000_s1066" name="Visio" r:id="rId7" imgW="5038954" imgH="751637" progId="Visio.Drawing.11">
+                <p:oleObj spid="_x0000_s1264" name="Visio" r:id="rId7" imgW="5038954" imgH="751637" progId="Visio.Drawing.11">
                   <p:embed/>
                 </p:oleObj>
               </mc:Choice>
@@ -8825,7 +8726,7 @@
           <a:graphicData uri="http://schemas.openxmlformats.org/presentationml/2006/ole">
             <mc:AlternateContent xmlns:mc="http://schemas.openxmlformats.org/markup-compatibility/2006">
               <mc:Choice xmlns:v="urn:schemas-microsoft-com:vml" Requires="v">
-                <p:oleObj spid="_x0000_s1067" name="Visio" r:id="rId9" imgW="5038954" imgH="1130503" progId="Visio.Drawing.11">
+                <p:oleObj spid="_x0000_s1265" name="Visio" r:id="rId9" imgW="5038954" imgH="1130503" progId="Visio.Drawing.11">
                   <p:embed/>
                 </p:oleObj>
               </mc:Choice>
@@ -9456,7 +9357,23 @@
                 <a:ea typeface="Open Sans" panose="020B0606030504020204" pitchFamily="34" charset="0"/>
                 <a:cs typeface="Open Sans" panose="020B0606030504020204" pitchFamily="34" charset="0"/>
               </a:rPr>
-              <a:t>Solving escape probability</a:t>
+              <a:t>Solving ep(</a:t>
+            </a:r>
+            <a:r>
+              <a:rPr lang="en-US" altLang="en-US" sz="3200" b="1" dirty="0" err="1" smtClean="0">
+                <a:latin typeface="Open Sans" panose="020B0606030504020204" pitchFamily="34" charset="0"/>
+                <a:ea typeface="Open Sans" panose="020B0606030504020204" pitchFamily="34" charset="0"/>
+                <a:cs typeface="Open Sans" panose="020B0606030504020204" pitchFamily="34" charset="0"/>
+              </a:rPr>
+              <a:t>i</a:t>
+            </a:r>
+            <a:r>
+              <a:rPr lang="en-US" altLang="en-US" sz="3200" b="1" dirty="0" smtClean="0">
+                <a:latin typeface="Open Sans" panose="020B0606030504020204" pitchFamily="34" charset="0"/>
+                <a:ea typeface="Open Sans" panose="020B0606030504020204" pitchFamily="34" charset="0"/>
+                <a:cs typeface="Open Sans" panose="020B0606030504020204" pitchFamily="34" charset="0"/>
+              </a:rPr>
+              <a:t> -&gt; j)</a:t>
             </a:r>
             <a:endParaRPr lang="en-US" altLang="en-US" sz="3200" b="1" dirty="0">
               <a:latin typeface="Open Sans" panose="020B0606030504020204" pitchFamily="34" charset="0"/>
@@ -9476,7 +9393,7 @@
         </p:nvSpPr>
         <p:spPr bwMode="auto">
           <a:xfrm>
-            <a:off x="457200" y="1600200"/>
+            <a:off x="457200" y="1524000"/>
             <a:ext cx="8229600" cy="4960938"/>
           </a:xfrm>
           <a:prstGeom prst="rect">
@@ -9739,15 +9656,653 @@
             <p:ph idx="1"/>
           </p:nvPr>
         </p:nvSpPr>
-        <p:spPr/>
+        <p:spPr>
+          <a:xfrm>
+            <a:off x="457200" y="1066800"/>
+            <a:ext cx="8229600" cy="4987925"/>
+          </a:xfrm>
+        </p:spPr>
         <p:txBody>
           <a:bodyPr/>
           <a:lstStyle/>
           <a:p>
-            <a:endParaRPr lang="en-US" dirty="0"/>
+            <a:r>
+              <a:rPr lang="en-US" sz="2200" dirty="0">
+                <a:latin typeface="Open Sans" panose="020B0606030504020204" pitchFamily="34" charset="0"/>
+                <a:ea typeface="Open Sans" panose="020B0606030504020204" pitchFamily="34" charset="0"/>
+                <a:cs typeface="Open Sans" panose="020B0606030504020204" pitchFamily="34" charset="0"/>
+              </a:rPr>
+              <a:t>The generalized </a:t>
+            </a:r>
+            <a:r>
+              <a:rPr lang="en-US" sz="2200" dirty="0" smtClean="0">
+                <a:latin typeface="Open Sans" panose="020B0606030504020204" pitchFamily="34" charset="0"/>
+                <a:ea typeface="Open Sans" panose="020B0606030504020204" pitchFamily="34" charset="0"/>
+                <a:cs typeface="Open Sans" panose="020B0606030504020204" pitchFamily="34" charset="0"/>
+              </a:rPr>
+              <a:t>voltage</a:t>
+            </a:r>
+          </a:p>
+          <a:p>
+            <a:pPr lvl="1"/>
+            <a:r>
+              <a:rPr lang="en-US" sz="2000" dirty="0" smtClean="0">
+                <a:latin typeface="Open Sans" panose="020B0606030504020204" pitchFamily="34" charset="0"/>
+                <a:ea typeface="Open Sans" panose="020B0606030504020204" pitchFamily="34" charset="0"/>
+                <a:cs typeface="Open Sans" panose="020B0606030504020204" pitchFamily="34" charset="0"/>
+              </a:rPr>
+              <a:t> </a:t>
+            </a:r>
+          </a:p>
+          <a:p>
+            <a:pPr lvl="1"/>
+            <a:endParaRPr lang="en-US" sz="2000" dirty="0">
+              <a:latin typeface="Open Sans" panose="020B0606030504020204" pitchFamily="34" charset="0"/>
+              <a:ea typeface="Open Sans" panose="020B0606030504020204" pitchFamily="34" charset="0"/>
+              <a:cs typeface="Open Sans" panose="020B0606030504020204" pitchFamily="34" charset="0"/>
+            </a:endParaRPr>
+          </a:p>
+          <a:p>
+            <a:r>
+              <a:rPr lang="en-US" altLang="zh-CN" sz="2200" dirty="0" smtClean="0">
+                <a:latin typeface="Open Sans" panose="020B0606030504020204" pitchFamily="34" charset="0"/>
+                <a:ea typeface="Open Sans" panose="020B0606030504020204" pitchFamily="34" charset="0"/>
+                <a:cs typeface="Open Sans" panose="020B0606030504020204" pitchFamily="34" charset="0"/>
+              </a:rPr>
+              <a:t>Calculating</a:t>
+            </a:r>
+          </a:p>
+          <a:p>
+            <a:pPr lvl="1"/>
+            <a:r>
+              <a:rPr lang="en-US" altLang="zh-CN" sz="2000" dirty="0" smtClean="0">
+                <a:latin typeface="Open Sans" panose="020B0606030504020204" pitchFamily="34" charset="0"/>
+                <a:ea typeface="Open Sans" panose="020B0606030504020204" pitchFamily="34" charset="0"/>
+                <a:cs typeface="Open Sans" panose="020B0606030504020204" pitchFamily="34" charset="0"/>
+              </a:rPr>
+              <a:t>          ,             ,</a:t>
+            </a:r>
+          </a:p>
+          <a:p>
+            <a:pPr lvl="1"/>
+            <a:endParaRPr lang="en-US" altLang="zh-CN" sz="2000" dirty="0" smtClean="0">
+              <a:latin typeface="Open Sans" panose="020B0606030504020204" pitchFamily="34" charset="0"/>
+              <a:ea typeface="Open Sans" panose="020B0606030504020204" pitchFamily="34" charset="0"/>
+              <a:cs typeface="Open Sans" panose="020B0606030504020204" pitchFamily="34" charset="0"/>
+            </a:endParaRPr>
+          </a:p>
+          <a:p>
+            <a:pPr lvl="1"/>
+            <a:endParaRPr lang="en-US" altLang="zh-CN" sz="2000" dirty="0" smtClean="0">
+              <a:latin typeface="Open Sans" panose="020B0606030504020204" pitchFamily="34" charset="0"/>
+              <a:ea typeface="Open Sans" panose="020B0606030504020204" pitchFamily="34" charset="0"/>
+              <a:cs typeface="Open Sans" panose="020B0606030504020204" pitchFamily="34" charset="0"/>
+            </a:endParaRPr>
+          </a:p>
+          <a:p>
+            <a:pPr lvl="1"/>
+            <a:r>
+              <a:rPr lang="en-US" altLang="zh-CN" sz="2000" dirty="0" smtClean="0">
+                <a:latin typeface="Open Sans" panose="020B0606030504020204" pitchFamily="34" charset="0"/>
+                <a:ea typeface="Open Sans" panose="020B0606030504020204" pitchFamily="34" charset="0"/>
+                <a:cs typeface="Open Sans" panose="020B0606030504020204" pitchFamily="34" charset="0"/>
+              </a:rPr>
+              <a:t>Split                                                  and  </a:t>
+            </a:r>
+          </a:p>
+          <a:p>
+            <a:pPr lvl="1"/>
+            <a:endParaRPr lang="en-US" altLang="zh-CN" sz="2000" dirty="0">
+              <a:latin typeface="Open Sans" panose="020B0606030504020204" pitchFamily="34" charset="0"/>
+              <a:ea typeface="Open Sans" panose="020B0606030504020204" pitchFamily="34" charset="0"/>
+              <a:cs typeface="Open Sans" panose="020B0606030504020204" pitchFamily="34" charset="0"/>
+            </a:endParaRPr>
+          </a:p>
+          <a:p>
+            <a:pPr lvl="1"/>
+            <a:endParaRPr lang="en-US" altLang="zh-CN" sz="2000" dirty="0" smtClean="0">
+              <a:latin typeface="Open Sans" panose="020B0606030504020204" pitchFamily="34" charset="0"/>
+              <a:ea typeface="Open Sans" panose="020B0606030504020204" pitchFamily="34" charset="0"/>
+              <a:cs typeface="Open Sans" panose="020B0606030504020204" pitchFamily="34" charset="0"/>
+            </a:endParaRPr>
+          </a:p>
+          <a:p>
+            <a:pPr lvl="1"/>
+            <a:r>
+              <a:rPr lang="en-US" altLang="zh-CN" sz="2000" dirty="0" smtClean="0">
+                <a:latin typeface="Open Sans" panose="020B0606030504020204" pitchFamily="34" charset="0"/>
+                <a:ea typeface="Open Sans" panose="020B0606030504020204" pitchFamily="34" charset="0"/>
+                <a:cs typeface="Open Sans" panose="020B0606030504020204" pitchFamily="34" charset="0"/>
+              </a:rPr>
+              <a:t>Then </a:t>
+            </a:r>
+          </a:p>
+          <a:p>
+            <a:pPr lvl="1"/>
+            <a:endParaRPr lang="en-US" altLang="zh-CN" sz="2000" dirty="0">
+              <a:latin typeface="Open Sans" panose="020B0606030504020204" pitchFamily="34" charset="0"/>
+              <a:ea typeface="Open Sans" panose="020B0606030504020204" pitchFamily="34" charset="0"/>
+              <a:cs typeface="Open Sans" panose="020B0606030504020204" pitchFamily="34" charset="0"/>
+            </a:endParaRPr>
+          </a:p>
+          <a:p>
+            <a:r>
+              <a:rPr lang="en-US" altLang="zh-CN" sz="2400" dirty="0" smtClean="0">
+                <a:latin typeface="Open Sans" panose="020B0606030504020204" pitchFamily="34" charset="0"/>
+                <a:ea typeface="Open Sans" panose="020B0606030504020204" pitchFamily="34" charset="0"/>
+                <a:cs typeface="Open Sans" panose="020B0606030504020204" pitchFamily="34" charset="0"/>
+              </a:rPr>
+              <a:t> </a:t>
+            </a:r>
+          </a:p>
+          <a:p>
+            <a:pPr lvl="1"/>
+            <a:endParaRPr lang="en-US" altLang="zh-CN" sz="2000" dirty="0">
+              <a:latin typeface="Open Sans" panose="020B0606030504020204" pitchFamily="34" charset="0"/>
+              <a:ea typeface="Open Sans" panose="020B0606030504020204" pitchFamily="34" charset="0"/>
+              <a:cs typeface="Open Sans" panose="020B0606030504020204" pitchFamily="34" charset="0"/>
+            </a:endParaRPr>
+          </a:p>
+          <a:p>
+            <a:endParaRPr lang="en-US" altLang="zh-CN" sz="2400" dirty="0" smtClean="0">
+              <a:latin typeface="Open Sans" panose="020B0606030504020204" pitchFamily="34" charset="0"/>
+              <a:ea typeface="Open Sans" panose="020B0606030504020204" pitchFamily="34" charset="0"/>
+              <a:cs typeface="Open Sans" panose="020B0606030504020204" pitchFamily="34" charset="0"/>
+            </a:endParaRPr>
+          </a:p>
+          <a:p>
+            <a:pPr lvl="1"/>
+            <a:endParaRPr lang="en-US" sz="2000" dirty="0">
+              <a:latin typeface="Open Sans" panose="020B0606030504020204" pitchFamily="34" charset="0"/>
+              <a:ea typeface="Open Sans" panose="020B0606030504020204" pitchFamily="34" charset="0"/>
+              <a:cs typeface="Open Sans" panose="020B0606030504020204" pitchFamily="34" charset="0"/>
+            </a:endParaRPr>
           </a:p>
         </p:txBody>
       </p:sp>
+      <p:pic>
+        <p:nvPicPr>
+          <p:cNvPr id="17" name="Picture 16"/>
+          <p:cNvPicPr>
+            <a:picLocks noChangeAspect="1"/>
+          </p:cNvPicPr>
+          <p:nvPr>
+            <p:custDataLst>
+              <p:tags r:id="rId2"/>
+            </p:custDataLst>
+          </p:nvPr>
+        </p:nvPicPr>
+        <p:blipFill>
+          <a:blip r:embed="rId15" cstate="print">
+            <a:extLst>
+              <a:ext uri="{28A0092B-C50C-407E-A947-70E740481C1C}">
+                <a14:useLocalDpi xmlns:a14="http://schemas.microsoft.com/office/drawing/2010/main" val="0"/>
+              </a:ext>
+            </a:extLst>
+          </a:blip>
+          <a:stretch>
+            <a:fillRect/>
+          </a:stretch>
+        </p:blipFill>
+        <p:spPr>
+          <a:xfrm>
+            <a:off x="2438400" y="2254343"/>
+            <a:ext cx="2408686" cy="308419"/>
+          </a:xfrm>
+          <a:prstGeom prst="rect">
+            <a:avLst/>
+          </a:prstGeom>
+        </p:spPr>
+      </p:pic>
+      <p:pic>
+        <p:nvPicPr>
+          <p:cNvPr id="6" name="Picture 5"/>
+          <p:cNvPicPr>
+            <a:picLocks noChangeAspect="1"/>
+          </p:cNvPicPr>
+          <p:nvPr>
+            <p:custDataLst>
+              <p:tags r:id="rId3"/>
+            </p:custDataLst>
+          </p:nvPr>
+        </p:nvPicPr>
+        <p:blipFill>
+          <a:blip r:embed="rId16" cstate="print">
+            <a:extLst>
+              <a:ext uri="{28A0092B-C50C-407E-A947-70E740481C1C}">
+                <a14:useLocalDpi xmlns:a14="http://schemas.microsoft.com/office/drawing/2010/main" val="0"/>
+              </a:ext>
+            </a:extLst>
+          </a:blip>
+          <a:stretch>
+            <a:fillRect/>
+          </a:stretch>
+        </p:blipFill>
+        <p:spPr>
+          <a:xfrm>
+            <a:off x="1143000" y="2764562"/>
+            <a:ext cx="655238" cy="207238"/>
+          </a:xfrm>
+          <a:prstGeom prst="rect">
+            <a:avLst/>
+          </a:prstGeom>
+        </p:spPr>
+      </p:pic>
+      <p:pic>
+        <p:nvPicPr>
+          <p:cNvPr id="7" name="Picture 6"/>
+          <p:cNvPicPr>
+            <a:picLocks noChangeAspect="1"/>
+          </p:cNvPicPr>
+          <p:nvPr>
+            <p:custDataLst>
+              <p:tags r:id="rId4"/>
+            </p:custDataLst>
+          </p:nvPr>
+        </p:nvPicPr>
+        <p:blipFill>
+          <a:blip r:embed="rId17" cstate="print">
+            <a:extLst>
+              <a:ext uri="{28A0092B-C50C-407E-A947-70E740481C1C}">
+                <a14:useLocalDpi xmlns:a14="http://schemas.microsoft.com/office/drawing/2010/main" val="0"/>
+              </a:ext>
+            </a:extLst>
+          </a:blip>
+          <a:stretch>
+            <a:fillRect/>
+          </a:stretch>
+        </p:blipFill>
+        <p:spPr>
+          <a:xfrm>
+            <a:off x="2057400" y="2743200"/>
+            <a:ext cx="667429" cy="243810"/>
+          </a:xfrm>
+          <a:prstGeom prst="rect">
+            <a:avLst/>
+          </a:prstGeom>
+        </p:spPr>
+      </p:pic>
+      <p:pic>
+        <p:nvPicPr>
+          <p:cNvPr id="8" name="Picture 7"/>
+          <p:cNvPicPr>
+            <a:picLocks noChangeAspect="1"/>
+          </p:cNvPicPr>
+          <p:nvPr>
+            <p:custDataLst>
+              <p:tags r:id="rId5"/>
+            </p:custDataLst>
+          </p:nvPr>
+        </p:nvPicPr>
+        <p:blipFill>
+          <a:blip r:embed="rId18" cstate="print">
+            <a:extLst>
+              <a:ext uri="{28A0092B-C50C-407E-A947-70E740481C1C}">
+                <a14:useLocalDpi xmlns:a14="http://schemas.microsoft.com/office/drawing/2010/main" val="0"/>
+              </a:ext>
+            </a:extLst>
+          </a:blip>
+          <a:stretch>
+            <a:fillRect/>
+          </a:stretch>
+        </p:blipFill>
+        <p:spPr>
+          <a:xfrm>
+            <a:off x="2981276" y="2743200"/>
+            <a:ext cx="2657524" cy="422095"/>
+          </a:xfrm>
+          <a:prstGeom prst="rect">
+            <a:avLst/>
+          </a:prstGeom>
+        </p:spPr>
+      </p:pic>
+      <p:pic>
+        <p:nvPicPr>
+          <p:cNvPr id="10" name="Picture 9"/>
+          <p:cNvPicPr>
+            <a:picLocks noChangeAspect="1"/>
+          </p:cNvPicPr>
+          <p:nvPr>
+            <p:custDataLst>
+              <p:tags r:id="rId6"/>
+            </p:custDataLst>
+          </p:nvPr>
+        </p:nvPicPr>
+        <p:blipFill>
+          <a:blip r:embed="rId19" cstate="print">
+            <a:extLst>
+              <a:ext uri="{28A0092B-C50C-407E-A947-70E740481C1C}">
+                <a14:useLocalDpi xmlns:a14="http://schemas.microsoft.com/office/drawing/2010/main" val="0"/>
+              </a:ext>
+            </a:extLst>
+          </a:blip>
+          <a:stretch>
+            <a:fillRect/>
+          </a:stretch>
+        </p:blipFill>
+        <p:spPr>
+          <a:xfrm>
+            <a:off x="1868800" y="3505200"/>
+            <a:ext cx="3008000" cy="953905"/>
+          </a:xfrm>
+          <a:prstGeom prst="rect">
+            <a:avLst/>
+          </a:prstGeom>
+        </p:spPr>
+      </p:pic>
+      <p:pic>
+        <p:nvPicPr>
+          <p:cNvPr id="11" name="Picture 10"/>
+          <p:cNvPicPr>
+            <a:picLocks noChangeAspect="1"/>
+          </p:cNvPicPr>
+          <p:nvPr>
+            <p:custDataLst>
+              <p:tags r:id="rId7"/>
+            </p:custDataLst>
+          </p:nvPr>
+        </p:nvPicPr>
+        <p:blipFill>
+          <a:blip r:embed="rId20" cstate="print">
+            <a:extLst>
+              <a:ext uri="{28A0092B-C50C-407E-A947-70E740481C1C}">
+                <a14:useLocalDpi xmlns:a14="http://schemas.microsoft.com/office/drawing/2010/main" val="0"/>
+              </a:ext>
+            </a:extLst>
+          </a:blip>
+          <a:stretch>
+            <a:fillRect/>
+          </a:stretch>
+        </p:blipFill>
+        <p:spPr>
+          <a:xfrm>
+            <a:off x="5696933" y="3749086"/>
+            <a:ext cx="1770667" cy="365714"/>
+          </a:xfrm>
+          <a:prstGeom prst="rect">
+            <a:avLst/>
+          </a:prstGeom>
+        </p:spPr>
+      </p:pic>
+      <p:pic>
+        <p:nvPicPr>
+          <p:cNvPr id="12" name="Picture 11"/>
+          <p:cNvPicPr>
+            <a:picLocks noChangeAspect="1"/>
+          </p:cNvPicPr>
+          <p:nvPr>
+            <p:custDataLst>
+              <p:tags r:id="rId8"/>
+            </p:custDataLst>
+          </p:nvPr>
+        </p:nvPicPr>
+        <p:blipFill>
+          <a:blip r:embed="rId21" cstate="print">
+            <a:extLst>
+              <a:ext uri="{28A0092B-C50C-407E-A947-70E740481C1C}">
+                <a14:useLocalDpi xmlns:a14="http://schemas.microsoft.com/office/drawing/2010/main" val="0"/>
+              </a:ext>
+            </a:extLst>
+          </a:blip>
+          <a:stretch>
+            <a:fillRect/>
+          </a:stretch>
+        </p:blipFill>
+        <p:spPr>
+          <a:xfrm>
+            <a:off x="1969486" y="4876800"/>
+            <a:ext cx="3821714" cy="315429"/>
+          </a:xfrm>
+          <a:prstGeom prst="rect">
+            <a:avLst/>
+          </a:prstGeom>
+        </p:spPr>
+      </p:pic>
+      <p:pic>
+        <p:nvPicPr>
+          <p:cNvPr id="14" name="Picture 13"/>
+          <p:cNvPicPr>
+            <a:picLocks noChangeAspect="1"/>
+          </p:cNvPicPr>
+          <p:nvPr>
+            <p:custDataLst>
+              <p:tags r:id="rId9"/>
+            </p:custDataLst>
+          </p:nvPr>
+        </p:nvPicPr>
+        <p:blipFill>
+          <a:blip r:embed="rId22" cstate="print">
+            <a:extLst>
+              <a:ext uri="{28A0092B-C50C-407E-A947-70E740481C1C}">
+                <a14:useLocalDpi xmlns:a14="http://schemas.microsoft.com/office/drawing/2010/main" val="0"/>
+              </a:ext>
+            </a:extLst>
+          </a:blip>
+          <a:stretch>
+            <a:fillRect/>
+          </a:stretch>
+        </p:blipFill>
+        <p:spPr>
+          <a:xfrm>
+            <a:off x="919648" y="5625143"/>
+            <a:ext cx="5404952" cy="470857"/>
+          </a:xfrm>
+          <a:prstGeom prst="rect">
+            <a:avLst/>
+          </a:prstGeom>
+        </p:spPr>
+      </p:pic>
+      <p:pic>
+        <p:nvPicPr>
+          <p:cNvPr id="16" name="Picture 15"/>
+          <p:cNvPicPr>
+            <a:picLocks noChangeAspect="1"/>
+          </p:cNvPicPr>
+          <p:nvPr>
+            <p:custDataLst>
+              <p:tags r:id="rId10"/>
+            </p:custDataLst>
+          </p:nvPr>
+        </p:nvPicPr>
+        <p:blipFill>
+          <a:blip r:embed="rId23" cstate="print">
+            <a:extLst>
+              <a:ext uri="{28A0092B-C50C-407E-A947-70E740481C1C}">
+                <a14:useLocalDpi xmlns:a14="http://schemas.microsoft.com/office/drawing/2010/main" val="0"/>
+              </a:ext>
+            </a:extLst>
+          </a:blip>
+          <a:stretch>
+            <a:fillRect/>
+          </a:stretch>
+        </p:blipFill>
+        <p:spPr>
+          <a:xfrm>
+            <a:off x="1143000" y="1548419"/>
+            <a:ext cx="5950476" cy="280381"/>
+          </a:xfrm>
+          <a:prstGeom prst="rect">
+            <a:avLst/>
+          </a:prstGeom>
+        </p:spPr>
+      </p:pic>
+      <p:sp>
+        <p:nvSpPr>
+          <p:cNvPr id="18" name="Rectangular Callout 17"/>
+          <p:cNvSpPr/>
+          <p:nvPr/>
+        </p:nvSpPr>
+        <p:spPr>
+          <a:xfrm>
+            <a:off x="5105400" y="4354039"/>
+            <a:ext cx="3770995" cy="751361"/>
+          </a:xfrm>
+          <a:prstGeom prst="wedgeRectCallout">
+            <a:avLst>
+              <a:gd name="adj1" fmla="val -65236"/>
+              <a:gd name="adj2" fmla="val 106326"/>
+            </a:avLst>
+          </a:prstGeom>
+          <a:ln/>
+        </p:spPr>
+        <p:style>
+          <a:lnRef idx="2">
+            <a:schemeClr val="accent2"/>
+          </a:lnRef>
+          <a:fillRef idx="1">
+            <a:schemeClr val="lt1"/>
+          </a:fillRef>
+          <a:effectRef idx="0">
+            <a:schemeClr val="accent2"/>
+          </a:effectRef>
+          <a:fontRef idx="minor">
+            <a:schemeClr val="dk1"/>
+          </a:fontRef>
+        </p:style>
+        <p:txBody>
+          <a:bodyPr rtlCol="0" anchor="ctr"/>
+          <a:lstStyle/>
+          <a:p>
+            <a:r>
+              <a:rPr lang="en-US" dirty="0" smtClean="0">
+                <a:latin typeface="Open Sans" panose="020B0606030504020204" pitchFamily="34" charset="0"/>
+                <a:ea typeface="Open Sans" panose="020B0606030504020204" pitchFamily="34" charset="0"/>
+                <a:cs typeface="Open Sans" panose="020B0606030504020204" pitchFamily="34" charset="0"/>
+              </a:rPr>
+              <a:t>Computing all                   requires   </a:t>
+            </a:r>
+          </a:p>
+          <a:p>
+            <a:r>
+              <a:rPr lang="en-US" dirty="0" smtClean="0">
+                <a:latin typeface="Open Sans" panose="020B0606030504020204" pitchFamily="34" charset="0"/>
+                <a:ea typeface="Open Sans" panose="020B0606030504020204" pitchFamily="34" charset="0"/>
+                <a:cs typeface="Open Sans" panose="020B0606030504020204" pitchFamily="34" charset="0"/>
+              </a:rPr>
+              <a:t>            matrix inversions </a:t>
+            </a:r>
+            <a:endParaRPr lang="en-US" dirty="0">
+              <a:latin typeface="Open Sans" panose="020B0606030504020204" pitchFamily="34" charset="0"/>
+              <a:ea typeface="Open Sans" panose="020B0606030504020204" pitchFamily="34" charset="0"/>
+              <a:cs typeface="Open Sans" panose="020B0606030504020204" pitchFamily="34" charset="0"/>
+            </a:endParaRPr>
+          </a:p>
+        </p:txBody>
+      </p:sp>
+      <p:sp>
+        <p:nvSpPr>
+          <p:cNvPr id="20" name="Rectangle 19"/>
+          <p:cNvSpPr/>
+          <p:nvPr/>
+        </p:nvSpPr>
+        <p:spPr>
+          <a:xfrm>
+            <a:off x="3962400" y="5562600"/>
+            <a:ext cx="1219200" cy="457199"/>
+          </a:xfrm>
+          <a:prstGeom prst="rect">
+            <a:avLst/>
+          </a:prstGeom>
+          <a:noFill/>
+          <a:ln>
+            <a:solidFill>
+              <a:schemeClr val="tx2"/>
+            </a:solidFill>
+          </a:ln>
+        </p:spPr>
+        <p:style>
+          <a:lnRef idx="2">
+            <a:schemeClr val="accent3">
+              <a:shade val="50000"/>
+            </a:schemeClr>
+          </a:lnRef>
+          <a:fillRef idx="1">
+            <a:schemeClr val="accent3"/>
+          </a:fillRef>
+          <a:effectRef idx="0">
+            <a:schemeClr val="accent3"/>
+          </a:effectRef>
+          <a:fontRef idx="minor">
+            <a:schemeClr val="lt1"/>
+          </a:fontRef>
+        </p:style>
+        <p:txBody>
+          <a:bodyPr rtlCol="0" anchor="ctr"/>
+          <a:lstStyle/>
+          <a:p>
+            <a:pPr algn="ctr"/>
+            <a:endParaRPr lang="en-US"/>
+          </a:p>
+        </p:txBody>
+      </p:sp>
+      <p:pic>
+        <p:nvPicPr>
+          <p:cNvPr id="24" name="Picture 23"/>
+          <p:cNvPicPr>
+            <a:picLocks noChangeAspect="1"/>
+          </p:cNvPicPr>
+          <p:nvPr>
+            <p:custDataLst>
+              <p:tags r:id="rId11"/>
+            </p:custDataLst>
+          </p:nvPr>
+        </p:nvPicPr>
+        <p:blipFill>
+          <a:blip r:embed="rId24" cstate="print">
+            <a:extLst>
+              <a:ext uri="{28A0092B-C50C-407E-A947-70E740481C1C}">
+                <a14:useLocalDpi xmlns:a14="http://schemas.microsoft.com/office/drawing/2010/main" val="0"/>
+              </a:ext>
+            </a:extLst>
+          </a:blip>
+          <a:stretch>
+            <a:fillRect/>
+          </a:stretch>
+        </p:blipFill>
+        <p:spPr>
+          <a:xfrm>
+            <a:off x="6780086" y="4464370"/>
+            <a:ext cx="916114" cy="226286"/>
+          </a:xfrm>
+          <a:prstGeom prst="rect">
+            <a:avLst/>
+          </a:prstGeom>
+        </p:spPr>
+      </p:pic>
+      <p:pic>
+        <p:nvPicPr>
+          <p:cNvPr id="28" name="Picture 27"/>
+          <p:cNvPicPr>
+            <a:picLocks noChangeAspect="1"/>
+          </p:cNvPicPr>
+          <p:nvPr>
+            <p:custDataLst>
+              <p:tags r:id="rId12"/>
+            </p:custDataLst>
+          </p:nvPr>
+        </p:nvPicPr>
+        <p:blipFill>
+          <a:blip r:embed="rId25" cstate="print">
+            <a:extLst>
+              <a:ext uri="{28A0092B-C50C-407E-A947-70E740481C1C}">
+                <a14:useLocalDpi xmlns:a14="http://schemas.microsoft.com/office/drawing/2010/main" val="0"/>
+              </a:ext>
+            </a:extLst>
+          </a:blip>
+          <a:stretch>
+            <a:fillRect/>
+          </a:stretch>
+        </p:blipFill>
+        <p:spPr>
+          <a:xfrm>
+            <a:off x="5233030" y="4769170"/>
+            <a:ext cx="558171" cy="245486"/>
+          </a:xfrm>
+          <a:prstGeom prst="rect">
+            <a:avLst/>
+          </a:prstGeom>
+        </p:spPr>
+      </p:pic>
     </p:spTree>
     <p:custDataLst>
       <p:tags r:id="rId1"/>
@@ -9765,9 +10320,162 @@
   <p:timing>
     <p:tnLst>
       <p:par>
-        <p:cTn id="1" dur="indefinite" restart="never" nodeType="tmRoot"/>
+        <p:cTn id="1" dur="indefinite" restart="never" nodeType="tmRoot">
+          <p:childTnLst>
+            <p:seq concurrent="1" nextAc="seek">
+              <p:cTn id="2" dur="indefinite" nodeType="mainSeq">
+                <p:childTnLst>
+                  <p:par>
+                    <p:cTn id="3" fill="hold">
+                      <p:stCondLst>
+                        <p:cond delay="indefinite"/>
+                      </p:stCondLst>
+                      <p:childTnLst>
+                        <p:par>
+                          <p:cTn id="4" fill="hold">
+                            <p:stCondLst>
+                              <p:cond delay="0"/>
+                            </p:stCondLst>
+                            <p:childTnLst>
+                              <p:par>
+                                <p:cTn id="5" presetID="1" presetClass="entr" presetSubtype="0" fill="hold" nodeType="clickEffect">
+                                  <p:stCondLst>
+                                    <p:cond delay="0"/>
+                                  </p:stCondLst>
+                                  <p:childTnLst>
+                                    <p:set>
+                                      <p:cBhvr>
+                                        <p:cTn id="6" dur="1" fill="hold">
+                                          <p:stCondLst>
+                                            <p:cond delay="0"/>
+                                          </p:stCondLst>
+                                        </p:cTn>
+                                        <p:tgtEl>
+                                          <p:spTgt spid="24"/>
+                                        </p:tgtEl>
+                                        <p:attrNameLst>
+                                          <p:attrName>style.visibility</p:attrName>
+                                        </p:attrNameLst>
+                                      </p:cBhvr>
+                                      <p:to>
+                                        <p:strVal val="visible"/>
+                                      </p:to>
+                                    </p:set>
+                                  </p:childTnLst>
+                                </p:cTn>
+                              </p:par>
+                              <p:par>
+                                <p:cTn id="7" presetID="1" presetClass="entr" presetSubtype="0" fill="hold" nodeType="withEffect">
+                                  <p:stCondLst>
+                                    <p:cond delay="0"/>
+                                  </p:stCondLst>
+                                  <p:childTnLst>
+                                    <p:set>
+                                      <p:cBhvr>
+                                        <p:cTn id="8" dur="1" fill="hold">
+                                          <p:stCondLst>
+                                            <p:cond delay="0"/>
+                                          </p:stCondLst>
+                                        </p:cTn>
+                                        <p:tgtEl>
+                                          <p:spTgt spid="28"/>
+                                        </p:tgtEl>
+                                        <p:attrNameLst>
+                                          <p:attrName>style.visibility</p:attrName>
+                                        </p:attrNameLst>
+                                      </p:cBhvr>
+                                      <p:to>
+                                        <p:strVal val="visible"/>
+                                      </p:to>
+                                    </p:set>
+                                  </p:childTnLst>
+                                </p:cTn>
+                              </p:par>
+                              <p:par>
+                                <p:cTn id="9" presetID="1" presetClass="entr" presetSubtype="0" fill="hold" grpId="0" nodeType="withEffect">
+                                  <p:stCondLst>
+                                    <p:cond delay="0"/>
+                                  </p:stCondLst>
+                                  <p:childTnLst>
+                                    <p:set>
+                                      <p:cBhvr>
+                                        <p:cTn id="10" dur="1" fill="hold">
+                                          <p:stCondLst>
+                                            <p:cond delay="0"/>
+                                          </p:stCondLst>
+                                        </p:cTn>
+                                        <p:tgtEl>
+                                          <p:spTgt spid="18"/>
+                                        </p:tgtEl>
+                                        <p:attrNameLst>
+                                          <p:attrName>style.visibility</p:attrName>
+                                        </p:attrNameLst>
+                                      </p:cBhvr>
+                                      <p:to>
+                                        <p:strVal val="visible"/>
+                                      </p:to>
+                                    </p:set>
+                                  </p:childTnLst>
+                                </p:cTn>
+                              </p:par>
+                              <p:par>
+                                <p:cTn id="11" presetID="1" presetClass="entr" presetSubtype="0" fill="hold" grpId="0" nodeType="withEffect">
+                                  <p:stCondLst>
+                                    <p:cond delay="0"/>
+                                  </p:stCondLst>
+                                  <p:childTnLst>
+                                    <p:set>
+                                      <p:cBhvr>
+                                        <p:cTn id="12" dur="1" fill="hold">
+                                          <p:stCondLst>
+                                            <p:cond delay="0"/>
+                                          </p:stCondLst>
+                                        </p:cTn>
+                                        <p:tgtEl>
+                                          <p:spTgt spid="20"/>
+                                        </p:tgtEl>
+                                        <p:attrNameLst>
+                                          <p:attrName>style.visibility</p:attrName>
+                                        </p:attrNameLst>
+                                      </p:cBhvr>
+                                      <p:to>
+                                        <p:strVal val="visible"/>
+                                      </p:to>
+                                    </p:set>
+                                  </p:childTnLst>
+                                </p:cTn>
+                              </p:par>
+                            </p:childTnLst>
+                          </p:cTn>
+                        </p:par>
+                      </p:childTnLst>
+                    </p:cTn>
+                  </p:par>
+                </p:childTnLst>
+              </p:cTn>
+              <p:prevCondLst>
+                <p:cond evt="onPrev" delay="0">
+                  <p:tgtEl>
+                    <p:sldTgt/>
+                  </p:tgtEl>
+                </p:cond>
+              </p:prevCondLst>
+              <p:nextCondLst>
+                <p:cond evt="onNext" delay="0">
+                  <p:tgtEl>
+                    <p:sldTgt/>
+                  </p:tgtEl>
+                </p:cond>
+              </p:nextCondLst>
+            </p:seq>
+          </p:childTnLst>
+        </p:cTn>
       </p:par>
     </p:tnLst>
+    <p:bldLst>
+      <p:bldP spid="18" grpId="0" animBg="1"/>
+      <p:bldP spid="20" grpId="0" animBg="1"/>
+    </p:bldLst>
   </p:timing>
 </p:sld>
 </file>
@@ -9815,7 +10523,23 @@
                 <a:ea typeface="Open Sans" panose="020B0606030504020204" pitchFamily="34" charset="0"/>
                 <a:cs typeface="Open Sans" panose="020B0606030504020204" pitchFamily="34" charset="0"/>
               </a:rPr>
-              <a:t>Block matrix inversion lemma</a:t>
+              <a:t>Fast solution for </a:t>
+            </a:r>
+            <a:r>
+              <a:rPr lang="en-US" altLang="en-US" sz="3200" b="1" dirty="0">
+                <a:latin typeface="Open Sans" panose="020B0606030504020204" pitchFamily="34" charset="0"/>
+                <a:ea typeface="Open Sans" panose="020B0606030504020204" pitchFamily="34" charset="0"/>
+                <a:cs typeface="Open Sans" panose="020B0606030504020204" pitchFamily="34" charset="0"/>
+              </a:rPr>
+              <a:t>all</a:t>
+            </a:r>
+            <a:r>
+              <a:rPr lang="en-US" altLang="en-US" sz="3200" b="1" dirty="0" smtClean="0">
+                <a:latin typeface="Open Sans" panose="020B0606030504020204" pitchFamily="34" charset="0"/>
+                <a:ea typeface="Open Sans" panose="020B0606030504020204" pitchFamily="34" charset="0"/>
+                <a:cs typeface="Open Sans" panose="020B0606030504020204" pitchFamily="34" charset="0"/>
+              </a:rPr>
+              <a:t>-pair proximities</a:t>
             </a:r>
             <a:endParaRPr lang="en-US" altLang="en-US" sz="3200" b="1" dirty="0">
               <a:latin typeface="Open Sans" panose="020B0606030504020204" pitchFamily="34" charset="0"/>
@@ -9835,7 +10559,7 @@
         </p:nvSpPr>
         <p:spPr bwMode="auto">
           <a:xfrm>
-            <a:off x="457200" y="1600200"/>
+            <a:off x="457200" y="2201862"/>
             <a:ext cx="8229600" cy="4960938"/>
           </a:xfrm>
           <a:prstGeom prst="rect">
@@ -10088,9 +10812,131 @@
           </a:p>
         </p:txBody>
       </p:sp>
+      <p:sp>
+        <p:nvSpPr>
+          <p:cNvPr id="2" name="Content Placeholder 1"/>
+          <p:cNvSpPr>
+            <a:spLocks noGrp="1"/>
+          </p:cNvSpPr>
+          <p:nvPr>
+            <p:ph idx="1"/>
+          </p:nvPr>
+        </p:nvSpPr>
+        <p:spPr>
+          <a:xfrm>
+            <a:off x="457200" y="3192462"/>
+            <a:ext cx="8229600" cy="3540125"/>
+          </a:xfrm>
+        </p:spPr>
+        <p:txBody>
+          <a:bodyPr/>
+          <a:lstStyle/>
+          <a:p>
+            <a:r>
+              <a:rPr lang="en-US" sz="2400" dirty="0" smtClean="0">
+                <a:latin typeface="Open Sans" panose="020B0606030504020204" pitchFamily="34" charset="0"/>
+                <a:ea typeface="Open Sans" panose="020B0606030504020204" pitchFamily="34" charset="0"/>
+                <a:cs typeface="Open Sans" panose="020B0606030504020204" pitchFamily="34" charset="0"/>
+              </a:rPr>
+              <a:t>Proved by Block Matrix Inversion Lemma</a:t>
+            </a:r>
+          </a:p>
+          <a:p>
+            <a:endParaRPr lang="en-US" sz="2400" dirty="0">
+              <a:latin typeface="Open Sans" panose="020B0606030504020204" pitchFamily="34" charset="0"/>
+              <a:ea typeface="Open Sans" panose="020B0606030504020204" pitchFamily="34" charset="0"/>
+              <a:cs typeface="Open Sans" panose="020B0606030504020204" pitchFamily="34" charset="0"/>
+            </a:endParaRPr>
+          </a:p>
+          <a:p>
+            <a:r>
+              <a:rPr lang="en-US" sz="2400" dirty="0" smtClean="0">
+                <a:latin typeface="Open Sans" panose="020B0606030504020204" pitchFamily="34" charset="0"/>
+                <a:ea typeface="Open Sans" panose="020B0606030504020204" pitchFamily="34" charset="0"/>
+                <a:cs typeface="Open Sans" panose="020B0606030504020204" pitchFamily="34" charset="0"/>
+              </a:rPr>
+              <a:t>Fast </a:t>
+            </a:r>
+            <a:r>
+              <a:rPr lang="en-US" sz="2400" dirty="0">
+                <a:latin typeface="Open Sans" panose="020B0606030504020204" pitchFamily="34" charset="0"/>
+                <a:ea typeface="Open Sans" panose="020B0606030504020204" pitchFamily="34" charset="0"/>
+                <a:cs typeface="Open Sans" panose="020B0606030504020204" pitchFamily="34" charset="0"/>
+              </a:rPr>
+              <a:t>solution to </a:t>
+            </a:r>
+            <a:r>
+              <a:rPr lang="en-US" sz="2400" dirty="0" smtClean="0">
+                <a:latin typeface="Open Sans" panose="020B0606030504020204" pitchFamily="34" charset="0"/>
+                <a:ea typeface="Open Sans" panose="020B0606030504020204" pitchFamily="34" charset="0"/>
+                <a:cs typeface="Open Sans" panose="020B0606030504020204" pitchFamily="34" charset="0"/>
+              </a:rPr>
+              <a:t>all-pair </a:t>
+            </a:r>
+            <a:r>
+              <a:rPr lang="en-US" altLang="zh-CN" sz="2400" dirty="0" err="1" smtClean="0">
+                <a:latin typeface="Open Sans" panose="020B0606030504020204" pitchFamily="34" charset="0"/>
+                <a:ea typeface="Open Sans" panose="020B0606030504020204" pitchFamily="34" charset="0"/>
+                <a:cs typeface="Open Sans" panose="020B0606030504020204" pitchFamily="34" charset="0"/>
+              </a:rPr>
+              <a:t>proximilities</a:t>
+            </a:r>
+            <a:endParaRPr lang="en-US" altLang="zh-CN" sz="2400" dirty="0" smtClean="0">
+              <a:latin typeface="Open Sans" panose="020B0606030504020204" pitchFamily="34" charset="0"/>
+              <a:ea typeface="Open Sans" panose="020B0606030504020204" pitchFamily="34" charset="0"/>
+              <a:cs typeface="Open Sans" panose="020B0606030504020204" pitchFamily="34" charset="0"/>
+            </a:endParaRPr>
+          </a:p>
+          <a:p>
+            <a:pPr lvl="1"/>
+            <a:r>
+              <a:rPr lang="en-US" sz="2000" dirty="0" smtClean="0">
+                <a:latin typeface="Open Sans" panose="020B0606030504020204" pitchFamily="34" charset="0"/>
+                <a:ea typeface="Open Sans" panose="020B0606030504020204" pitchFamily="34" charset="0"/>
+                <a:cs typeface="Open Sans" panose="020B0606030504020204" pitchFamily="34" charset="0"/>
+              </a:rPr>
+              <a:t>Compute</a:t>
+            </a:r>
+          </a:p>
+          <a:p>
+            <a:pPr lvl="1"/>
+            <a:r>
+              <a:rPr lang="en-US" sz="2000" dirty="0" smtClean="0">
+                <a:latin typeface="Open Sans" panose="020B0606030504020204" pitchFamily="34" charset="0"/>
+                <a:ea typeface="Open Sans" panose="020B0606030504020204" pitchFamily="34" charset="0"/>
+                <a:cs typeface="Open Sans" panose="020B0606030504020204" pitchFamily="34" charset="0"/>
+              </a:rPr>
+              <a:t>For all pair of nodes, compute  </a:t>
+            </a:r>
+          </a:p>
+          <a:p>
+            <a:pPr lvl="1"/>
+            <a:endParaRPr lang="en-US" sz="2000" dirty="0">
+              <a:latin typeface="Open Sans" panose="020B0606030504020204" pitchFamily="34" charset="0"/>
+              <a:ea typeface="Open Sans" panose="020B0606030504020204" pitchFamily="34" charset="0"/>
+              <a:cs typeface="Open Sans" panose="020B0606030504020204" pitchFamily="34" charset="0"/>
+            </a:endParaRPr>
+          </a:p>
+          <a:p>
+            <a:r>
+              <a:rPr lang="en-US" sz="2400" dirty="0" smtClean="0">
+                <a:latin typeface="Open Sans" panose="020B0606030504020204" pitchFamily="34" charset="0"/>
+                <a:ea typeface="Open Sans" panose="020B0606030504020204" pitchFamily="34" charset="0"/>
+                <a:cs typeface="Open Sans" panose="020B0606030504020204" pitchFamily="34" charset="0"/>
+              </a:rPr>
+              <a:t>Time complexity </a:t>
+            </a:r>
+            <a:endParaRPr lang="en-US" sz="2400" dirty="0">
+              <a:latin typeface="Open Sans" panose="020B0606030504020204" pitchFamily="34" charset="0"/>
+              <a:ea typeface="Open Sans" panose="020B0606030504020204" pitchFamily="34" charset="0"/>
+              <a:cs typeface="Open Sans" panose="020B0606030504020204" pitchFamily="34" charset="0"/>
+            </a:endParaRPr>
+          </a:p>
+        </p:txBody>
+      </p:sp>
       <p:pic>
         <p:nvPicPr>
-          <p:cNvPr id="12" name="Picture 11"/>
+          <p:cNvPr id="4" name="Picture 3"/>
           <p:cNvPicPr>
             <a:picLocks noChangeAspect="1"/>
           </p:cNvPicPr>
@@ -10101,7 +10947,7 @@
           </p:nvPr>
         </p:nvPicPr>
         <p:blipFill>
-          <a:blip r:embed="rId6" cstate="print">
+          <a:blip r:embed="rId8" cstate="print">
             <a:extLst>
               <a:ext uri="{28A0092B-C50C-407E-A947-70E740481C1C}">
                 <a14:useLocalDpi xmlns:a14="http://schemas.microsoft.com/office/drawing/2010/main" val="0"/>
@@ -10114,8 +10960,8 @@
         </p:blipFill>
         <p:spPr>
           <a:xfrm>
-            <a:off x="848424" y="1828800"/>
-            <a:ext cx="7178049" cy="1371600"/>
+            <a:off x="609600" y="1744662"/>
+            <a:ext cx="6553200" cy="1159779"/>
           </a:xfrm>
           <a:prstGeom prst="rect">
             <a:avLst/>
@@ -10124,7 +10970,7 @@
       </p:pic>
       <p:pic>
         <p:nvPicPr>
-          <p:cNvPr id="28" name="Picture 27"/>
+          <p:cNvPr id="5" name="Picture 4"/>
           <p:cNvPicPr>
             <a:picLocks noChangeAspect="1"/>
           </p:cNvPicPr>
@@ -10135,7 +10981,7 @@
           </p:nvPr>
         </p:nvPicPr>
         <p:blipFill>
-          <a:blip r:embed="rId7" cstate="print">
+          <a:blip r:embed="rId9" cstate="print">
             <a:extLst>
               <a:ext uri="{28A0092B-C50C-407E-A947-70E740481C1C}">
                 <a14:useLocalDpi xmlns:a14="http://schemas.microsoft.com/office/drawing/2010/main" val="0"/>
@@ -10148,8 +10994,76 @@
         </p:blipFill>
         <p:spPr>
           <a:xfrm>
-            <a:off x="762000" y="3685976"/>
-            <a:ext cx="5105399" cy="2105224"/>
+            <a:off x="2438400" y="4575110"/>
+            <a:ext cx="1775238" cy="271238"/>
+          </a:xfrm>
+          <a:prstGeom prst="rect">
+            <a:avLst/>
+          </a:prstGeom>
+        </p:spPr>
+      </p:pic>
+      <p:pic>
+        <p:nvPicPr>
+          <p:cNvPr id="6" name="Picture 5"/>
+          <p:cNvPicPr>
+            <a:picLocks noChangeAspect="1"/>
+          </p:cNvPicPr>
+          <p:nvPr>
+            <p:custDataLst>
+              <p:tags r:id="rId4"/>
+            </p:custDataLst>
+          </p:nvPr>
+        </p:nvPicPr>
+        <p:blipFill>
+          <a:blip r:embed="rId10" cstate="print">
+            <a:extLst>
+              <a:ext uri="{28A0092B-C50C-407E-A947-70E740481C1C}">
+                <a14:useLocalDpi xmlns:a14="http://schemas.microsoft.com/office/drawing/2010/main" val="0"/>
+              </a:ext>
+            </a:extLst>
+          </a:blip>
+          <a:stretch>
+            <a:fillRect/>
+          </a:stretch>
+        </p:blipFill>
+        <p:spPr>
+          <a:xfrm>
+            <a:off x="4876800" y="4868862"/>
+            <a:ext cx="3466666" cy="388571"/>
+          </a:xfrm>
+          <a:prstGeom prst="rect">
+            <a:avLst/>
+          </a:prstGeom>
+        </p:spPr>
+      </p:pic>
+      <p:pic>
+        <p:nvPicPr>
+          <p:cNvPr id="8" name="Picture 7"/>
+          <p:cNvPicPr>
+            <a:picLocks noChangeAspect="1"/>
+          </p:cNvPicPr>
+          <p:nvPr>
+            <p:custDataLst>
+              <p:tags r:id="rId5"/>
+            </p:custDataLst>
+          </p:nvPr>
+        </p:nvPicPr>
+        <p:blipFill>
+          <a:blip r:embed="rId11" cstate="print">
+            <a:extLst>
+              <a:ext uri="{28A0092B-C50C-407E-A947-70E740481C1C}">
+                <a14:useLocalDpi xmlns:a14="http://schemas.microsoft.com/office/drawing/2010/main" val="0"/>
+              </a:ext>
+            </a:extLst>
+          </a:blip>
+          <a:stretch>
+            <a:fillRect/>
+          </a:stretch>
+        </p:blipFill>
+        <p:spPr>
+          <a:xfrm>
+            <a:off x="3312457" y="5684548"/>
+            <a:ext cx="4002743" cy="327314"/>
           </a:xfrm>
           <a:prstGeom prst="rect">
             <a:avLst/>
@@ -10162,7 +11076,7 @@
     </p:custDataLst>
     <p:extLst>
       <p:ext uri="{BB962C8B-B14F-4D97-AF65-F5344CB8AC3E}">
-        <p14:creationId xmlns:p14="http://schemas.microsoft.com/office/powerpoint/2010/main" val="864876344"/>
+        <p14:creationId xmlns:p14="http://schemas.microsoft.com/office/powerpoint/2010/main" val="540382180"/>
       </p:ext>
     </p:extLst>
   </p:cSld>
@@ -10223,23 +11137,7 @@
                 <a:ea typeface="Open Sans" panose="020B0606030504020204" pitchFamily="34" charset="0"/>
                 <a:cs typeface="Open Sans" panose="020B0606030504020204" pitchFamily="34" charset="0"/>
               </a:rPr>
-              <a:t>Fast solution for </a:t>
-            </a:r>
-            <a:r>
-              <a:rPr lang="en-US" altLang="en-US" sz="3200" b="1" dirty="0">
-                <a:latin typeface="Open Sans" panose="020B0606030504020204" pitchFamily="34" charset="0"/>
-                <a:ea typeface="Open Sans" panose="020B0606030504020204" pitchFamily="34" charset="0"/>
-                <a:cs typeface="Open Sans" panose="020B0606030504020204" pitchFamily="34" charset="0"/>
-              </a:rPr>
-              <a:t>all</a:t>
-            </a:r>
-            <a:r>
-              <a:rPr lang="en-US" altLang="en-US" sz="3200" b="1" dirty="0" smtClean="0">
-                <a:latin typeface="Open Sans" panose="020B0606030504020204" pitchFamily="34" charset="0"/>
-                <a:ea typeface="Open Sans" panose="020B0606030504020204" pitchFamily="34" charset="0"/>
-                <a:cs typeface="Open Sans" panose="020B0606030504020204" pitchFamily="34" charset="0"/>
-              </a:rPr>
-              <a:t>-pair proximities</a:t>
+              <a:t>Fast solution for one-pair proximity</a:t>
             </a:r>
             <a:endParaRPr lang="en-US" altLang="en-US" sz="3200" b="1" dirty="0">
               <a:latin typeface="Open Sans" panose="020B0606030504020204" pitchFamily="34" charset="0"/>
@@ -10514,7 +11412,7 @@
       </p:sp>
       <p:sp>
         <p:nvSpPr>
-          <p:cNvPr id="2" name="Content Placeholder 1"/>
+          <p:cNvPr id="5" name="Content Placeholder 1"/>
           <p:cNvSpPr>
             <a:spLocks noGrp="1"/>
           </p:cNvSpPr>
@@ -10522,70 +11420,10 @@
             <p:ph idx="1"/>
           </p:nvPr>
         </p:nvSpPr>
-        <p:spPr/>
-        <p:txBody>
-          <a:bodyPr/>
-          <a:lstStyle/>
-          <a:p>
-            <a:endParaRPr lang="en-US" dirty="0"/>
-          </a:p>
-        </p:txBody>
-      </p:sp>
-    </p:spTree>
-    <p:custDataLst>
-      <p:tags r:id="rId1"/>
-    </p:custDataLst>
-    <p:extLst>
-      <p:ext uri="{BB962C8B-B14F-4D97-AF65-F5344CB8AC3E}">
-        <p14:creationId xmlns:p14="http://schemas.microsoft.com/office/powerpoint/2010/main" val="540382180"/>
-      </p:ext>
-    </p:extLst>
-  </p:cSld>
-  <p:clrMapOvr>
-    <a:masterClrMapping/>
-  </p:clrMapOvr>
-  <p:transition/>
-  <p:timing>
-    <p:tnLst>
-      <p:par>
-        <p:cTn id="1" dur="indefinite" restart="never" nodeType="tmRoot"/>
-      </p:par>
-    </p:tnLst>
-  </p:timing>
-</p:sld>
-</file>
-
-<file path=ppt/slides/slide15.xml><?xml version="1.0" encoding="utf-8"?>
-<p:sld xmlns:a="http://schemas.openxmlformats.org/drawingml/2006/main" xmlns:r="http://schemas.openxmlformats.org/officeDocument/2006/relationships" xmlns:p="http://schemas.openxmlformats.org/presentationml/2006/main">
-  <p:cSld>
-    <p:spTree>
-      <p:nvGrpSpPr>
-        <p:cNvPr id="1" name=""/>
-        <p:cNvGrpSpPr/>
-        <p:nvPr/>
-      </p:nvGrpSpPr>
-      <p:grpSpPr>
-        <a:xfrm>
-          <a:off x="0" y="0"/>
-          <a:ext cx="0" cy="0"/>
-          <a:chOff x="0" y="0"/>
-          <a:chExt cx="0" cy="0"/>
-        </a:xfrm>
-      </p:grpSpPr>
-      <p:sp>
-        <p:nvSpPr>
-          <p:cNvPr id="17410" name="Rectangle 2"/>
-          <p:cNvSpPr>
-            <a:spLocks noGrp="1" noChangeArrowheads="1"/>
-          </p:cNvSpPr>
-          <p:nvPr>
-            <p:ph type="title"/>
-          </p:nvPr>
-        </p:nvSpPr>
         <p:spPr>
           <a:xfrm>
-            <a:off x="457200" y="304800"/>
-            <a:ext cx="9144000" cy="623888"/>
+            <a:off x="457200" y="3192462"/>
+            <a:ext cx="8229600" cy="3540125"/>
           </a:xfrm>
         </p:spPr>
         <p:txBody>
@@ -10593,33 +11431,621 @@
           <a:lstStyle/>
           <a:p>
             <a:r>
-              <a:rPr lang="en-US" altLang="en-US" sz="3200" b="1" dirty="0" smtClean="0">
+              <a:rPr lang="en-US" sz="2400" dirty="0" smtClean="0">
                 <a:latin typeface="Open Sans" panose="020B0606030504020204" pitchFamily="34" charset="0"/>
                 <a:ea typeface="Open Sans" panose="020B0606030504020204" pitchFamily="34" charset="0"/>
                 <a:cs typeface="Open Sans" panose="020B0606030504020204" pitchFamily="34" charset="0"/>
               </a:rPr>
-              <a:t>Fast solution for one-pair proximity</a:t>
-            </a:r>
-            <a:endParaRPr lang="en-US" altLang="en-US" sz="3200" b="1" dirty="0">
+              <a:t>Fast </a:t>
+            </a:r>
+            <a:r>
+              <a:rPr lang="en-US" sz="2400" dirty="0">
+                <a:latin typeface="Open Sans" panose="020B0606030504020204" pitchFamily="34" charset="0"/>
+                <a:ea typeface="Open Sans" panose="020B0606030504020204" pitchFamily="34" charset="0"/>
+                <a:cs typeface="Open Sans" panose="020B0606030504020204" pitchFamily="34" charset="0"/>
+              </a:rPr>
+              <a:t>solution to </a:t>
+            </a:r>
+            <a:r>
+              <a:rPr lang="en-US" altLang="zh-CN" sz="2400" dirty="0">
+                <a:latin typeface="Open Sans" panose="020B0606030504020204" pitchFamily="34" charset="0"/>
+                <a:ea typeface="Open Sans" panose="020B0606030504020204" pitchFamily="34" charset="0"/>
+                <a:cs typeface="Open Sans" panose="020B0606030504020204" pitchFamily="34" charset="0"/>
+              </a:rPr>
+              <a:t>one</a:t>
+            </a:r>
+            <a:r>
+              <a:rPr lang="en-US" sz="2400" dirty="0" smtClean="0">
+                <a:latin typeface="Open Sans" panose="020B0606030504020204" pitchFamily="34" charset="0"/>
+                <a:ea typeface="Open Sans" panose="020B0606030504020204" pitchFamily="34" charset="0"/>
+                <a:cs typeface="Open Sans" panose="020B0606030504020204" pitchFamily="34" charset="0"/>
+              </a:rPr>
+              <a:t>-pair </a:t>
+            </a:r>
+            <a:r>
+              <a:rPr lang="en-US" altLang="zh-CN" sz="2400" dirty="0" err="1" smtClean="0">
+                <a:latin typeface="Open Sans" panose="020B0606030504020204" pitchFamily="34" charset="0"/>
+                <a:ea typeface="Open Sans" panose="020B0606030504020204" pitchFamily="34" charset="0"/>
+                <a:cs typeface="Open Sans" panose="020B0606030504020204" pitchFamily="34" charset="0"/>
+              </a:rPr>
+              <a:t>proximility</a:t>
+            </a:r>
+            <a:endParaRPr lang="en-US" altLang="zh-CN" sz="2400" dirty="0" smtClean="0">
               <a:latin typeface="Open Sans" panose="020B0606030504020204" pitchFamily="34" charset="0"/>
               <a:ea typeface="Open Sans" panose="020B0606030504020204" pitchFamily="34" charset="0"/>
               <a:cs typeface="Open Sans" panose="020B0606030504020204" pitchFamily="34" charset="0"/>
             </a:endParaRPr>
           </a:p>
+          <a:p>
+            <a:pPr lvl="1"/>
+            <a:r>
+              <a:rPr lang="en-US" sz="2000" dirty="0" smtClean="0">
+                <a:latin typeface="Open Sans" panose="020B0606030504020204" pitchFamily="34" charset="0"/>
+                <a:ea typeface="Open Sans" panose="020B0606030504020204" pitchFamily="34" charset="0"/>
+                <a:cs typeface="Open Sans" panose="020B0606030504020204" pitchFamily="34" charset="0"/>
+              </a:rPr>
+              <a:t>Only need two columns of </a:t>
+            </a:r>
+            <a:r>
+              <a:rPr lang="en-US" sz="2000" b="1" dirty="0" smtClean="0">
+                <a:latin typeface="Open Sans" panose="020B0606030504020204" pitchFamily="34" charset="0"/>
+                <a:ea typeface="Open Sans" panose="020B0606030504020204" pitchFamily="34" charset="0"/>
+                <a:cs typeface="Open Sans" panose="020B0606030504020204" pitchFamily="34" charset="0"/>
+              </a:rPr>
+              <a:t>Q</a:t>
+            </a:r>
+          </a:p>
+          <a:p>
+            <a:pPr lvl="1"/>
+            <a:r>
+              <a:rPr lang="en-US" sz="2000" dirty="0" smtClean="0">
+                <a:latin typeface="Open Sans" panose="020B0606030504020204" pitchFamily="34" charset="0"/>
+                <a:ea typeface="Open Sans" panose="020B0606030504020204" pitchFamily="34" charset="0"/>
+                <a:cs typeface="Open Sans" panose="020B0606030504020204" pitchFamily="34" charset="0"/>
+              </a:rPr>
+              <a:t>Taylor expansion</a:t>
+            </a:r>
+          </a:p>
+          <a:p>
+            <a:pPr lvl="1"/>
+            <a:endParaRPr lang="en-US" sz="2000" dirty="0">
+              <a:latin typeface="Open Sans" panose="020B0606030504020204" pitchFamily="34" charset="0"/>
+              <a:ea typeface="Open Sans" panose="020B0606030504020204" pitchFamily="34" charset="0"/>
+              <a:cs typeface="Open Sans" panose="020B0606030504020204" pitchFamily="34" charset="0"/>
+            </a:endParaRPr>
+          </a:p>
+          <a:p>
+            <a:pPr lvl="1"/>
+            <a:endParaRPr lang="en-US" sz="2000" dirty="0" smtClean="0">
+              <a:latin typeface="Open Sans" panose="020B0606030504020204" pitchFamily="34" charset="0"/>
+              <a:ea typeface="Open Sans" panose="020B0606030504020204" pitchFamily="34" charset="0"/>
+              <a:cs typeface="Open Sans" panose="020B0606030504020204" pitchFamily="34" charset="0"/>
+            </a:endParaRPr>
+          </a:p>
+          <a:p>
+            <a:pPr lvl="1"/>
+            <a:r>
+              <a:rPr lang="en-US" sz="2000" dirty="0" smtClean="0">
+                <a:latin typeface="Open Sans" panose="020B0606030504020204" pitchFamily="34" charset="0"/>
+                <a:ea typeface="Open Sans" panose="020B0606030504020204" pitchFamily="34" charset="0"/>
+                <a:cs typeface="Open Sans" panose="020B0606030504020204" pitchFamily="34" charset="0"/>
+              </a:rPr>
+              <a:t>Computing </a:t>
+            </a:r>
+            <a:r>
+              <a:rPr lang="en-US" sz="2000" dirty="0" err="1" smtClean="0">
+                <a:latin typeface="Open Sans" panose="020B0606030504020204" pitchFamily="34" charset="0"/>
+                <a:ea typeface="Open Sans" panose="020B0606030504020204" pitchFamily="34" charset="0"/>
+                <a:cs typeface="Open Sans" panose="020B0606030504020204" pitchFamily="34" charset="0"/>
+              </a:rPr>
+              <a:t>i</a:t>
+            </a:r>
+            <a:r>
+              <a:rPr lang="en-US" sz="2000" baseline="30000" dirty="0" err="1" smtClean="0">
+                <a:latin typeface="Open Sans" panose="020B0606030504020204" pitchFamily="34" charset="0"/>
+                <a:ea typeface="Open Sans" panose="020B0606030504020204" pitchFamily="34" charset="0"/>
+                <a:cs typeface="Open Sans" panose="020B0606030504020204" pitchFamily="34" charset="0"/>
+              </a:rPr>
+              <a:t>th</a:t>
+            </a:r>
+            <a:r>
+              <a:rPr lang="en-US" sz="2000" dirty="0" smtClean="0">
+                <a:latin typeface="Open Sans" panose="020B0606030504020204" pitchFamily="34" charset="0"/>
+                <a:ea typeface="Open Sans" panose="020B0606030504020204" pitchFamily="34" charset="0"/>
+                <a:cs typeface="Open Sans" panose="020B0606030504020204" pitchFamily="34" charset="0"/>
+              </a:rPr>
+              <a:t> column of </a:t>
+            </a:r>
+            <a:r>
+              <a:rPr lang="en-US" sz="2000" b="1" dirty="0">
+                <a:latin typeface="Open Sans" panose="020B0606030504020204" pitchFamily="34" charset="0"/>
+                <a:ea typeface="Open Sans" panose="020B0606030504020204" pitchFamily="34" charset="0"/>
+                <a:cs typeface="Open Sans" panose="020B0606030504020204" pitchFamily="34" charset="0"/>
+              </a:rPr>
+              <a:t>Q</a:t>
+            </a:r>
+            <a:endParaRPr lang="en-US" sz="2400" dirty="0">
+              <a:latin typeface="Open Sans" panose="020B0606030504020204" pitchFamily="34" charset="0"/>
+              <a:ea typeface="Open Sans" panose="020B0606030504020204" pitchFamily="34" charset="0"/>
+              <a:cs typeface="Open Sans" panose="020B0606030504020204" pitchFamily="34" charset="0"/>
+            </a:endParaRPr>
+          </a:p>
         </p:txBody>
       </p:sp>
+      <p:pic>
+        <p:nvPicPr>
+          <p:cNvPr id="6" name="Picture 5"/>
+          <p:cNvPicPr>
+            <a:picLocks noChangeAspect="1"/>
+          </p:cNvPicPr>
+          <p:nvPr>
+            <p:custDataLst>
+              <p:tags r:id="rId2"/>
+            </p:custDataLst>
+          </p:nvPr>
+        </p:nvPicPr>
+        <p:blipFill>
+          <a:blip r:embed="rId8" cstate="print">
+            <a:extLst>
+              <a:ext uri="{28A0092B-C50C-407E-A947-70E740481C1C}">
+                <a14:useLocalDpi xmlns:a14="http://schemas.microsoft.com/office/drawing/2010/main" val="0"/>
+              </a:ext>
+            </a:extLst>
+          </a:blip>
+          <a:stretch>
+            <a:fillRect/>
+          </a:stretch>
+        </p:blipFill>
+        <p:spPr>
+          <a:xfrm>
+            <a:off x="609600" y="1744662"/>
+            <a:ext cx="6553200" cy="1159779"/>
+          </a:xfrm>
+          <a:prstGeom prst="rect">
+            <a:avLst/>
+          </a:prstGeom>
+        </p:spPr>
+      </p:pic>
+      <p:pic>
+        <p:nvPicPr>
+          <p:cNvPr id="4" name="Picture 3"/>
+          <p:cNvPicPr>
+            <a:picLocks noChangeAspect="1"/>
+          </p:cNvPicPr>
+          <p:nvPr>
+            <p:custDataLst>
+              <p:tags r:id="rId3"/>
+            </p:custDataLst>
+          </p:nvPr>
+        </p:nvPicPr>
+        <p:blipFill>
+          <a:blip r:embed="rId9" cstate="print">
+            <a:extLst>
+              <a:ext uri="{28A0092B-C50C-407E-A947-70E740481C1C}">
+                <a14:useLocalDpi xmlns:a14="http://schemas.microsoft.com/office/drawing/2010/main" val="0"/>
+              </a:ext>
+            </a:extLst>
+          </a:blip>
+          <a:stretch>
+            <a:fillRect/>
+          </a:stretch>
+        </p:blipFill>
+        <p:spPr>
+          <a:xfrm>
+            <a:off x="2438400" y="4514124"/>
+            <a:ext cx="3897905" cy="286476"/>
+          </a:xfrm>
+          <a:prstGeom prst="rect">
+            <a:avLst/>
+          </a:prstGeom>
+        </p:spPr>
+      </p:pic>
+      <p:pic>
+        <p:nvPicPr>
+          <p:cNvPr id="7" name="Picture 6"/>
+          <p:cNvPicPr>
+            <a:picLocks noChangeAspect="1"/>
+          </p:cNvPicPr>
+          <p:nvPr>
+            <p:custDataLst>
+              <p:tags r:id="rId4"/>
+            </p:custDataLst>
+          </p:nvPr>
+        </p:nvPicPr>
+        <p:blipFill>
+          <a:blip r:embed="rId10" cstate="print">
+            <a:extLst>
+              <a:ext uri="{28A0092B-C50C-407E-A947-70E740481C1C}">
+                <a14:useLocalDpi xmlns:a14="http://schemas.microsoft.com/office/drawing/2010/main" val="0"/>
+              </a:ext>
+            </a:extLst>
+          </a:blip>
+          <a:stretch>
+            <a:fillRect/>
+          </a:stretch>
+        </p:blipFill>
+        <p:spPr>
+          <a:xfrm>
+            <a:off x="1648124" y="5657124"/>
+            <a:ext cx="5438476" cy="286476"/>
+          </a:xfrm>
+          <a:prstGeom prst="rect">
+            <a:avLst/>
+          </a:prstGeom>
+        </p:spPr>
+      </p:pic>
       <p:sp>
         <p:nvSpPr>
-          <p:cNvPr id="22" name="Rectangle 3"/>
-          <p:cNvSpPr txBox="1">
+          <p:cNvPr id="10" name="Rectangle 5"/>
+          <p:cNvSpPr>
             <a:spLocks noChangeArrowheads="1"/>
           </p:cNvSpPr>
           <p:nvPr/>
         </p:nvSpPr>
         <p:spPr bwMode="auto">
           <a:xfrm>
-            <a:off x="457200" y="1600200"/>
-            <a:ext cx="8229600" cy="4960938"/>
+            <a:off x="3276600" y="1219200"/>
+            <a:ext cx="1447800" cy="1219200"/>
+          </a:xfrm>
+          <a:prstGeom prst="rect">
+            <a:avLst/>
+          </a:prstGeom>
+          <a:solidFill>
+            <a:schemeClr val="bg1">
+              <a:lumMod val="95000"/>
+            </a:schemeClr>
+          </a:solidFill>
+          <a:ln>
+            <a:headEnd/>
+            <a:tailEnd/>
+          </a:ln>
+        </p:spPr>
+        <p:style>
+          <a:lnRef idx="2">
+            <a:schemeClr val="accent4"/>
+          </a:lnRef>
+          <a:fillRef idx="1">
+            <a:schemeClr val="lt1"/>
+          </a:fillRef>
+          <a:effectRef idx="0">
+            <a:schemeClr val="accent4"/>
+          </a:effectRef>
+          <a:fontRef idx="minor">
+            <a:schemeClr val="dk1"/>
+          </a:fontRef>
+        </p:style>
+        <p:txBody>
+          <a:bodyPr wrap="none" anchor="ctr"/>
+          <a:lstStyle/>
+          <a:p>
+            <a:endParaRPr lang="en-US"/>
+          </a:p>
+        </p:txBody>
+      </p:sp>
+      <p:sp>
+        <p:nvSpPr>
+          <p:cNvPr id="11" name="Rectangle 6"/>
+          <p:cNvSpPr>
+            <a:spLocks noChangeArrowheads="1"/>
+          </p:cNvSpPr>
+          <p:nvPr/>
+        </p:nvSpPr>
+        <p:spPr bwMode="auto">
+          <a:xfrm>
+            <a:off x="5257800" y="1219200"/>
+            <a:ext cx="1447800" cy="1219200"/>
+          </a:xfrm>
+          <a:prstGeom prst="rect">
+            <a:avLst/>
+          </a:prstGeom>
+          <a:solidFill>
+            <a:schemeClr val="bg1">
+              <a:lumMod val="95000"/>
+            </a:schemeClr>
+          </a:solidFill>
+          <a:ln>
+            <a:headEnd/>
+            <a:tailEnd/>
+          </a:ln>
+        </p:spPr>
+        <p:style>
+          <a:lnRef idx="2">
+            <a:schemeClr val="accent4"/>
+          </a:lnRef>
+          <a:fillRef idx="1">
+            <a:schemeClr val="lt1"/>
+          </a:fillRef>
+          <a:effectRef idx="0">
+            <a:schemeClr val="accent4"/>
+          </a:effectRef>
+          <a:fontRef idx="minor">
+            <a:schemeClr val="dk1"/>
+          </a:fontRef>
+        </p:style>
+        <p:txBody>
+          <a:bodyPr wrap="none" anchor="ctr"/>
+          <a:lstStyle/>
+          <a:p>
+            <a:endParaRPr lang="en-US"/>
+          </a:p>
+        </p:txBody>
+      </p:sp>
+      <p:sp>
+        <p:nvSpPr>
+          <p:cNvPr id="12" name="Rectangle 7"/>
+          <p:cNvSpPr>
+            <a:spLocks noChangeArrowheads="1"/>
+          </p:cNvSpPr>
+          <p:nvPr/>
+        </p:nvSpPr>
+        <p:spPr bwMode="auto">
+          <a:xfrm>
+            <a:off x="1295400" y="1219200"/>
+            <a:ext cx="1447800" cy="1219200"/>
+          </a:xfrm>
+          <a:prstGeom prst="rect">
+            <a:avLst/>
+          </a:prstGeom>
+          <a:solidFill>
+            <a:schemeClr val="bg1">
+              <a:lumMod val="95000"/>
+            </a:schemeClr>
+          </a:solidFill>
+          <a:ln>
+            <a:headEnd/>
+            <a:tailEnd/>
+          </a:ln>
+        </p:spPr>
+        <p:style>
+          <a:lnRef idx="2">
+            <a:schemeClr val="accent4"/>
+          </a:lnRef>
+          <a:fillRef idx="1">
+            <a:schemeClr val="lt1"/>
+          </a:fillRef>
+          <a:effectRef idx="0">
+            <a:schemeClr val="accent4"/>
+          </a:effectRef>
+          <a:fontRef idx="minor">
+            <a:schemeClr val="dk1"/>
+          </a:fontRef>
+        </p:style>
+        <p:txBody>
+          <a:bodyPr wrap="none" anchor="ctr"/>
+          <a:lstStyle/>
+          <a:p>
+            <a:endParaRPr lang="en-US"/>
+          </a:p>
+        </p:txBody>
+      </p:sp>
+      <p:sp>
+        <p:nvSpPr>
+          <p:cNvPr id="13" name="Rectangle 8"/>
+          <p:cNvSpPr>
+            <a:spLocks noChangeArrowheads="1"/>
+          </p:cNvSpPr>
+          <p:nvPr/>
+        </p:nvSpPr>
+        <p:spPr bwMode="auto">
+          <a:xfrm>
+            <a:off x="7162800" y="1219200"/>
+            <a:ext cx="304800" cy="1219200"/>
+          </a:xfrm>
+          <a:prstGeom prst="rect">
+            <a:avLst/>
+          </a:prstGeom>
+          <a:solidFill>
+            <a:schemeClr val="bg1">
+              <a:lumMod val="95000"/>
+            </a:schemeClr>
+          </a:solidFill>
+          <a:ln>
+            <a:headEnd/>
+            <a:tailEnd/>
+          </a:ln>
+        </p:spPr>
+        <p:style>
+          <a:lnRef idx="2">
+            <a:schemeClr val="accent4"/>
+          </a:lnRef>
+          <a:fillRef idx="1">
+            <a:schemeClr val="lt1"/>
+          </a:fillRef>
+          <a:effectRef idx="0">
+            <a:schemeClr val="accent4"/>
+          </a:effectRef>
+          <a:fontRef idx="minor">
+            <a:schemeClr val="dk1"/>
+          </a:fontRef>
+        </p:style>
+        <p:txBody>
+          <a:bodyPr wrap="none" anchor="ctr"/>
+          <a:lstStyle/>
+          <a:p>
+            <a:endParaRPr lang="en-US"/>
+          </a:p>
+        </p:txBody>
+      </p:sp>
+      <p:sp>
+        <p:nvSpPr>
+          <p:cNvPr id="14" name="AutoShape 9"/>
+          <p:cNvSpPr>
+            <a:spLocks/>
+          </p:cNvSpPr>
+          <p:nvPr/>
+        </p:nvSpPr>
+        <p:spPr bwMode="auto">
+          <a:xfrm rot="5400000">
+            <a:off x="6362700" y="1790700"/>
+            <a:ext cx="152400" cy="1600200"/>
+          </a:xfrm>
+          <a:prstGeom prst="rightBrace">
+            <a:avLst>
+              <a:gd name="adj1" fmla="val 87500"/>
+              <a:gd name="adj2" fmla="val 50000"/>
+            </a:avLst>
+          </a:prstGeom>
+          <a:noFill/>
+          <a:ln w="28575">
+            <a:solidFill>
+              <a:schemeClr val="tx1"/>
+            </a:solidFill>
+            <a:round/>
+            <a:headEnd/>
+            <a:tailEnd/>
+          </a:ln>
+          <a:effectLst/>
+          <a:extLst>
+            <a:ext uri="{909E8E84-426E-40DD-AFC4-6F175D3DCCD1}">
+              <a14:hiddenFill xmlns:a14="http://schemas.microsoft.com/office/drawing/2010/main">
+                <a:solidFill>
+                  <a:schemeClr val="accent1"/>
+                </a:solidFill>
+              </a14:hiddenFill>
+            </a:ext>
+            <a:ext uri="{AF507438-7753-43E0-B8FC-AC1667EBCBE1}">
+              <a14:hiddenEffects xmlns:a14="http://schemas.microsoft.com/office/drawing/2010/main">
+                <a:effectLst>
+                  <a:outerShdw dist="35921" dir="2700000" algn="ctr" rotWithShape="0">
+                    <a:schemeClr val="bg2"/>
+                  </a:outerShdw>
+                </a:effectLst>
+              </a14:hiddenEffects>
+            </a:ext>
+          </a:extLst>
+        </p:spPr>
+        <p:txBody>
+          <a:bodyPr wrap="none" anchor="ctr"/>
+          <a:lstStyle/>
+          <a:p>
+            <a:endParaRPr lang="en-US"/>
+          </a:p>
+        </p:txBody>
+      </p:sp>
+      <p:sp>
+        <p:nvSpPr>
+          <p:cNvPr id="15" name="AutoShape 10"/>
+          <p:cNvSpPr>
+            <a:spLocks/>
+          </p:cNvSpPr>
+          <p:nvPr/>
+        </p:nvSpPr>
+        <p:spPr bwMode="auto">
+          <a:xfrm rot="5400000">
+            <a:off x="5600700" y="1181100"/>
+            <a:ext cx="228600" cy="3048000"/>
+          </a:xfrm>
+          <a:prstGeom prst="rightBrace">
+            <a:avLst>
+              <a:gd name="adj1" fmla="val 111111"/>
+              <a:gd name="adj2" fmla="val 50000"/>
+            </a:avLst>
+          </a:prstGeom>
+          <a:noFill/>
+          <a:ln w="28575">
+            <a:solidFill>
+              <a:schemeClr val="tx1"/>
+            </a:solidFill>
+            <a:round/>
+            <a:headEnd/>
+            <a:tailEnd/>
+          </a:ln>
+          <a:effectLst/>
+          <a:extLst>
+            <a:ext uri="{909E8E84-426E-40DD-AFC4-6F175D3DCCD1}">
+              <a14:hiddenFill xmlns:a14="http://schemas.microsoft.com/office/drawing/2010/main">
+                <a:solidFill>
+                  <a:schemeClr val="accent1"/>
+                </a:solidFill>
+              </a14:hiddenFill>
+            </a:ext>
+            <a:ext uri="{AF507438-7753-43E0-B8FC-AC1667EBCBE1}">
+              <a14:hiddenEffects xmlns:a14="http://schemas.microsoft.com/office/drawing/2010/main">
+                <a:effectLst>
+                  <a:outerShdw dist="35921" dir="2700000" algn="ctr" rotWithShape="0">
+                    <a:schemeClr val="bg2"/>
+                  </a:outerShdw>
+                </a:effectLst>
+              </a14:hiddenEffects>
+            </a:ext>
+          </a:extLst>
+        </p:spPr>
+        <p:txBody>
+          <a:bodyPr wrap="none" anchor="ctr"/>
+          <a:lstStyle/>
+          <a:p>
+            <a:endParaRPr lang="en-US"/>
+          </a:p>
+        </p:txBody>
+      </p:sp>
+      <p:sp>
+        <p:nvSpPr>
+          <p:cNvPr id="16" name="AutoShape 11"/>
+          <p:cNvSpPr>
+            <a:spLocks/>
+          </p:cNvSpPr>
+          <p:nvPr/>
+        </p:nvSpPr>
+        <p:spPr bwMode="auto">
+          <a:xfrm rot="5400000">
+            <a:off x="4495800" y="228600"/>
+            <a:ext cx="228600" cy="5257800"/>
+          </a:xfrm>
+          <a:prstGeom prst="rightBrace">
+            <a:avLst>
+              <a:gd name="adj1" fmla="val 191667"/>
+              <a:gd name="adj2" fmla="val 50000"/>
+            </a:avLst>
+          </a:prstGeom>
+          <a:noFill/>
+          <a:ln w="28575">
+            <a:solidFill>
+              <a:schemeClr val="tx1"/>
+            </a:solidFill>
+            <a:round/>
+            <a:headEnd/>
+            <a:tailEnd/>
+          </a:ln>
+          <a:effectLst/>
+          <a:extLst>
+            <a:ext uri="{909E8E84-426E-40DD-AFC4-6F175D3DCCD1}">
+              <a14:hiddenFill xmlns:a14="http://schemas.microsoft.com/office/drawing/2010/main">
+                <a:solidFill>
+                  <a:schemeClr val="accent1"/>
+                </a:solidFill>
+              </a14:hiddenFill>
+            </a:ext>
+            <a:ext uri="{AF507438-7753-43E0-B8FC-AC1667EBCBE1}">
+              <a14:hiddenEffects xmlns:a14="http://schemas.microsoft.com/office/drawing/2010/main">
+                <a:effectLst>
+                  <a:outerShdw dist="35921" dir="2700000" algn="ctr" rotWithShape="0">
+                    <a:schemeClr val="bg2"/>
+                  </a:outerShdw>
+                </a:effectLst>
+              </a14:hiddenEffects>
+            </a:ext>
+          </a:extLst>
+        </p:spPr>
+        <p:txBody>
+          <a:bodyPr wrap="none" anchor="ctr"/>
+          <a:lstStyle/>
+          <a:p>
+            <a:endParaRPr lang="en-US"/>
+          </a:p>
+        </p:txBody>
+      </p:sp>
+      <p:sp>
+        <p:nvSpPr>
+          <p:cNvPr id="17" name="Rectangle 12"/>
+          <p:cNvSpPr>
+            <a:spLocks noChangeArrowheads="1"/>
+          </p:cNvSpPr>
+          <p:nvPr/>
+        </p:nvSpPr>
+        <p:spPr bwMode="auto">
+          <a:xfrm>
+            <a:off x="2819400" y="1600200"/>
+            <a:ext cx="457200" cy="533400"/>
           </a:xfrm>
           <a:prstGeom prst="rect">
             <a:avLst/>
@@ -10659,237 +12085,306 @@
           </a:extLst>
         </p:spPr>
         <p:txBody>
-          <a:bodyPr vert="horz" wrap="square" lIns="91440" tIns="45720" rIns="91440" bIns="45720" numCol="1" anchor="t" anchorCtr="0" compatLnSpc="1">
-            <a:prstTxWarp prst="textNoShape">
-              <a:avLst/>
-            </a:prstTxWarp>
-          </a:bodyPr>
-          <a:lstStyle>
-            <a:lvl1pPr marL="342900" indent="-342900" algn="l" rtl="0" fontAlgn="base">
-              <a:spcBef>
-                <a:spcPct val="20000"/>
-              </a:spcBef>
-              <a:spcAft>
-                <a:spcPct val="0"/>
-              </a:spcAft>
-              <a:buClr>
-                <a:schemeClr val="accent1"/>
-              </a:buClr>
-              <a:buSzPct val="65000"/>
-              <a:buFont typeface="Wingdings" pitchFamily="2" charset="2"/>
-              <a:buChar char="n"/>
-              <a:defRPr sz="3000">
+          <a:bodyPr wrap="none" anchor="ctr"/>
+          <a:lstStyle/>
+          <a:p>
+            <a:pPr algn="ctr"/>
+            <a:r>
+              <a:rPr lang="en-US" altLang="en-US" sz="3200" b="1"/>
+              <a:t>x</a:t>
+            </a:r>
+          </a:p>
+        </p:txBody>
+      </p:sp>
+      <p:sp>
+        <p:nvSpPr>
+          <p:cNvPr id="18" name="Rectangle 13"/>
+          <p:cNvSpPr>
+            <a:spLocks noChangeArrowheads="1"/>
+          </p:cNvSpPr>
+          <p:nvPr/>
+        </p:nvSpPr>
+        <p:spPr bwMode="auto">
+          <a:xfrm>
+            <a:off x="4724400" y="1600200"/>
+            <a:ext cx="457200" cy="533400"/>
+          </a:xfrm>
+          <a:prstGeom prst="rect">
+            <a:avLst/>
+          </a:prstGeom>
+          <a:noFill/>
+          <a:ln>
+            <a:noFill/>
+          </a:ln>
+          <a:effectLst/>
+          <a:extLst>
+            <a:ext uri="{909E8E84-426E-40DD-AFC4-6F175D3DCCD1}">
+              <a14:hiddenFill xmlns:a14="http://schemas.microsoft.com/office/drawing/2010/main">
+                <a:solidFill>
+                  <a:schemeClr val="accent1"/>
+                </a:solidFill>
+              </a14:hiddenFill>
+            </a:ext>
+            <a:ext uri="{91240B29-F687-4F45-9708-019B960494DF}">
+              <a14:hiddenLine xmlns:a14="http://schemas.microsoft.com/office/drawing/2010/main" w="9525">
                 <a:solidFill>
                   <a:schemeClr val="tx1"/>
                 </a:solidFill>
-                <a:latin typeface="+mn-lt"/>
-                <a:ea typeface="+mn-ea"/>
-                <a:cs typeface="+mn-cs"/>
-              </a:defRPr>
-            </a:lvl1pPr>
-            <a:lvl2pPr marL="669925" indent="-325438" algn="l" rtl="0" fontAlgn="base">
-              <a:spcBef>
-                <a:spcPct val="20000"/>
-              </a:spcBef>
-              <a:spcAft>
-                <a:spcPct val="0"/>
-              </a:spcAft>
-              <a:buClr>
-                <a:schemeClr val="accent2"/>
-              </a:buClr>
-              <a:buSzPct val="60000"/>
-              <a:buFont typeface="Wingdings" pitchFamily="2" charset="2"/>
-              <a:buChar char="q"/>
-              <a:defRPr sz="2600">
+                <a:miter lim="800000"/>
+                <a:headEnd/>
+                <a:tailEnd/>
+              </a14:hiddenLine>
+            </a:ext>
+            <a:ext uri="{AF507438-7753-43E0-B8FC-AC1667EBCBE1}">
+              <a14:hiddenEffects xmlns:a14="http://schemas.microsoft.com/office/drawing/2010/main">
+                <a:effectLst>
+                  <a:outerShdw dist="35921" dir="2700000" algn="ctr" rotWithShape="0">
+                    <a:schemeClr val="bg2"/>
+                  </a:outerShdw>
+                </a:effectLst>
+              </a14:hiddenEffects>
+            </a:ext>
+          </a:extLst>
+        </p:spPr>
+        <p:txBody>
+          <a:bodyPr wrap="none" anchor="ctr"/>
+          <a:lstStyle/>
+          <a:p>
+            <a:pPr algn="ctr"/>
+            <a:r>
+              <a:rPr lang="en-US" altLang="en-US" sz="3200" b="1"/>
+              <a:t>x</a:t>
+            </a:r>
+          </a:p>
+        </p:txBody>
+      </p:sp>
+      <p:sp>
+        <p:nvSpPr>
+          <p:cNvPr id="19" name="Rectangle 14"/>
+          <p:cNvSpPr>
+            <a:spLocks noChangeArrowheads="1"/>
+          </p:cNvSpPr>
+          <p:nvPr/>
+        </p:nvSpPr>
+        <p:spPr bwMode="auto">
+          <a:xfrm>
+            <a:off x="6705600" y="1600200"/>
+            <a:ext cx="457200" cy="533400"/>
+          </a:xfrm>
+          <a:prstGeom prst="rect">
+            <a:avLst/>
+          </a:prstGeom>
+          <a:noFill/>
+          <a:ln>
+            <a:noFill/>
+          </a:ln>
+          <a:effectLst/>
+          <a:extLst>
+            <a:ext uri="{909E8E84-426E-40DD-AFC4-6F175D3DCCD1}">
+              <a14:hiddenFill xmlns:a14="http://schemas.microsoft.com/office/drawing/2010/main">
+                <a:solidFill>
+                  <a:schemeClr val="accent1"/>
+                </a:solidFill>
+              </a14:hiddenFill>
+            </a:ext>
+            <a:ext uri="{91240B29-F687-4F45-9708-019B960494DF}">
+              <a14:hiddenLine xmlns:a14="http://schemas.microsoft.com/office/drawing/2010/main" w="9525">
                 <a:solidFill>
                   <a:schemeClr val="tx1"/>
                 </a:solidFill>
-                <a:latin typeface="+mn-lt"/>
-              </a:defRPr>
-            </a:lvl2pPr>
-            <a:lvl3pPr marL="1022350" indent="-350838" algn="l" rtl="0" fontAlgn="base">
-              <a:spcBef>
-                <a:spcPct val="20000"/>
-              </a:spcBef>
-              <a:spcAft>
-                <a:spcPct val="0"/>
-              </a:spcAft>
-              <a:buClr>
-                <a:schemeClr val="accent1"/>
-              </a:buClr>
-              <a:buSzPct val="65000"/>
-              <a:buFont typeface="Wingdings" pitchFamily="2" charset="2"/>
-              <a:buChar char="n"/>
-              <a:defRPr sz="2200">
+                <a:miter lim="800000"/>
+                <a:headEnd/>
+                <a:tailEnd/>
+              </a14:hiddenLine>
+            </a:ext>
+            <a:ext uri="{AF507438-7753-43E0-B8FC-AC1667EBCBE1}">
+              <a14:hiddenEffects xmlns:a14="http://schemas.microsoft.com/office/drawing/2010/main">
+                <a:effectLst>
+                  <a:outerShdw dist="35921" dir="2700000" algn="ctr" rotWithShape="0">
+                    <a:schemeClr val="bg2"/>
+                  </a:outerShdw>
+                </a:effectLst>
+              </a14:hiddenEffects>
+            </a:ext>
+          </a:extLst>
+        </p:spPr>
+        <p:txBody>
+          <a:bodyPr wrap="none" anchor="ctr"/>
+          <a:lstStyle/>
+          <a:p>
+            <a:pPr algn="ctr"/>
+            <a:r>
+              <a:rPr lang="en-US" altLang="en-US" sz="3200" b="1"/>
+              <a:t>x</a:t>
+            </a:r>
+          </a:p>
+        </p:txBody>
+      </p:sp>
+      <p:sp>
+        <p:nvSpPr>
+          <p:cNvPr id="21" name="Rectangle 18"/>
+          <p:cNvSpPr>
+            <a:spLocks noChangeArrowheads="1"/>
+          </p:cNvSpPr>
+          <p:nvPr/>
+        </p:nvSpPr>
+        <p:spPr bwMode="auto">
+          <a:xfrm>
+            <a:off x="685800" y="1524000"/>
+            <a:ext cx="457200" cy="533400"/>
+          </a:xfrm>
+          <a:prstGeom prst="rect">
+            <a:avLst/>
+          </a:prstGeom>
+          <a:noFill/>
+          <a:ln>
+            <a:noFill/>
+          </a:ln>
+          <a:effectLst/>
+          <a:extLst>
+            <a:ext uri="{909E8E84-426E-40DD-AFC4-6F175D3DCCD1}">
+              <a14:hiddenFill xmlns:a14="http://schemas.microsoft.com/office/drawing/2010/main">
+                <a:solidFill>
+                  <a:schemeClr val="accent1"/>
+                </a:solidFill>
+              </a14:hiddenFill>
+            </a:ext>
+            <a:ext uri="{91240B29-F687-4F45-9708-019B960494DF}">
+              <a14:hiddenLine xmlns:a14="http://schemas.microsoft.com/office/drawing/2010/main" w="9525">
                 <a:solidFill>
                   <a:schemeClr val="tx1"/>
                 </a:solidFill>
-                <a:latin typeface="+mn-lt"/>
-              </a:defRPr>
-            </a:lvl3pPr>
-            <a:lvl4pPr marL="1339850" indent="-315913" algn="l" rtl="0" fontAlgn="base">
-              <a:spcBef>
-                <a:spcPct val="20000"/>
-              </a:spcBef>
-              <a:spcAft>
-                <a:spcPct val="0"/>
-              </a:spcAft>
-              <a:buClr>
-                <a:schemeClr val="accent2"/>
-              </a:buClr>
-              <a:buSzPct val="70000"/>
-              <a:buFont typeface="Wingdings" pitchFamily="2" charset="2"/>
-              <a:buChar char="q"/>
-              <a:defRPr sz="2000">
+                <a:miter lim="800000"/>
+                <a:headEnd/>
+                <a:tailEnd/>
+              </a14:hiddenLine>
+            </a:ext>
+            <a:ext uri="{AF507438-7753-43E0-B8FC-AC1667EBCBE1}">
+              <a14:hiddenEffects xmlns:a14="http://schemas.microsoft.com/office/drawing/2010/main">
+                <a:effectLst>
+                  <a:outerShdw dist="35921" dir="2700000" algn="ctr" rotWithShape="0">
+                    <a:schemeClr val="bg2"/>
+                  </a:outerShdw>
+                </a:effectLst>
+              </a14:hiddenEffects>
+            </a:ext>
+          </a:extLst>
+        </p:spPr>
+        <p:txBody>
+          <a:bodyPr wrap="none" anchor="ctr"/>
+          <a:lstStyle/>
+          <a:p>
+            <a:pPr algn="ctr"/>
+            <a:r>
+              <a:rPr lang="en-US" altLang="en-US" sz="2400" dirty="0"/>
+              <a:t>….</a:t>
+            </a:r>
+          </a:p>
+        </p:txBody>
+      </p:sp>
+      <p:sp>
+        <p:nvSpPr>
+          <p:cNvPr id="8" name="Rectangular Callout 7"/>
+          <p:cNvSpPr/>
+          <p:nvPr/>
+        </p:nvSpPr>
+        <p:spPr>
+          <a:xfrm>
+            <a:off x="6646628" y="3196423"/>
+            <a:ext cx="2268772" cy="765977"/>
+          </a:xfrm>
+          <a:prstGeom prst="wedgeRectCallout">
+            <a:avLst>
+              <a:gd name="adj1" fmla="val -136361"/>
+              <a:gd name="adj2" fmla="val -76363"/>
+            </a:avLst>
+          </a:prstGeom>
+          <a:ln>
+            <a:solidFill>
+              <a:schemeClr val="tx2"/>
+            </a:solidFill>
+          </a:ln>
+        </p:spPr>
+        <p:style>
+          <a:lnRef idx="2">
+            <a:schemeClr val="accent3">
+              <a:shade val="50000"/>
+            </a:schemeClr>
+          </a:lnRef>
+          <a:fillRef idx="1">
+            <a:schemeClr val="accent3"/>
+          </a:fillRef>
+          <a:effectRef idx="0">
+            <a:schemeClr val="accent3"/>
+          </a:effectRef>
+          <a:fontRef idx="minor">
+            <a:schemeClr val="lt1"/>
+          </a:fontRef>
+        </p:style>
+        <p:txBody>
+          <a:bodyPr rtlCol="0" anchor="ctr"/>
+          <a:lstStyle/>
+          <a:p>
+            <a:pPr algn="ctr"/>
+            <a:r>
+              <a:rPr lang="en-US" dirty="0" smtClean="0">
                 <a:solidFill>
                   <a:schemeClr val="tx1"/>
                 </a:solidFill>
-                <a:latin typeface="+mn-lt"/>
-              </a:defRPr>
-            </a:lvl4pPr>
-            <a:lvl5pPr marL="1681163" indent="-339725" algn="l" rtl="0" fontAlgn="base">
-              <a:spcBef>
-                <a:spcPct val="20000"/>
-              </a:spcBef>
-              <a:spcAft>
-                <a:spcPct val="0"/>
-              </a:spcAft>
-              <a:buClr>
-                <a:schemeClr val="accent1"/>
-              </a:buClr>
-              <a:buSzPct val="75000"/>
-              <a:buFont typeface="Wingdings" pitchFamily="2" charset="2"/>
-              <a:buChar char="§"/>
-              <a:defRPr sz="2000">
-                <a:solidFill>
-                  <a:schemeClr val="tx1"/>
-                </a:solidFill>
-                <a:latin typeface="+mn-lt"/>
-              </a:defRPr>
-            </a:lvl5pPr>
-            <a:lvl6pPr marL="2138363" indent="-339725" algn="l" rtl="0" fontAlgn="base">
-              <a:spcBef>
-                <a:spcPct val="20000"/>
-              </a:spcBef>
-              <a:spcAft>
-                <a:spcPct val="0"/>
-              </a:spcAft>
-              <a:buClr>
-                <a:schemeClr val="accent1"/>
-              </a:buClr>
-              <a:buSzPct val="75000"/>
-              <a:buFont typeface="Wingdings" pitchFamily="2" charset="2"/>
-              <a:buChar char="§"/>
-              <a:defRPr sz="2000">
-                <a:solidFill>
-                  <a:schemeClr val="tx1"/>
-                </a:solidFill>
-                <a:latin typeface="+mn-lt"/>
-              </a:defRPr>
-            </a:lvl6pPr>
-            <a:lvl7pPr marL="2595563" indent="-339725" algn="l" rtl="0" fontAlgn="base">
-              <a:spcBef>
-                <a:spcPct val="20000"/>
-              </a:spcBef>
-              <a:spcAft>
-                <a:spcPct val="0"/>
-              </a:spcAft>
-              <a:buClr>
-                <a:schemeClr val="accent1"/>
-              </a:buClr>
-              <a:buSzPct val="75000"/>
-              <a:buFont typeface="Wingdings" pitchFamily="2" charset="2"/>
-              <a:buChar char="§"/>
-              <a:defRPr sz="2000">
-                <a:solidFill>
-                  <a:schemeClr val="tx1"/>
-                </a:solidFill>
-                <a:latin typeface="+mn-lt"/>
-              </a:defRPr>
-            </a:lvl7pPr>
-            <a:lvl8pPr marL="3052763" indent="-339725" algn="l" rtl="0" fontAlgn="base">
-              <a:spcBef>
-                <a:spcPct val="20000"/>
-              </a:spcBef>
-              <a:spcAft>
-                <a:spcPct val="0"/>
-              </a:spcAft>
-              <a:buClr>
-                <a:schemeClr val="accent1"/>
-              </a:buClr>
-              <a:buSzPct val="75000"/>
-              <a:buFont typeface="Wingdings" pitchFamily="2" charset="2"/>
-              <a:buChar char="§"/>
-              <a:defRPr sz="2000">
-                <a:solidFill>
-                  <a:schemeClr val="tx1"/>
-                </a:solidFill>
-                <a:latin typeface="+mn-lt"/>
-              </a:defRPr>
-            </a:lvl8pPr>
-            <a:lvl9pPr marL="3509963" indent="-339725" algn="l" rtl="0" fontAlgn="base">
-              <a:spcBef>
-                <a:spcPct val="20000"/>
-              </a:spcBef>
-              <a:spcAft>
-                <a:spcPct val="0"/>
-              </a:spcAft>
-              <a:buClr>
-                <a:schemeClr val="accent1"/>
-              </a:buClr>
-              <a:buSzPct val="75000"/>
-              <a:buFont typeface="Wingdings" pitchFamily="2" charset="2"/>
-              <a:buChar char="§"/>
-              <a:defRPr sz="2000">
-                <a:solidFill>
-                  <a:schemeClr val="tx1"/>
-                </a:solidFill>
-                <a:latin typeface="+mn-lt"/>
-              </a:defRPr>
-            </a:lvl9pPr>
-          </a:lstStyle>
-          <a:p>
-            <a:endParaRPr lang="en-US" altLang="en-US" sz="2400" dirty="0" smtClean="0">
+                <a:latin typeface="Open Sans" panose="020B0606030504020204" pitchFamily="34" charset="0"/>
+                <a:ea typeface="Open Sans" panose="020B0606030504020204" pitchFamily="34" charset="0"/>
+                <a:cs typeface="Open Sans" panose="020B0606030504020204" pitchFamily="34" charset="0"/>
+              </a:rPr>
+              <a:t>Time complexity</a:t>
+            </a:r>
+          </a:p>
+          <a:p>
+            <a:pPr algn="ctr"/>
+            <a:endParaRPr lang="en-US" dirty="0">
+              <a:solidFill>
+                <a:schemeClr val="tx1"/>
+              </a:solidFill>
               <a:latin typeface="Open Sans" panose="020B0606030504020204" pitchFamily="34" charset="0"/>
               <a:ea typeface="Open Sans" panose="020B0606030504020204" pitchFamily="34" charset="0"/>
               <a:cs typeface="Open Sans" panose="020B0606030504020204" pitchFamily="34" charset="0"/>
             </a:endParaRPr>
           </a:p>
-          <a:p>
-            <a:endParaRPr lang="en-US" altLang="en-US" sz="2400" kern="0" dirty="0">
-              <a:latin typeface="Open Sans" panose="020B0606030504020204" pitchFamily="34" charset="0"/>
-              <a:ea typeface="Open Sans" panose="020B0606030504020204" pitchFamily="34" charset="0"/>
-              <a:cs typeface="Open Sans" panose="020B0606030504020204" pitchFamily="34" charset="0"/>
-            </a:endParaRPr>
-          </a:p>
-          <a:p>
-            <a:endParaRPr lang="en-US" altLang="en-US" sz="2400" kern="0" dirty="0" smtClean="0">
-              <a:latin typeface="Open Sans" panose="020B0606030504020204" pitchFamily="34" charset="0"/>
-              <a:ea typeface="Open Sans" panose="020B0606030504020204" pitchFamily="34" charset="0"/>
-              <a:cs typeface="Open Sans" panose="020B0606030504020204" pitchFamily="34" charset="0"/>
-            </a:endParaRPr>
-          </a:p>
         </p:txBody>
       </p:sp>
-      <p:sp>
-        <p:nvSpPr>
-          <p:cNvPr id="2" name="Content Placeholder 1"/>
-          <p:cNvSpPr>
-            <a:spLocks noGrp="1"/>
-          </p:cNvSpPr>
+      <p:pic>
+        <p:nvPicPr>
+          <p:cNvPr id="9" name="Picture 8"/>
+          <p:cNvPicPr>
+            <a:picLocks noChangeAspect="1"/>
+          </p:cNvPicPr>
           <p:nvPr>
-            <p:ph idx="1"/>
+            <p:custDataLst>
+              <p:tags r:id="rId5"/>
+            </p:custDataLst>
           </p:nvPr>
-        </p:nvSpPr>
-        <p:spPr/>
-        <p:txBody>
-          <a:bodyPr/>
-          <a:lstStyle/>
-          <a:p>
-            <a:endParaRPr lang="en-US" dirty="0"/>
-          </a:p>
-        </p:txBody>
-      </p:sp>
+        </p:nvPicPr>
+        <p:blipFill>
+          <a:blip r:embed="rId11" cstate="print">
+            <a:extLst>
+              <a:ext uri="{28A0092B-C50C-407E-A947-70E740481C1C}">
+                <a14:useLocalDpi xmlns:a14="http://schemas.microsoft.com/office/drawing/2010/main" val="0"/>
+              </a:ext>
+            </a:extLst>
+          </a:blip>
+          <a:stretch>
+            <a:fillRect/>
+          </a:stretch>
+        </p:blipFill>
+        <p:spPr>
+          <a:xfrm>
+            <a:off x="7149086" y="3659914"/>
+            <a:ext cx="1232914" cy="226286"/>
+          </a:xfrm>
+          <a:prstGeom prst="rect">
+            <a:avLst/>
+          </a:prstGeom>
+        </p:spPr>
+      </p:pic>
     </p:spTree>
     <p:custDataLst>
       <p:tags r:id="rId1"/>
@@ -10907,14 +12402,447 @@
   <p:timing>
     <p:tnLst>
       <p:par>
-        <p:cTn id="1" dur="indefinite" restart="never" nodeType="tmRoot"/>
+        <p:cTn id="1" dur="indefinite" restart="never" nodeType="tmRoot">
+          <p:childTnLst>
+            <p:seq concurrent="1" nextAc="seek">
+              <p:cTn id="2" dur="indefinite" nodeType="mainSeq">
+                <p:childTnLst>
+                  <p:par>
+                    <p:cTn id="3" fill="hold">
+                      <p:stCondLst>
+                        <p:cond delay="indefinite"/>
+                      </p:stCondLst>
+                      <p:childTnLst>
+                        <p:par>
+                          <p:cTn id="4" fill="hold">
+                            <p:stCondLst>
+                              <p:cond delay="0"/>
+                            </p:stCondLst>
+                            <p:childTnLst>
+                              <p:par>
+                                <p:cTn id="5" presetID="1" presetClass="entr" presetSubtype="0" fill="hold" grpId="0" nodeType="clickEffect">
+                                  <p:stCondLst>
+                                    <p:cond delay="0"/>
+                                  </p:stCondLst>
+                                  <p:childTnLst>
+                                    <p:set>
+                                      <p:cBhvr>
+                                        <p:cTn id="6" dur="1" fill="hold">
+                                          <p:stCondLst>
+                                            <p:cond delay="0"/>
+                                          </p:stCondLst>
+                                        </p:cTn>
+                                        <p:tgtEl>
+                                          <p:spTgt spid="21"/>
+                                        </p:tgtEl>
+                                        <p:attrNameLst>
+                                          <p:attrName>style.visibility</p:attrName>
+                                        </p:attrNameLst>
+                                      </p:cBhvr>
+                                      <p:to>
+                                        <p:strVal val="visible"/>
+                                      </p:to>
+                                    </p:set>
+                                  </p:childTnLst>
+                                </p:cTn>
+                              </p:par>
+                              <p:par>
+                                <p:cTn id="7" presetID="1" presetClass="entr" presetSubtype="0" fill="hold" grpId="0" nodeType="withEffect">
+                                  <p:stCondLst>
+                                    <p:cond delay="0"/>
+                                  </p:stCondLst>
+                                  <p:childTnLst>
+                                    <p:set>
+                                      <p:cBhvr>
+                                        <p:cTn id="8" dur="1" fill="hold">
+                                          <p:stCondLst>
+                                            <p:cond delay="0"/>
+                                          </p:stCondLst>
+                                        </p:cTn>
+                                        <p:tgtEl>
+                                          <p:spTgt spid="12"/>
+                                        </p:tgtEl>
+                                        <p:attrNameLst>
+                                          <p:attrName>style.visibility</p:attrName>
+                                        </p:attrNameLst>
+                                      </p:cBhvr>
+                                      <p:to>
+                                        <p:strVal val="visible"/>
+                                      </p:to>
+                                    </p:set>
+                                  </p:childTnLst>
+                                </p:cTn>
+                              </p:par>
+                              <p:par>
+                                <p:cTn id="9" presetID="1" presetClass="entr" presetSubtype="0" fill="hold" grpId="0" nodeType="withEffect">
+                                  <p:stCondLst>
+                                    <p:cond delay="0"/>
+                                  </p:stCondLst>
+                                  <p:childTnLst>
+                                    <p:set>
+                                      <p:cBhvr>
+                                        <p:cTn id="10" dur="1" fill="hold">
+                                          <p:stCondLst>
+                                            <p:cond delay="0"/>
+                                          </p:stCondLst>
+                                        </p:cTn>
+                                        <p:tgtEl>
+                                          <p:spTgt spid="17"/>
+                                        </p:tgtEl>
+                                        <p:attrNameLst>
+                                          <p:attrName>style.visibility</p:attrName>
+                                        </p:attrNameLst>
+                                      </p:cBhvr>
+                                      <p:to>
+                                        <p:strVal val="visible"/>
+                                      </p:to>
+                                    </p:set>
+                                  </p:childTnLst>
+                                </p:cTn>
+                              </p:par>
+                              <p:par>
+                                <p:cTn id="11" presetID="1" presetClass="entr" presetSubtype="0" fill="hold" grpId="0" nodeType="withEffect">
+                                  <p:stCondLst>
+                                    <p:cond delay="0"/>
+                                  </p:stCondLst>
+                                  <p:childTnLst>
+                                    <p:set>
+                                      <p:cBhvr>
+                                        <p:cTn id="12" dur="1" fill="hold">
+                                          <p:stCondLst>
+                                            <p:cond delay="0"/>
+                                          </p:stCondLst>
+                                        </p:cTn>
+                                        <p:tgtEl>
+                                          <p:spTgt spid="10"/>
+                                        </p:tgtEl>
+                                        <p:attrNameLst>
+                                          <p:attrName>style.visibility</p:attrName>
+                                        </p:attrNameLst>
+                                      </p:cBhvr>
+                                      <p:to>
+                                        <p:strVal val="visible"/>
+                                      </p:to>
+                                    </p:set>
+                                  </p:childTnLst>
+                                </p:cTn>
+                              </p:par>
+                              <p:par>
+                                <p:cTn id="13" presetID="1" presetClass="entr" presetSubtype="0" fill="hold" grpId="0" nodeType="withEffect">
+                                  <p:stCondLst>
+                                    <p:cond delay="0"/>
+                                  </p:stCondLst>
+                                  <p:childTnLst>
+                                    <p:set>
+                                      <p:cBhvr>
+                                        <p:cTn id="14" dur="1" fill="hold">
+                                          <p:stCondLst>
+                                            <p:cond delay="0"/>
+                                          </p:stCondLst>
+                                        </p:cTn>
+                                        <p:tgtEl>
+                                          <p:spTgt spid="18"/>
+                                        </p:tgtEl>
+                                        <p:attrNameLst>
+                                          <p:attrName>style.visibility</p:attrName>
+                                        </p:attrNameLst>
+                                      </p:cBhvr>
+                                      <p:to>
+                                        <p:strVal val="visible"/>
+                                      </p:to>
+                                    </p:set>
+                                  </p:childTnLst>
+                                </p:cTn>
+                              </p:par>
+                              <p:par>
+                                <p:cTn id="15" presetID="1" presetClass="entr" presetSubtype="0" fill="hold" grpId="0" nodeType="withEffect">
+                                  <p:stCondLst>
+                                    <p:cond delay="0"/>
+                                  </p:stCondLst>
+                                  <p:childTnLst>
+                                    <p:set>
+                                      <p:cBhvr>
+                                        <p:cTn id="16" dur="1" fill="hold">
+                                          <p:stCondLst>
+                                            <p:cond delay="0"/>
+                                          </p:stCondLst>
+                                        </p:cTn>
+                                        <p:tgtEl>
+                                          <p:spTgt spid="11"/>
+                                        </p:tgtEl>
+                                        <p:attrNameLst>
+                                          <p:attrName>style.visibility</p:attrName>
+                                        </p:attrNameLst>
+                                      </p:cBhvr>
+                                      <p:to>
+                                        <p:strVal val="visible"/>
+                                      </p:to>
+                                    </p:set>
+                                  </p:childTnLst>
+                                </p:cTn>
+                              </p:par>
+                              <p:par>
+                                <p:cTn id="17" presetID="1" presetClass="entr" presetSubtype="0" fill="hold" grpId="0" nodeType="withEffect">
+                                  <p:stCondLst>
+                                    <p:cond delay="0"/>
+                                  </p:stCondLst>
+                                  <p:childTnLst>
+                                    <p:set>
+                                      <p:cBhvr>
+                                        <p:cTn id="18" dur="1" fill="hold">
+                                          <p:stCondLst>
+                                            <p:cond delay="0"/>
+                                          </p:stCondLst>
+                                        </p:cTn>
+                                        <p:tgtEl>
+                                          <p:spTgt spid="19"/>
+                                        </p:tgtEl>
+                                        <p:attrNameLst>
+                                          <p:attrName>style.visibility</p:attrName>
+                                        </p:attrNameLst>
+                                      </p:cBhvr>
+                                      <p:to>
+                                        <p:strVal val="visible"/>
+                                      </p:to>
+                                    </p:set>
+                                  </p:childTnLst>
+                                </p:cTn>
+                              </p:par>
+                              <p:par>
+                                <p:cTn id="19" presetID="1" presetClass="entr" presetSubtype="0" fill="hold" grpId="0" nodeType="withEffect">
+                                  <p:stCondLst>
+                                    <p:cond delay="0"/>
+                                  </p:stCondLst>
+                                  <p:childTnLst>
+                                    <p:set>
+                                      <p:cBhvr>
+                                        <p:cTn id="20" dur="1" fill="hold">
+                                          <p:stCondLst>
+                                            <p:cond delay="0"/>
+                                          </p:stCondLst>
+                                        </p:cTn>
+                                        <p:tgtEl>
+                                          <p:spTgt spid="13"/>
+                                        </p:tgtEl>
+                                        <p:attrNameLst>
+                                          <p:attrName>style.visibility</p:attrName>
+                                        </p:attrNameLst>
+                                      </p:cBhvr>
+                                      <p:to>
+                                        <p:strVal val="visible"/>
+                                      </p:to>
+                                    </p:set>
+                                  </p:childTnLst>
+                                </p:cTn>
+                              </p:par>
+                              <p:par>
+                                <p:cTn id="21" presetID="1" presetClass="entr" presetSubtype="0" fill="hold" grpId="0" nodeType="withEffect">
+                                  <p:stCondLst>
+                                    <p:cond delay="0"/>
+                                  </p:stCondLst>
+                                  <p:childTnLst>
+                                    <p:set>
+                                      <p:cBhvr>
+                                        <p:cTn id="22" dur="1" fill="hold">
+                                          <p:stCondLst>
+                                            <p:cond delay="0"/>
+                                          </p:stCondLst>
+                                        </p:cTn>
+                                        <p:tgtEl>
+                                          <p:spTgt spid="14"/>
+                                        </p:tgtEl>
+                                        <p:attrNameLst>
+                                          <p:attrName>style.visibility</p:attrName>
+                                        </p:attrNameLst>
+                                      </p:cBhvr>
+                                      <p:to>
+                                        <p:strVal val="visible"/>
+                                      </p:to>
+                                    </p:set>
+                                  </p:childTnLst>
+                                </p:cTn>
+                              </p:par>
+                              <p:par>
+                                <p:cTn id="23" presetID="1" presetClass="entr" presetSubtype="0" fill="hold" grpId="0" nodeType="withEffect">
+                                  <p:stCondLst>
+                                    <p:cond delay="0"/>
+                                  </p:stCondLst>
+                                  <p:childTnLst>
+                                    <p:set>
+                                      <p:cBhvr>
+                                        <p:cTn id="24" dur="1" fill="hold">
+                                          <p:stCondLst>
+                                            <p:cond delay="0"/>
+                                          </p:stCondLst>
+                                        </p:cTn>
+                                        <p:tgtEl>
+                                          <p:spTgt spid="15"/>
+                                        </p:tgtEl>
+                                        <p:attrNameLst>
+                                          <p:attrName>style.visibility</p:attrName>
+                                        </p:attrNameLst>
+                                      </p:cBhvr>
+                                      <p:to>
+                                        <p:strVal val="visible"/>
+                                      </p:to>
+                                    </p:set>
+                                  </p:childTnLst>
+                                </p:cTn>
+                              </p:par>
+                              <p:par>
+                                <p:cTn id="25" presetID="1" presetClass="entr" presetSubtype="0" fill="hold" grpId="0" nodeType="withEffect">
+                                  <p:stCondLst>
+                                    <p:cond delay="0"/>
+                                  </p:stCondLst>
+                                  <p:childTnLst>
+                                    <p:set>
+                                      <p:cBhvr>
+                                        <p:cTn id="26" dur="1" fill="hold">
+                                          <p:stCondLst>
+                                            <p:cond delay="0"/>
+                                          </p:stCondLst>
+                                        </p:cTn>
+                                        <p:tgtEl>
+                                          <p:spTgt spid="16"/>
+                                        </p:tgtEl>
+                                        <p:attrNameLst>
+                                          <p:attrName>style.visibility</p:attrName>
+                                        </p:attrNameLst>
+                                      </p:cBhvr>
+                                      <p:to>
+                                        <p:strVal val="visible"/>
+                                      </p:to>
+                                    </p:set>
+                                  </p:childTnLst>
+                                </p:cTn>
+                              </p:par>
+                              <p:par>
+                                <p:cTn id="27" presetID="1" presetClass="exit" presetSubtype="0" fill="hold" nodeType="withEffect">
+                                  <p:stCondLst>
+                                    <p:cond delay="0"/>
+                                  </p:stCondLst>
+                                  <p:childTnLst>
+                                    <p:set>
+                                      <p:cBhvr>
+                                        <p:cTn id="28" dur="1" fill="hold">
+                                          <p:stCondLst>
+                                            <p:cond delay="0"/>
+                                          </p:stCondLst>
+                                        </p:cTn>
+                                        <p:tgtEl>
+                                          <p:spTgt spid="6"/>
+                                        </p:tgtEl>
+                                        <p:attrNameLst>
+                                          <p:attrName>style.visibility</p:attrName>
+                                        </p:attrNameLst>
+                                      </p:cBhvr>
+                                      <p:to>
+                                        <p:strVal val="hidden"/>
+                                      </p:to>
+                                    </p:set>
+                                  </p:childTnLst>
+                                </p:cTn>
+                              </p:par>
+                              <p:par>
+                                <p:cTn id="29" presetID="1" presetClass="entr" presetSubtype="0" fill="hold" grpId="0" nodeType="withEffect">
+                                  <p:stCondLst>
+                                    <p:cond delay="0"/>
+                                  </p:stCondLst>
+                                  <p:childTnLst>
+                                    <p:set>
+                                      <p:cBhvr>
+                                        <p:cTn id="30" dur="1" fill="hold">
+                                          <p:stCondLst>
+                                            <p:cond delay="0"/>
+                                          </p:stCondLst>
+                                        </p:cTn>
+                                        <p:tgtEl>
+                                          <p:spTgt spid="8"/>
+                                        </p:tgtEl>
+                                        <p:attrNameLst>
+                                          <p:attrName>style.visibility</p:attrName>
+                                        </p:attrNameLst>
+                                      </p:cBhvr>
+                                      <p:to>
+                                        <p:strVal val="visible"/>
+                                      </p:to>
+                                    </p:set>
+                                  </p:childTnLst>
+                                </p:cTn>
+                              </p:par>
+                              <p:par>
+                                <p:cTn id="31" presetID="1" presetClass="entr" presetSubtype="0" fill="hold" nodeType="withEffect">
+                                  <p:stCondLst>
+                                    <p:cond delay="0"/>
+                                  </p:stCondLst>
+                                  <p:childTnLst>
+                                    <p:set>
+                                      <p:cBhvr>
+                                        <p:cTn id="32" dur="1" fill="hold">
+                                          <p:stCondLst>
+                                            <p:cond delay="0"/>
+                                          </p:stCondLst>
+                                        </p:cTn>
+                                        <p:tgtEl>
+                                          <p:spTgt spid="9"/>
+                                        </p:tgtEl>
+                                        <p:attrNameLst>
+                                          <p:attrName>style.visibility</p:attrName>
+                                        </p:attrNameLst>
+                                      </p:cBhvr>
+                                      <p:to>
+                                        <p:strVal val="visible"/>
+                                      </p:to>
+                                    </p:set>
+                                  </p:childTnLst>
+                                </p:cTn>
+                              </p:par>
+                            </p:childTnLst>
+                          </p:cTn>
+                        </p:par>
+                      </p:childTnLst>
+                    </p:cTn>
+                  </p:par>
+                </p:childTnLst>
+              </p:cTn>
+              <p:prevCondLst>
+                <p:cond evt="onPrev" delay="0">
+                  <p:tgtEl>
+                    <p:sldTgt/>
+                  </p:tgtEl>
+                </p:cond>
+              </p:prevCondLst>
+              <p:nextCondLst>
+                <p:cond evt="onNext" delay="0">
+                  <p:tgtEl>
+                    <p:sldTgt/>
+                  </p:tgtEl>
+                </p:cond>
+              </p:nextCondLst>
+            </p:seq>
+          </p:childTnLst>
+        </p:cTn>
       </p:par>
     </p:tnLst>
+    <p:bldLst>
+      <p:bldP spid="10" grpId="0" animBg="1"/>
+      <p:bldP spid="11" grpId="0" animBg="1"/>
+      <p:bldP spid="12" grpId="0" animBg="1"/>
+      <p:bldP spid="13" grpId="0" animBg="1"/>
+      <p:bldP spid="14" grpId="0" animBg="1"/>
+      <p:bldP spid="15" grpId="0" animBg="1"/>
+      <p:bldP spid="16" grpId="0" animBg="1"/>
+      <p:bldP spid="17" grpId="0"/>
+      <p:bldP spid="18" grpId="0"/>
+      <p:bldP spid="19" grpId="0"/>
+      <p:bldP spid="21" grpId="0"/>
+      <p:bldP spid="8" grpId="0" animBg="1"/>
+    </p:bldLst>
   </p:timing>
 </p:sld>
 </file>
 
-<file path=ppt/slides/slide16.xml><?xml version="1.0" encoding="utf-8"?>
+<file path=ppt/slides/slide15.xml><?xml version="1.0" encoding="utf-8"?>
 <p:sld xmlns:a="http://schemas.openxmlformats.org/drawingml/2006/main" xmlns:r="http://schemas.openxmlformats.org/officeDocument/2006/relationships" xmlns:p="http://schemas.openxmlformats.org/presentationml/2006/main">
   <p:cSld>
     <p:spTree>
@@ -11052,7 +12980,7 @@
 </p:sld>
 </file>
 
-<file path=ppt/slides/slide17.xml><?xml version="1.0" encoding="utf-8"?>
+<file path=ppt/slides/slide16.xml><?xml version="1.0" encoding="utf-8"?>
 <p:sld xmlns:a="http://schemas.openxmlformats.org/drawingml/2006/main" xmlns:r="http://schemas.openxmlformats.org/officeDocument/2006/relationships" xmlns:p="http://schemas.openxmlformats.org/presentationml/2006/main">
   <p:cSld>
     <p:spTree>
@@ -15864,7 +17792,7 @@
 </p:sld>
 </file>
 
-<file path=ppt/slides/slide18.xml><?xml version="1.0" encoding="utf-8"?>
+<file path=ppt/slides/slide17.xml><?xml version="1.0" encoding="utf-8"?>
 <p:sld xmlns:a="http://schemas.openxmlformats.org/drawingml/2006/main" xmlns:r="http://schemas.openxmlformats.org/officeDocument/2006/relationships" xmlns:p="http://schemas.openxmlformats.org/presentationml/2006/main">
   <p:cSld>
     <p:bg>
@@ -16582,7 +18510,7 @@
 </p:sld>
 </file>
 
-<file path=ppt/slides/slide19.xml><?xml version="1.0" encoding="utf-8"?>
+<file path=ppt/slides/slide18.xml><?xml version="1.0" encoding="utf-8"?>
 <p:sld xmlns:a="http://schemas.openxmlformats.org/drawingml/2006/main" xmlns:r="http://schemas.openxmlformats.org/officeDocument/2006/relationships" xmlns:p="http://schemas.openxmlformats.org/presentationml/2006/main">
   <p:cSld>
     <p:spTree>
@@ -19452,1152 +21380,7 @@
 </p:sld>
 </file>
 
-<file path=ppt/slides/slide2.xml><?xml version="1.0" encoding="utf-8"?>
-<p:sld xmlns:a="http://schemas.openxmlformats.org/drawingml/2006/main" xmlns:r="http://schemas.openxmlformats.org/officeDocument/2006/relationships" xmlns:p="http://schemas.openxmlformats.org/presentationml/2006/main">
-  <p:cSld>
-    <p:spTree>
-      <p:nvGrpSpPr>
-        <p:cNvPr id="1" name=""/>
-        <p:cNvGrpSpPr/>
-        <p:nvPr/>
-      </p:nvGrpSpPr>
-      <p:grpSpPr>
-        <a:xfrm>
-          <a:off x="0" y="0"/>
-          <a:ext cx="0" cy="0"/>
-          <a:chOff x="0" y="0"/>
-          <a:chExt cx="0" cy="0"/>
-        </a:xfrm>
-      </p:grpSpPr>
-      <p:sp>
-        <p:nvSpPr>
-          <p:cNvPr id="17410" name="Rectangle 2"/>
-          <p:cNvSpPr>
-            <a:spLocks noGrp="1" noChangeArrowheads="1"/>
-          </p:cNvSpPr>
-          <p:nvPr>
-            <p:ph type="title"/>
-          </p:nvPr>
-        </p:nvSpPr>
-        <p:spPr>
-          <a:xfrm>
-            <a:off x="457200" y="304800"/>
-            <a:ext cx="9144000" cy="623888"/>
-          </a:xfrm>
-        </p:spPr>
-        <p:txBody>
-          <a:bodyPr/>
-          <a:lstStyle/>
-          <a:p>
-            <a:r>
-              <a:rPr lang="en-US" altLang="en-US" sz="3200" b="1" dirty="0">
-                <a:latin typeface="Open Sans" panose="020B0606030504020204" pitchFamily="34" charset="0"/>
-                <a:ea typeface="Open Sans" panose="020B0606030504020204" pitchFamily="34" charset="0"/>
-                <a:cs typeface="Open Sans" panose="020B0606030504020204" pitchFamily="34" charset="0"/>
-              </a:rPr>
-              <a:t>Recommender </a:t>
-            </a:r>
-            <a:r>
-              <a:rPr lang="en-US" altLang="en-US" sz="3200" b="1" dirty="0" smtClean="0">
-                <a:latin typeface="Open Sans" panose="020B0606030504020204" pitchFamily="34" charset="0"/>
-                <a:ea typeface="Open Sans" panose="020B0606030504020204" pitchFamily="34" charset="0"/>
-                <a:cs typeface="Open Sans" panose="020B0606030504020204" pitchFamily="34" charset="0"/>
-              </a:rPr>
-              <a:t>systems</a:t>
-            </a:r>
-            <a:r>
-              <a:rPr lang="en-US" altLang="en-US" sz="3200" b="1" baseline="30000" dirty="0" smtClean="0">
-                <a:solidFill>
-                  <a:srgbClr val="3333FF"/>
-                </a:solidFill>
-                <a:latin typeface="Open Sans" panose="020B0606030504020204" pitchFamily="34" charset="0"/>
-                <a:ea typeface="Open Sans" panose="020B0606030504020204" pitchFamily="34" charset="0"/>
-                <a:cs typeface="Open Sans" panose="020B0606030504020204" pitchFamily="34" charset="0"/>
-              </a:rPr>
-              <a:t>1</a:t>
-            </a:r>
-            <a:endParaRPr lang="en-US" altLang="en-US" sz="3200" b="1" dirty="0">
-              <a:latin typeface="Open Sans" panose="020B0606030504020204" pitchFamily="34" charset="0"/>
-              <a:ea typeface="Open Sans" panose="020B0606030504020204" pitchFamily="34" charset="0"/>
-              <a:cs typeface="Open Sans" panose="020B0606030504020204" pitchFamily="34" charset="0"/>
-            </a:endParaRPr>
-          </a:p>
-        </p:txBody>
-      </p:sp>
-      <p:sp>
-        <p:nvSpPr>
-          <p:cNvPr id="17414" name="Oval 6"/>
-          <p:cNvSpPr>
-            <a:spLocks noChangeArrowheads="1"/>
-          </p:cNvSpPr>
-          <p:nvPr/>
-        </p:nvSpPr>
-        <p:spPr bwMode="auto">
-          <a:xfrm>
-            <a:off x="1828800" y="1589088"/>
-            <a:ext cx="534988" cy="493712"/>
-          </a:xfrm>
-          <a:prstGeom prst="ellipse">
-            <a:avLst/>
-          </a:prstGeom>
-          <a:solidFill>
-            <a:schemeClr val="accent1"/>
-          </a:solidFill>
-          <a:ln w="9525">
-            <a:solidFill>
-              <a:schemeClr val="tx1"/>
-            </a:solidFill>
-            <a:round/>
-            <a:headEnd/>
-            <a:tailEnd/>
-          </a:ln>
-          <a:effectLst/>
-          <a:extLst>
-            <a:ext uri="{AF507438-7753-43E0-B8FC-AC1667EBCBE1}">
-              <a14:hiddenEffects xmlns:a14="http://schemas.microsoft.com/office/drawing/2010/main">
-                <a:effectLst>
-                  <a:outerShdw dist="35921" dir="2700000" algn="ctr" rotWithShape="0">
-                    <a:schemeClr val="bg2"/>
-                  </a:outerShdw>
-                </a:effectLst>
-              </a14:hiddenEffects>
-            </a:ext>
-          </a:extLst>
-        </p:spPr>
-        <p:txBody>
-          <a:bodyPr wrap="none" anchor="ctr"/>
-          <a:lstStyle/>
-          <a:p>
-            <a:endParaRPr lang="en-US"/>
-          </a:p>
-        </p:txBody>
-      </p:sp>
-      <p:sp>
-        <p:nvSpPr>
-          <p:cNvPr id="17416" name="Oval 8"/>
-          <p:cNvSpPr>
-            <a:spLocks noChangeArrowheads="1"/>
-          </p:cNvSpPr>
-          <p:nvPr/>
-        </p:nvSpPr>
-        <p:spPr bwMode="auto">
-          <a:xfrm>
-            <a:off x="1881188" y="3260725"/>
-            <a:ext cx="534987" cy="493713"/>
-          </a:xfrm>
-          <a:prstGeom prst="ellipse">
-            <a:avLst/>
-          </a:prstGeom>
-          <a:solidFill>
-            <a:schemeClr val="accent1"/>
-          </a:solidFill>
-          <a:ln w="9525">
-            <a:solidFill>
-              <a:schemeClr val="tx1"/>
-            </a:solidFill>
-            <a:round/>
-            <a:headEnd/>
-            <a:tailEnd/>
-          </a:ln>
-          <a:effectLst/>
-          <a:extLst>
-            <a:ext uri="{AF507438-7753-43E0-B8FC-AC1667EBCBE1}">
-              <a14:hiddenEffects xmlns:a14="http://schemas.microsoft.com/office/drawing/2010/main">
-                <a:effectLst>
-                  <a:outerShdw dist="35921" dir="2700000" algn="ctr" rotWithShape="0">
-                    <a:schemeClr val="bg2"/>
-                  </a:outerShdw>
-                </a:effectLst>
-              </a14:hiddenEffects>
-            </a:ext>
-          </a:extLst>
-        </p:spPr>
-        <p:txBody>
-          <a:bodyPr wrap="none" anchor="ctr"/>
-          <a:lstStyle/>
-          <a:p>
-            <a:endParaRPr lang="en-US"/>
-          </a:p>
-        </p:txBody>
-      </p:sp>
-      <p:sp>
-        <p:nvSpPr>
-          <p:cNvPr id="17417" name="Oval 9"/>
-          <p:cNvSpPr>
-            <a:spLocks noChangeArrowheads="1"/>
-          </p:cNvSpPr>
-          <p:nvPr/>
-        </p:nvSpPr>
-        <p:spPr bwMode="auto">
-          <a:xfrm>
-            <a:off x="1938338" y="5076825"/>
-            <a:ext cx="534987" cy="493713"/>
-          </a:xfrm>
-          <a:prstGeom prst="ellipse">
-            <a:avLst/>
-          </a:prstGeom>
-          <a:solidFill>
-            <a:schemeClr val="accent1"/>
-          </a:solidFill>
-          <a:ln w="9525">
-            <a:solidFill>
-              <a:schemeClr val="tx1"/>
-            </a:solidFill>
-            <a:round/>
-            <a:headEnd/>
-            <a:tailEnd/>
-          </a:ln>
-          <a:effectLst/>
-          <a:extLst>
-            <a:ext uri="{AF507438-7753-43E0-B8FC-AC1667EBCBE1}">
-              <a14:hiddenEffects xmlns:a14="http://schemas.microsoft.com/office/drawing/2010/main">
-                <a:effectLst>
-                  <a:outerShdw dist="35921" dir="2700000" algn="ctr" rotWithShape="0">
-                    <a:schemeClr val="bg2"/>
-                  </a:outerShdw>
-                </a:effectLst>
-              </a14:hiddenEffects>
-            </a:ext>
-          </a:extLst>
-        </p:spPr>
-        <p:txBody>
-          <a:bodyPr wrap="none" anchor="ctr"/>
-          <a:lstStyle/>
-          <a:p>
-            <a:endParaRPr lang="en-US"/>
-          </a:p>
-        </p:txBody>
-      </p:sp>
-      <p:sp>
-        <p:nvSpPr>
-          <p:cNvPr id="17425" name="Text Box 17"/>
-          <p:cNvSpPr txBox="1">
-            <a:spLocks noChangeArrowheads="1"/>
-          </p:cNvSpPr>
-          <p:nvPr/>
-        </p:nvSpPr>
-        <p:spPr bwMode="auto">
-          <a:xfrm>
-            <a:off x="746125" y="1519238"/>
-            <a:ext cx="885825" cy="366712"/>
-          </a:xfrm>
-          <a:prstGeom prst="rect">
-            <a:avLst/>
-          </a:prstGeom>
-          <a:noFill/>
-          <a:ln>
-            <a:noFill/>
-          </a:ln>
-          <a:effectLst/>
-          <a:extLst>
-            <a:ext uri="{909E8E84-426E-40DD-AFC4-6F175D3DCCD1}">
-              <a14:hiddenFill xmlns:a14="http://schemas.microsoft.com/office/drawing/2010/main">
-                <a:solidFill>
-                  <a:schemeClr val="accent1"/>
-                </a:solidFill>
-              </a14:hiddenFill>
-            </a:ext>
-            <a:ext uri="{91240B29-F687-4F45-9708-019B960494DF}">
-              <a14:hiddenLine xmlns:a14="http://schemas.microsoft.com/office/drawing/2010/main" w="9525">
-                <a:solidFill>
-                  <a:schemeClr val="tx1"/>
-                </a:solidFill>
-                <a:miter lim="800000"/>
-                <a:headEnd/>
-                <a:tailEnd/>
-              </a14:hiddenLine>
-            </a:ext>
-            <a:ext uri="{AF507438-7753-43E0-B8FC-AC1667EBCBE1}">
-              <a14:hiddenEffects xmlns:a14="http://schemas.microsoft.com/office/drawing/2010/main">
-                <a:effectLst>
-                  <a:outerShdw dist="35921" dir="2700000" algn="ctr" rotWithShape="0">
-                    <a:schemeClr val="bg2"/>
-                  </a:outerShdw>
-                </a:effectLst>
-              </a14:hiddenEffects>
-            </a:ext>
-          </a:extLst>
-        </p:spPr>
-        <p:txBody>
-          <a:bodyPr>
-            <a:spAutoFit/>
-          </a:bodyPr>
-          <a:lstStyle/>
-          <a:p>
-            <a:pPr>
-              <a:spcBef>
-                <a:spcPct val="50000"/>
-              </a:spcBef>
-            </a:pPr>
-            <a:r>
-              <a:rPr lang="en-US" altLang="en-US" dirty="0"/>
-              <a:t>Alice</a:t>
-            </a:r>
-          </a:p>
-        </p:txBody>
-      </p:sp>
-      <p:sp>
-        <p:nvSpPr>
-          <p:cNvPr id="17426" name="Text Box 18"/>
-          <p:cNvSpPr txBox="1">
-            <a:spLocks noChangeArrowheads="1"/>
-          </p:cNvSpPr>
-          <p:nvPr/>
-        </p:nvSpPr>
-        <p:spPr bwMode="auto">
-          <a:xfrm>
-            <a:off x="758825" y="3386138"/>
-            <a:ext cx="885825" cy="366712"/>
-          </a:xfrm>
-          <a:prstGeom prst="rect">
-            <a:avLst/>
-          </a:prstGeom>
-          <a:noFill/>
-          <a:ln>
-            <a:noFill/>
-          </a:ln>
-          <a:effectLst/>
-          <a:extLst>
-            <a:ext uri="{909E8E84-426E-40DD-AFC4-6F175D3DCCD1}">
-              <a14:hiddenFill xmlns:a14="http://schemas.microsoft.com/office/drawing/2010/main">
-                <a:solidFill>
-                  <a:schemeClr val="accent1"/>
-                </a:solidFill>
-              </a14:hiddenFill>
-            </a:ext>
-            <a:ext uri="{91240B29-F687-4F45-9708-019B960494DF}">
-              <a14:hiddenLine xmlns:a14="http://schemas.microsoft.com/office/drawing/2010/main" w="9525">
-                <a:solidFill>
-                  <a:schemeClr val="tx1"/>
-                </a:solidFill>
-                <a:miter lim="800000"/>
-                <a:headEnd/>
-                <a:tailEnd/>
-              </a14:hiddenLine>
-            </a:ext>
-            <a:ext uri="{AF507438-7753-43E0-B8FC-AC1667EBCBE1}">
-              <a14:hiddenEffects xmlns:a14="http://schemas.microsoft.com/office/drawing/2010/main">
-                <a:effectLst>
-                  <a:outerShdw dist="35921" dir="2700000" algn="ctr" rotWithShape="0">
-                    <a:schemeClr val="bg2"/>
-                  </a:outerShdw>
-                </a:effectLst>
-              </a14:hiddenEffects>
-            </a:ext>
-          </a:extLst>
-        </p:spPr>
-        <p:txBody>
-          <a:bodyPr>
-            <a:spAutoFit/>
-          </a:bodyPr>
-          <a:lstStyle/>
-          <a:p>
-            <a:pPr>
-              <a:spcBef>
-                <a:spcPct val="50000"/>
-              </a:spcBef>
-            </a:pPr>
-            <a:r>
-              <a:rPr lang="en-US" altLang="en-US"/>
-              <a:t>Bob</a:t>
-            </a:r>
-          </a:p>
-        </p:txBody>
-      </p:sp>
-      <p:sp>
-        <p:nvSpPr>
-          <p:cNvPr id="17427" name="Text Box 19"/>
-          <p:cNvSpPr txBox="1">
-            <a:spLocks noChangeArrowheads="1"/>
-          </p:cNvSpPr>
-          <p:nvPr/>
-        </p:nvSpPr>
-        <p:spPr bwMode="auto">
-          <a:xfrm>
-            <a:off x="671513" y="5145088"/>
-            <a:ext cx="1084262" cy="366712"/>
-          </a:xfrm>
-          <a:prstGeom prst="rect">
-            <a:avLst/>
-          </a:prstGeom>
-          <a:noFill/>
-          <a:ln>
-            <a:noFill/>
-          </a:ln>
-          <a:effectLst/>
-          <a:extLst>
-            <a:ext uri="{909E8E84-426E-40DD-AFC4-6F175D3DCCD1}">
-              <a14:hiddenFill xmlns:a14="http://schemas.microsoft.com/office/drawing/2010/main">
-                <a:solidFill>
-                  <a:schemeClr val="accent1"/>
-                </a:solidFill>
-              </a14:hiddenFill>
-            </a:ext>
-            <a:ext uri="{91240B29-F687-4F45-9708-019B960494DF}">
-              <a14:hiddenLine xmlns:a14="http://schemas.microsoft.com/office/drawing/2010/main" w="9525">
-                <a:solidFill>
-                  <a:schemeClr val="tx1"/>
-                </a:solidFill>
-                <a:miter lim="800000"/>
-                <a:headEnd/>
-                <a:tailEnd/>
-              </a14:hiddenLine>
-            </a:ext>
-            <a:ext uri="{AF507438-7753-43E0-B8FC-AC1667EBCBE1}">
-              <a14:hiddenEffects xmlns:a14="http://schemas.microsoft.com/office/drawing/2010/main">
-                <a:effectLst>
-                  <a:outerShdw dist="35921" dir="2700000" algn="ctr" rotWithShape="0">
-                    <a:schemeClr val="bg2"/>
-                  </a:outerShdw>
-                </a:effectLst>
-              </a14:hiddenEffects>
-            </a:ext>
-          </a:extLst>
-        </p:spPr>
-        <p:txBody>
-          <a:bodyPr>
-            <a:spAutoFit/>
-          </a:bodyPr>
-          <a:lstStyle/>
-          <a:p>
-            <a:pPr>
-              <a:spcBef>
-                <a:spcPct val="50000"/>
-              </a:spcBef>
-            </a:pPr>
-            <a:r>
-              <a:rPr lang="en-US" altLang="en-US"/>
-              <a:t>Charlie</a:t>
-            </a:r>
-          </a:p>
-        </p:txBody>
-      </p:sp>
-      <p:pic>
-        <p:nvPicPr>
-          <p:cNvPr id="17428" name="Picture 20" descr="kill-bill"/>
-          <p:cNvPicPr>
-            <a:picLocks noChangeAspect="1" noChangeArrowheads="1"/>
-          </p:cNvPicPr>
-          <p:nvPr/>
-        </p:nvPicPr>
-        <p:blipFill>
-          <a:blip r:embed="rId4">
-            <a:extLst>
-              <a:ext uri="{28A0092B-C50C-407E-A947-70E740481C1C}">
-                <a14:useLocalDpi xmlns:a14="http://schemas.microsoft.com/office/drawing/2010/main" val="0"/>
-              </a:ext>
-            </a:extLst>
-          </a:blip>
-          <a:srcRect/>
-          <a:stretch>
-            <a:fillRect/>
-          </a:stretch>
-        </p:blipFill>
-        <p:spPr bwMode="auto">
-          <a:xfrm>
-            <a:off x="4608513" y="2100263"/>
-            <a:ext cx="639762" cy="893762"/>
-          </a:xfrm>
-          <a:prstGeom prst="rect">
-            <a:avLst/>
-          </a:prstGeom>
-          <a:noFill/>
-          <a:extLst>
-            <a:ext uri="{909E8E84-426E-40DD-AFC4-6F175D3DCCD1}">
-              <a14:hiddenFill xmlns:a14="http://schemas.microsoft.com/office/drawing/2010/main">
-                <a:solidFill>
-                  <a:srgbClr val="FFFFFF"/>
-                </a:solidFill>
-              </a14:hiddenFill>
-            </a:ext>
-          </a:extLst>
-        </p:spPr>
-      </p:pic>
-      <p:pic>
-        <p:nvPicPr>
-          <p:cNvPr id="17429" name="Picture 21" descr="flushed_away"/>
-          <p:cNvPicPr>
-            <a:picLocks noChangeAspect="1" noChangeArrowheads="1"/>
-          </p:cNvPicPr>
-          <p:nvPr/>
-        </p:nvPicPr>
-        <p:blipFill>
-          <a:blip r:embed="rId5" cstate="print">
-            <a:extLst>
-              <a:ext uri="{28A0092B-C50C-407E-A947-70E740481C1C}">
-                <a14:useLocalDpi xmlns:a14="http://schemas.microsoft.com/office/drawing/2010/main" val="0"/>
-              </a:ext>
-            </a:extLst>
-          </a:blip>
-          <a:srcRect/>
-          <a:stretch>
-            <a:fillRect/>
-          </a:stretch>
-        </p:blipFill>
-        <p:spPr bwMode="auto">
-          <a:xfrm>
-            <a:off x="4524375" y="962025"/>
-            <a:ext cx="706438" cy="936625"/>
-          </a:xfrm>
-          <a:prstGeom prst="rect">
-            <a:avLst/>
-          </a:prstGeom>
-          <a:noFill/>
-          <a:extLst>
-            <a:ext uri="{909E8E84-426E-40DD-AFC4-6F175D3DCCD1}">
-              <a14:hiddenFill xmlns:a14="http://schemas.microsoft.com/office/drawing/2010/main">
-                <a:solidFill>
-                  <a:srgbClr val="FFFFFF"/>
-                </a:solidFill>
-              </a14:hiddenFill>
-            </a:ext>
-          </a:extLst>
-        </p:spPr>
-      </p:pic>
-      <p:pic>
-        <p:nvPicPr>
-          <p:cNvPr id="17430" name="Picture 22" descr="departed-poster-1"/>
-          <p:cNvPicPr>
-            <a:picLocks noChangeAspect="1" noChangeArrowheads="1"/>
-          </p:cNvPicPr>
-          <p:nvPr/>
-        </p:nvPicPr>
-        <p:blipFill>
-          <a:blip r:embed="rId6" cstate="print">
-            <a:extLst>
-              <a:ext uri="{28A0092B-C50C-407E-A947-70E740481C1C}">
-                <a14:useLocalDpi xmlns:a14="http://schemas.microsoft.com/office/drawing/2010/main" val="0"/>
-              </a:ext>
-            </a:extLst>
-          </a:blip>
-          <a:srcRect/>
-          <a:stretch>
-            <a:fillRect/>
-          </a:stretch>
-        </p:blipFill>
-        <p:spPr bwMode="auto">
-          <a:xfrm>
-            <a:off x="4378325" y="5057775"/>
-            <a:ext cx="1203325" cy="912813"/>
-          </a:xfrm>
-          <a:prstGeom prst="rect">
-            <a:avLst/>
-          </a:prstGeom>
-          <a:noFill/>
-          <a:extLst>
-            <a:ext uri="{909E8E84-426E-40DD-AFC4-6F175D3DCCD1}">
-              <a14:hiddenFill xmlns:a14="http://schemas.microsoft.com/office/drawing/2010/main">
-                <a:solidFill>
-                  <a:srgbClr val="FFFFFF"/>
-                </a:solidFill>
-              </a14:hiddenFill>
-            </a:ext>
-          </a:extLst>
-        </p:spPr>
-      </p:pic>
-      <p:sp>
-        <p:nvSpPr>
-          <p:cNvPr id="17431" name="Line 23"/>
-          <p:cNvSpPr>
-            <a:spLocks noChangeShapeType="1"/>
-          </p:cNvSpPr>
-          <p:nvPr/>
-        </p:nvSpPr>
-        <p:spPr bwMode="auto">
-          <a:xfrm flipV="1">
-            <a:off x="2378075" y="1519238"/>
-            <a:ext cx="2209800" cy="280987"/>
-          </a:xfrm>
-          <a:prstGeom prst="line">
-            <a:avLst/>
-          </a:prstGeom>
-          <a:noFill/>
-          <a:ln w="9525">
-            <a:solidFill>
-              <a:schemeClr val="tx1"/>
-            </a:solidFill>
-            <a:round/>
-            <a:headEnd/>
-            <a:tailEnd/>
-          </a:ln>
-          <a:effectLst/>
-          <a:extLst>
-            <a:ext uri="{909E8E84-426E-40DD-AFC4-6F175D3DCCD1}">
-              <a14:hiddenFill xmlns:a14="http://schemas.microsoft.com/office/drawing/2010/main">
-                <a:noFill/>
-              </a14:hiddenFill>
-            </a:ext>
-            <a:ext uri="{AF507438-7753-43E0-B8FC-AC1667EBCBE1}">
-              <a14:hiddenEffects xmlns:a14="http://schemas.microsoft.com/office/drawing/2010/main">
-                <a:effectLst>
-                  <a:outerShdw dist="35921" dir="2700000" algn="ctr" rotWithShape="0">
-                    <a:schemeClr val="bg2"/>
-                  </a:outerShdw>
-                </a:effectLst>
-              </a14:hiddenEffects>
-            </a:ext>
-          </a:extLst>
-        </p:spPr>
-        <p:txBody>
-          <a:bodyPr/>
-          <a:lstStyle/>
-          <a:p>
-            <a:endParaRPr lang="en-US"/>
-          </a:p>
-        </p:txBody>
-      </p:sp>
-      <p:sp>
-        <p:nvSpPr>
-          <p:cNvPr id="17432" name="Line 24"/>
-          <p:cNvSpPr>
-            <a:spLocks noChangeShapeType="1"/>
-          </p:cNvSpPr>
-          <p:nvPr/>
-        </p:nvSpPr>
-        <p:spPr bwMode="auto">
-          <a:xfrm>
-            <a:off x="2363788" y="1800225"/>
-            <a:ext cx="2238375" cy="871538"/>
-          </a:xfrm>
-          <a:prstGeom prst="line">
-            <a:avLst/>
-          </a:prstGeom>
-          <a:noFill/>
-          <a:ln w="9525">
-            <a:solidFill>
-              <a:schemeClr val="tx1"/>
-            </a:solidFill>
-            <a:round/>
-            <a:headEnd/>
-            <a:tailEnd/>
-          </a:ln>
-          <a:effectLst/>
-          <a:extLst>
-            <a:ext uri="{909E8E84-426E-40DD-AFC4-6F175D3DCCD1}">
-              <a14:hiddenFill xmlns:a14="http://schemas.microsoft.com/office/drawing/2010/main">
-                <a:noFill/>
-              </a14:hiddenFill>
-            </a:ext>
-            <a:ext uri="{AF507438-7753-43E0-B8FC-AC1667EBCBE1}">
-              <a14:hiddenEffects xmlns:a14="http://schemas.microsoft.com/office/drawing/2010/main">
-                <a:effectLst>
-                  <a:outerShdw dist="35921" dir="2700000" algn="ctr" rotWithShape="0">
-                    <a:schemeClr val="bg2"/>
-                  </a:outerShdw>
-                </a:effectLst>
-              </a14:hiddenEffects>
-            </a:ext>
-          </a:extLst>
-        </p:spPr>
-        <p:txBody>
-          <a:bodyPr/>
-          <a:lstStyle/>
-          <a:p>
-            <a:endParaRPr lang="en-US"/>
-          </a:p>
-        </p:txBody>
-      </p:sp>
-      <p:sp>
-        <p:nvSpPr>
-          <p:cNvPr id="17433" name="Line 25"/>
-          <p:cNvSpPr>
-            <a:spLocks noChangeShapeType="1"/>
-          </p:cNvSpPr>
-          <p:nvPr/>
-        </p:nvSpPr>
-        <p:spPr bwMode="auto">
-          <a:xfrm flipV="1">
-            <a:off x="2405063" y="2686050"/>
-            <a:ext cx="2225675" cy="858838"/>
-          </a:xfrm>
-          <a:prstGeom prst="line">
-            <a:avLst/>
-          </a:prstGeom>
-          <a:noFill/>
-          <a:ln w="9525">
-            <a:solidFill>
-              <a:schemeClr val="tx1"/>
-            </a:solidFill>
-            <a:round/>
-            <a:headEnd/>
-            <a:tailEnd/>
-          </a:ln>
-          <a:effectLst/>
-          <a:extLst>
-            <a:ext uri="{909E8E84-426E-40DD-AFC4-6F175D3DCCD1}">
-              <a14:hiddenFill xmlns:a14="http://schemas.microsoft.com/office/drawing/2010/main">
-                <a:noFill/>
-              </a14:hiddenFill>
-            </a:ext>
-            <a:ext uri="{AF507438-7753-43E0-B8FC-AC1667EBCBE1}">
-              <a14:hiddenEffects xmlns:a14="http://schemas.microsoft.com/office/drawing/2010/main">
-                <a:effectLst>
-                  <a:outerShdw dist="35921" dir="2700000" algn="ctr" rotWithShape="0">
-                    <a:schemeClr val="bg2"/>
-                  </a:outerShdw>
-                </a:effectLst>
-              </a14:hiddenEffects>
-            </a:ext>
-          </a:extLst>
-        </p:spPr>
-        <p:txBody>
-          <a:bodyPr/>
-          <a:lstStyle/>
-          <a:p>
-            <a:endParaRPr lang="en-US"/>
-          </a:p>
-        </p:txBody>
-      </p:sp>
-      <p:sp>
-        <p:nvSpPr>
-          <p:cNvPr id="17434" name="Line 26"/>
-          <p:cNvSpPr>
-            <a:spLocks noChangeShapeType="1"/>
-          </p:cNvSpPr>
-          <p:nvPr/>
-        </p:nvSpPr>
-        <p:spPr bwMode="auto">
-          <a:xfrm>
-            <a:off x="2419350" y="3559175"/>
-            <a:ext cx="1955800" cy="1927225"/>
-          </a:xfrm>
-          <a:prstGeom prst="line">
-            <a:avLst/>
-          </a:prstGeom>
-          <a:noFill/>
-          <a:ln w="9525">
-            <a:solidFill>
-              <a:schemeClr val="tx1"/>
-            </a:solidFill>
-            <a:round/>
-            <a:headEnd/>
-            <a:tailEnd/>
-          </a:ln>
-          <a:effectLst/>
-          <a:extLst>
-            <a:ext uri="{909E8E84-426E-40DD-AFC4-6F175D3DCCD1}">
-              <a14:hiddenFill xmlns:a14="http://schemas.microsoft.com/office/drawing/2010/main">
-                <a:noFill/>
-              </a14:hiddenFill>
-            </a:ext>
-            <a:ext uri="{AF507438-7753-43E0-B8FC-AC1667EBCBE1}">
-              <a14:hiddenEffects xmlns:a14="http://schemas.microsoft.com/office/drawing/2010/main">
-                <a:effectLst>
-                  <a:outerShdw dist="35921" dir="2700000" algn="ctr" rotWithShape="0">
-                    <a:schemeClr val="bg2"/>
-                  </a:outerShdw>
-                </a:effectLst>
-              </a14:hiddenEffects>
-            </a:ext>
-          </a:extLst>
-        </p:spPr>
-        <p:txBody>
-          <a:bodyPr/>
-          <a:lstStyle/>
-          <a:p>
-            <a:endParaRPr lang="en-US"/>
-          </a:p>
-        </p:txBody>
-      </p:sp>
-      <p:sp>
-        <p:nvSpPr>
-          <p:cNvPr id="17435" name="Line 27"/>
-          <p:cNvSpPr>
-            <a:spLocks noChangeShapeType="1"/>
-          </p:cNvSpPr>
-          <p:nvPr/>
-        </p:nvSpPr>
-        <p:spPr bwMode="auto">
-          <a:xfrm>
-            <a:off x="2476500" y="5373688"/>
-            <a:ext cx="1927225" cy="112712"/>
-          </a:xfrm>
-          <a:prstGeom prst="line">
-            <a:avLst/>
-          </a:prstGeom>
-          <a:noFill/>
-          <a:ln w="9525">
-            <a:solidFill>
-              <a:schemeClr val="tx1"/>
-            </a:solidFill>
-            <a:round/>
-            <a:headEnd/>
-            <a:tailEnd/>
-          </a:ln>
-          <a:effectLst/>
-          <a:extLst>
-            <a:ext uri="{909E8E84-426E-40DD-AFC4-6F175D3DCCD1}">
-              <a14:hiddenFill xmlns:a14="http://schemas.microsoft.com/office/drawing/2010/main">
-                <a:noFill/>
-              </a14:hiddenFill>
-            </a:ext>
-            <a:ext uri="{AF507438-7753-43E0-B8FC-AC1667EBCBE1}">
-              <a14:hiddenEffects xmlns:a14="http://schemas.microsoft.com/office/drawing/2010/main">
-                <a:effectLst>
-                  <a:outerShdw dist="35921" dir="2700000" algn="ctr" rotWithShape="0">
-                    <a:schemeClr val="bg2"/>
-                  </a:outerShdw>
-                </a:effectLst>
-              </a14:hiddenEffects>
-            </a:ext>
-          </a:extLst>
-        </p:spPr>
-        <p:txBody>
-          <a:bodyPr/>
-          <a:lstStyle/>
-          <a:p>
-            <a:endParaRPr lang="en-US"/>
-          </a:p>
-        </p:txBody>
-      </p:sp>
-      <p:pic>
-        <p:nvPicPr>
-          <p:cNvPr id="17436" name="Picture 28" descr="million-dollar-baby"/>
-          <p:cNvPicPr>
-            <a:picLocks noChangeAspect="1" noChangeArrowheads="1"/>
-          </p:cNvPicPr>
-          <p:nvPr/>
-        </p:nvPicPr>
-        <p:blipFill>
-          <a:blip r:embed="rId7" cstate="print">
-            <a:extLst>
-              <a:ext uri="{28A0092B-C50C-407E-A947-70E740481C1C}">
-                <a14:useLocalDpi xmlns:a14="http://schemas.microsoft.com/office/drawing/2010/main" val="0"/>
-              </a:ext>
-            </a:extLst>
-          </a:blip>
-          <a:srcRect/>
-          <a:stretch>
-            <a:fillRect/>
-          </a:stretch>
-        </p:blipFill>
-        <p:spPr bwMode="auto">
-          <a:xfrm>
-            <a:off x="4575175" y="3208338"/>
-            <a:ext cx="819150" cy="1158875"/>
-          </a:xfrm>
-          <a:prstGeom prst="rect">
-            <a:avLst/>
-          </a:prstGeom>
-          <a:noFill/>
-          <a:extLst>
-            <a:ext uri="{909E8E84-426E-40DD-AFC4-6F175D3DCCD1}">
-              <a14:hiddenFill xmlns:a14="http://schemas.microsoft.com/office/drawing/2010/main">
-                <a:solidFill>
-                  <a:srgbClr val="FFFFFF"/>
-                </a:solidFill>
-              </a14:hiddenFill>
-            </a:ext>
-          </a:extLst>
-        </p:spPr>
-      </p:pic>
-      <p:sp>
-        <p:nvSpPr>
-          <p:cNvPr id="17437" name="Line 29"/>
-          <p:cNvSpPr>
-            <a:spLocks noChangeShapeType="1"/>
-          </p:cNvSpPr>
-          <p:nvPr/>
-        </p:nvSpPr>
-        <p:spPr bwMode="auto">
-          <a:xfrm flipV="1">
-            <a:off x="2489200" y="3797300"/>
-            <a:ext cx="2068513" cy="1562100"/>
-          </a:xfrm>
-          <a:prstGeom prst="line">
-            <a:avLst/>
-          </a:prstGeom>
-          <a:noFill/>
-          <a:ln w="9525">
-            <a:solidFill>
-              <a:schemeClr val="tx1"/>
-            </a:solidFill>
-            <a:round/>
-            <a:headEnd/>
-            <a:tailEnd/>
-          </a:ln>
-          <a:effectLst/>
-          <a:extLst>
-            <a:ext uri="{909E8E84-426E-40DD-AFC4-6F175D3DCCD1}">
-              <a14:hiddenFill xmlns:a14="http://schemas.microsoft.com/office/drawing/2010/main">
-                <a:noFill/>
-              </a14:hiddenFill>
-            </a:ext>
-            <a:ext uri="{AF507438-7753-43E0-B8FC-AC1667EBCBE1}">
-              <a14:hiddenEffects xmlns:a14="http://schemas.microsoft.com/office/drawing/2010/main">
-                <a:effectLst>
-                  <a:outerShdw dist="35921" dir="2700000" algn="ctr" rotWithShape="0">
-                    <a:schemeClr val="bg2"/>
-                  </a:outerShdw>
-                </a:effectLst>
-              </a14:hiddenEffects>
-            </a:ext>
-          </a:extLst>
-        </p:spPr>
-        <p:txBody>
-          <a:bodyPr/>
-          <a:lstStyle/>
-          <a:p>
-            <a:endParaRPr lang="en-US"/>
-          </a:p>
-        </p:txBody>
-      </p:sp>
-      <p:sp>
-        <p:nvSpPr>
-          <p:cNvPr id="17438" name="Line 30"/>
-          <p:cNvSpPr>
-            <a:spLocks noChangeShapeType="1"/>
-          </p:cNvSpPr>
-          <p:nvPr/>
-        </p:nvSpPr>
-        <p:spPr bwMode="auto">
-          <a:xfrm>
-            <a:off x="2433638" y="3544888"/>
-            <a:ext cx="2152650" cy="252412"/>
-          </a:xfrm>
-          <a:prstGeom prst="line">
-            <a:avLst/>
-          </a:prstGeom>
-          <a:noFill/>
-          <a:ln w="9525">
-            <a:solidFill>
-              <a:schemeClr val="tx1"/>
-            </a:solidFill>
-            <a:round/>
-            <a:headEnd/>
-            <a:tailEnd/>
-          </a:ln>
-          <a:effectLst/>
-          <a:extLst>
-            <a:ext uri="{909E8E84-426E-40DD-AFC4-6F175D3DCCD1}">
-              <a14:hiddenFill xmlns:a14="http://schemas.microsoft.com/office/drawing/2010/main">
-                <a:noFill/>
-              </a14:hiddenFill>
-            </a:ext>
-            <a:ext uri="{AF507438-7753-43E0-B8FC-AC1667EBCBE1}">
-              <a14:hiddenEffects xmlns:a14="http://schemas.microsoft.com/office/drawing/2010/main">
-                <a:effectLst>
-                  <a:outerShdw dist="35921" dir="2700000" algn="ctr" rotWithShape="0">
-                    <a:schemeClr val="bg2"/>
-                  </a:outerShdw>
-                </a:effectLst>
-              </a14:hiddenEffects>
-            </a:ext>
-          </a:extLst>
-        </p:spPr>
-        <p:txBody>
-          <a:bodyPr/>
-          <a:lstStyle/>
-          <a:p>
-            <a:endParaRPr lang="en-US"/>
-          </a:p>
-        </p:txBody>
-      </p:sp>
-      <p:sp>
-        <p:nvSpPr>
-          <p:cNvPr id="17439" name="Text Box 31"/>
-          <p:cNvSpPr txBox="1">
-            <a:spLocks noChangeArrowheads="1"/>
-          </p:cNvSpPr>
-          <p:nvPr/>
-        </p:nvSpPr>
-        <p:spPr bwMode="auto">
-          <a:xfrm>
-            <a:off x="5656263" y="2925763"/>
-            <a:ext cx="3262312" cy="1044575"/>
-          </a:xfrm>
-          <a:prstGeom prst="rect">
-            <a:avLst/>
-          </a:prstGeom>
-          <a:noFill/>
-          <a:ln w="38100">
-            <a:solidFill>
-              <a:srgbClr val="0066FF"/>
-            </a:solidFill>
-            <a:miter lim="800000"/>
-            <a:headEnd/>
-            <a:tailEnd/>
-          </a:ln>
-          <a:effectLst/>
-          <a:extLst>
-            <a:ext uri="{909E8E84-426E-40DD-AFC4-6F175D3DCCD1}">
-              <a14:hiddenFill xmlns:a14="http://schemas.microsoft.com/office/drawing/2010/main">
-                <a:solidFill>
-                  <a:srgbClr val="FF0000"/>
-                </a:solidFill>
-              </a14:hiddenFill>
-            </a:ext>
-            <a:ext uri="{AF507438-7753-43E0-B8FC-AC1667EBCBE1}">
-              <a14:hiddenEffects xmlns:a14="http://schemas.microsoft.com/office/drawing/2010/main">
-                <a:effectLst>
-                  <a:outerShdw dist="35921" dir="2700000" algn="ctr" rotWithShape="0">
-                    <a:schemeClr val="bg2"/>
-                  </a:outerShdw>
-                </a:effectLst>
-              </a14:hiddenEffects>
-            </a:ext>
-          </a:extLst>
-        </p:spPr>
-        <p:txBody>
-          <a:bodyPr>
-            <a:spAutoFit/>
-          </a:bodyPr>
-          <a:lstStyle/>
-          <a:p>
-            <a:pPr>
-              <a:spcBef>
-                <a:spcPct val="50000"/>
-              </a:spcBef>
-            </a:pPr>
-            <a:r>
-              <a:rPr lang="en-US" altLang="en-US" sz="2000" dirty="0">
-                <a:latin typeface="Open Sans" panose="020B0606030504020204" pitchFamily="34" charset="0"/>
-                <a:ea typeface="Open Sans" panose="020B0606030504020204" pitchFamily="34" charset="0"/>
-                <a:cs typeface="Open Sans" panose="020B0606030504020204" pitchFamily="34" charset="0"/>
-              </a:rPr>
-              <a:t>What are the top k movie recommendations for </a:t>
-            </a:r>
-            <a:r>
-              <a:rPr lang="en-US" altLang="en-US" sz="2000" dirty="0" smtClean="0">
-                <a:latin typeface="Open Sans" panose="020B0606030504020204" pitchFamily="34" charset="0"/>
-                <a:ea typeface="Open Sans" panose="020B0606030504020204" pitchFamily="34" charset="0"/>
-                <a:cs typeface="Open Sans" panose="020B0606030504020204" pitchFamily="34" charset="0"/>
-              </a:rPr>
-              <a:t>Alice in IMDB?</a:t>
-            </a:r>
-            <a:endParaRPr lang="en-US" altLang="en-US" sz="2000" dirty="0">
-              <a:latin typeface="Open Sans" panose="020B0606030504020204" pitchFamily="34" charset="0"/>
-              <a:ea typeface="Open Sans" panose="020B0606030504020204" pitchFamily="34" charset="0"/>
-              <a:cs typeface="Open Sans" panose="020B0606030504020204" pitchFamily="34" charset="0"/>
-            </a:endParaRPr>
-          </a:p>
-        </p:txBody>
-      </p:sp>
-      <p:sp>
-        <p:nvSpPr>
-          <p:cNvPr id="23" name="Rectangle 6"/>
-          <p:cNvSpPr>
-            <a:spLocks noChangeArrowheads="1"/>
-          </p:cNvSpPr>
-          <p:nvPr/>
-        </p:nvSpPr>
-        <p:spPr bwMode="auto">
-          <a:xfrm>
-            <a:off x="0" y="6188075"/>
-            <a:ext cx="8829675" cy="276999"/>
-          </a:xfrm>
-          <a:prstGeom prst="rect">
-            <a:avLst/>
-          </a:prstGeom>
-          <a:noFill/>
-          <a:ln>
-            <a:noFill/>
-          </a:ln>
-          <a:effectLst/>
-          <a:extLst>
-            <a:ext uri="{909E8E84-426E-40DD-AFC4-6F175D3DCCD1}">
-              <a14:hiddenFill xmlns:a14="http://schemas.microsoft.com/office/drawing/2010/main">
-                <a:solidFill>
-                  <a:schemeClr val="accent1"/>
-                </a:solidFill>
-              </a14:hiddenFill>
-            </a:ext>
-            <a:ext uri="{91240B29-F687-4F45-9708-019B960494DF}">
-              <a14:hiddenLine xmlns:a14="http://schemas.microsoft.com/office/drawing/2010/main" w="9525">
-                <a:solidFill>
-                  <a:schemeClr val="tx1"/>
-                </a:solidFill>
-                <a:miter lim="800000"/>
-                <a:headEnd/>
-                <a:tailEnd/>
-              </a14:hiddenLine>
-            </a:ext>
-            <a:ext uri="{AF507438-7753-43E0-B8FC-AC1667EBCBE1}">
-              <a14:hiddenEffects xmlns:a14="http://schemas.microsoft.com/office/drawing/2010/main">
-                <a:effectLst>
-                  <a:outerShdw dist="35921" dir="2700000" algn="ctr" rotWithShape="0">
-                    <a:schemeClr val="bg2"/>
-                  </a:outerShdw>
-                </a:effectLst>
-              </a14:hiddenEffects>
-            </a:ext>
-          </a:extLst>
-        </p:spPr>
-        <p:txBody>
-          <a:bodyPr>
-            <a:spAutoFit/>
-          </a:bodyPr>
-          <a:lstStyle/>
-          <a:p>
-            <a:pPr>
-              <a:spcBef>
-                <a:spcPct val="20000"/>
-              </a:spcBef>
-              <a:buClr>
-                <a:schemeClr val="accent1"/>
-              </a:buClr>
-              <a:buSzPct val="65000"/>
-              <a:buFont typeface="Wingdings" pitchFamily="2" charset="2"/>
-              <a:buNone/>
-            </a:pPr>
-            <a:r>
-              <a:rPr lang="en-US" altLang="en-US" sz="1200" b="1" dirty="0" smtClean="0">
-                <a:solidFill>
-                  <a:srgbClr val="3333CC"/>
-                </a:solidFill>
-                <a:latin typeface="Open Sans" panose="020B0606030504020204" pitchFamily="34" charset="0"/>
-                <a:ea typeface="Open Sans" panose="020B0606030504020204" pitchFamily="34" charset="0"/>
-                <a:cs typeface="Open Sans" panose="020B0606030504020204" pitchFamily="34" charset="0"/>
-              </a:rPr>
-              <a:t>1.  M. Brand. A random walks perspective on maximizing satisfaction and profit. </a:t>
-            </a:r>
-            <a:r>
-              <a:rPr lang="en-US" altLang="en-US" sz="1200" b="1" i="1" dirty="0" smtClean="0">
-                <a:solidFill>
-                  <a:srgbClr val="3333CC"/>
-                </a:solidFill>
-                <a:latin typeface="Open Sans" panose="020B0606030504020204" pitchFamily="34" charset="0"/>
-                <a:ea typeface="Open Sans" panose="020B0606030504020204" pitchFamily="34" charset="0"/>
-                <a:cs typeface="Open Sans" panose="020B0606030504020204" pitchFamily="34" charset="0"/>
-              </a:rPr>
-              <a:t>SIAM ‘05.</a:t>
-            </a:r>
-            <a:endParaRPr lang="en-US" altLang="en-US" sz="1200" b="1" i="1" dirty="0">
-              <a:solidFill>
-                <a:srgbClr val="3333CC"/>
-              </a:solidFill>
-              <a:latin typeface="Open Sans" panose="020B0606030504020204" pitchFamily="34" charset="0"/>
-              <a:ea typeface="Open Sans" panose="020B0606030504020204" pitchFamily="34" charset="0"/>
-              <a:cs typeface="Open Sans" panose="020B0606030504020204" pitchFamily="34" charset="0"/>
-            </a:endParaRPr>
-          </a:p>
-        </p:txBody>
-      </p:sp>
-    </p:spTree>
-    <p:custDataLst>
-      <p:tags r:id="rId1"/>
-    </p:custDataLst>
-    <p:extLst>
-      <p:ext uri="{BB962C8B-B14F-4D97-AF65-F5344CB8AC3E}">
-        <p14:creationId xmlns:p14="http://schemas.microsoft.com/office/powerpoint/2010/main" val="2749227589"/>
-      </p:ext>
-    </p:extLst>
-  </p:cSld>
-  <p:clrMapOvr>
-    <a:masterClrMapping/>
-  </p:clrMapOvr>
-  <p:transition/>
-  <p:timing>
-    <p:tnLst>
-      <p:par>
-        <p:cTn id="1" dur="indefinite" restart="never" nodeType="tmRoot"/>
-      </p:par>
-    </p:tnLst>
-  </p:timing>
-</p:sld>
-</file>
-
-<file path=ppt/slides/slide20.xml><?xml version="1.0" encoding="utf-8"?>
+<file path=ppt/slides/slide19.xml><?xml version="1.0" encoding="utf-8"?>
 <p:sld xmlns:a="http://schemas.openxmlformats.org/drawingml/2006/main" xmlns:r="http://schemas.openxmlformats.org/officeDocument/2006/relationships" xmlns:p="http://schemas.openxmlformats.org/presentationml/2006/main">
   <p:cSld>
     <p:spTree>
@@ -20640,7 +21423,7 @@
             <a:fld id="{6DBCEC19-E40B-474C-ACEF-DFDD24DF8AA9}" type="slidenum">
               <a:rPr lang="en-US" altLang="en-US"/>
               <a:pPr/>
-              <a:t>20</a:t>
+              <a:t>19</a:t>
             </a:fld>
             <a:endParaRPr lang="en-US" altLang="en-US"/>
           </a:p>
@@ -21397,7 +22180,1152 @@
 </p:sld>
 </file>
 
-<file path=ppt/slides/slide21.xml><?xml version="1.0" encoding="utf-8"?>
+<file path=ppt/slides/slide2.xml><?xml version="1.0" encoding="utf-8"?>
+<p:sld xmlns:a="http://schemas.openxmlformats.org/drawingml/2006/main" xmlns:r="http://schemas.openxmlformats.org/officeDocument/2006/relationships" xmlns:p="http://schemas.openxmlformats.org/presentationml/2006/main">
+  <p:cSld>
+    <p:spTree>
+      <p:nvGrpSpPr>
+        <p:cNvPr id="1" name=""/>
+        <p:cNvGrpSpPr/>
+        <p:nvPr/>
+      </p:nvGrpSpPr>
+      <p:grpSpPr>
+        <a:xfrm>
+          <a:off x="0" y="0"/>
+          <a:ext cx="0" cy="0"/>
+          <a:chOff x="0" y="0"/>
+          <a:chExt cx="0" cy="0"/>
+        </a:xfrm>
+      </p:grpSpPr>
+      <p:sp>
+        <p:nvSpPr>
+          <p:cNvPr id="17410" name="Rectangle 2"/>
+          <p:cNvSpPr>
+            <a:spLocks noGrp="1" noChangeArrowheads="1"/>
+          </p:cNvSpPr>
+          <p:nvPr>
+            <p:ph type="title"/>
+          </p:nvPr>
+        </p:nvSpPr>
+        <p:spPr>
+          <a:xfrm>
+            <a:off x="457200" y="304800"/>
+            <a:ext cx="9144000" cy="623888"/>
+          </a:xfrm>
+        </p:spPr>
+        <p:txBody>
+          <a:bodyPr/>
+          <a:lstStyle/>
+          <a:p>
+            <a:r>
+              <a:rPr lang="en-US" altLang="en-US" sz="3200" b="1" dirty="0">
+                <a:latin typeface="Open Sans" panose="020B0606030504020204" pitchFamily="34" charset="0"/>
+                <a:ea typeface="Open Sans" panose="020B0606030504020204" pitchFamily="34" charset="0"/>
+                <a:cs typeface="Open Sans" panose="020B0606030504020204" pitchFamily="34" charset="0"/>
+              </a:rPr>
+              <a:t>Recommender </a:t>
+            </a:r>
+            <a:r>
+              <a:rPr lang="en-US" altLang="en-US" sz="3200" b="1" dirty="0" smtClean="0">
+                <a:latin typeface="Open Sans" panose="020B0606030504020204" pitchFamily="34" charset="0"/>
+                <a:ea typeface="Open Sans" panose="020B0606030504020204" pitchFamily="34" charset="0"/>
+                <a:cs typeface="Open Sans" panose="020B0606030504020204" pitchFamily="34" charset="0"/>
+              </a:rPr>
+              <a:t>systems</a:t>
+            </a:r>
+            <a:r>
+              <a:rPr lang="en-US" altLang="en-US" sz="3200" b="1" baseline="30000" dirty="0" smtClean="0">
+                <a:solidFill>
+                  <a:srgbClr val="3333FF"/>
+                </a:solidFill>
+                <a:latin typeface="Open Sans" panose="020B0606030504020204" pitchFamily="34" charset="0"/>
+                <a:ea typeface="Open Sans" panose="020B0606030504020204" pitchFamily="34" charset="0"/>
+                <a:cs typeface="Open Sans" panose="020B0606030504020204" pitchFamily="34" charset="0"/>
+              </a:rPr>
+              <a:t>1</a:t>
+            </a:r>
+            <a:endParaRPr lang="en-US" altLang="en-US" sz="3200" b="1" dirty="0">
+              <a:latin typeface="Open Sans" panose="020B0606030504020204" pitchFamily="34" charset="0"/>
+              <a:ea typeface="Open Sans" panose="020B0606030504020204" pitchFamily="34" charset="0"/>
+              <a:cs typeface="Open Sans" panose="020B0606030504020204" pitchFamily="34" charset="0"/>
+            </a:endParaRPr>
+          </a:p>
+        </p:txBody>
+      </p:sp>
+      <p:sp>
+        <p:nvSpPr>
+          <p:cNvPr id="17414" name="Oval 6"/>
+          <p:cNvSpPr>
+            <a:spLocks noChangeArrowheads="1"/>
+          </p:cNvSpPr>
+          <p:nvPr/>
+        </p:nvSpPr>
+        <p:spPr bwMode="auto">
+          <a:xfrm>
+            <a:off x="1828800" y="1589088"/>
+            <a:ext cx="534988" cy="493712"/>
+          </a:xfrm>
+          <a:prstGeom prst="ellipse">
+            <a:avLst/>
+          </a:prstGeom>
+          <a:solidFill>
+            <a:schemeClr val="accent1"/>
+          </a:solidFill>
+          <a:ln w="9525">
+            <a:solidFill>
+              <a:schemeClr val="tx1"/>
+            </a:solidFill>
+            <a:round/>
+            <a:headEnd/>
+            <a:tailEnd/>
+          </a:ln>
+          <a:effectLst/>
+          <a:extLst>
+            <a:ext uri="{AF507438-7753-43E0-B8FC-AC1667EBCBE1}">
+              <a14:hiddenEffects xmlns:a14="http://schemas.microsoft.com/office/drawing/2010/main">
+                <a:effectLst>
+                  <a:outerShdw dist="35921" dir="2700000" algn="ctr" rotWithShape="0">
+                    <a:schemeClr val="bg2"/>
+                  </a:outerShdw>
+                </a:effectLst>
+              </a14:hiddenEffects>
+            </a:ext>
+          </a:extLst>
+        </p:spPr>
+        <p:txBody>
+          <a:bodyPr wrap="none" anchor="ctr"/>
+          <a:lstStyle/>
+          <a:p>
+            <a:endParaRPr lang="en-US"/>
+          </a:p>
+        </p:txBody>
+      </p:sp>
+      <p:sp>
+        <p:nvSpPr>
+          <p:cNvPr id="17416" name="Oval 8"/>
+          <p:cNvSpPr>
+            <a:spLocks noChangeArrowheads="1"/>
+          </p:cNvSpPr>
+          <p:nvPr/>
+        </p:nvSpPr>
+        <p:spPr bwMode="auto">
+          <a:xfrm>
+            <a:off x="1881188" y="3260725"/>
+            <a:ext cx="534987" cy="493713"/>
+          </a:xfrm>
+          <a:prstGeom prst="ellipse">
+            <a:avLst/>
+          </a:prstGeom>
+          <a:solidFill>
+            <a:schemeClr val="accent1"/>
+          </a:solidFill>
+          <a:ln w="9525">
+            <a:solidFill>
+              <a:schemeClr val="tx1"/>
+            </a:solidFill>
+            <a:round/>
+            <a:headEnd/>
+            <a:tailEnd/>
+          </a:ln>
+          <a:effectLst/>
+          <a:extLst>
+            <a:ext uri="{AF507438-7753-43E0-B8FC-AC1667EBCBE1}">
+              <a14:hiddenEffects xmlns:a14="http://schemas.microsoft.com/office/drawing/2010/main">
+                <a:effectLst>
+                  <a:outerShdw dist="35921" dir="2700000" algn="ctr" rotWithShape="0">
+                    <a:schemeClr val="bg2"/>
+                  </a:outerShdw>
+                </a:effectLst>
+              </a14:hiddenEffects>
+            </a:ext>
+          </a:extLst>
+        </p:spPr>
+        <p:txBody>
+          <a:bodyPr wrap="none" anchor="ctr"/>
+          <a:lstStyle/>
+          <a:p>
+            <a:endParaRPr lang="en-US"/>
+          </a:p>
+        </p:txBody>
+      </p:sp>
+      <p:sp>
+        <p:nvSpPr>
+          <p:cNvPr id="17417" name="Oval 9"/>
+          <p:cNvSpPr>
+            <a:spLocks noChangeArrowheads="1"/>
+          </p:cNvSpPr>
+          <p:nvPr/>
+        </p:nvSpPr>
+        <p:spPr bwMode="auto">
+          <a:xfrm>
+            <a:off x="1938338" y="5076825"/>
+            <a:ext cx="534987" cy="493713"/>
+          </a:xfrm>
+          <a:prstGeom prst="ellipse">
+            <a:avLst/>
+          </a:prstGeom>
+          <a:solidFill>
+            <a:schemeClr val="accent1"/>
+          </a:solidFill>
+          <a:ln w="9525">
+            <a:solidFill>
+              <a:schemeClr val="tx1"/>
+            </a:solidFill>
+            <a:round/>
+            <a:headEnd/>
+            <a:tailEnd/>
+          </a:ln>
+          <a:effectLst/>
+          <a:extLst>
+            <a:ext uri="{AF507438-7753-43E0-B8FC-AC1667EBCBE1}">
+              <a14:hiddenEffects xmlns:a14="http://schemas.microsoft.com/office/drawing/2010/main">
+                <a:effectLst>
+                  <a:outerShdw dist="35921" dir="2700000" algn="ctr" rotWithShape="0">
+                    <a:schemeClr val="bg2"/>
+                  </a:outerShdw>
+                </a:effectLst>
+              </a14:hiddenEffects>
+            </a:ext>
+          </a:extLst>
+        </p:spPr>
+        <p:txBody>
+          <a:bodyPr wrap="none" anchor="ctr"/>
+          <a:lstStyle/>
+          <a:p>
+            <a:endParaRPr lang="en-US"/>
+          </a:p>
+        </p:txBody>
+      </p:sp>
+      <p:sp>
+        <p:nvSpPr>
+          <p:cNvPr id="17425" name="Text Box 17"/>
+          <p:cNvSpPr txBox="1">
+            <a:spLocks noChangeArrowheads="1"/>
+          </p:cNvSpPr>
+          <p:nvPr/>
+        </p:nvSpPr>
+        <p:spPr bwMode="auto">
+          <a:xfrm>
+            <a:off x="746125" y="1519238"/>
+            <a:ext cx="885825" cy="366712"/>
+          </a:xfrm>
+          <a:prstGeom prst="rect">
+            <a:avLst/>
+          </a:prstGeom>
+          <a:noFill/>
+          <a:ln>
+            <a:noFill/>
+          </a:ln>
+          <a:effectLst/>
+          <a:extLst>
+            <a:ext uri="{909E8E84-426E-40DD-AFC4-6F175D3DCCD1}">
+              <a14:hiddenFill xmlns:a14="http://schemas.microsoft.com/office/drawing/2010/main">
+                <a:solidFill>
+                  <a:schemeClr val="accent1"/>
+                </a:solidFill>
+              </a14:hiddenFill>
+            </a:ext>
+            <a:ext uri="{91240B29-F687-4F45-9708-019B960494DF}">
+              <a14:hiddenLine xmlns:a14="http://schemas.microsoft.com/office/drawing/2010/main" w="9525">
+                <a:solidFill>
+                  <a:schemeClr val="tx1"/>
+                </a:solidFill>
+                <a:miter lim="800000"/>
+                <a:headEnd/>
+                <a:tailEnd/>
+              </a14:hiddenLine>
+            </a:ext>
+            <a:ext uri="{AF507438-7753-43E0-B8FC-AC1667EBCBE1}">
+              <a14:hiddenEffects xmlns:a14="http://schemas.microsoft.com/office/drawing/2010/main">
+                <a:effectLst>
+                  <a:outerShdw dist="35921" dir="2700000" algn="ctr" rotWithShape="0">
+                    <a:schemeClr val="bg2"/>
+                  </a:outerShdw>
+                </a:effectLst>
+              </a14:hiddenEffects>
+            </a:ext>
+          </a:extLst>
+        </p:spPr>
+        <p:txBody>
+          <a:bodyPr>
+            <a:spAutoFit/>
+          </a:bodyPr>
+          <a:lstStyle/>
+          <a:p>
+            <a:pPr>
+              <a:spcBef>
+                <a:spcPct val="50000"/>
+              </a:spcBef>
+            </a:pPr>
+            <a:r>
+              <a:rPr lang="en-US" altLang="en-US" dirty="0"/>
+              <a:t>Alice</a:t>
+            </a:r>
+          </a:p>
+        </p:txBody>
+      </p:sp>
+      <p:sp>
+        <p:nvSpPr>
+          <p:cNvPr id="17426" name="Text Box 18"/>
+          <p:cNvSpPr txBox="1">
+            <a:spLocks noChangeArrowheads="1"/>
+          </p:cNvSpPr>
+          <p:nvPr/>
+        </p:nvSpPr>
+        <p:spPr bwMode="auto">
+          <a:xfrm>
+            <a:off x="758825" y="3386138"/>
+            <a:ext cx="885825" cy="366712"/>
+          </a:xfrm>
+          <a:prstGeom prst="rect">
+            <a:avLst/>
+          </a:prstGeom>
+          <a:noFill/>
+          <a:ln>
+            <a:noFill/>
+          </a:ln>
+          <a:effectLst/>
+          <a:extLst>
+            <a:ext uri="{909E8E84-426E-40DD-AFC4-6F175D3DCCD1}">
+              <a14:hiddenFill xmlns:a14="http://schemas.microsoft.com/office/drawing/2010/main">
+                <a:solidFill>
+                  <a:schemeClr val="accent1"/>
+                </a:solidFill>
+              </a14:hiddenFill>
+            </a:ext>
+            <a:ext uri="{91240B29-F687-4F45-9708-019B960494DF}">
+              <a14:hiddenLine xmlns:a14="http://schemas.microsoft.com/office/drawing/2010/main" w="9525">
+                <a:solidFill>
+                  <a:schemeClr val="tx1"/>
+                </a:solidFill>
+                <a:miter lim="800000"/>
+                <a:headEnd/>
+                <a:tailEnd/>
+              </a14:hiddenLine>
+            </a:ext>
+            <a:ext uri="{AF507438-7753-43E0-B8FC-AC1667EBCBE1}">
+              <a14:hiddenEffects xmlns:a14="http://schemas.microsoft.com/office/drawing/2010/main">
+                <a:effectLst>
+                  <a:outerShdw dist="35921" dir="2700000" algn="ctr" rotWithShape="0">
+                    <a:schemeClr val="bg2"/>
+                  </a:outerShdw>
+                </a:effectLst>
+              </a14:hiddenEffects>
+            </a:ext>
+          </a:extLst>
+        </p:spPr>
+        <p:txBody>
+          <a:bodyPr>
+            <a:spAutoFit/>
+          </a:bodyPr>
+          <a:lstStyle/>
+          <a:p>
+            <a:pPr>
+              <a:spcBef>
+                <a:spcPct val="50000"/>
+              </a:spcBef>
+            </a:pPr>
+            <a:r>
+              <a:rPr lang="en-US" altLang="en-US"/>
+              <a:t>Bob</a:t>
+            </a:r>
+          </a:p>
+        </p:txBody>
+      </p:sp>
+      <p:sp>
+        <p:nvSpPr>
+          <p:cNvPr id="17427" name="Text Box 19"/>
+          <p:cNvSpPr txBox="1">
+            <a:spLocks noChangeArrowheads="1"/>
+          </p:cNvSpPr>
+          <p:nvPr/>
+        </p:nvSpPr>
+        <p:spPr bwMode="auto">
+          <a:xfrm>
+            <a:off x="671513" y="5145088"/>
+            <a:ext cx="1084262" cy="366712"/>
+          </a:xfrm>
+          <a:prstGeom prst="rect">
+            <a:avLst/>
+          </a:prstGeom>
+          <a:noFill/>
+          <a:ln>
+            <a:noFill/>
+          </a:ln>
+          <a:effectLst/>
+          <a:extLst>
+            <a:ext uri="{909E8E84-426E-40DD-AFC4-6F175D3DCCD1}">
+              <a14:hiddenFill xmlns:a14="http://schemas.microsoft.com/office/drawing/2010/main">
+                <a:solidFill>
+                  <a:schemeClr val="accent1"/>
+                </a:solidFill>
+              </a14:hiddenFill>
+            </a:ext>
+            <a:ext uri="{91240B29-F687-4F45-9708-019B960494DF}">
+              <a14:hiddenLine xmlns:a14="http://schemas.microsoft.com/office/drawing/2010/main" w="9525">
+                <a:solidFill>
+                  <a:schemeClr val="tx1"/>
+                </a:solidFill>
+                <a:miter lim="800000"/>
+                <a:headEnd/>
+                <a:tailEnd/>
+              </a14:hiddenLine>
+            </a:ext>
+            <a:ext uri="{AF507438-7753-43E0-B8FC-AC1667EBCBE1}">
+              <a14:hiddenEffects xmlns:a14="http://schemas.microsoft.com/office/drawing/2010/main">
+                <a:effectLst>
+                  <a:outerShdw dist="35921" dir="2700000" algn="ctr" rotWithShape="0">
+                    <a:schemeClr val="bg2"/>
+                  </a:outerShdw>
+                </a:effectLst>
+              </a14:hiddenEffects>
+            </a:ext>
+          </a:extLst>
+        </p:spPr>
+        <p:txBody>
+          <a:bodyPr>
+            <a:spAutoFit/>
+          </a:bodyPr>
+          <a:lstStyle/>
+          <a:p>
+            <a:pPr>
+              <a:spcBef>
+                <a:spcPct val="50000"/>
+              </a:spcBef>
+            </a:pPr>
+            <a:r>
+              <a:rPr lang="en-US" altLang="en-US"/>
+              <a:t>Charlie</a:t>
+            </a:r>
+          </a:p>
+        </p:txBody>
+      </p:sp>
+      <p:pic>
+        <p:nvPicPr>
+          <p:cNvPr id="17428" name="Picture 20" descr="kill-bill"/>
+          <p:cNvPicPr>
+            <a:picLocks noChangeAspect="1" noChangeArrowheads="1"/>
+          </p:cNvPicPr>
+          <p:nvPr/>
+        </p:nvPicPr>
+        <p:blipFill>
+          <a:blip r:embed="rId4">
+            <a:extLst>
+              <a:ext uri="{28A0092B-C50C-407E-A947-70E740481C1C}">
+                <a14:useLocalDpi xmlns:a14="http://schemas.microsoft.com/office/drawing/2010/main" val="0"/>
+              </a:ext>
+            </a:extLst>
+          </a:blip>
+          <a:srcRect/>
+          <a:stretch>
+            <a:fillRect/>
+          </a:stretch>
+        </p:blipFill>
+        <p:spPr bwMode="auto">
+          <a:xfrm>
+            <a:off x="4608513" y="2100263"/>
+            <a:ext cx="639762" cy="893762"/>
+          </a:xfrm>
+          <a:prstGeom prst="rect">
+            <a:avLst/>
+          </a:prstGeom>
+          <a:noFill/>
+          <a:extLst>
+            <a:ext uri="{909E8E84-426E-40DD-AFC4-6F175D3DCCD1}">
+              <a14:hiddenFill xmlns:a14="http://schemas.microsoft.com/office/drawing/2010/main">
+                <a:solidFill>
+                  <a:srgbClr val="FFFFFF"/>
+                </a:solidFill>
+              </a14:hiddenFill>
+            </a:ext>
+          </a:extLst>
+        </p:spPr>
+      </p:pic>
+      <p:pic>
+        <p:nvPicPr>
+          <p:cNvPr id="17429" name="Picture 21" descr="flushed_away"/>
+          <p:cNvPicPr>
+            <a:picLocks noChangeAspect="1" noChangeArrowheads="1"/>
+          </p:cNvPicPr>
+          <p:nvPr/>
+        </p:nvPicPr>
+        <p:blipFill>
+          <a:blip r:embed="rId5" cstate="print">
+            <a:extLst>
+              <a:ext uri="{28A0092B-C50C-407E-A947-70E740481C1C}">
+                <a14:useLocalDpi xmlns:a14="http://schemas.microsoft.com/office/drawing/2010/main" val="0"/>
+              </a:ext>
+            </a:extLst>
+          </a:blip>
+          <a:srcRect/>
+          <a:stretch>
+            <a:fillRect/>
+          </a:stretch>
+        </p:blipFill>
+        <p:spPr bwMode="auto">
+          <a:xfrm>
+            <a:off x="4524375" y="962025"/>
+            <a:ext cx="706438" cy="936625"/>
+          </a:xfrm>
+          <a:prstGeom prst="rect">
+            <a:avLst/>
+          </a:prstGeom>
+          <a:noFill/>
+          <a:extLst>
+            <a:ext uri="{909E8E84-426E-40DD-AFC4-6F175D3DCCD1}">
+              <a14:hiddenFill xmlns:a14="http://schemas.microsoft.com/office/drawing/2010/main">
+                <a:solidFill>
+                  <a:srgbClr val="FFFFFF"/>
+                </a:solidFill>
+              </a14:hiddenFill>
+            </a:ext>
+          </a:extLst>
+        </p:spPr>
+      </p:pic>
+      <p:pic>
+        <p:nvPicPr>
+          <p:cNvPr id="17430" name="Picture 22" descr="departed-poster-1"/>
+          <p:cNvPicPr>
+            <a:picLocks noChangeAspect="1" noChangeArrowheads="1"/>
+          </p:cNvPicPr>
+          <p:nvPr/>
+        </p:nvPicPr>
+        <p:blipFill>
+          <a:blip r:embed="rId6" cstate="print">
+            <a:extLst>
+              <a:ext uri="{28A0092B-C50C-407E-A947-70E740481C1C}">
+                <a14:useLocalDpi xmlns:a14="http://schemas.microsoft.com/office/drawing/2010/main" val="0"/>
+              </a:ext>
+            </a:extLst>
+          </a:blip>
+          <a:srcRect/>
+          <a:stretch>
+            <a:fillRect/>
+          </a:stretch>
+        </p:blipFill>
+        <p:spPr bwMode="auto">
+          <a:xfrm>
+            <a:off x="4378325" y="5057775"/>
+            <a:ext cx="1203325" cy="912813"/>
+          </a:xfrm>
+          <a:prstGeom prst="rect">
+            <a:avLst/>
+          </a:prstGeom>
+          <a:noFill/>
+          <a:extLst>
+            <a:ext uri="{909E8E84-426E-40DD-AFC4-6F175D3DCCD1}">
+              <a14:hiddenFill xmlns:a14="http://schemas.microsoft.com/office/drawing/2010/main">
+                <a:solidFill>
+                  <a:srgbClr val="FFFFFF"/>
+                </a:solidFill>
+              </a14:hiddenFill>
+            </a:ext>
+          </a:extLst>
+        </p:spPr>
+      </p:pic>
+      <p:sp>
+        <p:nvSpPr>
+          <p:cNvPr id="17431" name="Line 23"/>
+          <p:cNvSpPr>
+            <a:spLocks noChangeShapeType="1"/>
+          </p:cNvSpPr>
+          <p:nvPr/>
+        </p:nvSpPr>
+        <p:spPr bwMode="auto">
+          <a:xfrm flipV="1">
+            <a:off x="2378075" y="1519238"/>
+            <a:ext cx="2209800" cy="280987"/>
+          </a:xfrm>
+          <a:prstGeom prst="line">
+            <a:avLst/>
+          </a:prstGeom>
+          <a:noFill/>
+          <a:ln w="9525">
+            <a:solidFill>
+              <a:schemeClr val="tx1"/>
+            </a:solidFill>
+            <a:round/>
+            <a:headEnd/>
+            <a:tailEnd/>
+          </a:ln>
+          <a:effectLst/>
+          <a:extLst>
+            <a:ext uri="{909E8E84-426E-40DD-AFC4-6F175D3DCCD1}">
+              <a14:hiddenFill xmlns:a14="http://schemas.microsoft.com/office/drawing/2010/main">
+                <a:noFill/>
+              </a14:hiddenFill>
+            </a:ext>
+            <a:ext uri="{AF507438-7753-43E0-B8FC-AC1667EBCBE1}">
+              <a14:hiddenEffects xmlns:a14="http://schemas.microsoft.com/office/drawing/2010/main">
+                <a:effectLst>
+                  <a:outerShdw dist="35921" dir="2700000" algn="ctr" rotWithShape="0">
+                    <a:schemeClr val="bg2"/>
+                  </a:outerShdw>
+                </a:effectLst>
+              </a14:hiddenEffects>
+            </a:ext>
+          </a:extLst>
+        </p:spPr>
+        <p:txBody>
+          <a:bodyPr/>
+          <a:lstStyle/>
+          <a:p>
+            <a:endParaRPr lang="en-US"/>
+          </a:p>
+        </p:txBody>
+      </p:sp>
+      <p:sp>
+        <p:nvSpPr>
+          <p:cNvPr id="17432" name="Line 24"/>
+          <p:cNvSpPr>
+            <a:spLocks noChangeShapeType="1"/>
+          </p:cNvSpPr>
+          <p:nvPr/>
+        </p:nvSpPr>
+        <p:spPr bwMode="auto">
+          <a:xfrm>
+            <a:off x="2363788" y="1800225"/>
+            <a:ext cx="2238375" cy="871538"/>
+          </a:xfrm>
+          <a:prstGeom prst="line">
+            <a:avLst/>
+          </a:prstGeom>
+          <a:noFill/>
+          <a:ln w="9525">
+            <a:solidFill>
+              <a:schemeClr val="tx1"/>
+            </a:solidFill>
+            <a:round/>
+            <a:headEnd/>
+            <a:tailEnd/>
+          </a:ln>
+          <a:effectLst/>
+          <a:extLst>
+            <a:ext uri="{909E8E84-426E-40DD-AFC4-6F175D3DCCD1}">
+              <a14:hiddenFill xmlns:a14="http://schemas.microsoft.com/office/drawing/2010/main">
+                <a:noFill/>
+              </a14:hiddenFill>
+            </a:ext>
+            <a:ext uri="{AF507438-7753-43E0-B8FC-AC1667EBCBE1}">
+              <a14:hiddenEffects xmlns:a14="http://schemas.microsoft.com/office/drawing/2010/main">
+                <a:effectLst>
+                  <a:outerShdw dist="35921" dir="2700000" algn="ctr" rotWithShape="0">
+                    <a:schemeClr val="bg2"/>
+                  </a:outerShdw>
+                </a:effectLst>
+              </a14:hiddenEffects>
+            </a:ext>
+          </a:extLst>
+        </p:spPr>
+        <p:txBody>
+          <a:bodyPr/>
+          <a:lstStyle/>
+          <a:p>
+            <a:endParaRPr lang="en-US"/>
+          </a:p>
+        </p:txBody>
+      </p:sp>
+      <p:sp>
+        <p:nvSpPr>
+          <p:cNvPr id="17433" name="Line 25"/>
+          <p:cNvSpPr>
+            <a:spLocks noChangeShapeType="1"/>
+          </p:cNvSpPr>
+          <p:nvPr/>
+        </p:nvSpPr>
+        <p:spPr bwMode="auto">
+          <a:xfrm flipV="1">
+            <a:off x="2405063" y="2686050"/>
+            <a:ext cx="2225675" cy="858838"/>
+          </a:xfrm>
+          <a:prstGeom prst="line">
+            <a:avLst/>
+          </a:prstGeom>
+          <a:noFill/>
+          <a:ln w="9525">
+            <a:solidFill>
+              <a:schemeClr val="tx1"/>
+            </a:solidFill>
+            <a:round/>
+            <a:headEnd/>
+            <a:tailEnd/>
+          </a:ln>
+          <a:effectLst/>
+          <a:extLst>
+            <a:ext uri="{909E8E84-426E-40DD-AFC4-6F175D3DCCD1}">
+              <a14:hiddenFill xmlns:a14="http://schemas.microsoft.com/office/drawing/2010/main">
+                <a:noFill/>
+              </a14:hiddenFill>
+            </a:ext>
+            <a:ext uri="{AF507438-7753-43E0-B8FC-AC1667EBCBE1}">
+              <a14:hiddenEffects xmlns:a14="http://schemas.microsoft.com/office/drawing/2010/main">
+                <a:effectLst>
+                  <a:outerShdw dist="35921" dir="2700000" algn="ctr" rotWithShape="0">
+                    <a:schemeClr val="bg2"/>
+                  </a:outerShdw>
+                </a:effectLst>
+              </a14:hiddenEffects>
+            </a:ext>
+          </a:extLst>
+        </p:spPr>
+        <p:txBody>
+          <a:bodyPr/>
+          <a:lstStyle/>
+          <a:p>
+            <a:endParaRPr lang="en-US"/>
+          </a:p>
+        </p:txBody>
+      </p:sp>
+      <p:sp>
+        <p:nvSpPr>
+          <p:cNvPr id="17434" name="Line 26"/>
+          <p:cNvSpPr>
+            <a:spLocks noChangeShapeType="1"/>
+          </p:cNvSpPr>
+          <p:nvPr/>
+        </p:nvSpPr>
+        <p:spPr bwMode="auto">
+          <a:xfrm>
+            <a:off x="2419350" y="3559175"/>
+            <a:ext cx="1955800" cy="1927225"/>
+          </a:xfrm>
+          <a:prstGeom prst="line">
+            <a:avLst/>
+          </a:prstGeom>
+          <a:noFill/>
+          <a:ln w="9525">
+            <a:solidFill>
+              <a:schemeClr val="tx1"/>
+            </a:solidFill>
+            <a:round/>
+            <a:headEnd/>
+            <a:tailEnd/>
+          </a:ln>
+          <a:effectLst/>
+          <a:extLst>
+            <a:ext uri="{909E8E84-426E-40DD-AFC4-6F175D3DCCD1}">
+              <a14:hiddenFill xmlns:a14="http://schemas.microsoft.com/office/drawing/2010/main">
+                <a:noFill/>
+              </a14:hiddenFill>
+            </a:ext>
+            <a:ext uri="{AF507438-7753-43E0-B8FC-AC1667EBCBE1}">
+              <a14:hiddenEffects xmlns:a14="http://schemas.microsoft.com/office/drawing/2010/main">
+                <a:effectLst>
+                  <a:outerShdw dist="35921" dir="2700000" algn="ctr" rotWithShape="0">
+                    <a:schemeClr val="bg2"/>
+                  </a:outerShdw>
+                </a:effectLst>
+              </a14:hiddenEffects>
+            </a:ext>
+          </a:extLst>
+        </p:spPr>
+        <p:txBody>
+          <a:bodyPr/>
+          <a:lstStyle/>
+          <a:p>
+            <a:endParaRPr lang="en-US"/>
+          </a:p>
+        </p:txBody>
+      </p:sp>
+      <p:sp>
+        <p:nvSpPr>
+          <p:cNvPr id="17435" name="Line 27"/>
+          <p:cNvSpPr>
+            <a:spLocks noChangeShapeType="1"/>
+          </p:cNvSpPr>
+          <p:nvPr/>
+        </p:nvSpPr>
+        <p:spPr bwMode="auto">
+          <a:xfrm>
+            <a:off x="2476500" y="5373688"/>
+            <a:ext cx="1927225" cy="112712"/>
+          </a:xfrm>
+          <a:prstGeom prst="line">
+            <a:avLst/>
+          </a:prstGeom>
+          <a:noFill/>
+          <a:ln w="9525">
+            <a:solidFill>
+              <a:schemeClr val="tx1"/>
+            </a:solidFill>
+            <a:round/>
+            <a:headEnd/>
+            <a:tailEnd/>
+          </a:ln>
+          <a:effectLst/>
+          <a:extLst>
+            <a:ext uri="{909E8E84-426E-40DD-AFC4-6F175D3DCCD1}">
+              <a14:hiddenFill xmlns:a14="http://schemas.microsoft.com/office/drawing/2010/main">
+                <a:noFill/>
+              </a14:hiddenFill>
+            </a:ext>
+            <a:ext uri="{AF507438-7753-43E0-B8FC-AC1667EBCBE1}">
+              <a14:hiddenEffects xmlns:a14="http://schemas.microsoft.com/office/drawing/2010/main">
+                <a:effectLst>
+                  <a:outerShdw dist="35921" dir="2700000" algn="ctr" rotWithShape="0">
+                    <a:schemeClr val="bg2"/>
+                  </a:outerShdw>
+                </a:effectLst>
+              </a14:hiddenEffects>
+            </a:ext>
+          </a:extLst>
+        </p:spPr>
+        <p:txBody>
+          <a:bodyPr/>
+          <a:lstStyle/>
+          <a:p>
+            <a:endParaRPr lang="en-US"/>
+          </a:p>
+        </p:txBody>
+      </p:sp>
+      <p:pic>
+        <p:nvPicPr>
+          <p:cNvPr id="17436" name="Picture 28" descr="million-dollar-baby"/>
+          <p:cNvPicPr>
+            <a:picLocks noChangeAspect="1" noChangeArrowheads="1"/>
+          </p:cNvPicPr>
+          <p:nvPr/>
+        </p:nvPicPr>
+        <p:blipFill>
+          <a:blip r:embed="rId7" cstate="print">
+            <a:extLst>
+              <a:ext uri="{28A0092B-C50C-407E-A947-70E740481C1C}">
+                <a14:useLocalDpi xmlns:a14="http://schemas.microsoft.com/office/drawing/2010/main" val="0"/>
+              </a:ext>
+            </a:extLst>
+          </a:blip>
+          <a:srcRect/>
+          <a:stretch>
+            <a:fillRect/>
+          </a:stretch>
+        </p:blipFill>
+        <p:spPr bwMode="auto">
+          <a:xfrm>
+            <a:off x="4575175" y="3208338"/>
+            <a:ext cx="819150" cy="1158875"/>
+          </a:xfrm>
+          <a:prstGeom prst="rect">
+            <a:avLst/>
+          </a:prstGeom>
+          <a:noFill/>
+          <a:extLst>
+            <a:ext uri="{909E8E84-426E-40DD-AFC4-6F175D3DCCD1}">
+              <a14:hiddenFill xmlns:a14="http://schemas.microsoft.com/office/drawing/2010/main">
+                <a:solidFill>
+                  <a:srgbClr val="FFFFFF"/>
+                </a:solidFill>
+              </a14:hiddenFill>
+            </a:ext>
+          </a:extLst>
+        </p:spPr>
+      </p:pic>
+      <p:sp>
+        <p:nvSpPr>
+          <p:cNvPr id="17437" name="Line 29"/>
+          <p:cNvSpPr>
+            <a:spLocks noChangeShapeType="1"/>
+          </p:cNvSpPr>
+          <p:nvPr/>
+        </p:nvSpPr>
+        <p:spPr bwMode="auto">
+          <a:xfrm flipV="1">
+            <a:off x="2489200" y="3797300"/>
+            <a:ext cx="2068513" cy="1562100"/>
+          </a:xfrm>
+          <a:prstGeom prst="line">
+            <a:avLst/>
+          </a:prstGeom>
+          <a:noFill/>
+          <a:ln w="9525">
+            <a:solidFill>
+              <a:schemeClr val="tx1"/>
+            </a:solidFill>
+            <a:round/>
+            <a:headEnd/>
+            <a:tailEnd/>
+          </a:ln>
+          <a:effectLst/>
+          <a:extLst>
+            <a:ext uri="{909E8E84-426E-40DD-AFC4-6F175D3DCCD1}">
+              <a14:hiddenFill xmlns:a14="http://schemas.microsoft.com/office/drawing/2010/main">
+                <a:noFill/>
+              </a14:hiddenFill>
+            </a:ext>
+            <a:ext uri="{AF507438-7753-43E0-B8FC-AC1667EBCBE1}">
+              <a14:hiddenEffects xmlns:a14="http://schemas.microsoft.com/office/drawing/2010/main">
+                <a:effectLst>
+                  <a:outerShdw dist="35921" dir="2700000" algn="ctr" rotWithShape="0">
+                    <a:schemeClr val="bg2"/>
+                  </a:outerShdw>
+                </a:effectLst>
+              </a14:hiddenEffects>
+            </a:ext>
+          </a:extLst>
+        </p:spPr>
+        <p:txBody>
+          <a:bodyPr/>
+          <a:lstStyle/>
+          <a:p>
+            <a:endParaRPr lang="en-US"/>
+          </a:p>
+        </p:txBody>
+      </p:sp>
+      <p:sp>
+        <p:nvSpPr>
+          <p:cNvPr id="17438" name="Line 30"/>
+          <p:cNvSpPr>
+            <a:spLocks noChangeShapeType="1"/>
+          </p:cNvSpPr>
+          <p:nvPr/>
+        </p:nvSpPr>
+        <p:spPr bwMode="auto">
+          <a:xfrm>
+            <a:off x="2433638" y="3544888"/>
+            <a:ext cx="2152650" cy="252412"/>
+          </a:xfrm>
+          <a:prstGeom prst="line">
+            <a:avLst/>
+          </a:prstGeom>
+          <a:noFill/>
+          <a:ln w="9525">
+            <a:solidFill>
+              <a:schemeClr val="tx1"/>
+            </a:solidFill>
+            <a:round/>
+            <a:headEnd/>
+            <a:tailEnd/>
+          </a:ln>
+          <a:effectLst/>
+          <a:extLst>
+            <a:ext uri="{909E8E84-426E-40DD-AFC4-6F175D3DCCD1}">
+              <a14:hiddenFill xmlns:a14="http://schemas.microsoft.com/office/drawing/2010/main">
+                <a:noFill/>
+              </a14:hiddenFill>
+            </a:ext>
+            <a:ext uri="{AF507438-7753-43E0-B8FC-AC1667EBCBE1}">
+              <a14:hiddenEffects xmlns:a14="http://schemas.microsoft.com/office/drawing/2010/main">
+                <a:effectLst>
+                  <a:outerShdw dist="35921" dir="2700000" algn="ctr" rotWithShape="0">
+                    <a:schemeClr val="bg2"/>
+                  </a:outerShdw>
+                </a:effectLst>
+              </a14:hiddenEffects>
+            </a:ext>
+          </a:extLst>
+        </p:spPr>
+        <p:txBody>
+          <a:bodyPr/>
+          <a:lstStyle/>
+          <a:p>
+            <a:endParaRPr lang="en-US"/>
+          </a:p>
+        </p:txBody>
+      </p:sp>
+      <p:sp>
+        <p:nvSpPr>
+          <p:cNvPr id="17439" name="Text Box 31"/>
+          <p:cNvSpPr txBox="1">
+            <a:spLocks noChangeArrowheads="1"/>
+          </p:cNvSpPr>
+          <p:nvPr/>
+        </p:nvSpPr>
+        <p:spPr bwMode="auto">
+          <a:xfrm>
+            <a:off x="5656263" y="2925763"/>
+            <a:ext cx="3262312" cy="1044575"/>
+          </a:xfrm>
+          <a:prstGeom prst="rect">
+            <a:avLst/>
+          </a:prstGeom>
+          <a:noFill/>
+          <a:ln w="38100">
+            <a:solidFill>
+              <a:srgbClr val="0066FF"/>
+            </a:solidFill>
+            <a:miter lim="800000"/>
+            <a:headEnd/>
+            <a:tailEnd/>
+          </a:ln>
+          <a:effectLst/>
+          <a:extLst>
+            <a:ext uri="{909E8E84-426E-40DD-AFC4-6F175D3DCCD1}">
+              <a14:hiddenFill xmlns:a14="http://schemas.microsoft.com/office/drawing/2010/main">
+                <a:solidFill>
+                  <a:srgbClr val="FF0000"/>
+                </a:solidFill>
+              </a14:hiddenFill>
+            </a:ext>
+            <a:ext uri="{AF507438-7753-43E0-B8FC-AC1667EBCBE1}">
+              <a14:hiddenEffects xmlns:a14="http://schemas.microsoft.com/office/drawing/2010/main">
+                <a:effectLst>
+                  <a:outerShdw dist="35921" dir="2700000" algn="ctr" rotWithShape="0">
+                    <a:schemeClr val="bg2"/>
+                  </a:outerShdw>
+                </a:effectLst>
+              </a14:hiddenEffects>
+            </a:ext>
+          </a:extLst>
+        </p:spPr>
+        <p:txBody>
+          <a:bodyPr>
+            <a:spAutoFit/>
+          </a:bodyPr>
+          <a:lstStyle/>
+          <a:p>
+            <a:pPr>
+              <a:spcBef>
+                <a:spcPct val="50000"/>
+              </a:spcBef>
+            </a:pPr>
+            <a:r>
+              <a:rPr lang="en-US" altLang="en-US" sz="2000" dirty="0">
+                <a:latin typeface="Open Sans" panose="020B0606030504020204" pitchFamily="34" charset="0"/>
+                <a:ea typeface="Open Sans" panose="020B0606030504020204" pitchFamily="34" charset="0"/>
+                <a:cs typeface="Open Sans" panose="020B0606030504020204" pitchFamily="34" charset="0"/>
+              </a:rPr>
+              <a:t>What are the top k movie recommendations for </a:t>
+            </a:r>
+            <a:r>
+              <a:rPr lang="en-US" altLang="en-US" sz="2000" dirty="0" smtClean="0">
+                <a:latin typeface="Open Sans" panose="020B0606030504020204" pitchFamily="34" charset="0"/>
+                <a:ea typeface="Open Sans" panose="020B0606030504020204" pitchFamily="34" charset="0"/>
+                <a:cs typeface="Open Sans" panose="020B0606030504020204" pitchFamily="34" charset="0"/>
+              </a:rPr>
+              <a:t>Alice in IMDB?</a:t>
+            </a:r>
+            <a:endParaRPr lang="en-US" altLang="en-US" sz="2000" dirty="0">
+              <a:latin typeface="Open Sans" panose="020B0606030504020204" pitchFamily="34" charset="0"/>
+              <a:ea typeface="Open Sans" panose="020B0606030504020204" pitchFamily="34" charset="0"/>
+              <a:cs typeface="Open Sans" panose="020B0606030504020204" pitchFamily="34" charset="0"/>
+            </a:endParaRPr>
+          </a:p>
+        </p:txBody>
+      </p:sp>
+      <p:sp>
+        <p:nvSpPr>
+          <p:cNvPr id="23" name="Rectangle 6"/>
+          <p:cNvSpPr>
+            <a:spLocks noChangeArrowheads="1"/>
+          </p:cNvSpPr>
+          <p:nvPr/>
+        </p:nvSpPr>
+        <p:spPr bwMode="auto">
+          <a:xfrm>
+            <a:off x="0" y="6188075"/>
+            <a:ext cx="8829675" cy="276999"/>
+          </a:xfrm>
+          <a:prstGeom prst="rect">
+            <a:avLst/>
+          </a:prstGeom>
+          <a:noFill/>
+          <a:ln>
+            <a:noFill/>
+          </a:ln>
+          <a:effectLst/>
+          <a:extLst>
+            <a:ext uri="{909E8E84-426E-40DD-AFC4-6F175D3DCCD1}">
+              <a14:hiddenFill xmlns:a14="http://schemas.microsoft.com/office/drawing/2010/main">
+                <a:solidFill>
+                  <a:schemeClr val="accent1"/>
+                </a:solidFill>
+              </a14:hiddenFill>
+            </a:ext>
+            <a:ext uri="{91240B29-F687-4F45-9708-019B960494DF}">
+              <a14:hiddenLine xmlns:a14="http://schemas.microsoft.com/office/drawing/2010/main" w="9525">
+                <a:solidFill>
+                  <a:schemeClr val="tx1"/>
+                </a:solidFill>
+                <a:miter lim="800000"/>
+                <a:headEnd/>
+                <a:tailEnd/>
+              </a14:hiddenLine>
+            </a:ext>
+            <a:ext uri="{AF507438-7753-43E0-B8FC-AC1667EBCBE1}">
+              <a14:hiddenEffects xmlns:a14="http://schemas.microsoft.com/office/drawing/2010/main">
+                <a:effectLst>
+                  <a:outerShdw dist="35921" dir="2700000" algn="ctr" rotWithShape="0">
+                    <a:schemeClr val="bg2"/>
+                  </a:outerShdw>
+                </a:effectLst>
+              </a14:hiddenEffects>
+            </a:ext>
+          </a:extLst>
+        </p:spPr>
+        <p:txBody>
+          <a:bodyPr>
+            <a:spAutoFit/>
+          </a:bodyPr>
+          <a:lstStyle/>
+          <a:p>
+            <a:pPr>
+              <a:spcBef>
+                <a:spcPct val="20000"/>
+              </a:spcBef>
+              <a:buClr>
+                <a:schemeClr val="accent1"/>
+              </a:buClr>
+              <a:buSzPct val="65000"/>
+              <a:buFont typeface="Wingdings" pitchFamily="2" charset="2"/>
+              <a:buNone/>
+            </a:pPr>
+            <a:r>
+              <a:rPr lang="en-US" altLang="en-US" sz="1200" b="1" dirty="0" smtClean="0">
+                <a:solidFill>
+                  <a:srgbClr val="3333CC"/>
+                </a:solidFill>
+                <a:latin typeface="Open Sans" panose="020B0606030504020204" pitchFamily="34" charset="0"/>
+                <a:ea typeface="Open Sans" panose="020B0606030504020204" pitchFamily="34" charset="0"/>
+                <a:cs typeface="Open Sans" panose="020B0606030504020204" pitchFamily="34" charset="0"/>
+              </a:rPr>
+              <a:t>1.  M. Brand. A random walks perspective on maximizing satisfaction and profit. </a:t>
+            </a:r>
+            <a:r>
+              <a:rPr lang="en-US" altLang="en-US" sz="1200" b="1" i="1" dirty="0" smtClean="0">
+                <a:solidFill>
+                  <a:srgbClr val="3333CC"/>
+                </a:solidFill>
+                <a:latin typeface="Open Sans" panose="020B0606030504020204" pitchFamily="34" charset="0"/>
+                <a:ea typeface="Open Sans" panose="020B0606030504020204" pitchFamily="34" charset="0"/>
+                <a:cs typeface="Open Sans" panose="020B0606030504020204" pitchFamily="34" charset="0"/>
+              </a:rPr>
+              <a:t>SIAM ‘05.</a:t>
+            </a:r>
+            <a:endParaRPr lang="en-US" altLang="en-US" sz="1200" b="1" i="1" dirty="0">
+              <a:solidFill>
+                <a:srgbClr val="3333CC"/>
+              </a:solidFill>
+              <a:latin typeface="Open Sans" panose="020B0606030504020204" pitchFamily="34" charset="0"/>
+              <a:ea typeface="Open Sans" panose="020B0606030504020204" pitchFamily="34" charset="0"/>
+              <a:cs typeface="Open Sans" panose="020B0606030504020204" pitchFamily="34" charset="0"/>
+            </a:endParaRPr>
+          </a:p>
+        </p:txBody>
+      </p:sp>
+    </p:spTree>
+    <p:custDataLst>
+      <p:tags r:id="rId1"/>
+    </p:custDataLst>
+    <p:extLst>
+      <p:ext uri="{BB962C8B-B14F-4D97-AF65-F5344CB8AC3E}">
+        <p14:creationId xmlns:p14="http://schemas.microsoft.com/office/powerpoint/2010/main" val="2749227589"/>
+      </p:ext>
+    </p:extLst>
+  </p:cSld>
+  <p:clrMapOvr>
+    <a:masterClrMapping/>
+  </p:clrMapOvr>
+  <p:transition/>
+  <p:timing>
+    <p:tnLst>
+      <p:par>
+        <p:cTn id="1" dur="indefinite" restart="never" nodeType="tmRoot"/>
+      </p:par>
+    </p:tnLst>
+  </p:timing>
+</p:sld>
+</file>
+
+<file path=ppt/slides/slide20.xml><?xml version="1.0" encoding="utf-8"?>
 <p:sld xmlns:a="http://schemas.openxmlformats.org/drawingml/2006/main" xmlns:r="http://schemas.openxmlformats.org/officeDocument/2006/relationships" xmlns:p="http://schemas.openxmlformats.org/presentationml/2006/main">
   <p:cSld>
     <p:spTree>
@@ -21994,7 +23922,7 @@
 </p:sld>
 </file>
 
-<file path=ppt/slides/slide22.xml><?xml version="1.0" encoding="utf-8"?>
+<file path=ppt/slides/slide21.xml><?xml version="1.0" encoding="utf-8"?>
 <p:sld xmlns:a="http://schemas.openxmlformats.org/drawingml/2006/main" xmlns:r="http://schemas.openxmlformats.org/officeDocument/2006/relationships" xmlns:p="http://schemas.openxmlformats.org/presentationml/2006/main">
   <p:cSld>
     <p:spTree>
@@ -22700,7 +24628,7 @@
 </p:sld>
 </file>
 
-<file path=ppt/slides/slide23.xml><?xml version="1.0" encoding="utf-8"?>
+<file path=ppt/slides/slide22.xml><?xml version="1.0" encoding="utf-8"?>
 <p:sld xmlns:a="http://schemas.openxmlformats.org/drawingml/2006/main" xmlns:r="http://schemas.openxmlformats.org/officeDocument/2006/relationships" xmlns:p="http://schemas.openxmlformats.org/presentationml/2006/main">
   <p:cSld>
     <p:spTree>
@@ -23199,6 +25127,518 @@
     <p:extLst>
       <p:ext uri="{BB962C8B-B14F-4D97-AF65-F5344CB8AC3E}">
         <p14:creationId xmlns:p14="http://schemas.microsoft.com/office/powerpoint/2010/main" val="637196786"/>
+      </p:ext>
+    </p:extLst>
+  </p:cSld>
+  <p:clrMapOvr>
+    <a:masterClrMapping/>
+  </p:clrMapOvr>
+  <p:transition/>
+  <p:timing>
+    <p:tnLst>
+      <p:par>
+        <p:cTn id="1" dur="indefinite" restart="never" nodeType="tmRoot"/>
+      </p:par>
+    </p:tnLst>
+  </p:timing>
+</p:sld>
+</file>
+
+<file path=ppt/slides/slide23.xml><?xml version="1.0" encoding="utf-8"?>
+<p:sld xmlns:a="http://schemas.openxmlformats.org/drawingml/2006/main" xmlns:r="http://schemas.openxmlformats.org/officeDocument/2006/relationships" xmlns:p="http://schemas.openxmlformats.org/presentationml/2006/main">
+  <p:cSld>
+    <p:spTree>
+      <p:nvGrpSpPr>
+        <p:cNvPr id="1" name=""/>
+        <p:cNvGrpSpPr/>
+        <p:nvPr/>
+      </p:nvGrpSpPr>
+      <p:grpSpPr>
+        <a:xfrm>
+          <a:off x="0" y="0"/>
+          <a:ext cx="0" cy="0"/>
+          <a:chOff x="0" y="0"/>
+          <a:chExt cx="0" cy="0"/>
+        </a:xfrm>
+      </p:grpSpPr>
+      <p:sp>
+        <p:nvSpPr>
+          <p:cNvPr id="17410" name="Rectangle 2"/>
+          <p:cNvSpPr>
+            <a:spLocks noGrp="1" noChangeArrowheads="1"/>
+          </p:cNvSpPr>
+          <p:nvPr>
+            <p:ph type="title"/>
+          </p:nvPr>
+        </p:nvSpPr>
+        <p:spPr>
+          <a:xfrm>
+            <a:off x="457200" y="304800"/>
+            <a:ext cx="9144000" cy="623888"/>
+          </a:xfrm>
+        </p:spPr>
+        <p:txBody>
+          <a:bodyPr/>
+          <a:lstStyle/>
+          <a:p>
+            <a:r>
+              <a:rPr lang="en-US" altLang="en-US" sz="3200" b="1" dirty="0" smtClean="0">
+                <a:latin typeface="Open Sans" panose="020B0606030504020204" pitchFamily="34" charset="0"/>
+                <a:ea typeface="Open Sans" panose="020B0606030504020204" pitchFamily="34" charset="0"/>
+                <a:cs typeface="Open Sans" panose="020B0606030504020204" pitchFamily="34" charset="0"/>
+              </a:rPr>
+              <a:t>Relation to commute times</a:t>
+            </a:r>
+            <a:endParaRPr lang="en-US" altLang="en-US" sz="3200" b="1" dirty="0">
+              <a:latin typeface="Open Sans" panose="020B0606030504020204" pitchFamily="34" charset="0"/>
+              <a:ea typeface="Open Sans" panose="020B0606030504020204" pitchFamily="34" charset="0"/>
+              <a:cs typeface="Open Sans" panose="020B0606030504020204" pitchFamily="34" charset="0"/>
+            </a:endParaRPr>
+          </a:p>
+        </p:txBody>
+      </p:sp>
+      <p:sp>
+        <p:nvSpPr>
+          <p:cNvPr id="22" name="Rectangle 3"/>
+          <p:cNvSpPr txBox="1">
+            <a:spLocks noChangeArrowheads="1"/>
+          </p:cNvSpPr>
+          <p:nvPr/>
+        </p:nvSpPr>
+        <p:spPr bwMode="auto">
+          <a:xfrm>
+            <a:off x="457200" y="1600200"/>
+            <a:ext cx="8229600" cy="4960938"/>
+          </a:xfrm>
+          <a:prstGeom prst="rect">
+            <a:avLst/>
+          </a:prstGeom>
+          <a:noFill/>
+          <a:ln>
+            <a:noFill/>
+          </a:ln>
+          <a:effectLst/>
+          <a:extLst>
+            <a:ext uri="{909E8E84-426E-40DD-AFC4-6F175D3DCCD1}">
+              <a14:hiddenFill xmlns:a14="http://schemas.microsoft.com/office/drawing/2010/main">
+                <a:solidFill>
+                  <a:schemeClr val="accent1"/>
+                </a:solidFill>
+              </a14:hiddenFill>
+            </a:ext>
+            <a:ext uri="{91240B29-F687-4F45-9708-019B960494DF}">
+              <a14:hiddenLine xmlns:a14="http://schemas.microsoft.com/office/drawing/2010/main" w="9525">
+                <a:solidFill>
+                  <a:schemeClr val="tx1"/>
+                </a:solidFill>
+                <a:miter lim="800000"/>
+                <a:headEnd/>
+                <a:tailEnd/>
+              </a14:hiddenLine>
+            </a:ext>
+            <a:ext uri="{AF507438-7753-43E0-B8FC-AC1667EBCBE1}">
+              <a14:hiddenEffects xmlns:a14="http://schemas.microsoft.com/office/drawing/2010/main">
+                <a:effectLst>
+                  <a:outerShdw dist="35921" dir="2700000" algn="ctr" rotWithShape="0">
+                    <a:schemeClr val="bg2"/>
+                  </a:outerShdw>
+                </a:effectLst>
+              </a14:hiddenEffects>
+            </a:ext>
+          </a:extLst>
+        </p:spPr>
+        <p:txBody>
+          <a:bodyPr vert="horz" wrap="square" lIns="91440" tIns="45720" rIns="91440" bIns="45720" numCol="1" anchor="t" anchorCtr="0" compatLnSpc="1">
+            <a:prstTxWarp prst="textNoShape">
+              <a:avLst/>
+            </a:prstTxWarp>
+          </a:bodyPr>
+          <a:lstStyle>
+            <a:lvl1pPr marL="342900" indent="-342900" algn="l" rtl="0" fontAlgn="base">
+              <a:spcBef>
+                <a:spcPct val="20000"/>
+              </a:spcBef>
+              <a:spcAft>
+                <a:spcPct val="0"/>
+              </a:spcAft>
+              <a:buClr>
+                <a:schemeClr val="accent1"/>
+              </a:buClr>
+              <a:buSzPct val="65000"/>
+              <a:buFont typeface="Wingdings" pitchFamily="2" charset="2"/>
+              <a:buChar char="n"/>
+              <a:defRPr sz="3000">
+                <a:solidFill>
+                  <a:schemeClr val="tx1"/>
+                </a:solidFill>
+                <a:latin typeface="+mn-lt"/>
+                <a:ea typeface="+mn-ea"/>
+                <a:cs typeface="+mn-cs"/>
+              </a:defRPr>
+            </a:lvl1pPr>
+            <a:lvl2pPr marL="669925" indent="-325438" algn="l" rtl="0" fontAlgn="base">
+              <a:spcBef>
+                <a:spcPct val="20000"/>
+              </a:spcBef>
+              <a:spcAft>
+                <a:spcPct val="0"/>
+              </a:spcAft>
+              <a:buClr>
+                <a:schemeClr val="accent2"/>
+              </a:buClr>
+              <a:buSzPct val="60000"/>
+              <a:buFont typeface="Wingdings" pitchFamily="2" charset="2"/>
+              <a:buChar char="q"/>
+              <a:defRPr sz="2600">
+                <a:solidFill>
+                  <a:schemeClr val="tx1"/>
+                </a:solidFill>
+                <a:latin typeface="+mn-lt"/>
+              </a:defRPr>
+            </a:lvl2pPr>
+            <a:lvl3pPr marL="1022350" indent="-350838" algn="l" rtl="0" fontAlgn="base">
+              <a:spcBef>
+                <a:spcPct val="20000"/>
+              </a:spcBef>
+              <a:spcAft>
+                <a:spcPct val="0"/>
+              </a:spcAft>
+              <a:buClr>
+                <a:schemeClr val="accent1"/>
+              </a:buClr>
+              <a:buSzPct val="65000"/>
+              <a:buFont typeface="Wingdings" pitchFamily="2" charset="2"/>
+              <a:buChar char="n"/>
+              <a:defRPr sz="2200">
+                <a:solidFill>
+                  <a:schemeClr val="tx1"/>
+                </a:solidFill>
+                <a:latin typeface="+mn-lt"/>
+              </a:defRPr>
+            </a:lvl3pPr>
+            <a:lvl4pPr marL="1339850" indent="-315913" algn="l" rtl="0" fontAlgn="base">
+              <a:spcBef>
+                <a:spcPct val="20000"/>
+              </a:spcBef>
+              <a:spcAft>
+                <a:spcPct val="0"/>
+              </a:spcAft>
+              <a:buClr>
+                <a:schemeClr val="accent2"/>
+              </a:buClr>
+              <a:buSzPct val="70000"/>
+              <a:buFont typeface="Wingdings" pitchFamily="2" charset="2"/>
+              <a:buChar char="q"/>
+              <a:defRPr sz="2000">
+                <a:solidFill>
+                  <a:schemeClr val="tx1"/>
+                </a:solidFill>
+                <a:latin typeface="+mn-lt"/>
+              </a:defRPr>
+            </a:lvl4pPr>
+            <a:lvl5pPr marL="1681163" indent="-339725" algn="l" rtl="0" fontAlgn="base">
+              <a:spcBef>
+                <a:spcPct val="20000"/>
+              </a:spcBef>
+              <a:spcAft>
+                <a:spcPct val="0"/>
+              </a:spcAft>
+              <a:buClr>
+                <a:schemeClr val="accent1"/>
+              </a:buClr>
+              <a:buSzPct val="75000"/>
+              <a:buFont typeface="Wingdings" pitchFamily="2" charset="2"/>
+              <a:buChar char="§"/>
+              <a:defRPr sz="2000">
+                <a:solidFill>
+                  <a:schemeClr val="tx1"/>
+                </a:solidFill>
+                <a:latin typeface="+mn-lt"/>
+              </a:defRPr>
+            </a:lvl5pPr>
+            <a:lvl6pPr marL="2138363" indent="-339725" algn="l" rtl="0" fontAlgn="base">
+              <a:spcBef>
+                <a:spcPct val="20000"/>
+              </a:spcBef>
+              <a:spcAft>
+                <a:spcPct val="0"/>
+              </a:spcAft>
+              <a:buClr>
+                <a:schemeClr val="accent1"/>
+              </a:buClr>
+              <a:buSzPct val="75000"/>
+              <a:buFont typeface="Wingdings" pitchFamily="2" charset="2"/>
+              <a:buChar char="§"/>
+              <a:defRPr sz="2000">
+                <a:solidFill>
+                  <a:schemeClr val="tx1"/>
+                </a:solidFill>
+                <a:latin typeface="+mn-lt"/>
+              </a:defRPr>
+            </a:lvl6pPr>
+            <a:lvl7pPr marL="2595563" indent="-339725" algn="l" rtl="0" fontAlgn="base">
+              <a:spcBef>
+                <a:spcPct val="20000"/>
+              </a:spcBef>
+              <a:spcAft>
+                <a:spcPct val="0"/>
+              </a:spcAft>
+              <a:buClr>
+                <a:schemeClr val="accent1"/>
+              </a:buClr>
+              <a:buSzPct val="75000"/>
+              <a:buFont typeface="Wingdings" pitchFamily="2" charset="2"/>
+              <a:buChar char="§"/>
+              <a:defRPr sz="2000">
+                <a:solidFill>
+                  <a:schemeClr val="tx1"/>
+                </a:solidFill>
+                <a:latin typeface="+mn-lt"/>
+              </a:defRPr>
+            </a:lvl7pPr>
+            <a:lvl8pPr marL="3052763" indent="-339725" algn="l" rtl="0" fontAlgn="base">
+              <a:spcBef>
+                <a:spcPct val="20000"/>
+              </a:spcBef>
+              <a:spcAft>
+                <a:spcPct val="0"/>
+              </a:spcAft>
+              <a:buClr>
+                <a:schemeClr val="accent1"/>
+              </a:buClr>
+              <a:buSzPct val="75000"/>
+              <a:buFont typeface="Wingdings" pitchFamily="2" charset="2"/>
+              <a:buChar char="§"/>
+              <a:defRPr sz="2000">
+                <a:solidFill>
+                  <a:schemeClr val="tx1"/>
+                </a:solidFill>
+                <a:latin typeface="+mn-lt"/>
+              </a:defRPr>
+            </a:lvl8pPr>
+            <a:lvl9pPr marL="3509963" indent="-339725" algn="l" rtl="0" fontAlgn="base">
+              <a:spcBef>
+                <a:spcPct val="20000"/>
+              </a:spcBef>
+              <a:spcAft>
+                <a:spcPct val="0"/>
+              </a:spcAft>
+              <a:buClr>
+                <a:schemeClr val="accent1"/>
+              </a:buClr>
+              <a:buSzPct val="75000"/>
+              <a:buFont typeface="Wingdings" pitchFamily="2" charset="2"/>
+              <a:buChar char="§"/>
+              <a:defRPr sz="2000">
+                <a:solidFill>
+                  <a:schemeClr val="tx1"/>
+                </a:solidFill>
+                <a:latin typeface="+mn-lt"/>
+              </a:defRPr>
+            </a:lvl9pPr>
+          </a:lstStyle>
+          <a:p>
+            <a:endParaRPr lang="en-US" altLang="en-US" sz="2400" dirty="0" smtClean="0">
+              <a:latin typeface="Open Sans" panose="020B0606030504020204" pitchFamily="34" charset="0"/>
+              <a:ea typeface="Open Sans" panose="020B0606030504020204" pitchFamily="34" charset="0"/>
+              <a:cs typeface="Open Sans" panose="020B0606030504020204" pitchFamily="34" charset="0"/>
+            </a:endParaRPr>
+          </a:p>
+          <a:p>
+            <a:endParaRPr lang="en-US" altLang="en-US" sz="2400" kern="0" dirty="0">
+              <a:latin typeface="Open Sans" panose="020B0606030504020204" pitchFamily="34" charset="0"/>
+              <a:ea typeface="Open Sans" panose="020B0606030504020204" pitchFamily="34" charset="0"/>
+              <a:cs typeface="Open Sans" panose="020B0606030504020204" pitchFamily="34" charset="0"/>
+            </a:endParaRPr>
+          </a:p>
+          <a:p>
+            <a:endParaRPr lang="en-US" altLang="en-US" sz="2400" kern="0" dirty="0" smtClean="0">
+              <a:latin typeface="Open Sans" panose="020B0606030504020204" pitchFamily="34" charset="0"/>
+              <a:ea typeface="Open Sans" panose="020B0606030504020204" pitchFamily="34" charset="0"/>
+              <a:cs typeface="Open Sans" panose="020B0606030504020204" pitchFamily="34" charset="0"/>
+            </a:endParaRPr>
+          </a:p>
+        </p:txBody>
+      </p:sp>
+      <p:sp>
+        <p:nvSpPr>
+          <p:cNvPr id="2" name="Content Placeholder 1"/>
+          <p:cNvSpPr>
+            <a:spLocks noGrp="1"/>
+          </p:cNvSpPr>
+          <p:nvPr>
+            <p:ph idx="1"/>
+          </p:nvPr>
+        </p:nvSpPr>
+        <p:spPr>
+          <a:xfrm>
+            <a:off x="457200" y="2971800"/>
+            <a:ext cx="8229600" cy="3159125"/>
+          </a:xfrm>
+        </p:spPr>
+        <p:txBody>
+          <a:bodyPr/>
+          <a:lstStyle/>
+          <a:p>
+            <a:r>
+              <a:rPr lang="en-US" dirty="0" smtClean="0"/>
+              <a:t>Proof</a:t>
+            </a:r>
+            <a:r>
+              <a:rPr lang="en-US" altLang="en-US" sz="2800" b="1" baseline="30000" dirty="0">
+                <a:solidFill>
+                  <a:srgbClr val="3333FF"/>
+                </a:solidFill>
+                <a:latin typeface="Open Sans" panose="020B0606030504020204" pitchFamily="34" charset="0"/>
+                <a:ea typeface="Open Sans" panose="020B0606030504020204" pitchFamily="34" charset="0"/>
+                <a:cs typeface="Open Sans" panose="020B0606030504020204" pitchFamily="34" charset="0"/>
+              </a:rPr>
+              <a:t>1</a:t>
+            </a:r>
+            <a:endParaRPr lang="en-US" dirty="0"/>
+          </a:p>
+        </p:txBody>
+      </p:sp>
+      <p:sp>
+        <p:nvSpPr>
+          <p:cNvPr id="5" name="Rectangle 6"/>
+          <p:cNvSpPr>
+            <a:spLocks noChangeArrowheads="1"/>
+          </p:cNvSpPr>
+          <p:nvPr/>
+        </p:nvSpPr>
+        <p:spPr bwMode="auto">
+          <a:xfrm>
+            <a:off x="0" y="6188075"/>
+            <a:ext cx="8829675" cy="276999"/>
+          </a:xfrm>
+          <a:prstGeom prst="rect">
+            <a:avLst/>
+          </a:prstGeom>
+          <a:noFill/>
+          <a:ln>
+            <a:noFill/>
+          </a:ln>
+          <a:effectLst/>
+          <a:extLst>
+            <a:ext uri="{909E8E84-426E-40DD-AFC4-6F175D3DCCD1}">
+              <a14:hiddenFill xmlns:a14="http://schemas.microsoft.com/office/drawing/2010/main">
+                <a:solidFill>
+                  <a:schemeClr val="accent1"/>
+                </a:solidFill>
+              </a14:hiddenFill>
+            </a:ext>
+            <a:ext uri="{91240B29-F687-4F45-9708-019B960494DF}">
+              <a14:hiddenLine xmlns:a14="http://schemas.microsoft.com/office/drawing/2010/main" w="9525">
+                <a:solidFill>
+                  <a:schemeClr val="tx1"/>
+                </a:solidFill>
+                <a:miter lim="800000"/>
+                <a:headEnd/>
+                <a:tailEnd/>
+              </a14:hiddenLine>
+            </a:ext>
+            <a:ext uri="{AF507438-7753-43E0-B8FC-AC1667EBCBE1}">
+              <a14:hiddenEffects xmlns:a14="http://schemas.microsoft.com/office/drawing/2010/main">
+                <a:effectLst>
+                  <a:outerShdw dist="35921" dir="2700000" algn="ctr" rotWithShape="0">
+                    <a:schemeClr val="bg2"/>
+                  </a:outerShdw>
+                </a:effectLst>
+              </a14:hiddenEffects>
+            </a:ext>
+          </a:extLst>
+        </p:spPr>
+        <p:txBody>
+          <a:bodyPr>
+            <a:spAutoFit/>
+          </a:bodyPr>
+          <a:lstStyle/>
+          <a:p>
+            <a:pPr>
+              <a:spcBef>
+                <a:spcPct val="20000"/>
+              </a:spcBef>
+              <a:buClr>
+                <a:schemeClr val="accent1"/>
+              </a:buClr>
+              <a:buSzPct val="65000"/>
+              <a:buFont typeface="Wingdings" pitchFamily="2" charset="2"/>
+              <a:buNone/>
+            </a:pPr>
+            <a:r>
+              <a:rPr lang="en-US" altLang="en-US" sz="1200" b="1" dirty="0">
+                <a:solidFill>
+                  <a:srgbClr val="3333CC"/>
+                </a:solidFill>
+                <a:latin typeface="Open Sans" panose="020B0606030504020204" pitchFamily="34" charset="0"/>
+                <a:ea typeface="Open Sans" panose="020B0606030504020204" pitchFamily="34" charset="0"/>
+                <a:cs typeface="Open Sans" panose="020B0606030504020204" pitchFamily="34" charset="0"/>
+              </a:rPr>
+              <a:t>1. </a:t>
+            </a:r>
+            <a:r>
+              <a:rPr lang="en-US" altLang="en-US" sz="1200" b="1" dirty="0" smtClean="0">
+                <a:solidFill>
+                  <a:srgbClr val="3333CC"/>
+                </a:solidFill>
+                <a:latin typeface="Open Sans" panose="020B0606030504020204" pitchFamily="34" charset="0"/>
+                <a:ea typeface="Open Sans" panose="020B0606030504020204" pitchFamily="34" charset="0"/>
+                <a:cs typeface="Open Sans" panose="020B0606030504020204" pitchFamily="34" charset="0"/>
+              </a:rPr>
+              <a:t>L. </a:t>
+            </a:r>
+            <a:r>
+              <a:rPr lang="en-US" altLang="en-US" sz="1200" b="1" dirty="0" err="1" smtClean="0">
+                <a:solidFill>
+                  <a:srgbClr val="3333CC"/>
+                </a:solidFill>
+                <a:latin typeface="Open Sans" panose="020B0606030504020204" pitchFamily="34" charset="0"/>
+                <a:ea typeface="Open Sans" panose="020B0606030504020204" pitchFamily="34" charset="0"/>
+                <a:cs typeface="Open Sans" panose="020B0606030504020204" pitchFamily="34" charset="0"/>
+              </a:rPr>
+              <a:t>Lovász</a:t>
+            </a:r>
+            <a:r>
+              <a:rPr lang="en-US" altLang="en-US" sz="1200" b="1" dirty="0" smtClean="0">
+                <a:solidFill>
+                  <a:srgbClr val="3333CC"/>
+                </a:solidFill>
+                <a:latin typeface="Open Sans" panose="020B0606030504020204" pitchFamily="34" charset="0"/>
+                <a:ea typeface="Open Sans" panose="020B0606030504020204" pitchFamily="34" charset="0"/>
+                <a:cs typeface="Open Sans" panose="020B0606030504020204" pitchFamily="34" charset="0"/>
+              </a:rPr>
+              <a:t>. Random walks on graphs: A survey. </a:t>
+            </a:r>
+            <a:r>
+              <a:rPr lang="en-US" altLang="en-US" sz="1200" b="1" i="1" dirty="0" smtClean="0">
+                <a:solidFill>
+                  <a:srgbClr val="3333CC"/>
+                </a:solidFill>
+                <a:latin typeface="Open Sans" panose="020B0606030504020204" pitchFamily="34" charset="0"/>
+                <a:ea typeface="Open Sans" panose="020B0606030504020204" pitchFamily="34" charset="0"/>
+                <a:cs typeface="Open Sans" panose="020B0606030504020204" pitchFamily="34" charset="0"/>
+              </a:rPr>
+              <a:t>1993.</a:t>
+            </a:r>
+            <a:endParaRPr lang="en-US" altLang="en-US" sz="1200" b="1" i="1" dirty="0">
+              <a:solidFill>
+                <a:srgbClr val="3333CC"/>
+              </a:solidFill>
+              <a:latin typeface="Open Sans" panose="020B0606030504020204" pitchFamily="34" charset="0"/>
+              <a:ea typeface="Open Sans" panose="020B0606030504020204" pitchFamily="34" charset="0"/>
+              <a:cs typeface="Open Sans" panose="020B0606030504020204" pitchFamily="34" charset="0"/>
+            </a:endParaRPr>
+          </a:p>
+        </p:txBody>
+      </p:sp>
+    </p:spTree>
+    <p:custDataLst>
+      <p:tags r:id="rId1"/>
+    </p:custDataLst>
+    <p:extLst>
+      <p:ext uri="{BB962C8B-B14F-4D97-AF65-F5344CB8AC3E}">
+        <p14:creationId xmlns:p14="http://schemas.microsoft.com/office/powerpoint/2010/main" val="3267843498"/>
       </p:ext>
     </p:extLst>
   </p:cSld>
@@ -23542,518 +25982,6 @@
             <p:ph idx="1"/>
           </p:nvPr>
         </p:nvSpPr>
-        <p:spPr>
-          <a:xfrm>
-            <a:off x="457200" y="2971800"/>
-            <a:ext cx="8229600" cy="3159125"/>
-          </a:xfrm>
-        </p:spPr>
-        <p:txBody>
-          <a:bodyPr/>
-          <a:lstStyle/>
-          <a:p>
-            <a:r>
-              <a:rPr lang="en-US" dirty="0" smtClean="0"/>
-              <a:t>Proof</a:t>
-            </a:r>
-            <a:r>
-              <a:rPr lang="en-US" altLang="en-US" sz="2800" b="1" baseline="30000" dirty="0">
-                <a:solidFill>
-                  <a:srgbClr val="3333FF"/>
-                </a:solidFill>
-                <a:latin typeface="Open Sans" panose="020B0606030504020204" pitchFamily="34" charset="0"/>
-                <a:ea typeface="Open Sans" panose="020B0606030504020204" pitchFamily="34" charset="0"/>
-                <a:cs typeface="Open Sans" panose="020B0606030504020204" pitchFamily="34" charset="0"/>
-              </a:rPr>
-              <a:t>1</a:t>
-            </a:r>
-            <a:endParaRPr lang="en-US" dirty="0"/>
-          </a:p>
-        </p:txBody>
-      </p:sp>
-      <p:sp>
-        <p:nvSpPr>
-          <p:cNvPr id="5" name="Rectangle 6"/>
-          <p:cNvSpPr>
-            <a:spLocks noChangeArrowheads="1"/>
-          </p:cNvSpPr>
-          <p:nvPr/>
-        </p:nvSpPr>
-        <p:spPr bwMode="auto">
-          <a:xfrm>
-            <a:off x="0" y="6188075"/>
-            <a:ext cx="8829675" cy="276999"/>
-          </a:xfrm>
-          <a:prstGeom prst="rect">
-            <a:avLst/>
-          </a:prstGeom>
-          <a:noFill/>
-          <a:ln>
-            <a:noFill/>
-          </a:ln>
-          <a:effectLst/>
-          <a:extLst>
-            <a:ext uri="{909E8E84-426E-40DD-AFC4-6F175D3DCCD1}">
-              <a14:hiddenFill xmlns:a14="http://schemas.microsoft.com/office/drawing/2010/main">
-                <a:solidFill>
-                  <a:schemeClr val="accent1"/>
-                </a:solidFill>
-              </a14:hiddenFill>
-            </a:ext>
-            <a:ext uri="{91240B29-F687-4F45-9708-019B960494DF}">
-              <a14:hiddenLine xmlns:a14="http://schemas.microsoft.com/office/drawing/2010/main" w="9525">
-                <a:solidFill>
-                  <a:schemeClr val="tx1"/>
-                </a:solidFill>
-                <a:miter lim="800000"/>
-                <a:headEnd/>
-                <a:tailEnd/>
-              </a14:hiddenLine>
-            </a:ext>
-            <a:ext uri="{AF507438-7753-43E0-B8FC-AC1667EBCBE1}">
-              <a14:hiddenEffects xmlns:a14="http://schemas.microsoft.com/office/drawing/2010/main">
-                <a:effectLst>
-                  <a:outerShdw dist="35921" dir="2700000" algn="ctr" rotWithShape="0">
-                    <a:schemeClr val="bg2"/>
-                  </a:outerShdw>
-                </a:effectLst>
-              </a14:hiddenEffects>
-            </a:ext>
-          </a:extLst>
-        </p:spPr>
-        <p:txBody>
-          <a:bodyPr>
-            <a:spAutoFit/>
-          </a:bodyPr>
-          <a:lstStyle/>
-          <a:p>
-            <a:pPr>
-              <a:spcBef>
-                <a:spcPct val="20000"/>
-              </a:spcBef>
-              <a:buClr>
-                <a:schemeClr val="accent1"/>
-              </a:buClr>
-              <a:buSzPct val="65000"/>
-              <a:buFont typeface="Wingdings" pitchFamily="2" charset="2"/>
-              <a:buNone/>
-            </a:pPr>
-            <a:r>
-              <a:rPr lang="en-US" altLang="en-US" sz="1200" b="1" dirty="0">
-                <a:solidFill>
-                  <a:srgbClr val="3333CC"/>
-                </a:solidFill>
-                <a:latin typeface="Open Sans" panose="020B0606030504020204" pitchFamily="34" charset="0"/>
-                <a:ea typeface="Open Sans" panose="020B0606030504020204" pitchFamily="34" charset="0"/>
-                <a:cs typeface="Open Sans" panose="020B0606030504020204" pitchFamily="34" charset="0"/>
-              </a:rPr>
-              <a:t>1. </a:t>
-            </a:r>
-            <a:r>
-              <a:rPr lang="en-US" altLang="en-US" sz="1200" b="1" dirty="0" smtClean="0">
-                <a:solidFill>
-                  <a:srgbClr val="3333CC"/>
-                </a:solidFill>
-                <a:latin typeface="Open Sans" panose="020B0606030504020204" pitchFamily="34" charset="0"/>
-                <a:ea typeface="Open Sans" panose="020B0606030504020204" pitchFamily="34" charset="0"/>
-                <a:cs typeface="Open Sans" panose="020B0606030504020204" pitchFamily="34" charset="0"/>
-              </a:rPr>
-              <a:t>L. </a:t>
-            </a:r>
-            <a:r>
-              <a:rPr lang="en-US" altLang="en-US" sz="1200" b="1" dirty="0" err="1" smtClean="0">
-                <a:solidFill>
-                  <a:srgbClr val="3333CC"/>
-                </a:solidFill>
-                <a:latin typeface="Open Sans" panose="020B0606030504020204" pitchFamily="34" charset="0"/>
-                <a:ea typeface="Open Sans" panose="020B0606030504020204" pitchFamily="34" charset="0"/>
-                <a:cs typeface="Open Sans" panose="020B0606030504020204" pitchFamily="34" charset="0"/>
-              </a:rPr>
-              <a:t>Lovász</a:t>
-            </a:r>
-            <a:r>
-              <a:rPr lang="en-US" altLang="en-US" sz="1200" b="1" dirty="0" smtClean="0">
-                <a:solidFill>
-                  <a:srgbClr val="3333CC"/>
-                </a:solidFill>
-                <a:latin typeface="Open Sans" panose="020B0606030504020204" pitchFamily="34" charset="0"/>
-                <a:ea typeface="Open Sans" panose="020B0606030504020204" pitchFamily="34" charset="0"/>
-                <a:cs typeface="Open Sans" panose="020B0606030504020204" pitchFamily="34" charset="0"/>
-              </a:rPr>
-              <a:t>. Random walks on graphs: A survey. </a:t>
-            </a:r>
-            <a:r>
-              <a:rPr lang="en-US" altLang="en-US" sz="1200" b="1" i="1" dirty="0" smtClean="0">
-                <a:solidFill>
-                  <a:srgbClr val="3333CC"/>
-                </a:solidFill>
-                <a:latin typeface="Open Sans" panose="020B0606030504020204" pitchFamily="34" charset="0"/>
-                <a:ea typeface="Open Sans" panose="020B0606030504020204" pitchFamily="34" charset="0"/>
-                <a:cs typeface="Open Sans" panose="020B0606030504020204" pitchFamily="34" charset="0"/>
-              </a:rPr>
-              <a:t>1993.</a:t>
-            </a:r>
-            <a:endParaRPr lang="en-US" altLang="en-US" sz="1200" b="1" i="1" dirty="0">
-              <a:solidFill>
-                <a:srgbClr val="3333CC"/>
-              </a:solidFill>
-              <a:latin typeface="Open Sans" panose="020B0606030504020204" pitchFamily="34" charset="0"/>
-              <a:ea typeface="Open Sans" panose="020B0606030504020204" pitchFamily="34" charset="0"/>
-              <a:cs typeface="Open Sans" panose="020B0606030504020204" pitchFamily="34" charset="0"/>
-            </a:endParaRPr>
-          </a:p>
-        </p:txBody>
-      </p:sp>
-    </p:spTree>
-    <p:custDataLst>
-      <p:tags r:id="rId1"/>
-    </p:custDataLst>
-    <p:extLst>
-      <p:ext uri="{BB962C8B-B14F-4D97-AF65-F5344CB8AC3E}">
-        <p14:creationId xmlns:p14="http://schemas.microsoft.com/office/powerpoint/2010/main" val="3267843498"/>
-      </p:ext>
-    </p:extLst>
-  </p:cSld>
-  <p:clrMapOvr>
-    <a:masterClrMapping/>
-  </p:clrMapOvr>
-  <p:transition/>
-  <p:timing>
-    <p:tnLst>
-      <p:par>
-        <p:cTn id="1" dur="indefinite" restart="never" nodeType="tmRoot"/>
-      </p:par>
-    </p:tnLst>
-  </p:timing>
-</p:sld>
-</file>
-
-<file path=ppt/slides/slide25.xml><?xml version="1.0" encoding="utf-8"?>
-<p:sld xmlns:a="http://schemas.openxmlformats.org/drawingml/2006/main" xmlns:r="http://schemas.openxmlformats.org/officeDocument/2006/relationships" xmlns:p="http://schemas.openxmlformats.org/presentationml/2006/main">
-  <p:cSld>
-    <p:spTree>
-      <p:nvGrpSpPr>
-        <p:cNvPr id="1" name=""/>
-        <p:cNvGrpSpPr/>
-        <p:nvPr/>
-      </p:nvGrpSpPr>
-      <p:grpSpPr>
-        <a:xfrm>
-          <a:off x="0" y="0"/>
-          <a:ext cx="0" cy="0"/>
-          <a:chOff x="0" y="0"/>
-          <a:chExt cx="0" cy="0"/>
-        </a:xfrm>
-      </p:grpSpPr>
-      <p:sp>
-        <p:nvSpPr>
-          <p:cNvPr id="17410" name="Rectangle 2"/>
-          <p:cNvSpPr>
-            <a:spLocks noGrp="1" noChangeArrowheads="1"/>
-          </p:cNvSpPr>
-          <p:nvPr>
-            <p:ph type="title"/>
-          </p:nvPr>
-        </p:nvSpPr>
-        <p:spPr>
-          <a:xfrm>
-            <a:off x="457200" y="304800"/>
-            <a:ext cx="9144000" cy="623888"/>
-          </a:xfrm>
-        </p:spPr>
-        <p:txBody>
-          <a:bodyPr/>
-          <a:lstStyle/>
-          <a:p>
-            <a:r>
-              <a:rPr lang="en-US" altLang="en-US" sz="3200" b="1" dirty="0" smtClean="0">
-                <a:latin typeface="Open Sans" panose="020B0606030504020204" pitchFamily="34" charset="0"/>
-                <a:ea typeface="Open Sans" panose="020B0606030504020204" pitchFamily="34" charset="0"/>
-                <a:cs typeface="Open Sans" panose="020B0606030504020204" pitchFamily="34" charset="0"/>
-              </a:rPr>
-              <a:t>Relation to commute times</a:t>
-            </a:r>
-            <a:endParaRPr lang="en-US" altLang="en-US" sz="3200" b="1" dirty="0">
-              <a:latin typeface="Open Sans" panose="020B0606030504020204" pitchFamily="34" charset="0"/>
-              <a:ea typeface="Open Sans" panose="020B0606030504020204" pitchFamily="34" charset="0"/>
-              <a:cs typeface="Open Sans" panose="020B0606030504020204" pitchFamily="34" charset="0"/>
-            </a:endParaRPr>
-          </a:p>
-        </p:txBody>
-      </p:sp>
-      <p:sp>
-        <p:nvSpPr>
-          <p:cNvPr id="22" name="Rectangle 3"/>
-          <p:cNvSpPr txBox="1">
-            <a:spLocks noChangeArrowheads="1"/>
-          </p:cNvSpPr>
-          <p:nvPr/>
-        </p:nvSpPr>
-        <p:spPr bwMode="auto">
-          <a:xfrm>
-            <a:off x="457200" y="1600200"/>
-            <a:ext cx="8229600" cy="4960938"/>
-          </a:xfrm>
-          <a:prstGeom prst="rect">
-            <a:avLst/>
-          </a:prstGeom>
-          <a:noFill/>
-          <a:ln>
-            <a:noFill/>
-          </a:ln>
-          <a:effectLst/>
-          <a:extLst>
-            <a:ext uri="{909E8E84-426E-40DD-AFC4-6F175D3DCCD1}">
-              <a14:hiddenFill xmlns:a14="http://schemas.microsoft.com/office/drawing/2010/main">
-                <a:solidFill>
-                  <a:schemeClr val="accent1"/>
-                </a:solidFill>
-              </a14:hiddenFill>
-            </a:ext>
-            <a:ext uri="{91240B29-F687-4F45-9708-019B960494DF}">
-              <a14:hiddenLine xmlns:a14="http://schemas.microsoft.com/office/drawing/2010/main" w="9525">
-                <a:solidFill>
-                  <a:schemeClr val="tx1"/>
-                </a:solidFill>
-                <a:miter lim="800000"/>
-                <a:headEnd/>
-                <a:tailEnd/>
-              </a14:hiddenLine>
-            </a:ext>
-            <a:ext uri="{AF507438-7753-43E0-B8FC-AC1667EBCBE1}">
-              <a14:hiddenEffects xmlns:a14="http://schemas.microsoft.com/office/drawing/2010/main">
-                <a:effectLst>
-                  <a:outerShdw dist="35921" dir="2700000" algn="ctr" rotWithShape="0">
-                    <a:schemeClr val="bg2"/>
-                  </a:outerShdw>
-                </a:effectLst>
-              </a14:hiddenEffects>
-            </a:ext>
-          </a:extLst>
-        </p:spPr>
-        <p:txBody>
-          <a:bodyPr vert="horz" wrap="square" lIns="91440" tIns="45720" rIns="91440" bIns="45720" numCol="1" anchor="t" anchorCtr="0" compatLnSpc="1">
-            <a:prstTxWarp prst="textNoShape">
-              <a:avLst/>
-            </a:prstTxWarp>
-          </a:bodyPr>
-          <a:lstStyle>
-            <a:lvl1pPr marL="342900" indent="-342900" algn="l" rtl="0" fontAlgn="base">
-              <a:spcBef>
-                <a:spcPct val="20000"/>
-              </a:spcBef>
-              <a:spcAft>
-                <a:spcPct val="0"/>
-              </a:spcAft>
-              <a:buClr>
-                <a:schemeClr val="accent1"/>
-              </a:buClr>
-              <a:buSzPct val="65000"/>
-              <a:buFont typeface="Wingdings" pitchFamily="2" charset="2"/>
-              <a:buChar char="n"/>
-              <a:defRPr sz="3000">
-                <a:solidFill>
-                  <a:schemeClr val="tx1"/>
-                </a:solidFill>
-                <a:latin typeface="+mn-lt"/>
-                <a:ea typeface="+mn-ea"/>
-                <a:cs typeface="+mn-cs"/>
-              </a:defRPr>
-            </a:lvl1pPr>
-            <a:lvl2pPr marL="669925" indent="-325438" algn="l" rtl="0" fontAlgn="base">
-              <a:spcBef>
-                <a:spcPct val="20000"/>
-              </a:spcBef>
-              <a:spcAft>
-                <a:spcPct val="0"/>
-              </a:spcAft>
-              <a:buClr>
-                <a:schemeClr val="accent2"/>
-              </a:buClr>
-              <a:buSzPct val="60000"/>
-              <a:buFont typeface="Wingdings" pitchFamily="2" charset="2"/>
-              <a:buChar char="q"/>
-              <a:defRPr sz="2600">
-                <a:solidFill>
-                  <a:schemeClr val="tx1"/>
-                </a:solidFill>
-                <a:latin typeface="+mn-lt"/>
-              </a:defRPr>
-            </a:lvl2pPr>
-            <a:lvl3pPr marL="1022350" indent="-350838" algn="l" rtl="0" fontAlgn="base">
-              <a:spcBef>
-                <a:spcPct val="20000"/>
-              </a:spcBef>
-              <a:spcAft>
-                <a:spcPct val="0"/>
-              </a:spcAft>
-              <a:buClr>
-                <a:schemeClr val="accent1"/>
-              </a:buClr>
-              <a:buSzPct val="65000"/>
-              <a:buFont typeface="Wingdings" pitchFamily="2" charset="2"/>
-              <a:buChar char="n"/>
-              <a:defRPr sz="2200">
-                <a:solidFill>
-                  <a:schemeClr val="tx1"/>
-                </a:solidFill>
-                <a:latin typeface="+mn-lt"/>
-              </a:defRPr>
-            </a:lvl3pPr>
-            <a:lvl4pPr marL="1339850" indent="-315913" algn="l" rtl="0" fontAlgn="base">
-              <a:spcBef>
-                <a:spcPct val="20000"/>
-              </a:spcBef>
-              <a:spcAft>
-                <a:spcPct val="0"/>
-              </a:spcAft>
-              <a:buClr>
-                <a:schemeClr val="accent2"/>
-              </a:buClr>
-              <a:buSzPct val="70000"/>
-              <a:buFont typeface="Wingdings" pitchFamily="2" charset="2"/>
-              <a:buChar char="q"/>
-              <a:defRPr sz="2000">
-                <a:solidFill>
-                  <a:schemeClr val="tx1"/>
-                </a:solidFill>
-                <a:latin typeface="+mn-lt"/>
-              </a:defRPr>
-            </a:lvl4pPr>
-            <a:lvl5pPr marL="1681163" indent="-339725" algn="l" rtl="0" fontAlgn="base">
-              <a:spcBef>
-                <a:spcPct val="20000"/>
-              </a:spcBef>
-              <a:spcAft>
-                <a:spcPct val="0"/>
-              </a:spcAft>
-              <a:buClr>
-                <a:schemeClr val="accent1"/>
-              </a:buClr>
-              <a:buSzPct val="75000"/>
-              <a:buFont typeface="Wingdings" pitchFamily="2" charset="2"/>
-              <a:buChar char="§"/>
-              <a:defRPr sz="2000">
-                <a:solidFill>
-                  <a:schemeClr val="tx1"/>
-                </a:solidFill>
-                <a:latin typeface="+mn-lt"/>
-              </a:defRPr>
-            </a:lvl5pPr>
-            <a:lvl6pPr marL="2138363" indent="-339725" algn="l" rtl="0" fontAlgn="base">
-              <a:spcBef>
-                <a:spcPct val="20000"/>
-              </a:spcBef>
-              <a:spcAft>
-                <a:spcPct val="0"/>
-              </a:spcAft>
-              <a:buClr>
-                <a:schemeClr val="accent1"/>
-              </a:buClr>
-              <a:buSzPct val="75000"/>
-              <a:buFont typeface="Wingdings" pitchFamily="2" charset="2"/>
-              <a:buChar char="§"/>
-              <a:defRPr sz="2000">
-                <a:solidFill>
-                  <a:schemeClr val="tx1"/>
-                </a:solidFill>
-                <a:latin typeface="+mn-lt"/>
-              </a:defRPr>
-            </a:lvl6pPr>
-            <a:lvl7pPr marL="2595563" indent="-339725" algn="l" rtl="0" fontAlgn="base">
-              <a:spcBef>
-                <a:spcPct val="20000"/>
-              </a:spcBef>
-              <a:spcAft>
-                <a:spcPct val="0"/>
-              </a:spcAft>
-              <a:buClr>
-                <a:schemeClr val="accent1"/>
-              </a:buClr>
-              <a:buSzPct val="75000"/>
-              <a:buFont typeface="Wingdings" pitchFamily="2" charset="2"/>
-              <a:buChar char="§"/>
-              <a:defRPr sz="2000">
-                <a:solidFill>
-                  <a:schemeClr val="tx1"/>
-                </a:solidFill>
-                <a:latin typeface="+mn-lt"/>
-              </a:defRPr>
-            </a:lvl7pPr>
-            <a:lvl8pPr marL="3052763" indent="-339725" algn="l" rtl="0" fontAlgn="base">
-              <a:spcBef>
-                <a:spcPct val="20000"/>
-              </a:spcBef>
-              <a:spcAft>
-                <a:spcPct val="0"/>
-              </a:spcAft>
-              <a:buClr>
-                <a:schemeClr val="accent1"/>
-              </a:buClr>
-              <a:buSzPct val="75000"/>
-              <a:buFont typeface="Wingdings" pitchFamily="2" charset="2"/>
-              <a:buChar char="§"/>
-              <a:defRPr sz="2000">
-                <a:solidFill>
-                  <a:schemeClr val="tx1"/>
-                </a:solidFill>
-                <a:latin typeface="+mn-lt"/>
-              </a:defRPr>
-            </a:lvl8pPr>
-            <a:lvl9pPr marL="3509963" indent="-339725" algn="l" rtl="0" fontAlgn="base">
-              <a:spcBef>
-                <a:spcPct val="20000"/>
-              </a:spcBef>
-              <a:spcAft>
-                <a:spcPct val="0"/>
-              </a:spcAft>
-              <a:buClr>
-                <a:schemeClr val="accent1"/>
-              </a:buClr>
-              <a:buSzPct val="75000"/>
-              <a:buFont typeface="Wingdings" pitchFamily="2" charset="2"/>
-              <a:buChar char="§"/>
-              <a:defRPr sz="2000">
-                <a:solidFill>
-                  <a:schemeClr val="tx1"/>
-                </a:solidFill>
-                <a:latin typeface="+mn-lt"/>
-              </a:defRPr>
-            </a:lvl9pPr>
-          </a:lstStyle>
-          <a:p>
-            <a:endParaRPr lang="en-US" altLang="en-US" sz="2400" dirty="0" smtClean="0">
-              <a:latin typeface="Open Sans" panose="020B0606030504020204" pitchFamily="34" charset="0"/>
-              <a:ea typeface="Open Sans" panose="020B0606030504020204" pitchFamily="34" charset="0"/>
-              <a:cs typeface="Open Sans" panose="020B0606030504020204" pitchFamily="34" charset="0"/>
-            </a:endParaRPr>
-          </a:p>
-          <a:p>
-            <a:endParaRPr lang="en-US" altLang="en-US" sz="2400" kern="0" dirty="0">
-              <a:latin typeface="Open Sans" panose="020B0606030504020204" pitchFamily="34" charset="0"/>
-              <a:ea typeface="Open Sans" panose="020B0606030504020204" pitchFamily="34" charset="0"/>
-              <a:cs typeface="Open Sans" panose="020B0606030504020204" pitchFamily="34" charset="0"/>
-            </a:endParaRPr>
-          </a:p>
-          <a:p>
-            <a:endParaRPr lang="en-US" altLang="en-US" sz="2400" kern="0" dirty="0" smtClean="0">
-              <a:latin typeface="Open Sans" panose="020B0606030504020204" pitchFamily="34" charset="0"/>
-              <a:ea typeface="Open Sans" panose="020B0606030504020204" pitchFamily="34" charset="0"/>
-              <a:cs typeface="Open Sans" panose="020B0606030504020204" pitchFamily="34" charset="0"/>
-            </a:endParaRPr>
-          </a:p>
-        </p:txBody>
-      </p:sp>
-      <p:sp>
-        <p:nvSpPr>
-          <p:cNvPr id="2" name="Content Placeholder 1"/>
-          <p:cNvSpPr>
-            <a:spLocks noGrp="1"/>
-          </p:cNvSpPr>
-          <p:nvPr>
-            <p:ph idx="1"/>
-          </p:nvPr>
-        </p:nvSpPr>
         <p:spPr/>
         <p:txBody>
           <a:bodyPr/>
@@ -24087,7 +26015,7 @@
 </p:sld>
 </file>
 
-<file path=ppt/slides/slide26.xml><?xml version="1.0" encoding="utf-8"?>
+<file path=ppt/slides/slide25.xml><?xml version="1.0" encoding="utf-8"?>
 <p:sld xmlns:a="http://schemas.openxmlformats.org/drawingml/2006/main" xmlns:r="http://schemas.openxmlformats.org/officeDocument/2006/relationships" xmlns:p="http://schemas.openxmlformats.org/presentationml/2006/main">
   <p:cSld>
     <p:spTree>
@@ -31630,7 +33558,7 @@
           <a:graphicData uri="http://schemas.openxmlformats.org/presentationml/2006/ole">
             <mc:AlternateContent xmlns:mc="http://schemas.openxmlformats.org/markup-compatibility/2006">
               <mc:Choice xmlns:v="urn:schemas-microsoft-com:vml" Requires="v">
-                <p:oleObj spid="_x0000_s8799" name="Visio" r:id="rId6" imgW="5289194" imgH="2914802" progId="Visio.Drawing.11">
+                <p:oleObj spid="_x0000_s8898" name="Visio" r:id="rId6" imgW="5289194" imgH="2914802" progId="Visio.Drawing.11">
                   <p:embed/>
                 </p:oleObj>
               </mc:Choice>
@@ -32146,18 +34074,31 @@
 
 <file path=ppt/tags/tag33.xml><?xml version="1.0" encoding="utf-8"?>
 <p:tagLst xmlns:a="http://schemas.openxmlformats.org/drawingml/2006/main" xmlns:r="http://schemas.openxmlformats.org/officeDocument/2006/relationships" xmlns:p="http://schemas.openxmlformats.org/presentationml/2006/main">
-  <p:tag name="TIMING" val="|14.6"/>
+  <p:tag name="OUTPUTDPI" val="1200"/>
+  <p:tag name="ORIGINALHEIGHT" val="137.9828"/>
+  <p:tag name="ORIGINALWIDTH" val="1077.615"/>
+  <p:tag name="LATEXADDIN" val="\documentclass{article}&#10;\usepackage{amsmath}&#10;\usepackage{amssymb}&#10;\usepackage{bm}&#10;\pagestyle{empty}&#10;\begin{document}&#10;&#10;$\bm{v} \triangleq (v_1\ v_2\ \cdots\ v_n)^\top$&#10;&#10;&#10;\end{document}"/>
+  <p:tag name="IGUANATEXSIZE" val="22"/>
+  <p:tag name="IGUANATEXCURSOR" val="65"/>
+  <p:tag name="TRANSPARENCY" val="True"/>
+  <p:tag name="FILENAME" val=""/>
+  <p:tag name="LATEXENGINEID" val="0"/>
+  <p:tag name="TEMPFOLDER" val="c:\temp\"/>
+  <p:tag name="LATEXFORMHEIGHT" val="312"/>
+  <p:tag name="LATEXFORMWIDTH" val="384"/>
+  <p:tag name="LATEXFORMWRAP" val="True"/>
+  <p:tag name="BITMAPVECTOR" val="0"/>
 </p:tagLst>
 </file>
 
 <file path=ppt/tags/tag34.xml><?xml version="1.0" encoding="utf-8"?>
 <p:tagLst xmlns:a="http://schemas.openxmlformats.org/drawingml/2006/main" xmlns:r="http://schemas.openxmlformats.org/officeDocument/2006/relationships" xmlns:p="http://schemas.openxmlformats.org/presentationml/2006/main">
   <p:tag name="OUTPUTDPI" val="1200"/>
-  <p:tag name="ORIGINALHEIGHT" val="137.4612"/>
-  <p:tag name="ORIGINALWIDTH" val="719.3802"/>
-  <p:tag name="LATEXADDIN" val="\documentclass{article}&#10;\usepackage{amsmath}&#10;\usepackage{bm}&#10;\usepackage{amsthm}&#10;\theoremstyle{plain}&#10;\pagestyle{empty}&#10;\newtheorem*{mylem*}{Lemma}&#10;&#10;\begin{document}&#10;&#10;\begin{mylem*}[Block Matrix Inversion Lemma]&#10;\begin{align*}&#10;\bm{M} = \begin{pmatrix}&#10;\bm{A} &amp; \bm{B} \\&#10;\bm{C} &amp; \bm{D}&#10;\end{pmatrix}&#10;\quad \Longrightarrow \quad&#10;\bm{M}^{-1} = \begin{pmatrix}&#10;\bm{A}^{-1} + \bm{A}^{-1} \bm{B} \bm{S}^{-1} \bm{C} \bm{A}^{-1} &amp;&#10;-\bm{A}^{-1} \bm{B} \bm{S}^{-1} \\&#10;-\bm{S}^{-1} \bm{C} \bm{A}^{-1} &amp; \bm{S}^{-1}&#10;\end{pmatrix}&#10;\end{align*}&#10;where $\bm{S} = \bm{D} - \bm{C}\bm{A}^{-1}\bm{B}$.&#10;\end{mylem*}&#10;&#10;&#10;\end{document}"/>
-  <p:tag name="IGUANATEXSIZE" val="24"/>
-  <p:tag name="IGUANATEXCURSOR" val="313"/>
+  <p:tag name="ORIGINALHEIGHT" val="101.9872"/>
+  <p:tag name="ORIGINALWIDTH" val="322.4597"/>
+  <p:tag name="LATEXADDIN" val="\documentclass{article}&#10;\usepackage{amsmath}&#10;\pagestyle{empty}&#10;\begin{document}&#10;$v_i = 0$&#10;&#10;&#10;&#10;\end{document}"/>
+  <p:tag name="IGUANATEXSIZE" val="20"/>
+  <p:tag name="IGUANATEXCURSOR" val="89"/>
   <p:tag name="TRANSPARENCY" val="True"/>
   <p:tag name="FILENAME" val=""/>
   <p:tag name="LATEXENGINEID" val="0"/>
@@ -32172,11 +34113,11 @@
 <file path=ppt/tags/tag35.xml><?xml version="1.0" encoding="utf-8"?>
 <p:tagLst xmlns:a="http://schemas.openxmlformats.org/drawingml/2006/main" xmlns:r="http://schemas.openxmlformats.org/officeDocument/2006/relationships" xmlns:p="http://schemas.openxmlformats.org/presentationml/2006/main">
   <p:tag name="OUTPUTDPI" val="1200"/>
-  <p:tag name="ORIGINALHEIGHT" val="297.1779"/>
-  <p:tag name="ORIGINALWIDTH" val="720.6893"/>
-  <p:tag name="LATEXADDIN" val="\documentclass{article}&#10;\usepackage{amsmath}&#10;\usepackage{bm}&#10;\usepackage{amsthm}&#10;\theoremstyle{plain}&#10;\pagestyle{empty}&#10;\newtheorem*{mylem*}{Corollary}&#10;&#10;\begin{document}&#10;&#10;\begin{mylem*}&#10;\begin{align*}&#10;\hspace{-122pt}&#10;\begin{cases}&#10;\bm{M} &amp;= \begin{pmatrix}&#10;\bm{A} &amp; \bm{B} \\&#10;\bm{C} &amp; \bm{D}&#10;\end{pmatrix}&#10;\\ \quad \\&#10;\bm{M}^{-1} &amp;= \begin{pmatrix}&#10;\bm{P} &amp; \bm{Q} \\&#10;\bm{R} &amp; \bm{S}&#10;\end{pmatrix}&#10;\end{cases}&#10;\quad\Longrightarrow\quad&#10;\bm{A}^{-1} = \bm{P} - \bm{Q} \bm{S}^{-1} \bm{R}&#10;\end{align*}&#10;\end{mylem*}&#10;&#10;&#10;\end{document}"/>
-  <p:tag name="IGUANATEXSIZE" val="24"/>
-  <p:tag name="IGUANATEXCURSOR" val="496"/>
+  <p:tag name="ORIGINALHEIGHT" val="119.985"/>
+  <p:tag name="ORIGINALWIDTH" val="328.459"/>
+  <p:tag name="LATEXADDIN" val="\documentclass{article}&#10;\usepackage{amsmath}&#10;\pagestyle{empty}&#10;\begin{document}&#10;$v_j = 1$&#10;&#10;&#10;&#10;\end{document}"/>
+  <p:tag name="IGUANATEXSIZE" val="20"/>
+  <p:tag name="IGUANATEXCURSOR" val="88"/>
   <p:tag name="TRANSPARENCY" val="True"/>
   <p:tag name="FILENAME" val=""/>
   <p:tag name="LATEXENGINEID" val="0"/>
@@ -32190,30 +34131,69 @@
 
 <file path=ppt/tags/tag36.xml><?xml version="1.0" encoding="utf-8"?>
 <p:tagLst xmlns:a="http://schemas.openxmlformats.org/drawingml/2006/main" xmlns:r="http://schemas.openxmlformats.org/officeDocument/2006/relationships" xmlns:p="http://schemas.openxmlformats.org/presentationml/2006/main">
-  <p:tag name="TIMING" val="|14.6"/>
+  <p:tag name="OUTPUTDPI" val="1200"/>
+  <p:tag name="ORIGINALHEIGHT" val="207.724"/>
+  <p:tag name="ORIGINALWIDTH" val="1307.837"/>
+  <p:tag name="LATEXADDIN" val="\documentclass{article}&#10;\usepackage{amsmath}&#10;\pagestyle{empty}&#10;\begin{document}&#10;&#10;$\forall k\neq i, j$, $v_k = \sum\limits_l p_{kl} \cdot v_l$&#10;&#10;&#10;\end{document}"/>
+  <p:tag name="IGUANATEXSIZE" val="20"/>
+  <p:tag name="IGUANATEXCURSOR" val="141"/>
+  <p:tag name="TRANSPARENCY" val="True"/>
+  <p:tag name="FILENAME" val=""/>
+  <p:tag name="LATEXENGINEID" val="0"/>
+  <p:tag name="TEMPFOLDER" val="c:\temp\"/>
+  <p:tag name="LATEXFORMHEIGHT" val="312"/>
+  <p:tag name="LATEXFORMWIDTH" val="384"/>
+  <p:tag name="LATEXFORMWRAP" val="True"/>
+  <p:tag name="BITMAPVECTOR" val="0"/>
 </p:tagLst>
 </file>
 
 <file path=ppt/tags/tag37.xml><?xml version="1.0" encoding="utf-8"?>
 <p:tagLst xmlns:a="http://schemas.openxmlformats.org/drawingml/2006/main" xmlns:r="http://schemas.openxmlformats.org/officeDocument/2006/relationships" xmlns:p="http://schemas.openxmlformats.org/presentationml/2006/main">
-  <p:tag name="TIMING" val="|14.6"/>
+  <p:tag name="OUTPUTDPI" val="1200"/>
+  <p:tag name="ORIGINALHEIGHT" val="469.4413"/>
+  <p:tag name="ORIGINALWIDTH" val="1480.315"/>
+  <p:tag name="LATEXADDIN" val="\documentclass{article}&#10;\usepackage{amsmath}&#10;\usepackage{bm}&#10;\pagestyle{empty}&#10;\begin{document}&#10;&#10;$\bm{P} = \begin{pmatrix}&#10;\hat{\bm{P}} &amp; \bm{c}_i &amp; \bm{c}_j \\&#10;\bm{r}_i^\top &amp; 0 &amp; p(i,j) \\&#10;\bm{r}_j^\top &amp; p(j,i) &amp; 0&#10;\end{pmatrix}$&#10;&#10;&#10;\end{document}"/>
+  <p:tag name="IGUANATEXSIZE" val="20"/>
+  <p:tag name="IGUANATEXCURSOR" val="60"/>
+  <p:tag name="TRANSPARENCY" val="True"/>
+  <p:tag name="FILENAME" val=""/>
+  <p:tag name="LATEXENGINEID" val="0"/>
+  <p:tag name="TEMPFOLDER" val="c:\temp\"/>
+  <p:tag name="LATEXFORMHEIGHT" val="312"/>
+  <p:tag name="LATEXFORMWIDTH" val="384"/>
+  <p:tag name="LATEXFORMWRAP" val="True"/>
+  <p:tag name="BITMAPVECTOR" val="0"/>
 </p:tagLst>
 </file>
 
 <file path=ppt/tags/tag38.xml><?xml version="1.0" encoding="utf-8"?>
 <p:tagLst xmlns:a="http://schemas.openxmlformats.org/drawingml/2006/main" xmlns:r="http://schemas.openxmlformats.org/officeDocument/2006/relationships" xmlns:p="http://schemas.openxmlformats.org/presentationml/2006/main">
-  <p:tag name="TIMING" val="|34.9"/>
+  <p:tag name="OUTPUTDPI" val="1200"/>
+  <p:tag name="ORIGINALHEIGHT" val="179.9775"/>
+  <p:tag name="ORIGINALWIDTH" val="871.3911"/>
+  <p:tag name="LATEXADDIN" val="\documentclass{article}&#10;\usepackage{amsmath}&#10;\usepackage{bm}&#10;\pagestyle{empty}&#10;\begin{document}&#10;&#10;$\bm{v} = \begin{pmatrix} \hat{\bm{v}} &amp; 0 &amp; 1 \end{pmatrix}^\top$&#10;&#10;&#10;\end{document}"/>
+  <p:tag name="IGUANATEXSIZE" val="20"/>
+  <p:tag name="IGUANATEXCURSOR" val="60"/>
+  <p:tag name="TRANSPARENCY" val="True"/>
+  <p:tag name="FILENAME" val=""/>
+  <p:tag name="LATEXENGINEID" val="0"/>
+  <p:tag name="TEMPFOLDER" val="c:\temp\"/>
+  <p:tag name="LATEXFORMHEIGHT" val="312"/>
+  <p:tag name="LATEXFORMWIDTH" val="384"/>
+  <p:tag name="LATEXFORMWRAP" val="True"/>
+  <p:tag name="BITMAPVECTOR" val="0"/>
 </p:tagLst>
 </file>
 
 <file path=ppt/tags/tag39.xml><?xml version="1.0" encoding="utf-8"?>
 <p:tagLst xmlns:a="http://schemas.openxmlformats.org/drawingml/2006/main" xmlns:r="http://schemas.openxmlformats.org/officeDocument/2006/relationships" xmlns:p="http://schemas.openxmlformats.org/presentationml/2006/main">
   <p:tag name="OUTPUTDPI" val="1200"/>
-  <p:tag name="ORIGINALHEIGHT" val="123.7346"/>
-  <p:tag name="ORIGINALWIDTH" val="1169.104"/>
-  <p:tag name="LATEXADDIN" val="\documentclass{article}&#10;\usepackage{amsmath}&#10;\pagestyle{empty}&#10;\begin{document}&#10;&#10;$\mathrm{ep}(i \rightarrow j) + \mathrm{ep}(j \rightarrow i)$&#10;&#10;&#10;\end{document}"/>
-  <p:tag name="IGUANATEXSIZE" val="24"/>
-  <p:tag name="IGUANATEXCURSOR" val="140"/>
+  <p:tag name="ORIGINALHEIGHT" val="155.2306"/>
+  <p:tag name="ORIGINALWIDTH" val="1880.765"/>
+  <p:tag name="LATEXADDIN" val="\documentclass{article}&#10;\usepackage{amsmath}&#10;\usepackage{bm}&#10;\pagestyle{empty}&#10;\begin{document}&#10;&#10;&#10;$\hat{\bm{v}} = \hat{\bm{P}} \hat{\bm{v}} + \bm{r}_j \ \Rightarrow\ \hat{\bm{v}} = (\bm{I} - \hat{\bm{P}})^{-1} \bm{r}_j$&#10;&#10;\end{document}"/>
+  <p:tag name="IGUANATEXSIZE" val="20"/>
+  <p:tag name="IGUANATEXCURSOR" val="60"/>
   <p:tag name="TRANSPARENCY" val="True"/>
   <p:tag name="FILENAME" val=""/>
   <p:tag name="LATEXENGINEID" val="0"/>
@@ -32234,11 +34214,11 @@
 <file path=ppt/tags/tag40.xml><?xml version="1.0" encoding="utf-8"?>
 <p:tagLst xmlns:a="http://schemas.openxmlformats.org/drawingml/2006/main" xmlns:r="http://schemas.openxmlformats.org/officeDocument/2006/relationships" xmlns:p="http://schemas.openxmlformats.org/presentationml/2006/main">
   <p:tag name="OUTPUTDPI" val="1200"/>
-  <p:tag name="ORIGINALHEIGHT" val="123.7346"/>
-  <p:tag name="ORIGINALWIDTH" val="1169.104"/>
-  <p:tag name="LATEXADDIN" val="\documentclass{article}&#10;\usepackage{amsmath}&#10;\pagestyle{empty}&#10;\begin{document}&#10;&#10;$\mathrm{ep}(i \rightarrow j) + \mathrm{ep}(j \rightarrow i)$&#10;&#10;&#10;\end{document}"/>
-  <p:tag name="IGUANATEXSIZE" val="24"/>
-  <p:tag name="IGUANATEXCURSOR" val="140"/>
+  <p:tag name="ORIGINALHEIGHT" val="231.721"/>
+  <p:tag name="ORIGINALWIDTH" val="2659.917"/>
+  <p:tag name="LATEXADDIN" val="\documentclass{article}&#10;\usepackage{amsmath}&#10;\usepackage{bm}&#10;\pagestyle{empty}&#10;\begin{document}&#10;&#10;$\mathrm{ep}(i\rightarrow j) = \sum\limits_k p_{ik} \cdot v_k = \bm{r}_i^\top (\bm{I} - \hat{\bm{P}})^{-1} \bm{c}_j + p(i,j)$&#10;&#10;&#10;\end{document}"/>
+  <p:tag name="IGUANATEXSIZE" val="20"/>
+  <p:tag name="IGUANATEXCURSOR" val="60"/>
   <p:tag name="TRANSPARENCY" val="True"/>
   <p:tag name="FILENAME" val=""/>
   <p:tag name="LATEXENGINEID" val="0"/>
@@ -32251,6 +34231,252 @@
 </file>
 
 <file path=ppt/tags/tag41.xml><?xml version="1.0" encoding="utf-8"?>
+<p:tagLst xmlns:a="http://schemas.openxmlformats.org/drawingml/2006/main" xmlns:r="http://schemas.openxmlformats.org/officeDocument/2006/relationships" xmlns:p="http://schemas.openxmlformats.org/presentationml/2006/main">
+  <p:tag name="OUTPUTDPI" val="1200"/>
+  <p:tag name="ORIGINALHEIGHT" val="137.9828"/>
+  <p:tag name="ORIGINALWIDTH" val="2928.384"/>
+  <p:tag name="LATEXADDIN" val="\documentclass{article}&#10;\usepackage{amsmath}&#10;\usepackage{amssymb}&#10;\pagestyle{empty}&#10;\begin{document}&#10;&#10;$v_k \triangleq $ Pr[A random walk starting at $k$ visits $j$ before $i$]&#10;&#10;&#10;\end{document}"/>
+  <p:tag name="IGUANATEXSIZE" val="20"/>
+  <p:tag name="IGUANATEXCURSOR" val="65"/>
+  <p:tag name="TRANSPARENCY" val="True"/>
+  <p:tag name="FILENAME" val=""/>
+  <p:tag name="LATEXENGINEID" val="0"/>
+  <p:tag name="TEMPFOLDER" val="c:\temp\"/>
+  <p:tag name="LATEXFORMHEIGHT" val="312"/>
+  <p:tag name="LATEXFORMWIDTH" val="384"/>
+  <p:tag name="LATEXFORMWRAP" val="True"/>
+  <p:tag name="BITMAPVECTOR" val="0"/>
+</p:tagLst>
+</file>
+
+<file path=ppt/tags/tag42.xml><?xml version="1.0" encoding="utf-8"?>
+<p:tagLst xmlns:a="http://schemas.openxmlformats.org/drawingml/2006/main" xmlns:r="http://schemas.openxmlformats.org/officeDocument/2006/relationships" xmlns:p="http://schemas.openxmlformats.org/presentationml/2006/main">
+  <p:tag name="OUTPUTDPI" val="1200"/>
+  <p:tag name="ORIGINALHEIGHT" val="123.7346"/>
+  <p:tag name="ORIGINALWIDTH" val="500.9374"/>
+  <p:tag name="LATEXADDIN" val="\documentclass{article}&#10;\usepackage{amsmath}&#10;\pagestyle{empty}&#10;\begin{document}&#10;&#10;$\mathrm{ep}(i \rightarrow j)$&#10;&#10;&#10;\end{document}"/>
+  <p:tag name="IGUANATEXSIZE" val="18"/>
+  <p:tag name="IGUANATEXCURSOR" val="86"/>
+  <p:tag name="TRANSPARENCY" val="True"/>
+  <p:tag name="FILENAME" val=""/>
+  <p:tag name="LATEXENGINEID" val="0"/>
+  <p:tag name="TEMPFOLDER" val="c:\temp\"/>
+  <p:tag name="LATEXFORMHEIGHT" val="312"/>
+  <p:tag name="LATEXFORMWIDTH" val="384"/>
+  <p:tag name="LATEXFORMWRAP" val="True"/>
+  <p:tag name="BITMAPVECTOR" val="0"/>
+</p:tagLst>
+</file>
+
+<file path=ppt/tags/tag43.xml><?xml version="1.0" encoding="utf-8"?>
+<p:tagLst xmlns:a="http://schemas.openxmlformats.org/drawingml/2006/main" xmlns:r="http://schemas.openxmlformats.org/officeDocument/2006/relationships" xmlns:p="http://schemas.openxmlformats.org/presentationml/2006/main">
+  <p:tag name="OUTPUTDPI" val="1200"/>
+  <p:tag name="ORIGINALHEIGHT" val="134.2332"/>
+  <p:tag name="ORIGINALWIDTH" val="305.2118"/>
+  <p:tag name="LATEXADDIN" val="\documentclass{article}&#10;\usepackage{amsmath}&#10;\pagestyle{empty}&#10;\begin{document}&#10;&#10;$\Theta(n^2)$&#10;&#10;&#10;\end{document}"/>
+  <p:tag name="IGUANATEXSIZE" val="18"/>
+  <p:tag name="IGUANATEXCURSOR" val="94"/>
+  <p:tag name="TRANSPARENCY" val="True"/>
+  <p:tag name="FILENAME" val=""/>
+  <p:tag name="LATEXENGINEID" val="0"/>
+  <p:tag name="TEMPFOLDER" val="c:\temp\"/>
+  <p:tag name="LATEXFORMHEIGHT" val="312"/>
+  <p:tag name="LATEXFORMWIDTH" val="384"/>
+  <p:tag name="LATEXFORMWRAP" val="True"/>
+  <p:tag name="BITMAPVECTOR" val="0"/>
+</p:tagLst>
+</file>
+
+<file path=ppt/tags/tag44.xml><?xml version="1.0" encoding="utf-8"?>
+<p:tagLst xmlns:a="http://schemas.openxmlformats.org/drawingml/2006/main" xmlns:r="http://schemas.openxmlformats.org/officeDocument/2006/relationships" xmlns:p="http://schemas.openxmlformats.org/presentationml/2006/main">
+  <p:tag name="TIMING" val="|14.6"/>
+</p:tagLst>
+</file>
+
+<file path=ppt/tags/tag45.xml><?xml version="1.0" encoding="utf-8"?>
+<p:tagLst xmlns:a="http://schemas.openxmlformats.org/drawingml/2006/main" xmlns:r="http://schemas.openxmlformats.org/officeDocument/2006/relationships" xmlns:p="http://schemas.openxmlformats.org/presentationml/2006/main">
+  <p:tag name="OUTPUTDPI" val="1200"/>
+  <p:tag name="ORIGINALHEIGHT" val="127.3152"/>
+  <p:tag name="ORIGINALWIDTH" val="719.3802"/>
+  <p:tag name="LATEXADDIN" val="\documentclass{article}&#10;\usepackage{amsmath}&#10;\pagestyle{empty}&#10;\usepackage{amssymb}&#10;\usepackage{amsthm}&#10;\usepackage{bm}&#10;&#10;\newtheorem*{mythm*}{Theorem}&#10;\newtheorem*{mylem*}{Lemma}&#10;\newtheorem*{mycor*}{Corollary}&#10;&#10;\begin{document}&#10;&#10;\begin{mythm*}&#10;Let&#10;$&#10;\bm{Q} = \left[ q(i,j) \right] \triangleq (\bm{I} - c\bm{P})^{-1}.&#10;$&#10;$\forall i\neq j$, there is&#10;\[&#10;\mathrm{ep}(i\rightarrow j) = \frac{q(i,j)}{q(i,i)q(j,j) - q(i,j)q(j,i)}.&#10;\]&#10;\end{mythm*}&#10;&#10;&#10;\end{document}"/>
+  <p:tag name="IGUANATEXSIZE" val="20"/>
+  <p:tag name="IGUANATEXCURSOR" val="319"/>
+  <p:tag name="TRANSPARENCY" val="True"/>
+  <p:tag name="FILENAME" val=""/>
+  <p:tag name="LATEXENGINEID" val="0"/>
+  <p:tag name="TEMPFOLDER" val="c:\temp\"/>
+  <p:tag name="LATEXFORMHEIGHT" val="312"/>
+  <p:tag name="LATEXFORMWIDTH" val="384"/>
+  <p:tag name="LATEXFORMWRAP" val="True"/>
+  <p:tag name="BITMAPVECTOR" val="0"/>
+</p:tagLst>
+</file>
+
+<file path=ppt/tags/tag46.xml><?xml version="1.0" encoding="utf-8"?>
+<p:tagLst xmlns:a="http://schemas.openxmlformats.org/drawingml/2006/main" xmlns:r="http://schemas.openxmlformats.org/officeDocument/2006/relationships" xmlns:p="http://schemas.openxmlformats.org/presentationml/2006/main">
+  <p:tag name="OUTPUTDPI" val="1200"/>
+  <p:tag name="ORIGINALHEIGHT" val="133.4833"/>
+  <p:tag name="ORIGINALWIDTH" val="873.6408"/>
+  <p:tag name="LATEXADDIN" val="\documentclass{article}&#10;\usepackage{amsmath}&#10;\pagestyle{empty}&#10;\usepackage{bm}&#10;\begin{document}&#10;&#10;$\bm{Q} = (\bm{I} - c\bm{P})^{-1}$&#10;&#10;&#10;\end{document}"/>
+  <p:tag name="IGUANATEXSIZE" val="20"/>
+  <p:tag name="IGUANATEXCURSOR" val="78"/>
+  <p:tag name="TRANSPARENCY" val="True"/>
+  <p:tag name="FILENAME" val=""/>
+  <p:tag name="LATEXENGINEID" val="0"/>
+  <p:tag name="TEMPFOLDER" val="c:\temp\"/>
+  <p:tag name="LATEXFORMHEIGHT" val="312"/>
+  <p:tag name="LATEXFORMWIDTH" val="384"/>
+  <p:tag name="LATEXFORMWRAP" val="True"/>
+  <p:tag name="BITMAPVECTOR" val="0"/>
+</p:tagLst>
+</file>
+
+<file path=ppt/tags/tag47.xml><?xml version="1.0" encoding="utf-8"?>
+<p:tagLst xmlns:a="http://schemas.openxmlformats.org/drawingml/2006/main" xmlns:r="http://schemas.openxmlformats.org/officeDocument/2006/relationships" xmlns:p="http://schemas.openxmlformats.org/presentationml/2006/main">
+  <p:tag name="OUTPUTDPI" val="1200"/>
+  <p:tag name="ORIGINALHEIGHT" val="191.2261"/>
+  <p:tag name="ORIGINALWIDTH" val="1706.037"/>
+  <p:tag name="LATEXADDIN" val="\documentclass{article}&#10;\usepackage{amsmath}&#10;\pagestyle{empty}&#10;\begin{document}&#10;&#10;$\mathrm{Prox}(i,j) = \frac{q(i,j)}{q(i,i)q(j,j) - q(i,j)q(j,i)}$&#10;&#10;&#10;\end{document}"/>
+  <p:tag name="IGUANATEXSIZE" val="20"/>
+  <p:tag name="IGUANATEXCURSOR" val="44"/>
+  <p:tag name="TRANSPARENCY" val="True"/>
+  <p:tag name="FILENAME" val=""/>
+  <p:tag name="LATEXENGINEID" val="0"/>
+  <p:tag name="TEMPFOLDER" val="c:\temp\"/>
+  <p:tag name="LATEXFORMHEIGHT" val="312"/>
+  <p:tag name="LATEXFORMWIDTH" val="384"/>
+  <p:tag name="LATEXFORMWRAP" val="True"/>
+  <p:tag name="BITMAPVECTOR" val="0"/>
+</p:tagLst>
+</file>
+
+<file path=ppt/tags/tag48.xml><?xml version="1.0" encoding="utf-8"?>
+<p:tagLst xmlns:a="http://schemas.openxmlformats.org/drawingml/2006/main" xmlns:r="http://schemas.openxmlformats.org/officeDocument/2006/relationships" xmlns:p="http://schemas.openxmlformats.org/presentationml/2006/main">
+  <p:tag name="OUTPUTDPI" val="1200"/>
+  <p:tag name="ORIGINALHEIGHT" val="134.2332"/>
+  <p:tag name="ORIGINALWIDTH" val="1641.545"/>
+  <p:tag name="LATEXADDIN" val="\documentclass{article}&#10;\usepackage{amsmath}&#10;\pagestyle{empty}&#10;\begin{document}&#10;&#10;$\Theta(\mathrm{1\ matrix\ inversion}) + \Theta(n^2)$&#10;&#10;&#10;\end{document}"/>
+  <p:tag name="IGUANATEXSIZE" val="24"/>
+  <p:tag name="IGUANATEXCURSOR" val="134"/>
+  <p:tag name="TRANSPARENCY" val="True"/>
+  <p:tag name="FILENAME" val=""/>
+  <p:tag name="LATEXENGINEID" val="0"/>
+  <p:tag name="TEMPFOLDER" val="c:\temp\"/>
+  <p:tag name="LATEXFORMHEIGHT" val="312"/>
+  <p:tag name="LATEXFORMWIDTH" val="384"/>
+  <p:tag name="LATEXFORMWRAP" val="True"/>
+  <p:tag name="BITMAPVECTOR" val="0"/>
+</p:tagLst>
+</file>
+
+<file path=ppt/tags/tag49.xml><?xml version="1.0" encoding="utf-8"?>
+<p:tagLst xmlns:a="http://schemas.openxmlformats.org/drawingml/2006/main" xmlns:r="http://schemas.openxmlformats.org/officeDocument/2006/relationships" xmlns:p="http://schemas.openxmlformats.org/presentationml/2006/main">
+  <p:tag name="TIMING" val="|14.6"/>
+</p:tagLst>
+</file>
+
+<file path=ppt/tags/tag5.xml><?xml version="1.0" encoding="utf-8"?>
+<p:tagLst xmlns:a="http://schemas.openxmlformats.org/drawingml/2006/main" xmlns:r="http://schemas.openxmlformats.org/officeDocument/2006/relationships" xmlns:p="http://schemas.openxmlformats.org/presentationml/2006/main">
+  <p:tag name="OUTPUTDPI" val="1200"/>
+  <p:tag name="ORIGINALHEIGHT" val="225.7218"/>
+  <p:tag name="ORIGINALWIDTH" val="1221.597"/>
+  <p:tag name="LATEXADDIN" val="\documentclass{article}&#10;\usepackage{amsmath}&#10;\usepackage{bm}&#10;\pagestyle{empty}&#10;\begin{document}&#10;&#10;\[&#10;\bm{v} = (1-\alpha) \bm{P}^\top \bm{v}  + \frac{\alpha}{n} \bm{1}&#10;\]&#10;&#10;&#10;\end{document}"/>
+  <p:tag name="IGUANATEXSIZE" val="24"/>
+  <p:tag name="IGUANATEXCURSOR" val="119"/>
+  <p:tag name="TRANSPARENCY" val="True"/>
+  <p:tag name="FILENAME" val=""/>
+  <p:tag name="LATEXENGINEID" val="0"/>
+  <p:tag name="TEMPFOLDER" val="c:\temp\"/>
+  <p:tag name="LATEXFORMHEIGHT" val="312"/>
+  <p:tag name="LATEXFORMWIDTH" val="384"/>
+  <p:tag name="LATEXFORMWRAP" val="True"/>
+  <p:tag name="BITMAPVECTOR" val="0"/>
+</p:tagLst>
+</file>
+
+<file path=ppt/tags/tag50.xml><?xml version="1.0" encoding="utf-8"?>
+<p:tagLst xmlns:a="http://schemas.openxmlformats.org/drawingml/2006/main" xmlns:r="http://schemas.openxmlformats.org/officeDocument/2006/relationships" xmlns:p="http://schemas.openxmlformats.org/presentationml/2006/main">
+  <p:tag name="OUTPUTDPI" val="1200"/>
+  <p:tag name="ORIGINALHEIGHT" val="127.3152"/>
+  <p:tag name="ORIGINALWIDTH" val="719.3802"/>
+  <p:tag name="LATEXADDIN" val="\documentclass{article}&#10;\usepackage{amsmath}&#10;\pagestyle{empty}&#10;\usepackage{amssymb}&#10;\usepackage{amsthm}&#10;\usepackage{bm}&#10;&#10;\newtheorem*{mythm*}{Theorem}&#10;\newtheorem*{mylem*}{Lemma}&#10;\newtheorem*{mycor*}{Corollary}&#10;&#10;\begin{document}&#10;&#10;\begin{mythm*}&#10;Let&#10;$&#10;\bm{Q} = \left[ q(i,j) \right] \triangleq (\bm{I} - c\bm{P})^{-1}.&#10;$&#10;$\forall i\neq j$, there is&#10;\[&#10;\mathrm{ep}(i\rightarrow j) = \frac{q(i,j)}{q(i,i)q(j,j) - q(i,j)q(j,i)}.&#10;\]&#10;\end{mythm*}&#10;&#10;&#10;\end{document}"/>
+  <p:tag name="IGUANATEXSIZE" val="20"/>
+  <p:tag name="IGUANATEXCURSOR" val="319"/>
+  <p:tag name="TRANSPARENCY" val="True"/>
+  <p:tag name="FILENAME" val=""/>
+  <p:tag name="LATEXENGINEID" val="0"/>
+  <p:tag name="TEMPFOLDER" val="c:\temp\"/>
+  <p:tag name="LATEXFORMHEIGHT" val="312"/>
+  <p:tag name="LATEXFORMWIDTH" val="384"/>
+  <p:tag name="LATEXFORMWRAP" val="True"/>
+  <p:tag name="BITMAPVECTOR" val="0"/>
+</p:tagLst>
+</file>
+
+<file path=ppt/tags/tag51.xml><?xml version="1.0" encoding="utf-8"?>
+<p:tagLst xmlns:a="http://schemas.openxmlformats.org/drawingml/2006/main" xmlns:r="http://schemas.openxmlformats.org/officeDocument/2006/relationships" xmlns:p="http://schemas.openxmlformats.org/presentationml/2006/main">
+  <p:tag name="OUTPUTDPI" val="1200"/>
+  <p:tag name="ORIGINALHEIGHT" val="140.9824"/>
+  <p:tag name="ORIGINALWIDTH" val="1918.26"/>
+  <p:tag name="LATEXADDIN" val="\documentclass{article}&#10;\usepackage{amsmath}&#10;\usepackage{bm}&#10;\pagestyle{empty}&#10;\begin{document}&#10;&#10;\[(\bm{I} - c\bm{P})^{-1} = \bm{I} + c\bm{P} + (c\bm{P})^2 + \cdots\]&#10;&#10;&#10;\end{document}"/>
+  <p:tag name="IGUANATEXSIZE" val="20"/>
+  <p:tag name="IGUANATEXCURSOR" val="60"/>
+  <p:tag name="TRANSPARENCY" val="True"/>
+  <p:tag name="FILENAME" val=""/>
+  <p:tag name="LATEXENGINEID" val="0"/>
+  <p:tag name="TEMPFOLDER" val="c:\temp\"/>
+  <p:tag name="LATEXFORMHEIGHT" val="312"/>
+  <p:tag name="LATEXFORMWIDTH" val="384"/>
+  <p:tag name="LATEXFORMWRAP" val="True"/>
+  <p:tag name="BITMAPVECTOR" val="0"/>
+</p:tagLst>
+</file>
+
+<file path=ppt/tags/tag52.xml><?xml version="1.0" encoding="utf-8"?>
+<p:tagLst xmlns:a="http://schemas.openxmlformats.org/drawingml/2006/main" xmlns:r="http://schemas.openxmlformats.org/officeDocument/2006/relationships" xmlns:p="http://schemas.openxmlformats.org/presentationml/2006/main">
+  <p:tag name="OUTPUTDPI" val="1200"/>
+  <p:tag name="ORIGINALHEIGHT" val="140.9824"/>
+  <p:tag name="ORIGINALWIDTH" val="2676.416"/>
+  <p:tag name="LATEXADDIN" val="\documentclass{article}&#10;\usepackage{amsmath}&#10;\pagestyle{empty}&#10;\usepackage{bm}&#10;\begin{document}&#10;&#10;\begin{align*}&#10;\bm{Q}\bm{e}_i &amp;= (\bm{I} - c\bm{P})^{-1} \bm{e}_i = \bm{e}_i + c\bm{P} \bm{e}_i + (c\bm{P})^2 \bm{e}_i + \cdots&#10;\end{align*}&#10;&#10;&#10;\end{document}"/>
+  <p:tag name="IGUANATEXSIZE" val="20"/>
+  <p:tag name="IGUANATEXCURSOR" val="78"/>
+  <p:tag name="TRANSPARENCY" val="True"/>
+  <p:tag name="FILENAME" val=""/>
+  <p:tag name="LATEXENGINEID" val="0"/>
+  <p:tag name="TEMPFOLDER" val="c:\temp\"/>
+  <p:tag name="LATEXFORMHEIGHT" val="312"/>
+  <p:tag name="LATEXFORMWIDTH" val="384"/>
+  <p:tag name="LATEXFORMWRAP" val="True"/>
+  <p:tag name="BITMAPVECTOR" val="0"/>
+</p:tagLst>
+</file>
+
+<file path=ppt/tags/tag53.xml><?xml version="1.0" encoding="utf-8"?>
+<p:tagLst xmlns:a="http://schemas.openxmlformats.org/drawingml/2006/main" xmlns:r="http://schemas.openxmlformats.org/officeDocument/2006/relationships" xmlns:p="http://schemas.openxmlformats.org/presentationml/2006/main">
+  <p:tag name="OUTPUTDPI" val="1200"/>
+  <p:tag name="ORIGINALHEIGHT" val="123.7346"/>
+  <p:tag name="ORIGINALWIDTH" val="674.1658"/>
+  <p:tag name="LATEXADDIN" val="\documentclass{article}&#10;\usepackage{amsmath}&#10;\pagestyle{empty}&#10;\begin{document}&#10;&#10;$\Theta\left(t(n + m)\right)$&#10;&#10;&#10;\end{document}"/>
+  <p:tag name="IGUANATEXSIZE" val="18"/>
+  <p:tag name="IGUANATEXCURSOR" val="23"/>
+  <p:tag name="TRANSPARENCY" val="True"/>
+  <p:tag name="FILENAME" val=""/>
+  <p:tag name="LATEXENGINEID" val="0"/>
+  <p:tag name="TEMPFOLDER" val="c:\temp\"/>
+  <p:tag name="LATEXFORMHEIGHT" val="312"/>
+  <p:tag name="LATEXFORMWIDTH" val="384"/>
+  <p:tag name="LATEXFORMWRAP" val="True"/>
+  <p:tag name="BITMAPVECTOR" val="0"/>
+</p:tagLst>
+</file>
+
+<file path=ppt/tags/tag54.xml><?xml version="1.0" encoding="utf-8"?>
+<p:tagLst xmlns:a="http://schemas.openxmlformats.org/drawingml/2006/main" xmlns:r="http://schemas.openxmlformats.org/officeDocument/2006/relationships" xmlns:p="http://schemas.openxmlformats.org/presentationml/2006/main">
+  <p:tag name="TIMING" val="|34.9"/>
+</p:tagLst>
+</file>
+
+<file path=ppt/tags/tag55.xml><?xml version="1.0" encoding="utf-8"?>
 <p:tagLst xmlns:a="http://schemas.openxmlformats.org/drawingml/2006/main" xmlns:r="http://schemas.openxmlformats.org/officeDocument/2006/relationships" xmlns:p="http://schemas.openxmlformats.org/presentationml/2006/main">
   <p:tag name="OUTPUTDPI" val="1200"/>
   <p:tag name="ORIGINALHEIGHT" val="123.7346"/>
@@ -32269,20 +34495,14 @@
 </p:tagLst>
 </file>
 
-<file path=ppt/tags/tag42.xml><?xml version="1.0" encoding="utf-8"?>
-<p:tagLst xmlns:a="http://schemas.openxmlformats.org/drawingml/2006/main" xmlns:r="http://schemas.openxmlformats.org/officeDocument/2006/relationships" xmlns:p="http://schemas.openxmlformats.org/presentationml/2006/main">
-  <p:tag name="TIMING" val="|36.8|20.5"/>
-</p:tagLst>
-</file>
-
-<file path=ppt/tags/tag43.xml><?xml version="1.0" encoding="utf-8"?>
+<file path=ppt/tags/tag56.xml><?xml version="1.0" encoding="utf-8"?>
 <p:tagLst xmlns:a="http://schemas.openxmlformats.org/drawingml/2006/main" xmlns:r="http://schemas.openxmlformats.org/officeDocument/2006/relationships" xmlns:p="http://schemas.openxmlformats.org/presentationml/2006/main">
   <p:tag name="OUTPUTDPI" val="1200"/>
   <p:tag name="ORIGINALHEIGHT" val="123.7346"/>
-  <p:tag name="ORIGINALWIDTH" val="500.9374"/>
-  <p:tag name="LATEXADDIN" val="\documentclass{article}&#10;\usepackage{amsmath}&#10;\pagestyle{empty}&#10;\begin{document}&#10;&#10;$\mathrm{ep}(i \rightarrow j)$&#10;&#10;&#10;\end{document}"/>
+  <p:tag name="ORIGINALWIDTH" val="1169.104"/>
+  <p:tag name="LATEXADDIN" val="\documentclass{article}&#10;\usepackage{amsmath}&#10;\pagestyle{empty}&#10;\begin{document}&#10;&#10;$\mathrm{ep}(i \rightarrow j) + \mathrm{ep}(j \rightarrow i)$&#10;&#10;&#10;\end{document}"/>
   <p:tag name="IGUANATEXSIZE" val="24"/>
-  <p:tag name="IGUANATEXCURSOR" val="111"/>
+  <p:tag name="IGUANATEXCURSOR" val="140"/>
   <p:tag name="TRANSPARENCY" val="True"/>
   <p:tag name="FILENAME" val=""/>
   <p:tag name="LATEXENGINEID" val="0"/>
@@ -32294,14 +34514,14 @@
 </p:tagLst>
 </file>
 
-<file path=ppt/tags/tag44.xml><?xml version="1.0" encoding="utf-8"?>
+<file path=ppt/tags/tag57.xml><?xml version="1.0" encoding="utf-8"?>
 <p:tagLst xmlns:a="http://schemas.openxmlformats.org/drawingml/2006/main" xmlns:r="http://schemas.openxmlformats.org/officeDocument/2006/relationships" xmlns:p="http://schemas.openxmlformats.org/presentationml/2006/main">
   <p:tag name="OUTPUTDPI" val="1200"/>
   <p:tag name="ORIGINALHEIGHT" val="123.7346"/>
-  <p:tag name="ORIGINALWIDTH" val="500.9374"/>
-  <p:tag name="LATEXADDIN" val="\documentclass{article}&#10;\usepackage{amsmath}&#10;\pagestyle{empty}&#10;\begin{document}&#10;&#10;$\mathrm{ep}(j \rightarrow i)$&#10;&#10;&#10;\end{document}"/>
+  <p:tag name="ORIGINALWIDTH" val="1169.104"/>
+  <p:tag name="LATEXADDIN" val="\documentclass{article}&#10;\usepackage{amsmath}&#10;\pagestyle{empty}&#10;\begin{document}&#10;&#10;$\mathrm{ep}(i \rightarrow j) + \mathrm{ep}(j \rightarrow i)$&#10;&#10;&#10;\end{document}"/>
   <p:tag name="IGUANATEXSIZE" val="24"/>
-  <p:tag name="IGUANATEXCURSOR" val="95"/>
+  <p:tag name="IGUANATEXCURSOR" val="140"/>
   <p:tag name="TRANSPARENCY" val="True"/>
   <p:tag name="FILENAME" val=""/>
   <p:tag name="LATEXENGINEID" val="0"/>
@@ -32313,32 +34533,20 @@
 </p:tagLst>
 </file>
 
-<file path=ppt/tags/tag45.xml><?xml version="1.0" encoding="utf-8"?>
+<file path=ppt/tags/tag58.xml><?xml version="1.0" encoding="utf-8"?>
 <p:tagLst xmlns:a="http://schemas.openxmlformats.org/drawingml/2006/main" xmlns:r="http://schemas.openxmlformats.org/officeDocument/2006/relationships" xmlns:p="http://schemas.openxmlformats.org/presentationml/2006/main">
-  <p:tag name="TIMING" val="|14.6"/>
+  <p:tag name="TIMING" val="|36.8|20.5"/>
 </p:tagLst>
 </file>
 
-<file path=ppt/tags/tag46.xml><?xml version="1.0" encoding="utf-8"?>
-<p:tagLst xmlns:a="http://schemas.openxmlformats.org/drawingml/2006/main" xmlns:r="http://schemas.openxmlformats.org/officeDocument/2006/relationships" xmlns:p="http://schemas.openxmlformats.org/presentationml/2006/main">
-  <p:tag name="TIMING" val="|14.6"/>
-</p:tagLst>
-</file>
-
-<file path=ppt/tags/tag47.xml><?xml version="1.0" encoding="utf-8"?>
-<p:tagLst xmlns:a="http://schemas.openxmlformats.org/drawingml/2006/main" xmlns:r="http://schemas.openxmlformats.org/officeDocument/2006/relationships" xmlns:p="http://schemas.openxmlformats.org/presentationml/2006/main">
-  <p:tag name="TIMING" val="|14.6"/>
-</p:tagLst>
-</file>
-
-<file path=ppt/tags/tag5.xml><?xml version="1.0" encoding="utf-8"?>
+<file path=ppt/tags/tag59.xml><?xml version="1.0" encoding="utf-8"?>
 <p:tagLst xmlns:a="http://schemas.openxmlformats.org/drawingml/2006/main" xmlns:r="http://schemas.openxmlformats.org/officeDocument/2006/relationships" xmlns:p="http://schemas.openxmlformats.org/presentationml/2006/main">
   <p:tag name="OUTPUTDPI" val="1200"/>
-  <p:tag name="ORIGINALHEIGHT" val="225.7218"/>
-  <p:tag name="ORIGINALWIDTH" val="1221.597"/>
-  <p:tag name="LATEXADDIN" val="\documentclass{article}&#10;\usepackage{amsmath}&#10;\usepackage{bm}&#10;\pagestyle{empty}&#10;\begin{document}&#10;&#10;\[&#10;\bm{v} = (1-\alpha) \bm{P}^\top \bm{v}  + \frac{\alpha}{n} \bm{1}&#10;\]&#10;&#10;&#10;\end{document}"/>
+  <p:tag name="ORIGINALHEIGHT" val="123.7346"/>
+  <p:tag name="ORIGINALWIDTH" val="500.9374"/>
+  <p:tag name="LATEXADDIN" val="\documentclass{article}&#10;\usepackage{amsmath}&#10;\pagestyle{empty}&#10;\begin{document}&#10;&#10;$\mathrm{ep}(i \rightarrow j)$&#10;&#10;&#10;\end{document}"/>
   <p:tag name="IGUANATEXSIZE" val="24"/>
-  <p:tag name="IGUANATEXCURSOR" val="119"/>
+  <p:tag name="IGUANATEXCURSOR" val="111"/>
   <p:tag name="TRANSPARENCY" val="True"/>
   <p:tag name="FILENAME" val=""/>
   <p:tag name="LATEXENGINEID" val="0"/>
@@ -32366,6 +34574,43 @@
   <p:tag name="LATEXFORMWIDTH" val="384"/>
   <p:tag name="LATEXFORMWRAP" val="True"/>
   <p:tag name="BITMAPVECTOR" val="0"/>
+</p:tagLst>
+</file>
+
+<file path=ppt/tags/tag60.xml><?xml version="1.0" encoding="utf-8"?>
+<p:tagLst xmlns:a="http://schemas.openxmlformats.org/drawingml/2006/main" xmlns:r="http://schemas.openxmlformats.org/officeDocument/2006/relationships" xmlns:p="http://schemas.openxmlformats.org/presentationml/2006/main">
+  <p:tag name="OUTPUTDPI" val="1200"/>
+  <p:tag name="ORIGINALHEIGHT" val="123.7346"/>
+  <p:tag name="ORIGINALWIDTH" val="500.9374"/>
+  <p:tag name="LATEXADDIN" val="\documentclass{article}&#10;\usepackage{amsmath}&#10;\pagestyle{empty}&#10;\begin{document}&#10;&#10;$\mathrm{ep}(j \rightarrow i)$&#10;&#10;&#10;\end{document}"/>
+  <p:tag name="IGUANATEXSIZE" val="24"/>
+  <p:tag name="IGUANATEXCURSOR" val="95"/>
+  <p:tag name="TRANSPARENCY" val="True"/>
+  <p:tag name="FILENAME" val=""/>
+  <p:tag name="LATEXENGINEID" val="0"/>
+  <p:tag name="TEMPFOLDER" val="c:\temp\"/>
+  <p:tag name="LATEXFORMHEIGHT" val="312"/>
+  <p:tag name="LATEXFORMWIDTH" val="384"/>
+  <p:tag name="LATEXFORMWRAP" val="True"/>
+  <p:tag name="BITMAPVECTOR" val="0"/>
+</p:tagLst>
+</file>
+
+<file path=ppt/tags/tag61.xml><?xml version="1.0" encoding="utf-8"?>
+<p:tagLst xmlns:a="http://schemas.openxmlformats.org/drawingml/2006/main" xmlns:r="http://schemas.openxmlformats.org/officeDocument/2006/relationships" xmlns:p="http://schemas.openxmlformats.org/presentationml/2006/main">
+  <p:tag name="TIMING" val="|14.6"/>
+</p:tagLst>
+</file>
+
+<file path=ppt/tags/tag62.xml><?xml version="1.0" encoding="utf-8"?>
+<p:tagLst xmlns:a="http://schemas.openxmlformats.org/drawingml/2006/main" xmlns:r="http://schemas.openxmlformats.org/officeDocument/2006/relationships" xmlns:p="http://schemas.openxmlformats.org/presentationml/2006/main">
+  <p:tag name="TIMING" val="|14.6"/>
+</p:tagLst>
+</file>
+
+<file path=ppt/tags/tag63.xml><?xml version="1.0" encoding="utf-8"?>
+<p:tagLst xmlns:a="http://schemas.openxmlformats.org/drawingml/2006/main" xmlns:r="http://schemas.openxmlformats.org/officeDocument/2006/relationships" xmlns:p="http://schemas.openxmlformats.org/presentationml/2006/main">
+  <p:tag name="TIMING" val="|14.6"/>
 </p:tagLst>
 </file>
 

--- a/Random Walk based Proximity Measures in Directed Graphs.pptx
+++ b/Random Walk based Proximity Measures in Directed Graphs.pptx
@@ -133,7 +133,7 @@
   </p:defaultTextStyle>
   <p:extLst>
     <p:ext uri="{EFAFB233-063F-42B5-8137-9DF3F51BA10A}">
-      <p15:sldGuideLst xmlns:p15="http://schemas.microsoft.com/office/powerpoint/2012/main" xmlns="">
+      <p15:sldGuideLst xmlns="" xmlns:p15="http://schemas.microsoft.com/office/powerpoint/2012/main">
         <p15:guide id="1" orient="horz" pos="2160">
           <p15:clr>
             <a:srgbClr val="A4A3A4"/>
@@ -7035,7 +7035,7 @@
           <a:graphicData uri="http://schemas.openxmlformats.org/presentationml/2006/ole">
             <mc:AlternateContent xmlns:mc="http://schemas.openxmlformats.org/markup-compatibility/2006">
               <mc:Choice xmlns:v="urn:schemas-microsoft-com:vml" Requires="v">
-                <p:oleObj spid="_x0000_s27342" name="Visio" r:id="rId9" imgW="5289194" imgH="1988515" progId="Visio.Drawing.11">
+                <p:oleObj spid="_x0000_s27686" name="Visio" r:id="rId9" imgW="5289194" imgH="1988515" progId="Visio.Drawing.11">
                   <p:embed/>
                 </p:oleObj>
               </mc:Choice>
@@ -7137,7 +7137,7 @@
           <a:graphicData uri="http://schemas.openxmlformats.org/presentationml/2006/ole">
             <mc:AlternateContent xmlns:mc="http://schemas.openxmlformats.org/markup-compatibility/2006">
               <mc:Choice xmlns:v="urn:schemas-microsoft-com:vml" Requires="v">
-                <p:oleObj spid="_x0000_s27343" name="Visio" r:id="rId11" imgW="5289194" imgH="2888590" progId="Visio.Drawing.11">
+                <p:oleObj spid="_x0000_s27687" name="Visio" r:id="rId11" imgW="5289194" imgH="2888590" progId="Visio.Drawing.11">
                   <p:embed/>
                 </p:oleObj>
               </mc:Choice>
@@ -7238,7 +7238,7 @@
           <a:graphicData uri="http://schemas.openxmlformats.org/presentationml/2006/ole">
             <mc:AlternateContent xmlns:mc="http://schemas.openxmlformats.org/markup-compatibility/2006">
               <mc:Choice xmlns:v="urn:schemas-microsoft-com:vml" Requires="v">
-                <p:oleObj spid="_x0000_s27344" name="Visio" r:id="rId13" imgW="5186172" imgH="754685" progId="Visio.Drawing.11">
+                <p:oleObj spid="_x0000_s27688" name="Visio" r:id="rId13" imgW="5186172" imgH="754685" progId="Visio.Drawing.11">
                   <p:embed/>
                 </p:oleObj>
               </mc:Choice>
@@ -7339,7 +7339,7 @@
           <a:graphicData uri="http://schemas.openxmlformats.org/presentationml/2006/ole">
             <mc:AlternateContent xmlns:mc="http://schemas.openxmlformats.org/markup-compatibility/2006">
               <mc:Choice xmlns:v="urn:schemas-microsoft-com:vml" Requires="v">
-                <p:oleObj spid="_x0000_s27345" name="Visio" r:id="rId15" imgW="5186172" imgH="1870558" progId="Visio.Drawing.11">
+                <p:oleObj spid="_x0000_s27689" name="Visio" r:id="rId15" imgW="5186172" imgH="1870558" progId="Visio.Drawing.11">
                   <p:embed/>
                 </p:oleObj>
               </mc:Choice>
@@ -8571,7 +8571,7 @@
           <a:graphicData uri="http://schemas.openxmlformats.org/presentationml/2006/ole">
             <mc:AlternateContent xmlns:mc="http://schemas.openxmlformats.org/markup-compatibility/2006">
               <mc:Choice xmlns:v="urn:schemas-microsoft-com:vml" Requires="v">
-                <p:oleObj spid="_x0000_s1264" name="Visio" r:id="rId7" imgW="5038954" imgH="751637" progId="Visio.Drawing.11">
+                <p:oleObj spid="_x0000_s1436" name="Visio" r:id="rId7" imgW="5038954" imgH="751637" progId="Visio.Drawing.11">
                   <p:embed/>
                 </p:oleObj>
               </mc:Choice>
@@ -8726,7 +8726,7 @@
           <a:graphicData uri="http://schemas.openxmlformats.org/presentationml/2006/ole">
             <mc:AlternateContent xmlns:mc="http://schemas.openxmlformats.org/markup-compatibility/2006">
               <mc:Choice xmlns:v="urn:schemas-microsoft-com:vml" Requires="v">
-                <p:oleObj spid="_x0000_s1265" name="Visio" r:id="rId9" imgW="5038954" imgH="1130503" progId="Visio.Drawing.11">
+                <p:oleObj spid="_x0000_s1437" name="Visio" r:id="rId9" imgW="5038954" imgH="1130503" progId="Visio.Drawing.11">
                   <p:embed/>
                 </p:oleObj>
               </mc:Choice>
@@ -10134,15 +10134,18 @@
         </p:nvSpPr>
         <p:spPr>
           <a:xfrm>
-            <a:off x="5105400" y="4354039"/>
-            <a:ext cx="3770995" cy="751361"/>
+            <a:off x="5105400" y="4191000"/>
+            <a:ext cx="3733800" cy="843514"/>
           </a:xfrm>
           <a:prstGeom prst="wedgeRectCallout">
             <a:avLst>
-              <a:gd name="adj1" fmla="val -65236"/>
-              <a:gd name="adj2" fmla="val 106326"/>
+              <a:gd name="adj1" fmla="val -62080"/>
+              <a:gd name="adj2" fmla="val 105918"/>
             </a:avLst>
           </a:prstGeom>
+          <a:solidFill>
+            <a:schemeClr val="bg1"/>
+          </a:solidFill>
           <a:ln/>
         </p:spPr>
         <p:style>
@@ -10261,7 +10264,7 @@
         </p:blipFill>
         <p:spPr>
           <a:xfrm>
-            <a:off x="6780086" y="4464370"/>
+            <a:off x="6780086" y="4343400"/>
             <a:ext cx="916114" cy="226286"/>
           </a:xfrm>
           <a:prstGeom prst="rect">
@@ -10295,7 +10298,7 @@
         </p:blipFill>
         <p:spPr>
           <a:xfrm>
-            <a:off x="5233030" y="4769170"/>
+            <a:off x="5257800" y="4648200"/>
             <a:ext cx="558171" cy="245486"/>
           </a:xfrm>
           <a:prstGeom prst="rect">
@@ -11463,12 +11466,12 @@
               <a:t>-pair </a:t>
             </a:r>
             <a:r>
-              <a:rPr lang="en-US" altLang="zh-CN" sz="2400" dirty="0" err="1" smtClean="0">
+              <a:rPr lang="en-US" altLang="zh-CN" sz="2400" dirty="0" smtClean="0">
                 <a:latin typeface="Open Sans" panose="020B0606030504020204" pitchFamily="34" charset="0"/>
                 <a:ea typeface="Open Sans" panose="020B0606030504020204" pitchFamily="34" charset="0"/>
                 <a:cs typeface="Open Sans" panose="020B0606030504020204" pitchFamily="34" charset="0"/>
               </a:rPr>
-              <a:t>proximility</a:t>
+              <a:t>proximity</a:t>
             </a:r>
             <a:endParaRPr lang="en-US" altLang="zh-CN" sz="2400" dirty="0" smtClean="0">
               <a:latin typeface="Open Sans" panose="020B0606030504020204" pitchFamily="34" charset="0"/>
@@ -12299,6 +12302,9 @@
               <a:gd name="adj2" fmla="val -76363"/>
             </a:avLst>
           </a:prstGeom>
+          <a:solidFill>
+            <a:schemeClr val="bg1"/>
+          </a:solidFill>
           <a:ln>
             <a:solidFill>
               <a:schemeClr val="tx2"/>
@@ -18193,86 +18199,6 @@
       </p:sp>
       <p:sp>
         <p:nvSpPr>
-          <p:cNvPr id="206861" name="Rectangle 13 1"/>
-          <p:cNvSpPr>
-            <a:spLocks noChangeArrowheads="1"/>
-          </p:cNvSpPr>
-          <p:nvPr/>
-        </p:nvSpPr>
-        <p:spPr bwMode="auto">
-          <a:xfrm>
-            <a:off x="914400" y="3200400"/>
-            <a:ext cx="7391400" cy="609600"/>
-          </a:xfrm>
-          <a:prstGeom prst="rect">
-            <a:avLst/>
-          </a:prstGeom>
-          <a:solidFill>
-            <a:schemeClr val="accent1"/>
-          </a:solidFill>
-          <a:ln>
-            <a:noFill/>
-          </a:ln>
-          <a:effectLst/>
-          <a:extLst>
-            <a:ext uri="{91240B29-F687-4F45-9708-019B960494DF}">
-              <a14:hiddenLine xmlns:a14="http://schemas.microsoft.com/office/drawing/2010/main" w="9525">
-                <a:solidFill>
-                  <a:schemeClr val="tx1"/>
-                </a:solidFill>
-                <a:miter lim="800000"/>
-                <a:headEnd/>
-                <a:tailEnd/>
-              </a14:hiddenLine>
-            </a:ext>
-            <a:ext uri="{AF507438-7753-43E0-B8FC-AC1667EBCBE1}">
-              <a14:hiddenEffects xmlns:a14="http://schemas.microsoft.com/office/drawing/2010/main">
-                <a:effectLst>
-                  <a:outerShdw blurRad="63500" dist="38099" dir="2700000" algn="ctr" rotWithShape="0">
-                    <a:schemeClr val="bg2">
-                      <a:alpha val="74998"/>
-                    </a:schemeClr>
-                  </a:outerShdw>
-                </a:effectLst>
-              </a14:hiddenEffects>
-            </a:ext>
-          </a:extLst>
-        </p:spPr>
-        <p:txBody>
-          <a:bodyPr wrap="none" anchor="ctr"/>
-          <a:lstStyle/>
-          <a:p>
-            <a:pPr algn="ctr"/>
-            <a:r>
-              <a:rPr lang="en-US" altLang="en-US" sz="2800" b="1" dirty="0"/>
-              <a:t>DAP is effective to distinguish </a:t>
-            </a:r>
-            <a:r>
-              <a:rPr lang="en-US" altLang="en-US" sz="2800" b="1" dirty="0">
-                <a:solidFill>
-                  <a:srgbClr val="FF0000"/>
-                </a:solidFill>
-              </a:rPr>
-              <a:t>red</a:t>
-            </a:r>
-            <a:r>
-              <a:rPr lang="en-US" altLang="en-US" sz="2800" b="1" dirty="0"/>
-              <a:t> and </a:t>
-            </a:r>
-            <a:r>
-              <a:rPr lang="en-US" altLang="en-US" sz="2800" b="1" dirty="0" smtClean="0">
-                <a:solidFill>
-                  <a:srgbClr val="0000FF"/>
-                </a:solidFill>
-              </a:rPr>
-              <a:t>blue</a:t>
-            </a:r>
-            <a:endParaRPr lang="en-US" altLang="en-US" sz="2800" b="1" dirty="0"/>
-          </a:p>
-        </p:txBody>
-      </p:sp>
-      <p:sp>
-        <p:nvSpPr>
           <p:cNvPr id="2" name="Rectangle 1"/>
           <p:cNvSpPr/>
           <p:nvPr/>
@@ -18432,80 +18358,9 @@
   <p:timing>
     <p:tnLst>
       <p:par>
-        <p:cTn id="1" dur="indefinite" restart="never" nodeType="tmRoot">
-          <p:childTnLst>
-            <p:seq concurrent="1" nextAc="seek">
-              <p:cTn id="2" dur="indefinite" nodeType="mainSeq">
-                <p:childTnLst>
-                  <p:par>
-                    <p:cTn id="3" fill="hold">
-                      <p:stCondLst>
-                        <p:cond delay="indefinite"/>
-                      </p:stCondLst>
-                      <p:childTnLst>
-                        <p:par>
-                          <p:cTn id="4" fill="hold">
-                            <p:stCondLst>
-                              <p:cond delay="0"/>
-                            </p:stCondLst>
-                            <p:childTnLst>
-                              <p:par>
-                                <p:cTn id="5" presetID="1" presetClass="entr" presetSubtype="0" fill="hold" grpId="0" nodeType="clickEffect">
-                                  <p:stCondLst>
-                                    <p:cond delay="0"/>
-                                  </p:stCondLst>
-                                  <p:childTnLst>
-                                    <p:set>
-                                      <p:cBhvr>
-                                        <p:cTn id="6" dur="1" fill="hold">
-                                          <p:stCondLst>
-                                            <p:cond delay="0"/>
-                                          </p:stCondLst>
-                                        </p:cTn>
-                                        <p:tgtEl>
-                                          <p:spTgt spid="206861"/>
-                                        </p:tgtEl>
-                                        <p:attrNameLst>
-                                          <p:attrName>style.visibility</p:attrName>
-                                        </p:attrNameLst>
-                                      </p:cBhvr>
-                                      <p:to>
-                                        <p:strVal val="visible"/>
-                                      </p:to>
-                                    </p:set>
-                                  </p:childTnLst>
-                                </p:cTn>
-                              </p:par>
-                            </p:childTnLst>
-                          </p:cTn>
-                        </p:par>
-                      </p:childTnLst>
-                    </p:cTn>
-                  </p:par>
-                </p:childTnLst>
-              </p:cTn>
-              <p:prevCondLst>
-                <p:cond evt="onPrev" delay="0">
-                  <p:tgtEl>
-                    <p:sldTgt/>
-                  </p:tgtEl>
-                </p:cond>
-              </p:prevCondLst>
-              <p:nextCondLst>
-                <p:cond evt="onNext" delay="0">
-                  <p:tgtEl>
-                    <p:sldTgt/>
-                  </p:tgtEl>
-                </p:cond>
-              </p:nextCondLst>
-            </p:seq>
-          </p:childTnLst>
-        </p:cTn>
+        <p:cTn id="1" dur="indefinite" restart="never" nodeType="tmRoot"/>
       </p:par>
     </p:tnLst>
-    <p:bldLst>
-      <p:bldP spid="206861" grpId="0" animBg="1"/>
-    </p:bldLst>
   </p:timing>
 </p:sld>
 </file>
@@ -21550,7 +21405,7 @@
           <p:nvPr/>
         </p:nvPicPr>
         <p:blipFill>
-          <a:blip r:embed="rId6">
+          <a:blip r:embed="rId7">
             <a:extLst>
               <a:ext uri="{28A0092B-C50C-407E-A947-70E740481C1C}">
                 <a14:useLocalDpi xmlns:a14="http://schemas.microsoft.com/office/drawing/2010/main" val="0"/>
@@ -21713,104 +21568,6 @@
       </p:sp>
       <p:sp>
         <p:nvSpPr>
-          <p:cNvPr id="208904" name="Text Box 8"/>
-          <p:cNvSpPr txBox="1">
-            <a:spLocks noChangeArrowheads="1"/>
-          </p:cNvSpPr>
-          <p:nvPr/>
-        </p:nvSpPr>
-        <p:spPr bwMode="auto">
-          <a:xfrm>
-            <a:off x="4673600" y="5638800"/>
-            <a:ext cx="3860800" cy="457200"/>
-          </a:xfrm>
-          <a:prstGeom prst="rect">
-            <a:avLst/>
-          </a:prstGeom>
-          <a:noFill/>
-          <a:ln>
-            <a:noFill/>
-          </a:ln>
-          <a:effectLst/>
-          <a:extLst>
-            <a:ext uri="{909E8E84-426E-40DD-AFC4-6F175D3DCCD1}">
-              <a14:hiddenFill xmlns:a14="http://schemas.microsoft.com/office/drawing/2010/main">
-                <a:solidFill>
-                  <a:schemeClr val="bg1"/>
-                </a:solidFill>
-              </a14:hiddenFill>
-            </a:ext>
-            <a:ext uri="{91240B29-F687-4F45-9708-019B960494DF}">
-              <a14:hiddenLine xmlns:a14="http://schemas.microsoft.com/office/drawing/2010/main" w="9525">
-                <a:solidFill>
-                  <a:schemeClr val="tx1"/>
-                </a:solidFill>
-                <a:miter lim="800000"/>
-                <a:headEnd/>
-                <a:tailEnd/>
-              </a14:hiddenLine>
-            </a:ext>
-            <a:ext uri="{AF507438-7753-43E0-B8FC-AC1667EBCBE1}">
-              <a14:hiddenEffects xmlns:a14="http://schemas.microsoft.com/office/drawing/2010/main">
-                <a:effectLst>
-                  <a:outerShdw blurRad="63500" dist="38099" dir="2700000" algn="ctr" rotWithShape="0">
-                    <a:schemeClr val="bg2">
-                      <a:alpha val="74998"/>
-                    </a:schemeClr>
-                  </a:outerShdw>
-                </a:effectLst>
-              </a14:hiddenEffects>
-            </a:ext>
-          </a:extLst>
-        </p:spPr>
-        <p:txBody>
-          <a:bodyPr>
-            <a:spAutoFit/>
-          </a:bodyPr>
-          <a:lstStyle/>
-          <a:p>
-            <a:pPr algn="r"/>
-            <a:r>
-              <a:rPr lang="en-US" altLang="en-US" sz="2400">
-                <a:solidFill>
-                  <a:srgbClr val="A50021"/>
-                </a:solidFill>
-              </a:rPr>
-              <a:t>Prox (i</a:t>
-            </a:r>
-            <a:r>
-              <a:rPr lang="en-US" altLang="en-US">
-                <a:sym typeface="Wingdings" charset="2"/>
-              </a:rPr>
-              <a:t></a:t>
-            </a:r>
-            <a:r>
-              <a:rPr lang="en-US" altLang="en-US" sz="2400">
-                <a:solidFill>
-                  <a:srgbClr val="A50021"/>
-                </a:solidFill>
-              </a:rPr>
-              <a:t>j) - Prox (j</a:t>
-            </a:r>
-            <a:r>
-              <a:rPr lang="en-US" altLang="en-US">
-                <a:sym typeface="Wingdings" charset="2"/>
-              </a:rPr>
-              <a:t></a:t>
-            </a:r>
-            <a:r>
-              <a:rPr lang="en-US" altLang="en-US" sz="2400">
-                <a:solidFill>
-                  <a:srgbClr val="A50021"/>
-                </a:solidFill>
-              </a:rPr>
-              <a:t>i)</a:t>
-            </a:r>
-          </a:p>
-        </p:txBody>
-      </p:sp>
-      <p:sp>
-        <p:nvSpPr>
           <p:cNvPr id="208905" name="Text Box 9"/>
           <p:cNvSpPr txBox="1">
             <a:spLocks noChangeArrowheads="1"/>
@@ -21819,7 +21576,7 @@
         </p:nvSpPr>
         <p:spPr bwMode="auto">
           <a:xfrm>
-            <a:off x="381000" y="2743200"/>
+            <a:off x="296862" y="2743200"/>
             <a:ext cx="1150938" cy="457200"/>
           </a:xfrm>
           <a:prstGeom prst="rect">
@@ -21868,7 +21625,7 @@
           <a:lstStyle/>
           <a:p>
             <a:r>
-              <a:rPr lang="en-US" altLang="en-US" sz="2400">
+              <a:rPr lang="en-US" altLang="en-US" sz="2400" dirty="0">
                 <a:solidFill>
                   <a:srgbClr val="A50021"/>
                 </a:solidFill>
@@ -21891,7 +21648,7 @@
           </p:nvPr>
         </p:nvPicPr>
         <p:blipFill>
-          <a:blip r:embed="rId7" cstate="print">
+          <a:blip r:embed="rId8" cstate="print">
             <a:extLst>
               <a:ext uri="{28A0092B-C50C-407E-A947-70E740481C1C}">
                 <a14:useLocalDpi xmlns:a14="http://schemas.microsoft.com/office/drawing/2010/main" val="0"/>
@@ -21925,7 +21682,7 @@
           </p:nvPr>
         </p:nvPicPr>
         <p:blipFill>
-          <a:blip r:embed="rId8" cstate="print">
+          <a:blip r:embed="rId9" cstate="print">
             <a:extLst>
               <a:ext uri="{28A0092B-C50C-407E-A947-70E740481C1C}">
                 <a14:useLocalDpi xmlns:a14="http://schemas.microsoft.com/office/drawing/2010/main" val="0"/>
@@ -21940,6 +21697,40 @@
           <a:xfrm>
             <a:off x="4645914" y="2060486"/>
             <a:ext cx="1221486" cy="301714"/>
+          </a:xfrm>
+          <a:prstGeom prst="rect">
+            <a:avLst/>
+          </a:prstGeom>
+        </p:spPr>
+      </p:pic>
+      <p:pic>
+        <p:nvPicPr>
+          <p:cNvPr id="13" name="Picture 12"/>
+          <p:cNvPicPr>
+            <a:picLocks noChangeAspect="1"/>
+          </p:cNvPicPr>
+          <p:nvPr>
+            <p:custDataLst>
+              <p:tags r:id="rId4"/>
+            </p:custDataLst>
+          </p:nvPr>
+        </p:nvPicPr>
+        <p:blipFill>
+          <a:blip r:embed="rId10" cstate="print">
+            <a:extLst>
+              <a:ext uri="{28A0092B-C50C-407E-A947-70E740481C1C}">
+                <a14:useLocalDpi xmlns:a14="http://schemas.microsoft.com/office/drawing/2010/main" val="0"/>
+              </a:ext>
+            </a:extLst>
+          </a:blip>
+          <a:stretch>
+            <a:fillRect/>
+          </a:stretch>
+        </p:blipFill>
+        <p:spPr>
+          <a:xfrm>
+            <a:off x="6705600" y="5791200"/>
+            <a:ext cx="2375619" cy="251429"/>
           </a:xfrm>
           <a:prstGeom prst="rect">
             <a:avLst/>
@@ -22102,7 +21893,7 @@
                                           </p:stCondLst>
                                         </p:cTn>
                                         <p:tgtEl>
-                                          <p:spTgt spid="208904"/>
+                                          <p:spTgt spid="208905"/>
                                         </p:tgtEl>
                                         <p:attrNameLst>
                                           <p:attrName>style.visibility</p:attrName>
@@ -22116,7 +21907,7 @@
                                 </p:cTn>
                               </p:par>
                               <p:par>
-                                <p:cTn id="15" presetID="1" presetClass="entr" presetSubtype="0" fill="hold" grpId="0" nodeType="withEffect">
+                                <p:cTn id="15" presetID="1" presetClass="entr" presetSubtype="0" fill="hold" nodeType="withEffect">
                                   <p:stCondLst>
                                     <p:cond delay="0"/>
                                   </p:stCondLst>
@@ -22129,7 +21920,7 @@
                                           </p:stCondLst>
                                         </p:cTn>
                                         <p:tgtEl>
-                                          <p:spTgt spid="208905"/>
+                                          <p:spTgt spid="13"/>
                                         </p:tgtEl>
                                         <p:attrNameLst>
                                           <p:attrName>style.visibility</p:attrName>
@@ -22173,7 +21964,6 @@
       <p:bldP spid="9" grpId="0"/>
       <p:bldP spid="208901" grpId="0" animBg="1"/>
       <p:bldP spid="208902" grpId="0"/>
-      <p:bldP spid="208904" grpId="0"/>
       <p:bldP spid="208905" grpId="0"/>
     </p:bldLst>
   </p:timing>
@@ -24965,11 +24755,15 @@
           <a:lstStyle/>
           <a:p>
             <a:r>
-              <a:rPr lang="en-US" dirty="0" smtClean="0"/>
+              <a:rPr lang="en-US" sz="2200" dirty="0" smtClean="0">
+                <a:latin typeface="Open Sans" panose="020B0606030504020204" pitchFamily="34" charset="0"/>
+                <a:ea typeface="Open Sans" panose="020B0606030504020204" pitchFamily="34" charset="0"/>
+                <a:cs typeface="Open Sans" panose="020B0606030504020204" pitchFamily="34" charset="0"/>
+              </a:rPr>
               <a:t>Intuitively</a:t>
             </a:r>
             <a:r>
-              <a:rPr lang="en-US" altLang="en-US" sz="3200" b="1" baseline="30000" dirty="0">
+              <a:rPr lang="en-US" altLang="en-US" sz="2200" b="1" baseline="30000" dirty="0">
                 <a:solidFill>
                   <a:srgbClr val="3333FF"/>
                 </a:solidFill>
@@ -24979,11 +24773,142 @@
               </a:rPr>
               <a:t>1</a:t>
             </a:r>
-            <a:endParaRPr lang="en-US" dirty="0" smtClean="0"/>
+            <a:endParaRPr lang="en-US" sz="2200" dirty="0" smtClean="0">
+              <a:latin typeface="Open Sans" panose="020B0606030504020204" pitchFamily="34" charset="0"/>
+              <a:ea typeface="Open Sans" panose="020B0606030504020204" pitchFamily="34" charset="0"/>
+              <a:cs typeface="Open Sans" panose="020B0606030504020204" pitchFamily="34" charset="0"/>
+            </a:endParaRPr>
           </a:p>
           <a:p>
             <a:pPr lvl="1"/>
-            <a:endParaRPr lang="en-US" dirty="0"/>
+            <a:r>
+              <a:rPr lang="en-US" sz="2000" dirty="0" smtClean="0">
+                <a:latin typeface="Open Sans" panose="020B0606030504020204" pitchFamily="34" charset="0"/>
+                <a:ea typeface="Open Sans" panose="020B0606030504020204" pitchFamily="34" charset="0"/>
+                <a:cs typeface="Open Sans" panose="020B0606030504020204" pitchFamily="34" charset="0"/>
+              </a:rPr>
+              <a:t>A long walk always ends up in stationary distribution</a:t>
+            </a:r>
+          </a:p>
+          <a:p>
+            <a:pPr lvl="1"/>
+            <a:r>
+              <a:rPr lang="en-US" sz="2000" dirty="0" smtClean="0">
+                <a:latin typeface="Open Sans" panose="020B0606030504020204" pitchFamily="34" charset="0"/>
+                <a:ea typeface="Open Sans" panose="020B0606030504020204" pitchFamily="34" charset="0"/>
+                <a:cs typeface="Open Sans" panose="020B0606030504020204" pitchFamily="34" charset="0"/>
+              </a:rPr>
+              <a:t>Suppose the walk length is T, then the expected number it visits </a:t>
+            </a:r>
+            <a:r>
+              <a:rPr lang="en-US" sz="2000" dirty="0" err="1" smtClean="0">
+                <a:latin typeface="Open Sans" panose="020B0606030504020204" pitchFamily="34" charset="0"/>
+                <a:ea typeface="Open Sans" panose="020B0606030504020204" pitchFamily="34" charset="0"/>
+                <a:cs typeface="Open Sans" panose="020B0606030504020204" pitchFamily="34" charset="0"/>
+              </a:rPr>
+              <a:t>i</a:t>
+            </a:r>
+            <a:r>
+              <a:rPr lang="en-US" sz="2000" dirty="0" smtClean="0">
+                <a:latin typeface="Open Sans" panose="020B0606030504020204" pitchFamily="34" charset="0"/>
+                <a:ea typeface="Open Sans" panose="020B0606030504020204" pitchFamily="34" charset="0"/>
+                <a:cs typeface="Open Sans" panose="020B0606030504020204" pitchFamily="34" charset="0"/>
+              </a:rPr>
+              <a:t> is</a:t>
+            </a:r>
+          </a:p>
+          <a:p>
+            <a:pPr lvl="1"/>
+            <a:r>
+              <a:rPr lang="en-US" sz="2000" dirty="0" smtClean="0">
+                <a:latin typeface="Open Sans" panose="020B0606030504020204" pitchFamily="34" charset="0"/>
+                <a:ea typeface="Open Sans" panose="020B0606030504020204" pitchFamily="34" charset="0"/>
+                <a:cs typeface="Open Sans" panose="020B0606030504020204" pitchFamily="34" charset="0"/>
+              </a:rPr>
+              <a:t>The average time between two visits is</a:t>
+            </a:r>
+          </a:p>
+          <a:p>
+            <a:pPr lvl="1"/>
+            <a:endParaRPr lang="en-US" sz="2000" dirty="0">
+              <a:latin typeface="Open Sans" panose="020B0606030504020204" pitchFamily="34" charset="0"/>
+              <a:ea typeface="Open Sans" panose="020B0606030504020204" pitchFamily="34" charset="0"/>
+              <a:cs typeface="Open Sans" panose="020B0606030504020204" pitchFamily="34" charset="0"/>
+            </a:endParaRPr>
+          </a:p>
+          <a:p>
+            <a:r>
+              <a:rPr lang="en-US" sz="2200" dirty="0" smtClean="0">
+                <a:latin typeface="Open Sans" panose="020B0606030504020204" pitchFamily="34" charset="0"/>
+                <a:ea typeface="Open Sans" panose="020B0606030504020204" pitchFamily="34" charset="0"/>
+                <a:cs typeface="Open Sans" panose="020B0606030504020204" pitchFamily="34" charset="0"/>
+              </a:rPr>
+              <a:t>Rigorously pro</a:t>
+            </a:r>
+            <a:r>
+              <a:rPr lang="en-US" altLang="zh-CN" sz="2200" dirty="0" smtClean="0">
+                <a:latin typeface="Open Sans" panose="020B0606030504020204" pitchFamily="34" charset="0"/>
+                <a:ea typeface="Open Sans" panose="020B0606030504020204" pitchFamily="34" charset="0"/>
+                <a:cs typeface="Open Sans" panose="020B0606030504020204" pitchFamily="34" charset="0"/>
+              </a:rPr>
+              <a:t>ved</a:t>
+            </a:r>
+            <a:r>
+              <a:rPr lang="en-US" sz="2200" dirty="0" smtClean="0">
+                <a:latin typeface="Open Sans" panose="020B0606030504020204" pitchFamily="34" charset="0"/>
+                <a:ea typeface="Open Sans" panose="020B0606030504020204" pitchFamily="34" charset="0"/>
+                <a:cs typeface="Open Sans" panose="020B0606030504020204" pitchFamily="34" charset="0"/>
+              </a:rPr>
+              <a:t> </a:t>
+            </a:r>
+            <a:r>
+              <a:rPr lang="en-US" altLang="zh-CN" sz="2200" dirty="0" smtClean="0">
+                <a:latin typeface="Open Sans" panose="020B0606030504020204" pitchFamily="34" charset="0"/>
+                <a:ea typeface="Open Sans" panose="020B0606030504020204" pitchFamily="34" charset="0"/>
+                <a:cs typeface="Open Sans" panose="020B0606030504020204" pitchFamily="34" charset="0"/>
+              </a:rPr>
+              <a:t>by</a:t>
+            </a:r>
+            <a:r>
+              <a:rPr lang="en-US" sz="2200" dirty="0" smtClean="0">
+                <a:latin typeface="Open Sans" panose="020B0606030504020204" pitchFamily="34" charset="0"/>
+                <a:ea typeface="Open Sans" panose="020B0606030504020204" pitchFamily="34" charset="0"/>
+                <a:cs typeface="Open Sans" panose="020B0606030504020204" pitchFamily="34" charset="0"/>
+              </a:rPr>
+              <a:t> the </a:t>
+            </a:r>
+            <a:r>
+              <a:rPr lang="en-US" altLang="zh-CN" sz="2200" dirty="0" smtClean="0">
+                <a:latin typeface="Open Sans" panose="020B0606030504020204" pitchFamily="34" charset="0"/>
+                <a:ea typeface="Open Sans" panose="020B0606030504020204" pitchFamily="34" charset="0"/>
+                <a:cs typeface="Open Sans" panose="020B0606030504020204" pitchFamily="34" charset="0"/>
+              </a:rPr>
+              <a:t>Strong Law of Large Numbers</a:t>
+            </a:r>
+            <a:r>
+              <a:rPr lang="en-US" altLang="en-US" sz="2200" b="1" baseline="30000" dirty="0" smtClean="0">
+                <a:solidFill>
+                  <a:srgbClr val="3333FF"/>
+                </a:solidFill>
+                <a:latin typeface="Open Sans" panose="020B0606030504020204" pitchFamily="34" charset="0"/>
+                <a:ea typeface="Open Sans" panose="020B0606030504020204" pitchFamily="34" charset="0"/>
+                <a:cs typeface="Open Sans" panose="020B0606030504020204" pitchFamily="34" charset="0"/>
+              </a:rPr>
+              <a:t>2</a:t>
+            </a:r>
+            <a:r>
+              <a:rPr lang="en-US" sz="2200" dirty="0" smtClean="0">
+                <a:latin typeface="Open Sans" panose="020B0606030504020204" pitchFamily="34" charset="0"/>
+                <a:ea typeface="Open Sans" panose="020B0606030504020204" pitchFamily="34" charset="0"/>
+                <a:cs typeface="Open Sans" panose="020B0606030504020204" pitchFamily="34" charset="0"/>
+              </a:rPr>
+              <a:t> </a:t>
+            </a:r>
+            <a:endParaRPr lang="en-US" sz="2200" dirty="0">
+              <a:latin typeface="Open Sans" panose="020B0606030504020204" pitchFamily="34" charset="0"/>
+              <a:ea typeface="Open Sans" panose="020B0606030504020204" pitchFamily="34" charset="0"/>
+              <a:cs typeface="Open Sans" panose="020B0606030504020204" pitchFamily="34" charset="0"/>
+            </a:endParaRPr>
           </a:p>
         </p:txBody>
       </p:sp>
@@ -24998,7 +24923,7 @@
         <p:spPr bwMode="auto">
           <a:xfrm>
             <a:off x="0" y="6188075"/>
-            <a:ext cx="8829675" cy="276999"/>
+            <a:ext cx="8829675" cy="498598"/>
           </a:xfrm>
           <a:prstGeom prst="rect">
             <a:avLst/>
@@ -25055,7 +24980,7 @@
               <a:buNone/>
             </a:pPr>
             <a:r>
-              <a:rPr lang="en-US" altLang="en-US" sz="1200" b="1" dirty="0">
+              <a:rPr lang="en-US" altLang="en-US" sz="1200" b="1" dirty="0" smtClean="0">
                 <a:solidFill>
                   <a:srgbClr val="3333CC"/>
                 </a:solidFill>
@@ -25063,7 +24988,7 @@
                 <a:ea typeface="Open Sans" panose="020B0606030504020204" pitchFamily="34" charset="0"/>
                 <a:cs typeface="Open Sans" panose="020B0606030504020204" pitchFamily="34" charset="0"/>
               </a:rPr>
-              <a:t>1. </a:t>
+              <a:t>1. L</a:t>
             </a:r>
             <a:r>
               <a:rPr lang="en-US" altLang="en-US" sz="1200" b="1" dirty="0" smtClean="0">
@@ -25074,7 +24999,7 @@
                 <a:ea typeface="Open Sans" panose="020B0606030504020204" pitchFamily="34" charset="0"/>
                 <a:cs typeface="Open Sans" panose="020B0606030504020204" pitchFamily="34" charset="0"/>
               </a:rPr>
-              <a:t>L. </a:t>
+              <a:t>. </a:t>
             </a:r>
             <a:r>
               <a:rPr lang="en-US" altLang="en-US" sz="1200" b="1" dirty="0" err="1" smtClean="0">
@@ -25107,7 +25032,62 @@
                 <a:ea typeface="Open Sans" panose="020B0606030504020204" pitchFamily="34" charset="0"/>
                 <a:cs typeface="Open Sans" panose="020B0606030504020204" pitchFamily="34" charset="0"/>
               </a:rPr>
-              <a:t>1993.</a:t>
+              <a:t>1993</a:t>
+            </a:r>
+            <a:r>
+              <a:rPr lang="en-US" altLang="en-US" sz="1200" b="1" i="1" dirty="0" smtClean="0">
+                <a:solidFill>
+                  <a:srgbClr val="3333CC"/>
+                </a:solidFill>
+                <a:latin typeface="Open Sans" panose="020B0606030504020204" pitchFamily="34" charset="0"/>
+                <a:ea typeface="Open Sans" panose="020B0606030504020204" pitchFamily="34" charset="0"/>
+                <a:cs typeface="Open Sans" panose="020B0606030504020204" pitchFamily="34" charset="0"/>
+              </a:rPr>
+              <a:t>.</a:t>
+            </a:r>
+          </a:p>
+          <a:p>
+            <a:pPr>
+              <a:spcBef>
+                <a:spcPct val="20000"/>
+              </a:spcBef>
+              <a:buClr>
+                <a:schemeClr val="accent1"/>
+              </a:buClr>
+              <a:buSzPct val="65000"/>
+            </a:pPr>
+            <a:r>
+              <a:rPr lang="en-US" altLang="en-US" sz="1200" b="1" dirty="0">
+                <a:solidFill>
+                  <a:srgbClr val="3333CC"/>
+                </a:solidFill>
+                <a:latin typeface="Open Sans" panose="020B0606030504020204" pitchFamily="34" charset="0"/>
+                <a:ea typeface="Open Sans" panose="020B0606030504020204" pitchFamily="34" charset="0"/>
+                <a:cs typeface="Open Sans" panose="020B0606030504020204" pitchFamily="34" charset="0"/>
+              </a:rPr>
+              <a:t>2. </a:t>
+            </a:r>
+            <a:r>
+              <a:rPr lang="en-US" altLang="zh-CN" sz="1200" b="1" dirty="0" smtClean="0">
+                <a:solidFill>
+                  <a:srgbClr val="3333CC"/>
+                </a:solidFill>
+                <a:latin typeface="Open Sans" panose="020B0606030504020204" pitchFamily="34" charset="0"/>
+                <a:ea typeface="Open Sans" panose="020B0606030504020204" pitchFamily="34" charset="0"/>
+                <a:cs typeface="Open Sans" panose="020B0606030504020204" pitchFamily="34" charset="0"/>
+              </a:rPr>
+              <a:t>A. Blum, J. Hopcroft, &amp; R. Kannan. Foundations of Data Science. </a:t>
+            </a:r>
+            <a:r>
+              <a:rPr lang="en-US" altLang="zh-CN" sz="1200" b="1" i="1" dirty="0" smtClean="0">
+                <a:solidFill>
+                  <a:srgbClr val="3333CC"/>
+                </a:solidFill>
+                <a:latin typeface="Open Sans" panose="020B0606030504020204" pitchFamily="34" charset="0"/>
+                <a:ea typeface="Open Sans" panose="020B0606030504020204" pitchFamily="34" charset="0"/>
+                <a:cs typeface="Open Sans" panose="020B0606030504020204" pitchFamily="34" charset="0"/>
+              </a:rPr>
+              <a:t>2016.</a:t>
             </a:r>
             <a:endParaRPr lang="en-US" altLang="en-US" sz="1200" b="1" i="1" dirty="0">
               <a:solidFill>
@@ -25120,6 +25100,142 @@
           </a:p>
         </p:txBody>
       </p:sp>
+      <p:pic>
+        <p:nvPicPr>
+          <p:cNvPr id="3" name="Picture 2"/>
+          <p:cNvPicPr>
+            <a:picLocks noChangeAspect="1"/>
+          </p:cNvPicPr>
+          <p:nvPr>
+            <p:custDataLst>
+              <p:tags r:id="rId2"/>
+            </p:custDataLst>
+          </p:nvPr>
+        </p:nvPicPr>
+        <p:blipFill>
+          <a:blip r:embed="rId8" cstate="print">
+            <a:extLst>
+              <a:ext uri="{28A0092B-C50C-407E-A947-70E740481C1C}">
+                <a14:useLocalDpi xmlns:a14="http://schemas.microsoft.com/office/drawing/2010/main" val="0"/>
+              </a:ext>
+            </a:extLst>
+          </a:blip>
+          <a:stretch>
+            <a:fillRect/>
+          </a:stretch>
+        </p:blipFill>
+        <p:spPr>
+          <a:xfrm>
+            <a:off x="622519" y="1219200"/>
+            <a:ext cx="7835681" cy="1219200"/>
+          </a:xfrm>
+          <a:prstGeom prst="rect">
+            <a:avLst/>
+          </a:prstGeom>
+        </p:spPr>
+      </p:pic>
+      <p:pic>
+        <p:nvPicPr>
+          <p:cNvPr id="4" name="Picture 3"/>
+          <p:cNvPicPr>
+            <a:picLocks noChangeAspect="1"/>
+          </p:cNvPicPr>
+          <p:nvPr>
+            <p:custDataLst>
+              <p:tags r:id="rId3"/>
+            </p:custDataLst>
+          </p:nvPr>
+        </p:nvPicPr>
+        <p:blipFill>
+          <a:blip r:embed="rId9" cstate="print">
+            <a:extLst>
+              <a:ext uri="{28A0092B-C50C-407E-A947-70E740481C1C}">
+                <a14:useLocalDpi xmlns:a14="http://schemas.microsoft.com/office/drawing/2010/main" val="0"/>
+              </a:ext>
+            </a:extLst>
+          </a:blip>
+          <a:stretch>
+            <a:fillRect/>
+          </a:stretch>
+        </p:blipFill>
+        <p:spPr>
+          <a:xfrm>
+            <a:off x="7543800" y="3543314"/>
+            <a:ext cx="161524" cy="114286"/>
+          </a:xfrm>
+          <a:prstGeom prst="rect">
+            <a:avLst/>
+          </a:prstGeom>
+        </p:spPr>
+      </p:pic>
+      <p:pic>
+        <p:nvPicPr>
+          <p:cNvPr id="7" name="Picture 6"/>
+          <p:cNvPicPr>
+            <a:picLocks noChangeAspect="1"/>
+          </p:cNvPicPr>
+          <p:nvPr>
+            <p:custDataLst>
+              <p:tags r:id="rId4"/>
+            </p:custDataLst>
+          </p:nvPr>
+        </p:nvPicPr>
+        <p:blipFill>
+          <a:blip r:embed="rId10" cstate="print">
+            <a:extLst>
+              <a:ext uri="{28A0092B-C50C-407E-A947-70E740481C1C}">
+                <a14:useLocalDpi xmlns:a14="http://schemas.microsoft.com/office/drawing/2010/main" val="0"/>
+              </a:ext>
+            </a:extLst>
+          </a:blip>
+          <a:stretch>
+            <a:fillRect/>
+          </a:stretch>
+        </p:blipFill>
+        <p:spPr>
+          <a:xfrm>
+            <a:off x="2286000" y="4133114"/>
+            <a:ext cx="400762" cy="210286"/>
+          </a:xfrm>
+          <a:prstGeom prst="rect">
+            <a:avLst/>
+          </a:prstGeom>
+        </p:spPr>
+      </p:pic>
+      <p:pic>
+        <p:nvPicPr>
+          <p:cNvPr id="8" name="Picture 7"/>
+          <p:cNvPicPr>
+            <a:picLocks noChangeAspect="1"/>
+          </p:cNvPicPr>
+          <p:nvPr>
+            <p:custDataLst>
+              <p:tags r:id="rId5"/>
+            </p:custDataLst>
+          </p:nvPr>
+        </p:nvPicPr>
+        <p:blipFill>
+          <a:blip r:embed="rId11" cstate="print">
+            <a:extLst>
+              <a:ext uri="{28A0092B-C50C-407E-A947-70E740481C1C}">
+                <a14:useLocalDpi xmlns:a14="http://schemas.microsoft.com/office/drawing/2010/main" val="0"/>
+              </a:ext>
+            </a:extLst>
+          </a:blip>
+          <a:stretch>
+            <a:fillRect/>
+          </a:stretch>
+        </p:blipFill>
+        <p:spPr>
+          <a:xfrm>
+            <a:off x="5931533" y="4466886"/>
+            <a:ext cx="1002667" cy="333714"/>
+          </a:xfrm>
+          <a:prstGeom prst="rect">
+            <a:avLst/>
+          </a:prstGeom>
+        </p:spPr>
+      </p:pic>
     </p:spTree>
     <p:custDataLst>
       <p:tags r:id="rId1"/>
@@ -25137,9 +25253,289 @@
   <p:timing>
     <p:tnLst>
       <p:par>
-        <p:cTn id="1" dur="indefinite" restart="never" nodeType="tmRoot"/>
+        <p:cTn id="1" dur="indefinite" restart="never" nodeType="tmRoot">
+          <p:childTnLst>
+            <p:seq concurrent="1" nextAc="seek">
+              <p:cTn id="2" dur="indefinite" nodeType="mainSeq">
+                <p:childTnLst>
+                  <p:par>
+                    <p:cTn id="3" fill="hold">
+                      <p:stCondLst>
+                        <p:cond delay="indefinite"/>
+                      </p:stCondLst>
+                      <p:childTnLst>
+                        <p:par>
+                          <p:cTn id="4" fill="hold">
+                            <p:stCondLst>
+                              <p:cond delay="0"/>
+                            </p:stCondLst>
+                            <p:childTnLst>
+                              <p:par>
+                                <p:cTn id="5" presetID="1" presetClass="entr" presetSubtype="0" fill="hold" grpId="0" nodeType="clickEffect">
+                                  <p:stCondLst>
+                                    <p:cond delay="0"/>
+                                  </p:stCondLst>
+                                  <p:childTnLst>
+                                    <p:set>
+                                      <p:cBhvr>
+                                        <p:cTn id="6" dur="1" fill="hold">
+                                          <p:stCondLst>
+                                            <p:cond delay="0"/>
+                                          </p:stCondLst>
+                                        </p:cTn>
+                                        <p:tgtEl>
+                                          <p:spTgt spid="2">
+                                            <p:txEl>
+                                              <p:pRg st="0" end="0"/>
+                                            </p:txEl>
+                                          </p:spTgt>
+                                        </p:tgtEl>
+                                        <p:attrNameLst>
+                                          <p:attrName>style.visibility</p:attrName>
+                                        </p:attrNameLst>
+                                      </p:cBhvr>
+                                      <p:to>
+                                        <p:strVal val="visible"/>
+                                      </p:to>
+                                    </p:set>
+                                  </p:childTnLst>
+                                </p:cTn>
+                              </p:par>
+                              <p:par>
+                                <p:cTn id="7" presetID="1" presetClass="entr" presetSubtype="0" fill="hold" grpId="0" nodeType="withEffect">
+                                  <p:stCondLst>
+                                    <p:cond delay="0"/>
+                                  </p:stCondLst>
+                                  <p:childTnLst>
+                                    <p:set>
+                                      <p:cBhvr>
+                                        <p:cTn id="8" dur="1" fill="hold">
+                                          <p:stCondLst>
+                                            <p:cond delay="0"/>
+                                          </p:stCondLst>
+                                        </p:cTn>
+                                        <p:tgtEl>
+                                          <p:spTgt spid="2">
+                                            <p:txEl>
+                                              <p:pRg st="1" end="1"/>
+                                            </p:txEl>
+                                          </p:spTgt>
+                                        </p:tgtEl>
+                                        <p:attrNameLst>
+                                          <p:attrName>style.visibility</p:attrName>
+                                        </p:attrNameLst>
+                                      </p:cBhvr>
+                                      <p:to>
+                                        <p:strVal val="visible"/>
+                                      </p:to>
+                                    </p:set>
+                                  </p:childTnLst>
+                                </p:cTn>
+                              </p:par>
+                              <p:par>
+                                <p:cTn id="9" presetID="1" presetClass="entr" presetSubtype="0" fill="hold" grpId="0" nodeType="withEffect">
+                                  <p:stCondLst>
+                                    <p:cond delay="0"/>
+                                  </p:stCondLst>
+                                  <p:childTnLst>
+                                    <p:set>
+                                      <p:cBhvr>
+                                        <p:cTn id="10" dur="1" fill="hold">
+                                          <p:stCondLst>
+                                            <p:cond delay="0"/>
+                                          </p:stCondLst>
+                                        </p:cTn>
+                                        <p:tgtEl>
+                                          <p:spTgt spid="2">
+                                            <p:txEl>
+                                              <p:pRg st="2" end="2"/>
+                                            </p:txEl>
+                                          </p:spTgt>
+                                        </p:tgtEl>
+                                        <p:attrNameLst>
+                                          <p:attrName>style.visibility</p:attrName>
+                                        </p:attrNameLst>
+                                      </p:cBhvr>
+                                      <p:to>
+                                        <p:strVal val="visible"/>
+                                      </p:to>
+                                    </p:set>
+                                  </p:childTnLst>
+                                </p:cTn>
+                              </p:par>
+                              <p:par>
+                                <p:cTn id="11" presetID="1" presetClass="entr" presetSubtype="0" fill="hold" grpId="0" nodeType="withEffect">
+                                  <p:stCondLst>
+                                    <p:cond delay="0"/>
+                                  </p:stCondLst>
+                                  <p:childTnLst>
+                                    <p:set>
+                                      <p:cBhvr>
+                                        <p:cTn id="12" dur="1" fill="hold">
+                                          <p:stCondLst>
+                                            <p:cond delay="0"/>
+                                          </p:stCondLst>
+                                        </p:cTn>
+                                        <p:tgtEl>
+                                          <p:spTgt spid="2">
+                                            <p:txEl>
+                                              <p:pRg st="3" end="3"/>
+                                            </p:txEl>
+                                          </p:spTgt>
+                                        </p:tgtEl>
+                                        <p:attrNameLst>
+                                          <p:attrName>style.visibility</p:attrName>
+                                        </p:attrNameLst>
+                                      </p:cBhvr>
+                                      <p:to>
+                                        <p:strVal val="visible"/>
+                                      </p:to>
+                                    </p:set>
+                                  </p:childTnLst>
+                                </p:cTn>
+                              </p:par>
+                              <p:par>
+                                <p:cTn id="13" presetID="1" presetClass="entr" presetSubtype="0" fill="hold" grpId="0" nodeType="withEffect">
+                                  <p:stCondLst>
+                                    <p:cond delay="0"/>
+                                  </p:stCondLst>
+                                  <p:childTnLst>
+                                    <p:set>
+                                      <p:cBhvr>
+                                        <p:cTn id="14" dur="1" fill="hold">
+                                          <p:stCondLst>
+                                            <p:cond delay="0"/>
+                                          </p:stCondLst>
+                                        </p:cTn>
+                                        <p:tgtEl>
+                                          <p:spTgt spid="2">
+                                            <p:txEl>
+                                              <p:pRg st="5" end="5"/>
+                                            </p:txEl>
+                                          </p:spTgt>
+                                        </p:tgtEl>
+                                        <p:attrNameLst>
+                                          <p:attrName>style.visibility</p:attrName>
+                                        </p:attrNameLst>
+                                      </p:cBhvr>
+                                      <p:to>
+                                        <p:strVal val="visible"/>
+                                      </p:to>
+                                    </p:set>
+                                  </p:childTnLst>
+                                </p:cTn>
+                              </p:par>
+                              <p:par>
+                                <p:cTn id="15" presetID="1" presetClass="entr" presetSubtype="0" fill="hold" nodeType="withEffect">
+                                  <p:stCondLst>
+                                    <p:cond delay="0"/>
+                                  </p:stCondLst>
+                                  <p:childTnLst>
+                                    <p:set>
+                                      <p:cBhvr>
+                                        <p:cTn id="16" dur="1" fill="hold">
+                                          <p:stCondLst>
+                                            <p:cond delay="0"/>
+                                          </p:stCondLst>
+                                        </p:cTn>
+                                        <p:tgtEl>
+                                          <p:spTgt spid="4"/>
+                                        </p:tgtEl>
+                                        <p:attrNameLst>
+                                          <p:attrName>style.visibility</p:attrName>
+                                        </p:attrNameLst>
+                                      </p:cBhvr>
+                                      <p:to>
+                                        <p:strVal val="visible"/>
+                                      </p:to>
+                                    </p:set>
+                                  </p:childTnLst>
+                                </p:cTn>
+                              </p:par>
+                              <p:par>
+                                <p:cTn id="17" presetID="1" presetClass="entr" presetSubtype="0" fill="hold" nodeType="withEffect">
+                                  <p:stCondLst>
+                                    <p:cond delay="0"/>
+                                  </p:stCondLst>
+                                  <p:childTnLst>
+                                    <p:set>
+                                      <p:cBhvr>
+                                        <p:cTn id="18" dur="1" fill="hold">
+                                          <p:stCondLst>
+                                            <p:cond delay="0"/>
+                                          </p:stCondLst>
+                                        </p:cTn>
+                                        <p:tgtEl>
+                                          <p:spTgt spid="7"/>
+                                        </p:tgtEl>
+                                        <p:attrNameLst>
+                                          <p:attrName>style.visibility</p:attrName>
+                                        </p:attrNameLst>
+                                      </p:cBhvr>
+                                      <p:to>
+                                        <p:strVal val="visible"/>
+                                      </p:to>
+                                    </p:set>
+                                  </p:childTnLst>
+                                </p:cTn>
+                              </p:par>
+                              <p:par>
+                                <p:cTn id="19" presetID="1" presetClass="entr" presetSubtype="0" fill="hold" nodeType="withEffect">
+                                  <p:stCondLst>
+                                    <p:cond delay="0"/>
+                                  </p:stCondLst>
+                                  <p:childTnLst>
+                                    <p:set>
+                                      <p:cBhvr>
+                                        <p:cTn id="20" dur="1" fill="hold">
+                                          <p:stCondLst>
+                                            <p:cond delay="0"/>
+                                          </p:stCondLst>
+                                        </p:cTn>
+                                        <p:tgtEl>
+                                          <p:spTgt spid="8"/>
+                                        </p:tgtEl>
+                                        <p:attrNameLst>
+                                          <p:attrName>style.visibility</p:attrName>
+                                        </p:attrNameLst>
+                                      </p:cBhvr>
+                                      <p:to>
+                                        <p:strVal val="visible"/>
+                                      </p:to>
+                                    </p:set>
+                                  </p:childTnLst>
+                                </p:cTn>
+                              </p:par>
+                            </p:childTnLst>
+                          </p:cTn>
+                        </p:par>
+                      </p:childTnLst>
+                    </p:cTn>
+                  </p:par>
+                </p:childTnLst>
+              </p:cTn>
+              <p:prevCondLst>
+                <p:cond evt="onPrev" delay="0">
+                  <p:tgtEl>
+                    <p:sldTgt/>
+                  </p:tgtEl>
+                </p:cond>
+              </p:prevCondLst>
+              <p:nextCondLst>
+                <p:cond evt="onNext" delay="0">
+                  <p:tgtEl>
+                    <p:sldTgt/>
+                  </p:tgtEl>
+                </p:cond>
+              </p:nextCondLst>
+            </p:seq>
+          </p:childTnLst>
+        </p:cTn>
       </p:par>
     </p:tnLst>
+    <p:bldLst>
+      <p:bldP spid="2" grpId="0" uiExpand="1" build="p"/>
+    </p:bldLst>
   </p:timing>
 </p:sld>
 </file>
@@ -25462,45 +25858,6 @@
       </p:sp>
       <p:sp>
         <p:nvSpPr>
-          <p:cNvPr id="2" name="Content Placeholder 1"/>
-          <p:cNvSpPr>
-            <a:spLocks noGrp="1"/>
-          </p:cNvSpPr>
-          <p:nvPr>
-            <p:ph idx="1"/>
-          </p:nvPr>
-        </p:nvSpPr>
-        <p:spPr>
-          <a:xfrm>
-            <a:off x="457200" y="2971800"/>
-            <a:ext cx="8229600" cy="3159125"/>
-          </a:xfrm>
-        </p:spPr>
-        <p:txBody>
-          <a:bodyPr/>
-          <a:lstStyle/>
-          <a:p>
-            <a:r>
-              <a:rPr lang="en-US" dirty="0" smtClean="0"/>
-              <a:t>Proof</a:t>
-            </a:r>
-            <a:r>
-              <a:rPr lang="en-US" altLang="en-US" sz="2800" b="1" baseline="30000" dirty="0">
-                <a:solidFill>
-                  <a:srgbClr val="3333FF"/>
-                </a:solidFill>
-                <a:latin typeface="Open Sans" panose="020B0606030504020204" pitchFamily="34" charset="0"/>
-                <a:ea typeface="Open Sans" panose="020B0606030504020204" pitchFamily="34" charset="0"/>
-                <a:cs typeface="Open Sans" panose="020B0606030504020204" pitchFamily="34" charset="0"/>
-              </a:rPr>
-              <a:t>1</a:t>
-            </a:r>
-            <a:endParaRPr lang="en-US" dirty="0"/>
-          </a:p>
-        </p:txBody>
-      </p:sp>
-      <p:sp>
-        <p:nvSpPr>
           <p:cNvPr id="5" name="Rectangle 6"/>
           <p:cNvSpPr>
             <a:spLocks noChangeArrowheads="1"/>
@@ -25632,6 +25989,416 @@
           </a:p>
         </p:txBody>
       </p:sp>
+      <p:pic>
+        <p:nvPicPr>
+          <p:cNvPr id="7" name="Picture 6"/>
+          <p:cNvPicPr>
+            <a:picLocks noChangeAspect="1"/>
+          </p:cNvPicPr>
+          <p:nvPr>
+            <p:custDataLst>
+              <p:tags r:id="rId2"/>
+            </p:custDataLst>
+          </p:nvPr>
+        </p:nvPicPr>
+        <p:blipFill>
+          <a:blip r:embed="rId10" cstate="print">
+            <a:extLst>
+              <a:ext uri="{28A0092B-C50C-407E-A947-70E740481C1C}">
+                <a14:useLocalDpi xmlns:a14="http://schemas.microsoft.com/office/drawing/2010/main" val="0"/>
+              </a:ext>
+            </a:extLst>
+          </a:blip>
+          <a:stretch>
+            <a:fillRect/>
+          </a:stretch>
+        </p:blipFill>
+        <p:spPr>
+          <a:xfrm>
+            <a:off x="602641" y="1219200"/>
+            <a:ext cx="7822429" cy="1702383"/>
+          </a:xfrm>
+          <a:prstGeom prst="rect">
+            <a:avLst/>
+          </a:prstGeom>
+        </p:spPr>
+      </p:pic>
+      <p:sp>
+        <p:nvSpPr>
+          <p:cNvPr id="9" name="Content Placeholder 1"/>
+          <p:cNvSpPr>
+            <a:spLocks noGrp="1"/>
+          </p:cNvSpPr>
+          <p:nvPr>
+            <p:ph idx="1"/>
+          </p:nvPr>
+        </p:nvSpPr>
+        <p:spPr>
+          <a:xfrm>
+            <a:off x="457200" y="2971800"/>
+            <a:ext cx="8229600" cy="3159125"/>
+          </a:xfrm>
+        </p:spPr>
+        <p:txBody>
+          <a:bodyPr/>
+          <a:lstStyle/>
+          <a:p>
+            <a:r>
+              <a:rPr lang="en-US" sz="2200" dirty="0" smtClean="0">
+                <a:latin typeface="Open Sans" panose="020B0606030504020204" pitchFamily="34" charset="0"/>
+                <a:ea typeface="Open Sans" panose="020B0606030504020204" pitchFamily="34" charset="0"/>
+                <a:cs typeface="Open Sans" panose="020B0606030504020204" pitchFamily="34" charset="0"/>
+              </a:rPr>
+              <a:t>Proof</a:t>
+            </a:r>
+            <a:r>
+              <a:rPr lang="en-US" altLang="en-US" sz="2200" b="1" baseline="30000" dirty="0" smtClean="0">
+                <a:solidFill>
+                  <a:srgbClr val="3333FF"/>
+                </a:solidFill>
+                <a:latin typeface="Open Sans" panose="020B0606030504020204" pitchFamily="34" charset="0"/>
+                <a:ea typeface="Open Sans" panose="020B0606030504020204" pitchFamily="34" charset="0"/>
+                <a:cs typeface="Open Sans" panose="020B0606030504020204" pitchFamily="34" charset="0"/>
+              </a:rPr>
+              <a:t>1</a:t>
+            </a:r>
+            <a:endParaRPr lang="en-US" sz="2200" dirty="0" smtClean="0">
+              <a:latin typeface="Open Sans" panose="020B0606030504020204" pitchFamily="34" charset="0"/>
+              <a:ea typeface="Open Sans" panose="020B0606030504020204" pitchFamily="34" charset="0"/>
+              <a:cs typeface="Open Sans" panose="020B0606030504020204" pitchFamily="34" charset="0"/>
+            </a:endParaRPr>
+          </a:p>
+          <a:p>
+            <a:pPr lvl="1"/>
+            <a:r>
+              <a:rPr lang="en-US" sz="2000" dirty="0">
+                <a:latin typeface="Open Sans" panose="020B0606030504020204" pitchFamily="34" charset="0"/>
+                <a:ea typeface="Open Sans" panose="020B0606030504020204" pitchFamily="34" charset="0"/>
+                <a:cs typeface="Open Sans" panose="020B0606030504020204" pitchFamily="34" charset="0"/>
+              </a:rPr>
+              <a:t>Consider a random walk </a:t>
+            </a:r>
+            <a:r>
+              <a:rPr lang="en-US" sz="2000" dirty="0" smtClean="0">
+                <a:latin typeface="Open Sans" panose="020B0606030504020204" pitchFamily="34" charset="0"/>
+                <a:ea typeface="Open Sans" panose="020B0606030504020204" pitchFamily="34" charset="0"/>
+                <a:cs typeface="Open Sans" panose="020B0606030504020204" pitchFamily="34" charset="0"/>
+              </a:rPr>
+              <a:t>w </a:t>
+            </a:r>
+            <a:r>
+              <a:rPr lang="en-US" sz="2000" dirty="0">
+                <a:latin typeface="Open Sans" panose="020B0606030504020204" pitchFamily="34" charset="0"/>
+                <a:ea typeface="Open Sans" panose="020B0606030504020204" pitchFamily="34" charset="0"/>
+                <a:cs typeface="Open Sans" panose="020B0606030504020204" pitchFamily="34" charset="0"/>
+              </a:rPr>
+              <a:t>starting at </a:t>
+            </a:r>
+            <a:r>
+              <a:rPr lang="en-US" sz="2000" dirty="0" err="1" smtClean="0">
+                <a:latin typeface="Open Sans" panose="020B0606030504020204" pitchFamily="34" charset="0"/>
+                <a:ea typeface="Open Sans" panose="020B0606030504020204" pitchFamily="34" charset="0"/>
+                <a:cs typeface="Open Sans" panose="020B0606030504020204" pitchFamily="34" charset="0"/>
+              </a:rPr>
+              <a:t>i</a:t>
+            </a:r>
+            <a:r>
+              <a:rPr lang="en-US" sz="2000" dirty="0" smtClean="0">
+                <a:latin typeface="Open Sans" panose="020B0606030504020204" pitchFamily="34" charset="0"/>
+                <a:ea typeface="Open Sans" panose="020B0606030504020204" pitchFamily="34" charset="0"/>
+                <a:cs typeface="Open Sans" panose="020B0606030504020204" pitchFamily="34" charset="0"/>
+              </a:rPr>
+              <a:t>, </a:t>
+            </a:r>
+            <a:r>
+              <a:rPr lang="en-US" sz="2000" dirty="0">
+                <a:latin typeface="Open Sans" panose="020B0606030504020204" pitchFamily="34" charset="0"/>
+                <a:ea typeface="Open Sans" panose="020B0606030504020204" pitchFamily="34" charset="0"/>
+                <a:cs typeface="Open Sans" panose="020B0606030504020204" pitchFamily="34" charset="0"/>
+              </a:rPr>
+              <a:t>and random </a:t>
+            </a:r>
+            <a:r>
+              <a:rPr lang="en-US" sz="2000" dirty="0" smtClean="0">
+                <a:latin typeface="Open Sans" panose="020B0606030504020204" pitchFamily="34" charset="0"/>
+                <a:ea typeface="Open Sans" panose="020B0606030504020204" pitchFamily="34" charset="0"/>
+                <a:cs typeface="Open Sans" panose="020B0606030504020204" pitchFamily="34" charset="0"/>
+              </a:rPr>
+              <a:t>variables</a:t>
+            </a:r>
+          </a:p>
+          <a:p>
+            <a:pPr lvl="2"/>
+            <a:r>
+              <a:rPr lang="en-US" sz="1800" dirty="0" smtClean="0">
+                <a:latin typeface="Open Sans" panose="020B0606030504020204" pitchFamily="34" charset="0"/>
+                <a:ea typeface="Open Sans" panose="020B0606030504020204" pitchFamily="34" charset="0"/>
+                <a:cs typeface="Open Sans" panose="020B0606030504020204" pitchFamily="34" charset="0"/>
+              </a:rPr>
+              <a:t>X = the first time w returns to </a:t>
+            </a:r>
+            <a:r>
+              <a:rPr lang="en-US" sz="1800" dirty="0" err="1" smtClean="0">
+                <a:latin typeface="Open Sans" panose="020B0606030504020204" pitchFamily="34" charset="0"/>
+                <a:ea typeface="Open Sans" panose="020B0606030504020204" pitchFamily="34" charset="0"/>
+                <a:cs typeface="Open Sans" panose="020B0606030504020204" pitchFamily="34" charset="0"/>
+              </a:rPr>
+              <a:t>i</a:t>
+            </a:r>
+            <a:endParaRPr lang="en-US" sz="1800" dirty="0" smtClean="0">
+              <a:latin typeface="Open Sans" panose="020B0606030504020204" pitchFamily="34" charset="0"/>
+              <a:ea typeface="Open Sans" panose="020B0606030504020204" pitchFamily="34" charset="0"/>
+              <a:cs typeface="Open Sans" panose="020B0606030504020204" pitchFamily="34" charset="0"/>
+            </a:endParaRPr>
+          </a:p>
+          <a:p>
+            <a:pPr lvl="2"/>
+            <a:r>
+              <a:rPr lang="en-US" sz="1800" dirty="0" smtClean="0">
+                <a:latin typeface="Open Sans" panose="020B0606030504020204" pitchFamily="34" charset="0"/>
+                <a:ea typeface="Open Sans" panose="020B0606030504020204" pitchFamily="34" charset="0"/>
+                <a:cs typeface="Open Sans" panose="020B0606030504020204" pitchFamily="34" charset="0"/>
+              </a:rPr>
+              <a:t>Y = the first time w returns to </a:t>
+            </a:r>
+            <a:r>
+              <a:rPr lang="en-US" sz="1800" dirty="0" err="1" smtClean="0">
+                <a:latin typeface="Open Sans" panose="020B0606030504020204" pitchFamily="34" charset="0"/>
+                <a:ea typeface="Open Sans" panose="020B0606030504020204" pitchFamily="34" charset="0"/>
+                <a:cs typeface="Open Sans" panose="020B0606030504020204" pitchFamily="34" charset="0"/>
+              </a:rPr>
+              <a:t>i</a:t>
+            </a:r>
+            <a:r>
+              <a:rPr lang="en-US" sz="1800" dirty="0" smtClean="0">
+                <a:latin typeface="Open Sans" panose="020B0606030504020204" pitchFamily="34" charset="0"/>
+                <a:ea typeface="Open Sans" panose="020B0606030504020204" pitchFamily="34" charset="0"/>
+                <a:cs typeface="Open Sans" panose="020B0606030504020204" pitchFamily="34" charset="0"/>
+              </a:rPr>
+              <a:t> after visiting j </a:t>
+            </a:r>
+          </a:p>
+          <a:p>
+            <a:pPr lvl="1"/>
+            <a:r>
+              <a:rPr lang="en-US" sz="2000" dirty="0" smtClean="0">
+                <a:latin typeface="Open Sans" panose="020B0606030504020204" pitchFamily="34" charset="0"/>
+                <a:ea typeface="Open Sans" panose="020B0606030504020204" pitchFamily="34" charset="0"/>
+                <a:cs typeface="Open Sans" panose="020B0606030504020204" pitchFamily="34" charset="0"/>
+              </a:rPr>
+              <a:t>By definition                      and  </a:t>
+            </a:r>
+          </a:p>
+          <a:p>
+            <a:pPr lvl="1"/>
+            <a:r>
+              <a:rPr lang="en-US" sz="2000" dirty="0" smtClean="0">
+                <a:latin typeface="Open Sans" panose="020B0606030504020204" pitchFamily="34" charset="0"/>
+                <a:ea typeface="Open Sans" panose="020B0606030504020204" pitchFamily="34" charset="0"/>
+                <a:cs typeface="Open Sans" panose="020B0606030504020204" pitchFamily="34" charset="0"/>
+              </a:rPr>
+              <a:t>Cleary X ≤ Y, and</a:t>
+            </a:r>
+          </a:p>
+          <a:p>
+            <a:pPr lvl="2"/>
+            <a:r>
+              <a:rPr lang="en-US" sz="1600" dirty="0" smtClean="0">
+                <a:latin typeface="Open Sans" panose="020B0606030504020204" pitchFamily="34" charset="0"/>
+                <a:ea typeface="Open Sans" panose="020B0606030504020204" pitchFamily="34" charset="0"/>
+                <a:cs typeface="Open Sans" panose="020B0606030504020204" pitchFamily="34" charset="0"/>
+              </a:rPr>
+              <a:t> </a:t>
+            </a:r>
+          </a:p>
+          <a:p>
+            <a:pPr lvl="1"/>
+            <a:r>
+              <a:rPr lang="en-US" sz="2000" dirty="0" smtClean="0">
+                <a:latin typeface="Open Sans" panose="020B0606030504020204" pitchFamily="34" charset="0"/>
+                <a:ea typeface="Open Sans" panose="020B0606030504020204" pitchFamily="34" charset="0"/>
+                <a:cs typeface="Open Sans" panose="020B0606030504020204" pitchFamily="34" charset="0"/>
+              </a:rPr>
+              <a:t>Also  </a:t>
+            </a:r>
+            <a:endParaRPr lang="en-US" sz="2000" dirty="0">
+              <a:latin typeface="Open Sans" panose="020B0606030504020204" pitchFamily="34" charset="0"/>
+              <a:ea typeface="Open Sans" panose="020B0606030504020204" pitchFamily="34" charset="0"/>
+              <a:cs typeface="Open Sans" panose="020B0606030504020204" pitchFamily="34" charset="0"/>
+            </a:endParaRPr>
+          </a:p>
+        </p:txBody>
+      </p:sp>
+      <p:pic>
+        <p:nvPicPr>
+          <p:cNvPr id="6" name="Picture 5"/>
+          <p:cNvPicPr>
+            <a:picLocks noChangeAspect="1"/>
+          </p:cNvPicPr>
+          <p:nvPr>
+            <p:custDataLst>
+              <p:tags r:id="rId3"/>
+            </p:custDataLst>
+          </p:nvPr>
+        </p:nvPicPr>
+        <p:blipFill>
+          <a:blip r:embed="rId11" cstate="print">
+            <a:extLst>
+              <a:ext uri="{28A0092B-C50C-407E-A947-70E740481C1C}">
+                <a14:useLocalDpi xmlns:a14="http://schemas.microsoft.com/office/drawing/2010/main" val="0"/>
+              </a:ext>
+            </a:extLst>
+          </a:blip>
+          <a:stretch>
+            <a:fillRect/>
+          </a:stretch>
+        </p:blipFill>
+        <p:spPr>
+          <a:xfrm>
+            <a:off x="2819400" y="4468410"/>
+            <a:ext cx="1185524" cy="332190"/>
+          </a:xfrm>
+          <a:prstGeom prst="rect">
+            <a:avLst/>
+          </a:prstGeom>
+        </p:spPr>
+      </p:pic>
+      <p:pic>
+        <p:nvPicPr>
+          <p:cNvPr id="8" name="Picture 7"/>
+          <p:cNvPicPr>
+            <a:picLocks noChangeAspect="1"/>
+          </p:cNvPicPr>
+          <p:nvPr>
+            <p:custDataLst>
+              <p:tags r:id="rId4"/>
+            </p:custDataLst>
+          </p:nvPr>
+        </p:nvPicPr>
+        <p:blipFill>
+          <a:blip r:embed="rId12" cstate="print">
+            <a:extLst>
+              <a:ext uri="{28A0092B-C50C-407E-A947-70E740481C1C}">
+                <a14:useLocalDpi xmlns:a14="http://schemas.microsoft.com/office/drawing/2010/main" val="0"/>
+              </a:ext>
+            </a:extLst>
+          </a:blip>
+          <a:stretch>
+            <a:fillRect/>
+          </a:stretch>
+        </p:blipFill>
+        <p:spPr>
+          <a:xfrm>
+            <a:off x="4724400" y="4495800"/>
+            <a:ext cx="1528381" cy="251429"/>
+          </a:xfrm>
+          <a:prstGeom prst="rect">
+            <a:avLst/>
+          </a:prstGeom>
+        </p:spPr>
+      </p:pic>
+      <p:pic>
+        <p:nvPicPr>
+          <p:cNvPr id="10" name="Picture 9"/>
+          <p:cNvPicPr>
+            <a:picLocks noChangeAspect="1"/>
+          </p:cNvPicPr>
+          <p:nvPr>
+            <p:custDataLst>
+              <p:tags r:id="rId5"/>
+            </p:custDataLst>
+          </p:nvPr>
+        </p:nvPicPr>
+        <p:blipFill>
+          <a:blip r:embed="rId13" cstate="print">
+            <a:extLst>
+              <a:ext uri="{28A0092B-C50C-407E-A947-70E740481C1C}">
+                <a14:useLocalDpi xmlns:a14="http://schemas.microsoft.com/office/drawing/2010/main" val="0"/>
+              </a:ext>
+            </a:extLst>
+          </a:blip>
+          <a:stretch>
+            <a:fillRect/>
+          </a:stretch>
+        </p:blipFill>
+        <p:spPr>
+          <a:xfrm>
+            <a:off x="3283076" y="4825019"/>
+            <a:ext cx="3041524" cy="280381"/>
+          </a:xfrm>
+          <a:prstGeom prst="rect">
+            <a:avLst/>
+          </a:prstGeom>
+        </p:spPr>
+      </p:pic>
+      <p:pic>
+        <p:nvPicPr>
+          <p:cNvPr id="11" name="Picture 10"/>
+          <p:cNvPicPr>
+            <a:picLocks noChangeAspect="1"/>
+          </p:cNvPicPr>
+          <p:nvPr>
+            <p:custDataLst>
+              <p:tags r:id="rId6"/>
+            </p:custDataLst>
+          </p:nvPr>
+        </p:nvPicPr>
+        <p:blipFill>
+          <a:blip r:embed="rId14" cstate="print">
+            <a:extLst>
+              <a:ext uri="{28A0092B-C50C-407E-A947-70E740481C1C}">
+                <a14:useLocalDpi xmlns:a14="http://schemas.microsoft.com/office/drawing/2010/main" val="0"/>
+              </a:ext>
+            </a:extLst>
+          </a:blip>
+          <a:stretch>
+            <a:fillRect/>
+          </a:stretch>
+        </p:blipFill>
+        <p:spPr>
+          <a:xfrm>
+            <a:off x="1568657" y="5181600"/>
+            <a:ext cx="4908343" cy="226286"/>
+          </a:xfrm>
+          <a:prstGeom prst="rect">
+            <a:avLst/>
+          </a:prstGeom>
+        </p:spPr>
+      </p:pic>
+      <p:pic>
+        <p:nvPicPr>
+          <p:cNvPr id="12" name="Picture 11"/>
+          <p:cNvPicPr>
+            <a:picLocks noChangeAspect="1"/>
+          </p:cNvPicPr>
+          <p:nvPr>
+            <p:custDataLst>
+              <p:tags r:id="rId7"/>
+            </p:custDataLst>
+          </p:nvPr>
+        </p:nvPicPr>
+        <p:blipFill>
+          <a:blip r:embed="rId15" cstate="print">
+            <a:extLst>
+              <a:ext uri="{28A0092B-C50C-407E-A947-70E740481C1C}">
+                <a14:useLocalDpi xmlns:a14="http://schemas.microsoft.com/office/drawing/2010/main" val="0"/>
+              </a:ext>
+            </a:extLst>
+          </a:blip>
+          <a:stretch>
+            <a:fillRect/>
+          </a:stretch>
+        </p:blipFill>
+        <p:spPr>
+          <a:xfrm>
+            <a:off x="1818695" y="5486400"/>
+            <a:ext cx="4505905" cy="332190"/>
+          </a:xfrm>
+          <a:prstGeom prst="rect">
+            <a:avLst/>
+          </a:prstGeom>
+        </p:spPr>
+      </p:pic>
     </p:spTree>
     <p:custDataLst>
       <p:tags r:id="rId1"/>
@@ -25649,9 +26416,436 @@
   <p:timing>
     <p:tnLst>
       <p:par>
-        <p:cTn id="1" dur="indefinite" restart="never" nodeType="tmRoot"/>
+        <p:cTn id="1" dur="indefinite" restart="never" nodeType="tmRoot">
+          <p:childTnLst>
+            <p:seq concurrent="1" nextAc="seek">
+              <p:cTn id="2" dur="indefinite" nodeType="mainSeq">
+                <p:childTnLst>
+                  <p:par>
+                    <p:cTn id="3" fill="hold">
+                      <p:stCondLst>
+                        <p:cond delay="indefinite"/>
+                      </p:stCondLst>
+                      <p:childTnLst>
+                        <p:par>
+                          <p:cTn id="4" fill="hold">
+                            <p:stCondLst>
+                              <p:cond delay="0"/>
+                            </p:stCondLst>
+                            <p:childTnLst>
+                              <p:par>
+                                <p:cTn id="5" presetID="1" presetClass="entr" presetSubtype="0" fill="hold" nodeType="clickEffect">
+                                  <p:stCondLst>
+                                    <p:cond delay="0"/>
+                                  </p:stCondLst>
+                                  <p:childTnLst>
+                                    <p:set>
+                                      <p:cBhvr>
+                                        <p:cTn id="6" dur="1" fill="hold">
+                                          <p:stCondLst>
+                                            <p:cond delay="0"/>
+                                          </p:stCondLst>
+                                        </p:cTn>
+                                        <p:tgtEl>
+                                          <p:spTgt spid="6"/>
+                                        </p:tgtEl>
+                                        <p:attrNameLst>
+                                          <p:attrName>style.visibility</p:attrName>
+                                        </p:attrNameLst>
+                                      </p:cBhvr>
+                                      <p:to>
+                                        <p:strVal val="visible"/>
+                                      </p:to>
+                                    </p:set>
+                                  </p:childTnLst>
+                                </p:cTn>
+                              </p:par>
+                              <p:par>
+                                <p:cTn id="7" presetID="1" presetClass="entr" presetSubtype="0" fill="hold" nodeType="withEffect">
+                                  <p:stCondLst>
+                                    <p:cond delay="0"/>
+                                  </p:stCondLst>
+                                  <p:childTnLst>
+                                    <p:set>
+                                      <p:cBhvr>
+                                        <p:cTn id="8" dur="1" fill="hold">
+                                          <p:stCondLst>
+                                            <p:cond delay="0"/>
+                                          </p:stCondLst>
+                                        </p:cTn>
+                                        <p:tgtEl>
+                                          <p:spTgt spid="8"/>
+                                        </p:tgtEl>
+                                        <p:attrNameLst>
+                                          <p:attrName>style.visibility</p:attrName>
+                                        </p:attrNameLst>
+                                      </p:cBhvr>
+                                      <p:to>
+                                        <p:strVal val="visible"/>
+                                      </p:to>
+                                    </p:set>
+                                  </p:childTnLst>
+                                </p:cTn>
+                              </p:par>
+                              <p:par>
+                                <p:cTn id="9" presetID="1" presetClass="entr" presetSubtype="0" fill="hold" nodeType="withEffect">
+                                  <p:stCondLst>
+                                    <p:cond delay="0"/>
+                                  </p:stCondLst>
+                                  <p:childTnLst>
+                                    <p:set>
+                                      <p:cBhvr>
+                                        <p:cTn id="10" dur="1" fill="hold">
+                                          <p:stCondLst>
+                                            <p:cond delay="0"/>
+                                          </p:stCondLst>
+                                        </p:cTn>
+                                        <p:tgtEl>
+                                          <p:spTgt spid="10"/>
+                                        </p:tgtEl>
+                                        <p:attrNameLst>
+                                          <p:attrName>style.visibility</p:attrName>
+                                        </p:attrNameLst>
+                                      </p:cBhvr>
+                                      <p:to>
+                                        <p:strVal val="visible"/>
+                                      </p:to>
+                                    </p:set>
+                                  </p:childTnLst>
+                                </p:cTn>
+                              </p:par>
+                              <p:par>
+                                <p:cTn id="11" presetID="1" presetClass="entr" presetSubtype="0" fill="hold" nodeType="withEffect">
+                                  <p:stCondLst>
+                                    <p:cond delay="0"/>
+                                  </p:stCondLst>
+                                  <p:childTnLst>
+                                    <p:set>
+                                      <p:cBhvr>
+                                        <p:cTn id="12" dur="1" fill="hold">
+                                          <p:stCondLst>
+                                            <p:cond delay="0"/>
+                                          </p:stCondLst>
+                                        </p:cTn>
+                                        <p:tgtEl>
+                                          <p:spTgt spid="11"/>
+                                        </p:tgtEl>
+                                        <p:attrNameLst>
+                                          <p:attrName>style.visibility</p:attrName>
+                                        </p:attrNameLst>
+                                      </p:cBhvr>
+                                      <p:to>
+                                        <p:strVal val="visible"/>
+                                      </p:to>
+                                    </p:set>
+                                  </p:childTnLst>
+                                </p:cTn>
+                              </p:par>
+                              <p:par>
+                                <p:cTn id="13" presetID="1" presetClass="entr" presetSubtype="0" fill="hold" nodeType="withEffect">
+                                  <p:stCondLst>
+                                    <p:cond delay="0"/>
+                                  </p:stCondLst>
+                                  <p:childTnLst>
+                                    <p:set>
+                                      <p:cBhvr>
+                                        <p:cTn id="14" dur="1" fill="hold">
+                                          <p:stCondLst>
+                                            <p:cond delay="0"/>
+                                          </p:stCondLst>
+                                        </p:cTn>
+                                        <p:tgtEl>
+                                          <p:spTgt spid="12"/>
+                                        </p:tgtEl>
+                                        <p:attrNameLst>
+                                          <p:attrName>style.visibility</p:attrName>
+                                        </p:attrNameLst>
+                                      </p:cBhvr>
+                                      <p:to>
+                                        <p:strVal val="visible"/>
+                                      </p:to>
+                                    </p:set>
+                                  </p:childTnLst>
+                                </p:cTn>
+                              </p:par>
+                              <p:par>
+                                <p:cTn id="15" presetID="1" presetClass="entr" presetSubtype="0" fill="hold" grpId="0" nodeType="withEffect">
+                                  <p:stCondLst>
+                                    <p:cond delay="0"/>
+                                  </p:stCondLst>
+                                  <p:childTnLst>
+                                    <p:set>
+                                      <p:cBhvr>
+                                        <p:cTn id="16" dur="1" fill="hold">
+                                          <p:stCondLst>
+                                            <p:cond delay="0"/>
+                                          </p:stCondLst>
+                                        </p:cTn>
+                                        <p:tgtEl>
+                                          <p:spTgt spid="9">
+                                            <p:txEl>
+                                              <p:pRg st="0" end="0"/>
+                                            </p:txEl>
+                                          </p:spTgt>
+                                        </p:tgtEl>
+                                        <p:attrNameLst>
+                                          <p:attrName>style.visibility</p:attrName>
+                                        </p:attrNameLst>
+                                      </p:cBhvr>
+                                      <p:to>
+                                        <p:strVal val="visible"/>
+                                      </p:to>
+                                    </p:set>
+                                  </p:childTnLst>
+                                </p:cTn>
+                              </p:par>
+                              <p:par>
+                                <p:cTn id="17" presetID="1" presetClass="entr" presetSubtype="0" fill="hold" grpId="0" nodeType="withEffect">
+                                  <p:stCondLst>
+                                    <p:cond delay="0"/>
+                                  </p:stCondLst>
+                                  <p:childTnLst>
+                                    <p:set>
+                                      <p:cBhvr>
+                                        <p:cTn id="18" dur="1" fill="hold">
+                                          <p:stCondLst>
+                                            <p:cond delay="0"/>
+                                          </p:stCondLst>
+                                        </p:cTn>
+                                        <p:tgtEl>
+                                          <p:spTgt spid="9">
+                                            <p:txEl>
+                                              <p:pRg st="1" end="1"/>
+                                            </p:txEl>
+                                          </p:spTgt>
+                                        </p:tgtEl>
+                                        <p:attrNameLst>
+                                          <p:attrName>style.visibility</p:attrName>
+                                        </p:attrNameLst>
+                                      </p:cBhvr>
+                                      <p:to>
+                                        <p:strVal val="visible"/>
+                                      </p:to>
+                                    </p:set>
+                                  </p:childTnLst>
+                                </p:cTn>
+                              </p:par>
+                              <p:par>
+                                <p:cTn id="19" presetID="1" presetClass="entr" presetSubtype="0" fill="hold" grpId="0" nodeType="withEffect">
+                                  <p:stCondLst>
+                                    <p:cond delay="0"/>
+                                  </p:stCondLst>
+                                  <p:childTnLst>
+                                    <p:set>
+                                      <p:cBhvr>
+                                        <p:cTn id="20" dur="1" fill="hold">
+                                          <p:stCondLst>
+                                            <p:cond delay="0"/>
+                                          </p:stCondLst>
+                                        </p:cTn>
+                                        <p:tgtEl>
+                                          <p:spTgt spid="9">
+                                            <p:txEl>
+                                              <p:pRg st="2" end="2"/>
+                                            </p:txEl>
+                                          </p:spTgt>
+                                        </p:tgtEl>
+                                        <p:attrNameLst>
+                                          <p:attrName>style.visibility</p:attrName>
+                                        </p:attrNameLst>
+                                      </p:cBhvr>
+                                      <p:to>
+                                        <p:strVal val="visible"/>
+                                      </p:to>
+                                    </p:set>
+                                  </p:childTnLst>
+                                </p:cTn>
+                              </p:par>
+                              <p:par>
+                                <p:cTn id="21" presetID="1" presetClass="entr" presetSubtype="0" fill="hold" grpId="0" nodeType="withEffect">
+                                  <p:stCondLst>
+                                    <p:cond delay="0"/>
+                                  </p:stCondLst>
+                                  <p:childTnLst>
+                                    <p:set>
+                                      <p:cBhvr>
+                                        <p:cTn id="22" dur="1" fill="hold">
+                                          <p:stCondLst>
+                                            <p:cond delay="0"/>
+                                          </p:stCondLst>
+                                        </p:cTn>
+                                        <p:tgtEl>
+                                          <p:spTgt spid="9">
+                                            <p:txEl>
+                                              <p:pRg st="3" end="3"/>
+                                            </p:txEl>
+                                          </p:spTgt>
+                                        </p:tgtEl>
+                                        <p:attrNameLst>
+                                          <p:attrName>style.visibility</p:attrName>
+                                        </p:attrNameLst>
+                                      </p:cBhvr>
+                                      <p:to>
+                                        <p:strVal val="visible"/>
+                                      </p:to>
+                                    </p:set>
+                                  </p:childTnLst>
+                                </p:cTn>
+                              </p:par>
+                              <p:par>
+                                <p:cTn id="23" presetID="1" presetClass="entr" presetSubtype="0" fill="hold" grpId="0" nodeType="withEffect">
+                                  <p:stCondLst>
+                                    <p:cond delay="0"/>
+                                  </p:stCondLst>
+                                  <p:childTnLst>
+                                    <p:set>
+                                      <p:cBhvr>
+                                        <p:cTn id="24" dur="1" fill="hold">
+                                          <p:stCondLst>
+                                            <p:cond delay="0"/>
+                                          </p:stCondLst>
+                                        </p:cTn>
+                                        <p:tgtEl>
+                                          <p:spTgt spid="9">
+                                            <p:txEl>
+                                              <p:pRg st="4" end="4"/>
+                                            </p:txEl>
+                                          </p:spTgt>
+                                        </p:tgtEl>
+                                        <p:attrNameLst>
+                                          <p:attrName>style.visibility</p:attrName>
+                                        </p:attrNameLst>
+                                      </p:cBhvr>
+                                      <p:to>
+                                        <p:strVal val="visible"/>
+                                      </p:to>
+                                    </p:set>
+                                  </p:childTnLst>
+                                </p:cTn>
+                              </p:par>
+                              <p:par>
+                                <p:cTn id="25" presetID="1" presetClass="entr" presetSubtype="0" fill="hold" grpId="0" nodeType="withEffect">
+                                  <p:stCondLst>
+                                    <p:cond delay="0"/>
+                                  </p:stCondLst>
+                                  <p:childTnLst>
+                                    <p:set>
+                                      <p:cBhvr>
+                                        <p:cTn id="26" dur="1" fill="hold">
+                                          <p:stCondLst>
+                                            <p:cond delay="0"/>
+                                          </p:stCondLst>
+                                        </p:cTn>
+                                        <p:tgtEl>
+                                          <p:spTgt spid="9">
+                                            <p:txEl>
+                                              <p:pRg st="5" end="5"/>
+                                            </p:txEl>
+                                          </p:spTgt>
+                                        </p:tgtEl>
+                                        <p:attrNameLst>
+                                          <p:attrName>style.visibility</p:attrName>
+                                        </p:attrNameLst>
+                                      </p:cBhvr>
+                                      <p:to>
+                                        <p:strVal val="visible"/>
+                                      </p:to>
+                                    </p:set>
+                                  </p:childTnLst>
+                                </p:cTn>
+                              </p:par>
+                              <p:par>
+                                <p:cTn id="27" presetID="1" presetClass="entr" presetSubtype="0" fill="hold" grpId="0" nodeType="withEffect">
+                                  <p:stCondLst>
+                                    <p:cond delay="0"/>
+                                  </p:stCondLst>
+                                  <p:childTnLst>
+                                    <p:set>
+                                      <p:cBhvr>
+                                        <p:cTn id="28" dur="1" fill="hold">
+                                          <p:stCondLst>
+                                            <p:cond delay="0"/>
+                                          </p:stCondLst>
+                                        </p:cTn>
+                                        <p:tgtEl>
+                                          <p:spTgt spid="9">
+                                            <p:txEl>
+                                              <p:pRg st="6" end="6"/>
+                                            </p:txEl>
+                                          </p:spTgt>
+                                        </p:tgtEl>
+                                        <p:attrNameLst>
+                                          <p:attrName>style.visibility</p:attrName>
+                                        </p:attrNameLst>
+                                      </p:cBhvr>
+                                      <p:to>
+                                        <p:strVal val="visible"/>
+                                      </p:to>
+                                    </p:set>
+                                  </p:childTnLst>
+                                </p:cTn>
+                              </p:par>
+                              <p:par>
+                                <p:cTn id="29" presetID="1" presetClass="entr" presetSubtype="0" fill="hold" grpId="0" nodeType="withEffect">
+                                  <p:stCondLst>
+                                    <p:cond delay="0"/>
+                                  </p:stCondLst>
+                                  <p:childTnLst>
+                                    <p:set>
+                                      <p:cBhvr>
+                                        <p:cTn id="30" dur="1" fill="hold">
+                                          <p:stCondLst>
+                                            <p:cond delay="0"/>
+                                          </p:stCondLst>
+                                        </p:cTn>
+                                        <p:tgtEl>
+                                          <p:spTgt spid="9">
+                                            <p:txEl>
+                                              <p:pRg st="7" end="7"/>
+                                            </p:txEl>
+                                          </p:spTgt>
+                                        </p:tgtEl>
+                                        <p:attrNameLst>
+                                          <p:attrName>style.visibility</p:attrName>
+                                        </p:attrNameLst>
+                                      </p:cBhvr>
+                                      <p:to>
+                                        <p:strVal val="visible"/>
+                                      </p:to>
+                                    </p:set>
+                                  </p:childTnLst>
+                                </p:cTn>
+                              </p:par>
+                            </p:childTnLst>
+                          </p:cTn>
+                        </p:par>
+                      </p:childTnLst>
+                    </p:cTn>
+                  </p:par>
+                </p:childTnLst>
+              </p:cTn>
+              <p:prevCondLst>
+                <p:cond evt="onPrev" delay="0">
+                  <p:tgtEl>
+                    <p:sldTgt/>
+                  </p:tgtEl>
+                </p:cond>
+              </p:prevCondLst>
+              <p:nextCondLst>
+                <p:cond evt="onNext" delay="0">
+                  <p:tgtEl>
+                    <p:sldTgt/>
+                  </p:tgtEl>
+                </p:cond>
+              </p:nextCondLst>
+            </p:seq>
+          </p:childTnLst>
+        </p:cTn>
       </p:par>
     </p:tnLst>
+    <p:bldLst>
+      <p:bldP spid="9" grpId="0" build="p"/>
+    </p:bldLst>
   </p:timing>
 </p:sld>
 </file>
@@ -25709,18 +26903,52 @@
           </a:p>
         </p:txBody>
       </p:sp>
+      <p:pic>
+        <p:nvPicPr>
+          <p:cNvPr id="5" name="Picture 4"/>
+          <p:cNvPicPr>
+            <a:picLocks noChangeAspect="1"/>
+          </p:cNvPicPr>
+          <p:nvPr>
+            <p:custDataLst>
+              <p:tags r:id="rId2"/>
+            </p:custDataLst>
+          </p:nvPr>
+        </p:nvPicPr>
+        <p:blipFill>
+          <a:blip r:embed="rId8" cstate="print">
+            <a:extLst>
+              <a:ext uri="{28A0092B-C50C-407E-A947-70E740481C1C}">
+                <a14:useLocalDpi xmlns:a14="http://schemas.microsoft.com/office/drawing/2010/main" val="0"/>
+              </a:ext>
+            </a:extLst>
+          </a:blip>
+          <a:stretch>
+            <a:fillRect/>
+          </a:stretch>
+        </p:blipFill>
+        <p:spPr>
+          <a:xfrm>
+            <a:off x="602641" y="1219200"/>
+            <a:ext cx="7822429" cy="1702383"/>
+          </a:xfrm>
+          <a:prstGeom prst="rect">
+            <a:avLst/>
+          </a:prstGeom>
+        </p:spPr>
+      </p:pic>
       <p:sp>
         <p:nvSpPr>
-          <p:cNvPr id="22" name="Rectangle 3"/>
+          <p:cNvPr id="6" name="Content Placeholder 1"/>
           <p:cNvSpPr txBox="1">
-            <a:spLocks noChangeArrowheads="1"/>
+            <a:spLocks/>
           </p:cNvSpPr>
           <p:nvPr/>
         </p:nvSpPr>
         <p:spPr bwMode="auto">
           <a:xfrm>
-            <a:off x="457200" y="1600200"/>
-            <a:ext cx="8229600" cy="4960938"/>
+            <a:off x="457200" y="2667000"/>
+            <a:ext cx="8229600" cy="3159125"/>
           </a:xfrm>
           <a:prstGeom prst="rect">
             <a:avLst/>
@@ -25950,44 +27178,488 @@
             </a:lvl9pPr>
           </a:lstStyle>
           <a:p>
-            <a:endParaRPr lang="en-US" altLang="en-US" sz="2400" dirty="0" smtClean="0">
+            <a:endParaRPr lang="en-US" sz="2200" kern="0" dirty="0" smtClean="0">
               <a:latin typeface="Open Sans" panose="020B0606030504020204" pitchFamily="34" charset="0"/>
               <a:ea typeface="Open Sans" panose="020B0606030504020204" pitchFamily="34" charset="0"/>
               <a:cs typeface="Open Sans" panose="020B0606030504020204" pitchFamily="34" charset="0"/>
             </a:endParaRPr>
           </a:p>
           <a:p>
-            <a:endParaRPr lang="en-US" altLang="en-US" sz="2400" kern="0" dirty="0">
+            <a:r>
+              <a:rPr lang="en-US" sz="2200" kern="0" dirty="0" smtClean="0">
+                <a:latin typeface="Open Sans" panose="020B0606030504020204" pitchFamily="34" charset="0"/>
+                <a:ea typeface="Open Sans" panose="020B0606030504020204" pitchFamily="34" charset="0"/>
+                <a:cs typeface="Open Sans" panose="020B0606030504020204" pitchFamily="34" charset="0"/>
+              </a:rPr>
+              <a:t> </a:t>
+            </a:r>
+          </a:p>
+          <a:p>
+            <a:endParaRPr lang="en-US" sz="2200" kern="0" dirty="0">
               <a:latin typeface="Open Sans" panose="020B0606030504020204" pitchFamily="34" charset="0"/>
               <a:ea typeface="Open Sans" panose="020B0606030504020204" pitchFamily="34" charset="0"/>
               <a:cs typeface="Open Sans" panose="020B0606030504020204" pitchFamily="34" charset="0"/>
             </a:endParaRPr>
           </a:p>
           <a:p>
-            <a:endParaRPr lang="en-US" altLang="en-US" sz="2400" kern="0" dirty="0" smtClean="0">
+            <a:r>
+              <a:rPr lang="en-US" sz="2200" kern="0" dirty="0" smtClean="0">
+                <a:latin typeface="Open Sans" panose="020B0606030504020204" pitchFamily="34" charset="0"/>
+                <a:ea typeface="Open Sans" panose="020B0606030504020204" pitchFamily="34" charset="0"/>
+                <a:cs typeface="Open Sans" panose="020B0606030504020204" pitchFamily="34" charset="0"/>
+              </a:rPr>
+              <a:t>Recall that             is small whenever       </a:t>
+            </a:r>
+            <a:r>
+              <a:rPr lang="en-US" altLang="zh-CN" sz="2200" kern="0" dirty="0" smtClean="0">
+                <a:latin typeface="Open Sans" panose="020B0606030504020204" pitchFamily="34" charset="0"/>
+                <a:ea typeface="Open Sans" panose="020B0606030504020204" pitchFamily="34" charset="0"/>
+                <a:cs typeface="Open Sans" panose="020B0606030504020204" pitchFamily="34" charset="0"/>
+              </a:rPr>
+              <a:t>is large</a:t>
+            </a:r>
+          </a:p>
+          <a:p>
+            <a:pPr lvl="1"/>
+            <a:r>
+              <a:rPr lang="en-US" sz="2000" kern="0" dirty="0" smtClean="0">
+                <a:latin typeface="Open Sans" panose="020B0606030504020204" pitchFamily="34" charset="0"/>
+                <a:ea typeface="Open Sans" panose="020B0606030504020204" pitchFamily="34" charset="0"/>
+                <a:cs typeface="Open Sans" panose="020B0606030504020204" pitchFamily="34" charset="0"/>
+              </a:rPr>
+              <a:t>Bad for personalization</a:t>
+            </a:r>
+          </a:p>
+          <a:p>
+            <a:pPr lvl="1"/>
+            <a:endParaRPr lang="en-US" sz="1800" kern="0" dirty="0">
               <a:latin typeface="Open Sans" panose="020B0606030504020204" pitchFamily="34" charset="0"/>
               <a:ea typeface="Open Sans" panose="020B0606030504020204" pitchFamily="34" charset="0"/>
               <a:cs typeface="Open Sans" panose="020B0606030504020204" pitchFamily="34" charset="0"/>
             </a:endParaRPr>
           </a:p>
+          <a:p>
+            <a:r>
+              <a:rPr lang="en-US" altLang="zh-CN" sz="2200" kern="0" dirty="0" smtClean="0">
+                <a:latin typeface="Open Sans" panose="020B0606030504020204" pitchFamily="34" charset="0"/>
+                <a:ea typeface="Open Sans" panose="020B0606030504020204" pitchFamily="34" charset="0"/>
+                <a:cs typeface="Open Sans" panose="020B0606030504020204" pitchFamily="34" charset="0"/>
+              </a:rPr>
+              <a:t>To alleviate this</a:t>
+            </a:r>
+          </a:p>
+          <a:p>
+            <a:pPr lvl="1"/>
+            <a:r>
+              <a:rPr lang="en-US" sz="2000" kern="0" dirty="0" smtClean="0">
+                <a:latin typeface="Open Sans" panose="020B0606030504020204" pitchFamily="34" charset="0"/>
+                <a:ea typeface="Open Sans" panose="020B0606030504020204" pitchFamily="34" charset="0"/>
+                <a:cs typeface="Open Sans" panose="020B0606030504020204" pitchFamily="34" charset="0"/>
+              </a:rPr>
+              <a:t>Sarkar et al.</a:t>
+            </a:r>
+            <a:r>
+              <a:rPr lang="en-US" altLang="en-US" sz="2000" b="1" baseline="30000" dirty="0">
+                <a:solidFill>
+                  <a:srgbClr val="3333FF"/>
+                </a:solidFill>
+                <a:latin typeface="Open Sans" panose="020B0606030504020204" pitchFamily="34" charset="0"/>
+                <a:ea typeface="Open Sans" panose="020B0606030504020204" pitchFamily="34" charset="0"/>
+                <a:cs typeface="Open Sans" panose="020B0606030504020204" pitchFamily="34" charset="0"/>
+              </a:rPr>
+              <a:t> </a:t>
+            </a:r>
+            <a:r>
+              <a:rPr lang="en-US" sz="2000" kern="0" dirty="0" smtClean="0">
+                <a:latin typeface="Open Sans" panose="020B0606030504020204" pitchFamily="34" charset="0"/>
+                <a:ea typeface="Open Sans" panose="020B0606030504020204" pitchFamily="34" charset="0"/>
+                <a:cs typeface="Open Sans" panose="020B0606030504020204" pitchFamily="34" charset="0"/>
+              </a:rPr>
+              <a:t>restrict the length of random walk</a:t>
+            </a:r>
+            <a:r>
+              <a:rPr lang="en-US" altLang="en-US" sz="2000" b="1" baseline="30000" dirty="0">
+                <a:solidFill>
+                  <a:srgbClr val="3333FF"/>
+                </a:solidFill>
+                <a:latin typeface="Open Sans" panose="020B0606030504020204" pitchFamily="34" charset="0"/>
+                <a:ea typeface="Open Sans" panose="020B0606030504020204" pitchFamily="34" charset="0"/>
+                <a:cs typeface="Open Sans" panose="020B0606030504020204" pitchFamily="34" charset="0"/>
+              </a:rPr>
+              <a:t> 1</a:t>
+            </a:r>
+            <a:endParaRPr lang="en-US" sz="2000" kern="0" dirty="0" smtClean="0">
+              <a:latin typeface="Open Sans" panose="020B0606030504020204" pitchFamily="34" charset="0"/>
+              <a:ea typeface="Open Sans" panose="020B0606030504020204" pitchFamily="34" charset="0"/>
+              <a:cs typeface="Open Sans" panose="020B0606030504020204" pitchFamily="34" charset="0"/>
+            </a:endParaRPr>
+          </a:p>
+          <a:p>
+            <a:pPr lvl="1"/>
+            <a:r>
+              <a:rPr lang="en-US" sz="2000" kern="0" dirty="0" smtClean="0">
+                <a:latin typeface="Open Sans" panose="020B0606030504020204" pitchFamily="34" charset="0"/>
+                <a:ea typeface="Open Sans" panose="020B0606030504020204" pitchFamily="34" charset="0"/>
+                <a:cs typeface="Open Sans" panose="020B0606030504020204" pitchFamily="34" charset="0"/>
+              </a:rPr>
+              <a:t>Tong et al.</a:t>
+            </a:r>
+            <a:r>
+              <a:rPr lang="en-US" altLang="en-US" sz="2000" b="1" baseline="30000" dirty="0">
+                <a:solidFill>
+                  <a:srgbClr val="3333FF"/>
+                </a:solidFill>
+                <a:latin typeface="Open Sans" panose="020B0606030504020204" pitchFamily="34" charset="0"/>
+                <a:ea typeface="Open Sans" panose="020B0606030504020204" pitchFamily="34" charset="0"/>
+                <a:cs typeface="Open Sans" panose="020B0606030504020204" pitchFamily="34" charset="0"/>
+              </a:rPr>
+              <a:t> </a:t>
+            </a:r>
+            <a:r>
+              <a:rPr lang="en-US" sz="2000" kern="0" dirty="0" smtClean="0">
+                <a:latin typeface="Open Sans" panose="020B0606030504020204" pitchFamily="34" charset="0"/>
+                <a:ea typeface="Open Sans" panose="020B0606030504020204" pitchFamily="34" charset="0"/>
+                <a:cs typeface="Open Sans" panose="020B0606030504020204" pitchFamily="34" charset="0"/>
+              </a:rPr>
+              <a:t>reduce the dependence on stationary distribution</a:t>
+            </a:r>
+            <a:r>
+              <a:rPr lang="en-US" altLang="en-US" sz="2000" b="1" baseline="30000" dirty="0">
+                <a:solidFill>
+                  <a:srgbClr val="3333FF"/>
+                </a:solidFill>
+                <a:latin typeface="Open Sans" panose="020B0606030504020204" pitchFamily="34" charset="0"/>
+                <a:ea typeface="Open Sans" panose="020B0606030504020204" pitchFamily="34" charset="0"/>
+                <a:cs typeface="Open Sans" panose="020B0606030504020204" pitchFamily="34" charset="0"/>
+              </a:rPr>
+              <a:t> 2</a:t>
+            </a:r>
+            <a:endParaRPr lang="en-US" sz="2000" kern="0" dirty="0">
+              <a:latin typeface="Open Sans" panose="020B0606030504020204" pitchFamily="34" charset="0"/>
+              <a:ea typeface="Open Sans" panose="020B0606030504020204" pitchFamily="34" charset="0"/>
+              <a:cs typeface="Open Sans" panose="020B0606030504020204" pitchFamily="34" charset="0"/>
+            </a:endParaRPr>
+          </a:p>
         </p:txBody>
       </p:sp>
+      <p:pic>
+        <p:nvPicPr>
+          <p:cNvPr id="4" name="Picture 3"/>
+          <p:cNvPicPr>
+            <a:picLocks noChangeAspect="1"/>
+          </p:cNvPicPr>
+          <p:nvPr>
+            <p:custDataLst>
+              <p:tags r:id="rId3"/>
+            </p:custDataLst>
+          </p:nvPr>
+        </p:nvPicPr>
+        <p:blipFill>
+          <a:blip r:embed="rId9" cstate="print">
+            <a:extLst>
+              <a:ext uri="{28A0092B-C50C-407E-A947-70E740481C1C}">
+                <a14:useLocalDpi xmlns:a14="http://schemas.microsoft.com/office/drawing/2010/main" val="0"/>
+              </a:ext>
+            </a:extLst>
+          </a:blip>
+          <a:stretch>
+            <a:fillRect/>
+          </a:stretch>
+        </p:blipFill>
+        <p:spPr>
+          <a:xfrm>
+            <a:off x="914400" y="3048000"/>
+            <a:ext cx="4855924" cy="501181"/>
+          </a:xfrm>
+          <a:prstGeom prst="rect">
+            <a:avLst/>
+          </a:prstGeom>
+        </p:spPr>
+      </p:pic>
+      <p:pic>
+        <p:nvPicPr>
+          <p:cNvPr id="9" name="Picture 8"/>
+          <p:cNvPicPr>
+            <a:picLocks noChangeAspect="1"/>
+          </p:cNvPicPr>
+          <p:nvPr>
+            <p:custDataLst>
+              <p:tags r:id="rId4"/>
+            </p:custDataLst>
+          </p:nvPr>
+        </p:nvPicPr>
+        <p:blipFill>
+          <a:blip r:embed="rId10" cstate="print">
+            <a:extLst>
+              <a:ext uri="{28A0092B-C50C-407E-A947-70E740481C1C}">
+                <a14:useLocalDpi xmlns:a14="http://schemas.microsoft.com/office/drawing/2010/main" val="0"/>
+              </a:ext>
+            </a:extLst>
+          </a:blip>
+          <a:stretch>
+            <a:fillRect/>
+          </a:stretch>
+        </p:blipFill>
+        <p:spPr>
+          <a:xfrm>
+            <a:off x="2364114" y="3962400"/>
+            <a:ext cx="683886" cy="276572"/>
+          </a:xfrm>
+          <a:prstGeom prst="rect">
+            <a:avLst/>
+          </a:prstGeom>
+        </p:spPr>
+      </p:pic>
+      <p:pic>
+        <p:nvPicPr>
+          <p:cNvPr id="11" name="Picture 10"/>
+          <p:cNvPicPr>
+            <a:picLocks noChangeAspect="1"/>
+          </p:cNvPicPr>
+          <p:nvPr>
+            <p:custDataLst>
+              <p:tags r:id="rId5"/>
+            </p:custDataLst>
+          </p:nvPr>
+        </p:nvPicPr>
+        <p:blipFill>
+          <a:blip r:embed="rId11" cstate="print">
+            <a:extLst>
+              <a:ext uri="{28A0092B-C50C-407E-A947-70E740481C1C}">
+                <a14:useLocalDpi xmlns:a14="http://schemas.microsoft.com/office/drawing/2010/main" val="0"/>
+              </a:ext>
+            </a:extLst>
+          </a:blip>
+          <a:stretch>
+            <a:fillRect/>
+          </a:stretch>
+        </p:blipFill>
+        <p:spPr>
+          <a:xfrm>
+            <a:off x="5629381" y="4079875"/>
+            <a:ext cx="238019" cy="201143"/>
+          </a:xfrm>
+          <a:prstGeom prst="rect">
+            <a:avLst/>
+          </a:prstGeom>
+        </p:spPr>
+      </p:pic>
       <p:sp>
         <p:nvSpPr>
-          <p:cNvPr id="2" name="Content Placeholder 1"/>
+          <p:cNvPr id="14" name="Rectangle 6"/>
           <p:cNvSpPr>
-            <a:spLocks noGrp="1"/>
+            <a:spLocks noChangeArrowheads="1"/>
           </p:cNvSpPr>
-          <p:nvPr>
-            <p:ph idx="1"/>
-          </p:nvPr>
+          <p:nvPr/>
         </p:nvSpPr>
-        <p:spPr/>
+        <p:spPr bwMode="auto">
+          <a:xfrm>
+            <a:off x="0" y="6188075"/>
+            <a:ext cx="8829675" cy="498598"/>
+          </a:xfrm>
+          <a:prstGeom prst="rect">
+            <a:avLst/>
+          </a:prstGeom>
+          <a:noFill/>
+          <a:ln>
+            <a:noFill/>
+          </a:ln>
+          <a:effectLst/>
+          <a:extLst>
+            <a:ext uri="{909E8E84-426E-40DD-AFC4-6F175D3DCCD1}">
+              <a14:hiddenFill xmlns:a14="http://schemas.microsoft.com/office/drawing/2010/main">
+                <a:solidFill>
+                  <a:schemeClr val="accent1"/>
+                </a:solidFill>
+              </a14:hiddenFill>
+            </a:ext>
+            <a:ext uri="{91240B29-F687-4F45-9708-019B960494DF}">
+              <a14:hiddenLine xmlns:a14="http://schemas.microsoft.com/office/drawing/2010/main" w="9525">
+                <a:solidFill>
+                  <a:schemeClr val="tx1"/>
+                </a:solidFill>
+                <a:miter lim="800000"/>
+                <a:headEnd/>
+                <a:tailEnd/>
+              </a14:hiddenLine>
+            </a:ext>
+            <a:ext uri="{AF507438-7753-43E0-B8FC-AC1667EBCBE1}">
+              <a14:hiddenEffects xmlns:a14="http://schemas.microsoft.com/office/drawing/2010/main">
+                <a:effectLst>
+                  <a:outerShdw dist="35921" dir="2700000" algn="ctr" rotWithShape="0">
+                    <a:schemeClr val="bg2"/>
+                  </a:outerShdw>
+                </a:effectLst>
+              </a14:hiddenEffects>
+            </a:ext>
+          </a:extLst>
+        </p:spPr>
         <p:txBody>
-          <a:bodyPr/>
+          <a:bodyPr>
+            <a:spAutoFit/>
+          </a:bodyPr>
           <a:lstStyle/>
           <a:p>
-            <a:endParaRPr lang="en-US" dirty="0"/>
+            <a:pPr>
+              <a:spcBef>
+                <a:spcPct val="20000"/>
+              </a:spcBef>
+              <a:buClr>
+                <a:schemeClr val="accent1"/>
+              </a:buClr>
+              <a:buSzPct val="65000"/>
+            </a:pPr>
+            <a:r>
+              <a:rPr lang="en-US" altLang="en-US" sz="1200" b="1" dirty="0">
+                <a:solidFill>
+                  <a:srgbClr val="3333CC"/>
+                </a:solidFill>
+                <a:latin typeface="Open Sans" panose="020B0606030504020204" pitchFamily="34" charset="0"/>
+                <a:ea typeface="Open Sans" panose="020B0606030504020204" pitchFamily="34" charset="0"/>
+                <a:cs typeface="Open Sans" panose="020B0606030504020204" pitchFamily="34" charset="0"/>
+              </a:rPr>
+              <a:t>1. </a:t>
+            </a:r>
+            <a:r>
+              <a:rPr lang="en-US" altLang="en-US" sz="1200" b="1" dirty="0">
+                <a:solidFill>
+                  <a:srgbClr val="3333CC"/>
+                </a:solidFill>
+                <a:latin typeface="Open Sans" panose="020B0606030504020204" pitchFamily="34" charset="0"/>
+                <a:ea typeface="Open Sans" panose="020B0606030504020204" pitchFamily="34" charset="0"/>
+                <a:cs typeface="Open Sans" panose="020B0606030504020204" pitchFamily="34" charset="0"/>
+              </a:rPr>
+              <a:t>P. Sarkar, A. Moore, &amp; A. Prakash. Fast Incremental Proximity Search in Large Graphs. </a:t>
+            </a:r>
+            <a:r>
+              <a:rPr lang="en-US" altLang="en-US" sz="1200" b="1" i="1" dirty="0">
+                <a:solidFill>
+                  <a:srgbClr val="3333CC"/>
+                </a:solidFill>
+                <a:latin typeface="Open Sans" panose="020B0606030504020204" pitchFamily="34" charset="0"/>
+                <a:ea typeface="Open Sans" panose="020B0606030504020204" pitchFamily="34" charset="0"/>
+                <a:cs typeface="Open Sans" panose="020B0606030504020204" pitchFamily="34" charset="0"/>
+              </a:rPr>
+              <a:t>ICML ‘08.</a:t>
+            </a:r>
+          </a:p>
+          <a:p>
+            <a:pPr>
+              <a:spcBef>
+                <a:spcPct val="20000"/>
+              </a:spcBef>
+              <a:buClr>
+                <a:schemeClr val="accent1"/>
+              </a:buClr>
+              <a:buSzPct val="65000"/>
+            </a:pPr>
+            <a:r>
+              <a:rPr lang="en-US" altLang="en-US" sz="1200" b="1" dirty="0" smtClean="0">
+                <a:solidFill>
+                  <a:srgbClr val="3333CC"/>
+                </a:solidFill>
+                <a:latin typeface="Open Sans" panose="020B0606030504020204" pitchFamily="34" charset="0"/>
+                <a:ea typeface="Open Sans" panose="020B0606030504020204" pitchFamily="34" charset="0"/>
+                <a:cs typeface="Open Sans" panose="020B0606030504020204" pitchFamily="34" charset="0"/>
+              </a:rPr>
+              <a:t>2</a:t>
+            </a:r>
+            <a:r>
+              <a:rPr lang="en-US" altLang="en-US" sz="1200" b="1" dirty="0">
+                <a:solidFill>
+                  <a:srgbClr val="3333CC"/>
+                </a:solidFill>
+                <a:latin typeface="Open Sans" panose="020B0606030504020204" pitchFamily="34" charset="0"/>
+                <a:ea typeface="Open Sans" panose="020B0606030504020204" pitchFamily="34" charset="0"/>
+                <a:cs typeface="Open Sans" panose="020B0606030504020204" pitchFamily="34" charset="0"/>
+              </a:rPr>
+              <a:t>. </a:t>
+            </a:r>
+            <a:r>
+              <a:rPr lang="en-US" altLang="en-US" sz="1200" b="1" dirty="0">
+                <a:solidFill>
+                  <a:srgbClr val="3333CC"/>
+                </a:solidFill>
+                <a:latin typeface="Open Sans" panose="020B0606030504020204" pitchFamily="34" charset="0"/>
+                <a:ea typeface="Open Sans" panose="020B0606030504020204" pitchFamily="34" charset="0"/>
+                <a:cs typeface="Open Sans" panose="020B0606030504020204" pitchFamily="34" charset="0"/>
+              </a:rPr>
+              <a:t>H. Tong, Y. </a:t>
+            </a:r>
+            <a:r>
+              <a:rPr lang="en-US" altLang="en-US" sz="1200" b="1" dirty="0" err="1">
+                <a:solidFill>
+                  <a:srgbClr val="3333CC"/>
+                </a:solidFill>
+                <a:latin typeface="Open Sans" panose="020B0606030504020204" pitchFamily="34" charset="0"/>
+                <a:ea typeface="Open Sans" panose="020B0606030504020204" pitchFamily="34" charset="0"/>
+                <a:cs typeface="Open Sans" panose="020B0606030504020204" pitchFamily="34" charset="0"/>
+              </a:rPr>
+              <a:t>Koren</a:t>
+            </a:r>
+            <a:r>
+              <a:rPr lang="en-US" altLang="en-US" sz="1200" b="1" dirty="0">
+                <a:solidFill>
+                  <a:srgbClr val="3333CC"/>
+                </a:solidFill>
+                <a:latin typeface="Open Sans" panose="020B0606030504020204" pitchFamily="34" charset="0"/>
+                <a:ea typeface="Open Sans" panose="020B0606030504020204" pitchFamily="34" charset="0"/>
+                <a:cs typeface="Open Sans" panose="020B0606030504020204" pitchFamily="34" charset="0"/>
+              </a:rPr>
+              <a:t>, &amp; C. </a:t>
+            </a:r>
+            <a:r>
+              <a:rPr lang="en-US" altLang="en-US" sz="1200" b="1" dirty="0" err="1">
+                <a:solidFill>
+                  <a:srgbClr val="3333CC"/>
+                </a:solidFill>
+                <a:latin typeface="Open Sans" panose="020B0606030504020204" pitchFamily="34" charset="0"/>
+                <a:ea typeface="Open Sans" panose="020B0606030504020204" pitchFamily="34" charset="0"/>
+                <a:cs typeface="Open Sans" panose="020B0606030504020204" pitchFamily="34" charset="0"/>
+              </a:rPr>
+              <a:t>Faloutsos</a:t>
+            </a:r>
+            <a:r>
+              <a:rPr lang="en-US" altLang="en-US" sz="1200" b="1" dirty="0">
+                <a:solidFill>
+                  <a:srgbClr val="3333CC"/>
+                </a:solidFill>
+                <a:latin typeface="Open Sans" panose="020B0606030504020204" pitchFamily="34" charset="0"/>
+                <a:ea typeface="Open Sans" panose="020B0606030504020204" pitchFamily="34" charset="0"/>
+                <a:cs typeface="Open Sans" panose="020B0606030504020204" pitchFamily="34" charset="0"/>
+              </a:rPr>
+              <a:t>. Fast direction-aware proximity for graph mining. </a:t>
+            </a:r>
+            <a:r>
+              <a:rPr lang="en-US" altLang="en-US" sz="1200" b="1" i="1" dirty="0">
+                <a:solidFill>
+                  <a:srgbClr val="3333CC"/>
+                </a:solidFill>
+                <a:latin typeface="Open Sans" panose="020B0606030504020204" pitchFamily="34" charset="0"/>
+                <a:ea typeface="Open Sans" panose="020B0606030504020204" pitchFamily="34" charset="0"/>
+                <a:cs typeface="Open Sans" panose="020B0606030504020204" pitchFamily="34" charset="0"/>
+              </a:rPr>
+              <a:t>KDD ‘07</a:t>
+            </a:r>
+            <a:r>
+              <a:rPr lang="en-US" altLang="en-US" sz="1200" b="1" i="1" dirty="0" smtClean="0">
+                <a:solidFill>
+                  <a:srgbClr val="3333CC"/>
+                </a:solidFill>
+                <a:latin typeface="Open Sans" panose="020B0606030504020204" pitchFamily="34" charset="0"/>
+                <a:ea typeface="Open Sans" panose="020B0606030504020204" pitchFamily="34" charset="0"/>
+                <a:cs typeface="Open Sans" panose="020B0606030504020204" pitchFamily="34" charset="0"/>
+              </a:rPr>
+              <a:t>.</a:t>
+            </a:r>
+            <a:endParaRPr lang="en-US" altLang="en-US" sz="1200" b="1" i="1" dirty="0">
+              <a:solidFill>
+                <a:srgbClr val="3333CC"/>
+              </a:solidFill>
+              <a:latin typeface="Open Sans" panose="020B0606030504020204" pitchFamily="34" charset="0"/>
+              <a:ea typeface="Open Sans" panose="020B0606030504020204" pitchFamily="34" charset="0"/>
+              <a:cs typeface="Open Sans" panose="020B0606030504020204" pitchFamily="34" charset="0"/>
+            </a:endParaRPr>
           </a:p>
         </p:txBody>
       </p:sp>
@@ -28852,9 +30524,6 @@
             </a:r>
             <a:r>
               <a:rPr lang="en-US" altLang="en-US" sz="2000" dirty="0" err="1" smtClean="0">
-                <a:solidFill>
-                  <a:srgbClr val="FF0000"/>
-                </a:solidFill>
                 <a:latin typeface="Open Sans" panose="020B0606030504020204" pitchFamily="34" charset="0"/>
                 <a:ea typeface="Open Sans" panose="020B0606030504020204" pitchFamily="34" charset="0"/>
                 <a:cs typeface="Open Sans" panose="020B0606030504020204" pitchFamily="34" charset="0"/>
@@ -32058,7 +33727,7 @@
                 <a:ea typeface="Open Sans" panose="020B0606030504020204" pitchFamily="34" charset="0"/>
                 <a:cs typeface="Open Sans" panose="020B0606030504020204" pitchFamily="34" charset="0"/>
               </a:rPr>
-              <a:t>Prob</a:t>
+              <a:t>Pr</a:t>
             </a:r>
             <a:r>
               <a:rPr lang="en-US" altLang="en-US" sz="2000" dirty="0" smtClean="0">
@@ -32066,7 +33735,7 @@
                 <a:ea typeface="Open Sans" panose="020B0606030504020204" pitchFamily="34" charset="0"/>
                 <a:cs typeface="Open Sans" panose="020B0606030504020204" pitchFamily="34" charset="0"/>
               </a:rPr>
-              <a:t> (start</a:t>
+              <a:t>[start</a:t>
             </a:r>
             <a:r>
               <a:rPr lang="en-US" altLang="zh-CN" sz="2000" dirty="0" smtClean="0">
@@ -32082,7 +33751,15 @@
                 <a:ea typeface="Open Sans" panose="020B0606030504020204" pitchFamily="34" charset="0"/>
                 <a:cs typeface="Open Sans" panose="020B0606030504020204" pitchFamily="34" charset="0"/>
               </a:rPr>
-              <a:t> at A, reaches B before return</a:t>
+              <a:t> </a:t>
+            </a:r>
+            <a:r>
+              <a:rPr lang="en-US" altLang="en-US" sz="2000" dirty="0" smtClean="0">
+                <a:latin typeface="Open Sans" panose="020B0606030504020204" pitchFamily="34" charset="0"/>
+                <a:ea typeface="Open Sans" panose="020B0606030504020204" pitchFamily="34" charset="0"/>
+                <a:cs typeface="Open Sans" panose="020B0606030504020204" pitchFamily="34" charset="0"/>
+              </a:rPr>
+              <a:t>at A, reaches B before return</a:t>
             </a:r>
             <a:r>
               <a:rPr lang="en-US" altLang="zh-CN" sz="2000" dirty="0" smtClean="0">
@@ -32114,8 +33791,13 @@
                 <a:ea typeface="Open Sans" panose="020B0606030504020204" pitchFamily="34" charset="0"/>
                 <a:cs typeface="Open Sans" panose="020B0606030504020204" pitchFamily="34" charset="0"/>
               </a:rPr>
-              <a:t>)</a:t>
-            </a:r>
+              <a:t>]</a:t>
+            </a:r>
+            <a:endParaRPr lang="en-US" altLang="en-US" sz="2000" dirty="0" smtClean="0">
+              <a:latin typeface="Open Sans" panose="020B0606030504020204" pitchFamily="34" charset="0"/>
+              <a:ea typeface="Open Sans" panose="020B0606030504020204" pitchFamily="34" charset="0"/>
+              <a:cs typeface="Open Sans" panose="020B0606030504020204" pitchFamily="34" charset="0"/>
+            </a:endParaRPr>
           </a:p>
           <a:p>
             <a:pPr lvl="1"/>
@@ -33064,7 +34746,7 @@
       </p:pic>
       <p:pic>
         <p:nvPicPr>
-          <p:cNvPr id="18" name="Picture 17"/>
+          <p:cNvPr id="6" name="Picture 5"/>
           <p:cNvPicPr>
             <a:picLocks noChangeAspect="1"/>
           </p:cNvPicPr>
@@ -33088,8 +34770,8 @@
         </p:blipFill>
         <p:spPr>
           <a:xfrm>
-            <a:off x="2102183" y="5692171"/>
-            <a:ext cx="4734475" cy="304762"/>
+            <a:off x="2102183" y="5562600"/>
+            <a:ext cx="4722283" cy="455619"/>
           </a:xfrm>
           <a:prstGeom prst="rect">
             <a:avLst/>
@@ -33558,7 +35240,7 @@
           <a:graphicData uri="http://schemas.openxmlformats.org/presentationml/2006/ole">
             <mc:AlternateContent xmlns:mc="http://schemas.openxmlformats.org/markup-compatibility/2006">
               <mc:Choice xmlns:v="urn:schemas-microsoft-com:vml" Requires="v">
-                <p:oleObj spid="_x0000_s8898" name="Visio" r:id="rId6" imgW="5289194" imgH="2914802" progId="Visio.Drawing.11">
+                <p:oleObj spid="_x0000_s8984" name="Visio" r:id="rId6" imgW="5289194" imgH="2914802" progId="Visio.Drawing.11">
                   <p:embed/>
                 </p:oleObj>
               </mc:Choice>
@@ -33893,11 +35575,11 @@
 <file path=ppt/tags/tag21.xml><?xml version="1.0" encoding="utf-8"?>
 <p:tagLst xmlns:a="http://schemas.openxmlformats.org/drawingml/2006/main" xmlns:r="http://schemas.openxmlformats.org/officeDocument/2006/relationships" xmlns:p="http://schemas.openxmlformats.org/presentationml/2006/main">
   <p:tag name="OUTPUTDPI" val="1200"/>
-  <p:tag name="ORIGINALHEIGHT" val="149.9813"/>
-  <p:tag name="ORIGINALWIDTH" val="2329.959"/>
-  <p:tag name="LATEXADDIN" val="\documentclass{article}&#10;\usepackage{amsmath}&#10;\pagestyle{empty}&#10;\begin{document}&#10;&#10;$\mathrm{ep}(A \rightarrow B) = \mathrm{Prob} \big( \quad\quad \mathrm{comes\ before} \quad\quad \big)$&#10;&#10;&#10;\end{document}"/>
+  <p:tag name="ORIGINALHEIGHT" val="224.222"/>
+  <p:tag name="ORIGINALWIDTH" val="2323.959"/>
+  <p:tag name="LATEXADDIN" val="\documentclass{article}&#10;\usepackage{amsmath}&#10;\pagestyle{empty}&#10;\begin{document}&#10;&#10;$\mathrm{ep}(A \rightarrow B) = \mathrm{Prob} \Big[ \quad\quad \mathrm{comes\ before} \quad\quad \Big]$&#10;&#10;&#10;\end{document}"/>
   <p:tag name="IGUANATEXSIZE" val="20"/>
-  <p:tag name="IGUANATEXCURSOR" val="182"/>
+  <p:tag name="IGUANATEXCURSOR" val="180"/>
   <p:tag name="TRANSPARENCY" val="True"/>
   <p:tag name="FILENAME" val=""/>
   <p:tag name="LATEXENGINEID" val="0"/>
@@ -34598,7 +36280,20 @@
 
 <file path=ppt/tags/tag61.xml><?xml version="1.0" encoding="utf-8"?>
 <p:tagLst xmlns:a="http://schemas.openxmlformats.org/drawingml/2006/main" xmlns:r="http://schemas.openxmlformats.org/officeDocument/2006/relationships" xmlns:p="http://schemas.openxmlformats.org/presentationml/2006/main">
-  <p:tag name="TIMING" val="|14.6"/>
+  <p:tag name="OUTPUTDPI" val="1200"/>
+  <p:tag name="ORIGINALHEIGHT" val="123.7346"/>
+  <p:tag name="ORIGINALWIDTH" val="1169.104"/>
+  <p:tag name="LATEXADDIN" val="\documentclass{article}&#10;\usepackage{amsmath}&#10;\usepackage{color}&#10;\pagestyle{empty}&#10;\begin{document}&#10;&#10;\definecolor{orange}{rgb}{0.5,0,0}&#10;&#10;{\color{orange}&#10;$\mathrm{ep}(i \rightarrow j) - \mathrm{ep}(j \rightarrow i)$&#10;}&#10;&#10;\end{document}"/>
+  <p:tag name="IGUANATEXSIZE" val="20"/>
+  <p:tag name="IGUANATEXCURSOR" val="129"/>
+  <p:tag name="TRANSPARENCY" val="True"/>
+  <p:tag name="FILENAME" val=""/>
+  <p:tag name="LATEXENGINEID" val="0"/>
+  <p:tag name="TEMPFOLDER" val="c:\temp\"/>
+  <p:tag name="LATEXFORMHEIGHT" val="312"/>
+  <p:tag name="LATEXFORMWIDTH" val="384"/>
+  <p:tag name="LATEXFORMWRAP" val="True"/>
+  <p:tag name="BITMAPVECTOR" val="0"/>
 </p:tagLst>
 </file>
 
@@ -34610,7 +36305,121 @@
 
 <file path=ppt/tags/tag63.xml><?xml version="1.0" encoding="utf-8"?>
 <p:tagLst xmlns:a="http://schemas.openxmlformats.org/drawingml/2006/main" xmlns:r="http://schemas.openxmlformats.org/officeDocument/2006/relationships" xmlns:p="http://schemas.openxmlformats.org/presentationml/2006/main">
+  <p:tag name="OUTPUTDPI" val="1200"/>
+  <p:tag name="ORIGINALHEIGHT" val="111.9327"/>
+  <p:tag name="ORIGINALWIDTH" val="719.3802"/>
+  <p:tag name="LATEXADDIN" val="\documentclass{article}&#10;\usepackage{amsmath}&#10;\pagestyle{empty}&#10;\usepackage{amssymb}&#10;\usepackage{amsthm}&#10;\usepackage{bm}&#10;\usepackage{dsfont}&#10;&#10;\newtheorem*{mythm*}{Theorem}&#10;\newtheorem*{mylem*}{Lemma}&#10;\newtheorem*{mycor*}{Corollary}&#10;\begin{document}&#10;&#10;\begin{mylem*}&#10;The expected time $r_i$ for a random walk starting at node $i$ to return to $i$ is the reciprocal of the stationary probability of $i$.&#10;That is&#10;\[&#10;r_i = \frac{1}{\pi_i}.&#10;\]&#10;\end{mylem*}&#10;&#10;&#10;\end{document}"/>
+  <p:tag name="IGUANATEXSIZE" val="20"/>
+  <p:tag name="IGUANATEXCURSOR" val="230"/>
+  <p:tag name="TRANSPARENCY" val="True"/>
+  <p:tag name="FILENAME" val=""/>
+  <p:tag name="LATEXENGINEID" val="0"/>
+  <p:tag name="TEMPFOLDER" val="c:\temp\"/>
+  <p:tag name="LATEXFORMHEIGHT" val="312"/>
+  <p:tag name="LATEXFORMWIDTH" val="384"/>
+  <p:tag name="LATEXFORMWRAP" val="True"/>
+  <p:tag name="BITMAPVECTOR" val="0"/>
+</p:tagLst>
+</file>
+
+<file path=ppt/tags/tag64.xml><?xml version="1.0" encoding="utf-8"?>
+<p:tagLst xmlns:a="http://schemas.openxmlformats.org/drawingml/2006/main" xmlns:r="http://schemas.openxmlformats.org/officeDocument/2006/relationships" xmlns:p="http://schemas.openxmlformats.org/presentationml/2006/main">
+  <p:tag name="OUTPUTDPI" val="1200"/>
+  <p:tag name="ORIGINALHEIGHT" val="56.24299"/>
+  <p:tag name="ORIGINALWIDTH" val="79.49008"/>
+  <p:tag name="LATEXADDIN" val="\documentclass{article}&#10;\usepackage{amsmath}&#10;\usepackage{bm}&#10;\pagestyle{empty}&#10;\begin{document}&#10;&#10;$\bm{\pi}$&#10;&#10;&#10;\end{document}"/>
+  <p:tag name="IGUANATEXSIZE" val="20"/>
+  <p:tag name="IGUANATEXCURSOR" val="107"/>
+  <p:tag name="TRANSPARENCY" val="True"/>
+  <p:tag name="FILENAME" val=""/>
+  <p:tag name="LATEXENGINEID" val="0"/>
+  <p:tag name="TEMPFOLDER" val="c:\temp\"/>
+  <p:tag name="LATEXFORMHEIGHT" val="312"/>
+  <p:tag name="LATEXFORMWIDTH" val="384"/>
+  <p:tag name="LATEXFORMWRAP" val="True"/>
+  <p:tag name="BITMAPVECTOR" val="0"/>
+</p:tagLst>
+</file>
+
+<file path=ppt/tags/tag65.xml><?xml version="1.0" encoding="utf-8"?>
+<p:tagLst xmlns:a="http://schemas.openxmlformats.org/drawingml/2006/main" xmlns:r="http://schemas.openxmlformats.org/officeDocument/2006/relationships" xmlns:p="http://schemas.openxmlformats.org/presentationml/2006/main">
+  <p:tag name="OUTPUTDPI" val="1200"/>
+  <p:tag name="ORIGINALHEIGHT" val="103.4871"/>
+  <p:tag name="ORIGINALWIDTH" val="197.2254"/>
+  <p:tag name="LATEXADDIN" val="\documentclass{article}&#10;\usepackage{amsmath}&#10;\pagestyle{empty}&#10;\begin{document}&#10;&#10;$\pi_i T$&#10;&#10;&#10;\end{document}"/>
+  <p:tag name="IGUANATEXSIZE" val="20"/>
+  <p:tag name="IGUANATEXCURSOR" val="88"/>
+  <p:tag name="TRANSPARENCY" val="True"/>
+  <p:tag name="FILENAME" val=""/>
+  <p:tag name="LATEXENGINEID" val="0"/>
+  <p:tag name="TEMPFOLDER" val="c:\temp\"/>
+  <p:tag name="LATEXFORMHEIGHT" val="312"/>
+  <p:tag name="LATEXFORMWIDTH" val="384"/>
+  <p:tag name="LATEXFORMWRAP" val="True"/>
+  <p:tag name="BITMAPVECTOR" val="0"/>
+</p:tagLst>
+</file>
+
+<file path=ppt/tags/tag66.xml><?xml version="1.0" encoding="utf-8"?>
+<p:tagLst xmlns:a="http://schemas.openxmlformats.org/drawingml/2006/main" xmlns:r="http://schemas.openxmlformats.org/officeDocument/2006/relationships" xmlns:p="http://schemas.openxmlformats.org/presentationml/2006/main">
+  <p:tag name="OUTPUTDPI" val="1200"/>
+  <p:tag name="ORIGINALHEIGHT" val="164.2294"/>
+  <p:tag name="ORIGINALWIDTH" val="493.4384"/>
+  <p:tag name="LATEXADDIN" val="\documentclass{article}&#10;\usepackage{amsmath}&#10;\pagestyle{empty}&#10;\begin{document}&#10;&#10;$\frac{T}{\pi_i \cdot T} = \frac{1}{\pi_i}$&#10;&#10;&#10;\end{document}"/>
+  <p:tag name="IGUANATEXSIZE" val="20"/>
+  <p:tag name="IGUANATEXCURSOR" val="124"/>
+  <p:tag name="TRANSPARENCY" val="True"/>
+  <p:tag name="FILENAME" val=""/>
+  <p:tag name="LATEXENGINEID" val="0"/>
+  <p:tag name="TEMPFOLDER" val="c:\temp\"/>
+  <p:tag name="LATEXFORMHEIGHT" val="312"/>
+  <p:tag name="LATEXFORMWIDTH" val="384"/>
+  <p:tag name="LATEXFORMWRAP" val="True"/>
+  <p:tag name="BITMAPVECTOR" val="0"/>
+</p:tagLst>
+</file>
+
+<file path=ppt/tags/tag67.xml><?xml version="1.0" encoding="utf-8"?>
+<p:tagLst xmlns:a="http://schemas.openxmlformats.org/drawingml/2006/main" xmlns:r="http://schemas.openxmlformats.org/officeDocument/2006/relationships" xmlns:p="http://schemas.openxmlformats.org/presentationml/2006/main">
   <p:tag name="TIMING" val="|14.6"/>
+</p:tagLst>
+</file>
+
+<file path=ppt/tags/tag68.xml><?xml version="1.0" encoding="utf-8"?>
+<p:tagLst xmlns:a="http://schemas.openxmlformats.org/drawingml/2006/main" xmlns:r="http://schemas.openxmlformats.org/officeDocument/2006/relationships" xmlns:p="http://schemas.openxmlformats.org/presentationml/2006/main">
+  <p:tag name="OUTPUTDPI" val="1200"/>
+  <p:tag name="ORIGINALHEIGHT" val="156.7712"/>
+  <p:tag name="ORIGINALWIDTH" val="720.3619"/>
+  <p:tag name="LATEXADDIN" val="\documentclass{article}&#10;\usepackage{amsmath}&#10;\pagestyle{empty}&#10;\usepackage{amssymb}&#10;\usepackage{amsthm}&#10;\usepackage{bm}&#10;\usepackage{dsfont}&#10;\newtheorem*{mythm*}{Theorem}&#10;\newtheorem*{mylem*}{Lemma}&#10;\newtheorem*{mycor*}{Corollary}&#10;\begin{document}&#10;&#10;\begin{mythm*}&#10;The probability that a random walk starting at node $i$ visits $j$ before returning to $i$, which equals $\mathrm{ep}(i\rightarrow j)$, satisfies&#10;\[&#10;\mathrm{ep}(i\rightarrow j)c(i,j) = \frac{1}{\pi_i},&#10;\]&#10;where $c(i,j)$ is the commute time between $i$ and $j$.&#10;\end{mythm*}&#10;&#10;&#10;\end{document}"/>
+  <p:tag name="IGUANATEXSIZE" val="20"/>
+  <p:tag name="IGUANATEXCURSOR" val="62"/>
+  <p:tag name="TRANSPARENCY" val="True"/>
+  <p:tag name="FILENAME" val=""/>
+  <p:tag name="LATEXENGINEID" val="0"/>
+  <p:tag name="TEMPFOLDER" val="c:\temp\"/>
+  <p:tag name="LATEXFORMHEIGHT" val="312"/>
+  <p:tag name="LATEXFORMWIDTH" val="384"/>
+  <p:tag name="LATEXFORMWRAP" val="True"/>
+  <p:tag name="BITMAPVECTOR" val="0"/>
+</p:tagLst>
+</file>
+
+<file path=ppt/tags/tag69.xml><?xml version="1.0" encoding="utf-8"?>
+<p:tagLst xmlns:a="http://schemas.openxmlformats.org/drawingml/2006/main" xmlns:r="http://schemas.openxmlformats.org/officeDocument/2006/relationships" xmlns:p="http://schemas.openxmlformats.org/presentationml/2006/main">
+  <p:tag name="OUTPUTDPI" val="1200"/>
+  <p:tag name="ORIGINALHEIGHT" val="163.4795"/>
+  <p:tag name="ORIGINALWIDTH" val="583.4271"/>
+  <p:tag name="LATEXADDIN" val="\documentclass{article}&#10;\usepackage{amsmath}&#10;\pagestyle{empty}&#10;\begin{document}&#10;&#10;$E(X) = \frac{1}{\pi_i}$&#10;&#10;&#10;\end{document}"/>
+  <p:tag name="IGUANATEXSIZE" val="20"/>
+  <p:tag name="IGUANATEXCURSOR" val="105"/>
+  <p:tag name="TRANSPARENCY" val="True"/>
+  <p:tag name="FILENAME" val=""/>
+  <p:tag name="LATEXENGINEID" val="0"/>
+  <p:tag name="TEMPFOLDER" val="c:\temp\"/>
+  <p:tag name="LATEXFORMHEIGHT" val="312"/>
+  <p:tag name="LATEXFORMWIDTH" val="384"/>
+  <p:tag name="LATEXFORMWRAP" val="True"/>
+  <p:tag name="BITMAPVECTOR" val="0"/>
 </p:tagLst>
 </file>
 
@@ -34622,6 +36431,164 @@
   <p:tag name="LATEXADDIN" val="\documentclass{article}&#10;\usepackage{amsmath}&#10;\usepackage{bm}&#10;\pagestyle{empty}&#10;\begin{document}&#10;&#10;\[&#10;\bm{r} = \bm{e}_i&#10;\]&#10;&#10;&#10;\end{document}"/>
   <p:tag name="IGUANATEXSIZE" val="24"/>
   <p:tag name="IGUANATEXCURSOR" val="117"/>
+  <p:tag name="TRANSPARENCY" val="True"/>
+  <p:tag name="FILENAME" val=""/>
+  <p:tag name="LATEXENGINEID" val="0"/>
+  <p:tag name="TEMPFOLDER" val="c:\temp\"/>
+  <p:tag name="LATEXFORMHEIGHT" val="312"/>
+  <p:tag name="LATEXFORMWIDTH" val="384"/>
+  <p:tag name="LATEXFORMWRAP" val="True"/>
+  <p:tag name="BITMAPVECTOR" val="0"/>
+</p:tagLst>
+</file>
+
+<file path=ppt/tags/tag70.xml><?xml version="1.0" encoding="utf-8"?>
+<p:tagLst xmlns:a="http://schemas.openxmlformats.org/drawingml/2006/main" xmlns:r="http://schemas.openxmlformats.org/officeDocument/2006/relationships" xmlns:p="http://schemas.openxmlformats.org/presentationml/2006/main">
+  <p:tag name="OUTPUTDPI" val="1200"/>
+  <p:tag name="ORIGINALHEIGHT" val="123.7346"/>
+  <p:tag name="ORIGINALWIDTH" val="752.156"/>
+  <p:tag name="LATEXADDIN" val="\documentclass{article}&#10;\usepackage{amsmath}&#10;\pagestyle{empty}&#10;\begin{document}&#10;&#10;&#10;$E(Y) = c(i,j)$&#10;&#10;\end{document}"/>
+  <p:tag name="IGUANATEXSIZE" val="20"/>
+  <p:tag name="IGUANATEXCURSOR" val="97"/>
+  <p:tag name="TRANSPARENCY" val="True"/>
+  <p:tag name="FILENAME" val=""/>
+  <p:tag name="LATEXENGINEID" val="0"/>
+  <p:tag name="TEMPFOLDER" val="c:\temp\"/>
+  <p:tag name="LATEXFORMHEIGHT" val="312"/>
+  <p:tag name="LATEXFORMWIDTH" val="384"/>
+  <p:tag name="LATEXFORMWRAP" val="True"/>
+  <p:tag name="BITMAPVECTOR" val="0"/>
+</p:tagLst>
+</file>
+
+<file path=ppt/tags/tag71.xml><?xml version="1.0" encoding="utf-8"?>
+<p:tagLst xmlns:a="http://schemas.openxmlformats.org/drawingml/2006/main" xmlns:r="http://schemas.openxmlformats.org/officeDocument/2006/relationships" xmlns:p="http://schemas.openxmlformats.org/presentationml/2006/main">
+  <p:tag name="OUTPUTDPI" val="1200"/>
+  <p:tag name="ORIGINALHEIGHT" val="137.9828"/>
+  <p:tag name="ORIGINALWIDTH" val="1496.813"/>
+  <p:tag name="LATEXADDIN" val="\documentclass{article}&#10;\usepackage{amsmath}&#10;\usepackage{amssymb}&#10;\pagestyle{empty}&#10;\begin{document}&#10;&#10;$\Pr\left[X = Y\right] = p \triangleq \mathrm{ep}(i\rightarrow j)$&#10;&#10;&#10;\end{document}"/>
+  <p:tag name="IGUANATEXSIZE" val="20"/>
+  <p:tag name="IGUANATEXCURSOR" val="65"/>
+  <p:tag name="TRANSPARENCY" val="True"/>
+  <p:tag name="FILENAME" val=""/>
+  <p:tag name="LATEXENGINEID" val="0"/>
+  <p:tag name="TEMPFOLDER" val="c:\temp\"/>
+  <p:tag name="LATEXFORMHEIGHT" val="312"/>
+  <p:tag name="LATEXFORMWIDTH" val="384"/>
+  <p:tag name="LATEXFORMWRAP" val="True"/>
+  <p:tag name="BITMAPVECTOR" val="0"/>
+</p:tagLst>
+</file>
+
+<file path=ppt/tags/tag72.xml><?xml version="1.0" encoding="utf-8"?>
+<p:tagLst xmlns:a="http://schemas.openxmlformats.org/drawingml/2006/main" xmlns:r="http://schemas.openxmlformats.org/officeDocument/2006/relationships" xmlns:p="http://schemas.openxmlformats.org/presentationml/2006/main">
+  <p:tag name="OUTPUTDPI" val="1200"/>
+  <p:tag name="ORIGINALHEIGHT" val="123.7346"/>
+  <p:tag name="ORIGINALWIDTH" val="2683.915"/>
+  <p:tag name="LATEXADDIN" val="\documentclass{article}&#10;\usepackage{amsmath}&#10;\pagestyle{empty}&#10;\begin{document}&#10;&#10;$E(Y - X) = p\cdot 0 + (1 - p)\cdot E(Y) = (1-p) c(i,j)$&#10;&#10;&#10;\end{document}"/>
+  <p:tag name="IGUANATEXSIZE" val="18"/>
+  <p:tag name="IGUANATEXCURSOR" val="137"/>
+  <p:tag name="TRANSPARENCY" val="True"/>
+  <p:tag name="FILENAME" val=""/>
+  <p:tag name="LATEXENGINEID" val="0"/>
+  <p:tag name="TEMPFOLDER" val="c:\temp\"/>
+  <p:tag name="LATEXFORMHEIGHT" val="312"/>
+  <p:tag name="LATEXFORMWIDTH" val="384"/>
+  <p:tag name="LATEXFORMWRAP" val="True"/>
+  <p:tag name="BITMAPVECTOR" val="0"/>
+</p:tagLst>
+</file>
+
+<file path=ppt/tags/tag73.xml><?xml version="1.0" encoding="utf-8"?>
+<p:tagLst xmlns:a="http://schemas.openxmlformats.org/drawingml/2006/main" xmlns:r="http://schemas.openxmlformats.org/officeDocument/2006/relationships" xmlns:p="http://schemas.openxmlformats.org/presentationml/2006/main">
+  <p:tag name="OUTPUTDPI" val="1200"/>
+  <p:tag name="ORIGINALHEIGHT" val="163.4795"/>
+  <p:tag name="ORIGINALWIDTH" val="2217.473"/>
+  <p:tag name="LATEXADDIN" val="\documentclass{article}&#10;\usepackage{amsmath}&#10;\pagestyle{empty}&#10;\begin{document}&#10;&#10;&#10;$E(Y - X) = E(Y) - E(X) = c(i,j) - \frac{1}{\pi_i}$&#10;&#10;\end{document}"/>
+  <p:tag name="IGUANATEXSIZE" val="20"/>
+  <p:tag name="IGUANATEXCURSOR" val="133"/>
+  <p:tag name="TRANSPARENCY" val="True"/>
+  <p:tag name="FILENAME" val=""/>
+  <p:tag name="LATEXENGINEID" val="0"/>
+  <p:tag name="TEMPFOLDER" val="c:\temp\"/>
+  <p:tag name="LATEXFORMHEIGHT" val="312"/>
+  <p:tag name="LATEXFORMWIDTH" val="384"/>
+  <p:tag name="LATEXFORMWRAP" val="True"/>
+  <p:tag name="BITMAPVECTOR" val="0"/>
+</p:tagLst>
+</file>
+
+<file path=ppt/tags/tag74.xml><?xml version="1.0" encoding="utf-8"?>
+<p:tagLst xmlns:a="http://schemas.openxmlformats.org/drawingml/2006/main" xmlns:r="http://schemas.openxmlformats.org/officeDocument/2006/relationships" xmlns:p="http://schemas.openxmlformats.org/presentationml/2006/main">
+  <p:tag name="TIMING" val="|14.6"/>
+</p:tagLst>
+</file>
+
+<file path=ppt/tags/tag75.xml><?xml version="1.0" encoding="utf-8"?>
+<p:tagLst xmlns:a="http://schemas.openxmlformats.org/drawingml/2006/main" xmlns:r="http://schemas.openxmlformats.org/officeDocument/2006/relationships" xmlns:p="http://schemas.openxmlformats.org/presentationml/2006/main">
+  <p:tag name="OUTPUTDPI" val="1200"/>
+  <p:tag name="ORIGINALHEIGHT" val="156.7712"/>
+  <p:tag name="ORIGINALWIDTH" val="720.3619"/>
+  <p:tag name="LATEXADDIN" val="\documentclass{article}&#10;\usepackage{amsmath}&#10;\pagestyle{empty}&#10;\usepackage{amssymb}&#10;\usepackage{amsthm}&#10;\usepackage{bm}&#10;\usepackage{dsfont}&#10;\newtheorem*{mythm*}{Theorem}&#10;\newtheorem*{mylem*}{Lemma}&#10;\newtheorem*{mycor*}{Corollary}&#10;\begin{document}&#10;&#10;\begin{mythm*}&#10;The probability that a random walk starting at node $i$ visits $j$ before returning to $i$, which equals $\mathrm{ep}(i\rightarrow j)$, satisfies&#10;\[&#10;\mathrm{ep}(i\rightarrow j)c(i,j) = \frac{1}{\pi_i},&#10;\]&#10;where $c(i,j)$ is the commute time between $i$ and $j$.&#10;\end{mythm*}&#10;&#10;&#10;\end{document}"/>
+  <p:tag name="IGUANATEXSIZE" val="20"/>
+  <p:tag name="IGUANATEXCURSOR" val="62"/>
+  <p:tag name="TRANSPARENCY" val="True"/>
+  <p:tag name="FILENAME" val=""/>
+  <p:tag name="LATEXENGINEID" val="0"/>
+  <p:tag name="TEMPFOLDER" val="c:\temp\"/>
+  <p:tag name="LATEXFORMHEIGHT" val="312"/>
+  <p:tag name="LATEXFORMWIDTH" val="384"/>
+  <p:tag name="LATEXFORMWRAP" val="True"/>
+  <p:tag name="BITMAPVECTOR" val="0"/>
+</p:tagLst>
+</file>
+
+<file path=ppt/tags/tag76.xml><?xml version="1.0" encoding="utf-8"?>
+<p:tagLst xmlns:a="http://schemas.openxmlformats.org/drawingml/2006/main" xmlns:r="http://schemas.openxmlformats.org/officeDocument/2006/relationships" xmlns:p="http://schemas.openxmlformats.org/presentationml/2006/main">
+  <p:tag name="OUTPUTDPI" val="1200"/>
+  <p:tag name="ORIGINALHEIGHT" val="224.222"/>
+  <p:tag name="ORIGINALWIDTH" val="2172.479"/>
+  <p:tag name="LATEXADDIN" val="\documentclass{article}&#10;\usepackage{amsmath}&#10;\pagestyle{empty}&#10;\begin{document}&#10;&#10;$\mathrm{ep}(i\rightarrow j) + \mathrm{ep}(j\rightarrow i) = \frac{1}{c(i,j)}\left(\frac{1}{\pi_i} + \frac{1}{\pi_j}\right)$&#10;&#10;&#10;\end{document}"/>
+  <p:tag name="IGUANATEXSIZE" val="22"/>
+  <p:tag name="IGUANATEXCURSOR" val="205"/>
+  <p:tag name="TRANSPARENCY" val="True"/>
+  <p:tag name="FILENAME" val=""/>
+  <p:tag name="LATEXENGINEID" val="0"/>
+  <p:tag name="TEMPFOLDER" val="c:\temp\"/>
+  <p:tag name="LATEXFORMHEIGHT" val="312"/>
+  <p:tag name="LATEXFORMWIDTH" val="384"/>
+  <p:tag name="LATEXFORMWRAP" val="True"/>
+  <p:tag name="BITMAPVECTOR" val="0"/>
+</p:tagLst>
+</file>
+
+<file path=ppt/tags/tag77.xml><?xml version="1.0" encoding="utf-8"?>
+<p:tagLst xmlns:a="http://schemas.openxmlformats.org/drawingml/2006/main" xmlns:r="http://schemas.openxmlformats.org/officeDocument/2006/relationships" xmlns:p="http://schemas.openxmlformats.org/presentationml/2006/main">
+  <p:tag name="OUTPUTDPI" val="1200"/>
+  <p:tag name="ORIGINALHEIGHT" val="123.7346"/>
+  <p:tag name="ORIGINALWIDTH" val="305.9617"/>
+  <p:tag name="LATEXADDIN" val="\documentclass{article}&#10;\usepackage{amsmath}&#10;\pagestyle{empty}&#10;\begin{document}&#10;&#10;$h(i,j)$&#10;&#10;&#10;\end{document}"/>
+  <p:tag name="IGUANATEXSIZE" val="22"/>
+  <p:tag name="IGUANATEXCURSOR" val="89"/>
+  <p:tag name="TRANSPARENCY" val="True"/>
+  <p:tag name="FILENAME" val=""/>
+  <p:tag name="LATEXENGINEID" val="0"/>
+  <p:tag name="TEMPFOLDER" val="c:\temp\"/>
+  <p:tag name="LATEXFORMHEIGHT" val="312"/>
+  <p:tag name="LATEXFORMWIDTH" val="384"/>
+  <p:tag name="LATEXFORMWRAP" val="True"/>
+  <p:tag name="BITMAPVECTOR" val="0"/>
+</p:tagLst>
+</file>
+
+<file path=ppt/tags/tag78.xml><?xml version="1.0" encoding="utf-8"?>
+<p:tagLst xmlns:a="http://schemas.openxmlformats.org/drawingml/2006/main" xmlns:r="http://schemas.openxmlformats.org/officeDocument/2006/relationships" xmlns:p="http://schemas.openxmlformats.org/presentationml/2006/main">
+  <p:tag name="OUTPUTDPI" val="1200"/>
+  <p:tag name="ORIGINALHEIGHT" val="89.98874"/>
+  <p:tag name="ORIGINALWIDTH" val="106.4867"/>
+  <p:tag name="LATEXADDIN" val="\documentclass{article}&#10;\usepackage{amsmath}&#10;\pagestyle{empty}&#10;\begin{document}&#10;&#10;$\pi_j$&#10;&#10;&#10;\end{document}"/>
+  <p:tag name="IGUANATEXSIZE" val="22"/>
+  <p:tag name="IGUANATEXCURSOR" val="88"/>
   <p:tag name="TRANSPARENCY" val="True"/>
   <p:tag name="FILENAME" val=""/>
   <p:tag name="LATEXENGINEID" val="0"/>

--- a/Random Walk based Proximity Measures in Directed Graphs.pptx
+++ b/Random Walk based Proximity Measures in Directed Graphs.pptx
@@ -133,7 +133,7 @@
   </p:defaultTextStyle>
   <p:extLst>
     <p:ext uri="{EFAFB233-063F-42B5-8137-9DF3F51BA10A}">
-      <p15:sldGuideLst xmlns="" xmlns:p15="http://schemas.microsoft.com/office/powerpoint/2012/main">
+      <p15:sldGuideLst xmlns:p15="http://schemas.microsoft.com/office/powerpoint/2012/main">
         <p15:guide id="1" orient="horz" pos="2160">
           <p15:clr>
             <a:srgbClr val="A4A3A4"/>
@@ -232,7 +232,7 @@
           <a:p>
             <a:fld id="{68F1ED60-613F-4894-A100-A48BBD071A74}" type="datetimeFigureOut">
               <a:rPr lang="en-US" smtClean="0"/>
-              <a:t>22-Mar-17</a:t>
+              <a:t>3/22/17</a:t>
             </a:fld>
             <a:endParaRPr lang="en-US"/>
           </a:p>
@@ -7035,7 +7035,7 @@
           <a:graphicData uri="http://schemas.openxmlformats.org/presentationml/2006/ole">
             <mc:AlternateContent xmlns:mc="http://schemas.openxmlformats.org/markup-compatibility/2006">
               <mc:Choice xmlns:v="urn:schemas-microsoft-com:vml" Requires="v">
-                <p:oleObj spid="_x0000_s27686" name="Visio" r:id="rId9" imgW="5289194" imgH="1988515" progId="Visio.Drawing.11">
+                <p:oleObj spid="_x0000_s27987" name="Visio" r:id="rId9" imgW="5289194" imgH="1988515" progId="Visio.Drawing.11">
                   <p:embed/>
                 </p:oleObj>
               </mc:Choice>
@@ -7137,7 +7137,7 @@
           <a:graphicData uri="http://schemas.openxmlformats.org/presentationml/2006/ole">
             <mc:AlternateContent xmlns:mc="http://schemas.openxmlformats.org/markup-compatibility/2006">
               <mc:Choice xmlns:v="urn:schemas-microsoft-com:vml" Requires="v">
-                <p:oleObj spid="_x0000_s27687" name="Visio" r:id="rId11" imgW="5289194" imgH="2888590" progId="Visio.Drawing.11">
+                <p:oleObj spid="_x0000_s27988" name="Visio" r:id="rId11" imgW="5289194" imgH="2888590" progId="Visio.Drawing.11">
                   <p:embed/>
                 </p:oleObj>
               </mc:Choice>
@@ -7238,7 +7238,7 @@
           <a:graphicData uri="http://schemas.openxmlformats.org/presentationml/2006/ole">
             <mc:AlternateContent xmlns:mc="http://schemas.openxmlformats.org/markup-compatibility/2006">
               <mc:Choice xmlns:v="urn:schemas-microsoft-com:vml" Requires="v">
-                <p:oleObj spid="_x0000_s27688" name="Visio" r:id="rId13" imgW="5186172" imgH="754685" progId="Visio.Drawing.11">
+                <p:oleObj spid="_x0000_s27989" name="Visio" r:id="rId13" imgW="5186172" imgH="754685" progId="Visio.Drawing.11">
                   <p:embed/>
                 </p:oleObj>
               </mc:Choice>
@@ -7339,7 +7339,7 @@
           <a:graphicData uri="http://schemas.openxmlformats.org/presentationml/2006/ole">
             <mc:AlternateContent xmlns:mc="http://schemas.openxmlformats.org/markup-compatibility/2006">
               <mc:Choice xmlns:v="urn:schemas-microsoft-com:vml" Requires="v">
-                <p:oleObj spid="_x0000_s27689" name="Visio" r:id="rId15" imgW="5186172" imgH="1870558" progId="Visio.Drawing.11">
+                <p:oleObj spid="_x0000_s27990" name="Visio" r:id="rId15" imgW="5186172" imgH="1870558" progId="Visio.Drawing.11">
                   <p:embed/>
                 </p:oleObj>
               </mc:Choice>
@@ -7582,7 +7582,7 @@
         </p:nvSpPr>
         <p:spPr bwMode="auto">
           <a:xfrm>
-            <a:off x="4259262" y="990600"/>
+            <a:off x="4419600" y="986664"/>
             <a:ext cx="4732338" cy="498475"/>
           </a:xfrm>
           <a:prstGeom prst="rect">
@@ -7819,7 +7819,15 @@
                 <a:ea typeface="Open Sans" panose="020B0606030504020204" pitchFamily="34" charset="0"/>
                 <a:cs typeface="Open Sans" panose="020B0606030504020204" pitchFamily="34" charset="0"/>
               </a:rPr>
-              <a:t>Introduce an absorbing node</a:t>
+              <a:t>Adding </a:t>
+            </a:r>
+            <a:r>
+              <a:rPr lang="en-US" altLang="en-US" sz="2400" dirty="0" smtClean="0">
+                <a:latin typeface="Open Sans" panose="020B0606030504020204" pitchFamily="34" charset="0"/>
+                <a:ea typeface="Open Sans" panose="020B0606030504020204" pitchFamily="34" charset="0"/>
+                <a:cs typeface="Open Sans" panose="020B0606030504020204" pitchFamily="34" charset="0"/>
+              </a:rPr>
+              <a:t>an absorbing node</a:t>
             </a:r>
           </a:p>
           <a:p>
@@ -8571,7 +8579,7 @@
           <a:graphicData uri="http://schemas.openxmlformats.org/presentationml/2006/ole">
             <mc:AlternateContent xmlns:mc="http://schemas.openxmlformats.org/markup-compatibility/2006">
               <mc:Choice xmlns:v="urn:schemas-microsoft-com:vml" Requires="v">
-                <p:oleObj spid="_x0000_s1436" name="Visio" r:id="rId7" imgW="5038954" imgH="751637" progId="Visio.Drawing.11">
+                <p:oleObj spid="_x0000_s1587" name="Visio" r:id="rId7" imgW="5038954" imgH="751637" progId="Visio.Drawing.11">
                   <p:embed/>
                 </p:oleObj>
               </mc:Choice>
@@ -8726,7 +8734,7 @@
           <a:graphicData uri="http://schemas.openxmlformats.org/presentationml/2006/ole">
             <mc:AlternateContent xmlns:mc="http://schemas.openxmlformats.org/markup-compatibility/2006">
               <mc:Choice xmlns:v="urn:schemas-microsoft-com:vml" Requires="v">
-                <p:oleObj spid="_x0000_s1437" name="Visio" r:id="rId9" imgW="5038954" imgH="1130503" progId="Visio.Drawing.11">
+                <p:oleObj spid="_x0000_s1588" name="Visio" r:id="rId9" imgW="5038954" imgH="1130503" progId="Visio.Drawing.11">
                   <p:embed/>
                 </p:oleObj>
               </mc:Choice>
@@ -8815,7 +8823,7 @@
         </p:nvSpPr>
         <p:spPr bwMode="auto">
           <a:xfrm>
-            <a:off x="609600" y="3311525"/>
+            <a:off x="609600" y="3352800"/>
             <a:ext cx="3581400" cy="498475"/>
           </a:xfrm>
           <a:prstGeom prst="rect">
@@ -9357,7 +9365,15 @@
                 <a:ea typeface="Open Sans" panose="020B0606030504020204" pitchFamily="34" charset="0"/>
                 <a:cs typeface="Open Sans" panose="020B0606030504020204" pitchFamily="34" charset="0"/>
               </a:rPr>
-              <a:t>Solving ep(</a:t>
+              <a:t>Solving </a:t>
+            </a:r>
+            <a:r>
+              <a:rPr lang="en-US" altLang="en-US" sz="3200" b="1" dirty="0" smtClean="0">
+                <a:latin typeface="Open Sans" panose="020B0606030504020204" pitchFamily="34" charset="0"/>
+                <a:ea typeface="Open Sans" panose="020B0606030504020204" pitchFamily="34" charset="0"/>
+                <a:cs typeface="Open Sans" panose="020B0606030504020204" pitchFamily="34" charset="0"/>
+              </a:rPr>
+              <a:t>ep(</a:t>
             </a:r>
             <a:r>
               <a:rPr lang="en-US" altLang="en-US" sz="3200" b="1" dirty="0" err="1" smtClean="0">
@@ -9373,7 +9389,23 @@
                 <a:ea typeface="Open Sans" panose="020B0606030504020204" pitchFamily="34" charset="0"/>
                 <a:cs typeface="Open Sans" panose="020B0606030504020204" pitchFamily="34" charset="0"/>
               </a:rPr>
-              <a:t> -&gt; j)</a:t>
+              <a:t> -&gt; </a:t>
+            </a:r>
+            <a:r>
+              <a:rPr lang="en-US" altLang="en-US" sz="3200" b="1" dirty="0" smtClean="0">
+                <a:latin typeface="Open Sans" panose="020B0606030504020204" pitchFamily="34" charset="0"/>
+                <a:ea typeface="Open Sans" panose="020B0606030504020204" pitchFamily="34" charset="0"/>
+                <a:cs typeface="Open Sans" panose="020B0606030504020204" pitchFamily="34" charset="0"/>
+              </a:rPr>
+              <a:t>j</a:t>
+            </a:r>
+            <a:r>
+              <a:rPr lang="en-US" altLang="en-US" sz="3200" b="1" dirty="0" smtClean="0">
+                <a:latin typeface="Open Sans" panose="020B0606030504020204" pitchFamily="34" charset="0"/>
+                <a:ea typeface="Open Sans" panose="020B0606030504020204" pitchFamily="34" charset="0"/>
+                <a:cs typeface="Open Sans" panose="020B0606030504020204" pitchFamily="34" charset="0"/>
+              </a:rPr>
+              <a:t>)</a:t>
             </a:r>
             <a:endParaRPr lang="en-US" altLang="en-US" sz="3200" b="1" dirty="0">
               <a:latin typeface="Open Sans" panose="020B0606030504020204" pitchFamily="34" charset="0"/>
@@ -11473,11 +11505,6 @@
               </a:rPr>
               <a:t>proximity</a:t>
             </a:r>
-            <a:endParaRPr lang="en-US" altLang="zh-CN" sz="2400" dirty="0" smtClean="0">
-              <a:latin typeface="Open Sans" panose="020B0606030504020204" pitchFamily="34" charset="0"/>
-              <a:ea typeface="Open Sans" panose="020B0606030504020204" pitchFamily="34" charset="0"/>
-              <a:cs typeface="Open Sans" panose="020B0606030504020204" pitchFamily="34" charset="0"/>
-            </a:endParaRPr>
           </a:p>
           <a:p>
             <a:pPr lvl="1"/>
@@ -21053,7 +21080,7 @@
               <a:t>Q: Given a pair of nodes </a:t>
             </a:r>
             <a:r>
-              <a:rPr lang="en-US" altLang="en-US" sz="2400" kern="0" dirty="0" err="1" smtClean="0">
+              <a:rPr lang="en-US" altLang="en-US" sz="2400" i="1" kern="0" dirty="0" err="1" smtClean="0">
                 <a:latin typeface="Open Sans" charset="0"/>
                 <a:ea typeface="Open Sans" charset="0"/>
                 <a:cs typeface="Open Sans" charset="0"/>
@@ -21061,21 +21088,50 @@
               <a:t>i</a:t>
             </a:r>
             <a:r>
-              <a:rPr lang="en-US" altLang="en-US" sz="2400" kern="0" dirty="0">
-                <a:latin typeface="Open Sans" charset="0"/>
-                <a:ea typeface="Open Sans" charset="0"/>
-                <a:cs typeface="Open Sans" charset="0"/>
-              </a:rPr>
-              <a:t> </a:t>
-            </a:r>
-            <a:r>
               <a:rPr lang="en-US" altLang="en-US" sz="2400" kern="0" dirty="0" smtClean="0">
                 <a:latin typeface="Open Sans" charset="0"/>
                 <a:ea typeface="Open Sans" charset="0"/>
                 <a:cs typeface="Open Sans" charset="0"/>
               </a:rPr>
-              <a:t>and j, is there a link between j and j?</a:t>
-            </a:r>
+              <a:t> and </a:t>
+            </a:r>
+            <a:r>
+              <a:rPr lang="en-US" altLang="en-US" sz="2400" i="1" kern="0" dirty="0" smtClean="0">
+                <a:latin typeface="Open Sans" charset="0"/>
+                <a:ea typeface="Open Sans" charset="0"/>
+                <a:cs typeface="Open Sans" charset="0"/>
+              </a:rPr>
+              <a:t>j</a:t>
+            </a:r>
+            <a:r>
+              <a:rPr lang="en-US" altLang="en-US" sz="2400" kern="0" dirty="0" smtClean="0">
+                <a:latin typeface="Open Sans" charset="0"/>
+                <a:ea typeface="Open Sans" charset="0"/>
+                <a:cs typeface="Open Sans" charset="0"/>
+              </a:rPr>
+              <a:t>, </a:t>
+            </a:r>
+            <a:r>
+              <a:rPr lang="en-US" altLang="en-US" sz="2400" kern="0" dirty="0" smtClean="0">
+                <a:latin typeface="Open Sans" charset="0"/>
+                <a:ea typeface="Open Sans" charset="0"/>
+                <a:cs typeface="Open Sans" charset="0"/>
+              </a:rPr>
+              <a:t>is there a link between </a:t>
+            </a:r>
+            <a:r>
+              <a:rPr lang="en-US" altLang="en-US" sz="2400" kern="0" dirty="0" smtClean="0">
+                <a:latin typeface="Open Sans" charset="0"/>
+                <a:ea typeface="Open Sans" charset="0"/>
+                <a:cs typeface="Open Sans" charset="0"/>
+              </a:rPr>
+              <a:t>them?</a:t>
+            </a:r>
+            <a:endParaRPr lang="en-US" altLang="en-US" sz="2400" kern="0" dirty="0" smtClean="0">
+              <a:latin typeface="Open Sans" charset="0"/>
+              <a:ea typeface="Open Sans" charset="0"/>
+              <a:cs typeface="Open Sans" charset="0"/>
+            </a:endParaRPr>
           </a:p>
           <a:p>
             <a:r>
@@ -21347,7 +21403,7 @@
               <a:t>link between </a:t>
             </a:r>
             <a:r>
-              <a:rPr lang="en-US" altLang="en-US" sz="2400" dirty="0" err="1" smtClean="0">
+              <a:rPr lang="en-US" altLang="en-US" sz="2400" i="1" dirty="0" err="1" smtClean="0">
                 <a:latin typeface="Open Sans" charset="0"/>
                 <a:ea typeface="Open Sans" charset="0"/>
                 <a:cs typeface="Open Sans" charset="0"/>
@@ -21360,7 +21416,23 @@
                 <a:ea typeface="Open Sans" charset="0"/>
                 <a:cs typeface="Open Sans" charset="0"/>
               </a:rPr>
-              <a:t> and j, </a:t>
+              <a:t> and </a:t>
+            </a:r>
+            <a:r>
+              <a:rPr lang="en-US" altLang="en-US" sz="2400" i="1" dirty="0" smtClean="0">
+                <a:latin typeface="Open Sans" charset="0"/>
+                <a:ea typeface="Open Sans" charset="0"/>
+                <a:cs typeface="Open Sans" charset="0"/>
+              </a:rPr>
+              <a:t>j</a:t>
+            </a:r>
+            <a:r>
+              <a:rPr lang="en-US" altLang="en-US" sz="2400" dirty="0" smtClean="0">
+                <a:latin typeface="Open Sans" charset="0"/>
+                <a:ea typeface="Open Sans" charset="0"/>
+                <a:cs typeface="Open Sans" charset="0"/>
+              </a:rPr>
+              <a:t>, </a:t>
             </a:r>
             <a:r>
               <a:rPr lang="en-US" altLang="en-US" sz="2400" dirty="0">
@@ -24798,10 +24870,34 @@
                 <a:ea typeface="Open Sans" panose="020B0606030504020204" pitchFamily="34" charset="0"/>
                 <a:cs typeface="Open Sans" panose="020B0606030504020204" pitchFamily="34" charset="0"/>
               </a:rPr>
-              <a:t>Suppose the walk length is T, then the expected number it visits </a:t>
-            </a:r>
-            <a:r>
-              <a:rPr lang="en-US" sz="2000" dirty="0" err="1" smtClean="0">
+              <a:t>Suppose the walk length is </a:t>
+            </a:r>
+            <a:r>
+              <a:rPr lang="en-US" sz="2000" i="1" dirty="0" smtClean="0">
+                <a:latin typeface="Open Sans" panose="020B0606030504020204" pitchFamily="34" charset="0"/>
+                <a:ea typeface="Open Sans" panose="020B0606030504020204" pitchFamily="34" charset="0"/>
+                <a:cs typeface="Open Sans" panose="020B0606030504020204" pitchFamily="34" charset="0"/>
+              </a:rPr>
+              <a:t>T</a:t>
+            </a:r>
+            <a:r>
+              <a:rPr lang="en-US" sz="2000" dirty="0" smtClean="0">
+                <a:latin typeface="Open Sans" panose="020B0606030504020204" pitchFamily="34" charset="0"/>
+                <a:ea typeface="Open Sans" panose="020B0606030504020204" pitchFamily="34" charset="0"/>
+                <a:cs typeface="Open Sans" panose="020B0606030504020204" pitchFamily="34" charset="0"/>
+              </a:rPr>
+              <a:t>, then the expected number it visits </a:t>
+            </a:r>
+            <a:r>
+              <a:rPr lang="en-US" sz="2000" dirty="0" smtClean="0">
+                <a:latin typeface="Open Sans" panose="020B0606030504020204" pitchFamily="34" charset="0"/>
+                <a:ea typeface="Open Sans" panose="020B0606030504020204" pitchFamily="34" charset="0"/>
+                <a:cs typeface="Open Sans" panose="020B0606030504020204" pitchFamily="34" charset="0"/>
+              </a:rPr>
+              <a:t> </a:t>
+            </a:r>
+            <a:r>
+              <a:rPr lang="en-US" sz="2000" i="1" dirty="0" err="1" smtClean="0">
                 <a:latin typeface="Open Sans" panose="020B0606030504020204" pitchFamily="34" charset="0"/>
                 <a:ea typeface="Open Sans" panose="020B0606030504020204" pitchFamily="34" charset="0"/>
                 <a:cs typeface="Open Sans" panose="020B0606030504020204" pitchFamily="34" charset="0"/>
@@ -24814,8 +24910,13 @@
                 <a:ea typeface="Open Sans" panose="020B0606030504020204" pitchFamily="34" charset="0"/>
                 <a:cs typeface="Open Sans" panose="020B0606030504020204" pitchFamily="34" charset="0"/>
               </a:rPr>
-              <a:t> is</a:t>
-            </a:r>
+              <a:t>  is</a:t>
+            </a:r>
+            <a:endParaRPr lang="en-US" sz="2000" dirty="0" smtClean="0">
+              <a:latin typeface="Open Sans" panose="020B0606030504020204" pitchFamily="34" charset="0"/>
+              <a:ea typeface="Open Sans" panose="020B0606030504020204" pitchFamily="34" charset="0"/>
+              <a:cs typeface="Open Sans" panose="020B0606030504020204" pitchFamily="34" charset="0"/>
+            </a:endParaRPr>
           </a:p>
           <a:p>
             <a:pPr lvl="1"/>
@@ -24988,18 +25089,7 @@
                 <a:ea typeface="Open Sans" panose="020B0606030504020204" pitchFamily="34" charset="0"/>
                 <a:cs typeface="Open Sans" panose="020B0606030504020204" pitchFamily="34" charset="0"/>
               </a:rPr>
-              <a:t>1. L</a:t>
-            </a:r>
-            <a:r>
-              <a:rPr lang="en-US" altLang="en-US" sz="1200" b="1" dirty="0" smtClean="0">
-                <a:solidFill>
-                  <a:srgbClr val="3333CC"/>
-                </a:solidFill>
-                <a:latin typeface="Open Sans" panose="020B0606030504020204" pitchFamily="34" charset="0"/>
-                <a:ea typeface="Open Sans" panose="020B0606030504020204" pitchFamily="34" charset="0"/>
-                <a:cs typeface="Open Sans" panose="020B0606030504020204" pitchFamily="34" charset="0"/>
-              </a:rPr>
-              <a:t>. </a:t>
+              <a:t>1. L. </a:t>
             </a:r>
             <a:r>
               <a:rPr lang="en-US" altLang="en-US" sz="1200" b="1" dirty="0" err="1" smtClean="0">
@@ -25032,18 +25122,7 @@
                 <a:ea typeface="Open Sans" panose="020B0606030504020204" pitchFamily="34" charset="0"/>
                 <a:cs typeface="Open Sans" panose="020B0606030504020204" pitchFamily="34" charset="0"/>
               </a:rPr>
-              <a:t>1993</a:t>
-            </a:r>
-            <a:r>
-              <a:rPr lang="en-US" altLang="en-US" sz="1200" b="1" i="1" dirty="0" smtClean="0">
-                <a:solidFill>
-                  <a:srgbClr val="3333CC"/>
-                </a:solidFill>
-                <a:latin typeface="Open Sans" panose="020B0606030504020204" pitchFamily="34" charset="0"/>
-                <a:ea typeface="Open Sans" panose="020B0606030504020204" pitchFamily="34" charset="0"/>
-                <a:cs typeface="Open Sans" panose="020B0606030504020204" pitchFamily="34" charset="0"/>
-              </a:rPr>
-              <a:t>.</a:t>
+              <a:t>1993.</a:t>
             </a:r>
           </a:p>
           <a:p>
@@ -25194,7 +25273,7 @@
         </p:blipFill>
         <p:spPr>
           <a:xfrm>
-            <a:off x="2286000" y="4133114"/>
+            <a:off x="2418638" y="4133114"/>
             <a:ext cx="400762" cy="210286"/>
           </a:xfrm>
           <a:prstGeom prst="rect">
@@ -26095,7 +26174,7 @@
               <a:t>starting at </a:t>
             </a:r>
             <a:r>
-              <a:rPr lang="en-US" sz="2000" dirty="0" err="1" smtClean="0">
+              <a:rPr lang="en-US" sz="2000" i="1" dirty="0" err="1" smtClean="0">
                 <a:latin typeface="Open Sans" panose="020B0606030504020204" pitchFamily="34" charset="0"/>
                 <a:ea typeface="Open Sans" panose="020B0606030504020204" pitchFamily="34" charset="0"/>
                 <a:cs typeface="Open Sans" panose="020B0606030504020204" pitchFamily="34" charset="0"/>
@@ -26130,12 +26209,52 @@
           <a:p>
             <a:pPr lvl="2"/>
             <a:r>
+              <a:rPr lang="en-US" sz="1800" i="1" dirty="0" smtClean="0">
+                <a:latin typeface="Open Sans" panose="020B0606030504020204" pitchFamily="34" charset="0"/>
+                <a:ea typeface="Open Sans" panose="020B0606030504020204" pitchFamily="34" charset="0"/>
+                <a:cs typeface="Open Sans" panose="020B0606030504020204" pitchFamily="34" charset="0"/>
+              </a:rPr>
+              <a:t>X</a:t>
+            </a:r>
+            <a:r>
               <a:rPr lang="en-US" sz="1800" dirty="0" smtClean="0">
                 <a:latin typeface="Open Sans" panose="020B0606030504020204" pitchFamily="34" charset="0"/>
                 <a:ea typeface="Open Sans" panose="020B0606030504020204" pitchFamily="34" charset="0"/>
                 <a:cs typeface="Open Sans" panose="020B0606030504020204" pitchFamily="34" charset="0"/>
               </a:rPr>
-              <a:t>X = the first time w returns to </a:t>
+              <a:t> = the first time w returns to </a:t>
+            </a:r>
+            <a:r>
+              <a:rPr lang="en-US" sz="1800" i="1" dirty="0" err="1" smtClean="0">
+                <a:latin typeface="Open Sans" panose="020B0606030504020204" pitchFamily="34" charset="0"/>
+                <a:ea typeface="Open Sans" panose="020B0606030504020204" pitchFamily="34" charset="0"/>
+                <a:cs typeface="Open Sans" panose="020B0606030504020204" pitchFamily="34" charset="0"/>
+              </a:rPr>
+              <a:t>i</a:t>
+            </a:r>
+            <a:endParaRPr lang="en-US" sz="1800" i="1" dirty="0" smtClean="0">
+              <a:latin typeface="Open Sans" panose="020B0606030504020204" pitchFamily="34" charset="0"/>
+              <a:ea typeface="Open Sans" panose="020B0606030504020204" pitchFamily="34" charset="0"/>
+              <a:cs typeface="Open Sans" panose="020B0606030504020204" pitchFamily="34" charset="0"/>
+            </a:endParaRPr>
+          </a:p>
+          <a:p>
+            <a:pPr lvl="2"/>
+            <a:r>
+              <a:rPr lang="en-US" sz="1800" i="1" dirty="0" smtClean="0">
+                <a:latin typeface="Open Sans" panose="020B0606030504020204" pitchFamily="34" charset="0"/>
+                <a:ea typeface="Open Sans" panose="020B0606030504020204" pitchFamily="34" charset="0"/>
+                <a:cs typeface="Open Sans" panose="020B0606030504020204" pitchFamily="34" charset="0"/>
+              </a:rPr>
+              <a:t>Y</a:t>
+            </a:r>
+            <a:r>
+              <a:rPr lang="en-US" sz="1800" dirty="0" smtClean="0">
+                <a:latin typeface="Open Sans" panose="020B0606030504020204" pitchFamily="34" charset="0"/>
+                <a:ea typeface="Open Sans" panose="020B0606030504020204" pitchFamily="34" charset="0"/>
+                <a:cs typeface="Open Sans" panose="020B0606030504020204" pitchFamily="34" charset="0"/>
+              </a:rPr>
+              <a:t> = the first time w returns to </a:t>
             </a:r>
             <a:r>
               <a:rPr lang="en-US" sz="1800" dirty="0" err="1" smtClean="0">
@@ -26145,38 +26264,27 @@
               </a:rPr>
               <a:t>i</a:t>
             </a:r>
-            <a:endParaRPr lang="en-US" sz="1800" dirty="0" smtClean="0">
-              <a:latin typeface="Open Sans" panose="020B0606030504020204" pitchFamily="34" charset="0"/>
-              <a:ea typeface="Open Sans" panose="020B0606030504020204" pitchFamily="34" charset="0"/>
-              <a:cs typeface="Open Sans" panose="020B0606030504020204" pitchFamily="34" charset="0"/>
-            </a:endParaRPr>
-          </a:p>
-          <a:p>
-            <a:pPr lvl="2"/>
             <a:r>
               <a:rPr lang="en-US" sz="1800" dirty="0" smtClean="0">
                 <a:latin typeface="Open Sans" panose="020B0606030504020204" pitchFamily="34" charset="0"/>
                 <a:ea typeface="Open Sans" panose="020B0606030504020204" pitchFamily="34" charset="0"/>
                 <a:cs typeface="Open Sans" panose="020B0606030504020204" pitchFamily="34" charset="0"/>
               </a:rPr>
-              <a:t>Y = the first time w returns to </a:t>
-            </a:r>
-            <a:r>
-              <a:rPr lang="en-US" sz="1800" dirty="0" err="1" smtClean="0">
+              <a:t> after visiting </a:t>
+            </a:r>
+            <a:r>
+              <a:rPr lang="en-US" sz="1800" i="1" dirty="0" smtClean="0">
                 <a:latin typeface="Open Sans" panose="020B0606030504020204" pitchFamily="34" charset="0"/>
                 <a:ea typeface="Open Sans" panose="020B0606030504020204" pitchFamily="34" charset="0"/>
                 <a:cs typeface="Open Sans" panose="020B0606030504020204" pitchFamily="34" charset="0"/>
               </a:rPr>
-              <a:t>i</a:t>
-            </a:r>
-            <a:r>
-              <a:rPr lang="en-US" sz="1800" dirty="0" smtClean="0">
-                <a:latin typeface="Open Sans" panose="020B0606030504020204" pitchFamily="34" charset="0"/>
-                <a:ea typeface="Open Sans" panose="020B0606030504020204" pitchFamily="34" charset="0"/>
-                <a:cs typeface="Open Sans" panose="020B0606030504020204" pitchFamily="34" charset="0"/>
-              </a:rPr>
-              <a:t> after visiting j </a:t>
-            </a:r>
+              <a:t>j</a:t>
+            </a:r>
+            <a:endParaRPr lang="en-US" sz="1800" i="1" dirty="0" smtClean="0">
+              <a:latin typeface="Open Sans" panose="020B0606030504020204" pitchFamily="34" charset="0"/>
+              <a:ea typeface="Open Sans" panose="020B0606030504020204" pitchFamily="34" charset="0"/>
+              <a:cs typeface="Open Sans" panose="020B0606030504020204" pitchFamily="34" charset="0"/>
+            </a:endParaRPr>
           </a:p>
           <a:p>
             <a:pPr lvl="1"/>
@@ -26197,7 +26305,23 @@
                 <a:ea typeface="Open Sans" panose="020B0606030504020204" pitchFamily="34" charset="0"/>
                 <a:cs typeface="Open Sans" panose="020B0606030504020204" pitchFamily="34" charset="0"/>
               </a:rPr>
-              <a:t>Cleary X ≤ Y, and</a:t>
+              <a:t>Cleary </a:t>
+            </a:r>
+            <a:r>
+              <a:rPr lang="en-US" sz="2000" i="1" dirty="0" smtClean="0">
+                <a:latin typeface="Open Sans" panose="020B0606030504020204" pitchFamily="34" charset="0"/>
+                <a:ea typeface="Open Sans" panose="020B0606030504020204" pitchFamily="34" charset="0"/>
+                <a:cs typeface="Open Sans" panose="020B0606030504020204" pitchFamily="34" charset="0"/>
+              </a:rPr>
+              <a:t>X ≤ Y</a:t>
+            </a:r>
+            <a:r>
+              <a:rPr lang="en-US" sz="2000" dirty="0" smtClean="0">
+                <a:latin typeface="Open Sans" panose="020B0606030504020204" pitchFamily="34" charset="0"/>
+                <a:ea typeface="Open Sans" panose="020B0606030504020204" pitchFamily="34" charset="0"/>
+                <a:cs typeface="Open Sans" panose="020B0606030504020204" pitchFamily="34" charset="0"/>
+              </a:rPr>
+              <a:t>, and</a:t>
             </a:r>
           </a:p>
           <a:p>
@@ -27518,18 +27642,7 @@
                 <a:ea typeface="Open Sans" panose="020B0606030504020204" pitchFamily="34" charset="0"/>
                 <a:cs typeface="Open Sans" panose="020B0606030504020204" pitchFamily="34" charset="0"/>
               </a:rPr>
-              <a:t>1. </a:t>
-            </a:r>
-            <a:r>
-              <a:rPr lang="en-US" altLang="en-US" sz="1200" b="1" dirty="0">
-                <a:solidFill>
-                  <a:srgbClr val="3333CC"/>
-                </a:solidFill>
-                <a:latin typeface="Open Sans" panose="020B0606030504020204" pitchFamily="34" charset="0"/>
-                <a:ea typeface="Open Sans" panose="020B0606030504020204" pitchFamily="34" charset="0"/>
-                <a:cs typeface="Open Sans" panose="020B0606030504020204" pitchFamily="34" charset="0"/>
-              </a:rPr>
-              <a:t>P. Sarkar, A. Moore, &amp; A. Prakash. Fast Incremental Proximity Search in Large Graphs. </a:t>
+              <a:t>1. P. Sarkar, A. Moore, &amp; A. Prakash. Fast Incremental Proximity Search in Large Graphs. </a:t>
             </a:r>
             <a:r>
               <a:rPr lang="en-US" altLang="en-US" sz="1200" b="1" i="1" dirty="0">
@@ -27573,18 +27686,7 @@
                 <a:ea typeface="Open Sans" panose="020B0606030504020204" pitchFamily="34" charset="0"/>
                 <a:cs typeface="Open Sans" panose="020B0606030504020204" pitchFamily="34" charset="0"/>
               </a:rPr>
-              <a:t>. </a:t>
-            </a:r>
-            <a:r>
-              <a:rPr lang="en-US" altLang="en-US" sz="1200" b="1" dirty="0">
-                <a:solidFill>
-                  <a:srgbClr val="3333CC"/>
-                </a:solidFill>
-                <a:latin typeface="Open Sans" panose="020B0606030504020204" pitchFamily="34" charset="0"/>
-                <a:ea typeface="Open Sans" panose="020B0606030504020204" pitchFamily="34" charset="0"/>
-                <a:cs typeface="Open Sans" panose="020B0606030504020204" pitchFamily="34" charset="0"/>
-              </a:rPr>
-              <a:t>H. Tong, Y. </a:t>
+              <a:t>. H. Tong, Y. </a:t>
             </a:r>
             <a:r>
               <a:rPr lang="en-US" altLang="en-US" sz="1200" b="1" dirty="0" err="1">
@@ -30520,15 +30622,23 @@
                 <a:ea typeface="Open Sans" panose="020B0606030504020204" pitchFamily="34" charset="0"/>
                 <a:cs typeface="Open Sans" panose="020B0606030504020204" pitchFamily="34" charset="0"/>
               </a:rPr>
-              <a:t>e.g.                when computing proximity from node </a:t>
-            </a:r>
-            <a:r>
-              <a:rPr lang="en-US" altLang="en-US" sz="2000" dirty="0" err="1" smtClean="0">
+              <a:t>e.g.                when computing </a:t>
+            </a:r>
+            <a:r>
+              <a:rPr lang="en-US" altLang="en-US" sz="2000" dirty="0" smtClean="0">
                 <a:latin typeface="Open Sans" panose="020B0606030504020204" pitchFamily="34" charset="0"/>
                 <a:ea typeface="Open Sans" panose="020B0606030504020204" pitchFamily="34" charset="0"/>
                 <a:cs typeface="Open Sans" panose="020B0606030504020204" pitchFamily="34" charset="0"/>
               </a:rPr>
-              <a:t>i</a:t>
+              <a:t>proximities </a:t>
+            </a:r>
+            <a:r>
+              <a:rPr lang="en-US" altLang="en-US" sz="2000" dirty="0" smtClean="0">
+                <a:latin typeface="Open Sans" panose="020B0606030504020204" pitchFamily="34" charset="0"/>
+                <a:ea typeface="Open Sans" panose="020B0606030504020204" pitchFamily="34" charset="0"/>
+                <a:cs typeface="Open Sans" panose="020B0606030504020204" pitchFamily="34" charset="0"/>
+              </a:rPr>
+              <a:t>from node </a:t>
             </a:r>
             <a:r>
               <a:rPr lang="en-US" altLang="en-US" sz="2000" dirty="0" smtClean="0">
@@ -30538,6 +30648,27 @@
               </a:rPr>
               <a:t> </a:t>
             </a:r>
+            <a:r>
+              <a:rPr lang="en-US" altLang="en-US" sz="2000" i="1" dirty="0" err="1" smtClean="0">
+                <a:latin typeface="Open Sans" panose="020B0606030504020204" pitchFamily="34" charset="0"/>
+                <a:ea typeface="Open Sans" panose="020B0606030504020204" pitchFamily="34" charset="0"/>
+                <a:cs typeface="Open Sans" panose="020B0606030504020204" pitchFamily="34" charset="0"/>
+              </a:rPr>
+              <a:t>i</a:t>
+            </a:r>
+            <a:r>
+              <a:rPr lang="en-US" altLang="en-US" sz="2000" dirty="0" smtClean="0">
+                <a:latin typeface="Open Sans" panose="020B0606030504020204" pitchFamily="34" charset="0"/>
+                <a:ea typeface="Open Sans" panose="020B0606030504020204" pitchFamily="34" charset="0"/>
+                <a:cs typeface="Open Sans" panose="020B0606030504020204" pitchFamily="34" charset="0"/>
+              </a:rPr>
+              <a:t> </a:t>
+            </a:r>
+            <a:endParaRPr lang="en-US" altLang="en-US" sz="2000" dirty="0" smtClean="0">
+              <a:latin typeface="Open Sans" panose="020B0606030504020204" pitchFamily="34" charset="0"/>
+              <a:ea typeface="Open Sans" panose="020B0606030504020204" pitchFamily="34" charset="0"/>
+              <a:cs typeface="Open Sans" panose="020B0606030504020204" pitchFamily="34" charset="0"/>
+            </a:endParaRPr>
           </a:p>
           <a:p>
             <a:pPr lvl="1"/>
@@ -31476,18 +31607,7 @@
                 <a:ea typeface="Open Sans" panose="020B0606030504020204" pitchFamily="34" charset="0"/>
                 <a:cs typeface="Open Sans" panose="020B0606030504020204" pitchFamily="34" charset="0"/>
               </a:rPr>
-              <a:t>s small whenever  </a:t>
-            </a:r>
-            <a:r>
-              <a:rPr lang="en-US" altLang="en-US" sz="2000" dirty="0" smtClean="0">
-                <a:solidFill>
-                  <a:srgbClr val="FF0000"/>
-                </a:solidFill>
-                <a:latin typeface="Open Sans" panose="020B0606030504020204" pitchFamily="34" charset="0"/>
-                <a:ea typeface="Open Sans" panose="020B0606030504020204" pitchFamily="34" charset="0"/>
-                <a:cs typeface="Open Sans" panose="020B0606030504020204" pitchFamily="34" charset="0"/>
-              </a:rPr>
-              <a:t> </a:t>
+              <a:t>s small </a:t>
             </a:r>
             <a:r>
               <a:rPr lang="en-US" altLang="en-US" sz="2000" dirty="0" smtClean="0">
@@ -31495,7 +31615,42 @@
                 <a:ea typeface="Open Sans" panose="020B0606030504020204" pitchFamily="34" charset="0"/>
                 <a:cs typeface="Open Sans" panose="020B0606030504020204" pitchFamily="34" charset="0"/>
               </a:rPr>
-              <a:t>  has a large stationary probability </a:t>
+              <a:t>whenever  </a:t>
+            </a:r>
+            <a:r>
+              <a:rPr lang="en-US" altLang="en-US" sz="2000" i="1" dirty="0" smtClean="0">
+                <a:latin typeface="Open Sans" panose="020B0606030504020204" pitchFamily="34" charset="0"/>
+                <a:ea typeface="Open Sans" panose="020B0606030504020204" pitchFamily="34" charset="0"/>
+                <a:cs typeface="Open Sans" panose="020B0606030504020204" pitchFamily="34" charset="0"/>
+              </a:rPr>
+              <a:t>j</a:t>
+            </a:r>
+            <a:r>
+              <a:rPr lang="en-US" altLang="en-US" sz="2000" dirty="0" smtClean="0">
+                <a:solidFill>
+                  <a:srgbClr val="FF0000"/>
+                </a:solidFill>
+                <a:latin typeface="Open Sans" panose="020B0606030504020204" pitchFamily="34" charset="0"/>
+                <a:ea typeface="Open Sans" panose="020B0606030504020204" pitchFamily="34" charset="0"/>
+                <a:cs typeface="Open Sans" panose="020B0606030504020204" pitchFamily="34" charset="0"/>
+              </a:rPr>
+              <a:t>  </a:t>
+            </a:r>
+            <a:r>
+              <a:rPr lang="en-US" altLang="en-US" sz="2000" dirty="0" smtClean="0">
+                <a:latin typeface="Open Sans" panose="020B0606030504020204" pitchFamily="34" charset="0"/>
+                <a:ea typeface="Open Sans" panose="020B0606030504020204" pitchFamily="34" charset="0"/>
+                <a:cs typeface="Open Sans" panose="020B0606030504020204" pitchFamily="34" charset="0"/>
+              </a:rPr>
+              <a:t>has </a:t>
+            </a:r>
+            <a:r>
+              <a:rPr lang="en-US" altLang="en-US" sz="2000" dirty="0" smtClean="0">
+                <a:latin typeface="Open Sans" panose="020B0606030504020204" pitchFamily="34" charset="0"/>
+                <a:ea typeface="Open Sans" panose="020B0606030504020204" pitchFamily="34" charset="0"/>
+                <a:cs typeface="Open Sans" panose="020B0606030504020204" pitchFamily="34" charset="0"/>
+              </a:rPr>
+              <a:t>a large stationary probability </a:t>
             </a:r>
             <a:endParaRPr lang="en-US" altLang="en-US" sz="2000" dirty="0" smtClean="0">
               <a:solidFill>
@@ -31747,7 +31902,7 @@
           </p:nvPr>
         </p:nvPicPr>
         <p:blipFill>
-          <a:blip r:embed="rId11" cstate="print">
+          <a:blip r:embed="rId10" cstate="print">
             <a:extLst>
               <a:ext uri="{28A0092B-C50C-407E-A947-70E740481C1C}">
                 <a14:useLocalDpi xmlns:a14="http://schemas.microsoft.com/office/drawing/2010/main" val="0"/>
@@ -31781,7 +31936,7 @@
           </p:nvPr>
         </p:nvPicPr>
         <p:blipFill>
-          <a:blip r:embed="rId12" cstate="print">
+          <a:blip r:embed="rId11" cstate="print">
             <a:extLst>
               <a:ext uri="{28A0092B-C50C-407E-A947-70E740481C1C}">
                 <a14:useLocalDpi xmlns:a14="http://schemas.microsoft.com/office/drawing/2010/main" val="0"/>
@@ -31815,7 +31970,7 @@
           </p:nvPr>
         </p:nvPicPr>
         <p:blipFill>
-          <a:blip r:embed="rId13" cstate="print">
+          <a:blip r:embed="rId12" cstate="print">
             <a:extLst>
               <a:ext uri="{28A0092B-C50C-407E-A947-70E740481C1C}">
                 <a14:useLocalDpi xmlns:a14="http://schemas.microsoft.com/office/drawing/2010/main" val="0"/>
@@ -31849,7 +32004,7 @@
           </p:nvPr>
         </p:nvPicPr>
         <p:blipFill>
-          <a:blip r:embed="rId14" cstate="print">
+          <a:blip r:embed="rId13" cstate="print">
             <a:extLst>
               <a:ext uri="{28A0092B-C50C-407E-A947-70E740481C1C}">
                 <a14:useLocalDpi xmlns:a14="http://schemas.microsoft.com/office/drawing/2010/main" val="0"/>
@@ -31883,7 +32038,7 @@
           </p:nvPr>
         </p:nvPicPr>
         <p:blipFill>
-          <a:blip r:embed="rId15" cstate="print">
+          <a:blip r:embed="rId14" cstate="print">
             <a:extLst>
               <a:ext uri="{28A0092B-C50C-407E-A947-70E740481C1C}">
                 <a14:useLocalDpi xmlns:a14="http://schemas.microsoft.com/office/drawing/2010/main" val="0"/>
@@ -31906,7 +32061,7 @@
       </p:pic>
       <p:pic>
         <p:nvPicPr>
-          <p:cNvPr id="11" name="Picture 10"/>
+          <p:cNvPr id="14" name="Picture 13"/>
           <p:cNvPicPr>
             <a:picLocks noChangeAspect="1"/>
           </p:cNvPicPr>
@@ -31917,41 +32072,7 @@
           </p:nvPr>
         </p:nvPicPr>
         <p:blipFill>
-          <a:blip r:embed="rId16" cstate="print">
-            <a:extLst>
-              <a:ext uri="{28A0092B-C50C-407E-A947-70E740481C1C}">
-                <a14:useLocalDpi xmlns:a14="http://schemas.microsoft.com/office/drawing/2010/main" val="0"/>
-              </a:ext>
-            </a:extLst>
-          </a:blip>
-          <a:stretch>
-            <a:fillRect/>
-          </a:stretch>
-        </p:blipFill>
-        <p:spPr>
-          <a:xfrm>
-            <a:off x="4162057" y="4834124"/>
-            <a:ext cx="105143" cy="217905"/>
-          </a:xfrm>
-          <a:prstGeom prst="rect">
-            <a:avLst/>
-          </a:prstGeom>
-        </p:spPr>
-      </p:pic>
-      <p:pic>
-        <p:nvPicPr>
-          <p:cNvPr id="14" name="Picture 13"/>
-          <p:cNvPicPr>
-            <a:picLocks noChangeAspect="1"/>
-          </p:cNvPicPr>
-          <p:nvPr>
-            <p:custDataLst>
-              <p:tags r:id="rId8"/>
-            </p:custDataLst>
-          </p:nvPr>
-        </p:nvPicPr>
-        <p:blipFill>
-          <a:blip r:embed="rId17" cstate="print">
+          <a:blip r:embed="rId15" cstate="print">
             <a:extLst>
               <a:ext uri="{28A0092B-C50C-407E-A947-70E740481C1C}">
                 <a14:useLocalDpi xmlns:a14="http://schemas.microsoft.com/office/drawing/2010/main" val="0"/>
@@ -32349,9 +32470,25 @@
                 <a:ea typeface="Open Sans" panose="020B0606030504020204" pitchFamily="34" charset="0"/>
                 <a:cs typeface="Open Sans" panose="020B0606030504020204" pitchFamily="34" charset="0"/>
               </a:rPr>
-              <a:t>Only considers paths of length at most</a:t>
-            </a:r>
-            <a:endParaRPr lang="en-US" altLang="en-US" sz="2000" dirty="0" smtClean="0">
+              <a:t>Only considers paths of length at </a:t>
+            </a:r>
+            <a:r>
+              <a:rPr lang="en-US" altLang="en-US" sz="2000" dirty="0" smtClean="0">
+                <a:latin typeface="Open Sans" panose="020B0606030504020204" pitchFamily="34" charset="0"/>
+                <a:ea typeface="Open Sans" panose="020B0606030504020204" pitchFamily="34" charset="0"/>
+                <a:cs typeface="Open Sans" panose="020B0606030504020204" pitchFamily="34" charset="0"/>
+              </a:rPr>
+              <a:t>most </a:t>
+            </a:r>
+            <a:r>
+              <a:rPr lang="en-US" altLang="en-US" sz="2000" i="1" dirty="0" smtClean="0">
+                <a:latin typeface="Open Sans" panose="020B0606030504020204" pitchFamily="34" charset="0"/>
+                <a:ea typeface="Open Sans" panose="020B0606030504020204" pitchFamily="34" charset="0"/>
+                <a:cs typeface="Open Sans" panose="020B0606030504020204" pitchFamily="34" charset="0"/>
+              </a:rPr>
+              <a:t>T</a:t>
+            </a:r>
+            <a:endParaRPr lang="en-US" altLang="en-US" sz="2000" i="1" dirty="0" smtClean="0">
               <a:solidFill>
                 <a:srgbClr val="FF0000"/>
               </a:solidFill>
@@ -32385,7 +32522,7 @@
           <p:nvPr/>
         </p:nvPicPr>
         <p:blipFill>
-          <a:blip r:embed="rId5">
+          <a:blip r:embed="rId4">
             <a:extLst>
               <a:ext uri="{28A0092B-C50C-407E-A947-70E740481C1C}">
                 <a14:useLocalDpi xmlns:a14="http://schemas.microsoft.com/office/drawing/2010/main" val="0"/>
@@ -32450,7 +32587,7 @@
             <p:nvPr/>
           </p:nvPicPr>
           <p:blipFill>
-            <a:blip r:embed="rId6">
+            <a:blip r:embed="rId5">
               <a:extLst>
                 <a:ext uri="{28A0092B-C50C-407E-A947-70E740481C1C}">
                   <a14:useLocalDpi xmlns:a14="http://schemas.microsoft.com/office/drawing/2010/main" val="0"/>
@@ -33254,160 +33391,6 @@
       </p:sp>
       <p:sp>
         <p:nvSpPr>
-          <p:cNvPr id="10" name="AutoShape 12"/>
-          <p:cNvSpPr>
-            <a:spLocks noChangeArrowheads="1"/>
-          </p:cNvSpPr>
-          <p:nvPr/>
-        </p:nvSpPr>
-        <p:spPr bwMode="auto">
-          <a:xfrm>
-            <a:off x="1106488" y="2286000"/>
-            <a:ext cx="2724150" cy="1027113"/>
-          </a:xfrm>
-          <a:prstGeom prst="cloudCallout">
-            <a:avLst>
-              <a:gd name="adj1" fmla="val -47903"/>
-              <a:gd name="adj2" fmla="val 61903"/>
-            </a:avLst>
-          </a:prstGeom>
-          <a:solidFill>
-            <a:schemeClr val="folHlink"/>
-          </a:solidFill>
-          <a:ln w="9525">
-            <a:solidFill>
-              <a:schemeClr val="tx1"/>
-            </a:solidFill>
-            <a:round/>
-            <a:headEnd/>
-            <a:tailEnd/>
-          </a:ln>
-          <a:effectLst/>
-          <a:extLst>
-            <a:ext uri="{AF507438-7753-43E0-B8FC-AC1667EBCBE1}">
-              <a14:hiddenEffects xmlns:a14="http://schemas.microsoft.com/office/drawing/2010/main">
-                <a:effectLst>
-                  <a:outerShdw blurRad="63500" dist="38099" dir="2700000" algn="ctr" rotWithShape="0">
-                    <a:schemeClr val="bg2">
-                      <a:alpha val="74998"/>
-                    </a:schemeClr>
-                  </a:outerShdw>
-                </a:effectLst>
-              </a14:hiddenEffects>
-            </a:ext>
-          </a:extLst>
-        </p:spPr>
-        <p:txBody>
-          <a:bodyPr/>
-          <a:lstStyle>
-            <a:lvl1pPr eaLnBrk="0" hangingPunct="0">
-              <a:defRPr>
-                <a:solidFill>
-                  <a:schemeClr val="tx1"/>
-                </a:solidFill>
-                <a:latin typeface="Arial" charset="0"/>
-              </a:defRPr>
-            </a:lvl1pPr>
-            <a:lvl2pPr marL="742950" indent="-285750" eaLnBrk="0" hangingPunct="0">
-              <a:defRPr>
-                <a:solidFill>
-                  <a:schemeClr val="tx1"/>
-                </a:solidFill>
-                <a:latin typeface="Arial" charset="0"/>
-              </a:defRPr>
-            </a:lvl2pPr>
-            <a:lvl3pPr marL="1143000" indent="-228600" eaLnBrk="0" hangingPunct="0">
-              <a:defRPr>
-                <a:solidFill>
-                  <a:schemeClr val="tx1"/>
-                </a:solidFill>
-                <a:latin typeface="Arial" charset="0"/>
-              </a:defRPr>
-            </a:lvl3pPr>
-            <a:lvl4pPr marL="1600200" indent="-228600" eaLnBrk="0" hangingPunct="0">
-              <a:defRPr>
-                <a:solidFill>
-                  <a:schemeClr val="tx1"/>
-                </a:solidFill>
-                <a:latin typeface="Arial" charset="0"/>
-              </a:defRPr>
-            </a:lvl4pPr>
-            <a:lvl5pPr marL="2057400" indent="-228600" eaLnBrk="0" hangingPunct="0">
-              <a:defRPr>
-                <a:solidFill>
-                  <a:schemeClr val="tx1"/>
-                </a:solidFill>
-                <a:latin typeface="Arial" charset="0"/>
-              </a:defRPr>
-            </a:lvl5pPr>
-            <a:lvl6pPr marL="2514600" indent="-228600" eaLnBrk="0" fontAlgn="base" hangingPunct="0">
-              <a:spcBef>
-                <a:spcPct val="0"/>
-              </a:spcBef>
-              <a:spcAft>
-                <a:spcPct val="0"/>
-              </a:spcAft>
-              <a:defRPr>
-                <a:solidFill>
-                  <a:schemeClr val="tx1"/>
-                </a:solidFill>
-                <a:latin typeface="Arial" charset="0"/>
-              </a:defRPr>
-            </a:lvl6pPr>
-            <a:lvl7pPr marL="2971800" indent="-228600" eaLnBrk="0" fontAlgn="base" hangingPunct="0">
-              <a:spcBef>
-                <a:spcPct val="0"/>
-              </a:spcBef>
-              <a:spcAft>
-                <a:spcPct val="0"/>
-              </a:spcAft>
-              <a:defRPr>
-                <a:solidFill>
-                  <a:schemeClr val="tx1"/>
-                </a:solidFill>
-                <a:latin typeface="Arial" charset="0"/>
-              </a:defRPr>
-            </a:lvl7pPr>
-            <a:lvl8pPr marL="3429000" indent="-228600" eaLnBrk="0" fontAlgn="base" hangingPunct="0">
-              <a:spcBef>
-                <a:spcPct val="0"/>
-              </a:spcBef>
-              <a:spcAft>
-                <a:spcPct val="0"/>
-              </a:spcAft>
-              <a:defRPr>
-                <a:solidFill>
-                  <a:schemeClr val="tx1"/>
-                </a:solidFill>
-                <a:latin typeface="Arial" charset="0"/>
-              </a:defRPr>
-            </a:lvl8pPr>
-            <a:lvl9pPr marL="3886200" indent="-228600" eaLnBrk="0" fontAlgn="base" hangingPunct="0">
-              <a:spcBef>
-                <a:spcPct val="0"/>
-              </a:spcBef>
-              <a:spcAft>
-                <a:spcPct val="0"/>
-              </a:spcAft>
-              <a:defRPr>
-                <a:solidFill>
-                  <a:schemeClr val="tx1"/>
-                </a:solidFill>
-                <a:latin typeface="Arial" charset="0"/>
-              </a:defRPr>
-            </a:lvl9pPr>
-          </a:lstStyle>
-          <a:p>
-            <a:pPr algn="ctr" eaLnBrk="1" hangingPunct="1"/>
-            <a:r>
-              <a:rPr lang="en-US" altLang="en-US" sz="1600"/>
-              <a:t>Random walk gets lost here.</a:t>
-            </a:r>
-          </a:p>
-        </p:txBody>
-      </p:sp>
-      <p:sp>
-        <p:nvSpPr>
           <p:cNvPr id="11" name="Rectangle 6"/>
           <p:cNvSpPr>
             <a:spLocks noChangeArrowheads="1"/>
@@ -33528,40 +33511,6 @@
           </a:p>
         </p:txBody>
       </p:sp>
-      <p:pic>
-        <p:nvPicPr>
-          <p:cNvPr id="2" name="Picture 1"/>
-          <p:cNvPicPr>
-            <a:picLocks noChangeAspect="1"/>
-          </p:cNvPicPr>
-          <p:nvPr>
-            <p:custDataLst>
-              <p:tags r:id="rId2"/>
-            </p:custDataLst>
-          </p:nvPr>
-        </p:nvPicPr>
-        <p:blipFill>
-          <a:blip r:embed="rId7" cstate="print">
-            <a:extLst>
-              <a:ext uri="{28A0092B-C50C-407E-A947-70E740481C1C}">
-                <a14:useLocalDpi xmlns:a14="http://schemas.microsoft.com/office/drawing/2010/main" val="0"/>
-              </a:ext>
-            </a:extLst>
-          </a:blip>
-          <a:stretch>
-            <a:fillRect/>
-          </a:stretch>
-        </p:blipFill>
-        <p:spPr>
-          <a:xfrm>
-            <a:off x="5867400" y="1752600"/>
-            <a:ext cx="173714" cy="170667"/>
-          </a:xfrm>
-          <a:prstGeom prst="rect">
-            <a:avLst/>
-          </a:prstGeom>
-        </p:spPr>
-      </p:pic>
     </p:spTree>
     <p:custDataLst>
       <p:tags r:id="rId1"/>
@@ -33671,7 +33620,23 @@
                 <a:ea typeface="Open Sans" panose="020B0606030504020204" pitchFamily="34" charset="0"/>
                 <a:cs typeface="Open Sans" panose="020B0606030504020204" pitchFamily="34" charset="0"/>
               </a:rPr>
-              <a:t>The escape probability from node A </a:t>
+              <a:t>The escape probability from node </a:t>
+            </a:r>
+            <a:r>
+              <a:rPr lang="en-US" altLang="en-US" sz="2400" i="1" dirty="0" smtClean="0">
+                <a:latin typeface="Open Sans" panose="020B0606030504020204" pitchFamily="34" charset="0"/>
+                <a:ea typeface="Open Sans" panose="020B0606030504020204" pitchFamily="34" charset="0"/>
+                <a:cs typeface="Open Sans" panose="020B0606030504020204" pitchFamily="34" charset="0"/>
+              </a:rPr>
+              <a:t>A</a:t>
+            </a:r>
+            <a:r>
+              <a:rPr lang="en-US" altLang="en-US" sz="2400" dirty="0" smtClean="0">
+                <a:latin typeface="Open Sans" panose="020B0606030504020204" pitchFamily="34" charset="0"/>
+                <a:ea typeface="Open Sans" panose="020B0606030504020204" pitchFamily="34" charset="0"/>
+                <a:cs typeface="Open Sans" panose="020B0606030504020204" pitchFamily="34" charset="0"/>
+              </a:rPr>
+              <a:t> </a:t>
             </a:r>
             <a:r>
               <a:rPr lang="en-US" altLang="zh-CN" sz="2400" dirty="0" smtClean="0">
@@ -33679,7 +33644,15 @@
                 <a:ea typeface="Open Sans" panose="020B0606030504020204" pitchFamily="34" charset="0"/>
                 <a:cs typeface="Open Sans" panose="020B0606030504020204" pitchFamily="34" charset="0"/>
               </a:rPr>
-              <a:t>to node</a:t>
+              <a:t>to </a:t>
+            </a:r>
+            <a:r>
+              <a:rPr lang="en-US" altLang="zh-CN" sz="2400" dirty="0" smtClean="0">
+                <a:latin typeface="Open Sans" panose="020B0606030504020204" pitchFamily="34" charset="0"/>
+                <a:ea typeface="Open Sans" panose="020B0606030504020204" pitchFamily="34" charset="0"/>
+                <a:cs typeface="Open Sans" panose="020B0606030504020204" pitchFamily="34" charset="0"/>
+              </a:rPr>
+              <a:t>node</a:t>
             </a:r>
             <a:r>
               <a:rPr lang="en-US" altLang="zh-CN" sz="2400" b="1" dirty="0">
@@ -33690,14 +33663,14 @@
               <a:t> </a:t>
             </a:r>
             <a:r>
-              <a:rPr lang="en-US" altLang="zh-CN" sz="2400" dirty="0" smtClean="0">
+              <a:rPr lang="en-US" altLang="zh-CN" sz="2400" i="1" dirty="0" smtClean="0">
                 <a:latin typeface="Open Sans" panose="020B0606030504020204" pitchFamily="34" charset="0"/>
                 <a:ea typeface="Open Sans" panose="020B0606030504020204" pitchFamily="34" charset="0"/>
                 <a:cs typeface="Open Sans" panose="020B0606030504020204" pitchFamily="34" charset="0"/>
               </a:rPr>
               <a:t>B</a:t>
             </a:r>
-            <a:endParaRPr lang="en-US" altLang="en-US" sz="2400" dirty="0">
+            <a:endParaRPr lang="en-US" altLang="en-US" sz="2400" i="1" dirty="0">
               <a:latin typeface="Open Sans" panose="020B0606030504020204" pitchFamily="34" charset="0"/>
               <a:ea typeface="Open Sans" panose="020B0606030504020204" pitchFamily="34" charset="0"/>
               <a:cs typeface="Open Sans" panose="020B0606030504020204" pitchFamily="34" charset="0"/>
@@ -33735,7 +33708,7 @@
                 <a:ea typeface="Open Sans" panose="020B0606030504020204" pitchFamily="34" charset="0"/>
                 <a:cs typeface="Open Sans" panose="020B0606030504020204" pitchFamily="34" charset="0"/>
               </a:rPr>
-              <a:t>[start</a:t>
+              <a:t>[ start</a:t>
             </a:r>
             <a:r>
               <a:rPr lang="en-US" altLang="zh-CN" sz="2000" dirty="0" smtClean="0">
@@ -33759,7 +33732,47 @@
                 <a:ea typeface="Open Sans" panose="020B0606030504020204" pitchFamily="34" charset="0"/>
                 <a:cs typeface="Open Sans" panose="020B0606030504020204" pitchFamily="34" charset="0"/>
               </a:rPr>
-              <a:t>at A, reaches B before return</a:t>
+              <a:t>at </a:t>
+            </a:r>
+            <a:r>
+              <a:rPr lang="en-US" altLang="en-US" sz="2000" i="1" dirty="0" smtClean="0">
+                <a:latin typeface="Open Sans" panose="020B0606030504020204" pitchFamily="34" charset="0"/>
+                <a:ea typeface="Open Sans" panose="020B0606030504020204" pitchFamily="34" charset="0"/>
+                <a:cs typeface="Open Sans" panose="020B0606030504020204" pitchFamily="34" charset="0"/>
+              </a:rPr>
+              <a:t>A</a:t>
+            </a:r>
+            <a:r>
+              <a:rPr lang="en-US" altLang="en-US" sz="2000" dirty="0" smtClean="0">
+                <a:latin typeface="Open Sans" panose="020B0606030504020204" pitchFamily="34" charset="0"/>
+                <a:ea typeface="Open Sans" panose="020B0606030504020204" pitchFamily="34" charset="0"/>
+                <a:cs typeface="Open Sans" panose="020B0606030504020204" pitchFamily="34" charset="0"/>
+              </a:rPr>
+              <a:t>, reaches </a:t>
+            </a:r>
+            <a:r>
+              <a:rPr lang="en-US" altLang="en-US" sz="2000" i="1" dirty="0" smtClean="0">
+                <a:latin typeface="Open Sans" panose="020B0606030504020204" pitchFamily="34" charset="0"/>
+                <a:ea typeface="Open Sans" panose="020B0606030504020204" pitchFamily="34" charset="0"/>
+                <a:cs typeface="Open Sans" panose="020B0606030504020204" pitchFamily="34" charset="0"/>
+              </a:rPr>
+              <a:t>B</a:t>
+            </a:r>
+            <a:r>
+              <a:rPr lang="en-US" altLang="en-US" sz="2000" dirty="0" smtClean="0">
+                <a:latin typeface="Open Sans" panose="020B0606030504020204" pitchFamily="34" charset="0"/>
+                <a:ea typeface="Open Sans" panose="020B0606030504020204" pitchFamily="34" charset="0"/>
+                <a:cs typeface="Open Sans" panose="020B0606030504020204" pitchFamily="34" charset="0"/>
+              </a:rPr>
+              <a:t> before </a:t>
+            </a:r>
+            <a:r>
+              <a:rPr lang="en-US" altLang="en-US" sz="2000" dirty="0" smtClean="0">
+                <a:latin typeface="Open Sans" panose="020B0606030504020204" pitchFamily="34" charset="0"/>
+                <a:ea typeface="Open Sans" panose="020B0606030504020204" pitchFamily="34" charset="0"/>
+                <a:cs typeface="Open Sans" panose="020B0606030504020204" pitchFamily="34" charset="0"/>
+              </a:rPr>
+              <a:t>return</a:t>
             </a:r>
             <a:r>
               <a:rPr lang="en-US" altLang="zh-CN" sz="2000" dirty="0" smtClean="0">
@@ -33778,12 +33791,20 @@
               <a:t> </a:t>
             </a:r>
             <a:r>
+              <a:rPr lang="en-US" altLang="zh-CN" sz="2000" i="1" dirty="0" smtClean="0">
+                <a:latin typeface="Open Sans" panose="020B0606030504020204" pitchFamily="34" charset="0"/>
+                <a:ea typeface="Open Sans" panose="020B0606030504020204" pitchFamily="34" charset="0"/>
+                <a:cs typeface="Open Sans" panose="020B0606030504020204" pitchFamily="34" charset="0"/>
+              </a:rPr>
+              <a:t>A</a:t>
+            </a:r>
+            <a:r>
               <a:rPr lang="en-US" altLang="zh-CN" sz="2000" dirty="0" smtClean="0">
                 <a:latin typeface="Open Sans" panose="020B0606030504020204" pitchFamily="34" charset="0"/>
                 <a:ea typeface="Open Sans" panose="020B0606030504020204" pitchFamily="34" charset="0"/>
                 <a:cs typeface="Open Sans" panose="020B0606030504020204" pitchFamily="34" charset="0"/>
               </a:rPr>
-              <a:t>A</a:t>
+              <a:t> </a:t>
             </a:r>
             <a:r>
               <a:rPr lang="en-US" altLang="en-US" sz="2000" dirty="0" smtClean="0">
@@ -35240,7 +35261,7 @@
           <a:graphicData uri="http://schemas.openxmlformats.org/presentationml/2006/ole">
             <mc:AlternateContent xmlns:mc="http://schemas.openxmlformats.org/markup-compatibility/2006">
               <mc:Choice xmlns:v="urn:schemas-microsoft-com:vml" Requires="v">
-                <p:oleObj spid="_x0000_s8984" name="Visio" r:id="rId6" imgW="5289194" imgH="2914802" progId="Visio.Drawing.11">
+                <p:oleObj spid="_x0000_s9060" name="Visio" r:id="rId6" imgW="5289194" imgH="2914802" progId="Visio.Drawing.11">
                   <p:embed/>
                 </p:oleObj>
               </mc:Choice>
@@ -35481,25 +35502,6 @@
 <file path=ppt/tags/tag15.xml><?xml version="1.0" encoding="utf-8"?>
 <p:tagLst xmlns:a="http://schemas.openxmlformats.org/drawingml/2006/main" xmlns:r="http://schemas.openxmlformats.org/officeDocument/2006/relationships" xmlns:p="http://schemas.openxmlformats.org/presentationml/2006/main">
   <p:tag name="OUTPUTDPI" val="1200"/>
-  <p:tag name="ORIGINALHEIGHT" val="107.2366"/>
-  <p:tag name="ORIGINALWIDTH" val="51.74354"/>
-  <p:tag name="LATEXADDIN" val="\documentclass{article}&#10;\usepackage{amsmath}&#10;\pagestyle{empty}&#10;\begin{document}&#10;&#10;$j$&#10;&#10;&#10;\end{document}"/>
-  <p:tag name="IGUANATEXSIZE" val="20"/>
-  <p:tag name="IGUANATEXCURSOR" val="84"/>
-  <p:tag name="TRANSPARENCY" val="True"/>
-  <p:tag name="FILENAME" val=""/>
-  <p:tag name="LATEXENGINEID" val="0"/>
-  <p:tag name="TEMPFOLDER" val="c:\temp\"/>
-  <p:tag name="LATEXFORMHEIGHT" val="312"/>
-  <p:tag name="LATEXFORMWIDTH" val="384"/>
-  <p:tag name="LATEXFORMWRAP" val="True"/>
-  <p:tag name="BITMAPVECTOR" val="0"/>
-</p:tagLst>
-</file>
-
-<file path=ppt/tags/tag16.xml><?xml version="1.0" encoding="utf-8"?>
-<p:tagLst xmlns:a="http://schemas.openxmlformats.org/drawingml/2006/main" xmlns:r="http://schemas.openxmlformats.org/officeDocument/2006/relationships" xmlns:p="http://schemas.openxmlformats.org/presentationml/2006/main">
-  <p:tag name="OUTPUTDPI" val="1200"/>
   <p:tag name="ORIGINALHEIGHT" val="92.2385"/>
   <p:tag name="ORIGINALWIDTH" val="119.2351"/>
   <p:tag name="LATEXADDIN" val="\documentclass{article}&#10;\usepackage{amsmath}&#10;\pagestyle{empty}&#10;\usepackage{bm}&#10;\begin{document}&#10;&#10;$\bm{\pi}_j$&#10;&#10;&#10;\end{document}"/>
@@ -35516,44 +35518,19 @@
 </p:tagLst>
 </file>
 
-<file path=ppt/tags/tag17.xml><?xml version="1.0" encoding="utf-8"?>
+<file path=ppt/tags/tag16.xml><?xml version="1.0" encoding="utf-8"?>
 <p:tagLst xmlns:a="http://schemas.openxmlformats.org/drawingml/2006/main" xmlns:r="http://schemas.openxmlformats.org/officeDocument/2006/relationships" xmlns:p="http://schemas.openxmlformats.org/presentationml/2006/main">
   <p:tag name="TIMING" val="|14.6"/>
 </p:tagLst>
 </file>
 
-<file path=ppt/tags/tag18.xml><?xml version="1.0" encoding="utf-8"?>
-<p:tagLst xmlns:a="http://schemas.openxmlformats.org/drawingml/2006/main" xmlns:r="http://schemas.openxmlformats.org/officeDocument/2006/relationships" xmlns:p="http://schemas.openxmlformats.org/presentationml/2006/main">
-  <p:tag name="OUTPUTDPI" val="1200"/>
-  <p:tag name="ORIGINALHEIGHT" val="83.98952"/>
-  <p:tag name="ORIGINALWIDTH" val="85.48929"/>
-  <p:tag name="LATEXADDIN" val="\documentclass{article}&#10;\usepackage{amsmath}&#10;\pagestyle{empty}&#10;\begin{document}&#10;&#10;$T$&#10;&#10;&#10;\end{document}"/>
-  <p:tag name="IGUANATEXSIZE" val="20"/>
-  <p:tag name="IGUANATEXCURSOR" val="84"/>
-  <p:tag name="TRANSPARENCY" val="True"/>
-  <p:tag name="FILENAME" val=""/>
-  <p:tag name="LATEXENGINEID" val="0"/>
-  <p:tag name="TEMPFOLDER" val="c:\temp\"/>
-  <p:tag name="LATEXFORMHEIGHT" val="312"/>
-  <p:tag name="LATEXFORMWIDTH" val="384"/>
-  <p:tag name="LATEXFORMWRAP" val="True"/>
-  <p:tag name="BITMAPVECTOR" val="0"/>
-</p:tagLst>
-</file>
-
-<file path=ppt/tags/tag19.xml><?xml version="1.0" encoding="utf-8"?>
+<file path=ppt/tags/tag17.xml><?xml version="1.0" encoding="utf-8"?>
 <p:tagLst xmlns:a="http://schemas.openxmlformats.org/drawingml/2006/main" xmlns:r="http://schemas.openxmlformats.org/officeDocument/2006/relationships" xmlns:p="http://schemas.openxmlformats.org/presentationml/2006/main">
   <p:tag name="TIMING" val="|23.6"/>
 </p:tagLst>
 </file>
 
-<file path=ppt/tags/tag2.xml><?xml version="1.0" encoding="utf-8"?>
-<p:tagLst xmlns:a="http://schemas.openxmlformats.org/drawingml/2006/main" xmlns:r="http://schemas.openxmlformats.org/officeDocument/2006/relationships" xmlns:p="http://schemas.openxmlformats.org/presentationml/2006/main">
-  <p:tag name="TIMING" val="|20."/>
-</p:tagLst>
-</file>
-
-<file path=ppt/tags/tag20.xml><?xml version="1.0" encoding="utf-8"?>
+<file path=ppt/tags/tag18.xml><?xml version="1.0" encoding="utf-8"?>
 <p:tagLst xmlns:a="http://schemas.openxmlformats.org/drawingml/2006/main" xmlns:r="http://schemas.openxmlformats.org/officeDocument/2006/relationships" xmlns:p="http://schemas.openxmlformats.org/presentationml/2006/main">
   <p:tag name="OUTPUTDPI" val="1200"/>
   <p:tag name="ORIGINALHEIGHT" val="123.7346"/>
@@ -35572,7 +35549,7 @@
 </p:tagLst>
 </file>
 
-<file path=ppt/tags/tag21.xml><?xml version="1.0" encoding="utf-8"?>
+<file path=ppt/tags/tag19.xml><?xml version="1.0" encoding="utf-8"?>
 <p:tagLst xmlns:a="http://schemas.openxmlformats.org/drawingml/2006/main" xmlns:r="http://schemas.openxmlformats.org/officeDocument/2006/relationships" xmlns:p="http://schemas.openxmlformats.org/presentationml/2006/main">
   <p:tag name="OUTPUTDPI" val="1200"/>
   <p:tag name="ORIGINALHEIGHT" val="224.222"/>
@@ -35591,13 +35568,19 @@
 </p:tagLst>
 </file>
 
-<file path=ppt/tags/tag22.xml><?xml version="1.0" encoding="utf-8"?>
+<file path=ppt/tags/tag2.xml><?xml version="1.0" encoding="utf-8"?>
+<p:tagLst xmlns:a="http://schemas.openxmlformats.org/drawingml/2006/main" xmlns:r="http://schemas.openxmlformats.org/officeDocument/2006/relationships" xmlns:p="http://schemas.openxmlformats.org/presentationml/2006/main">
+  <p:tag name="TIMING" val="|20."/>
+</p:tagLst>
+</file>
+
+<file path=ppt/tags/tag20.xml><?xml version="1.0" encoding="utf-8"?>
 <p:tagLst xmlns:a="http://schemas.openxmlformats.org/drawingml/2006/main" xmlns:r="http://schemas.openxmlformats.org/officeDocument/2006/relationships" xmlns:p="http://schemas.openxmlformats.org/presentationml/2006/main">
   <p:tag name="TIMING" val="|14.6"/>
 </p:tagLst>
 </file>
 
-<file path=ppt/tags/tag23.xml><?xml version="1.0" encoding="utf-8"?>
+<file path=ppt/tags/tag21.xml><?xml version="1.0" encoding="utf-8"?>
 <p:tagLst xmlns:a="http://schemas.openxmlformats.org/drawingml/2006/main" xmlns:r="http://schemas.openxmlformats.org/officeDocument/2006/relationships" xmlns:p="http://schemas.openxmlformats.org/presentationml/2006/main">
   <p:tag name="OUTPUTDPI" val="1200"/>
   <p:tag name="ORIGINALHEIGHT" val="123.7346"/>
@@ -35616,13 +35599,13 @@
 </p:tagLst>
 </file>
 
-<file path=ppt/tags/tag24.xml><?xml version="1.0" encoding="utf-8"?>
+<file path=ppt/tags/tag22.xml><?xml version="1.0" encoding="utf-8"?>
 <p:tagLst xmlns:a="http://schemas.openxmlformats.org/drawingml/2006/main" xmlns:r="http://schemas.openxmlformats.org/officeDocument/2006/relationships" xmlns:p="http://schemas.openxmlformats.org/presentationml/2006/main">
   <p:tag name="TIMING" val="|3.2"/>
 </p:tagLst>
 </file>
 
-<file path=ppt/tags/tag25.xml><?xml version="1.0" encoding="utf-8"?>
+<file path=ppt/tags/tag23.xml><?xml version="1.0" encoding="utf-8"?>
 <p:tagLst xmlns:a="http://schemas.openxmlformats.org/drawingml/2006/main" xmlns:r="http://schemas.openxmlformats.org/officeDocument/2006/relationships" xmlns:p="http://schemas.openxmlformats.org/presentationml/2006/main">
   <p:tag name="OUTPUTDPI" val="1200"/>
   <p:tag name="ORIGINALHEIGHT" val="123.7346"/>
@@ -35641,7 +35624,7 @@
 </p:tagLst>
 </file>
 
-<file path=ppt/tags/tag26.xml><?xml version="1.0" encoding="utf-8"?>
+<file path=ppt/tags/tag24.xml><?xml version="1.0" encoding="utf-8"?>
 <p:tagLst xmlns:a="http://schemas.openxmlformats.org/drawingml/2006/main" xmlns:r="http://schemas.openxmlformats.org/officeDocument/2006/relationships" xmlns:p="http://schemas.openxmlformats.org/presentationml/2006/main">
   <p:tag name="OUTPUTDPI" val="1200"/>
   <p:tag name="ORIGINALHEIGHT" val="123.7346"/>
@@ -35660,7 +35643,7 @@
 </p:tagLst>
 </file>
 
-<file path=ppt/tags/tag27.xml><?xml version="1.0" encoding="utf-8"?>
+<file path=ppt/tags/tag25.xml><?xml version="1.0" encoding="utf-8"?>
 <p:tagLst xmlns:a="http://schemas.openxmlformats.org/drawingml/2006/main" xmlns:r="http://schemas.openxmlformats.org/officeDocument/2006/relationships" xmlns:p="http://schemas.openxmlformats.org/presentationml/2006/main">
   <p:tag name="OUTPUTDPI" val="1200"/>
   <p:tag name="ORIGINALHEIGHT" val="123.7346"/>
@@ -35679,7 +35662,7 @@
 </p:tagLst>
 </file>
 
-<file path=ppt/tags/tag28.xml><?xml version="1.0" encoding="utf-8"?>
+<file path=ppt/tags/tag26.xml><?xml version="1.0" encoding="utf-8"?>
 <p:tagLst xmlns:a="http://schemas.openxmlformats.org/drawingml/2006/main" xmlns:r="http://schemas.openxmlformats.org/officeDocument/2006/relationships" xmlns:p="http://schemas.openxmlformats.org/presentationml/2006/main">
   <p:tag name="OUTPUTDPI" val="1200"/>
   <p:tag name="ORIGINALHEIGHT" val="123.7346"/>
@@ -35698,19 +35681,13 @@
 </p:tagLst>
 </file>
 
-<file path=ppt/tags/tag29.xml><?xml version="1.0" encoding="utf-8"?>
+<file path=ppt/tags/tag27.xml><?xml version="1.0" encoding="utf-8"?>
 <p:tagLst xmlns:a="http://schemas.openxmlformats.org/drawingml/2006/main" xmlns:r="http://schemas.openxmlformats.org/officeDocument/2006/relationships" xmlns:p="http://schemas.openxmlformats.org/presentationml/2006/main">
   <p:tag name="TIMING" val="|14.6"/>
 </p:tagLst>
 </file>
 
-<file path=ppt/tags/tag3.xml><?xml version="1.0" encoding="utf-8"?>
-<p:tagLst xmlns:a="http://schemas.openxmlformats.org/drawingml/2006/main" xmlns:r="http://schemas.openxmlformats.org/officeDocument/2006/relationships" xmlns:p="http://schemas.openxmlformats.org/presentationml/2006/main">
-  <p:tag name="TIMING" val="|14.6"/>
-</p:tagLst>
-</file>
-
-<file path=ppt/tags/tag30.xml><?xml version="1.0" encoding="utf-8"?>
+<file path=ppt/tags/tag28.xml><?xml version="1.0" encoding="utf-8"?>
 <p:tagLst xmlns:a="http://schemas.openxmlformats.org/drawingml/2006/main" xmlns:r="http://schemas.openxmlformats.org/officeDocument/2006/relationships" xmlns:p="http://schemas.openxmlformats.org/presentationml/2006/main">
   <p:tag name="OUTPUTDPI" val="1200"/>
   <p:tag name="ORIGINALHEIGHT" val="123.7346"/>
@@ -35729,7 +35706,7 @@
 </p:tagLst>
 </file>
 
-<file path=ppt/tags/tag31.xml><?xml version="1.0" encoding="utf-8"?>
+<file path=ppt/tags/tag29.xml><?xml version="1.0" encoding="utf-8"?>
 <p:tagLst xmlns:a="http://schemas.openxmlformats.org/drawingml/2006/main" xmlns:r="http://schemas.openxmlformats.org/officeDocument/2006/relationships" xmlns:p="http://schemas.openxmlformats.org/presentationml/2006/main">
   <p:tag name="OUTPUTDPI" val="1200"/>
   <p:tag name="ORIGINALHEIGHT" val="123.7346"/>
@@ -35748,13 +35725,19 @@
 </p:tagLst>
 </file>
 
-<file path=ppt/tags/tag32.xml><?xml version="1.0" encoding="utf-8"?>
+<file path=ppt/tags/tag3.xml><?xml version="1.0" encoding="utf-8"?>
 <p:tagLst xmlns:a="http://schemas.openxmlformats.org/drawingml/2006/main" xmlns:r="http://schemas.openxmlformats.org/officeDocument/2006/relationships" xmlns:p="http://schemas.openxmlformats.org/presentationml/2006/main">
   <p:tag name="TIMING" val="|14.6"/>
 </p:tagLst>
 </file>
 
-<file path=ppt/tags/tag33.xml><?xml version="1.0" encoding="utf-8"?>
+<file path=ppt/tags/tag30.xml><?xml version="1.0" encoding="utf-8"?>
+<p:tagLst xmlns:a="http://schemas.openxmlformats.org/drawingml/2006/main" xmlns:r="http://schemas.openxmlformats.org/officeDocument/2006/relationships" xmlns:p="http://schemas.openxmlformats.org/presentationml/2006/main">
+  <p:tag name="TIMING" val="|14.6"/>
+</p:tagLst>
+</file>
+
+<file path=ppt/tags/tag31.xml><?xml version="1.0" encoding="utf-8"?>
 <p:tagLst xmlns:a="http://schemas.openxmlformats.org/drawingml/2006/main" xmlns:r="http://schemas.openxmlformats.org/officeDocument/2006/relationships" xmlns:p="http://schemas.openxmlformats.org/presentationml/2006/main">
   <p:tag name="OUTPUTDPI" val="1200"/>
   <p:tag name="ORIGINALHEIGHT" val="137.9828"/>
@@ -35773,7 +35756,7 @@
 </p:tagLst>
 </file>
 
-<file path=ppt/tags/tag34.xml><?xml version="1.0" encoding="utf-8"?>
+<file path=ppt/tags/tag32.xml><?xml version="1.0" encoding="utf-8"?>
 <p:tagLst xmlns:a="http://schemas.openxmlformats.org/drawingml/2006/main" xmlns:r="http://schemas.openxmlformats.org/officeDocument/2006/relationships" xmlns:p="http://schemas.openxmlformats.org/presentationml/2006/main">
   <p:tag name="OUTPUTDPI" val="1200"/>
   <p:tag name="ORIGINALHEIGHT" val="101.9872"/>
@@ -35792,7 +35775,7 @@
 </p:tagLst>
 </file>
 
-<file path=ppt/tags/tag35.xml><?xml version="1.0" encoding="utf-8"?>
+<file path=ppt/tags/tag33.xml><?xml version="1.0" encoding="utf-8"?>
 <p:tagLst xmlns:a="http://schemas.openxmlformats.org/drawingml/2006/main" xmlns:r="http://schemas.openxmlformats.org/officeDocument/2006/relationships" xmlns:p="http://schemas.openxmlformats.org/presentationml/2006/main">
   <p:tag name="OUTPUTDPI" val="1200"/>
   <p:tag name="ORIGINALHEIGHT" val="119.985"/>
@@ -35811,7 +35794,7 @@
 </p:tagLst>
 </file>
 
-<file path=ppt/tags/tag36.xml><?xml version="1.0" encoding="utf-8"?>
+<file path=ppt/tags/tag34.xml><?xml version="1.0" encoding="utf-8"?>
 <p:tagLst xmlns:a="http://schemas.openxmlformats.org/drawingml/2006/main" xmlns:r="http://schemas.openxmlformats.org/officeDocument/2006/relationships" xmlns:p="http://schemas.openxmlformats.org/presentationml/2006/main">
   <p:tag name="OUTPUTDPI" val="1200"/>
   <p:tag name="ORIGINALHEIGHT" val="207.724"/>
@@ -35830,7 +35813,7 @@
 </p:tagLst>
 </file>
 
-<file path=ppt/tags/tag37.xml><?xml version="1.0" encoding="utf-8"?>
+<file path=ppt/tags/tag35.xml><?xml version="1.0" encoding="utf-8"?>
 <p:tagLst xmlns:a="http://schemas.openxmlformats.org/drawingml/2006/main" xmlns:r="http://schemas.openxmlformats.org/officeDocument/2006/relationships" xmlns:p="http://schemas.openxmlformats.org/presentationml/2006/main">
   <p:tag name="OUTPUTDPI" val="1200"/>
   <p:tag name="ORIGINALHEIGHT" val="469.4413"/>
@@ -35849,7 +35832,7 @@
 </p:tagLst>
 </file>
 
-<file path=ppt/tags/tag38.xml><?xml version="1.0" encoding="utf-8"?>
+<file path=ppt/tags/tag36.xml><?xml version="1.0" encoding="utf-8"?>
 <p:tagLst xmlns:a="http://schemas.openxmlformats.org/drawingml/2006/main" xmlns:r="http://schemas.openxmlformats.org/officeDocument/2006/relationships" xmlns:p="http://schemas.openxmlformats.org/presentationml/2006/main">
   <p:tag name="OUTPUTDPI" val="1200"/>
   <p:tag name="ORIGINALHEIGHT" val="179.9775"/>
@@ -35868,7 +35851,7 @@
 </p:tagLst>
 </file>
 
-<file path=ppt/tags/tag39.xml><?xml version="1.0" encoding="utf-8"?>
+<file path=ppt/tags/tag37.xml><?xml version="1.0" encoding="utf-8"?>
 <p:tagLst xmlns:a="http://schemas.openxmlformats.org/drawingml/2006/main" xmlns:r="http://schemas.openxmlformats.org/officeDocument/2006/relationships" xmlns:p="http://schemas.openxmlformats.org/presentationml/2006/main">
   <p:tag name="OUTPUTDPI" val="1200"/>
   <p:tag name="ORIGINALHEIGHT" val="155.2306"/>
@@ -35876,6 +35859,44 @@
   <p:tag name="LATEXADDIN" val="\documentclass{article}&#10;\usepackage{amsmath}&#10;\usepackage{bm}&#10;\pagestyle{empty}&#10;\begin{document}&#10;&#10;&#10;$\hat{\bm{v}} = \hat{\bm{P}} \hat{\bm{v}} + \bm{r}_j \ \Rightarrow\ \hat{\bm{v}} = (\bm{I} - \hat{\bm{P}})^{-1} \bm{r}_j$&#10;&#10;\end{document}"/>
   <p:tag name="IGUANATEXSIZE" val="20"/>
   <p:tag name="IGUANATEXCURSOR" val="60"/>
+  <p:tag name="TRANSPARENCY" val="True"/>
+  <p:tag name="FILENAME" val=""/>
+  <p:tag name="LATEXENGINEID" val="0"/>
+  <p:tag name="TEMPFOLDER" val="c:\temp\"/>
+  <p:tag name="LATEXFORMHEIGHT" val="312"/>
+  <p:tag name="LATEXFORMWIDTH" val="384"/>
+  <p:tag name="LATEXFORMWRAP" val="True"/>
+  <p:tag name="BITMAPVECTOR" val="0"/>
+</p:tagLst>
+</file>
+
+<file path=ppt/tags/tag38.xml><?xml version="1.0" encoding="utf-8"?>
+<p:tagLst xmlns:a="http://schemas.openxmlformats.org/drawingml/2006/main" xmlns:r="http://schemas.openxmlformats.org/officeDocument/2006/relationships" xmlns:p="http://schemas.openxmlformats.org/presentationml/2006/main">
+  <p:tag name="OUTPUTDPI" val="1200"/>
+  <p:tag name="ORIGINALHEIGHT" val="231.721"/>
+  <p:tag name="ORIGINALWIDTH" val="2659.917"/>
+  <p:tag name="LATEXADDIN" val="\documentclass{article}&#10;\usepackage{amsmath}&#10;\usepackage{bm}&#10;\pagestyle{empty}&#10;\begin{document}&#10;&#10;$\mathrm{ep}(i\rightarrow j) = \sum\limits_k p_{ik} \cdot v_k = \bm{r}_i^\top (\bm{I} - \hat{\bm{P}})^{-1} \bm{c}_j + p(i,j)$&#10;&#10;&#10;\end{document}"/>
+  <p:tag name="IGUANATEXSIZE" val="20"/>
+  <p:tag name="IGUANATEXCURSOR" val="60"/>
+  <p:tag name="TRANSPARENCY" val="True"/>
+  <p:tag name="FILENAME" val=""/>
+  <p:tag name="LATEXENGINEID" val="0"/>
+  <p:tag name="TEMPFOLDER" val="c:\temp\"/>
+  <p:tag name="LATEXFORMHEIGHT" val="312"/>
+  <p:tag name="LATEXFORMWIDTH" val="384"/>
+  <p:tag name="LATEXFORMWRAP" val="True"/>
+  <p:tag name="BITMAPVECTOR" val="0"/>
+</p:tagLst>
+</file>
+
+<file path=ppt/tags/tag39.xml><?xml version="1.0" encoding="utf-8"?>
+<p:tagLst xmlns:a="http://schemas.openxmlformats.org/drawingml/2006/main" xmlns:r="http://schemas.openxmlformats.org/officeDocument/2006/relationships" xmlns:p="http://schemas.openxmlformats.org/presentationml/2006/main">
+  <p:tag name="OUTPUTDPI" val="1200"/>
+  <p:tag name="ORIGINALHEIGHT" val="137.9828"/>
+  <p:tag name="ORIGINALWIDTH" val="2928.384"/>
+  <p:tag name="LATEXADDIN" val="\documentclass{article}&#10;\usepackage{amsmath}&#10;\usepackage{amssymb}&#10;\pagestyle{empty}&#10;\begin{document}&#10;&#10;$v_k \triangleq $ Pr[A random walk starting at $k$ visits $j$ before $i$]&#10;&#10;&#10;\end{document}"/>
+  <p:tag name="IGUANATEXSIZE" val="20"/>
+  <p:tag name="IGUANATEXCURSOR" val="65"/>
   <p:tag name="TRANSPARENCY" val="True"/>
   <p:tag name="FILENAME" val=""/>
   <p:tag name="LATEXENGINEID" val="0"/>
@@ -35896,44 +35917,6 @@
 <file path=ppt/tags/tag40.xml><?xml version="1.0" encoding="utf-8"?>
 <p:tagLst xmlns:a="http://schemas.openxmlformats.org/drawingml/2006/main" xmlns:r="http://schemas.openxmlformats.org/officeDocument/2006/relationships" xmlns:p="http://schemas.openxmlformats.org/presentationml/2006/main">
   <p:tag name="OUTPUTDPI" val="1200"/>
-  <p:tag name="ORIGINALHEIGHT" val="231.721"/>
-  <p:tag name="ORIGINALWIDTH" val="2659.917"/>
-  <p:tag name="LATEXADDIN" val="\documentclass{article}&#10;\usepackage{amsmath}&#10;\usepackage{bm}&#10;\pagestyle{empty}&#10;\begin{document}&#10;&#10;$\mathrm{ep}(i\rightarrow j) = \sum\limits_k p_{ik} \cdot v_k = \bm{r}_i^\top (\bm{I} - \hat{\bm{P}})^{-1} \bm{c}_j + p(i,j)$&#10;&#10;&#10;\end{document}"/>
-  <p:tag name="IGUANATEXSIZE" val="20"/>
-  <p:tag name="IGUANATEXCURSOR" val="60"/>
-  <p:tag name="TRANSPARENCY" val="True"/>
-  <p:tag name="FILENAME" val=""/>
-  <p:tag name="LATEXENGINEID" val="0"/>
-  <p:tag name="TEMPFOLDER" val="c:\temp\"/>
-  <p:tag name="LATEXFORMHEIGHT" val="312"/>
-  <p:tag name="LATEXFORMWIDTH" val="384"/>
-  <p:tag name="LATEXFORMWRAP" val="True"/>
-  <p:tag name="BITMAPVECTOR" val="0"/>
-</p:tagLst>
-</file>
-
-<file path=ppt/tags/tag41.xml><?xml version="1.0" encoding="utf-8"?>
-<p:tagLst xmlns:a="http://schemas.openxmlformats.org/drawingml/2006/main" xmlns:r="http://schemas.openxmlformats.org/officeDocument/2006/relationships" xmlns:p="http://schemas.openxmlformats.org/presentationml/2006/main">
-  <p:tag name="OUTPUTDPI" val="1200"/>
-  <p:tag name="ORIGINALHEIGHT" val="137.9828"/>
-  <p:tag name="ORIGINALWIDTH" val="2928.384"/>
-  <p:tag name="LATEXADDIN" val="\documentclass{article}&#10;\usepackage{amsmath}&#10;\usepackage{amssymb}&#10;\pagestyle{empty}&#10;\begin{document}&#10;&#10;$v_k \triangleq $ Pr[A random walk starting at $k$ visits $j$ before $i$]&#10;&#10;&#10;\end{document}"/>
-  <p:tag name="IGUANATEXSIZE" val="20"/>
-  <p:tag name="IGUANATEXCURSOR" val="65"/>
-  <p:tag name="TRANSPARENCY" val="True"/>
-  <p:tag name="FILENAME" val=""/>
-  <p:tag name="LATEXENGINEID" val="0"/>
-  <p:tag name="TEMPFOLDER" val="c:\temp\"/>
-  <p:tag name="LATEXFORMHEIGHT" val="312"/>
-  <p:tag name="LATEXFORMWIDTH" val="384"/>
-  <p:tag name="LATEXFORMWRAP" val="True"/>
-  <p:tag name="BITMAPVECTOR" val="0"/>
-</p:tagLst>
-</file>
-
-<file path=ppt/tags/tag42.xml><?xml version="1.0" encoding="utf-8"?>
-<p:tagLst xmlns:a="http://schemas.openxmlformats.org/drawingml/2006/main" xmlns:r="http://schemas.openxmlformats.org/officeDocument/2006/relationships" xmlns:p="http://schemas.openxmlformats.org/presentationml/2006/main">
-  <p:tag name="OUTPUTDPI" val="1200"/>
   <p:tag name="ORIGINALHEIGHT" val="123.7346"/>
   <p:tag name="ORIGINALWIDTH" val="500.9374"/>
   <p:tag name="LATEXADDIN" val="\documentclass{article}&#10;\usepackage{amsmath}&#10;\pagestyle{empty}&#10;\begin{document}&#10;&#10;$\mathrm{ep}(i \rightarrow j)$&#10;&#10;&#10;\end{document}"/>
@@ -35950,7 +35933,7 @@
 </p:tagLst>
 </file>
 
-<file path=ppt/tags/tag43.xml><?xml version="1.0" encoding="utf-8"?>
+<file path=ppt/tags/tag41.xml><?xml version="1.0" encoding="utf-8"?>
 <p:tagLst xmlns:a="http://schemas.openxmlformats.org/drawingml/2006/main" xmlns:r="http://schemas.openxmlformats.org/officeDocument/2006/relationships" xmlns:p="http://schemas.openxmlformats.org/presentationml/2006/main">
   <p:tag name="OUTPUTDPI" val="1200"/>
   <p:tag name="ORIGINALHEIGHT" val="134.2332"/>
@@ -35969,13 +35952,13 @@
 </p:tagLst>
 </file>
 
-<file path=ppt/tags/tag44.xml><?xml version="1.0" encoding="utf-8"?>
+<file path=ppt/tags/tag42.xml><?xml version="1.0" encoding="utf-8"?>
 <p:tagLst xmlns:a="http://schemas.openxmlformats.org/drawingml/2006/main" xmlns:r="http://schemas.openxmlformats.org/officeDocument/2006/relationships" xmlns:p="http://schemas.openxmlformats.org/presentationml/2006/main">
   <p:tag name="TIMING" val="|14.6"/>
 </p:tagLst>
 </file>
 
-<file path=ppt/tags/tag45.xml><?xml version="1.0" encoding="utf-8"?>
+<file path=ppt/tags/tag43.xml><?xml version="1.0" encoding="utf-8"?>
 <p:tagLst xmlns:a="http://schemas.openxmlformats.org/drawingml/2006/main" xmlns:r="http://schemas.openxmlformats.org/officeDocument/2006/relationships" xmlns:p="http://schemas.openxmlformats.org/presentationml/2006/main">
   <p:tag name="OUTPUTDPI" val="1200"/>
   <p:tag name="ORIGINALHEIGHT" val="127.3152"/>
@@ -35994,7 +35977,7 @@
 </p:tagLst>
 </file>
 
-<file path=ppt/tags/tag46.xml><?xml version="1.0" encoding="utf-8"?>
+<file path=ppt/tags/tag44.xml><?xml version="1.0" encoding="utf-8"?>
 <p:tagLst xmlns:a="http://schemas.openxmlformats.org/drawingml/2006/main" xmlns:r="http://schemas.openxmlformats.org/officeDocument/2006/relationships" xmlns:p="http://schemas.openxmlformats.org/presentationml/2006/main">
   <p:tag name="OUTPUTDPI" val="1200"/>
   <p:tag name="ORIGINALHEIGHT" val="133.4833"/>
@@ -36013,7 +35996,7 @@
 </p:tagLst>
 </file>
 
-<file path=ppt/tags/tag47.xml><?xml version="1.0" encoding="utf-8"?>
+<file path=ppt/tags/tag45.xml><?xml version="1.0" encoding="utf-8"?>
 <p:tagLst xmlns:a="http://schemas.openxmlformats.org/drawingml/2006/main" xmlns:r="http://schemas.openxmlformats.org/officeDocument/2006/relationships" xmlns:p="http://schemas.openxmlformats.org/presentationml/2006/main">
   <p:tag name="OUTPUTDPI" val="1200"/>
   <p:tag name="ORIGINALHEIGHT" val="191.2261"/>
@@ -36032,7 +36015,7 @@
 </p:tagLst>
 </file>
 
-<file path=ppt/tags/tag48.xml><?xml version="1.0" encoding="utf-8"?>
+<file path=ppt/tags/tag46.xml><?xml version="1.0" encoding="utf-8"?>
 <p:tagLst xmlns:a="http://schemas.openxmlformats.org/drawingml/2006/main" xmlns:r="http://schemas.openxmlformats.org/officeDocument/2006/relationships" xmlns:p="http://schemas.openxmlformats.org/presentationml/2006/main">
   <p:tag name="OUTPUTDPI" val="1200"/>
   <p:tag name="ORIGINALHEIGHT" val="134.2332"/>
@@ -36051,9 +36034,47 @@
 </p:tagLst>
 </file>
 
+<file path=ppt/tags/tag47.xml><?xml version="1.0" encoding="utf-8"?>
+<p:tagLst xmlns:a="http://schemas.openxmlformats.org/drawingml/2006/main" xmlns:r="http://schemas.openxmlformats.org/officeDocument/2006/relationships" xmlns:p="http://schemas.openxmlformats.org/presentationml/2006/main">
+  <p:tag name="TIMING" val="|14.6"/>
+</p:tagLst>
+</file>
+
+<file path=ppt/tags/tag48.xml><?xml version="1.0" encoding="utf-8"?>
+<p:tagLst xmlns:a="http://schemas.openxmlformats.org/drawingml/2006/main" xmlns:r="http://schemas.openxmlformats.org/officeDocument/2006/relationships" xmlns:p="http://schemas.openxmlformats.org/presentationml/2006/main">
+  <p:tag name="OUTPUTDPI" val="1200"/>
+  <p:tag name="ORIGINALHEIGHT" val="127.3152"/>
+  <p:tag name="ORIGINALWIDTH" val="719.3802"/>
+  <p:tag name="LATEXADDIN" val="\documentclass{article}&#10;\usepackage{amsmath}&#10;\pagestyle{empty}&#10;\usepackage{amssymb}&#10;\usepackage{amsthm}&#10;\usepackage{bm}&#10;&#10;\newtheorem*{mythm*}{Theorem}&#10;\newtheorem*{mylem*}{Lemma}&#10;\newtheorem*{mycor*}{Corollary}&#10;&#10;\begin{document}&#10;&#10;\begin{mythm*}&#10;Let&#10;$&#10;\bm{Q} = \left[ q(i,j) \right] \triangleq (\bm{I} - c\bm{P})^{-1}.&#10;$&#10;$\forall i\neq j$, there is&#10;\[&#10;\mathrm{ep}(i\rightarrow j) = \frac{q(i,j)}{q(i,i)q(j,j) - q(i,j)q(j,i)}.&#10;\]&#10;\end{mythm*}&#10;&#10;&#10;\end{document}"/>
+  <p:tag name="IGUANATEXSIZE" val="20"/>
+  <p:tag name="IGUANATEXCURSOR" val="319"/>
+  <p:tag name="TRANSPARENCY" val="True"/>
+  <p:tag name="FILENAME" val=""/>
+  <p:tag name="LATEXENGINEID" val="0"/>
+  <p:tag name="TEMPFOLDER" val="c:\temp\"/>
+  <p:tag name="LATEXFORMHEIGHT" val="312"/>
+  <p:tag name="LATEXFORMWIDTH" val="384"/>
+  <p:tag name="LATEXFORMWRAP" val="True"/>
+  <p:tag name="BITMAPVECTOR" val="0"/>
+</p:tagLst>
+</file>
+
 <file path=ppt/tags/tag49.xml><?xml version="1.0" encoding="utf-8"?>
 <p:tagLst xmlns:a="http://schemas.openxmlformats.org/drawingml/2006/main" xmlns:r="http://schemas.openxmlformats.org/officeDocument/2006/relationships" xmlns:p="http://schemas.openxmlformats.org/presentationml/2006/main">
-  <p:tag name="TIMING" val="|14.6"/>
+  <p:tag name="OUTPUTDPI" val="1200"/>
+  <p:tag name="ORIGINALHEIGHT" val="140.9824"/>
+  <p:tag name="ORIGINALWIDTH" val="1918.26"/>
+  <p:tag name="LATEXADDIN" val="\documentclass{article}&#10;\usepackage{amsmath}&#10;\usepackage{bm}&#10;\pagestyle{empty}&#10;\begin{document}&#10;&#10;\[(\bm{I} - c\bm{P})^{-1} = \bm{I} + c\bm{P} + (c\bm{P})^2 + \cdots\]&#10;&#10;&#10;\end{document}"/>
+  <p:tag name="IGUANATEXSIZE" val="20"/>
+  <p:tag name="IGUANATEXCURSOR" val="60"/>
+  <p:tag name="TRANSPARENCY" val="True"/>
+  <p:tag name="FILENAME" val=""/>
+  <p:tag name="LATEXENGINEID" val="0"/>
+  <p:tag name="TEMPFOLDER" val="c:\temp\"/>
+  <p:tag name="LATEXFORMHEIGHT" val="312"/>
+  <p:tag name="LATEXFORMWIDTH" val="384"/>
+  <p:tag name="LATEXFORMWRAP" val="True"/>
+  <p:tag name="BITMAPVECTOR" val="0"/>
 </p:tagLst>
 </file>
 
@@ -36079,44 +36100,6 @@
 <file path=ppt/tags/tag50.xml><?xml version="1.0" encoding="utf-8"?>
 <p:tagLst xmlns:a="http://schemas.openxmlformats.org/drawingml/2006/main" xmlns:r="http://schemas.openxmlformats.org/officeDocument/2006/relationships" xmlns:p="http://schemas.openxmlformats.org/presentationml/2006/main">
   <p:tag name="OUTPUTDPI" val="1200"/>
-  <p:tag name="ORIGINALHEIGHT" val="127.3152"/>
-  <p:tag name="ORIGINALWIDTH" val="719.3802"/>
-  <p:tag name="LATEXADDIN" val="\documentclass{article}&#10;\usepackage{amsmath}&#10;\pagestyle{empty}&#10;\usepackage{amssymb}&#10;\usepackage{amsthm}&#10;\usepackage{bm}&#10;&#10;\newtheorem*{mythm*}{Theorem}&#10;\newtheorem*{mylem*}{Lemma}&#10;\newtheorem*{mycor*}{Corollary}&#10;&#10;\begin{document}&#10;&#10;\begin{mythm*}&#10;Let&#10;$&#10;\bm{Q} = \left[ q(i,j) \right] \triangleq (\bm{I} - c\bm{P})^{-1}.&#10;$&#10;$\forall i\neq j$, there is&#10;\[&#10;\mathrm{ep}(i\rightarrow j) = \frac{q(i,j)}{q(i,i)q(j,j) - q(i,j)q(j,i)}.&#10;\]&#10;\end{mythm*}&#10;&#10;&#10;\end{document}"/>
-  <p:tag name="IGUANATEXSIZE" val="20"/>
-  <p:tag name="IGUANATEXCURSOR" val="319"/>
-  <p:tag name="TRANSPARENCY" val="True"/>
-  <p:tag name="FILENAME" val=""/>
-  <p:tag name="LATEXENGINEID" val="0"/>
-  <p:tag name="TEMPFOLDER" val="c:\temp\"/>
-  <p:tag name="LATEXFORMHEIGHT" val="312"/>
-  <p:tag name="LATEXFORMWIDTH" val="384"/>
-  <p:tag name="LATEXFORMWRAP" val="True"/>
-  <p:tag name="BITMAPVECTOR" val="0"/>
-</p:tagLst>
-</file>
-
-<file path=ppt/tags/tag51.xml><?xml version="1.0" encoding="utf-8"?>
-<p:tagLst xmlns:a="http://schemas.openxmlformats.org/drawingml/2006/main" xmlns:r="http://schemas.openxmlformats.org/officeDocument/2006/relationships" xmlns:p="http://schemas.openxmlformats.org/presentationml/2006/main">
-  <p:tag name="OUTPUTDPI" val="1200"/>
-  <p:tag name="ORIGINALHEIGHT" val="140.9824"/>
-  <p:tag name="ORIGINALWIDTH" val="1918.26"/>
-  <p:tag name="LATEXADDIN" val="\documentclass{article}&#10;\usepackage{amsmath}&#10;\usepackage{bm}&#10;\pagestyle{empty}&#10;\begin{document}&#10;&#10;\[(\bm{I} - c\bm{P})^{-1} = \bm{I} + c\bm{P} + (c\bm{P})^2 + \cdots\]&#10;&#10;&#10;\end{document}"/>
-  <p:tag name="IGUANATEXSIZE" val="20"/>
-  <p:tag name="IGUANATEXCURSOR" val="60"/>
-  <p:tag name="TRANSPARENCY" val="True"/>
-  <p:tag name="FILENAME" val=""/>
-  <p:tag name="LATEXENGINEID" val="0"/>
-  <p:tag name="TEMPFOLDER" val="c:\temp\"/>
-  <p:tag name="LATEXFORMHEIGHT" val="312"/>
-  <p:tag name="LATEXFORMWIDTH" val="384"/>
-  <p:tag name="LATEXFORMWRAP" val="True"/>
-  <p:tag name="BITMAPVECTOR" val="0"/>
-</p:tagLst>
-</file>
-
-<file path=ppt/tags/tag52.xml><?xml version="1.0" encoding="utf-8"?>
-<p:tagLst xmlns:a="http://schemas.openxmlformats.org/drawingml/2006/main" xmlns:r="http://schemas.openxmlformats.org/officeDocument/2006/relationships" xmlns:p="http://schemas.openxmlformats.org/presentationml/2006/main">
-  <p:tag name="OUTPUTDPI" val="1200"/>
   <p:tag name="ORIGINALHEIGHT" val="140.9824"/>
   <p:tag name="ORIGINALWIDTH" val="2676.416"/>
   <p:tag name="LATEXADDIN" val="\documentclass{article}&#10;\usepackage{amsmath}&#10;\pagestyle{empty}&#10;\usepackage{bm}&#10;\begin{document}&#10;&#10;\begin{align*}&#10;\bm{Q}\bm{e}_i &amp;= (\bm{I} - c\bm{P})^{-1} \bm{e}_i = \bm{e}_i + c\bm{P} \bm{e}_i + (c\bm{P})^2 \bm{e}_i + \cdots&#10;\end{align*}&#10;&#10;&#10;\end{document}"/>
@@ -36133,7 +36116,7 @@
 </p:tagLst>
 </file>
 
-<file path=ppt/tags/tag53.xml><?xml version="1.0" encoding="utf-8"?>
+<file path=ppt/tags/tag51.xml><?xml version="1.0" encoding="utf-8"?>
 <p:tagLst xmlns:a="http://schemas.openxmlformats.org/drawingml/2006/main" xmlns:r="http://schemas.openxmlformats.org/officeDocument/2006/relationships" xmlns:p="http://schemas.openxmlformats.org/presentationml/2006/main">
   <p:tag name="OUTPUTDPI" val="1200"/>
   <p:tag name="ORIGINALHEIGHT" val="123.7346"/>
@@ -36152,9 +36135,47 @@
 </p:tagLst>
 </file>
 
+<file path=ppt/tags/tag52.xml><?xml version="1.0" encoding="utf-8"?>
+<p:tagLst xmlns:a="http://schemas.openxmlformats.org/drawingml/2006/main" xmlns:r="http://schemas.openxmlformats.org/officeDocument/2006/relationships" xmlns:p="http://schemas.openxmlformats.org/presentationml/2006/main">
+  <p:tag name="TIMING" val="|34.9"/>
+</p:tagLst>
+</file>
+
+<file path=ppt/tags/tag53.xml><?xml version="1.0" encoding="utf-8"?>
+<p:tagLst xmlns:a="http://schemas.openxmlformats.org/drawingml/2006/main" xmlns:r="http://schemas.openxmlformats.org/officeDocument/2006/relationships" xmlns:p="http://schemas.openxmlformats.org/presentationml/2006/main">
+  <p:tag name="OUTPUTDPI" val="1200"/>
+  <p:tag name="ORIGINALHEIGHT" val="123.7346"/>
+  <p:tag name="ORIGINALWIDTH" val="1169.104"/>
+  <p:tag name="LATEXADDIN" val="\documentclass{article}&#10;\usepackage{amsmath}&#10;\pagestyle{empty}&#10;\begin{document}&#10;&#10;$\mathrm{ep}(i \rightarrow j) + \mathrm{ep}(j \rightarrow i)$&#10;&#10;&#10;\end{document}"/>
+  <p:tag name="IGUANATEXSIZE" val="24"/>
+  <p:tag name="IGUANATEXCURSOR" val="140"/>
+  <p:tag name="TRANSPARENCY" val="True"/>
+  <p:tag name="FILENAME" val=""/>
+  <p:tag name="LATEXENGINEID" val="0"/>
+  <p:tag name="TEMPFOLDER" val="c:\temp\"/>
+  <p:tag name="LATEXFORMHEIGHT" val="312"/>
+  <p:tag name="LATEXFORMWIDTH" val="384"/>
+  <p:tag name="LATEXFORMWRAP" val="True"/>
+  <p:tag name="BITMAPVECTOR" val="0"/>
+</p:tagLst>
+</file>
+
 <file path=ppt/tags/tag54.xml><?xml version="1.0" encoding="utf-8"?>
 <p:tagLst xmlns:a="http://schemas.openxmlformats.org/drawingml/2006/main" xmlns:r="http://schemas.openxmlformats.org/officeDocument/2006/relationships" xmlns:p="http://schemas.openxmlformats.org/presentationml/2006/main">
-  <p:tag name="TIMING" val="|34.9"/>
+  <p:tag name="OUTPUTDPI" val="1200"/>
+  <p:tag name="ORIGINALHEIGHT" val="123.7346"/>
+  <p:tag name="ORIGINALWIDTH" val="1169.104"/>
+  <p:tag name="LATEXADDIN" val="\documentclass{article}&#10;\usepackage{amsmath}&#10;\pagestyle{empty}&#10;\begin{document}&#10;&#10;$\mathrm{ep}(i \rightarrow j) + \mathrm{ep}(j \rightarrow i)$&#10;&#10;&#10;\end{document}"/>
+  <p:tag name="IGUANATEXSIZE" val="24"/>
+  <p:tag name="IGUANATEXCURSOR" val="140"/>
+  <p:tag name="TRANSPARENCY" val="True"/>
+  <p:tag name="FILENAME" val=""/>
+  <p:tag name="LATEXENGINEID" val="0"/>
+  <p:tag name="TEMPFOLDER" val="c:\temp\"/>
+  <p:tag name="LATEXFORMHEIGHT" val="312"/>
+  <p:tag name="LATEXFORMWIDTH" val="384"/>
+  <p:tag name="LATEXFORMWRAP" val="True"/>
+  <p:tag name="BITMAPVECTOR" val="0"/>
 </p:tagLst>
 </file>
 
@@ -36179,20 +36200,7 @@
 
 <file path=ppt/tags/tag56.xml><?xml version="1.0" encoding="utf-8"?>
 <p:tagLst xmlns:a="http://schemas.openxmlformats.org/drawingml/2006/main" xmlns:r="http://schemas.openxmlformats.org/officeDocument/2006/relationships" xmlns:p="http://schemas.openxmlformats.org/presentationml/2006/main">
-  <p:tag name="OUTPUTDPI" val="1200"/>
-  <p:tag name="ORIGINALHEIGHT" val="123.7346"/>
-  <p:tag name="ORIGINALWIDTH" val="1169.104"/>
-  <p:tag name="LATEXADDIN" val="\documentclass{article}&#10;\usepackage{amsmath}&#10;\pagestyle{empty}&#10;\begin{document}&#10;&#10;$\mathrm{ep}(i \rightarrow j) + \mathrm{ep}(j \rightarrow i)$&#10;&#10;&#10;\end{document}"/>
-  <p:tag name="IGUANATEXSIZE" val="24"/>
-  <p:tag name="IGUANATEXCURSOR" val="140"/>
-  <p:tag name="TRANSPARENCY" val="True"/>
-  <p:tag name="FILENAME" val=""/>
-  <p:tag name="LATEXENGINEID" val="0"/>
-  <p:tag name="TEMPFOLDER" val="c:\temp\"/>
-  <p:tag name="LATEXFORMHEIGHT" val="312"/>
-  <p:tag name="LATEXFORMWIDTH" val="384"/>
-  <p:tag name="LATEXFORMWRAP" val="True"/>
-  <p:tag name="BITMAPVECTOR" val="0"/>
+  <p:tag name="TIMING" val="|36.8|20.5"/>
 </p:tagLst>
 </file>
 
@@ -36200,10 +36208,10 @@
 <p:tagLst xmlns:a="http://schemas.openxmlformats.org/drawingml/2006/main" xmlns:r="http://schemas.openxmlformats.org/officeDocument/2006/relationships" xmlns:p="http://schemas.openxmlformats.org/presentationml/2006/main">
   <p:tag name="OUTPUTDPI" val="1200"/>
   <p:tag name="ORIGINALHEIGHT" val="123.7346"/>
-  <p:tag name="ORIGINALWIDTH" val="1169.104"/>
-  <p:tag name="LATEXADDIN" val="\documentclass{article}&#10;\usepackage{amsmath}&#10;\pagestyle{empty}&#10;\begin{document}&#10;&#10;$\mathrm{ep}(i \rightarrow j) + \mathrm{ep}(j \rightarrow i)$&#10;&#10;&#10;\end{document}"/>
+  <p:tag name="ORIGINALWIDTH" val="500.9374"/>
+  <p:tag name="LATEXADDIN" val="\documentclass{article}&#10;\usepackage{amsmath}&#10;\pagestyle{empty}&#10;\begin{document}&#10;&#10;$\mathrm{ep}(i \rightarrow j)$&#10;&#10;&#10;\end{document}"/>
   <p:tag name="IGUANATEXSIZE" val="24"/>
-  <p:tag name="IGUANATEXCURSOR" val="140"/>
+  <p:tag name="IGUANATEXCURSOR" val="111"/>
   <p:tag name="TRANSPARENCY" val="True"/>
   <p:tag name="FILENAME" val=""/>
   <p:tag name="LATEXENGINEID" val="0"/>
@@ -36217,7 +36225,20 @@
 
 <file path=ppt/tags/tag58.xml><?xml version="1.0" encoding="utf-8"?>
 <p:tagLst xmlns:a="http://schemas.openxmlformats.org/drawingml/2006/main" xmlns:r="http://schemas.openxmlformats.org/officeDocument/2006/relationships" xmlns:p="http://schemas.openxmlformats.org/presentationml/2006/main">
-  <p:tag name="TIMING" val="|36.8|20.5"/>
+  <p:tag name="OUTPUTDPI" val="1200"/>
+  <p:tag name="ORIGINALHEIGHT" val="123.7346"/>
+  <p:tag name="ORIGINALWIDTH" val="500.9374"/>
+  <p:tag name="LATEXADDIN" val="\documentclass{article}&#10;\usepackage{amsmath}&#10;\pagestyle{empty}&#10;\begin{document}&#10;&#10;$\mathrm{ep}(j \rightarrow i)$&#10;&#10;&#10;\end{document}"/>
+  <p:tag name="IGUANATEXSIZE" val="24"/>
+  <p:tag name="IGUANATEXCURSOR" val="95"/>
+  <p:tag name="TRANSPARENCY" val="True"/>
+  <p:tag name="FILENAME" val=""/>
+  <p:tag name="LATEXENGINEID" val="0"/>
+  <p:tag name="TEMPFOLDER" val="c:\temp\"/>
+  <p:tag name="LATEXFORMHEIGHT" val="312"/>
+  <p:tag name="LATEXFORMWIDTH" val="384"/>
+  <p:tag name="LATEXFORMWRAP" val="True"/>
+  <p:tag name="BITMAPVECTOR" val="0"/>
 </p:tagLst>
 </file>
 
@@ -36225,10 +36246,10 @@
 <p:tagLst xmlns:a="http://schemas.openxmlformats.org/drawingml/2006/main" xmlns:r="http://schemas.openxmlformats.org/officeDocument/2006/relationships" xmlns:p="http://schemas.openxmlformats.org/presentationml/2006/main">
   <p:tag name="OUTPUTDPI" val="1200"/>
   <p:tag name="ORIGINALHEIGHT" val="123.7346"/>
-  <p:tag name="ORIGINALWIDTH" val="500.9374"/>
-  <p:tag name="LATEXADDIN" val="\documentclass{article}&#10;\usepackage{amsmath}&#10;\pagestyle{empty}&#10;\begin{document}&#10;&#10;$\mathrm{ep}(i \rightarrow j)$&#10;&#10;&#10;\end{document}"/>
-  <p:tag name="IGUANATEXSIZE" val="24"/>
-  <p:tag name="IGUANATEXCURSOR" val="111"/>
+  <p:tag name="ORIGINALWIDTH" val="1169.104"/>
+  <p:tag name="LATEXADDIN" val="\documentclass{article}&#10;\usepackage{amsmath}&#10;\usepackage{color}&#10;\pagestyle{empty}&#10;\begin{document}&#10;&#10;\definecolor{orange}{rgb}{0.5,0,0}&#10;&#10;{\color{orange}&#10;$\mathrm{ep}(i \rightarrow j) - \mathrm{ep}(j \rightarrow i)$&#10;}&#10;&#10;\end{document}"/>
+  <p:tag name="IGUANATEXSIZE" val="20"/>
+  <p:tag name="IGUANATEXCURSOR" val="129"/>
   <p:tag name="TRANSPARENCY" val="True"/>
   <p:tag name="FILENAME" val=""/>
   <p:tag name="LATEXENGINEID" val="0"/>
@@ -36261,49 +36282,11 @@
 
 <file path=ppt/tags/tag60.xml><?xml version="1.0" encoding="utf-8"?>
 <p:tagLst xmlns:a="http://schemas.openxmlformats.org/drawingml/2006/main" xmlns:r="http://schemas.openxmlformats.org/officeDocument/2006/relationships" xmlns:p="http://schemas.openxmlformats.org/presentationml/2006/main">
-  <p:tag name="OUTPUTDPI" val="1200"/>
-  <p:tag name="ORIGINALHEIGHT" val="123.7346"/>
-  <p:tag name="ORIGINALWIDTH" val="500.9374"/>
-  <p:tag name="LATEXADDIN" val="\documentclass{article}&#10;\usepackage{amsmath}&#10;\pagestyle{empty}&#10;\begin{document}&#10;&#10;$\mathrm{ep}(j \rightarrow i)$&#10;&#10;&#10;\end{document}"/>
-  <p:tag name="IGUANATEXSIZE" val="24"/>
-  <p:tag name="IGUANATEXCURSOR" val="95"/>
-  <p:tag name="TRANSPARENCY" val="True"/>
-  <p:tag name="FILENAME" val=""/>
-  <p:tag name="LATEXENGINEID" val="0"/>
-  <p:tag name="TEMPFOLDER" val="c:\temp\"/>
-  <p:tag name="LATEXFORMHEIGHT" val="312"/>
-  <p:tag name="LATEXFORMWIDTH" val="384"/>
-  <p:tag name="LATEXFORMWRAP" val="True"/>
-  <p:tag name="BITMAPVECTOR" val="0"/>
+  <p:tag name="TIMING" val="|14.6"/>
 </p:tagLst>
 </file>
 
 <file path=ppt/tags/tag61.xml><?xml version="1.0" encoding="utf-8"?>
-<p:tagLst xmlns:a="http://schemas.openxmlformats.org/drawingml/2006/main" xmlns:r="http://schemas.openxmlformats.org/officeDocument/2006/relationships" xmlns:p="http://schemas.openxmlformats.org/presentationml/2006/main">
-  <p:tag name="OUTPUTDPI" val="1200"/>
-  <p:tag name="ORIGINALHEIGHT" val="123.7346"/>
-  <p:tag name="ORIGINALWIDTH" val="1169.104"/>
-  <p:tag name="LATEXADDIN" val="\documentclass{article}&#10;\usepackage{amsmath}&#10;\usepackage{color}&#10;\pagestyle{empty}&#10;\begin{document}&#10;&#10;\definecolor{orange}{rgb}{0.5,0,0}&#10;&#10;{\color{orange}&#10;$\mathrm{ep}(i \rightarrow j) - \mathrm{ep}(j \rightarrow i)$&#10;}&#10;&#10;\end{document}"/>
-  <p:tag name="IGUANATEXSIZE" val="20"/>
-  <p:tag name="IGUANATEXCURSOR" val="129"/>
-  <p:tag name="TRANSPARENCY" val="True"/>
-  <p:tag name="FILENAME" val=""/>
-  <p:tag name="LATEXENGINEID" val="0"/>
-  <p:tag name="TEMPFOLDER" val="c:\temp\"/>
-  <p:tag name="LATEXFORMHEIGHT" val="312"/>
-  <p:tag name="LATEXFORMWIDTH" val="384"/>
-  <p:tag name="LATEXFORMWRAP" val="True"/>
-  <p:tag name="BITMAPVECTOR" val="0"/>
-</p:tagLst>
-</file>
-
-<file path=ppt/tags/tag62.xml><?xml version="1.0" encoding="utf-8"?>
-<p:tagLst xmlns:a="http://schemas.openxmlformats.org/drawingml/2006/main" xmlns:r="http://schemas.openxmlformats.org/officeDocument/2006/relationships" xmlns:p="http://schemas.openxmlformats.org/presentationml/2006/main">
-  <p:tag name="TIMING" val="|14.6"/>
-</p:tagLst>
-</file>
-
-<file path=ppt/tags/tag63.xml><?xml version="1.0" encoding="utf-8"?>
 <p:tagLst xmlns:a="http://schemas.openxmlformats.org/drawingml/2006/main" xmlns:r="http://schemas.openxmlformats.org/officeDocument/2006/relationships" xmlns:p="http://schemas.openxmlformats.org/presentationml/2006/main">
   <p:tag name="OUTPUTDPI" val="1200"/>
   <p:tag name="ORIGINALHEIGHT" val="111.9327"/>
@@ -36322,7 +36305,7 @@
 </p:tagLst>
 </file>
 
-<file path=ppt/tags/tag64.xml><?xml version="1.0" encoding="utf-8"?>
+<file path=ppt/tags/tag62.xml><?xml version="1.0" encoding="utf-8"?>
 <p:tagLst xmlns:a="http://schemas.openxmlformats.org/drawingml/2006/main" xmlns:r="http://schemas.openxmlformats.org/officeDocument/2006/relationships" xmlns:p="http://schemas.openxmlformats.org/presentationml/2006/main">
   <p:tag name="OUTPUTDPI" val="1200"/>
   <p:tag name="ORIGINALHEIGHT" val="56.24299"/>
@@ -36341,7 +36324,7 @@
 </p:tagLst>
 </file>
 
-<file path=ppt/tags/tag65.xml><?xml version="1.0" encoding="utf-8"?>
+<file path=ppt/tags/tag63.xml><?xml version="1.0" encoding="utf-8"?>
 <p:tagLst xmlns:a="http://schemas.openxmlformats.org/drawingml/2006/main" xmlns:r="http://schemas.openxmlformats.org/officeDocument/2006/relationships" xmlns:p="http://schemas.openxmlformats.org/presentationml/2006/main">
   <p:tag name="OUTPUTDPI" val="1200"/>
   <p:tag name="ORIGINALHEIGHT" val="103.4871"/>
@@ -36360,7 +36343,7 @@
 </p:tagLst>
 </file>
 
-<file path=ppt/tags/tag66.xml><?xml version="1.0" encoding="utf-8"?>
+<file path=ppt/tags/tag64.xml><?xml version="1.0" encoding="utf-8"?>
 <p:tagLst xmlns:a="http://schemas.openxmlformats.org/drawingml/2006/main" xmlns:r="http://schemas.openxmlformats.org/officeDocument/2006/relationships" xmlns:p="http://schemas.openxmlformats.org/presentationml/2006/main">
   <p:tag name="OUTPUTDPI" val="1200"/>
   <p:tag name="ORIGINALHEIGHT" val="164.2294"/>
@@ -36379,13 +36362,13 @@
 </p:tagLst>
 </file>
 
-<file path=ppt/tags/tag67.xml><?xml version="1.0" encoding="utf-8"?>
+<file path=ppt/tags/tag65.xml><?xml version="1.0" encoding="utf-8"?>
 <p:tagLst xmlns:a="http://schemas.openxmlformats.org/drawingml/2006/main" xmlns:r="http://schemas.openxmlformats.org/officeDocument/2006/relationships" xmlns:p="http://schemas.openxmlformats.org/presentationml/2006/main">
   <p:tag name="TIMING" val="|14.6"/>
 </p:tagLst>
 </file>
 
-<file path=ppt/tags/tag68.xml><?xml version="1.0" encoding="utf-8"?>
+<file path=ppt/tags/tag66.xml><?xml version="1.0" encoding="utf-8"?>
 <p:tagLst xmlns:a="http://schemas.openxmlformats.org/drawingml/2006/main" xmlns:r="http://schemas.openxmlformats.org/officeDocument/2006/relationships" xmlns:p="http://schemas.openxmlformats.org/presentationml/2006/main">
   <p:tag name="OUTPUTDPI" val="1200"/>
   <p:tag name="ORIGINALHEIGHT" val="156.7712"/>
@@ -36404,7 +36387,7 @@
 </p:tagLst>
 </file>
 
-<file path=ppt/tags/tag69.xml><?xml version="1.0" encoding="utf-8"?>
+<file path=ppt/tags/tag67.xml><?xml version="1.0" encoding="utf-8"?>
 <p:tagLst xmlns:a="http://schemas.openxmlformats.org/drawingml/2006/main" xmlns:r="http://schemas.openxmlformats.org/officeDocument/2006/relationships" xmlns:p="http://schemas.openxmlformats.org/presentationml/2006/main">
   <p:tag name="OUTPUTDPI" val="1200"/>
   <p:tag name="ORIGINALHEIGHT" val="163.4795"/>
@@ -36412,6 +36395,44 @@
   <p:tag name="LATEXADDIN" val="\documentclass{article}&#10;\usepackage{amsmath}&#10;\pagestyle{empty}&#10;\begin{document}&#10;&#10;$E(X) = \frac{1}{\pi_i}$&#10;&#10;&#10;\end{document}"/>
   <p:tag name="IGUANATEXSIZE" val="20"/>
   <p:tag name="IGUANATEXCURSOR" val="105"/>
+  <p:tag name="TRANSPARENCY" val="True"/>
+  <p:tag name="FILENAME" val=""/>
+  <p:tag name="LATEXENGINEID" val="0"/>
+  <p:tag name="TEMPFOLDER" val="c:\temp\"/>
+  <p:tag name="LATEXFORMHEIGHT" val="312"/>
+  <p:tag name="LATEXFORMWIDTH" val="384"/>
+  <p:tag name="LATEXFORMWRAP" val="True"/>
+  <p:tag name="BITMAPVECTOR" val="0"/>
+</p:tagLst>
+</file>
+
+<file path=ppt/tags/tag68.xml><?xml version="1.0" encoding="utf-8"?>
+<p:tagLst xmlns:a="http://schemas.openxmlformats.org/drawingml/2006/main" xmlns:r="http://schemas.openxmlformats.org/officeDocument/2006/relationships" xmlns:p="http://schemas.openxmlformats.org/presentationml/2006/main">
+  <p:tag name="OUTPUTDPI" val="1200"/>
+  <p:tag name="ORIGINALHEIGHT" val="123.7346"/>
+  <p:tag name="ORIGINALWIDTH" val="752.156"/>
+  <p:tag name="LATEXADDIN" val="\documentclass{article}&#10;\usepackage{amsmath}&#10;\pagestyle{empty}&#10;\begin{document}&#10;&#10;&#10;$E(Y) = c(i,j)$&#10;&#10;\end{document}"/>
+  <p:tag name="IGUANATEXSIZE" val="20"/>
+  <p:tag name="IGUANATEXCURSOR" val="97"/>
+  <p:tag name="TRANSPARENCY" val="True"/>
+  <p:tag name="FILENAME" val=""/>
+  <p:tag name="LATEXENGINEID" val="0"/>
+  <p:tag name="TEMPFOLDER" val="c:\temp\"/>
+  <p:tag name="LATEXFORMHEIGHT" val="312"/>
+  <p:tag name="LATEXFORMWIDTH" val="384"/>
+  <p:tag name="LATEXFORMWRAP" val="True"/>
+  <p:tag name="BITMAPVECTOR" val="0"/>
+</p:tagLst>
+</file>
+
+<file path=ppt/tags/tag69.xml><?xml version="1.0" encoding="utf-8"?>
+<p:tagLst xmlns:a="http://schemas.openxmlformats.org/drawingml/2006/main" xmlns:r="http://schemas.openxmlformats.org/officeDocument/2006/relationships" xmlns:p="http://schemas.openxmlformats.org/presentationml/2006/main">
+  <p:tag name="OUTPUTDPI" val="1200"/>
+  <p:tag name="ORIGINALHEIGHT" val="137.9828"/>
+  <p:tag name="ORIGINALWIDTH" val="1496.813"/>
+  <p:tag name="LATEXADDIN" val="\documentclass{article}&#10;\usepackage{amsmath}&#10;\usepackage{amssymb}&#10;\pagestyle{empty}&#10;\begin{document}&#10;&#10;$\Pr\left[X = Y\right] = p \triangleq \mathrm{ep}(i\rightarrow j)$&#10;&#10;&#10;\end{document}"/>
+  <p:tag name="IGUANATEXSIZE" val="20"/>
+  <p:tag name="IGUANATEXCURSOR" val="65"/>
   <p:tag name="TRANSPARENCY" val="True"/>
   <p:tag name="FILENAME" val=""/>
   <p:tag name="LATEXENGINEID" val="0"/>
@@ -36446,44 +36467,6 @@
 <p:tagLst xmlns:a="http://schemas.openxmlformats.org/drawingml/2006/main" xmlns:r="http://schemas.openxmlformats.org/officeDocument/2006/relationships" xmlns:p="http://schemas.openxmlformats.org/presentationml/2006/main">
   <p:tag name="OUTPUTDPI" val="1200"/>
   <p:tag name="ORIGINALHEIGHT" val="123.7346"/>
-  <p:tag name="ORIGINALWIDTH" val="752.156"/>
-  <p:tag name="LATEXADDIN" val="\documentclass{article}&#10;\usepackage{amsmath}&#10;\pagestyle{empty}&#10;\begin{document}&#10;&#10;&#10;$E(Y) = c(i,j)$&#10;&#10;\end{document}"/>
-  <p:tag name="IGUANATEXSIZE" val="20"/>
-  <p:tag name="IGUANATEXCURSOR" val="97"/>
-  <p:tag name="TRANSPARENCY" val="True"/>
-  <p:tag name="FILENAME" val=""/>
-  <p:tag name="LATEXENGINEID" val="0"/>
-  <p:tag name="TEMPFOLDER" val="c:\temp\"/>
-  <p:tag name="LATEXFORMHEIGHT" val="312"/>
-  <p:tag name="LATEXFORMWIDTH" val="384"/>
-  <p:tag name="LATEXFORMWRAP" val="True"/>
-  <p:tag name="BITMAPVECTOR" val="0"/>
-</p:tagLst>
-</file>
-
-<file path=ppt/tags/tag71.xml><?xml version="1.0" encoding="utf-8"?>
-<p:tagLst xmlns:a="http://schemas.openxmlformats.org/drawingml/2006/main" xmlns:r="http://schemas.openxmlformats.org/officeDocument/2006/relationships" xmlns:p="http://schemas.openxmlformats.org/presentationml/2006/main">
-  <p:tag name="OUTPUTDPI" val="1200"/>
-  <p:tag name="ORIGINALHEIGHT" val="137.9828"/>
-  <p:tag name="ORIGINALWIDTH" val="1496.813"/>
-  <p:tag name="LATEXADDIN" val="\documentclass{article}&#10;\usepackage{amsmath}&#10;\usepackage{amssymb}&#10;\pagestyle{empty}&#10;\begin{document}&#10;&#10;$\Pr\left[X = Y\right] = p \triangleq \mathrm{ep}(i\rightarrow j)$&#10;&#10;&#10;\end{document}"/>
-  <p:tag name="IGUANATEXSIZE" val="20"/>
-  <p:tag name="IGUANATEXCURSOR" val="65"/>
-  <p:tag name="TRANSPARENCY" val="True"/>
-  <p:tag name="FILENAME" val=""/>
-  <p:tag name="LATEXENGINEID" val="0"/>
-  <p:tag name="TEMPFOLDER" val="c:\temp\"/>
-  <p:tag name="LATEXFORMHEIGHT" val="312"/>
-  <p:tag name="LATEXFORMWIDTH" val="384"/>
-  <p:tag name="LATEXFORMWRAP" val="True"/>
-  <p:tag name="BITMAPVECTOR" val="0"/>
-</p:tagLst>
-</file>
-
-<file path=ppt/tags/tag72.xml><?xml version="1.0" encoding="utf-8"?>
-<p:tagLst xmlns:a="http://schemas.openxmlformats.org/drawingml/2006/main" xmlns:r="http://schemas.openxmlformats.org/officeDocument/2006/relationships" xmlns:p="http://schemas.openxmlformats.org/presentationml/2006/main">
-  <p:tag name="OUTPUTDPI" val="1200"/>
-  <p:tag name="ORIGINALHEIGHT" val="123.7346"/>
   <p:tag name="ORIGINALWIDTH" val="2683.915"/>
   <p:tag name="LATEXADDIN" val="\documentclass{article}&#10;\usepackage{amsmath}&#10;\pagestyle{empty}&#10;\begin{document}&#10;&#10;$E(Y - X) = p\cdot 0 + (1 - p)\cdot E(Y) = (1-p) c(i,j)$&#10;&#10;&#10;\end{document}"/>
   <p:tag name="IGUANATEXSIZE" val="18"/>
@@ -36499,7 +36482,7 @@
 </p:tagLst>
 </file>
 
-<file path=ppt/tags/tag73.xml><?xml version="1.0" encoding="utf-8"?>
+<file path=ppt/tags/tag71.xml><?xml version="1.0" encoding="utf-8"?>
 <p:tagLst xmlns:a="http://schemas.openxmlformats.org/drawingml/2006/main" xmlns:r="http://schemas.openxmlformats.org/officeDocument/2006/relationships" xmlns:p="http://schemas.openxmlformats.org/presentationml/2006/main">
   <p:tag name="OUTPUTDPI" val="1200"/>
   <p:tag name="ORIGINALHEIGHT" val="163.4795"/>
@@ -36518,13 +36501,13 @@
 </p:tagLst>
 </file>
 
-<file path=ppt/tags/tag74.xml><?xml version="1.0" encoding="utf-8"?>
+<file path=ppt/tags/tag72.xml><?xml version="1.0" encoding="utf-8"?>
 <p:tagLst xmlns:a="http://schemas.openxmlformats.org/drawingml/2006/main" xmlns:r="http://schemas.openxmlformats.org/officeDocument/2006/relationships" xmlns:p="http://schemas.openxmlformats.org/presentationml/2006/main">
   <p:tag name="TIMING" val="|14.6"/>
 </p:tagLst>
 </file>
 
-<file path=ppt/tags/tag75.xml><?xml version="1.0" encoding="utf-8"?>
+<file path=ppt/tags/tag73.xml><?xml version="1.0" encoding="utf-8"?>
 <p:tagLst xmlns:a="http://schemas.openxmlformats.org/drawingml/2006/main" xmlns:r="http://schemas.openxmlformats.org/officeDocument/2006/relationships" xmlns:p="http://schemas.openxmlformats.org/presentationml/2006/main">
   <p:tag name="OUTPUTDPI" val="1200"/>
   <p:tag name="ORIGINALHEIGHT" val="156.7712"/>
@@ -36543,7 +36526,7 @@
 </p:tagLst>
 </file>
 
-<file path=ppt/tags/tag76.xml><?xml version="1.0" encoding="utf-8"?>
+<file path=ppt/tags/tag74.xml><?xml version="1.0" encoding="utf-8"?>
 <p:tagLst xmlns:a="http://schemas.openxmlformats.org/drawingml/2006/main" xmlns:r="http://schemas.openxmlformats.org/officeDocument/2006/relationships" xmlns:p="http://schemas.openxmlformats.org/presentationml/2006/main">
   <p:tag name="OUTPUTDPI" val="1200"/>
   <p:tag name="ORIGINALHEIGHT" val="224.222"/>
@@ -36562,7 +36545,7 @@
 </p:tagLst>
 </file>
 
-<file path=ppt/tags/tag77.xml><?xml version="1.0" encoding="utf-8"?>
+<file path=ppt/tags/tag75.xml><?xml version="1.0" encoding="utf-8"?>
 <p:tagLst xmlns:a="http://schemas.openxmlformats.org/drawingml/2006/main" xmlns:r="http://schemas.openxmlformats.org/officeDocument/2006/relationships" xmlns:p="http://schemas.openxmlformats.org/presentationml/2006/main">
   <p:tag name="OUTPUTDPI" val="1200"/>
   <p:tag name="ORIGINALHEIGHT" val="123.7346"/>
@@ -36581,7 +36564,7 @@
 </p:tagLst>
 </file>
 
-<file path=ppt/tags/tag78.xml><?xml version="1.0" encoding="utf-8"?>
+<file path=ppt/tags/tag76.xml><?xml version="1.0" encoding="utf-8"?>
 <p:tagLst xmlns:a="http://schemas.openxmlformats.org/drawingml/2006/main" xmlns:r="http://schemas.openxmlformats.org/officeDocument/2006/relationships" xmlns:p="http://schemas.openxmlformats.org/presentationml/2006/main">
   <p:tag name="OUTPUTDPI" val="1200"/>
   <p:tag name="ORIGINALHEIGHT" val="89.98874"/>

--- a/Random Walk based Proximity Measures in Directed Graphs.pptx
+++ b/Random Walk based Proximity Measures in Directed Graphs.pptx
@@ -7035,7 +7035,7 @@
           <a:graphicData uri="http://schemas.openxmlformats.org/presentationml/2006/ole">
             <mc:AlternateContent xmlns:mc="http://schemas.openxmlformats.org/markup-compatibility/2006">
               <mc:Choice xmlns:v="urn:schemas-microsoft-com:vml" Requires="v">
-                <p:oleObj spid="_x0000_s27987" name="Visio" r:id="rId9" imgW="5289194" imgH="1988515" progId="Visio.Drawing.11">
+                <p:oleObj spid="_x0000_s28128" name="Visio" r:id="rId9" imgW="5289194" imgH="1988515" progId="Visio.Drawing.11">
                   <p:embed/>
                 </p:oleObj>
               </mc:Choice>
@@ -7137,7 +7137,7 @@
           <a:graphicData uri="http://schemas.openxmlformats.org/presentationml/2006/ole">
             <mc:AlternateContent xmlns:mc="http://schemas.openxmlformats.org/markup-compatibility/2006">
               <mc:Choice xmlns:v="urn:schemas-microsoft-com:vml" Requires="v">
-                <p:oleObj spid="_x0000_s27988" name="Visio" r:id="rId11" imgW="5289194" imgH="2888590" progId="Visio.Drawing.11">
+                <p:oleObj spid="_x0000_s28129" name="Visio" r:id="rId11" imgW="5289194" imgH="2888590" progId="Visio.Drawing.11">
                   <p:embed/>
                 </p:oleObj>
               </mc:Choice>
@@ -7238,7 +7238,7 @@
           <a:graphicData uri="http://schemas.openxmlformats.org/presentationml/2006/ole">
             <mc:AlternateContent xmlns:mc="http://schemas.openxmlformats.org/markup-compatibility/2006">
               <mc:Choice xmlns:v="urn:schemas-microsoft-com:vml" Requires="v">
-                <p:oleObj spid="_x0000_s27989" name="Visio" r:id="rId13" imgW="5186172" imgH="754685" progId="Visio.Drawing.11">
+                <p:oleObj spid="_x0000_s28130" name="Visio" r:id="rId13" imgW="5186172" imgH="754685" progId="Visio.Drawing.11">
                   <p:embed/>
                 </p:oleObj>
               </mc:Choice>
@@ -7339,7 +7339,7 @@
           <a:graphicData uri="http://schemas.openxmlformats.org/presentationml/2006/ole">
             <mc:AlternateContent xmlns:mc="http://schemas.openxmlformats.org/markup-compatibility/2006">
               <mc:Choice xmlns:v="urn:schemas-microsoft-com:vml" Requires="v">
-                <p:oleObj spid="_x0000_s27990" name="Visio" r:id="rId15" imgW="5186172" imgH="1870558" progId="Visio.Drawing.11">
+                <p:oleObj spid="_x0000_s28131" name="Visio" r:id="rId15" imgW="5186172" imgH="1870558" progId="Visio.Drawing.11">
                   <p:embed/>
                 </p:oleObj>
               </mc:Choice>
@@ -7819,15 +7819,7 @@
                 <a:ea typeface="Open Sans" panose="020B0606030504020204" pitchFamily="34" charset="0"/>
                 <a:cs typeface="Open Sans" panose="020B0606030504020204" pitchFamily="34" charset="0"/>
               </a:rPr>
-              <a:t>Adding </a:t>
-            </a:r>
-            <a:r>
-              <a:rPr lang="en-US" altLang="en-US" sz="2400" dirty="0" smtClean="0">
-                <a:latin typeface="Open Sans" panose="020B0606030504020204" pitchFamily="34" charset="0"/>
-                <a:ea typeface="Open Sans" panose="020B0606030504020204" pitchFamily="34" charset="0"/>
-                <a:cs typeface="Open Sans" panose="020B0606030504020204" pitchFamily="34" charset="0"/>
-              </a:rPr>
-              <a:t>an absorbing node</a:t>
+              <a:t>Adding an absorbing node</a:t>
             </a:r>
           </a:p>
           <a:p>
@@ -8579,7 +8571,7 @@
           <a:graphicData uri="http://schemas.openxmlformats.org/presentationml/2006/ole">
             <mc:AlternateContent xmlns:mc="http://schemas.openxmlformats.org/markup-compatibility/2006">
               <mc:Choice xmlns:v="urn:schemas-microsoft-com:vml" Requires="v">
-                <p:oleObj spid="_x0000_s1587" name="Visio" r:id="rId7" imgW="5038954" imgH="751637" progId="Visio.Drawing.11">
+                <p:oleObj spid="_x0000_s1658" name="Visio" r:id="rId7" imgW="5038954" imgH="751637" progId="Visio.Drawing.11">
                   <p:embed/>
                 </p:oleObj>
               </mc:Choice>
@@ -8734,7 +8726,7 @@
           <a:graphicData uri="http://schemas.openxmlformats.org/presentationml/2006/ole">
             <mc:AlternateContent xmlns:mc="http://schemas.openxmlformats.org/markup-compatibility/2006">
               <mc:Choice xmlns:v="urn:schemas-microsoft-com:vml" Requires="v">
-                <p:oleObj spid="_x0000_s1588" name="Visio" r:id="rId9" imgW="5038954" imgH="1130503" progId="Visio.Drawing.11">
+                <p:oleObj spid="_x0000_s1659" name="Visio" r:id="rId9" imgW="5038954" imgH="1130503" progId="Visio.Drawing.11">
                   <p:embed/>
                 </p:oleObj>
               </mc:Choice>
@@ -9365,15 +9357,7 @@
                 <a:ea typeface="Open Sans" panose="020B0606030504020204" pitchFamily="34" charset="0"/>
                 <a:cs typeface="Open Sans" panose="020B0606030504020204" pitchFamily="34" charset="0"/>
               </a:rPr>
-              <a:t>Solving </a:t>
-            </a:r>
-            <a:r>
-              <a:rPr lang="en-US" altLang="en-US" sz="3200" b="1" dirty="0" smtClean="0">
-                <a:latin typeface="Open Sans" panose="020B0606030504020204" pitchFamily="34" charset="0"/>
-                <a:ea typeface="Open Sans" panose="020B0606030504020204" pitchFamily="34" charset="0"/>
-                <a:cs typeface="Open Sans" panose="020B0606030504020204" pitchFamily="34" charset="0"/>
-              </a:rPr>
-              <a:t>ep(</a:t>
+              <a:t>Solving ep(</a:t>
             </a:r>
             <a:r>
               <a:rPr lang="en-US" altLang="en-US" sz="3200" b="1" dirty="0" err="1" smtClean="0">
@@ -9389,23 +9373,7 @@
                 <a:ea typeface="Open Sans" panose="020B0606030504020204" pitchFamily="34" charset="0"/>
                 <a:cs typeface="Open Sans" panose="020B0606030504020204" pitchFamily="34" charset="0"/>
               </a:rPr>
-              <a:t> -&gt; </a:t>
-            </a:r>
-            <a:r>
-              <a:rPr lang="en-US" altLang="en-US" sz="3200" b="1" dirty="0" smtClean="0">
-                <a:latin typeface="Open Sans" panose="020B0606030504020204" pitchFamily="34" charset="0"/>
-                <a:ea typeface="Open Sans" panose="020B0606030504020204" pitchFamily="34" charset="0"/>
-                <a:cs typeface="Open Sans" panose="020B0606030504020204" pitchFamily="34" charset="0"/>
-              </a:rPr>
-              <a:t>j</a:t>
-            </a:r>
-            <a:r>
-              <a:rPr lang="en-US" altLang="en-US" sz="3200" b="1" dirty="0" smtClean="0">
-                <a:latin typeface="Open Sans" panose="020B0606030504020204" pitchFamily="34" charset="0"/>
-                <a:ea typeface="Open Sans" panose="020B0606030504020204" pitchFamily="34" charset="0"/>
-                <a:cs typeface="Open Sans" panose="020B0606030504020204" pitchFamily="34" charset="0"/>
-              </a:rPr>
-              <a:t>)</a:t>
+              <a:t> -&gt; j)</a:t>
             </a:r>
             <a:endParaRPr lang="en-US" altLang="en-US" sz="3200" b="1" dirty="0">
               <a:latin typeface="Open Sans" panose="020B0606030504020204" pitchFamily="34" charset="0"/>
@@ -21109,29 +21077,8 @@
                 <a:ea typeface="Open Sans" charset="0"/>
                 <a:cs typeface="Open Sans" charset="0"/>
               </a:rPr>
-              <a:t>, </a:t>
-            </a:r>
-            <a:r>
-              <a:rPr lang="en-US" altLang="en-US" sz="2400" kern="0" dirty="0" smtClean="0">
-                <a:latin typeface="Open Sans" charset="0"/>
-                <a:ea typeface="Open Sans" charset="0"/>
-                <a:cs typeface="Open Sans" charset="0"/>
-              </a:rPr>
-              <a:t>is there a link between </a:t>
-            </a:r>
-            <a:r>
-              <a:rPr lang="en-US" altLang="en-US" sz="2400" kern="0" dirty="0" smtClean="0">
-                <a:latin typeface="Open Sans" charset="0"/>
-                <a:ea typeface="Open Sans" charset="0"/>
-                <a:cs typeface="Open Sans" charset="0"/>
-              </a:rPr>
-              <a:t>them?</a:t>
-            </a:r>
-            <a:endParaRPr lang="en-US" altLang="en-US" sz="2400" kern="0" dirty="0" smtClean="0">
-              <a:latin typeface="Open Sans" charset="0"/>
-              <a:ea typeface="Open Sans" charset="0"/>
-              <a:cs typeface="Open Sans" charset="0"/>
-            </a:endParaRPr>
+              <a:t>, is there a link between them?</a:t>
+            </a:r>
           </a:p>
           <a:p>
             <a:r>
@@ -24886,15 +24833,7 @@
                 <a:ea typeface="Open Sans" panose="020B0606030504020204" pitchFamily="34" charset="0"/>
                 <a:cs typeface="Open Sans" panose="020B0606030504020204" pitchFamily="34" charset="0"/>
               </a:rPr>
-              <a:t>, then the expected number it visits </a:t>
-            </a:r>
-            <a:r>
-              <a:rPr lang="en-US" sz="2000" dirty="0" smtClean="0">
-                <a:latin typeface="Open Sans" panose="020B0606030504020204" pitchFamily="34" charset="0"/>
-                <a:ea typeface="Open Sans" panose="020B0606030504020204" pitchFamily="34" charset="0"/>
-                <a:cs typeface="Open Sans" panose="020B0606030504020204" pitchFamily="34" charset="0"/>
-              </a:rPr>
-              <a:t> </a:t>
+              <a:t>, then the expected number it visits  </a:t>
             </a:r>
             <a:r>
               <a:rPr lang="en-US" sz="2000" i="1" dirty="0" err="1" smtClean="0">
@@ -24912,11 +24851,6 @@
               </a:rPr>
               <a:t>  is</a:t>
             </a:r>
-            <a:endParaRPr lang="en-US" sz="2000" dirty="0" smtClean="0">
-              <a:latin typeface="Open Sans" panose="020B0606030504020204" pitchFamily="34" charset="0"/>
-              <a:ea typeface="Open Sans" panose="020B0606030504020204" pitchFamily="34" charset="0"/>
-              <a:cs typeface="Open Sans" panose="020B0606030504020204" pitchFamily="34" charset="0"/>
-            </a:endParaRPr>
           </a:p>
           <a:p>
             <a:pPr lvl="1"/>
@@ -26280,11 +26214,6 @@
               </a:rPr>
               <a:t>j</a:t>
             </a:r>
-            <a:endParaRPr lang="en-US" sz="1800" i="1" dirty="0" smtClean="0">
-              <a:latin typeface="Open Sans" panose="020B0606030504020204" pitchFamily="34" charset="0"/>
-              <a:ea typeface="Open Sans" panose="020B0606030504020204" pitchFamily="34" charset="0"/>
-              <a:cs typeface="Open Sans" panose="020B0606030504020204" pitchFamily="34" charset="0"/>
-            </a:endParaRPr>
           </a:p>
           <a:p>
             <a:pPr lvl="1"/>
@@ -30622,23 +30551,15 @@
                 <a:ea typeface="Open Sans" panose="020B0606030504020204" pitchFamily="34" charset="0"/>
                 <a:cs typeface="Open Sans" panose="020B0606030504020204" pitchFamily="34" charset="0"/>
               </a:rPr>
-              <a:t>e.g.                when computing </a:t>
-            </a:r>
-            <a:r>
-              <a:rPr lang="en-US" altLang="en-US" sz="2000" dirty="0" smtClean="0">
+              <a:t>e.g.                when computing proximities from node  </a:t>
+            </a:r>
+            <a:r>
+              <a:rPr lang="en-US" altLang="en-US" sz="2000" i="1" dirty="0" err="1" smtClean="0">
                 <a:latin typeface="Open Sans" panose="020B0606030504020204" pitchFamily="34" charset="0"/>
                 <a:ea typeface="Open Sans" panose="020B0606030504020204" pitchFamily="34" charset="0"/>
                 <a:cs typeface="Open Sans" panose="020B0606030504020204" pitchFamily="34" charset="0"/>
               </a:rPr>
-              <a:t>proximities </a:t>
-            </a:r>
-            <a:r>
-              <a:rPr lang="en-US" altLang="en-US" sz="2000" dirty="0" smtClean="0">
-                <a:latin typeface="Open Sans" panose="020B0606030504020204" pitchFamily="34" charset="0"/>
-                <a:ea typeface="Open Sans" panose="020B0606030504020204" pitchFamily="34" charset="0"/>
-                <a:cs typeface="Open Sans" panose="020B0606030504020204" pitchFamily="34" charset="0"/>
-              </a:rPr>
-              <a:t>from node </a:t>
+              <a:t>i</a:t>
             </a:r>
             <a:r>
               <a:rPr lang="en-US" altLang="en-US" sz="2000" dirty="0" smtClean="0">
@@ -30648,27 +30569,6 @@
               </a:rPr>
               <a:t> </a:t>
             </a:r>
-            <a:r>
-              <a:rPr lang="en-US" altLang="en-US" sz="2000" i="1" dirty="0" err="1" smtClean="0">
-                <a:latin typeface="Open Sans" panose="020B0606030504020204" pitchFamily="34" charset="0"/>
-                <a:ea typeface="Open Sans" panose="020B0606030504020204" pitchFamily="34" charset="0"/>
-                <a:cs typeface="Open Sans" panose="020B0606030504020204" pitchFamily="34" charset="0"/>
-              </a:rPr>
-              <a:t>i</a:t>
-            </a:r>
-            <a:r>
-              <a:rPr lang="en-US" altLang="en-US" sz="2000" dirty="0" smtClean="0">
-                <a:latin typeface="Open Sans" panose="020B0606030504020204" pitchFamily="34" charset="0"/>
-                <a:ea typeface="Open Sans" panose="020B0606030504020204" pitchFamily="34" charset="0"/>
-                <a:cs typeface="Open Sans" panose="020B0606030504020204" pitchFamily="34" charset="0"/>
-              </a:rPr>
-              <a:t> </a:t>
-            </a:r>
-            <a:endParaRPr lang="en-US" altLang="en-US" sz="2000" dirty="0" smtClean="0">
-              <a:latin typeface="Open Sans" panose="020B0606030504020204" pitchFamily="34" charset="0"/>
-              <a:ea typeface="Open Sans" panose="020B0606030504020204" pitchFamily="34" charset="0"/>
-              <a:cs typeface="Open Sans" panose="020B0606030504020204" pitchFamily="34" charset="0"/>
-            </a:endParaRPr>
           </a:p>
           <a:p>
             <a:pPr lvl="1"/>
@@ -31607,15 +31507,7 @@
                 <a:ea typeface="Open Sans" panose="020B0606030504020204" pitchFamily="34" charset="0"/>
                 <a:cs typeface="Open Sans" panose="020B0606030504020204" pitchFamily="34" charset="0"/>
               </a:rPr>
-              <a:t>s small </a:t>
-            </a:r>
-            <a:r>
-              <a:rPr lang="en-US" altLang="en-US" sz="2000" dirty="0" smtClean="0">
-                <a:latin typeface="Open Sans" panose="020B0606030504020204" pitchFamily="34" charset="0"/>
-                <a:ea typeface="Open Sans" panose="020B0606030504020204" pitchFamily="34" charset="0"/>
-                <a:cs typeface="Open Sans" panose="020B0606030504020204" pitchFamily="34" charset="0"/>
-              </a:rPr>
-              <a:t>whenever  </a:t>
+              <a:t>s small whenever  </a:t>
             </a:r>
             <a:r>
               <a:rPr lang="en-US" altLang="en-US" sz="2000" i="1" dirty="0" smtClean="0">
@@ -31642,15 +31534,7 @@
                 <a:ea typeface="Open Sans" panose="020B0606030504020204" pitchFamily="34" charset="0"/>
                 <a:cs typeface="Open Sans" panose="020B0606030504020204" pitchFamily="34" charset="0"/>
               </a:rPr>
-              <a:t>has </a:t>
-            </a:r>
-            <a:r>
-              <a:rPr lang="en-US" altLang="en-US" sz="2000" dirty="0" smtClean="0">
-                <a:latin typeface="Open Sans" panose="020B0606030504020204" pitchFamily="34" charset="0"/>
-                <a:ea typeface="Open Sans" panose="020B0606030504020204" pitchFamily="34" charset="0"/>
-                <a:cs typeface="Open Sans" panose="020B0606030504020204" pitchFamily="34" charset="0"/>
-              </a:rPr>
-              <a:t>a large stationary probability </a:t>
+              <a:t>has a large stationary probability </a:t>
             </a:r>
             <a:endParaRPr lang="en-US" altLang="en-US" sz="2000" dirty="0" smtClean="0">
               <a:solidFill>
@@ -32470,15 +32354,7 @@
                 <a:ea typeface="Open Sans" panose="020B0606030504020204" pitchFamily="34" charset="0"/>
                 <a:cs typeface="Open Sans" panose="020B0606030504020204" pitchFamily="34" charset="0"/>
               </a:rPr>
-              <a:t>Only considers paths of length at </a:t>
-            </a:r>
-            <a:r>
-              <a:rPr lang="en-US" altLang="en-US" sz="2000" dirty="0" smtClean="0">
-                <a:latin typeface="Open Sans" panose="020B0606030504020204" pitchFamily="34" charset="0"/>
-                <a:ea typeface="Open Sans" panose="020B0606030504020204" pitchFamily="34" charset="0"/>
-                <a:cs typeface="Open Sans" panose="020B0606030504020204" pitchFamily="34" charset="0"/>
-              </a:rPr>
-              <a:t>most </a:t>
+              <a:t>Only considers paths of length at most </a:t>
             </a:r>
             <a:r>
               <a:rPr lang="en-US" altLang="en-US" sz="2000" i="1" dirty="0" smtClean="0">
@@ -32988,7 +32864,193 @@
       </p:sp>
       <p:sp>
         <p:nvSpPr>
-          <p:cNvPr id="9" name="Freeform 9"/>
+          <p:cNvPr id="11" name="Rectangle 6"/>
+          <p:cNvSpPr>
+            <a:spLocks noChangeArrowheads="1"/>
+          </p:cNvSpPr>
+          <p:nvPr/>
+        </p:nvSpPr>
+        <p:spPr bwMode="auto">
+          <a:xfrm>
+            <a:off x="0" y="6188075"/>
+            <a:ext cx="8829675" cy="276999"/>
+          </a:xfrm>
+          <a:prstGeom prst="rect">
+            <a:avLst/>
+          </a:prstGeom>
+          <a:noFill/>
+          <a:ln>
+            <a:noFill/>
+          </a:ln>
+          <a:effectLst/>
+          <a:extLst>
+            <a:ext uri="{909E8E84-426E-40DD-AFC4-6F175D3DCCD1}">
+              <a14:hiddenFill xmlns:a14="http://schemas.microsoft.com/office/drawing/2010/main">
+                <a:solidFill>
+                  <a:schemeClr val="accent1"/>
+                </a:solidFill>
+              </a14:hiddenFill>
+            </a:ext>
+            <a:ext uri="{91240B29-F687-4F45-9708-019B960494DF}">
+              <a14:hiddenLine xmlns:a14="http://schemas.microsoft.com/office/drawing/2010/main" w="9525">
+                <a:solidFill>
+                  <a:schemeClr val="tx1"/>
+                </a:solidFill>
+                <a:miter lim="800000"/>
+                <a:headEnd/>
+                <a:tailEnd/>
+              </a14:hiddenLine>
+            </a:ext>
+            <a:ext uri="{AF507438-7753-43E0-B8FC-AC1667EBCBE1}">
+              <a14:hiddenEffects xmlns:a14="http://schemas.microsoft.com/office/drawing/2010/main">
+                <a:effectLst>
+                  <a:outerShdw dist="35921" dir="2700000" algn="ctr" rotWithShape="0">
+                    <a:schemeClr val="bg2"/>
+                  </a:outerShdw>
+                </a:effectLst>
+              </a14:hiddenEffects>
+            </a:ext>
+          </a:extLst>
+        </p:spPr>
+        <p:txBody>
+          <a:bodyPr>
+            <a:spAutoFit/>
+          </a:bodyPr>
+          <a:lstStyle/>
+          <a:p>
+            <a:pPr>
+              <a:spcBef>
+                <a:spcPct val="20000"/>
+              </a:spcBef>
+              <a:buClr>
+                <a:schemeClr val="accent1"/>
+              </a:buClr>
+              <a:buSzPct val="65000"/>
+              <a:buFont typeface="Wingdings" pitchFamily="2" charset="2"/>
+              <a:buNone/>
+            </a:pPr>
+            <a:r>
+              <a:rPr lang="en-US" altLang="en-US" sz="1200" b="1" dirty="0">
+                <a:solidFill>
+                  <a:srgbClr val="3333CC"/>
+                </a:solidFill>
+                <a:latin typeface="Open Sans" panose="020B0606030504020204" pitchFamily="34" charset="0"/>
+                <a:ea typeface="Open Sans" panose="020B0606030504020204" pitchFamily="34" charset="0"/>
+                <a:cs typeface="Open Sans" panose="020B0606030504020204" pitchFamily="34" charset="0"/>
+              </a:rPr>
+              <a:t>1. </a:t>
+            </a:r>
+            <a:r>
+              <a:rPr lang="en-US" altLang="en-US" sz="1200" b="1" dirty="0" smtClean="0">
+                <a:solidFill>
+                  <a:srgbClr val="3333CC"/>
+                </a:solidFill>
+                <a:latin typeface="Open Sans" panose="020B0606030504020204" pitchFamily="34" charset="0"/>
+                <a:ea typeface="Open Sans" panose="020B0606030504020204" pitchFamily="34" charset="0"/>
+                <a:cs typeface="Open Sans" panose="020B0606030504020204" pitchFamily="34" charset="0"/>
+              </a:rPr>
+              <a:t>P. Sarkar, A. Moore, &amp; A. Prakash</a:t>
+            </a:r>
+            <a:r>
+              <a:rPr lang="en-US" altLang="en-US" sz="1200" b="1" dirty="0">
+                <a:solidFill>
+                  <a:srgbClr val="3333CC"/>
+                </a:solidFill>
+                <a:latin typeface="Open Sans" panose="020B0606030504020204" pitchFamily="34" charset="0"/>
+                <a:ea typeface="Open Sans" panose="020B0606030504020204" pitchFamily="34" charset="0"/>
+                <a:cs typeface="Open Sans" panose="020B0606030504020204" pitchFamily="34" charset="0"/>
+              </a:rPr>
+              <a:t>. Fast Incremental Proximity Search in Large Graphs. </a:t>
+            </a:r>
+            <a:r>
+              <a:rPr lang="en-US" altLang="en-US" sz="1200" b="1" i="1" dirty="0" smtClean="0">
+                <a:solidFill>
+                  <a:srgbClr val="3333CC"/>
+                </a:solidFill>
+                <a:latin typeface="Open Sans" panose="020B0606030504020204" pitchFamily="34" charset="0"/>
+                <a:ea typeface="Open Sans" panose="020B0606030504020204" pitchFamily="34" charset="0"/>
+                <a:cs typeface="Open Sans" panose="020B0606030504020204" pitchFamily="34" charset="0"/>
+              </a:rPr>
+              <a:t>ICML ‘08.</a:t>
+            </a:r>
+            <a:endParaRPr lang="en-US" altLang="en-US" sz="1200" b="1" i="1" dirty="0">
+              <a:solidFill>
+                <a:srgbClr val="3333CC"/>
+              </a:solidFill>
+              <a:latin typeface="Open Sans" panose="020B0606030504020204" pitchFamily="34" charset="0"/>
+              <a:ea typeface="Open Sans" panose="020B0606030504020204" pitchFamily="34" charset="0"/>
+              <a:cs typeface="Open Sans" panose="020B0606030504020204" pitchFamily="34" charset="0"/>
+            </a:endParaRPr>
+          </a:p>
+        </p:txBody>
+      </p:sp>
+      <p:sp>
+        <p:nvSpPr>
+          <p:cNvPr id="3" name="Rectangle 2"/>
+          <p:cNvSpPr/>
+          <p:nvPr/>
+        </p:nvSpPr>
+        <p:spPr>
+          <a:xfrm>
+            <a:off x="3048000" y="2335213"/>
+            <a:ext cx="3124200" cy="788987"/>
+          </a:xfrm>
+          <a:prstGeom prst="rect">
+            <a:avLst/>
+          </a:prstGeom>
+        </p:spPr>
+        <p:style>
+          <a:lnRef idx="2">
+            <a:schemeClr val="accent6"/>
+          </a:lnRef>
+          <a:fillRef idx="1">
+            <a:schemeClr val="lt1"/>
+          </a:fillRef>
+          <a:effectRef idx="0">
+            <a:schemeClr val="accent6"/>
+          </a:effectRef>
+          <a:fontRef idx="minor">
+            <a:schemeClr val="dk1"/>
+          </a:fontRef>
+        </p:style>
+        <p:txBody>
+          <a:bodyPr rtlCol="0" anchor="ctr"/>
+          <a:lstStyle/>
+          <a:p>
+            <a:pPr algn="ctr"/>
+            <a:r>
+              <a:rPr lang="en-US" dirty="0" smtClean="0">
+                <a:latin typeface="Open Sans" charset="0"/>
+                <a:ea typeface="Open Sans" charset="0"/>
+                <a:cs typeface="Open Sans" charset="0"/>
+              </a:rPr>
+              <a:t>15 most proximate nodes to node 95 </a:t>
+            </a:r>
+            <a:r>
+              <a:rPr lang="en-US" dirty="0" smtClean="0">
+                <a:solidFill>
+                  <a:srgbClr val="FF0000"/>
+                </a:solidFill>
+                <a:latin typeface="Open Sans" charset="0"/>
+                <a:ea typeface="Open Sans" charset="0"/>
+                <a:cs typeface="Open Sans" charset="0"/>
+              </a:rPr>
+              <a:t>in red</a:t>
+            </a:r>
+            <a:endParaRPr lang="en-US" dirty="0">
+              <a:solidFill>
+                <a:srgbClr val="FF0000"/>
+              </a:solidFill>
+              <a:latin typeface="Open Sans" charset="0"/>
+              <a:ea typeface="Open Sans" charset="0"/>
+              <a:cs typeface="Open Sans" charset="0"/>
+            </a:endParaRPr>
+          </a:p>
+        </p:txBody>
+      </p:sp>
+      <p:sp>
+        <p:nvSpPr>
+          <p:cNvPr id="17" name="Freeform 9"/>
           <p:cNvSpPr>
             <a:spLocks/>
           </p:cNvSpPr>
@@ -32996,7 +33058,7 @@
         </p:nvSpPr>
         <p:spPr bwMode="auto">
           <a:xfrm>
-            <a:off x="296863" y="3036888"/>
+            <a:off x="296863" y="3048000"/>
             <a:ext cx="1035050" cy="1600200"/>
           </a:xfrm>
           <a:custGeom>
@@ -33389,128 +33451,6 @@
           </a:p>
         </p:txBody>
       </p:sp>
-      <p:sp>
-        <p:nvSpPr>
-          <p:cNvPr id="11" name="Rectangle 6"/>
-          <p:cNvSpPr>
-            <a:spLocks noChangeArrowheads="1"/>
-          </p:cNvSpPr>
-          <p:nvPr/>
-        </p:nvSpPr>
-        <p:spPr bwMode="auto">
-          <a:xfrm>
-            <a:off x="0" y="6188075"/>
-            <a:ext cx="8829675" cy="276999"/>
-          </a:xfrm>
-          <a:prstGeom prst="rect">
-            <a:avLst/>
-          </a:prstGeom>
-          <a:noFill/>
-          <a:ln>
-            <a:noFill/>
-          </a:ln>
-          <a:effectLst/>
-          <a:extLst>
-            <a:ext uri="{909E8E84-426E-40DD-AFC4-6F175D3DCCD1}">
-              <a14:hiddenFill xmlns:a14="http://schemas.microsoft.com/office/drawing/2010/main">
-                <a:solidFill>
-                  <a:schemeClr val="accent1"/>
-                </a:solidFill>
-              </a14:hiddenFill>
-            </a:ext>
-            <a:ext uri="{91240B29-F687-4F45-9708-019B960494DF}">
-              <a14:hiddenLine xmlns:a14="http://schemas.microsoft.com/office/drawing/2010/main" w="9525">
-                <a:solidFill>
-                  <a:schemeClr val="tx1"/>
-                </a:solidFill>
-                <a:miter lim="800000"/>
-                <a:headEnd/>
-                <a:tailEnd/>
-              </a14:hiddenLine>
-            </a:ext>
-            <a:ext uri="{AF507438-7753-43E0-B8FC-AC1667EBCBE1}">
-              <a14:hiddenEffects xmlns:a14="http://schemas.microsoft.com/office/drawing/2010/main">
-                <a:effectLst>
-                  <a:outerShdw dist="35921" dir="2700000" algn="ctr" rotWithShape="0">
-                    <a:schemeClr val="bg2"/>
-                  </a:outerShdw>
-                </a:effectLst>
-              </a14:hiddenEffects>
-            </a:ext>
-          </a:extLst>
-        </p:spPr>
-        <p:txBody>
-          <a:bodyPr>
-            <a:spAutoFit/>
-          </a:bodyPr>
-          <a:lstStyle/>
-          <a:p>
-            <a:pPr>
-              <a:spcBef>
-                <a:spcPct val="20000"/>
-              </a:spcBef>
-              <a:buClr>
-                <a:schemeClr val="accent1"/>
-              </a:buClr>
-              <a:buSzPct val="65000"/>
-              <a:buFont typeface="Wingdings" pitchFamily="2" charset="2"/>
-              <a:buNone/>
-            </a:pPr>
-            <a:r>
-              <a:rPr lang="en-US" altLang="en-US" sz="1200" b="1" dirty="0">
-                <a:solidFill>
-                  <a:srgbClr val="3333CC"/>
-                </a:solidFill>
-                <a:latin typeface="Open Sans" panose="020B0606030504020204" pitchFamily="34" charset="0"/>
-                <a:ea typeface="Open Sans" panose="020B0606030504020204" pitchFamily="34" charset="0"/>
-                <a:cs typeface="Open Sans" panose="020B0606030504020204" pitchFamily="34" charset="0"/>
-              </a:rPr>
-              <a:t>1. </a:t>
-            </a:r>
-            <a:r>
-              <a:rPr lang="en-US" altLang="en-US" sz="1200" b="1" dirty="0" smtClean="0">
-                <a:solidFill>
-                  <a:srgbClr val="3333CC"/>
-                </a:solidFill>
-                <a:latin typeface="Open Sans" panose="020B0606030504020204" pitchFamily="34" charset="0"/>
-                <a:ea typeface="Open Sans" panose="020B0606030504020204" pitchFamily="34" charset="0"/>
-                <a:cs typeface="Open Sans" panose="020B0606030504020204" pitchFamily="34" charset="0"/>
-              </a:rPr>
-              <a:t>P. Sarkar, A. Moore, &amp; A. Prakash</a:t>
-            </a:r>
-            <a:r>
-              <a:rPr lang="en-US" altLang="en-US" sz="1200" b="1" dirty="0">
-                <a:solidFill>
-                  <a:srgbClr val="3333CC"/>
-                </a:solidFill>
-                <a:latin typeface="Open Sans" panose="020B0606030504020204" pitchFamily="34" charset="0"/>
-                <a:ea typeface="Open Sans" panose="020B0606030504020204" pitchFamily="34" charset="0"/>
-                <a:cs typeface="Open Sans" panose="020B0606030504020204" pitchFamily="34" charset="0"/>
-              </a:rPr>
-              <a:t>. Fast Incremental Proximity Search in Large Graphs. </a:t>
-            </a:r>
-            <a:r>
-              <a:rPr lang="en-US" altLang="en-US" sz="1200" b="1" i="1" dirty="0" smtClean="0">
-                <a:solidFill>
-                  <a:srgbClr val="3333CC"/>
-                </a:solidFill>
-                <a:latin typeface="Open Sans" panose="020B0606030504020204" pitchFamily="34" charset="0"/>
-                <a:ea typeface="Open Sans" panose="020B0606030504020204" pitchFamily="34" charset="0"/>
-                <a:cs typeface="Open Sans" panose="020B0606030504020204" pitchFamily="34" charset="0"/>
-              </a:rPr>
-              <a:t>ICML ‘08.</a:t>
-            </a:r>
-            <a:endParaRPr lang="en-US" altLang="en-US" sz="1200" b="1" i="1" dirty="0">
-              <a:solidFill>
-                <a:srgbClr val="3333CC"/>
-              </a:solidFill>
-              <a:latin typeface="Open Sans" panose="020B0606030504020204" pitchFamily="34" charset="0"/>
-              <a:ea typeface="Open Sans" panose="020B0606030504020204" pitchFamily="34" charset="0"/>
-              <a:cs typeface="Open Sans" panose="020B0606030504020204" pitchFamily="34" charset="0"/>
-            </a:endParaRPr>
-          </a:p>
-        </p:txBody>
-      </p:sp>
     </p:spTree>
     <p:custDataLst>
       <p:tags r:id="rId1"/>
@@ -33644,15 +33584,7 @@
                 <a:ea typeface="Open Sans" panose="020B0606030504020204" pitchFamily="34" charset="0"/>
                 <a:cs typeface="Open Sans" panose="020B0606030504020204" pitchFamily="34" charset="0"/>
               </a:rPr>
-              <a:t>to </a:t>
-            </a:r>
-            <a:r>
-              <a:rPr lang="en-US" altLang="zh-CN" sz="2400" dirty="0" smtClean="0">
-                <a:latin typeface="Open Sans" panose="020B0606030504020204" pitchFamily="34" charset="0"/>
-                <a:ea typeface="Open Sans" panose="020B0606030504020204" pitchFamily="34" charset="0"/>
-                <a:cs typeface="Open Sans" panose="020B0606030504020204" pitchFamily="34" charset="0"/>
-              </a:rPr>
-              <a:t>node</a:t>
+              <a:t>to node</a:t>
             </a:r>
             <a:r>
               <a:rPr lang="en-US" altLang="zh-CN" sz="2400" b="1" dirty="0">
@@ -33724,15 +33656,7 @@
                 <a:ea typeface="Open Sans" panose="020B0606030504020204" pitchFamily="34" charset="0"/>
                 <a:cs typeface="Open Sans" panose="020B0606030504020204" pitchFamily="34" charset="0"/>
               </a:rPr>
-              <a:t> </a:t>
-            </a:r>
-            <a:r>
-              <a:rPr lang="en-US" altLang="en-US" sz="2000" dirty="0" smtClean="0">
-                <a:latin typeface="Open Sans" panose="020B0606030504020204" pitchFamily="34" charset="0"/>
-                <a:ea typeface="Open Sans" panose="020B0606030504020204" pitchFamily="34" charset="0"/>
-                <a:cs typeface="Open Sans" panose="020B0606030504020204" pitchFamily="34" charset="0"/>
-              </a:rPr>
-              <a:t>at </a:t>
+              <a:t> at </a:t>
             </a:r>
             <a:r>
               <a:rPr lang="en-US" altLang="en-US" sz="2000" i="1" dirty="0" smtClean="0">
@@ -33764,15 +33688,7 @@
                 <a:ea typeface="Open Sans" panose="020B0606030504020204" pitchFamily="34" charset="0"/>
                 <a:cs typeface="Open Sans" panose="020B0606030504020204" pitchFamily="34" charset="0"/>
               </a:rPr>
-              <a:t> before </a:t>
-            </a:r>
-            <a:r>
-              <a:rPr lang="en-US" altLang="en-US" sz="2000" dirty="0" smtClean="0">
-                <a:latin typeface="Open Sans" panose="020B0606030504020204" pitchFamily="34" charset="0"/>
-                <a:ea typeface="Open Sans" panose="020B0606030504020204" pitchFamily="34" charset="0"/>
-                <a:cs typeface="Open Sans" panose="020B0606030504020204" pitchFamily="34" charset="0"/>
-              </a:rPr>
-              <a:t>return</a:t>
+              <a:t> before return</a:t>
             </a:r>
             <a:r>
               <a:rPr lang="en-US" altLang="zh-CN" sz="2000" dirty="0" smtClean="0">
@@ -33814,11 +33730,6 @@
               </a:rPr>
               <a:t>]</a:t>
             </a:r>
-            <a:endParaRPr lang="en-US" altLang="en-US" sz="2000" dirty="0" smtClean="0">
-              <a:latin typeface="Open Sans" panose="020B0606030504020204" pitchFamily="34" charset="0"/>
-              <a:ea typeface="Open Sans" panose="020B0606030504020204" pitchFamily="34" charset="0"/>
-              <a:cs typeface="Open Sans" panose="020B0606030504020204" pitchFamily="34" charset="0"/>
-            </a:endParaRPr>
           </a:p>
           <a:p>
             <a:pPr lvl="1"/>
@@ -35261,7 +35172,7 @@
           <a:graphicData uri="http://schemas.openxmlformats.org/presentationml/2006/ole">
             <mc:AlternateContent xmlns:mc="http://schemas.openxmlformats.org/markup-compatibility/2006">
               <mc:Choice xmlns:v="urn:schemas-microsoft-com:vml" Requires="v">
-                <p:oleObj spid="_x0000_s9060" name="Visio" r:id="rId6" imgW="5289194" imgH="2914802" progId="Visio.Drawing.11">
+                <p:oleObj spid="_x0000_s9096" name="Visio" r:id="rId6" imgW="5289194" imgH="2914802" progId="Visio.Drawing.11">
                   <p:embed/>
                 </p:oleObj>
               </mc:Choice>

--- a/Random Walk based Proximity Measures in Directed Graphs.pptx
+++ b/Random Walk based Proximity Measures in Directed Graphs.pptx
@@ -7035,7 +7035,7 @@
           <a:graphicData uri="http://schemas.openxmlformats.org/presentationml/2006/ole">
             <mc:AlternateContent xmlns:mc="http://schemas.openxmlformats.org/markup-compatibility/2006">
               <mc:Choice xmlns:v="urn:schemas-microsoft-com:vml" Requires="v">
-                <p:oleObj spid="_x0000_s28128" name="Visio" r:id="rId9" imgW="5289194" imgH="1988515" progId="Visio.Drawing.11">
+                <p:oleObj spid="_x0000_s28160" name="Visio" r:id="rId9" imgW="5289194" imgH="1988515" progId="Visio.Drawing.11">
                   <p:embed/>
                 </p:oleObj>
               </mc:Choice>
@@ -7137,7 +7137,7 @@
           <a:graphicData uri="http://schemas.openxmlformats.org/presentationml/2006/ole">
             <mc:AlternateContent xmlns:mc="http://schemas.openxmlformats.org/markup-compatibility/2006">
               <mc:Choice xmlns:v="urn:schemas-microsoft-com:vml" Requires="v">
-                <p:oleObj spid="_x0000_s28129" name="Visio" r:id="rId11" imgW="5289194" imgH="2888590" progId="Visio.Drawing.11">
+                <p:oleObj spid="_x0000_s28161" name="Visio" r:id="rId11" imgW="5289194" imgH="2888590" progId="Visio.Drawing.11">
                   <p:embed/>
                 </p:oleObj>
               </mc:Choice>
@@ -7238,7 +7238,7 @@
           <a:graphicData uri="http://schemas.openxmlformats.org/presentationml/2006/ole">
             <mc:AlternateContent xmlns:mc="http://schemas.openxmlformats.org/markup-compatibility/2006">
               <mc:Choice xmlns:v="urn:schemas-microsoft-com:vml" Requires="v">
-                <p:oleObj spid="_x0000_s28130" name="Visio" r:id="rId13" imgW="5186172" imgH="754685" progId="Visio.Drawing.11">
+                <p:oleObj spid="_x0000_s28162" name="Visio" r:id="rId13" imgW="5186172" imgH="754685" progId="Visio.Drawing.11">
                   <p:embed/>
                 </p:oleObj>
               </mc:Choice>
@@ -7339,7 +7339,7 @@
           <a:graphicData uri="http://schemas.openxmlformats.org/presentationml/2006/ole">
             <mc:AlternateContent xmlns:mc="http://schemas.openxmlformats.org/markup-compatibility/2006">
               <mc:Choice xmlns:v="urn:schemas-microsoft-com:vml" Requires="v">
-                <p:oleObj spid="_x0000_s28131" name="Visio" r:id="rId15" imgW="5186172" imgH="1870558" progId="Visio.Drawing.11">
+                <p:oleObj spid="_x0000_s28163" name="Visio" r:id="rId15" imgW="5186172" imgH="1870558" progId="Visio.Drawing.11">
                   <p:embed/>
                 </p:oleObj>
               </mc:Choice>
@@ -8571,7 +8571,7 @@
           <a:graphicData uri="http://schemas.openxmlformats.org/presentationml/2006/ole">
             <mc:AlternateContent xmlns:mc="http://schemas.openxmlformats.org/markup-compatibility/2006">
               <mc:Choice xmlns:v="urn:schemas-microsoft-com:vml" Requires="v">
-                <p:oleObj spid="_x0000_s1658" name="Visio" r:id="rId7" imgW="5038954" imgH="751637" progId="Visio.Drawing.11">
+                <p:oleObj spid="_x0000_s1674" name="Visio" r:id="rId7" imgW="5038954" imgH="751637" progId="Visio.Drawing.11">
                   <p:embed/>
                 </p:oleObj>
               </mc:Choice>
@@ -8726,7 +8726,7 @@
           <a:graphicData uri="http://schemas.openxmlformats.org/presentationml/2006/ole">
             <mc:AlternateContent xmlns:mc="http://schemas.openxmlformats.org/markup-compatibility/2006">
               <mc:Choice xmlns:v="urn:schemas-microsoft-com:vml" Requires="v">
-                <p:oleObj spid="_x0000_s1659" name="Visio" r:id="rId9" imgW="5038954" imgH="1130503" progId="Visio.Drawing.11">
+                <p:oleObj spid="_x0000_s1675" name="Visio" r:id="rId9" imgW="5038954" imgH="1130503" progId="Visio.Drawing.11">
                   <p:embed/>
                 </p:oleObj>
               </mc:Choice>
@@ -25284,7 +25284,7 @@
                             </p:stCondLst>
                             <p:childTnLst>
                               <p:par>
-                                <p:cTn id="5" presetID="1" presetClass="entr" presetSubtype="0" fill="hold" grpId="0" nodeType="clickEffect">
+                                <p:cTn id="5" presetID="1" presetClass="entr" presetSubtype="0" fill="hold" nodeType="clickEffect">
                                   <p:stCondLst>
                                     <p:cond delay="0"/>
                                   </p:stCondLst>
@@ -25315,7 +25315,7 @@
                                 </p:cTn>
                               </p:par>
                               <p:par>
-                                <p:cTn id="7" presetID="1" presetClass="entr" presetSubtype="0" fill="hold" grpId="0" nodeType="withEffect">
+                                <p:cTn id="7" presetID="1" presetClass="entr" presetSubtype="0" fill="hold" nodeType="withEffect">
                                   <p:stCondLst>
                                     <p:cond delay="0"/>
                                   </p:stCondLst>
@@ -25346,7 +25346,7 @@
                                 </p:cTn>
                               </p:par>
                               <p:par>
-                                <p:cTn id="9" presetID="1" presetClass="entr" presetSubtype="0" fill="hold" grpId="0" nodeType="withEffect">
+                                <p:cTn id="9" presetID="1" presetClass="entr" presetSubtype="0" fill="hold" nodeType="withEffect">
                                   <p:stCondLst>
                                     <p:cond delay="0"/>
                                   </p:stCondLst>
@@ -25377,7 +25377,7 @@
                                 </p:cTn>
                               </p:par>
                               <p:par>
-                                <p:cTn id="11" presetID="1" presetClass="entr" presetSubtype="0" fill="hold" grpId="0" nodeType="withEffect">
+                                <p:cTn id="11" presetID="1" presetClass="entr" presetSubtype="0" fill="hold" nodeType="withEffect">
                                   <p:stCondLst>
                                     <p:cond delay="0"/>
                                   </p:stCondLst>
@@ -25408,7 +25408,7 @@
                                 </p:cTn>
                               </p:par>
                               <p:par>
-                                <p:cTn id="13" presetID="1" presetClass="entr" presetSubtype="0" fill="hold" grpId="0" nodeType="withEffect">
+                                <p:cTn id="13" presetID="1" presetClass="entr" presetSubtype="0" fill="hold" nodeType="withEffect">
                                   <p:stCondLst>
                                     <p:cond delay="0"/>
                                   </p:stCondLst>
@@ -25421,11 +25421,7 @@
                                           </p:stCondLst>
                                         </p:cTn>
                                         <p:tgtEl>
-                                          <p:spTgt spid="2">
-                                            <p:txEl>
-                                              <p:pRg st="5" end="5"/>
-                                            </p:txEl>
-                                          </p:spTgt>
+                                          <p:spTgt spid="4"/>
                                         </p:tgtEl>
                                         <p:attrNameLst>
                                           <p:attrName>style.visibility</p:attrName>
@@ -25452,7 +25448,7 @@
                                           </p:stCondLst>
                                         </p:cTn>
                                         <p:tgtEl>
-                                          <p:spTgt spid="4"/>
+                                          <p:spTgt spid="7"/>
                                         </p:tgtEl>
                                         <p:attrNameLst>
                                           <p:attrName>style.visibility</p:attrName>
@@ -25479,7 +25475,7 @@
                                           </p:stCondLst>
                                         </p:cTn>
                                         <p:tgtEl>
-                                          <p:spTgt spid="7"/>
+                                          <p:spTgt spid="8"/>
                                         </p:tgtEl>
                                         <p:attrNameLst>
                                           <p:attrName>style.visibility</p:attrName>
@@ -25492,21 +25488,43 @@
                                   </p:childTnLst>
                                 </p:cTn>
                               </p:par>
+                            </p:childTnLst>
+                          </p:cTn>
+                        </p:par>
+                      </p:childTnLst>
+                    </p:cTn>
+                  </p:par>
+                  <p:par>
+                    <p:cTn id="19" fill="hold">
+                      <p:stCondLst>
+                        <p:cond delay="indefinite"/>
+                      </p:stCondLst>
+                      <p:childTnLst>
+                        <p:par>
+                          <p:cTn id="20" fill="hold">
+                            <p:stCondLst>
+                              <p:cond delay="0"/>
+                            </p:stCondLst>
+                            <p:childTnLst>
                               <p:par>
-                                <p:cTn id="19" presetID="1" presetClass="entr" presetSubtype="0" fill="hold" nodeType="withEffect">
+                                <p:cTn id="21" presetID="1" presetClass="entr" presetSubtype="0" fill="hold" nodeType="clickEffect">
                                   <p:stCondLst>
                                     <p:cond delay="0"/>
                                   </p:stCondLst>
                                   <p:childTnLst>
                                     <p:set>
                                       <p:cBhvr>
-                                        <p:cTn id="20" dur="1" fill="hold">
+                                        <p:cTn id="22" dur="1" fill="hold">
                                           <p:stCondLst>
                                             <p:cond delay="0"/>
                                           </p:stCondLst>
                                         </p:cTn>
                                         <p:tgtEl>
-                                          <p:spTgt spid="8"/>
+                                          <p:spTgt spid="2">
+                                            <p:txEl>
+                                              <p:pRg st="5" end="5"/>
+                                            </p:txEl>
+                                          </p:spTgt>
                                         </p:tgtEl>
                                         <p:attrNameLst>
                                           <p:attrName>style.visibility</p:attrName>
@@ -25546,9 +25564,6 @@
         </p:cTn>
       </p:par>
     </p:tnLst>
-    <p:bldLst>
-      <p:bldP spid="2" grpId="0" uiExpand="1" build="p"/>
-    </p:bldLst>
   </p:timing>
 </p:sld>
 </file>
@@ -26500,7 +26515,11 @@
                                           </p:stCondLst>
                                         </p:cTn>
                                         <p:tgtEl>
-                                          <p:spTgt spid="6"/>
+                                          <p:spTgt spid="9">
+                                            <p:txEl>
+                                              <p:pRg st="0" end="0"/>
+                                            </p:txEl>
+                                          </p:spTgt>
                                         </p:tgtEl>
                                         <p:attrNameLst>
                                           <p:attrName>style.visibility</p:attrName>
@@ -26527,7 +26546,11 @@
                                           </p:stCondLst>
                                         </p:cTn>
                                         <p:tgtEl>
-                                          <p:spTgt spid="8"/>
+                                          <p:spTgt spid="9">
+                                            <p:txEl>
+                                              <p:pRg st="1" end="1"/>
+                                            </p:txEl>
+                                          </p:spTgt>
                                         </p:tgtEl>
                                         <p:attrNameLst>
                                           <p:attrName>style.visibility</p:attrName>
@@ -26554,7 +26577,11 @@
                                           </p:stCondLst>
                                         </p:cTn>
                                         <p:tgtEl>
-                                          <p:spTgt spid="10"/>
+                                          <p:spTgt spid="9">
+                                            <p:txEl>
+                                              <p:pRg st="2" end="2"/>
+                                            </p:txEl>
+                                          </p:spTgt>
                                         </p:tgtEl>
                                         <p:attrNameLst>
                                           <p:attrName>style.visibility</p:attrName>
@@ -26581,7 +26608,11 @@
                                           </p:stCondLst>
                                         </p:cTn>
                                         <p:tgtEl>
-                                          <p:spTgt spid="11"/>
+                                          <p:spTgt spid="9">
+                                            <p:txEl>
+                                              <p:pRg st="3" end="3"/>
+                                            </p:txEl>
+                                          </p:spTgt>
                                         </p:tgtEl>
                                         <p:attrNameLst>
                                           <p:attrName>style.visibility</p:attrName>
@@ -26608,157 +26639,6 @@
                                           </p:stCondLst>
                                         </p:cTn>
                                         <p:tgtEl>
-                                          <p:spTgt spid="12"/>
-                                        </p:tgtEl>
-                                        <p:attrNameLst>
-                                          <p:attrName>style.visibility</p:attrName>
-                                        </p:attrNameLst>
-                                      </p:cBhvr>
-                                      <p:to>
-                                        <p:strVal val="visible"/>
-                                      </p:to>
-                                    </p:set>
-                                  </p:childTnLst>
-                                </p:cTn>
-                              </p:par>
-                              <p:par>
-                                <p:cTn id="15" presetID="1" presetClass="entr" presetSubtype="0" fill="hold" grpId="0" nodeType="withEffect">
-                                  <p:stCondLst>
-                                    <p:cond delay="0"/>
-                                  </p:stCondLst>
-                                  <p:childTnLst>
-                                    <p:set>
-                                      <p:cBhvr>
-                                        <p:cTn id="16" dur="1" fill="hold">
-                                          <p:stCondLst>
-                                            <p:cond delay="0"/>
-                                          </p:stCondLst>
-                                        </p:cTn>
-                                        <p:tgtEl>
-                                          <p:spTgt spid="9">
-                                            <p:txEl>
-                                              <p:pRg st="0" end="0"/>
-                                            </p:txEl>
-                                          </p:spTgt>
-                                        </p:tgtEl>
-                                        <p:attrNameLst>
-                                          <p:attrName>style.visibility</p:attrName>
-                                        </p:attrNameLst>
-                                      </p:cBhvr>
-                                      <p:to>
-                                        <p:strVal val="visible"/>
-                                      </p:to>
-                                    </p:set>
-                                  </p:childTnLst>
-                                </p:cTn>
-                              </p:par>
-                              <p:par>
-                                <p:cTn id="17" presetID="1" presetClass="entr" presetSubtype="0" fill="hold" grpId="0" nodeType="withEffect">
-                                  <p:stCondLst>
-                                    <p:cond delay="0"/>
-                                  </p:stCondLst>
-                                  <p:childTnLst>
-                                    <p:set>
-                                      <p:cBhvr>
-                                        <p:cTn id="18" dur="1" fill="hold">
-                                          <p:stCondLst>
-                                            <p:cond delay="0"/>
-                                          </p:stCondLst>
-                                        </p:cTn>
-                                        <p:tgtEl>
-                                          <p:spTgt spid="9">
-                                            <p:txEl>
-                                              <p:pRg st="1" end="1"/>
-                                            </p:txEl>
-                                          </p:spTgt>
-                                        </p:tgtEl>
-                                        <p:attrNameLst>
-                                          <p:attrName>style.visibility</p:attrName>
-                                        </p:attrNameLst>
-                                      </p:cBhvr>
-                                      <p:to>
-                                        <p:strVal val="visible"/>
-                                      </p:to>
-                                    </p:set>
-                                  </p:childTnLst>
-                                </p:cTn>
-                              </p:par>
-                              <p:par>
-                                <p:cTn id="19" presetID="1" presetClass="entr" presetSubtype="0" fill="hold" grpId="0" nodeType="withEffect">
-                                  <p:stCondLst>
-                                    <p:cond delay="0"/>
-                                  </p:stCondLst>
-                                  <p:childTnLst>
-                                    <p:set>
-                                      <p:cBhvr>
-                                        <p:cTn id="20" dur="1" fill="hold">
-                                          <p:stCondLst>
-                                            <p:cond delay="0"/>
-                                          </p:stCondLst>
-                                        </p:cTn>
-                                        <p:tgtEl>
-                                          <p:spTgt spid="9">
-                                            <p:txEl>
-                                              <p:pRg st="2" end="2"/>
-                                            </p:txEl>
-                                          </p:spTgt>
-                                        </p:tgtEl>
-                                        <p:attrNameLst>
-                                          <p:attrName>style.visibility</p:attrName>
-                                        </p:attrNameLst>
-                                      </p:cBhvr>
-                                      <p:to>
-                                        <p:strVal val="visible"/>
-                                      </p:to>
-                                    </p:set>
-                                  </p:childTnLst>
-                                </p:cTn>
-                              </p:par>
-                              <p:par>
-                                <p:cTn id="21" presetID="1" presetClass="entr" presetSubtype="0" fill="hold" grpId="0" nodeType="withEffect">
-                                  <p:stCondLst>
-                                    <p:cond delay="0"/>
-                                  </p:stCondLst>
-                                  <p:childTnLst>
-                                    <p:set>
-                                      <p:cBhvr>
-                                        <p:cTn id="22" dur="1" fill="hold">
-                                          <p:stCondLst>
-                                            <p:cond delay="0"/>
-                                          </p:stCondLst>
-                                        </p:cTn>
-                                        <p:tgtEl>
-                                          <p:spTgt spid="9">
-                                            <p:txEl>
-                                              <p:pRg st="3" end="3"/>
-                                            </p:txEl>
-                                          </p:spTgt>
-                                        </p:tgtEl>
-                                        <p:attrNameLst>
-                                          <p:attrName>style.visibility</p:attrName>
-                                        </p:attrNameLst>
-                                      </p:cBhvr>
-                                      <p:to>
-                                        <p:strVal val="visible"/>
-                                      </p:to>
-                                    </p:set>
-                                  </p:childTnLst>
-                                </p:cTn>
-                              </p:par>
-                              <p:par>
-                                <p:cTn id="23" presetID="1" presetClass="entr" presetSubtype="0" fill="hold" grpId="0" nodeType="withEffect">
-                                  <p:stCondLst>
-                                    <p:cond delay="0"/>
-                                  </p:stCondLst>
-                                  <p:childTnLst>
-                                    <p:set>
-                                      <p:cBhvr>
-                                        <p:cTn id="24" dur="1" fill="hold">
-                                          <p:stCondLst>
-                                            <p:cond delay="0"/>
-                                          </p:stCondLst>
-                                        </p:cTn>
-                                        <p:tgtEl>
                                           <p:spTgt spid="9">
                                             <p:txEl>
                                               <p:pRg st="4" end="4"/>
@@ -26777,14 +26657,86 @@
                                 </p:cTn>
                               </p:par>
                               <p:par>
-                                <p:cTn id="25" presetID="1" presetClass="entr" presetSubtype="0" fill="hold" grpId="0" nodeType="withEffect">
+                                <p:cTn id="15" presetID="1" presetClass="entr" presetSubtype="0" fill="hold" nodeType="withEffect">
                                   <p:stCondLst>
                                     <p:cond delay="0"/>
                                   </p:stCondLst>
                                   <p:childTnLst>
                                     <p:set>
                                       <p:cBhvr>
-                                        <p:cTn id="26" dur="1" fill="hold">
+                                        <p:cTn id="16" dur="1" fill="hold">
+                                          <p:stCondLst>
+                                            <p:cond delay="0"/>
+                                          </p:stCondLst>
+                                        </p:cTn>
+                                        <p:tgtEl>
+                                          <p:spTgt spid="6"/>
+                                        </p:tgtEl>
+                                        <p:attrNameLst>
+                                          <p:attrName>style.visibility</p:attrName>
+                                        </p:attrNameLst>
+                                      </p:cBhvr>
+                                      <p:to>
+                                        <p:strVal val="visible"/>
+                                      </p:to>
+                                    </p:set>
+                                  </p:childTnLst>
+                                </p:cTn>
+                              </p:par>
+                              <p:par>
+                                <p:cTn id="17" presetID="1" presetClass="entr" presetSubtype="0" fill="hold" nodeType="withEffect">
+                                  <p:stCondLst>
+                                    <p:cond delay="0"/>
+                                  </p:stCondLst>
+                                  <p:childTnLst>
+                                    <p:set>
+                                      <p:cBhvr>
+                                        <p:cTn id="18" dur="1" fill="hold">
+                                          <p:stCondLst>
+                                            <p:cond delay="0"/>
+                                          </p:stCondLst>
+                                        </p:cTn>
+                                        <p:tgtEl>
+                                          <p:spTgt spid="8"/>
+                                        </p:tgtEl>
+                                        <p:attrNameLst>
+                                          <p:attrName>style.visibility</p:attrName>
+                                        </p:attrNameLst>
+                                      </p:cBhvr>
+                                      <p:to>
+                                        <p:strVal val="visible"/>
+                                      </p:to>
+                                    </p:set>
+                                  </p:childTnLst>
+                                </p:cTn>
+                              </p:par>
+                            </p:childTnLst>
+                          </p:cTn>
+                        </p:par>
+                      </p:childTnLst>
+                    </p:cTn>
+                  </p:par>
+                  <p:par>
+                    <p:cTn id="19" fill="hold">
+                      <p:stCondLst>
+                        <p:cond delay="indefinite"/>
+                      </p:stCondLst>
+                      <p:childTnLst>
+                        <p:par>
+                          <p:cTn id="20" fill="hold">
+                            <p:stCondLst>
+                              <p:cond delay="0"/>
+                            </p:stCondLst>
+                            <p:childTnLst>
+                              <p:par>
+                                <p:cTn id="21" presetID="1" presetClass="entr" presetSubtype="0" fill="hold" nodeType="clickEffect">
+                                  <p:stCondLst>
+                                    <p:cond delay="0"/>
+                                  </p:stCondLst>
+                                  <p:childTnLst>
+                                    <p:set>
+                                      <p:cBhvr>
+                                        <p:cTn id="22" dur="1" fill="hold">
                                           <p:stCondLst>
                                             <p:cond delay="0"/>
                                           </p:stCondLst>
@@ -26808,7 +26760,52 @@
                                 </p:cTn>
                               </p:par>
                               <p:par>
-                                <p:cTn id="27" presetID="1" presetClass="entr" presetSubtype="0" fill="hold" grpId="0" nodeType="withEffect">
+                                <p:cTn id="23" presetID="1" presetClass="entr" presetSubtype="0" fill="hold" nodeType="withEffect">
+                                  <p:stCondLst>
+                                    <p:cond delay="0"/>
+                                  </p:stCondLst>
+                                  <p:childTnLst>
+                                    <p:set>
+                                      <p:cBhvr>
+                                        <p:cTn id="24" dur="1" fill="hold">
+                                          <p:stCondLst>
+                                            <p:cond delay="0"/>
+                                          </p:stCondLst>
+                                        </p:cTn>
+                                        <p:tgtEl>
+                                          <p:spTgt spid="10"/>
+                                        </p:tgtEl>
+                                        <p:attrNameLst>
+                                          <p:attrName>style.visibility</p:attrName>
+                                        </p:attrNameLst>
+                                      </p:cBhvr>
+                                      <p:to>
+                                        <p:strVal val="visible"/>
+                                      </p:to>
+                                    </p:set>
+                                  </p:childTnLst>
+                                </p:cTn>
+                              </p:par>
+                            </p:childTnLst>
+                          </p:cTn>
+                        </p:par>
+                      </p:childTnLst>
+                    </p:cTn>
+                  </p:par>
+                  <p:par>
+                    <p:cTn id="25" fill="hold">
+                      <p:stCondLst>
+                        <p:cond delay="indefinite"/>
+                      </p:stCondLst>
+                      <p:childTnLst>
+                        <p:par>
+                          <p:cTn id="26" fill="hold">
+                            <p:stCondLst>
+                              <p:cond delay="0"/>
+                            </p:stCondLst>
+                            <p:childTnLst>
+                              <p:par>
+                                <p:cTn id="27" presetID="1" presetClass="entr" presetSubtype="0" fill="hold" nodeType="clickEffect">
                                   <p:stCondLst>
                                     <p:cond delay="0"/>
                                   </p:stCondLst>
@@ -26839,7 +26836,7 @@
                                 </p:cTn>
                               </p:par>
                               <p:par>
-                                <p:cTn id="29" presetID="1" presetClass="entr" presetSubtype="0" fill="hold" grpId="0" nodeType="withEffect">
+                                <p:cTn id="29" presetID="1" presetClass="entr" presetSubtype="0" fill="hold" nodeType="withEffect">
                                   <p:stCondLst>
                                     <p:cond delay="0"/>
                                   </p:stCondLst>
@@ -26852,11 +26849,83 @@
                                           </p:stCondLst>
                                         </p:cTn>
                                         <p:tgtEl>
+                                          <p:spTgt spid="11"/>
+                                        </p:tgtEl>
+                                        <p:attrNameLst>
+                                          <p:attrName>style.visibility</p:attrName>
+                                        </p:attrNameLst>
+                                      </p:cBhvr>
+                                      <p:to>
+                                        <p:strVal val="visible"/>
+                                      </p:to>
+                                    </p:set>
+                                  </p:childTnLst>
+                                </p:cTn>
+                              </p:par>
+                            </p:childTnLst>
+                          </p:cTn>
+                        </p:par>
+                      </p:childTnLst>
+                    </p:cTn>
+                  </p:par>
+                  <p:par>
+                    <p:cTn id="31" fill="hold">
+                      <p:stCondLst>
+                        <p:cond delay="indefinite"/>
+                      </p:stCondLst>
+                      <p:childTnLst>
+                        <p:par>
+                          <p:cTn id="32" fill="hold">
+                            <p:stCondLst>
+                              <p:cond delay="0"/>
+                            </p:stCondLst>
+                            <p:childTnLst>
+                              <p:par>
+                                <p:cTn id="33" presetID="1" presetClass="entr" presetSubtype="0" fill="hold" nodeType="clickEffect">
+                                  <p:stCondLst>
+                                    <p:cond delay="0"/>
+                                  </p:stCondLst>
+                                  <p:childTnLst>
+                                    <p:set>
+                                      <p:cBhvr>
+                                        <p:cTn id="34" dur="1" fill="hold">
+                                          <p:stCondLst>
+                                            <p:cond delay="0"/>
+                                          </p:stCondLst>
+                                        </p:cTn>
+                                        <p:tgtEl>
                                           <p:spTgt spid="9">
                                             <p:txEl>
                                               <p:pRg st="7" end="7"/>
                                             </p:txEl>
                                           </p:spTgt>
+                                        </p:tgtEl>
+                                        <p:attrNameLst>
+                                          <p:attrName>style.visibility</p:attrName>
+                                        </p:attrNameLst>
+                                      </p:cBhvr>
+                                      <p:to>
+                                        <p:strVal val="visible"/>
+                                      </p:to>
+                                    </p:set>
+                                  </p:childTnLst>
+                                </p:cTn>
+                              </p:par>
+                              <p:par>
+                                <p:cTn id="35" presetID="1" presetClass="entr" presetSubtype="0" fill="hold" nodeType="withEffect">
+                                  <p:stCondLst>
+                                    <p:cond delay="0"/>
+                                  </p:stCondLst>
+                                  <p:childTnLst>
+                                    <p:set>
+                                      <p:cBhvr>
+                                        <p:cTn id="36" dur="1" fill="hold">
+                                          <p:stCondLst>
+                                            <p:cond delay="0"/>
+                                          </p:stCondLst>
+                                        </p:cTn>
+                                        <p:tgtEl>
+                                          <p:spTgt spid="12"/>
                                         </p:tgtEl>
                                         <p:attrNameLst>
                                           <p:attrName>style.visibility</p:attrName>
@@ -26896,9 +26965,6 @@
         </p:cTn>
       </p:par>
     </p:tnLst>
-    <p:bldLst>
-      <p:bldP spid="9" grpId="0" build="p"/>
-    </p:bldLst>
   </p:timing>
 </p:sld>
 </file>
@@ -35172,7 +35238,7 @@
           <a:graphicData uri="http://schemas.openxmlformats.org/presentationml/2006/ole">
             <mc:AlternateContent xmlns:mc="http://schemas.openxmlformats.org/markup-compatibility/2006">
               <mc:Choice xmlns:v="urn:schemas-microsoft-com:vml" Requires="v">
-                <p:oleObj spid="_x0000_s9096" name="Visio" r:id="rId6" imgW="5289194" imgH="2914802" progId="Visio.Drawing.11">
+                <p:oleObj spid="_x0000_s9104" name="Visio" r:id="rId6" imgW="5289194" imgH="2914802" progId="Visio.Drawing.11">
                   <p:embed/>
                 </p:oleObj>
               </mc:Choice>

--- a/Random Walk based Proximity Measures in Directed Graphs.pptx
+++ b/Random Walk based Proximity Measures in Directed Graphs.pptx
@@ -7307,7 +7307,7 @@
           <a:graphicData uri="http://schemas.openxmlformats.org/presentationml/2006/ole">
             <mc:AlternateContent xmlns:mc="http://schemas.openxmlformats.org/markup-compatibility/2006">
               <mc:Choice xmlns:v="urn:schemas-microsoft-com:vml" Requires="v">
-                <p:oleObj spid="_x0000_s9195" name="Visio" r:id="rId6" imgW="5289194" imgH="2914802" progId="Visio.Drawing.11">
+                <p:oleObj spid="_x0000_s9199" name="Visio" r:id="rId6" imgW="5289194" imgH="2914802" progId="Visio.Drawing.11">
                   <p:embed/>
                 </p:oleObj>
               </mc:Choice>
@@ -7511,7 +7511,7 @@
           <a:graphicData uri="http://schemas.openxmlformats.org/presentationml/2006/ole">
             <mc:AlternateContent xmlns:mc="http://schemas.openxmlformats.org/markup-compatibility/2006">
               <mc:Choice xmlns:v="urn:schemas-microsoft-com:vml" Requires="v">
-                <p:oleObj spid="_x0000_s28524" name="Visio" r:id="rId9" imgW="5289194" imgH="1988515" progId="Visio.Drawing.11">
+                <p:oleObj spid="_x0000_s28540" name="Visio" r:id="rId9" imgW="5289194" imgH="1988515" progId="Visio.Drawing.11">
                   <p:embed/>
                 </p:oleObj>
               </mc:Choice>
@@ -7613,7 +7613,7 @@
           <a:graphicData uri="http://schemas.openxmlformats.org/presentationml/2006/ole">
             <mc:AlternateContent xmlns:mc="http://schemas.openxmlformats.org/markup-compatibility/2006">
               <mc:Choice xmlns:v="urn:schemas-microsoft-com:vml" Requires="v">
-                <p:oleObj spid="_x0000_s28525" name="Visio" r:id="rId11" imgW="5289194" imgH="2888590" progId="Visio.Drawing.11">
+                <p:oleObj spid="_x0000_s28541" name="Visio" r:id="rId11" imgW="5289194" imgH="2888590" progId="Visio.Drawing.11">
                   <p:embed/>
                 </p:oleObj>
               </mc:Choice>
@@ -7714,7 +7714,7 @@
           <a:graphicData uri="http://schemas.openxmlformats.org/presentationml/2006/ole">
             <mc:AlternateContent xmlns:mc="http://schemas.openxmlformats.org/markup-compatibility/2006">
               <mc:Choice xmlns:v="urn:schemas-microsoft-com:vml" Requires="v">
-                <p:oleObj spid="_x0000_s28526" name="Visio" r:id="rId13" imgW="5186172" imgH="754685" progId="Visio.Drawing.11">
+                <p:oleObj spid="_x0000_s28542" name="Visio" r:id="rId13" imgW="5186172" imgH="754685" progId="Visio.Drawing.11">
                   <p:embed/>
                 </p:oleObj>
               </mc:Choice>
@@ -7815,7 +7815,7 @@
           <a:graphicData uri="http://schemas.openxmlformats.org/presentationml/2006/ole">
             <mc:AlternateContent xmlns:mc="http://schemas.openxmlformats.org/markup-compatibility/2006">
               <mc:Choice xmlns:v="urn:schemas-microsoft-com:vml" Requires="v">
-                <p:oleObj spid="_x0000_s28527" name="Visio" r:id="rId15" imgW="5186172" imgH="1870558" progId="Visio.Drawing.11">
+                <p:oleObj spid="_x0000_s28543" name="Visio" r:id="rId15" imgW="5186172" imgH="1870558" progId="Visio.Drawing.11">
                   <p:embed/>
                 </p:oleObj>
               </mc:Choice>
@@ -9047,7 +9047,7 @@
           <a:graphicData uri="http://schemas.openxmlformats.org/presentationml/2006/ole">
             <mc:AlternateContent xmlns:mc="http://schemas.openxmlformats.org/markup-compatibility/2006">
               <mc:Choice xmlns:v="urn:schemas-microsoft-com:vml" Requires="v">
-                <p:oleObj spid="_x0000_s1856" name="Visio" r:id="rId7" imgW="5038954" imgH="751637" progId="Visio.Drawing.11">
+                <p:oleObj spid="_x0000_s1864" name="Visio" r:id="rId7" imgW="5038954" imgH="751637" progId="Visio.Drawing.11">
                   <p:embed/>
                 </p:oleObj>
               </mc:Choice>
@@ -9202,7 +9202,7 @@
           <a:graphicData uri="http://schemas.openxmlformats.org/presentationml/2006/ole">
             <mc:AlternateContent xmlns:mc="http://schemas.openxmlformats.org/markup-compatibility/2006">
               <mc:Choice xmlns:v="urn:schemas-microsoft-com:vml" Requires="v">
-                <p:oleObj spid="_x0000_s1857" name="Visio" r:id="rId9" imgW="5038954" imgH="1130503" progId="Visio.Drawing.11">
+                <p:oleObj spid="_x0000_s1865" name="Visio" r:id="rId9" imgW="5038954" imgH="1130503" progId="Visio.Drawing.11">
                   <p:embed/>
                 </p:oleObj>
               </mc:Choice>
@@ -38042,7 +38042,15 @@
                 <a:ea typeface="Open Sans" panose="020B0606030504020204" pitchFamily="34" charset="0"/>
                 <a:cs typeface="Open Sans" panose="020B0606030504020204" pitchFamily="34" charset="0"/>
               </a:rPr>
-              <a:t>[ start</a:t>
+              <a:t> [ </a:t>
+            </a:r>
+            <a:r>
+              <a:rPr lang="en-US" altLang="en-US" sz="2000" dirty="0" smtClean="0">
+                <a:latin typeface="Open Sans" panose="020B0606030504020204" pitchFamily="34" charset="0"/>
+                <a:ea typeface="Open Sans" panose="020B0606030504020204" pitchFamily="34" charset="0"/>
+                <a:cs typeface="Open Sans" panose="020B0606030504020204" pitchFamily="34" charset="0"/>
+              </a:rPr>
+              <a:t>start</a:t>
             </a:r>
             <a:r>
               <a:rPr lang="en-US" altLang="zh-CN" sz="2000" dirty="0" smtClean="0">

--- a/Random Walk based Proximity Measures in Directed Graphs.pptx
+++ b/Random Walk based Proximity Measures in Directed Graphs.pptx
@@ -134,7 +134,7 @@
   </p:defaultTextStyle>
   <p:extLst>
     <p:ext uri="{EFAFB233-063F-42B5-8137-9DF3F51BA10A}">
-      <p15:sldGuideLst xmlns:p15="http://schemas.microsoft.com/office/powerpoint/2012/main">
+      <p15:sldGuideLst xmlns:p15="http://schemas.microsoft.com/office/powerpoint/2012/main" xmlns="">
         <p15:guide id="1" orient="horz" pos="2160">
           <p15:clr>
             <a:srgbClr val="A4A3A4"/>
@@ -233,7 +233,7 @@
           <a:p>
             <a:fld id="{68F1ED60-613F-4894-A100-A48BBD071A74}" type="datetimeFigureOut">
               <a:rPr lang="en-US" smtClean="0"/>
-              <a:t>3/22/17</a:t>
+              <a:t>23-Mar-17</a:t>
             </a:fld>
             <a:endParaRPr lang="en-US"/>
           </a:p>
@@ -7307,7 +7307,7 @@
           <a:graphicData uri="http://schemas.openxmlformats.org/presentationml/2006/ole">
             <mc:AlternateContent xmlns:mc="http://schemas.openxmlformats.org/markup-compatibility/2006">
               <mc:Choice xmlns:v="urn:schemas-microsoft-com:vml" Requires="v">
-                <p:oleObj spid="_x0000_s9199" name="Visio" r:id="rId6" imgW="5289194" imgH="2914802" progId="Visio.Drawing.11">
+                <p:oleObj spid="_x0000_s28673" name="Visio" r:id="rId6" imgW="5289194" imgH="2914802" progId="Visio.Drawing.11">
                   <p:embed/>
                 </p:oleObj>
               </mc:Choice>
@@ -7511,7 +7511,7 @@
           <a:graphicData uri="http://schemas.openxmlformats.org/presentationml/2006/ole">
             <mc:AlternateContent xmlns:mc="http://schemas.openxmlformats.org/markup-compatibility/2006">
               <mc:Choice xmlns:v="urn:schemas-microsoft-com:vml" Requires="v">
-                <p:oleObj spid="_x0000_s28540" name="Visio" r:id="rId9" imgW="5289194" imgH="1988515" progId="Visio.Drawing.11">
+                <p:oleObj spid="_x0000_s28612" name="Visio" r:id="rId9" imgW="5289194" imgH="1988515" progId="Visio.Drawing.11">
                   <p:embed/>
                 </p:oleObj>
               </mc:Choice>
@@ -7613,7 +7613,7 @@
           <a:graphicData uri="http://schemas.openxmlformats.org/presentationml/2006/ole">
             <mc:AlternateContent xmlns:mc="http://schemas.openxmlformats.org/markup-compatibility/2006">
               <mc:Choice xmlns:v="urn:schemas-microsoft-com:vml" Requires="v">
-                <p:oleObj spid="_x0000_s28541" name="Visio" r:id="rId11" imgW="5289194" imgH="2888590" progId="Visio.Drawing.11">
+                <p:oleObj spid="_x0000_s28613" name="Visio" r:id="rId11" imgW="5289194" imgH="2888590" progId="Visio.Drawing.11">
                   <p:embed/>
                 </p:oleObj>
               </mc:Choice>
@@ -7714,7 +7714,7 @@
           <a:graphicData uri="http://schemas.openxmlformats.org/presentationml/2006/ole">
             <mc:AlternateContent xmlns:mc="http://schemas.openxmlformats.org/markup-compatibility/2006">
               <mc:Choice xmlns:v="urn:schemas-microsoft-com:vml" Requires="v">
-                <p:oleObj spid="_x0000_s28542" name="Visio" r:id="rId13" imgW="5186172" imgH="754685" progId="Visio.Drawing.11">
+                <p:oleObj spid="_x0000_s28614" name="Visio" r:id="rId13" imgW="5186172" imgH="754685" progId="Visio.Drawing.11">
                   <p:embed/>
                 </p:oleObj>
               </mc:Choice>
@@ -7815,7 +7815,7 @@
           <a:graphicData uri="http://schemas.openxmlformats.org/presentationml/2006/ole">
             <mc:AlternateContent xmlns:mc="http://schemas.openxmlformats.org/markup-compatibility/2006">
               <mc:Choice xmlns:v="urn:schemas-microsoft-com:vml" Requires="v">
-                <p:oleObj spid="_x0000_s28543" name="Visio" r:id="rId15" imgW="5186172" imgH="1870558" progId="Visio.Drawing.11">
+                <p:oleObj spid="_x0000_s28615" name="Visio" r:id="rId15" imgW="5186172" imgH="1870558" progId="Visio.Drawing.11">
                   <p:embed/>
                 </p:oleObj>
               </mc:Choice>
@@ -9047,7 +9047,7 @@
           <a:graphicData uri="http://schemas.openxmlformats.org/presentationml/2006/ole">
             <mc:AlternateContent xmlns:mc="http://schemas.openxmlformats.org/markup-compatibility/2006">
               <mc:Choice xmlns:v="urn:schemas-microsoft-com:vml" Requires="v">
-                <p:oleObj spid="_x0000_s1864" name="Visio" r:id="rId7" imgW="5038954" imgH="751637" progId="Visio.Drawing.11">
+                <p:oleObj spid="_x0000_s1900" name="Visio" r:id="rId7" imgW="5038954" imgH="751637" progId="Visio.Drawing.11">
                   <p:embed/>
                 </p:oleObj>
               </mc:Choice>
@@ -9202,7 +9202,7 @@
           <a:graphicData uri="http://schemas.openxmlformats.org/presentationml/2006/ole">
             <mc:AlternateContent xmlns:mc="http://schemas.openxmlformats.org/markup-compatibility/2006">
               <mc:Choice xmlns:v="urn:schemas-microsoft-com:vml" Requires="v">
-                <p:oleObj spid="_x0000_s1865" name="Visio" r:id="rId9" imgW="5038954" imgH="1130503" progId="Visio.Drawing.11">
+                <p:oleObj spid="_x0000_s1901" name="Visio" r:id="rId9" imgW="5038954" imgH="1130503" progId="Visio.Drawing.11">
                   <p:embed/>
                 </p:oleObj>
               </mc:Choice>
@@ -23008,8 +23008,21 @@
                 <a:ea typeface="Open Sans" charset="0"/>
                 <a:cs typeface="Open Sans" charset="0"/>
               </a:rPr>
-              <a:t>what is the direction of the link?</a:t>
-            </a:r>
+              <a:t>what is the direction of </a:t>
+            </a:r>
+            <a:r>
+              <a:rPr lang="en-US" altLang="en-US" sz="2400" dirty="0" smtClean="0">
+                <a:latin typeface="Open Sans" charset="0"/>
+                <a:ea typeface="Open Sans" charset="0"/>
+                <a:cs typeface="Open Sans" charset="0"/>
+              </a:rPr>
+              <a:t>it?</a:t>
+            </a:r>
+            <a:endParaRPr lang="en-US" altLang="en-US" sz="2400" dirty="0">
+              <a:latin typeface="Open Sans" charset="0"/>
+              <a:ea typeface="Open Sans" charset="0"/>
+              <a:cs typeface="Open Sans" charset="0"/>
+            </a:endParaRPr>
           </a:p>
           <a:p>
             <a:r>
@@ -30889,50 +30902,34 @@
                 <a:ea typeface="Open Sans" charset="0"/>
                 <a:cs typeface="Open Sans" charset="0"/>
               </a:rPr>
-              <a:t> P=[</a:t>
-            </a:r>
-            <a:r>
-              <a:rPr lang="en-US" altLang="en-US" sz="2200" dirty="0" err="1" smtClean="0">
+              <a:t> </a:t>
+            </a:r>
+          </a:p>
+          <a:p>
+            <a:pPr lvl="1"/>
+            <a:r>
+              <a:rPr lang="en-US" altLang="en-US" sz="2000" dirty="0">
                 <a:latin typeface="Open Sans" charset="0"/>
                 <a:ea typeface="Open Sans" charset="0"/>
                 <a:cs typeface="Open Sans" charset="0"/>
               </a:rPr>
-              <a:t>pij</a:t>
-            </a:r>
-            <a:r>
-              <a:rPr lang="en-US" altLang="en-US" sz="2200" dirty="0" smtClean="0">
+              <a:t> </a:t>
+            </a:r>
+            <a:r>
+              <a:rPr lang="en-US" altLang="en-US" sz="2000" dirty="0" smtClean="0">
                 <a:latin typeface="Open Sans" charset="0"/>
                 <a:ea typeface="Open Sans" charset="0"/>
                 <a:cs typeface="Open Sans" charset="0"/>
               </a:rPr>
-              <a:t>]</a:t>
-            </a:r>
-          </a:p>
-          <a:p>
-            <a:pPr lvl="1"/>
+              <a:t>              </a:t>
+            </a:r>
             <a:r>
               <a:rPr lang="en-US" altLang="en-US" sz="2000" dirty="0" err="1" smtClean="0">
                 <a:latin typeface="Open Sans" charset="0"/>
                 <a:ea typeface="Open Sans" charset="0"/>
                 <a:cs typeface="Open Sans" charset="0"/>
               </a:rPr>
-              <a:t>Pij</a:t>
-            </a:r>
-            <a:r>
-              <a:rPr lang="en-US" altLang="en-US" sz="2000" dirty="0" smtClean="0">
-                <a:latin typeface="Open Sans" charset="0"/>
-                <a:ea typeface="Open Sans" charset="0"/>
-                <a:cs typeface="Open Sans" charset="0"/>
-              </a:rPr>
-              <a:t> = </a:t>
-            </a:r>
-            <a:r>
-              <a:rPr lang="en-US" altLang="en-US" sz="2000" dirty="0" err="1" smtClean="0">
-                <a:latin typeface="Open Sans" charset="0"/>
-                <a:ea typeface="Open Sans" charset="0"/>
-                <a:cs typeface="Open Sans" charset="0"/>
-              </a:rPr>
-              <a:t>Prob</a:t>
+              <a:t>Pr</a:t>
             </a:r>
             <a:r>
               <a:rPr lang="en-US" altLang="en-US" sz="2000" dirty="0" smtClean="0">
@@ -30943,7 +30940,7 @@
               <a:t>[ </a:t>
             </a:r>
             <a:r>
-              <a:rPr lang="en-US" altLang="en-US" sz="2000" dirty="0" err="1" smtClean="0">
+              <a:rPr lang="en-US" altLang="en-US" sz="2000" i="1" dirty="0" err="1" smtClean="0">
                 <a:latin typeface="Open Sans" charset="0"/>
                 <a:ea typeface="Open Sans" charset="0"/>
                 <a:cs typeface="Open Sans" charset="0"/>
@@ -30956,18 +30953,74 @@
                 <a:ea typeface="Open Sans" charset="0"/>
                 <a:cs typeface="Open Sans" charset="0"/>
               </a:rPr>
-              <a:t> moves to j ]</a:t>
-            </a:r>
-          </a:p>
-          <a:p>
-            <a:pPr lvl="1"/>
+              <a:t> </a:t>
+            </a:r>
             <a:r>
               <a:rPr lang="en-US" altLang="en-US" sz="2000" dirty="0" smtClean="0">
                 <a:latin typeface="Open Sans" charset="0"/>
                 <a:ea typeface="Open Sans" charset="0"/>
                 <a:cs typeface="Open Sans" charset="0"/>
               </a:rPr>
-              <a:t>Pt</a:t>
+              <a:t> moves </a:t>
+            </a:r>
+            <a:r>
+              <a:rPr lang="en-US" altLang="en-US" sz="2000" dirty="0" smtClean="0">
+                <a:latin typeface="Open Sans" charset="0"/>
+                <a:ea typeface="Open Sans" charset="0"/>
+                <a:cs typeface="Open Sans" charset="0"/>
+              </a:rPr>
+              <a:t>to </a:t>
+            </a:r>
+            <a:r>
+              <a:rPr lang="en-US" altLang="en-US" sz="2000" dirty="0" smtClean="0">
+                <a:latin typeface="Open Sans" charset="0"/>
+                <a:ea typeface="Open Sans" charset="0"/>
+                <a:cs typeface="Open Sans" charset="0"/>
+              </a:rPr>
+              <a:t> </a:t>
+            </a:r>
+            <a:r>
+              <a:rPr lang="en-US" altLang="en-US" sz="2000" i="1" dirty="0" smtClean="0">
+                <a:latin typeface="Open Sans" charset="0"/>
+                <a:ea typeface="Open Sans" charset="0"/>
+                <a:cs typeface="Open Sans" charset="0"/>
+              </a:rPr>
+              <a:t>j</a:t>
+            </a:r>
+            <a:r>
+              <a:rPr lang="en-US" altLang="en-US" sz="2000" dirty="0" smtClean="0">
+                <a:latin typeface="Open Sans" charset="0"/>
+                <a:ea typeface="Open Sans" charset="0"/>
+                <a:cs typeface="Open Sans" charset="0"/>
+              </a:rPr>
+              <a:t> </a:t>
+            </a:r>
+            <a:r>
+              <a:rPr lang="en-US" altLang="en-US" sz="2000" dirty="0" smtClean="0">
+                <a:latin typeface="Open Sans" charset="0"/>
+                <a:ea typeface="Open Sans" charset="0"/>
+                <a:cs typeface="Open Sans" charset="0"/>
+              </a:rPr>
+              <a:t>]</a:t>
+            </a:r>
+          </a:p>
+          <a:p>
+            <a:pPr lvl="1"/>
+            <a:r>
+              <a:rPr lang="en-US" altLang="en-US" sz="2000" dirty="0">
+                <a:latin typeface="Open Sans" charset="0"/>
+                <a:ea typeface="Open Sans" charset="0"/>
+                <a:cs typeface="Open Sans" charset="0"/>
+              </a:rPr>
+              <a:t> </a:t>
+            </a:r>
+            <a:r>
+              <a:rPr lang="en-US" altLang="en-US" sz="2000" dirty="0" smtClean="0">
+                <a:latin typeface="Open Sans" charset="0"/>
+                <a:ea typeface="Open Sans" charset="0"/>
+                <a:cs typeface="Open Sans" charset="0"/>
+              </a:rPr>
+              <a:t>        </a:t>
             </a:r>
             <a:r>
               <a:rPr lang="is-IS" altLang="en-US" sz="2000" dirty="0" smtClean="0">
@@ -30975,7 +31028,7 @@
                 <a:ea typeface="Open Sans" charset="0"/>
                 <a:cs typeface="Open Sans" charset="0"/>
               </a:rPr>
-              <a:t> probability </a:t>
+              <a:t>probability </a:t>
             </a:r>
             <a:r>
               <a:rPr lang="en-US" altLang="en-US" sz="2000" dirty="0" smtClean="0">
@@ -30995,24 +31048,16 @@
             </a:r>
           </a:p>
           <a:p>
-            <a:pPr lvl="2"/>
-            <a:r>
-              <a:rPr lang="en-US" altLang="en-US" sz="1600" dirty="0" smtClean="0">
+            <a:pPr lvl="1"/>
+            <a:r>
+              <a:rPr lang="en-US" altLang="en-US" sz="2800" dirty="0">
                 <a:latin typeface="Open Sans" charset="0"/>
                 <a:ea typeface="Open Sans" charset="0"/>
                 <a:cs typeface="Open Sans" charset="0"/>
               </a:rPr>
-              <a:t>Pt+1 = P^T </a:t>
-            </a:r>
-            <a:r>
-              <a:rPr lang="en-US" altLang="en-US" sz="1600" dirty="0" err="1" smtClean="0">
-                <a:latin typeface="Open Sans" charset="0"/>
-                <a:ea typeface="Open Sans" charset="0"/>
-                <a:cs typeface="Open Sans" charset="0"/>
-              </a:rPr>
-              <a:t>pt</a:t>
-            </a:r>
-            <a:endParaRPr lang="en-US" altLang="en-US" sz="2400" dirty="0">
+              <a:t> </a:t>
+            </a:r>
+            <a:endParaRPr lang="en-US" altLang="en-US" sz="2800" dirty="0">
               <a:latin typeface="Open Sans" charset="0"/>
               <a:ea typeface="Open Sans" charset="0"/>
               <a:cs typeface="Open Sans" charset="0"/>
@@ -31062,7 +31107,7 @@
         </p:grpSpPr>
         <p:sp>
           <p:nvSpPr>
-            <p:cNvPr id="8204" name="Oval 6"/>
+            <p:cNvPr id="8204" name="Oval 6 1"/>
             <p:cNvSpPr>
               <a:spLocks noChangeArrowheads="1"/>
             </p:cNvSpPr>
@@ -31364,7 +31409,7 @@
         </p:sp>
         <p:sp>
           <p:nvSpPr>
-            <p:cNvPr id="8206" name="Oval 8"/>
+            <p:cNvPr id="8206" name="Oval 8 1"/>
             <p:cNvSpPr>
               <a:spLocks noChangeArrowheads="1"/>
             </p:cNvSpPr>
@@ -32001,7 +32046,7 @@
         </p:grpSpPr>
         <p:sp>
           <p:nvSpPr>
-            <p:cNvPr id="8198" name="Oval 32"/>
+            <p:cNvPr id="8198" name="Oval 32 1"/>
             <p:cNvSpPr>
               <a:spLocks noChangeArrowheads="1"/>
             </p:cNvSpPr>
@@ -32154,7 +32199,7 @@
         </p:sp>
         <p:sp>
           <p:nvSpPr>
-            <p:cNvPr id="8199" name="Line 33"/>
+            <p:cNvPr id="8199" name="Line 33 1"/>
             <p:cNvSpPr>
               <a:spLocks noChangeShapeType="1"/>
             </p:cNvSpPr>
@@ -32207,7 +32252,7 @@
         </p:sp>
         <p:sp>
           <p:nvSpPr>
-            <p:cNvPr id="8200" name="Line 34"/>
+            <p:cNvPr id="8200" name="Line 34 1"/>
             <p:cNvSpPr>
               <a:spLocks noChangeShapeType="1"/>
             </p:cNvSpPr>
@@ -32260,7 +32305,7 @@
         </p:sp>
         <p:sp>
           <p:nvSpPr>
-            <p:cNvPr id="8201" name="Line 35"/>
+            <p:cNvPr id="8201" name="Line 35 1"/>
             <p:cNvSpPr>
               <a:spLocks noChangeShapeType="1"/>
             </p:cNvSpPr>
@@ -32313,7 +32358,7 @@
         </p:sp>
         <p:sp>
           <p:nvSpPr>
-            <p:cNvPr id="8202" name="Line 36"/>
+            <p:cNvPr id="8202" name="Line 36 1"/>
             <p:cNvSpPr>
               <a:spLocks noChangeShapeType="1"/>
             </p:cNvSpPr>
@@ -32367,7 +32412,7 @@
       </p:grpSp>
       <p:sp>
         <p:nvSpPr>
-          <p:cNvPr id="37" name="Oval 6"/>
+          <p:cNvPr id="37" name="Oval 6 2"/>
           <p:cNvSpPr>
             <a:spLocks noChangeArrowheads="1"/>
           </p:cNvSpPr>
@@ -32701,7 +32746,7 @@
         </p:grpSpPr>
         <p:sp>
           <p:nvSpPr>
-            <p:cNvPr id="41" name="Oval 32"/>
+            <p:cNvPr id="41" name="Oval 32 2"/>
             <p:cNvSpPr>
               <a:spLocks noChangeArrowheads="1"/>
             </p:cNvSpPr>
@@ -32854,7 +32899,7 @@
         </p:sp>
         <p:sp>
           <p:nvSpPr>
-            <p:cNvPr id="42" name="Line 33"/>
+            <p:cNvPr id="42" name="Line 33 2"/>
             <p:cNvSpPr>
               <a:spLocks noChangeShapeType="1"/>
             </p:cNvSpPr>
@@ -32907,7 +32952,7 @@
         </p:sp>
         <p:sp>
           <p:nvSpPr>
-            <p:cNvPr id="43" name="Line 34"/>
+            <p:cNvPr id="43" name="Line 34 2"/>
             <p:cNvSpPr>
               <a:spLocks noChangeShapeType="1"/>
             </p:cNvSpPr>
@@ -32960,7 +33005,7 @@
         </p:sp>
         <p:sp>
           <p:nvSpPr>
-            <p:cNvPr id="44" name="Line 35"/>
+            <p:cNvPr id="44" name="Line 35 2"/>
             <p:cNvSpPr>
               <a:spLocks noChangeShapeType="1"/>
             </p:cNvSpPr>
@@ -33013,7 +33058,7 @@
         </p:sp>
         <p:sp>
           <p:nvSpPr>
-            <p:cNvPr id="45" name="Line 36"/>
+            <p:cNvPr id="45" name="Line 36 2"/>
             <p:cNvSpPr>
               <a:spLocks noChangeShapeType="1"/>
             </p:cNvSpPr>
@@ -33067,7 +33112,7 @@
       </p:grpSp>
       <p:sp>
         <p:nvSpPr>
-          <p:cNvPr id="46" name="Oval 8"/>
+          <p:cNvPr id="46" name="Oval 8 2"/>
           <p:cNvSpPr>
             <a:spLocks noChangeArrowheads="1"/>
           </p:cNvSpPr>
@@ -33234,7 +33279,7 @@
         </p:grpSpPr>
         <p:sp>
           <p:nvSpPr>
-            <p:cNvPr id="48" name="Oval 32"/>
+            <p:cNvPr id="48" name="Oval 32 3"/>
             <p:cNvSpPr>
               <a:spLocks noChangeArrowheads="1"/>
             </p:cNvSpPr>
@@ -33387,7 +33432,7 @@
         </p:sp>
         <p:sp>
           <p:nvSpPr>
-            <p:cNvPr id="49" name="Line 33"/>
+            <p:cNvPr id="49" name="Line 33 3"/>
             <p:cNvSpPr>
               <a:spLocks noChangeShapeType="1"/>
             </p:cNvSpPr>
@@ -33440,7 +33485,7 @@
         </p:sp>
         <p:sp>
           <p:nvSpPr>
-            <p:cNvPr id="50" name="Line 34"/>
+            <p:cNvPr id="50" name="Line 34 3"/>
             <p:cNvSpPr>
               <a:spLocks noChangeShapeType="1"/>
             </p:cNvSpPr>
@@ -33493,7 +33538,7 @@
         </p:sp>
         <p:sp>
           <p:nvSpPr>
-            <p:cNvPr id="51" name="Line 35"/>
+            <p:cNvPr id="51" name="Line 35 3"/>
             <p:cNvSpPr>
               <a:spLocks noChangeShapeType="1"/>
             </p:cNvSpPr>
@@ -33546,7 +33591,7 @@
         </p:sp>
         <p:sp>
           <p:nvSpPr>
-            <p:cNvPr id="52" name="Line 36"/>
+            <p:cNvPr id="52" name="Line 36 3"/>
             <p:cNvSpPr>
               <a:spLocks noChangeShapeType="1"/>
             </p:cNvSpPr>
@@ -33888,18 +33933,7 @@
                 <a:ea typeface="Open Sans" panose="020B0606030504020204" pitchFamily="34" charset="0"/>
                 <a:cs typeface="Open Sans" panose="020B0606030504020204" pitchFamily="34" charset="0"/>
               </a:rPr>
-              <a:t>A</a:t>
-            </a:r>
-            <a:r>
-              <a:rPr lang="en-US" altLang="zh-CN" sz="1200" b="1" dirty="0" smtClean="0">
-                <a:solidFill>
-                  <a:srgbClr val="3333CC"/>
-                </a:solidFill>
-                <a:latin typeface="Open Sans" panose="020B0606030504020204" pitchFamily="34" charset="0"/>
-                <a:ea typeface="Open Sans" panose="020B0606030504020204" pitchFamily="34" charset="0"/>
-                <a:cs typeface="Open Sans" panose="020B0606030504020204" pitchFamily="34" charset="0"/>
-              </a:rPr>
-              <a:t>. Blum, J. Hopcroft, &amp; R. Kannan. Foundations of Data Science. </a:t>
+              <a:t>A. Blum, J. Hopcroft, &amp; R. Kannan. Foundations of Data Science. </a:t>
             </a:r>
             <a:r>
               <a:rPr lang="en-US" altLang="zh-CN" sz="1200" b="1" i="1" dirty="0" smtClean="0">
@@ -33923,6 +33957,176 @@
           </a:p>
         </p:txBody>
       </p:sp>
+      <p:pic>
+        <p:nvPicPr>
+          <p:cNvPr id="4" name="Picture 3"/>
+          <p:cNvPicPr>
+            <a:picLocks noChangeAspect="1"/>
+          </p:cNvPicPr>
+          <p:nvPr>
+            <p:custDataLst>
+              <p:tags r:id="rId1"/>
+            </p:custDataLst>
+          </p:nvPr>
+        </p:nvPicPr>
+        <p:blipFill>
+          <a:blip r:embed="rId7" cstate="print">
+            <a:extLst>
+              <a:ext uri="{28A0092B-C50C-407E-A947-70E740481C1C}">
+                <a14:useLocalDpi xmlns:a14="http://schemas.microsoft.com/office/drawing/2010/main" val="0"/>
+              </a:ext>
+            </a:extLst>
+          </a:blip>
+          <a:stretch>
+            <a:fillRect/>
+          </a:stretch>
+        </p:blipFill>
+        <p:spPr>
+          <a:xfrm>
+            <a:off x="3355219" y="4343400"/>
+            <a:ext cx="1064381" cy="289981"/>
+          </a:xfrm>
+          <a:prstGeom prst="rect">
+            <a:avLst/>
+          </a:prstGeom>
+        </p:spPr>
+      </p:pic>
+      <p:pic>
+        <p:nvPicPr>
+          <p:cNvPr id="7" name="Picture 6"/>
+          <p:cNvPicPr>
+            <a:picLocks noChangeAspect="1"/>
+          </p:cNvPicPr>
+          <p:nvPr>
+            <p:custDataLst>
+              <p:tags r:id="rId2"/>
+            </p:custDataLst>
+          </p:nvPr>
+        </p:nvPicPr>
+        <p:blipFill>
+          <a:blip r:embed="rId8" cstate="print">
+            <a:extLst>
+              <a:ext uri="{28A0092B-C50C-407E-A947-70E740481C1C}">
+                <a14:useLocalDpi xmlns:a14="http://schemas.microsoft.com/office/drawing/2010/main" val="0"/>
+              </a:ext>
+            </a:extLst>
+          </a:blip>
+          <a:stretch>
+            <a:fillRect/>
+          </a:stretch>
+        </p:blipFill>
+        <p:spPr>
+          <a:xfrm>
+            <a:off x="5715000" y="4122648"/>
+            <a:ext cx="2325333" cy="1820952"/>
+          </a:xfrm>
+          <a:prstGeom prst="rect">
+            <a:avLst/>
+          </a:prstGeom>
+        </p:spPr>
+      </p:pic>
+      <p:pic>
+        <p:nvPicPr>
+          <p:cNvPr id="8" name="Picture 7"/>
+          <p:cNvPicPr>
+            <a:picLocks noChangeAspect="1"/>
+          </p:cNvPicPr>
+          <p:nvPr>
+            <p:custDataLst>
+              <p:tags r:id="rId3"/>
+            </p:custDataLst>
+          </p:nvPr>
+        </p:nvPicPr>
+        <p:blipFill>
+          <a:blip r:embed="rId9" cstate="print">
+            <a:extLst>
+              <a:ext uri="{28A0092B-C50C-407E-A947-70E740481C1C}">
+                <a14:useLocalDpi xmlns:a14="http://schemas.microsoft.com/office/drawing/2010/main" val="0"/>
+              </a:ext>
+            </a:extLst>
+          </a:blip>
+          <a:stretch>
+            <a:fillRect/>
+          </a:stretch>
+        </p:blipFill>
+        <p:spPr>
+          <a:xfrm>
+            <a:off x="1228457" y="4672619"/>
+            <a:ext cx="905143" cy="280381"/>
+          </a:xfrm>
+          <a:prstGeom prst="rect">
+            <a:avLst/>
+          </a:prstGeom>
+        </p:spPr>
+      </p:pic>
+      <p:pic>
+        <p:nvPicPr>
+          <p:cNvPr id="10" name="Picture 9"/>
+          <p:cNvPicPr>
+            <a:picLocks noChangeAspect="1"/>
+          </p:cNvPicPr>
+          <p:nvPr>
+            <p:custDataLst>
+              <p:tags r:id="rId4"/>
+            </p:custDataLst>
+          </p:nvPr>
+        </p:nvPicPr>
+        <p:blipFill>
+          <a:blip r:embed="rId10" cstate="print">
+            <a:extLst>
+              <a:ext uri="{28A0092B-C50C-407E-A947-70E740481C1C}">
+                <a14:useLocalDpi xmlns:a14="http://schemas.microsoft.com/office/drawing/2010/main" val="0"/>
+              </a:ext>
+            </a:extLst>
+          </a:blip>
+          <a:stretch>
+            <a:fillRect/>
+          </a:stretch>
+        </p:blipFill>
+        <p:spPr>
+          <a:xfrm>
+            <a:off x="1219200" y="5067333"/>
+            <a:ext cx="498286" cy="266667"/>
+          </a:xfrm>
+          <a:prstGeom prst="rect">
+            <a:avLst/>
+          </a:prstGeom>
+        </p:spPr>
+      </p:pic>
+      <p:pic>
+        <p:nvPicPr>
+          <p:cNvPr id="12" name="Picture 11"/>
+          <p:cNvPicPr>
+            <a:picLocks noChangeAspect="1"/>
+          </p:cNvPicPr>
+          <p:nvPr>
+            <p:custDataLst>
+              <p:tags r:id="rId5"/>
+            </p:custDataLst>
+          </p:nvPr>
+        </p:nvPicPr>
+        <p:blipFill>
+          <a:blip r:embed="rId11" cstate="print">
+            <a:extLst>
+              <a:ext uri="{28A0092B-C50C-407E-A947-70E740481C1C}">
+                <a14:useLocalDpi xmlns:a14="http://schemas.microsoft.com/office/drawing/2010/main" val="0"/>
+              </a:ext>
+            </a:extLst>
+          </a:blip>
+          <a:stretch>
+            <a:fillRect/>
+          </a:stretch>
+        </p:blipFill>
+        <p:spPr>
+          <a:xfrm>
+            <a:off x="1219200" y="5562600"/>
+            <a:ext cx="1295238" cy="233143"/>
+          </a:xfrm>
+          <a:prstGeom prst="rect">
+            <a:avLst/>
+          </a:prstGeom>
+        </p:spPr>
+      </p:pic>
     </p:spTree>
     <p:extLst>
       <p:ext uri="{BB962C8B-B14F-4D97-AF65-F5344CB8AC3E}">
@@ -34450,6 +34654,141 @@
                                   </p:childTnLst>
                                 </p:cTn>
                               </p:par>
+                              <p:par>
+                                <p:cTn id="41" presetID="1" presetClass="entr" presetSubtype="0" fill="hold" nodeType="withEffect">
+                                  <p:stCondLst>
+                                    <p:cond delay="0"/>
+                                  </p:stCondLst>
+                                  <p:childTnLst>
+                                    <p:set>
+                                      <p:cBhvr>
+                                        <p:cTn id="42" dur="1" fill="hold">
+                                          <p:stCondLst>
+                                            <p:cond delay="0"/>
+                                          </p:stCondLst>
+                                        </p:cTn>
+                                        <p:tgtEl>
+                                          <p:spTgt spid="4"/>
+                                        </p:tgtEl>
+                                        <p:attrNameLst>
+                                          <p:attrName>style.visibility</p:attrName>
+                                        </p:attrNameLst>
+                                      </p:cBhvr>
+                                      <p:to>
+                                        <p:strVal val="visible"/>
+                                      </p:to>
+                                    </p:set>
+                                  </p:childTnLst>
+                                </p:cTn>
+                              </p:par>
+                              <p:par>
+                                <p:cTn id="43" presetID="1" presetClass="entr" presetSubtype="0" fill="hold" nodeType="withEffect">
+                                  <p:stCondLst>
+                                    <p:cond delay="0"/>
+                                  </p:stCondLst>
+                                  <p:childTnLst>
+                                    <p:set>
+                                      <p:cBhvr>
+                                        <p:cTn id="44" dur="1" fill="hold">
+                                          <p:stCondLst>
+                                            <p:cond delay="0"/>
+                                          </p:stCondLst>
+                                        </p:cTn>
+                                        <p:tgtEl>
+                                          <p:spTgt spid="8"/>
+                                        </p:tgtEl>
+                                        <p:attrNameLst>
+                                          <p:attrName>style.visibility</p:attrName>
+                                        </p:attrNameLst>
+                                      </p:cBhvr>
+                                      <p:to>
+                                        <p:strVal val="visible"/>
+                                      </p:to>
+                                    </p:set>
+                                  </p:childTnLst>
+                                </p:cTn>
+                              </p:par>
+                              <p:par>
+                                <p:cTn id="45" presetID="1" presetClass="entr" presetSubtype="0" fill="hold" nodeType="withEffect">
+                                  <p:stCondLst>
+                                    <p:cond delay="0"/>
+                                  </p:stCondLst>
+                                  <p:childTnLst>
+                                    <p:set>
+                                      <p:cBhvr>
+                                        <p:cTn id="46" dur="1" fill="hold">
+                                          <p:stCondLst>
+                                            <p:cond delay="0"/>
+                                          </p:stCondLst>
+                                        </p:cTn>
+                                        <p:tgtEl>
+                                          <p:spTgt spid="10"/>
+                                        </p:tgtEl>
+                                        <p:attrNameLst>
+                                          <p:attrName>style.visibility</p:attrName>
+                                        </p:attrNameLst>
+                                      </p:cBhvr>
+                                      <p:to>
+                                        <p:strVal val="visible"/>
+                                      </p:to>
+                                    </p:set>
+                                  </p:childTnLst>
+                                </p:cTn>
+                              </p:par>
+                              <p:par>
+                                <p:cTn id="47" presetID="1" presetClass="entr" presetSubtype="0" fill="hold" nodeType="withEffect">
+                                  <p:stCondLst>
+                                    <p:cond delay="0"/>
+                                  </p:stCondLst>
+                                  <p:childTnLst>
+                                    <p:set>
+                                      <p:cBhvr>
+                                        <p:cTn id="48" dur="1" fill="hold">
+                                          <p:stCondLst>
+                                            <p:cond delay="0"/>
+                                          </p:stCondLst>
+                                        </p:cTn>
+                                        <p:tgtEl>
+                                          <p:spTgt spid="12"/>
+                                        </p:tgtEl>
+                                        <p:attrNameLst>
+                                          <p:attrName>style.visibility</p:attrName>
+                                        </p:attrNameLst>
+                                      </p:cBhvr>
+                                      <p:to>
+                                        <p:strVal val="visible"/>
+                                      </p:to>
+                                    </p:set>
+                                  </p:childTnLst>
+                                </p:cTn>
+                              </p:par>
+                              <p:par>
+                                <p:cTn id="49" presetID="1" presetClass="entr" presetSubtype="0" fill="hold" nodeType="withEffect">
+                                  <p:stCondLst>
+                                    <p:cond delay="0"/>
+                                  </p:stCondLst>
+                                  <p:childTnLst>
+                                    <p:set>
+                                      <p:cBhvr>
+                                        <p:cTn id="50" dur="1" fill="hold">
+                                          <p:stCondLst>
+                                            <p:cond delay="0"/>
+                                          </p:stCondLst>
+                                        </p:cTn>
+                                        <p:tgtEl>
+                                          <p:spTgt spid="7"/>
+                                        </p:tgtEl>
+                                        <p:attrNameLst>
+                                          <p:attrName>style.visibility</p:attrName>
+                                        </p:attrNameLst>
+                                      </p:cBhvr>
+                                      <p:to>
+                                        <p:strVal val="visible"/>
+                                      </p:to>
+                                    </p:set>
+                                  </p:childTnLst>
+                                </p:cTn>
+                              </p:par>
                             </p:childTnLst>
                           </p:cTn>
                         </p:par>
@@ -38042,15 +38381,7 @@
                 <a:ea typeface="Open Sans" panose="020B0606030504020204" pitchFamily="34" charset="0"/>
                 <a:cs typeface="Open Sans" panose="020B0606030504020204" pitchFamily="34" charset="0"/>
               </a:rPr>
-              <a:t> [ </a:t>
-            </a:r>
-            <a:r>
-              <a:rPr lang="en-US" altLang="en-US" sz="2000" dirty="0" smtClean="0">
-                <a:latin typeface="Open Sans" panose="020B0606030504020204" pitchFamily="34" charset="0"/>
-                <a:ea typeface="Open Sans" panose="020B0606030504020204" pitchFamily="34" charset="0"/>
-                <a:cs typeface="Open Sans" panose="020B0606030504020204" pitchFamily="34" charset="0"/>
-              </a:rPr>
-              <a:t>start</a:t>
+              <a:t> [ start</a:t>
             </a:r>
             <a:r>
               <a:rPr lang="en-US" altLang="zh-CN" sz="2000" dirty="0" smtClean="0">
@@ -39088,7 +39419,7 @@
       </p:pic>
       <p:pic>
         <p:nvPicPr>
-          <p:cNvPr id="6" name="Picture 5"/>
+          <p:cNvPr id="5" name="Picture 4"/>
           <p:cNvPicPr>
             <a:picLocks noChangeAspect="1"/>
           </p:cNvPicPr>
@@ -39112,8 +39443,8 @@
         </p:blipFill>
         <p:spPr>
           <a:xfrm>
-            <a:off x="2102183" y="5562600"/>
-            <a:ext cx="4722283" cy="455619"/>
+            <a:off x="2286000" y="5562600"/>
+            <a:ext cx="4539428" cy="455619"/>
           </a:xfrm>
           <a:prstGeom prst="rect">
             <a:avLst/>
@@ -39253,6 +39584,88 @@
 <file path=ppt/tags/tag10.xml><?xml version="1.0" encoding="utf-8"?>
 <p:tagLst xmlns:a="http://schemas.openxmlformats.org/drawingml/2006/main" xmlns:r="http://schemas.openxmlformats.org/officeDocument/2006/relationships" xmlns:p="http://schemas.openxmlformats.org/presentationml/2006/main">
   <p:tag name="OUTPUTDPI" val="1200"/>
+  <p:tag name="ORIGINALHEIGHT" val="225.7218"/>
+  <p:tag name="ORIGINALWIDTH" val="1221.597"/>
+  <p:tag name="LATEXADDIN" val="\documentclass{article}&#10;\usepackage{amsmath}&#10;\usepackage{bm}&#10;\pagestyle{empty}&#10;\begin{document}&#10;&#10;\[&#10;\bm{v} = (1-\alpha) \bm{P}^\top \bm{v}  + \frac{\alpha}{n} \bm{1}&#10;\]&#10;&#10;&#10;\end{document}"/>
+  <p:tag name="IGUANATEXSIZE" val="24"/>
+  <p:tag name="IGUANATEXCURSOR" val="119"/>
+  <p:tag name="TRANSPARENCY" val="True"/>
+  <p:tag name="FILENAME" val=""/>
+  <p:tag name="LATEXENGINEID" val="0"/>
+  <p:tag name="TEMPFOLDER" val="c:\temp\"/>
+  <p:tag name="LATEXFORMHEIGHT" val="312"/>
+  <p:tag name="LATEXFORMWIDTH" val="384"/>
+  <p:tag name="LATEXFORMWRAP" val="True"/>
+  <p:tag name="BITMAPVECTOR" val="0"/>
+</p:tagLst>
+</file>
+
+<file path=ppt/tags/tag11.xml><?xml version="1.0" encoding="utf-8"?>
+<p:tagLst xmlns:a="http://schemas.openxmlformats.org/drawingml/2006/main" xmlns:r="http://schemas.openxmlformats.org/officeDocument/2006/relationships" xmlns:p="http://schemas.openxmlformats.org/presentationml/2006/main">
+  <p:tag name="OUTPUTDPI" val="1200"/>
+  <p:tag name="ORIGINALHEIGHT" val="143.2321"/>
+  <p:tag name="ORIGINALWIDTH" val="1193.101"/>
+  <p:tag name="LATEXADDIN" val="\documentclass{article}&#10;\usepackage{amsmath}&#10;\usepackage{bm}&#10;\pagestyle{empty}&#10;\begin{document}&#10;&#10;\[&#10;\bm{v} = (1-\alpha) \bm{P}^\top \bm{v}  + \alpha \bm{r}&#10;\]&#10;&#10;&#10;\end{document}"/>
+  <p:tag name="IGUANATEXSIZE" val="24"/>
+  <p:tag name="IGUANATEXCURSOR" val="142"/>
+  <p:tag name="TRANSPARENCY" val="True"/>
+  <p:tag name="FILENAME" val=""/>
+  <p:tag name="LATEXENGINEID" val="0"/>
+  <p:tag name="TEMPFOLDER" val="c:\temp\"/>
+  <p:tag name="LATEXFORMHEIGHT" val="312"/>
+  <p:tag name="LATEXFORMWIDTH" val="384"/>
+  <p:tag name="LATEXFORMWRAP" val="True"/>
+  <p:tag name="BITMAPVECTOR" val="0"/>
+</p:tagLst>
+</file>
+
+<file path=ppt/tags/tag12.xml><?xml version="1.0" encoding="utf-8"?>
+<p:tagLst xmlns:a="http://schemas.openxmlformats.org/drawingml/2006/main" xmlns:r="http://schemas.openxmlformats.org/officeDocument/2006/relationships" xmlns:p="http://schemas.openxmlformats.org/presentationml/2006/main">
+  <p:tag name="OUTPUTDPI" val="1200"/>
+  <p:tag name="ORIGINALHEIGHT" val="75.74055"/>
+  <p:tag name="ORIGINALWIDTH" val="331.4586"/>
+  <p:tag name="LATEXADDIN" val="\documentclass{article}&#10;\usepackage{amsmath}&#10;\usepackage{bm}&#10;\pagestyle{empty}&#10;\begin{document}&#10;&#10;\[&#10;\bm{r} = \bm{e}_i&#10;\]&#10;&#10;&#10;\end{document}"/>
+  <p:tag name="IGUANATEXSIZE" val="24"/>
+  <p:tag name="IGUANATEXCURSOR" val="117"/>
+  <p:tag name="TRANSPARENCY" val="True"/>
+  <p:tag name="FILENAME" val=""/>
+  <p:tag name="LATEXENGINEID" val="0"/>
+  <p:tag name="TEMPFOLDER" val="c:\temp\"/>
+  <p:tag name="LATEXFORMHEIGHT" val="312"/>
+  <p:tag name="LATEXFORMWIDTH" val="384"/>
+  <p:tag name="LATEXFORMWRAP" val="True"/>
+  <p:tag name="BITMAPVECTOR" val="0"/>
+</p:tagLst>
+</file>
+
+<file path=ppt/tags/tag13.xml><?xml version="1.0" encoding="utf-8"?>
+<p:tagLst xmlns:a="http://schemas.openxmlformats.org/drawingml/2006/main" xmlns:r="http://schemas.openxmlformats.org/officeDocument/2006/relationships" xmlns:p="http://schemas.openxmlformats.org/presentationml/2006/main">
+  <p:tag name="OUTPUTDPI" val="1200"/>
+  <p:tag name="ORIGINALHEIGHT" val="106.4867"/>
+  <p:tag name="ORIGINALWIDTH" val="529.4338"/>
+  <p:tag name="LATEXADDIN" val="\documentclass{article}&#10;\usepackage{amsmath}&#10;\usepackage{bm}&#10;\pagestyle{empty}&#10;\begin{document}&#10;&#10;$\bm{\pi} = \bm{P}^\top \bm{\pi}$&#10;&#10;&#10;\end{document}"/>
+  <p:tag name="IGUANATEXSIZE" val="24"/>
+  <p:tag name="IGUANATEXCURSOR" val="60"/>
+  <p:tag name="TRANSPARENCY" val="True"/>
+  <p:tag name="FILENAME" val=""/>
+  <p:tag name="LATEXENGINEID" val="0"/>
+  <p:tag name="TEMPFOLDER" val="c:\temp\"/>
+  <p:tag name="LATEXFORMHEIGHT" val="312"/>
+  <p:tag name="LATEXFORMWIDTH" val="384"/>
+  <p:tag name="LATEXFORMWRAP" val="True"/>
+  <p:tag name="BITMAPVECTOR" val="0"/>
+</p:tagLst>
+</file>
+
+<file path=ppt/tags/tag14.xml><?xml version="1.0" encoding="utf-8"?>
+<p:tagLst xmlns:a="http://schemas.openxmlformats.org/drawingml/2006/main" xmlns:r="http://schemas.openxmlformats.org/officeDocument/2006/relationships" xmlns:p="http://schemas.openxmlformats.org/presentationml/2006/main">
+  <p:tag name="TIMING" val="|14.6"/>
+</p:tagLst>
+</file>
+
+<file path=ppt/tags/tag15.xml><?xml version="1.0" encoding="utf-8"?>
+<p:tagLst xmlns:a="http://schemas.openxmlformats.org/drawingml/2006/main" xmlns:r="http://schemas.openxmlformats.org/officeDocument/2006/relationships" xmlns:p="http://schemas.openxmlformats.org/presentationml/2006/main">
+  <p:tag name="OUTPUTDPI" val="1200"/>
   <p:tag name="ORIGINALHEIGHT" val="123.7346"/>
   <p:tag name="ORIGINALWIDTH" val="305.9617"/>
   <p:tag name="LATEXADDIN" val="\documentclass{article}&#10;\usepackage{amsmath}&#10;\pagestyle{empty}&#10;\begin{document}&#10;&#10;$h(i,j)$&#10;&#10;&#10;\end{document}"/>
@@ -39269,7 +39682,7 @@
 </p:tagLst>
 </file>
 
-<file path=ppt/tags/tag11.xml><?xml version="1.0" encoding="utf-8"?>
+<file path=ppt/tags/tag16.xml><?xml version="1.0" encoding="utf-8"?>
 <p:tagLst xmlns:a="http://schemas.openxmlformats.org/drawingml/2006/main" xmlns:r="http://schemas.openxmlformats.org/officeDocument/2006/relationships" xmlns:p="http://schemas.openxmlformats.org/presentationml/2006/main">
   <p:tag name="OUTPUTDPI" val="1200"/>
   <p:tag name="ORIGINALHEIGHT" val="107.2366"/>
@@ -39288,7 +39701,7 @@
 </p:tagLst>
 </file>
 
-<file path=ppt/tags/tag12.xml><?xml version="1.0" encoding="utf-8"?>
+<file path=ppt/tags/tag17.xml><?xml version="1.0" encoding="utf-8"?>
 <p:tagLst xmlns:a="http://schemas.openxmlformats.org/drawingml/2006/main" xmlns:r="http://schemas.openxmlformats.org/officeDocument/2006/relationships" xmlns:p="http://schemas.openxmlformats.org/presentationml/2006/main">
   <p:tag name="OUTPUTDPI" val="1200"/>
   <p:tag name="ORIGINALHEIGHT" val="107.2366"/>
@@ -39307,7 +39720,7 @@
 </p:tagLst>
 </file>
 
-<file path=ppt/tags/tag13.xml><?xml version="1.0" encoding="utf-8"?>
+<file path=ppt/tags/tag18.xml><?xml version="1.0" encoding="utf-8"?>
 <p:tagLst xmlns:a="http://schemas.openxmlformats.org/drawingml/2006/main" xmlns:r="http://schemas.openxmlformats.org/officeDocument/2006/relationships" xmlns:p="http://schemas.openxmlformats.org/presentationml/2006/main">
   <p:tag name="OUTPUTDPI" val="1200"/>
   <p:tag name="ORIGINALHEIGHT" val="123.7346"/>
@@ -39326,7 +39739,7 @@
 </p:tagLst>
 </file>
 
-<file path=ppt/tags/tag14.xml><?xml version="1.0" encoding="utf-8"?>
+<file path=ppt/tags/tag19.xml><?xml version="1.0" encoding="utf-8"?>
 <p:tagLst xmlns:a="http://schemas.openxmlformats.org/drawingml/2006/main" xmlns:r="http://schemas.openxmlformats.org/officeDocument/2006/relationships" xmlns:p="http://schemas.openxmlformats.org/presentationml/2006/main">
   <p:tag name="OUTPUTDPI" val="1200"/>
   <p:tag name="ORIGINALHEIGHT" val="123.7346"/>
@@ -39334,75 +39747,6 @@
   <p:tag name="LATEXADDIN" val="\documentclass{article}&#10;\usepackage{amsmath}&#10;\pagestyle{empty}&#10;\begin{document}&#10;&#10;$h(i,j)$&#10;&#10;&#10;\end{document}"/>
   <p:tag name="IGUANATEXSIZE" val="20"/>
   <p:tag name="IGUANATEXCURSOR" val="89"/>
-  <p:tag name="TRANSPARENCY" val="True"/>
-  <p:tag name="FILENAME" val=""/>
-  <p:tag name="LATEXENGINEID" val="0"/>
-  <p:tag name="TEMPFOLDER" val="c:\temp\"/>
-  <p:tag name="LATEXFORMHEIGHT" val="312"/>
-  <p:tag name="LATEXFORMWIDTH" val="384"/>
-  <p:tag name="LATEXFORMWRAP" val="True"/>
-  <p:tag name="BITMAPVECTOR" val="0"/>
-</p:tagLst>
-</file>
-
-<file path=ppt/tags/tag15.xml><?xml version="1.0" encoding="utf-8"?>
-<p:tagLst xmlns:a="http://schemas.openxmlformats.org/drawingml/2006/main" xmlns:r="http://schemas.openxmlformats.org/officeDocument/2006/relationships" xmlns:p="http://schemas.openxmlformats.org/presentationml/2006/main">
-  <p:tag name="OUTPUTDPI" val="1200"/>
-  <p:tag name="ORIGINALHEIGHT" val="92.2385"/>
-  <p:tag name="ORIGINALWIDTH" val="119.2351"/>
-  <p:tag name="LATEXADDIN" val="\documentclass{article}&#10;\usepackage{amsmath}&#10;\pagestyle{empty}&#10;\usepackage{bm}&#10;\begin{document}&#10;&#10;$\bm{\pi}_j$&#10;&#10;&#10;\end{document}"/>
-  <p:tag name="IGUANATEXSIZE" val="20"/>
-  <p:tag name="IGUANATEXCURSOR" val="78"/>
-  <p:tag name="TRANSPARENCY" val="True"/>
-  <p:tag name="FILENAME" val=""/>
-  <p:tag name="LATEXENGINEID" val="0"/>
-  <p:tag name="TEMPFOLDER" val="c:\temp\"/>
-  <p:tag name="LATEXFORMHEIGHT" val="312"/>
-  <p:tag name="LATEXFORMWIDTH" val="384"/>
-  <p:tag name="LATEXFORMWRAP" val="True"/>
-  <p:tag name="BITMAPVECTOR" val="0"/>
-</p:tagLst>
-</file>
-
-<file path=ppt/tags/tag16.xml><?xml version="1.0" encoding="utf-8"?>
-<p:tagLst xmlns:a="http://schemas.openxmlformats.org/drawingml/2006/main" xmlns:r="http://schemas.openxmlformats.org/officeDocument/2006/relationships" xmlns:p="http://schemas.openxmlformats.org/presentationml/2006/main">
-  <p:tag name="TIMING" val="|14.6"/>
-</p:tagLst>
-</file>
-
-<file path=ppt/tags/tag17.xml><?xml version="1.0" encoding="utf-8"?>
-<p:tagLst xmlns:a="http://schemas.openxmlformats.org/drawingml/2006/main" xmlns:r="http://schemas.openxmlformats.org/officeDocument/2006/relationships" xmlns:p="http://schemas.openxmlformats.org/presentationml/2006/main">
-  <p:tag name="TIMING" val="|23.6"/>
-</p:tagLst>
-</file>
-
-<file path=ppt/tags/tag18.xml><?xml version="1.0" encoding="utf-8"?>
-<p:tagLst xmlns:a="http://schemas.openxmlformats.org/drawingml/2006/main" xmlns:r="http://schemas.openxmlformats.org/officeDocument/2006/relationships" xmlns:p="http://schemas.openxmlformats.org/presentationml/2006/main">
-  <p:tag name="OUTPUTDPI" val="1200"/>
-  <p:tag name="ORIGINALHEIGHT" val="123.7346"/>
-  <p:tag name="ORIGINALWIDTH" val="593.9257"/>
-  <p:tag name="LATEXADDIN" val="\documentclass{article}&#10;\usepackage{amsmath}&#10;\pagestyle{empty}&#10;\begin{document}&#10;&#10;$\mathrm{ep}(A \rightarrow B)$&#10;&#10;&#10;\end{document}"/>
-  <p:tag name="IGUANATEXSIZE" val="20"/>
-  <p:tag name="IGUANATEXCURSOR" val="108"/>
-  <p:tag name="TRANSPARENCY" val="True"/>
-  <p:tag name="FILENAME" val=""/>
-  <p:tag name="LATEXENGINEID" val="0"/>
-  <p:tag name="TEMPFOLDER" val="c:\temp\"/>
-  <p:tag name="LATEXFORMHEIGHT" val="312"/>
-  <p:tag name="LATEXFORMWIDTH" val="384"/>
-  <p:tag name="LATEXFORMWRAP" val="True"/>
-  <p:tag name="BITMAPVECTOR" val="0"/>
-</p:tagLst>
-</file>
-
-<file path=ppt/tags/tag19.xml><?xml version="1.0" encoding="utf-8"?>
-<p:tagLst xmlns:a="http://schemas.openxmlformats.org/drawingml/2006/main" xmlns:r="http://schemas.openxmlformats.org/officeDocument/2006/relationships" xmlns:p="http://schemas.openxmlformats.org/presentationml/2006/main">
-  <p:tag name="OUTPUTDPI" val="1200"/>
-  <p:tag name="ORIGINALHEIGHT" val="224.222"/>
-  <p:tag name="ORIGINALWIDTH" val="2323.959"/>
-  <p:tag name="LATEXADDIN" val="\documentclass{article}&#10;\usepackage{amsmath}&#10;\pagestyle{empty}&#10;\begin{document}&#10;&#10;$\mathrm{ep}(A \rightarrow B) = \mathrm{Prob} \Big[ \quad\quad \mathrm{comes\ before} \quad\quad \Big]$&#10;&#10;&#10;\end{document}"/>
-  <p:tag name="IGUANATEXSIZE" val="20"/>
-  <p:tag name="IGUANATEXCURSOR" val="180"/>
   <p:tag name="TRANSPARENCY" val="True"/>
   <p:tag name="FILENAME" val=""/>
   <p:tag name="LATEXENGINEID" val="0"/>
@@ -39422,11 +39766,80 @@
 
 <file path=ppt/tags/tag20.xml><?xml version="1.0" encoding="utf-8"?>
 <p:tagLst xmlns:a="http://schemas.openxmlformats.org/drawingml/2006/main" xmlns:r="http://schemas.openxmlformats.org/officeDocument/2006/relationships" xmlns:p="http://schemas.openxmlformats.org/presentationml/2006/main">
+  <p:tag name="OUTPUTDPI" val="1200"/>
+  <p:tag name="ORIGINALHEIGHT" val="92.2385"/>
+  <p:tag name="ORIGINALWIDTH" val="119.2351"/>
+  <p:tag name="LATEXADDIN" val="\documentclass{article}&#10;\usepackage{amsmath}&#10;\pagestyle{empty}&#10;\usepackage{bm}&#10;\begin{document}&#10;&#10;$\bm{\pi}_j$&#10;&#10;&#10;\end{document}"/>
+  <p:tag name="IGUANATEXSIZE" val="20"/>
+  <p:tag name="IGUANATEXCURSOR" val="78"/>
+  <p:tag name="TRANSPARENCY" val="True"/>
+  <p:tag name="FILENAME" val=""/>
+  <p:tag name="LATEXENGINEID" val="0"/>
+  <p:tag name="TEMPFOLDER" val="c:\temp\"/>
+  <p:tag name="LATEXFORMHEIGHT" val="312"/>
+  <p:tag name="LATEXFORMWIDTH" val="384"/>
+  <p:tag name="LATEXFORMWRAP" val="True"/>
+  <p:tag name="BITMAPVECTOR" val="0"/>
+</p:tagLst>
+</file>
+
+<file path=ppt/tags/tag21.xml><?xml version="1.0" encoding="utf-8"?>
+<p:tagLst xmlns:a="http://schemas.openxmlformats.org/drawingml/2006/main" xmlns:r="http://schemas.openxmlformats.org/officeDocument/2006/relationships" xmlns:p="http://schemas.openxmlformats.org/presentationml/2006/main">
   <p:tag name="TIMING" val="|14.6"/>
 </p:tagLst>
 </file>
 
-<file path=ppt/tags/tag21.xml><?xml version="1.0" encoding="utf-8"?>
+<file path=ppt/tags/tag22.xml><?xml version="1.0" encoding="utf-8"?>
+<p:tagLst xmlns:a="http://schemas.openxmlformats.org/drawingml/2006/main" xmlns:r="http://schemas.openxmlformats.org/officeDocument/2006/relationships" xmlns:p="http://schemas.openxmlformats.org/presentationml/2006/main">
+  <p:tag name="TIMING" val="|23.6"/>
+</p:tagLst>
+</file>
+
+<file path=ppt/tags/tag23.xml><?xml version="1.0" encoding="utf-8"?>
+<p:tagLst xmlns:a="http://schemas.openxmlformats.org/drawingml/2006/main" xmlns:r="http://schemas.openxmlformats.org/officeDocument/2006/relationships" xmlns:p="http://schemas.openxmlformats.org/presentationml/2006/main">
+  <p:tag name="OUTPUTDPI" val="1200"/>
+  <p:tag name="ORIGINALHEIGHT" val="123.7346"/>
+  <p:tag name="ORIGINALWIDTH" val="593.9257"/>
+  <p:tag name="LATEXADDIN" val="\documentclass{article}&#10;\usepackage{amsmath}&#10;\pagestyle{empty}&#10;\begin{document}&#10;&#10;$\mathrm{ep}(A \rightarrow B)$&#10;&#10;&#10;\end{document}"/>
+  <p:tag name="IGUANATEXSIZE" val="20"/>
+  <p:tag name="IGUANATEXCURSOR" val="108"/>
+  <p:tag name="TRANSPARENCY" val="True"/>
+  <p:tag name="FILENAME" val=""/>
+  <p:tag name="LATEXENGINEID" val="0"/>
+  <p:tag name="TEMPFOLDER" val="c:\temp\"/>
+  <p:tag name="LATEXFORMHEIGHT" val="312"/>
+  <p:tag name="LATEXFORMWIDTH" val="384"/>
+  <p:tag name="LATEXFORMWRAP" val="True"/>
+  <p:tag name="BITMAPVECTOR" val="0"/>
+</p:tagLst>
+</file>
+
+<file path=ppt/tags/tag24.xml><?xml version="1.0" encoding="utf-8"?>
+<p:tagLst xmlns:a="http://schemas.openxmlformats.org/drawingml/2006/main" xmlns:r="http://schemas.openxmlformats.org/officeDocument/2006/relationships" xmlns:p="http://schemas.openxmlformats.org/presentationml/2006/main">
+  <p:tag name="OUTPUTDPI" val="1200"/>
+  <p:tag name="ORIGINALHEIGHT" val="224.222"/>
+  <p:tag name="ORIGINALWIDTH" val="2233.971"/>
+  <p:tag name="LATEXADDIN" val="\documentclass{article}&#10;\usepackage{amsmath}&#10;\pagestyle{empty}&#10;\begin{document}&#10;&#10;$\mathrm{ep}(A \rightarrow B) = \Pr \Big[ \quad\quad\, \mathrm{comes\ before} \quad\quad \Big]$&#10;&#10;&#10;\end{document}"/>
+  <p:tag name="IGUANATEXSIZE" val="20"/>
+  <p:tag name="IGUANATEXCURSOR" val="135"/>
+  <p:tag name="TRANSPARENCY" val="True"/>
+  <p:tag name="FILENAME" val=""/>
+  <p:tag name="LATEXENGINEID" val="0"/>
+  <p:tag name="TEMPFOLDER" val="c:\temp\"/>
+  <p:tag name="LATEXFORMHEIGHT" val="312"/>
+  <p:tag name="LATEXFORMWIDTH" val="384"/>
+  <p:tag name="LATEXFORMWRAP" val="True"/>
+  <p:tag name="BITMAPVECTOR" val="0"/>
+</p:tagLst>
+</file>
+
+<file path=ppt/tags/tag25.xml><?xml version="1.0" encoding="utf-8"?>
+<p:tagLst xmlns:a="http://schemas.openxmlformats.org/drawingml/2006/main" xmlns:r="http://schemas.openxmlformats.org/officeDocument/2006/relationships" xmlns:p="http://schemas.openxmlformats.org/presentationml/2006/main">
+  <p:tag name="TIMING" val="|14.6"/>
+</p:tagLst>
+</file>
+
+<file path=ppt/tags/tag26.xml><?xml version="1.0" encoding="utf-8"?>
 <p:tagLst xmlns:a="http://schemas.openxmlformats.org/drawingml/2006/main" xmlns:r="http://schemas.openxmlformats.org/officeDocument/2006/relationships" xmlns:p="http://schemas.openxmlformats.org/presentationml/2006/main">
   <p:tag name="OUTPUTDPI" val="1200"/>
   <p:tag name="ORIGINALHEIGHT" val="123.7346"/>
@@ -39445,13 +39858,13 @@
 </p:tagLst>
 </file>
 
-<file path=ppt/tags/tag22.xml><?xml version="1.0" encoding="utf-8"?>
+<file path=ppt/tags/tag27.xml><?xml version="1.0" encoding="utf-8"?>
 <p:tagLst xmlns:a="http://schemas.openxmlformats.org/drawingml/2006/main" xmlns:r="http://schemas.openxmlformats.org/officeDocument/2006/relationships" xmlns:p="http://schemas.openxmlformats.org/presentationml/2006/main">
   <p:tag name="TIMING" val="|3.2"/>
 </p:tagLst>
 </file>
 
-<file path=ppt/tags/tag23.xml><?xml version="1.0" encoding="utf-8"?>
+<file path=ppt/tags/tag28.xml><?xml version="1.0" encoding="utf-8"?>
 <p:tagLst xmlns:a="http://schemas.openxmlformats.org/drawingml/2006/main" xmlns:r="http://schemas.openxmlformats.org/officeDocument/2006/relationships" xmlns:p="http://schemas.openxmlformats.org/presentationml/2006/main">
   <p:tag name="OUTPUTDPI" val="1200"/>
   <p:tag name="ORIGINALHEIGHT" val="123.7346"/>
@@ -39470,7 +39883,7 @@
 </p:tagLst>
 </file>
 
-<file path=ppt/tags/tag24.xml><?xml version="1.0" encoding="utf-8"?>
+<file path=ppt/tags/tag29.xml><?xml version="1.0" encoding="utf-8"?>
 <p:tagLst xmlns:a="http://schemas.openxmlformats.org/drawingml/2006/main" xmlns:r="http://schemas.openxmlformats.org/officeDocument/2006/relationships" xmlns:p="http://schemas.openxmlformats.org/presentationml/2006/main">
   <p:tag name="OUTPUTDPI" val="1200"/>
   <p:tag name="ORIGINALHEIGHT" val="123.7346"/>
@@ -39478,88 +39891,6 @@
   <p:tag name="LATEXADDIN" val="\documentclass{article}&#10;\usepackage{amsmath}&#10;\pagestyle{empty}&#10;\begin{document}&#10;&#10;$\mathrm{ep}(A \rightarrow B) = 1$&#10;&#10;&#10;\end{document}"/>
   <p:tag name="IGUANATEXSIZE" val="20"/>
   <p:tag name="IGUANATEXCURSOR" val="115"/>
-  <p:tag name="TRANSPARENCY" val="True"/>
-  <p:tag name="FILENAME" val=""/>
-  <p:tag name="LATEXENGINEID" val="0"/>
-  <p:tag name="TEMPFOLDER" val="c:\temp\"/>
-  <p:tag name="LATEXFORMHEIGHT" val="312"/>
-  <p:tag name="LATEXFORMWIDTH" val="384"/>
-  <p:tag name="LATEXFORMWRAP" val="True"/>
-  <p:tag name="BITMAPVECTOR" val="0"/>
-</p:tagLst>
-</file>
-
-<file path=ppt/tags/tag25.xml><?xml version="1.0" encoding="utf-8"?>
-<p:tagLst xmlns:a="http://schemas.openxmlformats.org/drawingml/2006/main" xmlns:r="http://schemas.openxmlformats.org/officeDocument/2006/relationships" xmlns:p="http://schemas.openxmlformats.org/presentationml/2006/main">
-  <p:tag name="OUTPUTDPI" val="1200"/>
-  <p:tag name="ORIGINALHEIGHT" val="123.7346"/>
-  <p:tag name="ORIGINALWIDTH" val="983.877"/>
-  <p:tag name="LATEXADDIN" val="\documentclass{article}&#10;\usepackage{amsmath}&#10;\pagestyle{empty}&#10;\begin{document}&#10;&#10;$\mathrm{ep}(A \rightarrow B) = 0.91$&#10;&#10;&#10;\end{document}"/>
-  <p:tag name="IGUANATEXSIZE" val="20"/>
-  <p:tag name="IGUANATEXCURSOR" val="117"/>
-  <p:tag name="TRANSPARENCY" val="True"/>
-  <p:tag name="FILENAME" val=""/>
-  <p:tag name="LATEXENGINEID" val="0"/>
-  <p:tag name="TEMPFOLDER" val="c:\temp\"/>
-  <p:tag name="LATEXFORMHEIGHT" val="312"/>
-  <p:tag name="LATEXFORMWIDTH" val="384"/>
-  <p:tag name="LATEXFORMWRAP" val="True"/>
-  <p:tag name="BITMAPVECTOR" val="0"/>
-</p:tagLst>
-</file>
-
-<file path=ppt/tags/tag26.xml><?xml version="1.0" encoding="utf-8"?>
-<p:tagLst xmlns:a="http://schemas.openxmlformats.org/drawingml/2006/main" xmlns:r="http://schemas.openxmlformats.org/officeDocument/2006/relationships" xmlns:p="http://schemas.openxmlformats.org/presentationml/2006/main">
-  <p:tag name="OUTPUTDPI" val="1200"/>
-  <p:tag name="ORIGINALHEIGHT" val="123.7346"/>
-  <p:tag name="ORIGINALWIDTH" val="990.6262"/>
-  <p:tag name="LATEXADDIN" val="\documentclass{article}&#10;\usepackage{amsmath}&#10;\pagestyle{empty}&#10;\begin{document}&#10;&#10;$\mathrm{ep}(A \rightarrow B) = 0.74$&#10;&#10;&#10;\end{document}"/>
-  <p:tag name="IGUANATEXSIZE" val="20"/>
-  <p:tag name="IGUANATEXCURSOR" val="117"/>
-  <p:tag name="TRANSPARENCY" val="True"/>
-  <p:tag name="FILENAME" val=""/>
-  <p:tag name="LATEXENGINEID" val="0"/>
-  <p:tag name="TEMPFOLDER" val="c:\temp\"/>
-  <p:tag name="LATEXFORMHEIGHT" val="312"/>
-  <p:tag name="LATEXFORMWIDTH" val="384"/>
-  <p:tag name="LATEXFORMWRAP" val="True"/>
-  <p:tag name="BITMAPVECTOR" val="0"/>
-</p:tagLst>
-</file>
-
-<file path=ppt/tags/tag27.xml><?xml version="1.0" encoding="utf-8"?>
-<p:tagLst xmlns:a="http://schemas.openxmlformats.org/drawingml/2006/main" xmlns:r="http://schemas.openxmlformats.org/officeDocument/2006/relationships" xmlns:p="http://schemas.openxmlformats.org/presentationml/2006/main">
-  <p:tag name="TIMING" val="|14.6"/>
-</p:tagLst>
-</file>
-
-<file path=ppt/tags/tag28.xml><?xml version="1.0" encoding="utf-8"?>
-<p:tagLst xmlns:a="http://schemas.openxmlformats.org/drawingml/2006/main" xmlns:r="http://schemas.openxmlformats.org/officeDocument/2006/relationships" xmlns:p="http://schemas.openxmlformats.org/presentationml/2006/main">
-  <p:tag name="OUTPUTDPI" val="1200"/>
-  <p:tag name="ORIGINALHEIGHT" val="123.7346"/>
-  <p:tag name="ORIGINALWIDTH" val="1604.799"/>
-  <p:tag name="LATEXADDIN" val="\documentclass{article}&#10;\usepackage{amsmath}&#10;\pagestyle{empty}&#10;\begin{document}&#10;&#10;$\mathrm{ep}(A \rightarrow B) = \mathrm{ep}(B \rightarrow A) = 0$&#10;&#10;&#10;\end{document}"/>
-  <p:tag name="IGUANATEXSIZE" val="24"/>
-  <p:tag name="IGUANATEXCURSOR" val="145"/>
-  <p:tag name="TRANSPARENCY" val="True"/>
-  <p:tag name="FILENAME" val=""/>
-  <p:tag name="LATEXENGINEID" val="0"/>
-  <p:tag name="TEMPFOLDER" val="c:\temp\"/>
-  <p:tag name="LATEXFORMHEIGHT" val="312"/>
-  <p:tag name="LATEXFORMWIDTH" val="384"/>
-  <p:tag name="LATEXFORMWRAP" val="True"/>
-  <p:tag name="BITMAPVECTOR" val="0"/>
-</p:tagLst>
-</file>
-
-<file path=ppt/tags/tag29.xml><?xml version="1.0" encoding="utf-8"?>
-<p:tagLst xmlns:a="http://schemas.openxmlformats.org/drawingml/2006/main" xmlns:r="http://schemas.openxmlformats.org/officeDocument/2006/relationships" xmlns:p="http://schemas.openxmlformats.org/presentationml/2006/main">
-  <p:tag name="OUTPUTDPI" val="1200"/>
-  <p:tag name="ORIGINALHEIGHT" val="123.7346"/>
-  <p:tag name="ORIGINALWIDTH" val="2523.435"/>
-  <p:tag name="LATEXADDIN" val="\documentclass{article}&#10;\usepackage{amsmath}&#10;\pagestyle{empty}&#10;\begin{document}&#10;&#10;$\mathrm{ep}(A \rightarrow B) = 0.081 \quad &gt; \quad \mathrm{ep}(B \rightarrow A) = 0.009$&#10;&#10;&#10;\end{document}"/>
-  <p:tag name="IGUANATEXSIZE" val="24"/>
-  <p:tag name="IGUANATEXCURSOR" val="169"/>
   <p:tag name="TRANSPARENCY" val="True"/>
   <p:tag name="FILENAME" val=""/>
   <p:tag name="LATEXENGINEID" val="0"/>
@@ -39579,11 +39910,93 @@
 
 <file path=ppt/tags/tag30.xml><?xml version="1.0" encoding="utf-8"?>
 <p:tagLst xmlns:a="http://schemas.openxmlformats.org/drawingml/2006/main" xmlns:r="http://schemas.openxmlformats.org/officeDocument/2006/relationships" xmlns:p="http://schemas.openxmlformats.org/presentationml/2006/main">
+  <p:tag name="OUTPUTDPI" val="1200"/>
+  <p:tag name="ORIGINALHEIGHT" val="123.7346"/>
+  <p:tag name="ORIGINALWIDTH" val="983.877"/>
+  <p:tag name="LATEXADDIN" val="\documentclass{article}&#10;\usepackage{amsmath}&#10;\pagestyle{empty}&#10;\begin{document}&#10;&#10;$\mathrm{ep}(A \rightarrow B) = 0.91$&#10;&#10;&#10;\end{document}"/>
+  <p:tag name="IGUANATEXSIZE" val="20"/>
+  <p:tag name="IGUANATEXCURSOR" val="117"/>
+  <p:tag name="TRANSPARENCY" val="True"/>
+  <p:tag name="FILENAME" val=""/>
+  <p:tag name="LATEXENGINEID" val="0"/>
+  <p:tag name="TEMPFOLDER" val="c:\temp\"/>
+  <p:tag name="LATEXFORMHEIGHT" val="312"/>
+  <p:tag name="LATEXFORMWIDTH" val="384"/>
+  <p:tag name="LATEXFORMWRAP" val="True"/>
+  <p:tag name="BITMAPVECTOR" val="0"/>
+</p:tagLst>
+</file>
+
+<file path=ppt/tags/tag31.xml><?xml version="1.0" encoding="utf-8"?>
+<p:tagLst xmlns:a="http://schemas.openxmlformats.org/drawingml/2006/main" xmlns:r="http://schemas.openxmlformats.org/officeDocument/2006/relationships" xmlns:p="http://schemas.openxmlformats.org/presentationml/2006/main">
+  <p:tag name="OUTPUTDPI" val="1200"/>
+  <p:tag name="ORIGINALHEIGHT" val="123.7346"/>
+  <p:tag name="ORIGINALWIDTH" val="990.6262"/>
+  <p:tag name="LATEXADDIN" val="\documentclass{article}&#10;\usepackage{amsmath}&#10;\pagestyle{empty}&#10;\begin{document}&#10;&#10;$\mathrm{ep}(A \rightarrow B) = 0.74$&#10;&#10;&#10;\end{document}"/>
+  <p:tag name="IGUANATEXSIZE" val="20"/>
+  <p:tag name="IGUANATEXCURSOR" val="117"/>
+  <p:tag name="TRANSPARENCY" val="True"/>
+  <p:tag name="FILENAME" val=""/>
+  <p:tag name="LATEXENGINEID" val="0"/>
+  <p:tag name="TEMPFOLDER" val="c:\temp\"/>
+  <p:tag name="LATEXFORMHEIGHT" val="312"/>
+  <p:tag name="LATEXFORMWIDTH" val="384"/>
+  <p:tag name="LATEXFORMWRAP" val="True"/>
+  <p:tag name="BITMAPVECTOR" val="0"/>
+</p:tagLst>
+</file>
+
+<file path=ppt/tags/tag32.xml><?xml version="1.0" encoding="utf-8"?>
+<p:tagLst xmlns:a="http://schemas.openxmlformats.org/drawingml/2006/main" xmlns:r="http://schemas.openxmlformats.org/officeDocument/2006/relationships" xmlns:p="http://schemas.openxmlformats.org/presentationml/2006/main">
   <p:tag name="TIMING" val="|14.6"/>
 </p:tagLst>
 </file>
 
-<file path=ppt/tags/tag31.xml><?xml version="1.0" encoding="utf-8"?>
+<file path=ppt/tags/tag33.xml><?xml version="1.0" encoding="utf-8"?>
+<p:tagLst xmlns:a="http://schemas.openxmlformats.org/drawingml/2006/main" xmlns:r="http://schemas.openxmlformats.org/officeDocument/2006/relationships" xmlns:p="http://schemas.openxmlformats.org/presentationml/2006/main">
+  <p:tag name="OUTPUTDPI" val="1200"/>
+  <p:tag name="ORIGINALHEIGHT" val="123.7346"/>
+  <p:tag name="ORIGINALWIDTH" val="1604.799"/>
+  <p:tag name="LATEXADDIN" val="\documentclass{article}&#10;\usepackage{amsmath}&#10;\pagestyle{empty}&#10;\begin{document}&#10;&#10;$\mathrm{ep}(A \rightarrow B) = \mathrm{ep}(B \rightarrow A) = 0$&#10;&#10;&#10;\end{document}"/>
+  <p:tag name="IGUANATEXSIZE" val="24"/>
+  <p:tag name="IGUANATEXCURSOR" val="145"/>
+  <p:tag name="TRANSPARENCY" val="True"/>
+  <p:tag name="FILENAME" val=""/>
+  <p:tag name="LATEXENGINEID" val="0"/>
+  <p:tag name="TEMPFOLDER" val="c:\temp\"/>
+  <p:tag name="LATEXFORMHEIGHT" val="312"/>
+  <p:tag name="LATEXFORMWIDTH" val="384"/>
+  <p:tag name="LATEXFORMWRAP" val="True"/>
+  <p:tag name="BITMAPVECTOR" val="0"/>
+</p:tagLst>
+</file>
+
+<file path=ppt/tags/tag34.xml><?xml version="1.0" encoding="utf-8"?>
+<p:tagLst xmlns:a="http://schemas.openxmlformats.org/drawingml/2006/main" xmlns:r="http://schemas.openxmlformats.org/officeDocument/2006/relationships" xmlns:p="http://schemas.openxmlformats.org/presentationml/2006/main">
+  <p:tag name="OUTPUTDPI" val="1200"/>
+  <p:tag name="ORIGINALHEIGHT" val="123.7346"/>
+  <p:tag name="ORIGINALWIDTH" val="2523.435"/>
+  <p:tag name="LATEXADDIN" val="\documentclass{article}&#10;\usepackage{amsmath}&#10;\pagestyle{empty}&#10;\begin{document}&#10;&#10;$\mathrm{ep}(A \rightarrow B) = 0.081 \quad &gt; \quad \mathrm{ep}(B \rightarrow A) = 0.009$&#10;&#10;&#10;\end{document}"/>
+  <p:tag name="IGUANATEXSIZE" val="24"/>
+  <p:tag name="IGUANATEXCURSOR" val="169"/>
+  <p:tag name="TRANSPARENCY" val="True"/>
+  <p:tag name="FILENAME" val=""/>
+  <p:tag name="LATEXENGINEID" val="0"/>
+  <p:tag name="TEMPFOLDER" val="c:\temp\"/>
+  <p:tag name="LATEXFORMHEIGHT" val="312"/>
+  <p:tag name="LATEXFORMWIDTH" val="384"/>
+  <p:tag name="LATEXFORMWRAP" val="True"/>
+  <p:tag name="BITMAPVECTOR" val="0"/>
+</p:tagLst>
+</file>
+
+<file path=ppt/tags/tag35.xml><?xml version="1.0" encoding="utf-8"?>
+<p:tagLst xmlns:a="http://schemas.openxmlformats.org/drawingml/2006/main" xmlns:r="http://schemas.openxmlformats.org/officeDocument/2006/relationships" xmlns:p="http://schemas.openxmlformats.org/presentationml/2006/main">
+  <p:tag name="TIMING" val="|14.6"/>
+</p:tagLst>
+</file>
+
+<file path=ppt/tags/tag36.xml><?xml version="1.0" encoding="utf-8"?>
 <p:tagLst xmlns:a="http://schemas.openxmlformats.org/drawingml/2006/main" xmlns:r="http://schemas.openxmlformats.org/officeDocument/2006/relationships" xmlns:p="http://schemas.openxmlformats.org/presentationml/2006/main">
   <p:tag name="OUTPUTDPI" val="1200"/>
   <p:tag name="ORIGINALHEIGHT" val="137.9828"/>
@@ -39602,7 +40015,7 @@
 </p:tagLst>
 </file>
 
-<file path=ppt/tags/tag32.xml><?xml version="1.0" encoding="utf-8"?>
+<file path=ppt/tags/tag37.xml><?xml version="1.0" encoding="utf-8"?>
 <p:tagLst xmlns:a="http://schemas.openxmlformats.org/drawingml/2006/main" xmlns:r="http://schemas.openxmlformats.org/officeDocument/2006/relationships" xmlns:p="http://schemas.openxmlformats.org/presentationml/2006/main">
   <p:tag name="OUTPUTDPI" val="1200"/>
   <p:tag name="ORIGINALHEIGHT" val="101.9872"/>
@@ -39621,7 +40034,7 @@
 </p:tagLst>
 </file>
 
-<file path=ppt/tags/tag33.xml><?xml version="1.0" encoding="utf-8"?>
+<file path=ppt/tags/tag38.xml><?xml version="1.0" encoding="utf-8"?>
 <p:tagLst xmlns:a="http://schemas.openxmlformats.org/drawingml/2006/main" xmlns:r="http://schemas.openxmlformats.org/officeDocument/2006/relationships" xmlns:p="http://schemas.openxmlformats.org/presentationml/2006/main">
   <p:tag name="OUTPUTDPI" val="1200"/>
   <p:tag name="ORIGINALHEIGHT" val="119.985"/>
@@ -39640,7 +40053,7 @@
 </p:tagLst>
 </file>
 
-<file path=ppt/tags/tag34.xml><?xml version="1.0" encoding="utf-8"?>
+<file path=ppt/tags/tag39.xml><?xml version="1.0" encoding="utf-8"?>
 <p:tagLst xmlns:a="http://schemas.openxmlformats.org/drawingml/2006/main" xmlns:r="http://schemas.openxmlformats.org/officeDocument/2006/relationships" xmlns:p="http://schemas.openxmlformats.org/presentationml/2006/main">
   <p:tag name="OUTPUTDPI" val="1200"/>
   <p:tag name="ORIGINALHEIGHT" val="207.724"/>
@@ -39659,7 +40072,26 @@
 </p:tagLst>
 </file>
 
-<file path=ppt/tags/tag35.xml><?xml version="1.0" encoding="utf-8"?>
+<file path=ppt/tags/tag4.xml><?xml version="1.0" encoding="utf-8"?>
+<p:tagLst xmlns:a="http://schemas.openxmlformats.org/drawingml/2006/main" xmlns:r="http://schemas.openxmlformats.org/officeDocument/2006/relationships" xmlns:p="http://schemas.openxmlformats.org/presentationml/2006/main">
+  <p:tag name="OUTPUTDPI" val="1200"/>
+  <p:tag name="ORIGINALHEIGHT" val="129.7338"/>
+  <p:tag name="ORIGINALWIDTH" val="476.1905"/>
+  <p:tag name="LATEXADDIN" val="\documentclass{article}&#10;\usepackage{amsmath}&#10;\usepackage{bm}&#10;\pagestyle{empty}&#10;\begin{document}&#10;&#10;&#10;$\bm{P} = [p_{ij}]$&#10;&#10;\end{document}"/>
+  <p:tag name="IGUANATEXSIZE" val="22"/>
+  <p:tag name="IGUANATEXCURSOR" val="60"/>
+  <p:tag name="TRANSPARENCY" val="True"/>
+  <p:tag name="FILENAME" val=""/>
+  <p:tag name="LATEXENGINEID" val="0"/>
+  <p:tag name="TEMPFOLDER" val="c:\temp\"/>
+  <p:tag name="LATEXFORMHEIGHT" val="312"/>
+  <p:tag name="LATEXFORMWIDTH" val="384"/>
+  <p:tag name="LATEXFORMWRAP" val="True"/>
+  <p:tag name="BITMAPVECTOR" val="0"/>
+</p:tagLst>
+</file>
+
+<file path=ppt/tags/tag40.xml><?xml version="1.0" encoding="utf-8"?>
 <p:tagLst xmlns:a="http://schemas.openxmlformats.org/drawingml/2006/main" xmlns:r="http://schemas.openxmlformats.org/officeDocument/2006/relationships" xmlns:p="http://schemas.openxmlformats.org/presentationml/2006/main">
   <p:tag name="OUTPUTDPI" val="1200"/>
   <p:tag name="ORIGINALHEIGHT" val="469.4413"/>
@@ -39678,7 +40110,7 @@
 </p:tagLst>
 </file>
 
-<file path=ppt/tags/tag36.xml><?xml version="1.0" encoding="utf-8"?>
+<file path=ppt/tags/tag41.xml><?xml version="1.0" encoding="utf-8"?>
 <p:tagLst xmlns:a="http://schemas.openxmlformats.org/drawingml/2006/main" xmlns:r="http://schemas.openxmlformats.org/officeDocument/2006/relationships" xmlns:p="http://schemas.openxmlformats.org/presentationml/2006/main">
   <p:tag name="OUTPUTDPI" val="1200"/>
   <p:tag name="ORIGINALHEIGHT" val="179.9775"/>
@@ -39697,7 +40129,7 @@
 </p:tagLst>
 </file>
 
-<file path=ppt/tags/tag37.xml><?xml version="1.0" encoding="utf-8"?>
+<file path=ppt/tags/tag42.xml><?xml version="1.0" encoding="utf-8"?>
 <p:tagLst xmlns:a="http://schemas.openxmlformats.org/drawingml/2006/main" xmlns:r="http://schemas.openxmlformats.org/officeDocument/2006/relationships" xmlns:p="http://schemas.openxmlformats.org/presentationml/2006/main">
   <p:tag name="OUTPUTDPI" val="1200"/>
   <p:tag name="ORIGINALHEIGHT" val="155.2306"/>
@@ -39716,7 +40148,7 @@
 </p:tagLst>
 </file>
 
-<file path=ppt/tags/tag38.xml><?xml version="1.0" encoding="utf-8"?>
+<file path=ppt/tags/tag43.xml><?xml version="1.0" encoding="utf-8"?>
 <p:tagLst xmlns:a="http://schemas.openxmlformats.org/drawingml/2006/main" xmlns:r="http://schemas.openxmlformats.org/officeDocument/2006/relationships" xmlns:p="http://schemas.openxmlformats.org/presentationml/2006/main">
   <p:tag name="OUTPUTDPI" val="1200"/>
   <p:tag name="ORIGINALHEIGHT" val="231.721"/>
@@ -39735,7 +40167,7 @@
 </p:tagLst>
 </file>
 
-<file path=ppt/tags/tag39.xml><?xml version="1.0" encoding="utf-8"?>
+<file path=ppt/tags/tag44.xml><?xml version="1.0" encoding="utf-8"?>
 <p:tagLst xmlns:a="http://schemas.openxmlformats.org/drawingml/2006/main" xmlns:r="http://schemas.openxmlformats.org/officeDocument/2006/relationships" xmlns:p="http://schemas.openxmlformats.org/presentationml/2006/main">
   <p:tag name="OUTPUTDPI" val="1200"/>
   <p:tag name="ORIGINALHEIGHT" val="137.9828"/>
@@ -39754,13 +40186,7 @@
 </p:tagLst>
 </file>
 
-<file path=ppt/tags/tag4.xml><?xml version="1.0" encoding="utf-8"?>
-<p:tagLst xmlns:a="http://schemas.openxmlformats.org/drawingml/2006/main" xmlns:r="http://schemas.openxmlformats.org/officeDocument/2006/relationships" xmlns:p="http://schemas.openxmlformats.org/presentationml/2006/main">
-  <p:tag name="TIMING" val="|14.6"/>
-</p:tagLst>
-</file>
-
-<file path=ppt/tags/tag40.xml><?xml version="1.0" encoding="utf-8"?>
+<file path=ppt/tags/tag45.xml><?xml version="1.0" encoding="utf-8"?>
 <p:tagLst xmlns:a="http://schemas.openxmlformats.org/drawingml/2006/main" xmlns:r="http://schemas.openxmlformats.org/officeDocument/2006/relationships" xmlns:p="http://schemas.openxmlformats.org/presentationml/2006/main">
   <p:tag name="OUTPUTDPI" val="1200"/>
   <p:tag name="ORIGINALHEIGHT" val="123.7346"/>
@@ -39779,7 +40205,7 @@
 </p:tagLst>
 </file>
 
-<file path=ppt/tags/tag41.xml><?xml version="1.0" encoding="utf-8"?>
+<file path=ppt/tags/tag46.xml><?xml version="1.0" encoding="utf-8"?>
 <p:tagLst xmlns:a="http://schemas.openxmlformats.org/drawingml/2006/main" xmlns:r="http://schemas.openxmlformats.org/officeDocument/2006/relationships" xmlns:p="http://schemas.openxmlformats.org/presentationml/2006/main">
   <p:tag name="OUTPUTDPI" val="1200"/>
   <p:tag name="ORIGINALHEIGHT" val="134.2332"/>
@@ -39787,88 +40213,6 @@
   <p:tag name="LATEXADDIN" val="\documentclass{article}&#10;\usepackage{amsmath}&#10;\pagestyle{empty}&#10;\begin{document}&#10;&#10;$\Theta(n^2)$&#10;&#10;&#10;\end{document}"/>
   <p:tag name="IGUANATEXSIZE" val="18"/>
   <p:tag name="IGUANATEXCURSOR" val="94"/>
-  <p:tag name="TRANSPARENCY" val="True"/>
-  <p:tag name="FILENAME" val=""/>
-  <p:tag name="LATEXENGINEID" val="0"/>
-  <p:tag name="TEMPFOLDER" val="c:\temp\"/>
-  <p:tag name="LATEXFORMHEIGHT" val="312"/>
-  <p:tag name="LATEXFORMWIDTH" val="384"/>
-  <p:tag name="LATEXFORMWRAP" val="True"/>
-  <p:tag name="BITMAPVECTOR" val="0"/>
-</p:tagLst>
-</file>
-
-<file path=ppt/tags/tag42.xml><?xml version="1.0" encoding="utf-8"?>
-<p:tagLst xmlns:a="http://schemas.openxmlformats.org/drawingml/2006/main" xmlns:r="http://schemas.openxmlformats.org/officeDocument/2006/relationships" xmlns:p="http://schemas.openxmlformats.org/presentationml/2006/main">
-  <p:tag name="TIMING" val="|14.6"/>
-</p:tagLst>
-</file>
-
-<file path=ppt/tags/tag43.xml><?xml version="1.0" encoding="utf-8"?>
-<p:tagLst xmlns:a="http://schemas.openxmlformats.org/drawingml/2006/main" xmlns:r="http://schemas.openxmlformats.org/officeDocument/2006/relationships" xmlns:p="http://schemas.openxmlformats.org/presentationml/2006/main">
-  <p:tag name="OUTPUTDPI" val="1200"/>
-  <p:tag name="ORIGINALHEIGHT" val="127.3152"/>
-  <p:tag name="ORIGINALWIDTH" val="719.3802"/>
-  <p:tag name="LATEXADDIN" val="\documentclass{article}&#10;\usepackage{amsmath}&#10;\pagestyle{empty}&#10;\usepackage{amssymb}&#10;\usepackage{amsthm}&#10;\usepackage{bm}&#10;&#10;\newtheorem*{mythm*}{Theorem}&#10;\newtheorem*{mylem*}{Lemma}&#10;\newtheorem*{mycor*}{Corollary}&#10;&#10;\begin{document}&#10;&#10;\begin{mythm*}&#10;Let&#10;$&#10;\bm{Q} = \left[ q(i,j) \right] \triangleq (\bm{I} - c\bm{P})^{-1}.&#10;$&#10;$\forall i\neq j$, there is&#10;\[&#10;\mathrm{ep}(i\rightarrow j) = \frac{q(i,j)}{q(i,i)q(j,j) - q(i,j)q(j,i)}.&#10;\]&#10;\end{mythm*}&#10;&#10;&#10;\end{document}"/>
-  <p:tag name="IGUANATEXSIZE" val="20"/>
-  <p:tag name="IGUANATEXCURSOR" val="319"/>
-  <p:tag name="TRANSPARENCY" val="True"/>
-  <p:tag name="FILENAME" val=""/>
-  <p:tag name="LATEXENGINEID" val="0"/>
-  <p:tag name="TEMPFOLDER" val="c:\temp\"/>
-  <p:tag name="LATEXFORMHEIGHT" val="312"/>
-  <p:tag name="LATEXFORMWIDTH" val="384"/>
-  <p:tag name="LATEXFORMWRAP" val="True"/>
-  <p:tag name="BITMAPVECTOR" val="0"/>
-</p:tagLst>
-</file>
-
-<file path=ppt/tags/tag44.xml><?xml version="1.0" encoding="utf-8"?>
-<p:tagLst xmlns:a="http://schemas.openxmlformats.org/drawingml/2006/main" xmlns:r="http://schemas.openxmlformats.org/officeDocument/2006/relationships" xmlns:p="http://schemas.openxmlformats.org/presentationml/2006/main">
-  <p:tag name="OUTPUTDPI" val="1200"/>
-  <p:tag name="ORIGINALHEIGHT" val="133.4833"/>
-  <p:tag name="ORIGINALWIDTH" val="873.6408"/>
-  <p:tag name="LATEXADDIN" val="\documentclass{article}&#10;\usepackage{amsmath}&#10;\pagestyle{empty}&#10;\usepackage{bm}&#10;\begin{document}&#10;&#10;$\bm{Q} = (\bm{I} - c\bm{P})^{-1}$&#10;&#10;&#10;\end{document}"/>
-  <p:tag name="IGUANATEXSIZE" val="20"/>
-  <p:tag name="IGUANATEXCURSOR" val="78"/>
-  <p:tag name="TRANSPARENCY" val="True"/>
-  <p:tag name="FILENAME" val=""/>
-  <p:tag name="LATEXENGINEID" val="0"/>
-  <p:tag name="TEMPFOLDER" val="c:\temp\"/>
-  <p:tag name="LATEXFORMHEIGHT" val="312"/>
-  <p:tag name="LATEXFORMWIDTH" val="384"/>
-  <p:tag name="LATEXFORMWRAP" val="True"/>
-  <p:tag name="BITMAPVECTOR" val="0"/>
-</p:tagLst>
-</file>
-
-<file path=ppt/tags/tag45.xml><?xml version="1.0" encoding="utf-8"?>
-<p:tagLst xmlns:a="http://schemas.openxmlformats.org/drawingml/2006/main" xmlns:r="http://schemas.openxmlformats.org/officeDocument/2006/relationships" xmlns:p="http://schemas.openxmlformats.org/presentationml/2006/main">
-  <p:tag name="OUTPUTDPI" val="1200"/>
-  <p:tag name="ORIGINALHEIGHT" val="191.2261"/>
-  <p:tag name="ORIGINALWIDTH" val="1706.037"/>
-  <p:tag name="LATEXADDIN" val="\documentclass{article}&#10;\usepackage{amsmath}&#10;\pagestyle{empty}&#10;\begin{document}&#10;&#10;$\mathrm{Prox}(i,j) = \frac{q(i,j)}{q(i,i)q(j,j) - q(i,j)q(j,i)}$&#10;&#10;&#10;\end{document}"/>
-  <p:tag name="IGUANATEXSIZE" val="20"/>
-  <p:tag name="IGUANATEXCURSOR" val="44"/>
-  <p:tag name="TRANSPARENCY" val="True"/>
-  <p:tag name="FILENAME" val=""/>
-  <p:tag name="LATEXENGINEID" val="0"/>
-  <p:tag name="TEMPFOLDER" val="c:\temp\"/>
-  <p:tag name="LATEXFORMHEIGHT" val="312"/>
-  <p:tag name="LATEXFORMWIDTH" val="384"/>
-  <p:tag name="LATEXFORMWRAP" val="True"/>
-  <p:tag name="BITMAPVECTOR" val="0"/>
-</p:tagLst>
-</file>
-
-<file path=ppt/tags/tag46.xml><?xml version="1.0" encoding="utf-8"?>
-<p:tagLst xmlns:a="http://schemas.openxmlformats.org/drawingml/2006/main" xmlns:r="http://schemas.openxmlformats.org/officeDocument/2006/relationships" xmlns:p="http://schemas.openxmlformats.org/presentationml/2006/main">
-  <p:tag name="OUTPUTDPI" val="1200"/>
-  <p:tag name="ORIGINALHEIGHT" val="134.2332"/>
-  <p:tag name="ORIGINALWIDTH" val="1641.545"/>
-  <p:tag name="LATEXADDIN" val="\documentclass{article}&#10;\usepackage{amsmath}&#10;\pagestyle{empty}&#10;\begin{document}&#10;&#10;$\Theta(\mathrm{1\ matrix\ inversion}) + \Theta(n^2)$&#10;&#10;&#10;\end{document}"/>
-  <p:tag name="IGUANATEXSIZE" val="24"/>
-  <p:tag name="IGUANATEXCURSOR" val="134"/>
   <p:tag name="TRANSPARENCY" val="True"/>
   <p:tag name="FILENAME" val=""/>
   <p:tag name="LATEXENGINEID" val="0"/>
@@ -39908,6 +40252,107 @@
 <file path=ppt/tags/tag49.xml><?xml version="1.0" encoding="utf-8"?>
 <p:tagLst xmlns:a="http://schemas.openxmlformats.org/drawingml/2006/main" xmlns:r="http://schemas.openxmlformats.org/officeDocument/2006/relationships" xmlns:p="http://schemas.openxmlformats.org/presentationml/2006/main">
   <p:tag name="OUTPUTDPI" val="1200"/>
+  <p:tag name="ORIGINALHEIGHT" val="133.4833"/>
+  <p:tag name="ORIGINALWIDTH" val="873.6408"/>
+  <p:tag name="LATEXADDIN" val="\documentclass{article}&#10;\usepackage{amsmath}&#10;\pagestyle{empty}&#10;\usepackage{bm}&#10;\begin{document}&#10;&#10;$\bm{Q} = (\bm{I} - c\bm{P})^{-1}$&#10;&#10;&#10;\end{document}"/>
+  <p:tag name="IGUANATEXSIZE" val="20"/>
+  <p:tag name="IGUANATEXCURSOR" val="78"/>
+  <p:tag name="TRANSPARENCY" val="True"/>
+  <p:tag name="FILENAME" val=""/>
+  <p:tag name="LATEXENGINEID" val="0"/>
+  <p:tag name="TEMPFOLDER" val="c:\temp\"/>
+  <p:tag name="LATEXFORMHEIGHT" val="312"/>
+  <p:tag name="LATEXFORMWIDTH" val="384"/>
+  <p:tag name="LATEXFORMWRAP" val="True"/>
+  <p:tag name="BITMAPVECTOR" val="0"/>
+</p:tagLst>
+</file>
+
+<file path=ppt/tags/tag5.xml><?xml version="1.0" encoding="utf-8"?>
+<p:tagLst xmlns:a="http://schemas.openxmlformats.org/drawingml/2006/main" xmlns:r="http://schemas.openxmlformats.org/officeDocument/2006/relationships" xmlns:p="http://schemas.openxmlformats.org/presentationml/2006/main">
+  <p:tag name="OUTPUTDPI" val="1200"/>
+  <p:tag name="ORIGINALHEIGHT" val="896.1379"/>
+  <p:tag name="ORIGINALWIDTH" val="1144.357"/>
+  <p:tag name="LATEXADDIN" val="\documentclass{article}&#10;\usepackage{amsmath}&#10;\usepackage{bm}&#10;\pagestyle{empty}&#10;\usepackage{setspace}&#10;\begin{document}&#10;\begin{spacing}{1.5}&#10;&#10;\[&#10;\bm{P} = \begin{pmatrix}&#10;0 &amp; \frac{1}{3} &amp; \frac{1}{3} &amp; \frac{1}{3} \\&#10;\frac{1}{3} &amp; 0 &amp; \frac{1}{3} &amp; \frac{1}{3} \\&#10;\frac{1}{3} &amp; \frac{1}{3} &amp; 0 &amp; \frac{1}{3} \\&#10;\frac{1}{3} &amp; \frac{1}{3} &amp; \frac{1}{3} &amp; 0&#10;\end{pmatrix}&#10;\]&#10;&#10;\end{spacing}&#10;\end{document}"/>
+  <p:tag name="IGUANATEXSIZE" val="20"/>
+  <p:tag name="IGUANATEXCURSOR" val="137"/>
+  <p:tag name="TRANSPARENCY" val="True"/>
+  <p:tag name="FILENAME" val=""/>
+  <p:tag name="LATEXENGINEID" val="0"/>
+  <p:tag name="TEMPFOLDER" val="c:\temp\"/>
+  <p:tag name="LATEXFORMHEIGHT" val="312"/>
+  <p:tag name="LATEXFORMWIDTH" val="384"/>
+  <p:tag name="LATEXFORMWRAP" val="True"/>
+  <p:tag name="BITMAPVECTOR" val="0"/>
+</p:tagLst>
+</file>
+
+<file path=ppt/tags/tag50.xml><?xml version="1.0" encoding="utf-8"?>
+<p:tagLst xmlns:a="http://schemas.openxmlformats.org/drawingml/2006/main" xmlns:r="http://schemas.openxmlformats.org/officeDocument/2006/relationships" xmlns:p="http://schemas.openxmlformats.org/presentationml/2006/main">
+  <p:tag name="OUTPUTDPI" val="1200"/>
+  <p:tag name="ORIGINALHEIGHT" val="191.2261"/>
+  <p:tag name="ORIGINALWIDTH" val="1706.037"/>
+  <p:tag name="LATEXADDIN" val="\documentclass{article}&#10;\usepackage{amsmath}&#10;\pagestyle{empty}&#10;\begin{document}&#10;&#10;$\mathrm{Prox}(i,j) = \frac{q(i,j)}{q(i,i)q(j,j) - q(i,j)q(j,i)}$&#10;&#10;&#10;\end{document}"/>
+  <p:tag name="IGUANATEXSIZE" val="20"/>
+  <p:tag name="IGUANATEXCURSOR" val="44"/>
+  <p:tag name="TRANSPARENCY" val="True"/>
+  <p:tag name="FILENAME" val=""/>
+  <p:tag name="LATEXENGINEID" val="0"/>
+  <p:tag name="TEMPFOLDER" val="c:\temp\"/>
+  <p:tag name="LATEXFORMHEIGHT" val="312"/>
+  <p:tag name="LATEXFORMWIDTH" val="384"/>
+  <p:tag name="LATEXFORMWRAP" val="True"/>
+  <p:tag name="BITMAPVECTOR" val="0"/>
+</p:tagLst>
+</file>
+
+<file path=ppt/tags/tag51.xml><?xml version="1.0" encoding="utf-8"?>
+<p:tagLst xmlns:a="http://schemas.openxmlformats.org/drawingml/2006/main" xmlns:r="http://schemas.openxmlformats.org/officeDocument/2006/relationships" xmlns:p="http://schemas.openxmlformats.org/presentationml/2006/main">
+  <p:tag name="OUTPUTDPI" val="1200"/>
+  <p:tag name="ORIGINALHEIGHT" val="134.2332"/>
+  <p:tag name="ORIGINALWIDTH" val="1641.545"/>
+  <p:tag name="LATEXADDIN" val="\documentclass{article}&#10;\usepackage{amsmath}&#10;\pagestyle{empty}&#10;\begin{document}&#10;&#10;$\Theta(\mathrm{1\ matrix\ inversion}) + \Theta(n^2)$&#10;&#10;&#10;\end{document}"/>
+  <p:tag name="IGUANATEXSIZE" val="24"/>
+  <p:tag name="IGUANATEXCURSOR" val="134"/>
+  <p:tag name="TRANSPARENCY" val="True"/>
+  <p:tag name="FILENAME" val=""/>
+  <p:tag name="LATEXENGINEID" val="0"/>
+  <p:tag name="TEMPFOLDER" val="c:\temp\"/>
+  <p:tag name="LATEXFORMHEIGHT" val="312"/>
+  <p:tag name="LATEXFORMWIDTH" val="384"/>
+  <p:tag name="LATEXFORMWRAP" val="True"/>
+  <p:tag name="BITMAPVECTOR" val="0"/>
+</p:tagLst>
+</file>
+
+<file path=ppt/tags/tag52.xml><?xml version="1.0" encoding="utf-8"?>
+<p:tagLst xmlns:a="http://schemas.openxmlformats.org/drawingml/2006/main" xmlns:r="http://schemas.openxmlformats.org/officeDocument/2006/relationships" xmlns:p="http://schemas.openxmlformats.org/presentationml/2006/main">
+  <p:tag name="TIMING" val="|14.6"/>
+</p:tagLst>
+</file>
+
+<file path=ppt/tags/tag53.xml><?xml version="1.0" encoding="utf-8"?>
+<p:tagLst xmlns:a="http://schemas.openxmlformats.org/drawingml/2006/main" xmlns:r="http://schemas.openxmlformats.org/officeDocument/2006/relationships" xmlns:p="http://schemas.openxmlformats.org/presentationml/2006/main">
+  <p:tag name="OUTPUTDPI" val="1200"/>
+  <p:tag name="ORIGINALHEIGHT" val="127.3152"/>
+  <p:tag name="ORIGINALWIDTH" val="719.3802"/>
+  <p:tag name="LATEXADDIN" val="\documentclass{article}&#10;\usepackage{amsmath}&#10;\pagestyle{empty}&#10;\usepackage{amssymb}&#10;\usepackage{amsthm}&#10;\usepackage{bm}&#10;&#10;\newtheorem*{mythm*}{Theorem}&#10;\newtheorem*{mylem*}{Lemma}&#10;\newtheorem*{mycor*}{Corollary}&#10;&#10;\begin{document}&#10;&#10;\begin{mythm*}&#10;Let&#10;$&#10;\bm{Q} = \left[ q(i,j) \right] \triangleq (\bm{I} - c\bm{P})^{-1}.&#10;$&#10;$\forall i\neq j$, there is&#10;\[&#10;\mathrm{ep}(i\rightarrow j) = \frac{q(i,j)}{q(i,i)q(j,j) - q(i,j)q(j,i)}.&#10;\]&#10;\end{mythm*}&#10;&#10;&#10;\end{document}"/>
+  <p:tag name="IGUANATEXSIZE" val="20"/>
+  <p:tag name="IGUANATEXCURSOR" val="319"/>
+  <p:tag name="TRANSPARENCY" val="True"/>
+  <p:tag name="FILENAME" val=""/>
+  <p:tag name="LATEXENGINEID" val="0"/>
+  <p:tag name="TEMPFOLDER" val="c:\temp\"/>
+  <p:tag name="LATEXFORMHEIGHT" val="312"/>
+  <p:tag name="LATEXFORMWIDTH" val="384"/>
+  <p:tag name="LATEXFORMWRAP" val="True"/>
+  <p:tag name="BITMAPVECTOR" val="0"/>
+</p:tagLst>
+</file>
+
+<file path=ppt/tags/tag54.xml><?xml version="1.0" encoding="utf-8"?>
+<p:tagLst xmlns:a="http://schemas.openxmlformats.org/drawingml/2006/main" xmlns:r="http://schemas.openxmlformats.org/officeDocument/2006/relationships" xmlns:p="http://schemas.openxmlformats.org/presentationml/2006/main">
+  <p:tag name="OUTPUTDPI" val="1200"/>
   <p:tag name="ORIGINALHEIGHT" val="140.9824"/>
   <p:tag name="ORIGINALWIDTH" val="1918.26"/>
   <p:tag name="LATEXADDIN" val="\documentclass{article}&#10;\usepackage{amsmath}&#10;\usepackage{bm}&#10;\pagestyle{empty}&#10;\begin{document}&#10;&#10;\[(\bm{I} - c\bm{P})^{-1} = \bm{I} + c\bm{P} + (c\bm{P})^2 + \cdots\]&#10;&#10;&#10;\end{document}"/>
@@ -39924,26 +40369,7 @@
 </p:tagLst>
 </file>
 
-<file path=ppt/tags/tag5.xml><?xml version="1.0" encoding="utf-8"?>
-<p:tagLst xmlns:a="http://schemas.openxmlformats.org/drawingml/2006/main" xmlns:r="http://schemas.openxmlformats.org/officeDocument/2006/relationships" xmlns:p="http://schemas.openxmlformats.org/presentationml/2006/main">
-  <p:tag name="OUTPUTDPI" val="1200"/>
-  <p:tag name="ORIGINALHEIGHT" val="225.7218"/>
-  <p:tag name="ORIGINALWIDTH" val="1221.597"/>
-  <p:tag name="LATEXADDIN" val="\documentclass{article}&#10;\usepackage{amsmath}&#10;\usepackage{bm}&#10;\pagestyle{empty}&#10;\begin{document}&#10;&#10;\[&#10;\bm{v} = (1-\alpha) \bm{P}^\top \bm{v}  + \frac{\alpha}{n} \bm{1}&#10;\]&#10;&#10;&#10;\end{document}"/>
-  <p:tag name="IGUANATEXSIZE" val="24"/>
-  <p:tag name="IGUANATEXCURSOR" val="119"/>
-  <p:tag name="TRANSPARENCY" val="True"/>
-  <p:tag name="FILENAME" val=""/>
-  <p:tag name="LATEXENGINEID" val="0"/>
-  <p:tag name="TEMPFOLDER" val="c:\temp\"/>
-  <p:tag name="LATEXFORMHEIGHT" val="312"/>
-  <p:tag name="LATEXFORMWIDTH" val="384"/>
-  <p:tag name="LATEXFORMWRAP" val="True"/>
-  <p:tag name="BITMAPVECTOR" val="0"/>
-</p:tagLst>
-</file>
-
-<file path=ppt/tags/tag50.xml><?xml version="1.0" encoding="utf-8"?>
+<file path=ppt/tags/tag55.xml><?xml version="1.0" encoding="utf-8"?>
 <p:tagLst xmlns:a="http://schemas.openxmlformats.org/drawingml/2006/main" xmlns:r="http://schemas.openxmlformats.org/officeDocument/2006/relationships" xmlns:p="http://schemas.openxmlformats.org/presentationml/2006/main">
   <p:tag name="OUTPUTDPI" val="1200"/>
   <p:tag name="ORIGINALHEIGHT" val="140.9824"/>
@@ -39962,7 +40388,7 @@
 </p:tagLst>
 </file>
 
-<file path=ppt/tags/tag51.xml><?xml version="1.0" encoding="utf-8"?>
+<file path=ppt/tags/tag56.xml><?xml version="1.0" encoding="utf-8"?>
 <p:tagLst xmlns:a="http://schemas.openxmlformats.org/drawingml/2006/main" xmlns:r="http://schemas.openxmlformats.org/officeDocument/2006/relationships" xmlns:p="http://schemas.openxmlformats.org/presentationml/2006/main">
   <p:tag name="OUTPUTDPI" val="1200"/>
   <p:tag name="ORIGINALHEIGHT" val="123.7346"/>
@@ -39981,13 +40407,13 @@
 </p:tagLst>
 </file>
 
-<file path=ppt/tags/tag52.xml><?xml version="1.0" encoding="utf-8"?>
+<file path=ppt/tags/tag57.xml><?xml version="1.0" encoding="utf-8"?>
 <p:tagLst xmlns:a="http://schemas.openxmlformats.org/drawingml/2006/main" xmlns:r="http://schemas.openxmlformats.org/officeDocument/2006/relationships" xmlns:p="http://schemas.openxmlformats.org/presentationml/2006/main">
   <p:tag name="TIMING" val="|34.9"/>
 </p:tagLst>
 </file>
 
-<file path=ppt/tags/tag53.xml><?xml version="1.0" encoding="utf-8"?>
+<file path=ppt/tags/tag58.xml><?xml version="1.0" encoding="utf-8"?>
 <p:tagLst xmlns:a="http://schemas.openxmlformats.org/drawingml/2006/main" xmlns:r="http://schemas.openxmlformats.org/officeDocument/2006/relationships" xmlns:p="http://schemas.openxmlformats.org/presentationml/2006/main">
   <p:tag name="OUTPUTDPI" val="1200"/>
   <p:tag name="ORIGINALHEIGHT" val="123.7346"/>
@@ -40006,7 +40432,7 @@
 </p:tagLst>
 </file>
 
-<file path=ppt/tags/tag54.xml><?xml version="1.0" encoding="utf-8"?>
+<file path=ppt/tags/tag59.xml><?xml version="1.0" encoding="utf-8"?>
 <p:tagLst xmlns:a="http://schemas.openxmlformats.org/drawingml/2006/main" xmlns:r="http://schemas.openxmlformats.org/officeDocument/2006/relationships" xmlns:p="http://schemas.openxmlformats.org/presentationml/2006/main">
   <p:tag name="OUTPUTDPI" val="1200"/>
   <p:tag name="ORIGINALHEIGHT" val="123.7346"/>
@@ -40025,7 +40451,26 @@
 </p:tagLst>
 </file>
 
-<file path=ppt/tags/tag55.xml><?xml version="1.0" encoding="utf-8"?>
+<file path=ppt/tags/tag6.xml><?xml version="1.0" encoding="utf-8"?>
+<p:tagLst xmlns:a="http://schemas.openxmlformats.org/drawingml/2006/main" xmlns:r="http://schemas.openxmlformats.org/officeDocument/2006/relationships" xmlns:p="http://schemas.openxmlformats.org/presentationml/2006/main">
+  <p:tag name="OUTPUTDPI" val="1200"/>
+  <p:tag name="ORIGINALHEIGHT" val="137.9828"/>
+  <p:tag name="ORIGINALWIDTH" val="445.4443"/>
+  <p:tag name="LATEXADDIN" val="\documentclass{article}&#10;\usepackage{amsmath}&#10;\usepackage{amssymb}&#10;\pagestyle{empty}&#10;\begin{document}&#10;&#10;$p(i,j) \triangleq$&#10;&#10;&#10;\end{document}"/>
+  <p:tag name="IGUANATEXSIZE" val="20"/>
+  <p:tag name="IGUANATEXCURSOR" val="65"/>
+  <p:tag name="TRANSPARENCY" val="True"/>
+  <p:tag name="FILENAME" val=""/>
+  <p:tag name="LATEXENGINEID" val="0"/>
+  <p:tag name="TEMPFOLDER" val="c:\temp\"/>
+  <p:tag name="LATEXFORMHEIGHT" val="312"/>
+  <p:tag name="LATEXFORMWIDTH" val="384"/>
+  <p:tag name="LATEXFORMWRAP" val="True"/>
+  <p:tag name="BITMAPVECTOR" val="0"/>
+</p:tagLst>
+</file>
+
+<file path=ppt/tags/tag60.xml><?xml version="1.0" encoding="utf-8"?>
 <p:tagLst xmlns:a="http://schemas.openxmlformats.org/drawingml/2006/main" xmlns:r="http://schemas.openxmlformats.org/officeDocument/2006/relationships" xmlns:p="http://schemas.openxmlformats.org/presentationml/2006/main">
   <p:tag name="OUTPUTDPI" val="1200"/>
   <p:tag name="ORIGINALHEIGHT" val="123.7346"/>
@@ -40044,13 +40489,13 @@
 </p:tagLst>
 </file>
 
-<file path=ppt/tags/tag56.xml><?xml version="1.0" encoding="utf-8"?>
+<file path=ppt/tags/tag61.xml><?xml version="1.0" encoding="utf-8"?>
 <p:tagLst xmlns:a="http://schemas.openxmlformats.org/drawingml/2006/main" xmlns:r="http://schemas.openxmlformats.org/officeDocument/2006/relationships" xmlns:p="http://schemas.openxmlformats.org/presentationml/2006/main">
   <p:tag name="TIMING" val="|36.8|20.5"/>
 </p:tagLst>
 </file>
 
-<file path=ppt/tags/tag57.xml><?xml version="1.0" encoding="utf-8"?>
+<file path=ppt/tags/tag62.xml><?xml version="1.0" encoding="utf-8"?>
 <p:tagLst xmlns:a="http://schemas.openxmlformats.org/drawingml/2006/main" xmlns:r="http://schemas.openxmlformats.org/officeDocument/2006/relationships" xmlns:p="http://schemas.openxmlformats.org/presentationml/2006/main">
   <p:tag name="OUTPUTDPI" val="1200"/>
   <p:tag name="ORIGINALHEIGHT" val="123.7346"/>
@@ -40069,7 +40514,7 @@
 </p:tagLst>
 </file>
 
-<file path=ppt/tags/tag58.xml><?xml version="1.0" encoding="utf-8"?>
+<file path=ppt/tags/tag63.xml><?xml version="1.0" encoding="utf-8"?>
 <p:tagLst xmlns:a="http://schemas.openxmlformats.org/drawingml/2006/main" xmlns:r="http://schemas.openxmlformats.org/officeDocument/2006/relationships" xmlns:p="http://schemas.openxmlformats.org/presentationml/2006/main">
   <p:tag name="OUTPUTDPI" val="1200"/>
   <p:tag name="ORIGINALHEIGHT" val="123.7346"/>
@@ -40088,7 +40533,7 @@
 </p:tagLst>
 </file>
 
-<file path=ppt/tags/tag59.xml><?xml version="1.0" encoding="utf-8"?>
+<file path=ppt/tags/tag64.xml><?xml version="1.0" encoding="utf-8"?>
 <p:tagLst xmlns:a="http://schemas.openxmlformats.org/drawingml/2006/main" xmlns:r="http://schemas.openxmlformats.org/officeDocument/2006/relationships" xmlns:p="http://schemas.openxmlformats.org/presentationml/2006/main">
   <p:tag name="OUTPUTDPI" val="1200"/>
   <p:tag name="ORIGINALHEIGHT" val="123.7346"/>
@@ -40096,107 +40541,6 @@
   <p:tag name="LATEXADDIN" val="\documentclass{article}&#10;\usepackage{amsmath}&#10;\usepackage{color}&#10;\pagestyle{empty}&#10;\begin{document}&#10;&#10;\definecolor{orange}{rgb}{0.5,0,0}&#10;&#10;{\color{orange}&#10;$\mathrm{ep}(i \rightarrow j) - \mathrm{ep}(j \rightarrow i)$&#10;}&#10;&#10;\end{document}"/>
   <p:tag name="IGUANATEXSIZE" val="20"/>
   <p:tag name="IGUANATEXCURSOR" val="129"/>
-  <p:tag name="TRANSPARENCY" val="True"/>
-  <p:tag name="FILENAME" val=""/>
-  <p:tag name="LATEXENGINEID" val="0"/>
-  <p:tag name="TEMPFOLDER" val="c:\temp\"/>
-  <p:tag name="LATEXFORMHEIGHT" val="312"/>
-  <p:tag name="LATEXFORMWIDTH" val="384"/>
-  <p:tag name="LATEXFORMWRAP" val="True"/>
-  <p:tag name="BITMAPVECTOR" val="0"/>
-</p:tagLst>
-</file>
-
-<file path=ppt/tags/tag6.xml><?xml version="1.0" encoding="utf-8"?>
-<p:tagLst xmlns:a="http://schemas.openxmlformats.org/drawingml/2006/main" xmlns:r="http://schemas.openxmlformats.org/officeDocument/2006/relationships" xmlns:p="http://schemas.openxmlformats.org/presentationml/2006/main">
-  <p:tag name="OUTPUTDPI" val="1200"/>
-  <p:tag name="ORIGINALHEIGHT" val="143.2321"/>
-  <p:tag name="ORIGINALWIDTH" val="1193.101"/>
-  <p:tag name="LATEXADDIN" val="\documentclass{article}&#10;\usepackage{amsmath}&#10;\usepackage{bm}&#10;\pagestyle{empty}&#10;\begin{document}&#10;&#10;\[&#10;\bm{v} = (1-\alpha) \bm{P}^\top \bm{v}  + \alpha \bm{r}&#10;\]&#10;&#10;&#10;\end{document}"/>
-  <p:tag name="IGUANATEXSIZE" val="24"/>
-  <p:tag name="IGUANATEXCURSOR" val="142"/>
-  <p:tag name="TRANSPARENCY" val="True"/>
-  <p:tag name="FILENAME" val=""/>
-  <p:tag name="LATEXENGINEID" val="0"/>
-  <p:tag name="TEMPFOLDER" val="c:\temp\"/>
-  <p:tag name="LATEXFORMHEIGHT" val="312"/>
-  <p:tag name="LATEXFORMWIDTH" val="384"/>
-  <p:tag name="LATEXFORMWRAP" val="True"/>
-  <p:tag name="BITMAPVECTOR" val="0"/>
-</p:tagLst>
-</file>
-
-<file path=ppt/tags/tag60.xml><?xml version="1.0" encoding="utf-8"?>
-<p:tagLst xmlns:a="http://schemas.openxmlformats.org/drawingml/2006/main" xmlns:r="http://schemas.openxmlformats.org/officeDocument/2006/relationships" xmlns:p="http://schemas.openxmlformats.org/presentationml/2006/main">
-  <p:tag name="TIMING" val="|14.6"/>
-</p:tagLst>
-</file>
-
-<file path=ppt/tags/tag61.xml><?xml version="1.0" encoding="utf-8"?>
-<p:tagLst xmlns:a="http://schemas.openxmlformats.org/drawingml/2006/main" xmlns:r="http://schemas.openxmlformats.org/officeDocument/2006/relationships" xmlns:p="http://schemas.openxmlformats.org/presentationml/2006/main">
-  <p:tag name="OUTPUTDPI" val="1200"/>
-  <p:tag name="ORIGINALHEIGHT" val="111.9327"/>
-  <p:tag name="ORIGINALWIDTH" val="719.3802"/>
-  <p:tag name="LATEXADDIN" val="\documentclass{article}&#10;\usepackage{amsmath}&#10;\pagestyle{empty}&#10;\usepackage{amssymb}&#10;\usepackage{amsthm}&#10;\usepackage{bm}&#10;\usepackage{dsfont}&#10;&#10;\newtheorem*{mythm*}{Theorem}&#10;\newtheorem*{mylem*}{Lemma}&#10;\newtheorem*{mycor*}{Corollary}&#10;\begin{document}&#10;&#10;\begin{mylem*}&#10;The expected time $r_i$ for a random walk starting at node $i$ to return to $i$ is the reciprocal of the stationary probability of $i$.&#10;That is&#10;\[&#10;r_i = \frac{1}{\pi_i}.&#10;\]&#10;\end{mylem*}&#10;&#10;&#10;\end{document}"/>
-  <p:tag name="IGUANATEXSIZE" val="20"/>
-  <p:tag name="IGUANATEXCURSOR" val="230"/>
-  <p:tag name="TRANSPARENCY" val="True"/>
-  <p:tag name="FILENAME" val=""/>
-  <p:tag name="LATEXENGINEID" val="0"/>
-  <p:tag name="TEMPFOLDER" val="c:\temp\"/>
-  <p:tag name="LATEXFORMHEIGHT" val="312"/>
-  <p:tag name="LATEXFORMWIDTH" val="384"/>
-  <p:tag name="LATEXFORMWRAP" val="True"/>
-  <p:tag name="BITMAPVECTOR" val="0"/>
-</p:tagLst>
-</file>
-
-<file path=ppt/tags/tag62.xml><?xml version="1.0" encoding="utf-8"?>
-<p:tagLst xmlns:a="http://schemas.openxmlformats.org/drawingml/2006/main" xmlns:r="http://schemas.openxmlformats.org/officeDocument/2006/relationships" xmlns:p="http://schemas.openxmlformats.org/presentationml/2006/main">
-  <p:tag name="OUTPUTDPI" val="1200"/>
-  <p:tag name="ORIGINALHEIGHT" val="56.24299"/>
-  <p:tag name="ORIGINALWIDTH" val="79.49008"/>
-  <p:tag name="LATEXADDIN" val="\documentclass{article}&#10;\usepackage{amsmath}&#10;\usepackage{bm}&#10;\pagestyle{empty}&#10;\begin{document}&#10;&#10;$\bm{\pi}$&#10;&#10;&#10;\end{document}"/>
-  <p:tag name="IGUANATEXSIZE" val="20"/>
-  <p:tag name="IGUANATEXCURSOR" val="107"/>
-  <p:tag name="TRANSPARENCY" val="True"/>
-  <p:tag name="FILENAME" val=""/>
-  <p:tag name="LATEXENGINEID" val="0"/>
-  <p:tag name="TEMPFOLDER" val="c:\temp\"/>
-  <p:tag name="LATEXFORMHEIGHT" val="312"/>
-  <p:tag name="LATEXFORMWIDTH" val="384"/>
-  <p:tag name="LATEXFORMWRAP" val="True"/>
-  <p:tag name="BITMAPVECTOR" val="0"/>
-</p:tagLst>
-</file>
-
-<file path=ppt/tags/tag63.xml><?xml version="1.0" encoding="utf-8"?>
-<p:tagLst xmlns:a="http://schemas.openxmlformats.org/drawingml/2006/main" xmlns:r="http://schemas.openxmlformats.org/officeDocument/2006/relationships" xmlns:p="http://schemas.openxmlformats.org/presentationml/2006/main">
-  <p:tag name="OUTPUTDPI" val="1200"/>
-  <p:tag name="ORIGINALHEIGHT" val="103.4871"/>
-  <p:tag name="ORIGINALWIDTH" val="197.2254"/>
-  <p:tag name="LATEXADDIN" val="\documentclass{article}&#10;\usepackage{amsmath}&#10;\pagestyle{empty}&#10;\begin{document}&#10;&#10;$\pi_i T$&#10;&#10;&#10;\end{document}"/>
-  <p:tag name="IGUANATEXSIZE" val="20"/>
-  <p:tag name="IGUANATEXCURSOR" val="88"/>
-  <p:tag name="TRANSPARENCY" val="True"/>
-  <p:tag name="FILENAME" val=""/>
-  <p:tag name="LATEXENGINEID" val="0"/>
-  <p:tag name="TEMPFOLDER" val="c:\temp\"/>
-  <p:tag name="LATEXFORMHEIGHT" val="312"/>
-  <p:tag name="LATEXFORMWIDTH" val="384"/>
-  <p:tag name="LATEXFORMWRAP" val="True"/>
-  <p:tag name="BITMAPVECTOR" val="0"/>
-</p:tagLst>
-</file>
-
-<file path=ppt/tags/tag64.xml><?xml version="1.0" encoding="utf-8"?>
-<p:tagLst xmlns:a="http://schemas.openxmlformats.org/drawingml/2006/main" xmlns:r="http://schemas.openxmlformats.org/officeDocument/2006/relationships" xmlns:p="http://schemas.openxmlformats.org/presentationml/2006/main">
-  <p:tag name="OUTPUTDPI" val="1200"/>
-  <p:tag name="ORIGINALHEIGHT" val="164.2294"/>
-  <p:tag name="ORIGINALWIDTH" val="493.4384"/>
-  <p:tag name="LATEXADDIN" val="\documentclass{article}&#10;\usepackage{amsmath}&#10;\pagestyle{empty}&#10;\begin{document}&#10;&#10;$\frac{T}{\pi_i \cdot T} = \frac{1}{\pi_i}$&#10;&#10;&#10;\end{document}"/>
-  <p:tag name="IGUANATEXSIZE" val="20"/>
-  <p:tag name="IGUANATEXCURSOR" val="124"/>
   <p:tag name="TRANSPARENCY" val="True"/>
   <p:tag name="FILENAME" val=""/>
   <p:tag name="LATEXENGINEID" val="0"/>
@@ -40217,6 +40561,107 @@
 <file path=ppt/tags/tag66.xml><?xml version="1.0" encoding="utf-8"?>
 <p:tagLst xmlns:a="http://schemas.openxmlformats.org/drawingml/2006/main" xmlns:r="http://schemas.openxmlformats.org/officeDocument/2006/relationships" xmlns:p="http://schemas.openxmlformats.org/presentationml/2006/main">
   <p:tag name="OUTPUTDPI" val="1200"/>
+  <p:tag name="ORIGINALHEIGHT" val="111.9327"/>
+  <p:tag name="ORIGINALWIDTH" val="719.3802"/>
+  <p:tag name="LATEXADDIN" val="\documentclass{article}&#10;\usepackage{amsmath}&#10;\pagestyle{empty}&#10;\usepackage{amssymb}&#10;\usepackage{amsthm}&#10;\usepackage{bm}&#10;\usepackage{dsfont}&#10;&#10;\newtheorem*{mythm*}{Theorem}&#10;\newtheorem*{mylem*}{Lemma}&#10;\newtheorem*{mycor*}{Corollary}&#10;\begin{document}&#10;&#10;\begin{mylem*}&#10;The expected time $r_i$ for a random walk starting at node $i$ to return to $i$ is the reciprocal of the stationary probability of $i$.&#10;That is&#10;\[&#10;r_i = \frac{1}{\pi_i}.&#10;\]&#10;\end{mylem*}&#10;&#10;&#10;\end{document}"/>
+  <p:tag name="IGUANATEXSIZE" val="20"/>
+  <p:tag name="IGUANATEXCURSOR" val="230"/>
+  <p:tag name="TRANSPARENCY" val="True"/>
+  <p:tag name="FILENAME" val=""/>
+  <p:tag name="LATEXENGINEID" val="0"/>
+  <p:tag name="TEMPFOLDER" val="c:\temp\"/>
+  <p:tag name="LATEXFORMHEIGHT" val="312"/>
+  <p:tag name="LATEXFORMWIDTH" val="384"/>
+  <p:tag name="LATEXFORMWRAP" val="True"/>
+  <p:tag name="BITMAPVECTOR" val="0"/>
+</p:tagLst>
+</file>
+
+<file path=ppt/tags/tag67.xml><?xml version="1.0" encoding="utf-8"?>
+<p:tagLst xmlns:a="http://schemas.openxmlformats.org/drawingml/2006/main" xmlns:r="http://schemas.openxmlformats.org/officeDocument/2006/relationships" xmlns:p="http://schemas.openxmlformats.org/presentationml/2006/main">
+  <p:tag name="OUTPUTDPI" val="1200"/>
+  <p:tag name="ORIGINALHEIGHT" val="56.24299"/>
+  <p:tag name="ORIGINALWIDTH" val="79.49008"/>
+  <p:tag name="LATEXADDIN" val="\documentclass{article}&#10;\usepackage{amsmath}&#10;\usepackage{bm}&#10;\pagestyle{empty}&#10;\begin{document}&#10;&#10;$\bm{\pi}$&#10;&#10;&#10;\end{document}"/>
+  <p:tag name="IGUANATEXSIZE" val="20"/>
+  <p:tag name="IGUANATEXCURSOR" val="107"/>
+  <p:tag name="TRANSPARENCY" val="True"/>
+  <p:tag name="FILENAME" val=""/>
+  <p:tag name="LATEXENGINEID" val="0"/>
+  <p:tag name="TEMPFOLDER" val="c:\temp\"/>
+  <p:tag name="LATEXFORMHEIGHT" val="312"/>
+  <p:tag name="LATEXFORMWIDTH" val="384"/>
+  <p:tag name="LATEXFORMWRAP" val="True"/>
+  <p:tag name="BITMAPVECTOR" val="0"/>
+</p:tagLst>
+</file>
+
+<file path=ppt/tags/tag68.xml><?xml version="1.0" encoding="utf-8"?>
+<p:tagLst xmlns:a="http://schemas.openxmlformats.org/drawingml/2006/main" xmlns:r="http://schemas.openxmlformats.org/officeDocument/2006/relationships" xmlns:p="http://schemas.openxmlformats.org/presentationml/2006/main">
+  <p:tag name="OUTPUTDPI" val="1200"/>
+  <p:tag name="ORIGINALHEIGHT" val="103.4871"/>
+  <p:tag name="ORIGINALWIDTH" val="197.2254"/>
+  <p:tag name="LATEXADDIN" val="\documentclass{article}&#10;\usepackage{amsmath}&#10;\pagestyle{empty}&#10;\begin{document}&#10;&#10;$\pi_i T$&#10;&#10;&#10;\end{document}"/>
+  <p:tag name="IGUANATEXSIZE" val="20"/>
+  <p:tag name="IGUANATEXCURSOR" val="88"/>
+  <p:tag name="TRANSPARENCY" val="True"/>
+  <p:tag name="FILENAME" val=""/>
+  <p:tag name="LATEXENGINEID" val="0"/>
+  <p:tag name="TEMPFOLDER" val="c:\temp\"/>
+  <p:tag name="LATEXFORMHEIGHT" val="312"/>
+  <p:tag name="LATEXFORMWIDTH" val="384"/>
+  <p:tag name="LATEXFORMWRAP" val="True"/>
+  <p:tag name="BITMAPVECTOR" val="0"/>
+</p:tagLst>
+</file>
+
+<file path=ppt/tags/tag69.xml><?xml version="1.0" encoding="utf-8"?>
+<p:tagLst xmlns:a="http://schemas.openxmlformats.org/drawingml/2006/main" xmlns:r="http://schemas.openxmlformats.org/officeDocument/2006/relationships" xmlns:p="http://schemas.openxmlformats.org/presentationml/2006/main">
+  <p:tag name="OUTPUTDPI" val="1200"/>
+  <p:tag name="ORIGINALHEIGHT" val="164.2294"/>
+  <p:tag name="ORIGINALWIDTH" val="493.4384"/>
+  <p:tag name="LATEXADDIN" val="\documentclass{article}&#10;\usepackage{amsmath}&#10;\pagestyle{empty}&#10;\begin{document}&#10;&#10;$\frac{T}{\pi_i \cdot T} = \frac{1}{\pi_i}$&#10;&#10;&#10;\end{document}"/>
+  <p:tag name="IGUANATEXSIZE" val="20"/>
+  <p:tag name="IGUANATEXCURSOR" val="124"/>
+  <p:tag name="TRANSPARENCY" val="True"/>
+  <p:tag name="FILENAME" val=""/>
+  <p:tag name="LATEXENGINEID" val="0"/>
+  <p:tag name="TEMPFOLDER" val="c:\temp\"/>
+  <p:tag name="LATEXFORMHEIGHT" val="312"/>
+  <p:tag name="LATEXFORMWIDTH" val="384"/>
+  <p:tag name="LATEXFORMWRAP" val="True"/>
+  <p:tag name="BITMAPVECTOR" val="0"/>
+</p:tagLst>
+</file>
+
+<file path=ppt/tags/tag7.xml><?xml version="1.0" encoding="utf-8"?>
+<p:tagLst xmlns:a="http://schemas.openxmlformats.org/drawingml/2006/main" xmlns:r="http://schemas.openxmlformats.org/officeDocument/2006/relationships" xmlns:p="http://schemas.openxmlformats.org/presentationml/2006/main">
+  <p:tag name="OUTPUTDPI" val="1200"/>
+  <p:tag name="ORIGINALHEIGHT" val="131.2336"/>
+  <p:tag name="ORIGINALWIDTH" val="245.2194"/>
+  <p:tag name="LATEXADDIN" val="\documentclass{article}&#10;\usepackage{amsmath}&#10;\usepackage{bm}&#10;\usepackage{amssymb}&#10;\pagestyle{empty}&#10;\begin{document}&#10;&#10;$\bm{p}_t \triangleq$&#10;&#10;&#10;\end{document}"/>
+  <p:tag name="IGUANATEXSIZE" val="20"/>
+  <p:tag name="IGUANATEXCURSOR" val="81"/>
+  <p:tag name="TRANSPARENCY" val="True"/>
+  <p:tag name="FILENAME" val=""/>
+  <p:tag name="LATEXENGINEID" val="0"/>
+  <p:tag name="TEMPFOLDER" val="c:\temp\"/>
+  <p:tag name="LATEXFORMHEIGHT" val="312"/>
+  <p:tag name="LATEXFORMWIDTH" val="384"/>
+  <p:tag name="LATEXFORMWRAP" val="True"/>
+  <p:tag name="BITMAPVECTOR" val="0"/>
+</p:tagLst>
+</file>
+
+<file path=ppt/tags/tag70.xml><?xml version="1.0" encoding="utf-8"?>
+<p:tagLst xmlns:a="http://schemas.openxmlformats.org/drawingml/2006/main" xmlns:r="http://schemas.openxmlformats.org/officeDocument/2006/relationships" xmlns:p="http://schemas.openxmlformats.org/presentationml/2006/main">
+  <p:tag name="TIMING" val="|14.6"/>
+</p:tagLst>
+</file>
+
+<file path=ppt/tags/tag71.xml><?xml version="1.0" encoding="utf-8"?>
+<p:tagLst xmlns:a="http://schemas.openxmlformats.org/drawingml/2006/main" xmlns:r="http://schemas.openxmlformats.org/officeDocument/2006/relationships" xmlns:p="http://schemas.openxmlformats.org/presentationml/2006/main">
+  <p:tag name="OUTPUTDPI" val="1200"/>
   <p:tag name="ORIGINALHEIGHT" val="156.7712"/>
   <p:tag name="ORIGINALWIDTH" val="720.3619"/>
   <p:tag name="LATEXADDIN" val="\documentclass{article}&#10;\usepackage{amsmath}&#10;\pagestyle{empty}&#10;\usepackage{amssymb}&#10;\usepackage{amsthm}&#10;\usepackage{bm}&#10;\usepackage{dsfont}&#10;\newtheorem*{mythm*}{Theorem}&#10;\newtheorem*{mylem*}{Lemma}&#10;\newtheorem*{mycor*}{Corollary}&#10;\begin{document}&#10;&#10;\begin{mythm*}&#10;The probability that a random walk starting at node $i$ visits $j$ before returning to $i$, which equals $\mathrm{ep}(i\rightarrow j)$, satisfies&#10;\[&#10;\mathrm{ep}(i\rightarrow j)c(i,j) = \frac{1}{\pi_i},&#10;\]&#10;where $c(i,j)$ is the commute time between $i$ and $j$.&#10;\end{mythm*}&#10;&#10;&#10;\end{document}"/>
@@ -40233,7 +40678,7 @@
 </p:tagLst>
 </file>
 
-<file path=ppt/tags/tag67.xml><?xml version="1.0" encoding="utf-8"?>
+<file path=ppt/tags/tag72.xml><?xml version="1.0" encoding="utf-8"?>
 <p:tagLst xmlns:a="http://schemas.openxmlformats.org/drawingml/2006/main" xmlns:r="http://schemas.openxmlformats.org/officeDocument/2006/relationships" xmlns:p="http://schemas.openxmlformats.org/presentationml/2006/main">
   <p:tag name="OUTPUTDPI" val="1200"/>
   <p:tag name="ORIGINALHEIGHT" val="163.4795"/>
@@ -40252,7 +40697,7 @@
 </p:tagLst>
 </file>
 
-<file path=ppt/tags/tag68.xml><?xml version="1.0" encoding="utf-8"?>
+<file path=ppt/tags/tag73.xml><?xml version="1.0" encoding="utf-8"?>
 <p:tagLst xmlns:a="http://schemas.openxmlformats.org/drawingml/2006/main" xmlns:r="http://schemas.openxmlformats.org/officeDocument/2006/relationships" xmlns:p="http://schemas.openxmlformats.org/presentationml/2006/main">
   <p:tag name="OUTPUTDPI" val="1200"/>
   <p:tag name="ORIGINALHEIGHT" val="123.7346"/>
@@ -40271,7 +40716,7 @@
 </p:tagLst>
 </file>
 
-<file path=ppt/tags/tag69.xml><?xml version="1.0" encoding="utf-8"?>
+<file path=ppt/tags/tag74.xml><?xml version="1.0" encoding="utf-8"?>
 <p:tagLst xmlns:a="http://schemas.openxmlformats.org/drawingml/2006/main" xmlns:r="http://schemas.openxmlformats.org/officeDocument/2006/relationships" xmlns:p="http://schemas.openxmlformats.org/presentationml/2006/main">
   <p:tag name="OUTPUTDPI" val="1200"/>
   <p:tag name="ORIGINALHEIGHT" val="137.9828"/>
@@ -40290,26 +40735,7 @@
 </p:tagLst>
 </file>
 
-<file path=ppt/tags/tag7.xml><?xml version="1.0" encoding="utf-8"?>
-<p:tagLst xmlns:a="http://schemas.openxmlformats.org/drawingml/2006/main" xmlns:r="http://schemas.openxmlformats.org/officeDocument/2006/relationships" xmlns:p="http://schemas.openxmlformats.org/presentationml/2006/main">
-  <p:tag name="OUTPUTDPI" val="1200"/>
-  <p:tag name="ORIGINALHEIGHT" val="75.74055"/>
-  <p:tag name="ORIGINALWIDTH" val="331.4586"/>
-  <p:tag name="LATEXADDIN" val="\documentclass{article}&#10;\usepackage{amsmath}&#10;\usepackage{bm}&#10;\pagestyle{empty}&#10;\begin{document}&#10;&#10;\[&#10;\bm{r} = \bm{e}_i&#10;\]&#10;&#10;&#10;\end{document}"/>
-  <p:tag name="IGUANATEXSIZE" val="24"/>
-  <p:tag name="IGUANATEXCURSOR" val="117"/>
-  <p:tag name="TRANSPARENCY" val="True"/>
-  <p:tag name="FILENAME" val=""/>
-  <p:tag name="LATEXENGINEID" val="0"/>
-  <p:tag name="TEMPFOLDER" val="c:\temp\"/>
-  <p:tag name="LATEXFORMHEIGHT" val="312"/>
-  <p:tag name="LATEXFORMWIDTH" val="384"/>
-  <p:tag name="LATEXFORMWRAP" val="True"/>
-  <p:tag name="BITMAPVECTOR" val="0"/>
-</p:tagLst>
-</file>
-
-<file path=ppt/tags/tag70.xml><?xml version="1.0" encoding="utf-8"?>
+<file path=ppt/tags/tag75.xml><?xml version="1.0" encoding="utf-8"?>
 <p:tagLst xmlns:a="http://schemas.openxmlformats.org/drawingml/2006/main" xmlns:r="http://schemas.openxmlformats.org/officeDocument/2006/relationships" xmlns:p="http://schemas.openxmlformats.org/presentationml/2006/main">
   <p:tag name="OUTPUTDPI" val="1200"/>
   <p:tag name="ORIGINALHEIGHT" val="123.7346"/>
@@ -40328,7 +40754,7 @@
 </p:tagLst>
 </file>
 
-<file path=ppt/tags/tag71.xml><?xml version="1.0" encoding="utf-8"?>
+<file path=ppt/tags/tag76.xml><?xml version="1.0" encoding="utf-8"?>
 <p:tagLst xmlns:a="http://schemas.openxmlformats.org/drawingml/2006/main" xmlns:r="http://schemas.openxmlformats.org/officeDocument/2006/relationships" xmlns:p="http://schemas.openxmlformats.org/presentationml/2006/main">
   <p:tag name="OUTPUTDPI" val="1200"/>
   <p:tag name="ORIGINALHEIGHT" val="163.4795"/>
@@ -40347,13 +40773,13 @@
 </p:tagLst>
 </file>
 
-<file path=ppt/tags/tag72.xml><?xml version="1.0" encoding="utf-8"?>
+<file path=ppt/tags/tag77.xml><?xml version="1.0" encoding="utf-8"?>
 <p:tagLst xmlns:a="http://schemas.openxmlformats.org/drawingml/2006/main" xmlns:r="http://schemas.openxmlformats.org/officeDocument/2006/relationships" xmlns:p="http://schemas.openxmlformats.org/presentationml/2006/main">
   <p:tag name="TIMING" val="|14.6"/>
 </p:tagLst>
 </file>
 
-<file path=ppt/tags/tag73.xml><?xml version="1.0" encoding="utf-8"?>
+<file path=ppt/tags/tag78.xml><?xml version="1.0" encoding="utf-8"?>
 <p:tagLst xmlns:a="http://schemas.openxmlformats.org/drawingml/2006/main" xmlns:r="http://schemas.openxmlformats.org/officeDocument/2006/relationships" xmlns:p="http://schemas.openxmlformats.org/presentationml/2006/main">
   <p:tag name="OUTPUTDPI" val="1200"/>
   <p:tag name="ORIGINALHEIGHT" val="156.7712"/>
@@ -40372,7 +40798,7 @@
 </p:tagLst>
 </file>
 
-<file path=ppt/tags/tag74.xml><?xml version="1.0" encoding="utf-8"?>
+<file path=ppt/tags/tag79.xml><?xml version="1.0" encoding="utf-8"?>
 <p:tagLst xmlns:a="http://schemas.openxmlformats.org/drawingml/2006/main" xmlns:r="http://schemas.openxmlformats.org/officeDocument/2006/relationships" xmlns:p="http://schemas.openxmlformats.org/presentationml/2006/main">
   <p:tag name="OUTPUTDPI" val="1200"/>
   <p:tag name="ORIGINALHEIGHT" val="224.222"/>
@@ -40391,7 +40817,26 @@
 </p:tagLst>
 </file>
 
-<file path=ppt/tags/tag75.xml><?xml version="1.0" encoding="utf-8"?>
+<file path=ppt/tags/tag8.xml><?xml version="1.0" encoding="utf-8"?>
+<p:tagLst xmlns:a="http://schemas.openxmlformats.org/drawingml/2006/main" xmlns:r="http://schemas.openxmlformats.org/officeDocument/2006/relationships" xmlns:p="http://schemas.openxmlformats.org/presentationml/2006/main">
+  <p:tag name="OUTPUTDPI" val="1200"/>
+  <p:tag name="ORIGINALHEIGHT" val="114.7357"/>
+  <p:tag name="ORIGINALWIDTH" val="637.4203"/>
+  <p:tag name="LATEXADDIN" val="\documentclass{article}&#10;\usepackage{amsmath}&#10;\usepackage{bm}&#10;\pagestyle{empty}&#10;\begin{document}&#10;&#10;$\bm{p}_{t+1} = \bm{p}_t \bm{P}$&#10;&#10;&#10;\end{document}"/>
+  <p:tag name="IGUANATEXSIZE" val="20"/>
+  <p:tag name="IGUANATEXCURSOR" val="129"/>
+  <p:tag name="TRANSPARENCY" val="True"/>
+  <p:tag name="FILENAME" val=""/>
+  <p:tag name="LATEXENGINEID" val="0"/>
+  <p:tag name="TEMPFOLDER" val="c:\temp\"/>
+  <p:tag name="LATEXFORMHEIGHT" val="312"/>
+  <p:tag name="LATEXFORMWIDTH" val="384"/>
+  <p:tag name="LATEXFORMWRAP" val="True"/>
+  <p:tag name="BITMAPVECTOR" val="0"/>
+</p:tagLst>
+</file>
+
+<file path=ppt/tags/tag80.xml><?xml version="1.0" encoding="utf-8"?>
 <p:tagLst xmlns:a="http://schemas.openxmlformats.org/drawingml/2006/main" xmlns:r="http://schemas.openxmlformats.org/officeDocument/2006/relationships" xmlns:p="http://schemas.openxmlformats.org/presentationml/2006/main">
   <p:tag name="OUTPUTDPI" val="1200"/>
   <p:tag name="ORIGINALHEIGHT" val="123.7346"/>
@@ -40410,7 +40855,7 @@
 </p:tagLst>
 </file>
 
-<file path=ppt/tags/tag76.xml><?xml version="1.0" encoding="utf-8"?>
+<file path=ppt/tags/tag81.xml><?xml version="1.0" encoding="utf-8"?>
 <p:tagLst xmlns:a="http://schemas.openxmlformats.org/drawingml/2006/main" xmlns:r="http://schemas.openxmlformats.org/officeDocument/2006/relationships" xmlns:p="http://schemas.openxmlformats.org/presentationml/2006/main">
   <p:tag name="OUTPUTDPI" val="1200"/>
   <p:tag name="ORIGINALHEIGHT" val="89.98874"/>
@@ -40418,25 +40863,6 @@
   <p:tag name="LATEXADDIN" val="\documentclass{article}&#10;\usepackage{amsmath}&#10;\pagestyle{empty}&#10;\begin{document}&#10;&#10;$\pi_j$&#10;&#10;&#10;\end{document}"/>
   <p:tag name="IGUANATEXSIZE" val="22"/>
   <p:tag name="IGUANATEXCURSOR" val="88"/>
-  <p:tag name="TRANSPARENCY" val="True"/>
-  <p:tag name="FILENAME" val=""/>
-  <p:tag name="LATEXENGINEID" val="0"/>
-  <p:tag name="TEMPFOLDER" val="c:\temp\"/>
-  <p:tag name="LATEXFORMHEIGHT" val="312"/>
-  <p:tag name="LATEXFORMWIDTH" val="384"/>
-  <p:tag name="LATEXFORMWRAP" val="True"/>
-  <p:tag name="BITMAPVECTOR" val="0"/>
-</p:tagLst>
-</file>
-
-<file path=ppt/tags/tag8.xml><?xml version="1.0" encoding="utf-8"?>
-<p:tagLst xmlns:a="http://schemas.openxmlformats.org/drawingml/2006/main" xmlns:r="http://schemas.openxmlformats.org/officeDocument/2006/relationships" xmlns:p="http://schemas.openxmlformats.org/presentationml/2006/main">
-  <p:tag name="OUTPUTDPI" val="1200"/>
-  <p:tag name="ORIGINALHEIGHT" val="106.4867"/>
-  <p:tag name="ORIGINALWIDTH" val="529.4338"/>
-  <p:tag name="LATEXADDIN" val="\documentclass{article}&#10;\usepackage{amsmath}&#10;\usepackage{bm}&#10;\pagestyle{empty}&#10;\begin{document}&#10;&#10;$\bm{\pi} = \bm{P}^\top \bm{\pi}$&#10;&#10;&#10;\end{document}"/>
-  <p:tag name="IGUANATEXSIZE" val="24"/>
-  <p:tag name="IGUANATEXCURSOR" val="60"/>
   <p:tag name="TRANSPARENCY" val="True"/>
   <p:tag name="FILENAME" val=""/>
   <p:tag name="LATEXENGINEID" val="0"/>
